--- a/manual/Pictures 2.0/Pictures 2.0.pptx
+++ b/manual/Pictures 2.0/Pictures 2.0.pptx
@@ -6,14 +6,15 @@
   </p:sldMasterIdLst>
   <p:sldIdLst>
     <p:sldId id="262" r:id="rId2"/>
-    <p:sldId id="263" r:id="rId3"/>
-    <p:sldId id="264" r:id="rId4"/>
-    <p:sldId id="265" r:id="rId5"/>
-    <p:sldId id="266" r:id="rId6"/>
-    <p:sldId id="267" r:id="rId7"/>
-    <p:sldId id="268" r:id="rId8"/>
-    <p:sldId id="269" r:id="rId9"/>
-    <p:sldId id="270" r:id="rId10"/>
+    <p:sldId id="271" r:id="rId3"/>
+    <p:sldId id="263" r:id="rId4"/>
+    <p:sldId id="264" r:id="rId5"/>
+    <p:sldId id="265" r:id="rId6"/>
+    <p:sldId id="266" r:id="rId7"/>
+    <p:sldId id="267" r:id="rId8"/>
+    <p:sldId id="268" r:id="rId9"/>
+    <p:sldId id="269" r:id="rId10"/>
+    <p:sldId id="270" r:id="rId11"/>
   </p:sldIdLst>
   <p:sldSz cx="9144000" cy="6858000" type="screen4x3"/>
   <p:notesSz cx="6858000" cy="9144000"/>
@@ -4161,7 +4162,611 @@
 </p:sld>
 </file>
 
+<file path=ppt/slides/slide10.xml><?xml version="1.0" encoding="utf-8"?>
+<p:sld xmlns:a="http://schemas.openxmlformats.org/drawingml/2006/main" xmlns:r="http://schemas.openxmlformats.org/officeDocument/2006/relationships" xmlns:p="http://schemas.openxmlformats.org/presentationml/2006/main">
+  <p:cSld>
+    <p:spTree>
+      <p:nvGrpSpPr>
+        <p:cNvPr id="1" name=""/>
+        <p:cNvGrpSpPr/>
+        <p:nvPr/>
+      </p:nvGrpSpPr>
+      <p:grpSpPr>
+        <a:xfrm>
+          <a:off x="0" y="0"/>
+          <a:ext cx="0" cy="0"/>
+          <a:chOff x="0" y="0"/>
+          <a:chExt cx="0" cy="0"/>
+        </a:xfrm>
+      </p:grpSpPr>
+    </p:spTree>
+    <p:extLst>
+      <p:ext uri="{BB962C8B-B14F-4D97-AF65-F5344CB8AC3E}">
+        <p14:creationId xmlns:p14="http://schemas.microsoft.com/office/powerpoint/2010/main" val="1001471130"/>
+      </p:ext>
+    </p:extLst>
+  </p:cSld>
+  <p:clrMapOvr>
+    <a:masterClrMapping/>
+  </p:clrMapOvr>
+</p:sld>
+</file>
+
 <file path=ppt/slides/slide2.xml><?xml version="1.0" encoding="utf-8"?>
+<p:sld xmlns:a="http://schemas.openxmlformats.org/drawingml/2006/main" xmlns:r="http://schemas.openxmlformats.org/officeDocument/2006/relationships" xmlns:p="http://schemas.openxmlformats.org/presentationml/2006/main">
+  <p:cSld>
+    <p:spTree>
+      <p:nvGrpSpPr>
+        <p:cNvPr id="1" name=""/>
+        <p:cNvGrpSpPr/>
+        <p:nvPr/>
+      </p:nvGrpSpPr>
+      <p:grpSpPr>
+        <a:xfrm>
+          <a:off x="0" y="0"/>
+          <a:ext cx="0" cy="0"/>
+          <a:chOff x="0" y="0"/>
+          <a:chExt cx="0" cy="0"/>
+        </a:xfrm>
+      </p:grpSpPr>
+      <p:grpSp>
+        <p:nvGrpSpPr>
+          <p:cNvPr id="23" name="Group 22">
+            <a:extLst>
+              <a:ext uri="{FF2B5EF4-FFF2-40B4-BE49-F238E27FC236}">
+                <a16:creationId xmlns:a16="http://schemas.microsoft.com/office/drawing/2014/main" id="{1CDB5274-F06F-AF7D-493D-C843DE39B82B}"/>
+              </a:ext>
+            </a:extLst>
+          </p:cNvPr>
+          <p:cNvGrpSpPr/>
+          <p:nvPr/>
+        </p:nvGrpSpPr>
+        <p:grpSpPr>
+          <a:xfrm>
+            <a:off x="740567" y="328613"/>
+            <a:ext cx="2333625" cy="2009775"/>
+            <a:chOff x="261938" y="309563"/>
+            <a:chExt cx="2333625" cy="2009775"/>
+          </a:xfrm>
+        </p:grpSpPr>
+        <p:graphicFrame>
+          <p:nvGraphicFramePr>
+            <p:cNvPr id="11" name="Object 10">
+              <a:extLst>
+                <a:ext uri="{FF2B5EF4-FFF2-40B4-BE49-F238E27FC236}">
+                  <a16:creationId xmlns:a16="http://schemas.microsoft.com/office/drawing/2014/main" id="{61734494-B75B-40C1-0CCE-A89B8EA29435}"/>
+                </a:ext>
+              </a:extLst>
+            </p:cNvPr>
+            <p:cNvGraphicFramePr>
+              <a:graphicFrameLocks noChangeAspect="1"/>
+            </p:cNvGraphicFramePr>
+            <p:nvPr>
+              <p:extLst>
+                <p:ext uri="{D42A27DB-BD31-4B8C-83A1-F6EECF244321}">
+                  <p14:modId xmlns:p14="http://schemas.microsoft.com/office/powerpoint/2010/main" val="795417189"/>
+                </p:ext>
+              </p:extLst>
+            </p:nvPr>
+          </p:nvGraphicFramePr>
+          <p:xfrm>
+            <a:off x="280988" y="328613"/>
+            <a:ext cx="2314575" cy="1990725"/>
+          </p:xfrm>
+          <a:graphic>
+            <a:graphicData uri="http://schemas.openxmlformats.org/presentationml/2006/ole">
+              <mc:AlternateContent xmlns:mc="http://schemas.openxmlformats.org/markup-compatibility/2006">
+                <mc:Choice xmlns:v="urn:schemas-microsoft-com:vml" Requires="v">
+                  <p:oleObj name="Bitmap Image" r:id="rId2" imgW="2314440" imgH="1990800" progId="PBrush">
+                    <p:embed/>
+                  </p:oleObj>
+                </mc:Choice>
+                <mc:Fallback>
+                  <p:oleObj name="Bitmap Image" r:id="rId2" imgW="2314440" imgH="1990800" progId="PBrush">
+                    <p:embed/>
+                    <p:pic>
+                      <p:nvPicPr>
+                        <p:cNvPr id="0" name=""/>
+                        <p:cNvPicPr/>
+                        <p:nvPr/>
+                      </p:nvPicPr>
+                      <p:blipFill>
+                        <a:blip r:embed="rId3"/>
+                        <a:stretch>
+                          <a:fillRect/>
+                        </a:stretch>
+                      </p:blipFill>
+                      <p:spPr>
+                        <a:xfrm>
+                          <a:off x="280988" y="328613"/>
+                          <a:ext cx="2314575" cy="1990725"/>
+                        </a:xfrm>
+                        <a:prstGeom prst="rect">
+                          <a:avLst/>
+                        </a:prstGeom>
+                      </p:spPr>
+                    </p:pic>
+                  </p:oleObj>
+                </mc:Fallback>
+              </mc:AlternateContent>
+            </a:graphicData>
+          </a:graphic>
+        </p:graphicFrame>
+        <p:sp>
+          <p:nvSpPr>
+            <p:cNvPr id="12" name="Овал 5">
+              <a:extLst>
+                <a:ext uri="{FF2B5EF4-FFF2-40B4-BE49-F238E27FC236}">
+                  <a16:creationId xmlns:a16="http://schemas.microsoft.com/office/drawing/2014/main" id="{2862245D-BD5C-B83A-83E5-38D4080DF592}"/>
+                </a:ext>
+              </a:extLst>
+            </p:cNvPr>
+            <p:cNvSpPr/>
+            <p:nvPr/>
+          </p:nvSpPr>
+          <p:spPr>
+            <a:xfrm>
+              <a:off x="261938" y="309563"/>
+              <a:ext cx="361950" cy="247650"/>
+            </a:xfrm>
+            <a:prstGeom prst="ellipse">
+              <a:avLst/>
+            </a:prstGeom>
+            <a:noFill/>
+            <a:ln w="19050">
+              <a:solidFill>
+                <a:srgbClr val="FF0000"/>
+              </a:solidFill>
+            </a:ln>
+          </p:spPr>
+          <p:style>
+            <a:lnRef idx="2">
+              <a:schemeClr val="accent1">
+                <a:shade val="50000"/>
+              </a:schemeClr>
+            </a:lnRef>
+            <a:fillRef idx="1">
+              <a:schemeClr val="accent1"/>
+            </a:fillRef>
+            <a:effectRef idx="0">
+              <a:schemeClr val="accent1"/>
+            </a:effectRef>
+            <a:fontRef idx="minor">
+              <a:schemeClr val="lt1"/>
+            </a:fontRef>
+          </p:style>
+          <p:txBody>
+            <a:bodyPr rtlCol="0" anchor="ctr"/>
+            <a:lstStyle/>
+            <a:p>
+              <a:pPr algn="ctr"/>
+              <a:endParaRPr lang="ru-RU"/>
+            </a:p>
+          </p:txBody>
+        </p:sp>
+      </p:grpSp>
+      <p:grpSp>
+        <p:nvGrpSpPr>
+          <p:cNvPr id="24" name="Group 23">
+            <a:extLst>
+              <a:ext uri="{FF2B5EF4-FFF2-40B4-BE49-F238E27FC236}">
+                <a16:creationId xmlns:a16="http://schemas.microsoft.com/office/drawing/2014/main" id="{1C67D4B8-CCAC-2FAE-8DA4-565E6102D899}"/>
+              </a:ext>
+            </a:extLst>
+          </p:cNvPr>
+          <p:cNvGrpSpPr/>
+          <p:nvPr/>
+        </p:nvGrpSpPr>
+        <p:grpSpPr>
+          <a:xfrm>
+            <a:off x="4572000" y="328613"/>
+            <a:ext cx="3276600" cy="1181100"/>
+            <a:chOff x="2828925" y="309563"/>
+            <a:chExt cx="3276600" cy="1181100"/>
+          </a:xfrm>
+        </p:grpSpPr>
+        <p:graphicFrame>
+          <p:nvGraphicFramePr>
+            <p:cNvPr id="14" name="Object 13">
+              <a:extLst>
+                <a:ext uri="{FF2B5EF4-FFF2-40B4-BE49-F238E27FC236}">
+                  <a16:creationId xmlns:a16="http://schemas.microsoft.com/office/drawing/2014/main" id="{6F39115B-FD5B-4C5D-FEFC-7AFF06DE6573}"/>
+                </a:ext>
+              </a:extLst>
+            </p:cNvPr>
+            <p:cNvGraphicFramePr>
+              <a:graphicFrameLocks noChangeAspect="1"/>
+            </p:cNvGraphicFramePr>
+            <p:nvPr>
+              <p:extLst>
+                <p:ext uri="{D42A27DB-BD31-4B8C-83A1-F6EECF244321}">
+                  <p14:modId xmlns:p14="http://schemas.microsoft.com/office/powerpoint/2010/main" val="916739203"/>
+                </p:ext>
+              </p:extLst>
+            </p:nvPr>
+          </p:nvGraphicFramePr>
+          <p:xfrm>
+            <a:off x="2828925" y="328613"/>
+            <a:ext cx="3276600" cy="1162050"/>
+          </p:xfrm>
+          <a:graphic>
+            <a:graphicData uri="http://schemas.openxmlformats.org/presentationml/2006/ole">
+              <mc:AlternateContent xmlns:mc="http://schemas.openxmlformats.org/markup-compatibility/2006">
+                <mc:Choice xmlns:v="urn:schemas-microsoft-com:vml" Requires="v">
+                  <p:oleObj name="Bitmap Image" r:id="rId4" imgW="3276720" imgH="1162080" progId="PBrush">
+                    <p:embed/>
+                  </p:oleObj>
+                </mc:Choice>
+                <mc:Fallback>
+                  <p:oleObj name="Bitmap Image" r:id="rId4" imgW="3276720" imgH="1162080" progId="PBrush">
+                    <p:embed/>
+                    <p:pic>
+                      <p:nvPicPr>
+                        <p:cNvPr id="0" name=""/>
+                        <p:cNvPicPr/>
+                        <p:nvPr/>
+                      </p:nvPicPr>
+                      <p:blipFill>
+                        <a:blip r:embed="rId5"/>
+                        <a:stretch>
+                          <a:fillRect/>
+                        </a:stretch>
+                      </p:blipFill>
+                      <p:spPr>
+                        <a:xfrm>
+                          <a:off x="2828925" y="328613"/>
+                          <a:ext cx="3276600" cy="1162050"/>
+                        </a:xfrm>
+                        <a:prstGeom prst="rect">
+                          <a:avLst/>
+                        </a:prstGeom>
+                      </p:spPr>
+                    </p:pic>
+                  </p:oleObj>
+                </mc:Fallback>
+              </mc:AlternateContent>
+            </a:graphicData>
+          </a:graphic>
+        </p:graphicFrame>
+        <p:sp>
+          <p:nvSpPr>
+            <p:cNvPr id="15" name="Овал 5">
+              <a:extLst>
+                <a:ext uri="{FF2B5EF4-FFF2-40B4-BE49-F238E27FC236}">
+                  <a16:creationId xmlns:a16="http://schemas.microsoft.com/office/drawing/2014/main" id="{3AAE8653-9A08-DD31-C4D4-605A9FD79282}"/>
+                </a:ext>
+              </a:extLst>
+            </p:cNvPr>
+            <p:cNvSpPr/>
+            <p:nvPr/>
+          </p:nvSpPr>
+          <p:spPr>
+            <a:xfrm>
+              <a:off x="3167063" y="309563"/>
+              <a:ext cx="614362" cy="247650"/>
+            </a:xfrm>
+            <a:prstGeom prst="ellipse">
+              <a:avLst/>
+            </a:prstGeom>
+            <a:noFill/>
+            <a:ln w="19050">
+              <a:solidFill>
+                <a:srgbClr val="FF0000"/>
+              </a:solidFill>
+            </a:ln>
+          </p:spPr>
+          <p:style>
+            <a:lnRef idx="2">
+              <a:schemeClr val="accent1">
+                <a:shade val="50000"/>
+              </a:schemeClr>
+            </a:lnRef>
+            <a:fillRef idx="1">
+              <a:schemeClr val="accent1"/>
+            </a:fillRef>
+            <a:effectRef idx="0">
+              <a:schemeClr val="accent1"/>
+            </a:effectRef>
+            <a:fontRef idx="minor">
+              <a:schemeClr val="lt1"/>
+            </a:fontRef>
+          </p:style>
+          <p:txBody>
+            <a:bodyPr rtlCol="0" anchor="ctr"/>
+            <a:lstStyle/>
+            <a:p>
+              <a:pPr algn="ctr"/>
+              <a:endParaRPr lang="ru-RU"/>
+            </a:p>
+          </p:txBody>
+        </p:sp>
+      </p:grpSp>
+      <p:grpSp>
+        <p:nvGrpSpPr>
+          <p:cNvPr id="25" name="Group 24">
+            <a:extLst>
+              <a:ext uri="{FF2B5EF4-FFF2-40B4-BE49-F238E27FC236}">
+                <a16:creationId xmlns:a16="http://schemas.microsoft.com/office/drawing/2014/main" id="{4BA16896-B106-D0E9-6546-A3C62E8034AA}"/>
+              </a:ext>
+            </a:extLst>
+          </p:cNvPr>
+          <p:cNvGrpSpPr/>
+          <p:nvPr/>
+        </p:nvGrpSpPr>
+        <p:grpSpPr>
+          <a:xfrm>
+            <a:off x="442913" y="3119437"/>
+            <a:ext cx="2809875" cy="619125"/>
+            <a:chOff x="357188" y="2752725"/>
+            <a:chExt cx="2809875" cy="619125"/>
+          </a:xfrm>
+        </p:grpSpPr>
+        <p:graphicFrame>
+          <p:nvGraphicFramePr>
+            <p:cNvPr id="17" name="Object 16">
+              <a:extLst>
+                <a:ext uri="{FF2B5EF4-FFF2-40B4-BE49-F238E27FC236}">
+                  <a16:creationId xmlns:a16="http://schemas.microsoft.com/office/drawing/2014/main" id="{2892E8B8-8A53-557F-57CC-FE6FC71705A3}"/>
+                </a:ext>
+              </a:extLst>
+            </p:cNvPr>
+            <p:cNvGraphicFramePr>
+              <a:graphicFrameLocks noChangeAspect="1"/>
+            </p:cNvGraphicFramePr>
+            <p:nvPr>
+              <p:extLst>
+                <p:ext uri="{D42A27DB-BD31-4B8C-83A1-F6EECF244321}">
+                  <p14:modId xmlns:p14="http://schemas.microsoft.com/office/powerpoint/2010/main" val="1558659177"/>
+                </p:ext>
+              </p:extLst>
+            </p:nvPr>
+          </p:nvGraphicFramePr>
+          <p:xfrm>
+            <a:off x="357188" y="2752725"/>
+            <a:ext cx="2809875" cy="619125"/>
+          </p:xfrm>
+          <a:graphic>
+            <a:graphicData uri="http://schemas.openxmlformats.org/presentationml/2006/ole">
+              <mc:AlternateContent xmlns:mc="http://schemas.openxmlformats.org/markup-compatibility/2006">
+                <mc:Choice xmlns:v="urn:schemas-microsoft-com:vml" Requires="v">
+                  <p:oleObj name="Bitmap Image" r:id="rId6" imgW="2809800" imgH="619200" progId="PBrush">
+                    <p:embed/>
+                  </p:oleObj>
+                </mc:Choice>
+                <mc:Fallback>
+                  <p:oleObj name="Bitmap Image" r:id="rId6" imgW="2809800" imgH="619200" progId="PBrush">
+                    <p:embed/>
+                    <p:pic>
+                      <p:nvPicPr>
+                        <p:cNvPr id="0" name=""/>
+                        <p:cNvPicPr/>
+                        <p:nvPr/>
+                      </p:nvPicPr>
+                      <p:blipFill>
+                        <a:blip r:embed="rId7"/>
+                        <a:stretch>
+                          <a:fillRect/>
+                        </a:stretch>
+                      </p:blipFill>
+                      <p:spPr>
+                        <a:xfrm>
+                          <a:off x="357188" y="2752725"/>
+                          <a:ext cx="2809875" cy="619125"/>
+                        </a:xfrm>
+                        <a:prstGeom prst="rect">
+                          <a:avLst/>
+                        </a:prstGeom>
+                      </p:spPr>
+                    </p:pic>
+                  </p:oleObj>
+                </mc:Fallback>
+              </mc:AlternateContent>
+            </a:graphicData>
+          </a:graphic>
+        </p:graphicFrame>
+        <p:sp>
+          <p:nvSpPr>
+            <p:cNvPr id="18" name="Овал 5">
+              <a:extLst>
+                <a:ext uri="{FF2B5EF4-FFF2-40B4-BE49-F238E27FC236}">
+                  <a16:creationId xmlns:a16="http://schemas.microsoft.com/office/drawing/2014/main" id="{36650704-0D18-8454-193E-7E58D2F1C8BD}"/>
+                </a:ext>
+              </a:extLst>
+            </p:cNvPr>
+            <p:cNvSpPr/>
+            <p:nvPr/>
+          </p:nvSpPr>
+          <p:spPr>
+            <a:xfrm>
+              <a:off x="1309687" y="2767013"/>
+              <a:ext cx="1023937" cy="247650"/>
+            </a:xfrm>
+            <a:prstGeom prst="ellipse">
+              <a:avLst/>
+            </a:prstGeom>
+            <a:noFill/>
+            <a:ln w="19050">
+              <a:solidFill>
+                <a:srgbClr val="FF0000"/>
+              </a:solidFill>
+            </a:ln>
+          </p:spPr>
+          <p:style>
+            <a:lnRef idx="2">
+              <a:schemeClr val="accent1">
+                <a:shade val="50000"/>
+              </a:schemeClr>
+            </a:lnRef>
+            <a:fillRef idx="1">
+              <a:schemeClr val="accent1"/>
+            </a:fillRef>
+            <a:effectRef idx="0">
+              <a:schemeClr val="accent1"/>
+            </a:effectRef>
+            <a:fontRef idx="minor">
+              <a:schemeClr val="lt1"/>
+            </a:fontRef>
+          </p:style>
+          <p:txBody>
+            <a:bodyPr rtlCol="0" anchor="ctr"/>
+            <a:lstStyle/>
+            <a:p>
+              <a:pPr algn="ctr"/>
+              <a:endParaRPr lang="ru-RU"/>
+            </a:p>
+          </p:txBody>
+        </p:sp>
+      </p:grpSp>
+      <p:grpSp>
+        <p:nvGrpSpPr>
+          <p:cNvPr id="26" name="Group 25">
+            <a:extLst>
+              <a:ext uri="{FF2B5EF4-FFF2-40B4-BE49-F238E27FC236}">
+                <a16:creationId xmlns:a16="http://schemas.microsoft.com/office/drawing/2014/main" id="{77B9BBAF-1E6B-A09A-C8E5-E135AF7D8772}"/>
+              </a:ext>
+            </a:extLst>
+          </p:cNvPr>
+          <p:cNvGrpSpPr/>
+          <p:nvPr/>
+        </p:nvGrpSpPr>
+        <p:grpSpPr>
+          <a:xfrm>
+            <a:off x="4572000" y="2543175"/>
+            <a:ext cx="3848100" cy="1309688"/>
+            <a:chOff x="4572000" y="2543175"/>
+            <a:chExt cx="3848100" cy="1309688"/>
+          </a:xfrm>
+        </p:grpSpPr>
+        <p:graphicFrame>
+          <p:nvGraphicFramePr>
+            <p:cNvPr id="21" name="Object 20">
+              <a:extLst>
+                <a:ext uri="{FF2B5EF4-FFF2-40B4-BE49-F238E27FC236}">
+                  <a16:creationId xmlns:a16="http://schemas.microsoft.com/office/drawing/2014/main" id="{2E2C0B60-319F-B687-5A1F-B11EE131FA01}"/>
+                </a:ext>
+              </a:extLst>
+            </p:cNvPr>
+            <p:cNvGraphicFramePr>
+              <a:graphicFrameLocks noChangeAspect="1"/>
+            </p:cNvGraphicFramePr>
+            <p:nvPr>
+              <p:extLst>
+                <p:ext uri="{D42A27DB-BD31-4B8C-83A1-F6EECF244321}">
+                  <p14:modId xmlns:p14="http://schemas.microsoft.com/office/powerpoint/2010/main" val="2254878889"/>
+                </p:ext>
+              </p:extLst>
+            </p:nvPr>
+          </p:nvGraphicFramePr>
+          <p:xfrm>
+            <a:off x="4572000" y="2890838"/>
+            <a:ext cx="3848100" cy="962025"/>
+          </p:xfrm>
+          <a:graphic>
+            <a:graphicData uri="http://schemas.openxmlformats.org/presentationml/2006/ole">
+              <mc:AlternateContent xmlns:mc="http://schemas.openxmlformats.org/markup-compatibility/2006">
+                <mc:Choice xmlns:v="urn:schemas-microsoft-com:vml" Requires="v">
+                  <p:oleObj name="Bitmap Image" r:id="rId8" imgW="3848040" imgH="961920" progId="PBrush">
+                    <p:embed/>
+                  </p:oleObj>
+                </mc:Choice>
+                <mc:Fallback>
+                  <p:oleObj name="Bitmap Image" r:id="rId8" imgW="3848040" imgH="961920" progId="PBrush">
+                    <p:embed/>
+                    <p:pic>
+                      <p:nvPicPr>
+                        <p:cNvPr id="0" name=""/>
+                        <p:cNvPicPr/>
+                        <p:nvPr/>
+                      </p:nvPicPr>
+                      <p:blipFill>
+                        <a:blip r:embed="rId9"/>
+                        <a:stretch>
+                          <a:fillRect/>
+                        </a:stretch>
+                      </p:blipFill>
+                      <p:spPr>
+                        <a:xfrm>
+                          <a:off x="4572000" y="2890838"/>
+                          <a:ext cx="3848100" cy="962025"/>
+                        </a:xfrm>
+                        <a:prstGeom prst="rect">
+                          <a:avLst/>
+                        </a:prstGeom>
+                      </p:spPr>
+                    </p:pic>
+                  </p:oleObj>
+                </mc:Fallback>
+              </mc:AlternateContent>
+            </a:graphicData>
+          </a:graphic>
+        </p:graphicFrame>
+        <p:sp>
+          <p:nvSpPr>
+            <p:cNvPr id="22" name="Овал 5">
+              <a:extLst>
+                <a:ext uri="{FF2B5EF4-FFF2-40B4-BE49-F238E27FC236}">
+                  <a16:creationId xmlns:a16="http://schemas.microsoft.com/office/drawing/2014/main" id="{7A902283-8550-0984-EC15-876D6A5950C4}"/>
+                </a:ext>
+              </a:extLst>
+            </p:cNvPr>
+            <p:cNvSpPr/>
+            <p:nvPr/>
+          </p:nvSpPr>
+          <p:spPr>
+            <a:xfrm>
+              <a:off x="6053137" y="2543175"/>
+              <a:ext cx="442913" cy="247650"/>
+            </a:xfrm>
+            <a:prstGeom prst="ellipse">
+              <a:avLst/>
+            </a:prstGeom>
+            <a:noFill/>
+            <a:ln w="19050">
+              <a:solidFill>
+                <a:srgbClr val="FF0000"/>
+              </a:solidFill>
+            </a:ln>
+          </p:spPr>
+          <p:style>
+            <a:lnRef idx="2">
+              <a:schemeClr val="accent1">
+                <a:shade val="50000"/>
+              </a:schemeClr>
+            </a:lnRef>
+            <a:fillRef idx="1">
+              <a:schemeClr val="accent1"/>
+            </a:fillRef>
+            <a:effectRef idx="0">
+              <a:schemeClr val="accent1"/>
+            </a:effectRef>
+            <a:fontRef idx="minor">
+              <a:schemeClr val="lt1"/>
+            </a:fontRef>
+          </p:style>
+          <p:txBody>
+            <a:bodyPr rtlCol="0" anchor="ctr"/>
+            <a:lstStyle/>
+            <a:p>
+              <a:pPr algn="ctr"/>
+              <a:endParaRPr lang="ru-RU"/>
+            </a:p>
+          </p:txBody>
+        </p:sp>
+      </p:grpSp>
+    </p:spTree>
+    <p:extLst>
+      <p:ext uri="{BB962C8B-B14F-4D97-AF65-F5344CB8AC3E}">
+        <p14:creationId xmlns:p14="http://schemas.microsoft.com/office/powerpoint/2010/main" val="2204062636"/>
+      </p:ext>
+    </p:extLst>
+  </p:cSld>
+  <p:clrMapOvr>
+    <a:masterClrMapping/>
+  </p:clrMapOvr>
+</p:sld>
+</file>
+
+<file path=ppt/slides/slide3.xml><?xml version="1.0" encoding="utf-8"?>
 <p:sld xmlns:a="http://schemas.openxmlformats.org/drawingml/2006/main" xmlns:r="http://schemas.openxmlformats.org/officeDocument/2006/relationships" xmlns:p="http://schemas.openxmlformats.org/presentationml/2006/main">
   <p:cSld>
     <p:spTree>
@@ -7060,7 +7665,7 @@
 </p:sld>
 </file>
 
-<file path=ppt/slides/slide3.xml><?xml version="1.0" encoding="utf-8"?>
+<file path=ppt/slides/slide4.xml><?xml version="1.0" encoding="utf-8"?>
 <p:sld xmlns:a="http://schemas.openxmlformats.org/drawingml/2006/main" xmlns:r="http://schemas.openxmlformats.org/officeDocument/2006/relationships" xmlns:p="http://schemas.openxmlformats.org/presentationml/2006/main">
   <p:cSld>
     <p:spTree>
@@ -7855,7 +8460,7 @@
 </p:sld>
 </file>
 
-<file path=ppt/slides/slide4.xml><?xml version="1.0" encoding="utf-8"?>
+<file path=ppt/slides/slide5.xml><?xml version="1.0" encoding="utf-8"?>
 <p:sld xmlns:a="http://schemas.openxmlformats.org/drawingml/2006/main" xmlns:r="http://schemas.openxmlformats.org/officeDocument/2006/relationships" xmlns:p="http://schemas.openxmlformats.org/presentationml/2006/main">
   <p:cSld>
     <p:spTree>
@@ -8824,7 +9429,7 @@
 </p:sld>
 </file>
 
-<file path=ppt/slides/slide5.xml><?xml version="1.0" encoding="utf-8"?>
+<file path=ppt/slides/slide6.xml><?xml version="1.0" encoding="utf-8"?>
 <p:sld xmlns:a="http://schemas.openxmlformats.org/drawingml/2006/main" xmlns:r="http://schemas.openxmlformats.org/officeDocument/2006/relationships" xmlns:p="http://schemas.openxmlformats.org/presentationml/2006/main">
   <p:cSld>
     <p:spTree>
@@ -9398,7 +10003,7 @@
 </p:sld>
 </file>
 
-<file path=ppt/slides/slide6.xml><?xml version="1.0" encoding="utf-8"?>
+<file path=ppt/slides/slide7.xml><?xml version="1.0" encoding="utf-8"?>
 <p:sld xmlns:a="http://schemas.openxmlformats.org/drawingml/2006/main" xmlns:r="http://schemas.openxmlformats.org/officeDocument/2006/relationships" xmlns:p="http://schemas.openxmlformats.org/presentationml/2006/main">
   <p:cSld>
     <p:spTree>
@@ -11183,7 +11788,7 @@
 </p:sld>
 </file>
 
-<file path=ppt/slides/slide7.xml><?xml version="1.0" encoding="utf-8"?>
+<file path=ppt/slides/slide8.xml><?xml version="1.0" encoding="utf-8"?>
 <p:sld xmlns:a="http://schemas.openxmlformats.org/drawingml/2006/main" xmlns:r="http://schemas.openxmlformats.org/officeDocument/2006/relationships" xmlns:p="http://schemas.openxmlformats.org/presentationml/2006/main">
   <p:cSld>
     <p:spTree>
@@ -11298,7 +11903,7 @@
 </p:sld>
 </file>
 
-<file path=ppt/slides/slide8.xml><?xml version="1.0" encoding="utf-8"?>
+<file path=ppt/slides/slide9.xml><?xml version="1.0" encoding="utf-8"?>
 <p:sld xmlns:a="http://schemas.openxmlformats.org/drawingml/2006/main" xmlns:r="http://schemas.openxmlformats.org/officeDocument/2006/relationships" xmlns:p="http://schemas.openxmlformats.org/presentationml/2006/main">
   <p:cSld>
     <p:spTree>
@@ -16515,36 +17120,6 @@
 </p:sld>
 </file>
 
-<file path=ppt/slides/slide9.xml><?xml version="1.0" encoding="utf-8"?>
-<p:sld xmlns:a="http://schemas.openxmlformats.org/drawingml/2006/main" xmlns:r="http://schemas.openxmlformats.org/officeDocument/2006/relationships" xmlns:p="http://schemas.openxmlformats.org/presentationml/2006/main">
-  <p:cSld>
-    <p:spTree>
-      <p:nvGrpSpPr>
-        <p:cNvPr id="1" name=""/>
-        <p:cNvGrpSpPr/>
-        <p:nvPr/>
-      </p:nvGrpSpPr>
-      <p:grpSpPr>
-        <a:xfrm>
-          <a:off x="0" y="0"/>
-          <a:ext cx="0" cy="0"/>
-          <a:chOff x="0" y="0"/>
-          <a:chExt cx="0" cy="0"/>
-        </a:xfrm>
-      </p:grpSpPr>
-    </p:spTree>
-    <p:extLst>
-      <p:ext uri="{BB962C8B-B14F-4D97-AF65-F5344CB8AC3E}">
-        <p14:creationId xmlns:p14="http://schemas.microsoft.com/office/powerpoint/2010/main" val="1001471130"/>
-      </p:ext>
-    </p:extLst>
-  </p:cSld>
-  <p:clrMapOvr>
-    <a:masterClrMapping/>
-  </p:clrMapOvr>
-</p:sld>
-</file>
-
 <file path=ppt/theme/theme1.xml><?xml version="1.0" encoding="utf-8"?>
 <a:theme xmlns:a="http://schemas.openxmlformats.org/drawingml/2006/main" name="Тема Office">
   <a:themeElements>

--- a/manual/Pictures 2.0/Pictures 2.0.pptx
+++ b/manual/Pictures 2.0/Pictures 2.0.pptx
@@ -3554,8 +3554,8 @@
           </p:nvSpPr>
           <p:spPr>
             <a:xfrm>
-              <a:off x="1552575" y="1123501"/>
-              <a:ext cx="1271773" cy="430887"/>
+              <a:off x="1463407" y="1161602"/>
+              <a:ext cx="1388009" cy="261610"/>
             </a:xfrm>
             <a:prstGeom prst="rect">
               <a:avLst/>
@@ -3574,7 +3574,7 @@
                   <a:latin typeface="Times New Roman" panose="02020603050405020304" pitchFamily="18" charset="0"/>
                   <a:cs typeface="Times New Roman" panose="02020603050405020304" pitchFamily="18" charset="0"/>
                 </a:rPr>
-                <a:t>Tabs with different structures</a:t>
+                <a:t>Tabs with structures</a:t>
               </a:r>
               <a:endParaRPr lang="ru-RU" sz="1100" dirty="0">
                 <a:latin typeface="Times New Roman" panose="02020603050405020304" pitchFamily="18" charset="0"/>
@@ -4099,8 +4099,8 @@
           </p:nvSpPr>
           <p:spPr>
             <a:xfrm>
-              <a:off x="1419225" y="1123501"/>
-              <a:ext cx="1405124" cy="430887"/>
+              <a:off x="1419225" y="1113976"/>
+              <a:ext cx="1426368" cy="430887"/>
             </a:xfrm>
             <a:prstGeom prst="rect">
               <a:avLst/>
@@ -4119,7 +4119,7 @@
                   <a:latin typeface="Times New Roman" panose="02020603050405020304" pitchFamily="18" charset="0"/>
                   <a:cs typeface="Times New Roman" panose="02020603050405020304" pitchFamily="18" charset="0"/>
                 </a:rPr>
-                <a:t>Вкладки с разными структурами</a:t>
+                <a:t>Вкладки со структурами</a:t>
               </a:r>
             </a:p>
           </p:txBody>
@@ -4619,10 +4619,10 @@
       </p:grpSp>
       <p:grpSp>
         <p:nvGrpSpPr>
-          <p:cNvPr id="26" name="Group 25">
+          <p:cNvPr id="27" name="Group 26">
             <a:extLst>
               <a:ext uri="{FF2B5EF4-FFF2-40B4-BE49-F238E27FC236}">
-                <a16:creationId xmlns:a16="http://schemas.microsoft.com/office/drawing/2014/main" id="{77B9BBAF-1E6B-A09A-C8E5-E135AF7D8772}"/>
+                <a16:creationId xmlns:a16="http://schemas.microsoft.com/office/drawing/2014/main" id="{EB593B6F-9D90-E394-1628-FC51C3A5318A}"/>
               </a:ext>
             </a:extLst>
           </p:cNvPr>
@@ -4631,10 +4631,10 @@
         </p:nvGrpSpPr>
         <p:grpSpPr>
           <a:xfrm>
-            <a:off x="4572000" y="2543175"/>
-            <a:ext cx="3848100" cy="1309688"/>
-            <a:chOff x="4572000" y="2543175"/>
-            <a:chExt cx="3848100" cy="1309688"/>
+            <a:off x="4572000" y="2890838"/>
+            <a:ext cx="3848100" cy="962025"/>
+            <a:chOff x="4572000" y="2890838"/>
+            <a:chExt cx="3848100" cy="962025"/>
           </a:xfrm>
         </p:grpSpPr>
         <p:graphicFrame>
@@ -4652,7 +4652,7 @@
             <p:nvPr>
               <p:extLst>
                 <p:ext uri="{D42A27DB-BD31-4B8C-83A1-F6EECF244321}">
-                  <p14:modId xmlns:p14="http://schemas.microsoft.com/office/powerpoint/2010/main" val="2254878889"/>
+                  <p14:modId xmlns:p14="http://schemas.microsoft.com/office/powerpoint/2010/main" val="3649484987"/>
                 </p:ext>
               </p:extLst>
             </p:nvPr>
@@ -4714,7 +4714,7 @@
           </p:nvSpPr>
           <p:spPr>
             <a:xfrm>
-              <a:off x="6053137" y="2543175"/>
+              <a:off x="6505575" y="2900363"/>
               <a:ext cx="442913" cy="247650"/>
             </a:xfrm>
             <a:prstGeom prst="ellipse">

--- a/manual/Pictures 2.0/Pictures 2.0.pptx
+++ b/manual/Pictures 2.0/Pictures 2.0.pptx
@@ -4223,7 +4223,7 @@
         </p:nvGrpSpPr>
         <p:grpSpPr>
           <a:xfrm>
-            <a:off x="740567" y="328613"/>
+            <a:off x="681037" y="111919"/>
             <a:ext cx="2333625" cy="2009775"/>
             <a:chOff x="261938" y="309563"/>
             <a:chExt cx="2333625" cy="2009775"/>
@@ -4359,7 +4359,7 @@
         </p:nvGrpSpPr>
         <p:grpSpPr>
           <a:xfrm>
-            <a:off x="4572000" y="328613"/>
+            <a:off x="3440906" y="235744"/>
             <a:ext cx="3276600" cy="1181100"/>
             <a:chOff x="2828925" y="309563"/>
             <a:chExt cx="3276600" cy="1181100"/>
@@ -4495,7 +4495,7 @@
         </p:nvGrpSpPr>
         <p:grpSpPr>
           <a:xfrm>
-            <a:off x="442913" y="3119437"/>
+            <a:off x="452436" y="2371725"/>
             <a:ext cx="2809875" cy="619125"/>
             <a:chOff x="357188" y="2752725"/>
             <a:chExt cx="2809875" cy="619125"/>
@@ -4631,7 +4631,7 @@
         </p:nvGrpSpPr>
         <p:grpSpPr>
           <a:xfrm>
-            <a:off x="4572000" y="2890838"/>
+            <a:off x="4572000" y="1719263"/>
             <a:ext cx="3848100" cy="962025"/>
             <a:chOff x="4572000" y="2890838"/>
             <a:chExt cx="3848100" cy="962025"/>
@@ -4753,6 +4753,35 @@
           </p:txBody>
         </p:sp>
       </p:grpSp>
+      <p:pic>
+        <p:nvPicPr>
+          <p:cNvPr id="43" name="Рисунок 39">
+            <a:extLst>
+              <a:ext uri="{FF2B5EF4-FFF2-40B4-BE49-F238E27FC236}">
+                <a16:creationId xmlns:a16="http://schemas.microsoft.com/office/drawing/2014/main" id="{A1D91CEA-C494-A21E-0DD0-A964C42F181E}"/>
+              </a:ext>
+            </a:extLst>
+          </p:cNvPr>
+          <p:cNvPicPr>
+            <a:picLocks noChangeAspect="1"/>
+          </p:cNvPicPr>
+          <p:nvPr/>
+        </p:nvPicPr>
+        <p:blipFill rotWithShape="1">
+          <a:blip r:embed="rId10"/>
+          <a:srcRect t="12723" b="65326"/>
+          <a:stretch/>
+        </p:blipFill>
+        <p:spPr>
+          <a:xfrm>
+            <a:off x="2321719" y="4050506"/>
+            <a:ext cx="3105150" cy="1285875"/>
+          </a:xfrm>
+          <a:prstGeom prst="rect">
+            <a:avLst/>
+          </a:prstGeom>
+        </p:spPr>
+      </p:pic>
     </p:spTree>
     <p:extLst>
       <p:ext uri="{BB962C8B-B14F-4D97-AF65-F5344CB8AC3E}">

--- a/manual/Pictures 2.0/Pictures 2.0.pptx
+++ b/manual/Pictures 2.0/Pictures 2.0.pptx
@@ -13007,6 +13007,304 @@
           <a:chExt cx="0" cy="0"/>
         </a:xfrm>
       </p:grpSpPr>
+      <p:pic>
+        <p:nvPicPr>
+          <p:cNvPr id="5" name="Picture 4">
+            <a:extLst>
+              <a:ext uri="{FF2B5EF4-FFF2-40B4-BE49-F238E27FC236}">
+                <a16:creationId xmlns:a16="http://schemas.microsoft.com/office/drawing/2014/main" id="{0331E967-EBBA-4365-4537-ED5A52186A95}"/>
+              </a:ext>
+            </a:extLst>
+          </p:cNvPr>
+          <p:cNvPicPr>
+            <a:picLocks noChangeAspect="1"/>
+          </p:cNvPicPr>
+          <p:nvPr/>
+        </p:nvPicPr>
+        <p:blipFill rotWithShape="1">
+          <a:blip r:embed="rId2"/>
+          <a:srcRect t="4781" b="87220"/>
+          <a:stretch/>
+        </p:blipFill>
+        <p:spPr>
+          <a:xfrm>
+            <a:off x="2046437" y="112142"/>
+            <a:ext cx="4895850" cy="534837"/>
+          </a:xfrm>
+          <a:prstGeom prst="rect">
+            <a:avLst/>
+          </a:prstGeom>
+        </p:spPr>
+      </p:pic>
+      <p:pic>
+        <p:nvPicPr>
+          <p:cNvPr id="8" name="Picture 7">
+            <a:extLst>
+              <a:ext uri="{FF2B5EF4-FFF2-40B4-BE49-F238E27FC236}">
+                <a16:creationId xmlns:a16="http://schemas.microsoft.com/office/drawing/2014/main" id="{C5FC4235-632A-2818-1959-4B6C87D2D92F}"/>
+              </a:ext>
+            </a:extLst>
+          </p:cNvPr>
+          <p:cNvPicPr>
+            <a:picLocks noChangeAspect="1"/>
+          </p:cNvPicPr>
+          <p:nvPr/>
+        </p:nvPicPr>
+        <p:blipFill rotWithShape="1">
+          <a:blip r:embed="rId2"/>
+          <a:srcRect t="20134" b="64255"/>
+          <a:stretch/>
+        </p:blipFill>
+        <p:spPr>
+          <a:xfrm>
+            <a:off x="2046437" y="1570008"/>
+            <a:ext cx="4895850" cy="1043796"/>
+          </a:xfrm>
+          <a:prstGeom prst="rect">
+            <a:avLst/>
+          </a:prstGeom>
+        </p:spPr>
+      </p:pic>
+      <p:pic>
+        <p:nvPicPr>
+          <p:cNvPr id="9" name="Picture 8">
+            <a:extLst>
+              <a:ext uri="{FF2B5EF4-FFF2-40B4-BE49-F238E27FC236}">
+                <a16:creationId xmlns:a16="http://schemas.microsoft.com/office/drawing/2014/main" id="{CD225C91-1299-BB79-D869-63C005464C5D}"/>
+              </a:ext>
+            </a:extLst>
+          </p:cNvPr>
+          <p:cNvPicPr>
+            <a:picLocks noChangeAspect="1"/>
+          </p:cNvPicPr>
+          <p:nvPr/>
+        </p:nvPicPr>
+        <p:blipFill rotWithShape="1">
+          <a:blip r:embed="rId2"/>
+          <a:srcRect t="46581" b="3363"/>
+          <a:stretch/>
+        </p:blipFill>
+        <p:spPr>
+          <a:xfrm>
+            <a:off x="2046437" y="3441939"/>
+            <a:ext cx="4895850" cy="3347050"/>
+          </a:xfrm>
+          <a:prstGeom prst="rect">
+            <a:avLst/>
+          </a:prstGeom>
+        </p:spPr>
+      </p:pic>
+      <p:pic>
+        <p:nvPicPr>
+          <p:cNvPr id="11" name="Picture 10">
+            <a:extLst>
+              <a:ext uri="{FF2B5EF4-FFF2-40B4-BE49-F238E27FC236}">
+                <a16:creationId xmlns:a16="http://schemas.microsoft.com/office/drawing/2014/main" id="{ED9C4988-3B3B-21DA-B3D8-F7E0F6840D73}"/>
+              </a:ext>
+            </a:extLst>
+          </p:cNvPr>
+          <p:cNvPicPr>
+            <a:picLocks noChangeAspect="1"/>
+          </p:cNvPicPr>
+          <p:nvPr/>
+        </p:nvPicPr>
+        <p:blipFill rotWithShape="1">
+          <a:blip r:embed="rId3"/>
+          <a:srcRect t="12393" b="76512"/>
+          <a:stretch/>
+        </p:blipFill>
+        <p:spPr>
+          <a:xfrm>
+            <a:off x="2046438" y="767749"/>
+            <a:ext cx="4895850" cy="741873"/>
+          </a:xfrm>
+          <a:prstGeom prst="rect">
+            <a:avLst/>
+          </a:prstGeom>
+        </p:spPr>
+      </p:pic>
+      <p:grpSp>
+        <p:nvGrpSpPr>
+          <p:cNvPr id="15" name="Group 14">
+            <a:extLst>
+              <a:ext uri="{FF2B5EF4-FFF2-40B4-BE49-F238E27FC236}">
+                <a16:creationId xmlns:a16="http://schemas.microsoft.com/office/drawing/2014/main" id="{5CA35307-D7A6-D3DA-F7B8-DECEA84C9FE4}"/>
+              </a:ext>
+            </a:extLst>
+          </p:cNvPr>
+          <p:cNvGrpSpPr/>
+          <p:nvPr/>
+        </p:nvGrpSpPr>
+        <p:grpSpPr>
+          <a:xfrm>
+            <a:off x="545441" y="2665563"/>
+            <a:ext cx="4895850" cy="767752"/>
+            <a:chOff x="545441" y="2665563"/>
+            <a:chExt cx="4895850" cy="767752"/>
+          </a:xfrm>
+        </p:grpSpPr>
+        <p:pic>
+          <p:nvPicPr>
+            <p:cNvPr id="10" name="Picture 9">
+              <a:extLst>
+                <a:ext uri="{FF2B5EF4-FFF2-40B4-BE49-F238E27FC236}">
+                  <a16:creationId xmlns:a16="http://schemas.microsoft.com/office/drawing/2014/main" id="{C5A213EC-643F-69CC-42D0-07C36E6B086E}"/>
+                </a:ext>
+              </a:extLst>
+            </p:cNvPr>
+            <p:cNvPicPr>
+              <a:picLocks noChangeAspect="1"/>
+            </p:cNvPicPr>
+            <p:nvPr/>
+          </p:nvPicPr>
+          <p:blipFill rotWithShape="1">
+            <a:blip r:embed="rId2"/>
+            <a:srcRect t="35357" b="53161"/>
+            <a:stretch/>
+          </p:blipFill>
+          <p:spPr>
+            <a:xfrm>
+              <a:off x="545441" y="2665563"/>
+              <a:ext cx="4895850" cy="767752"/>
+            </a:xfrm>
+            <a:prstGeom prst="rect">
+              <a:avLst/>
+            </a:prstGeom>
+          </p:spPr>
+        </p:pic>
+        <p:sp>
+          <p:nvSpPr>
+            <p:cNvPr id="13" name="TextBox 12">
+              <a:extLst>
+                <a:ext uri="{FF2B5EF4-FFF2-40B4-BE49-F238E27FC236}">
+                  <a16:creationId xmlns:a16="http://schemas.microsoft.com/office/drawing/2014/main" id="{7F3DF121-C1FA-8FB9-958C-7BA80C5E4276}"/>
+                </a:ext>
+              </a:extLst>
+            </p:cNvPr>
+            <p:cNvSpPr txBox="1"/>
+            <p:nvPr/>
+          </p:nvSpPr>
+          <p:spPr>
+            <a:xfrm>
+              <a:off x="4917056" y="2717322"/>
+              <a:ext cx="439948" cy="369332"/>
+            </a:xfrm>
+            <a:prstGeom prst="rect">
+              <a:avLst/>
+            </a:prstGeom>
+            <a:noFill/>
+          </p:spPr>
+          <p:txBody>
+            <a:bodyPr wrap="square" rtlCol="0">
+              <a:spAutoFit/>
+            </a:bodyPr>
+            <a:lstStyle/>
+            <a:p>
+              <a:r>
+                <a:rPr lang="en-US" dirty="0">
+                  <a:solidFill>
+                    <a:srgbClr val="FF0000"/>
+                  </a:solidFill>
+                  <a:latin typeface="Times New Roman" panose="02020603050405020304" pitchFamily="18" charset="0"/>
+                  <a:cs typeface="Times New Roman" panose="02020603050405020304" pitchFamily="18" charset="0"/>
+                </a:rPr>
+                <a:t>(a)</a:t>
+              </a:r>
+            </a:p>
+          </p:txBody>
+        </p:sp>
+      </p:grpSp>
+      <p:grpSp>
+        <p:nvGrpSpPr>
+          <p:cNvPr id="16" name="Group 15">
+            <a:extLst>
+              <a:ext uri="{FF2B5EF4-FFF2-40B4-BE49-F238E27FC236}">
+                <a16:creationId xmlns:a16="http://schemas.microsoft.com/office/drawing/2014/main" id="{F6F608F0-4D80-DB99-E64F-C63DAD79FB81}"/>
+              </a:ext>
+            </a:extLst>
+          </p:cNvPr>
+          <p:cNvGrpSpPr/>
+          <p:nvPr/>
+        </p:nvGrpSpPr>
+        <p:grpSpPr>
+          <a:xfrm>
+            <a:off x="5781674" y="2691441"/>
+            <a:ext cx="4895850" cy="759126"/>
+            <a:chOff x="5781674" y="2691441"/>
+            <a:chExt cx="4895850" cy="759126"/>
+          </a:xfrm>
+        </p:grpSpPr>
+        <p:pic>
+          <p:nvPicPr>
+            <p:cNvPr id="12" name="Picture 11">
+              <a:extLst>
+                <a:ext uri="{FF2B5EF4-FFF2-40B4-BE49-F238E27FC236}">
+                  <a16:creationId xmlns:a16="http://schemas.microsoft.com/office/drawing/2014/main" id="{AAC05553-329B-2062-48BA-5B4B827CB3B6}"/>
+                </a:ext>
+              </a:extLst>
+            </p:cNvPr>
+            <p:cNvPicPr>
+              <a:picLocks noChangeAspect="1"/>
+            </p:cNvPicPr>
+            <p:nvPr/>
+          </p:nvPicPr>
+          <p:blipFill rotWithShape="1">
+            <a:blip r:embed="rId4"/>
+            <a:srcRect t="35486" b="53161"/>
+            <a:stretch/>
+          </p:blipFill>
+          <p:spPr>
+            <a:xfrm>
+              <a:off x="5781674" y="2691441"/>
+              <a:ext cx="4895850" cy="759126"/>
+            </a:xfrm>
+            <a:prstGeom prst="rect">
+              <a:avLst/>
+            </a:prstGeom>
+          </p:spPr>
+        </p:pic>
+        <p:sp>
+          <p:nvSpPr>
+            <p:cNvPr id="14" name="TextBox 13">
+              <a:extLst>
+                <a:ext uri="{FF2B5EF4-FFF2-40B4-BE49-F238E27FC236}">
+                  <a16:creationId xmlns:a16="http://schemas.microsoft.com/office/drawing/2014/main" id="{B91BEDC9-1601-4FEE-E7F8-3A49E899A583}"/>
+                </a:ext>
+              </a:extLst>
+            </p:cNvPr>
+            <p:cNvSpPr txBox="1"/>
+            <p:nvPr/>
+          </p:nvSpPr>
+          <p:spPr>
+            <a:xfrm>
+              <a:off x="10144664" y="2734574"/>
+              <a:ext cx="465827" cy="369332"/>
+            </a:xfrm>
+            <a:prstGeom prst="rect">
+              <a:avLst/>
+            </a:prstGeom>
+            <a:noFill/>
+          </p:spPr>
+          <p:txBody>
+            <a:bodyPr wrap="square" rtlCol="0">
+              <a:spAutoFit/>
+            </a:bodyPr>
+            <a:lstStyle/>
+            <a:p>
+              <a:r>
+                <a:rPr lang="en-US" dirty="0">
+                  <a:solidFill>
+                    <a:srgbClr val="FF0000"/>
+                  </a:solidFill>
+                  <a:latin typeface="Times New Roman" panose="02020603050405020304" pitchFamily="18" charset="0"/>
+                  <a:cs typeface="Times New Roman" panose="02020603050405020304" pitchFamily="18" charset="0"/>
+                </a:rPr>
+                <a:t>(b)</a:t>
+              </a:r>
+            </a:p>
+          </p:txBody>
+        </p:sp>
+      </p:grpSp>
     </p:spTree>
     <p:extLst>
       <p:ext uri="{BB962C8B-B14F-4D97-AF65-F5344CB8AC3E}">

--- a/manual/Pictures 2.0/Pictures 2.0.pptx
+++ b/manual/Pictures 2.0/Pictures 2.0.pptx
@@ -9,13 +9,16 @@
     <p:sldId id="271" r:id="rId3"/>
     <p:sldId id="263" r:id="rId4"/>
     <p:sldId id="272" r:id="rId5"/>
-    <p:sldId id="264" r:id="rId6"/>
-    <p:sldId id="265" r:id="rId7"/>
-    <p:sldId id="266" r:id="rId8"/>
-    <p:sldId id="267" r:id="rId9"/>
-    <p:sldId id="268" r:id="rId10"/>
-    <p:sldId id="269" r:id="rId11"/>
-    <p:sldId id="270" r:id="rId12"/>
+    <p:sldId id="270" r:id="rId6"/>
+    <p:sldId id="273" r:id="rId7"/>
+    <p:sldId id="274" r:id="rId8"/>
+    <p:sldId id="275" r:id="rId9"/>
+    <p:sldId id="264" r:id="rId10"/>
+    <p:sldId id="265" r:id="rId11"/>
+    <p:sldId id="266" r:id="rId12"/>
+    <p:sldId id="267" r:id="rId13"/>
+    <p:sldId id="268" r:id="rId14"/>
+    <p:sldId id="269" r:id="rId15"/>
   </p:sldIdLst>
   <p:sldSz cx="9144000" cy="6858000" type="screen4x3"/>
   <p:notesSz cx="6858000" cy="9144000"/>
@@ -4150,54 +4153,6 @@
           </p:spPr>
         </p:pic>
       </p:grpSp>
-      <p:sp>
-        <p:nvSpPr>
-          <p:cNvPr id="4" name="TextBox 16">
-            <a:extLst>
-              <a:ext uri="{FF2B5EF4-FFF2-40B4-BE49-F238E27FC236}">
-                <a16:creationId xmlns:a16="http://schemas.microsoft.com/office/drawing/2014/main" id="{61C01875-9068-6C2C-2692-254D7D4E141B}"/>
-              </a:ext>
-            </a:extLst>
-          </p:cNvPr>
-          <p:cNvSpPr txBox="1"/>
-          <p:nvPr/>
-        </p:nvSpPr>
-        <p:spPr>
-          <a:xfrm>
-            <a:off x="3937317" y="3222625"/>
-            <a:ext cx="1269365" cy="412750"/>
-          </a:xfrm>
-          <a:prstGeom prst="rect">
-            <a:avLst/>
-          </a:prstGeom>
-          <a:noFill/>
-        </p:spPr>
-        <p:txBody>
-          <a:bodyPr wrap="square" rtlCol="0">
-            <a:spAutoFit/>
-          </a:bodyPr>
-          <a:lstStyle/>
-          <a:p>
-            <a:pPr algn="ctr"/>
-            <a:r>
-              <a:rPr lang="ru-RU" sz="1100" kern="1200">
-                <a:solidFill>
-                  <a:srgbClr val="000000"/>
-                </a:solidFill>
-                <a:effectLst/>
-                <a:latin typeface="Times New Roman" panose="02020603050405020304" pitchFamily="18" charset="0"/>
-                <a:ea typeface="Times New Roman" panose="02020603050405020304" pitchFamily="18" charset="0"/>
-              </a:rPr>
-              <a:t>Доступ к остальным окнам</a:t>
-            </a:r>
-            <a:endParaRPr lang="en-US" sz="1200">
-              <a:effectLst/>
-              <a:latin typeface="Times New Roman" panose="02020603050405020304" pitchFamily="18" charset="0"/>
-              <a:ea typeface="Times New Roman" panose="02020603050405020304" pitchFamily="18" charset="0"/>
-            </a:endParaRPr>
-          </a:p>
-        </p:txBody>
-      </p:sp>
     </p:spTree>
     <p:extLst>
       <p:ext uri="{BB962C8B-B14F-4D97-AF65-F5344CB8AC3E}">
@@ -4212,6 +4167,3449 @@
 </file>
 
 <file path=ppt/slides/slide10.xml><?xml version="1.0" encoding="utf-8"?>
+<p:sld xmlns:a="http://schemas.openxmlformats.org/drawingml/2006/main" xmlns:r="http://schemas.openxmlformats.org/officeDocument/2006/relationships" xmlns:p="http://schemas.openxmlformats.org/presentationml/2006/main">
+  <p:cSld>
+    <p:spTree>
+      <p:nvGrpSpPr>
+        <p:cNvPr id="1" name=""/>
+        <p:cNvGrpSpPr/>
+        <p:nvPr/>
+      </p:nvGrpSpPr>
+      <p:grpSpPr>
+        <a:xfrm>
+          <a:off x="0" y="0"/>
+          <a:ext cx="0" cy="0"/>
+          <a:chOff x="0" y="0"/>
+          <a:chExt cx="0" cy="0"/>
+        </a:xfrm>
+      </p:grpSpPr>
+      <p:grpSp>
+        <p:nvGrpSpPr>
+          <p:cNvPr id="3" name="Группа 2"/>
+          <p:cNvGrpSpPr/>
+          <p:nvPr/>
+        </p:nvGrpSpPr>
+        <p:grpSpPr>
+          <a:xfrm>
+            <a:off x="1381128" y="1690517"/>
+            <a:ext cx="6381750" cy="3455364"/>
+            <a:chOff x="1381128" y="1690517"/>
+            <a:chExt cx="6381750" cy="3455364"/>
+          </a:xfrm>
+        </p:grpSpPr>
+        <p:pic>
+          <p:nvPicPr>
+            <p:cNvPr id="29" name="Рисунок 28"/>
+            <p:cNvPicPr>
+              <a:picLocks noChangeAspect="1"/>
+            </p:cNvPicPr>
+            <p:nvPr/>
+          </p:nvPicPr>
+          <p:blipFill>
+            <a:blip r:embed="rId2"/>
+            <a:stretch>
+              <a:fillRect/>
+            </a:stretch>
+          </p:blipFill>
+          <p:spPr>
+            <a:xfrm>
+              <a:off x="1381128" y="1707356"/>
+              <a:ext cx="6381750" cy="3438525"/>
+            </a:xfrm>
+            <a:prstGeom prst="rect">
+              <a:avLst/>
+            </a:prstGeom>
+          </p:spPr>
+        </p:pic>
+        <p:sp>
+          <p:nvSpPr>
+            <p:cNvPr id="56" name="Прямоугольник 55"/>
+            <p:cNvSpPr/>
+            <p:nvPr/>
+          </p:nvSpPr>
+          <p:spPr>
+            <a:xfrm>
+              <a:off x="1381128" y="1709737"/>
+              <a:ext cx="6381749" cy="316706"/>
+            </a:xfrm>
+            <a:prstGeom prst="rect">
+              <a:avLst/>
+            </a:prstGeom>
+            <a:solidFill>
+              <a:srgbClr val="002060">
+                <a:alpha val="20000"/>
+              </a:srgbClr>
+            </a:solidFill>
+          </p:spPr>
+          <p:style>
+            <a:lnRef idx="2">
+              <a:schemeClr val="accent1">
+                <a:shade val="50000"/>
+              </a:schemeClr>
+            </a:lnRef>
+            <a:fillRef idx="1">
+              <a:schemeClr val="accent1"/>
+            </a:fillRef>
+            <a:effectRef idx="0">
+              <a:schemeClr val="accent1"/>
+            </a:effectRef>
+            <a:fontRef idx="minor">
+              <a:schemeClr val="lt1"/>
+            </a:fontRef>
+          </p:style>
+          <p:txBody>
+            <a:bodyPr rtlCol="0" anchor="ctr"/>
+            <a:lstStyle/>
+            <a:p>
+              <a:pPr algn="ctr"/>
+              <a:endParaRPr lang="ru-RU"/>
+            </a:p>
+          </p:txBody>
+        </p:sp>
+        <p:sp>
+          <p:nvSpPr>
+            <p:cNvPr id="4" name="Прямоугольник 3"/>
+            <p:cNvSpPr/>
+            <p:nvPr/>
+          </p:nvSpPr>
+          <p:spPr>
+            <a:xfrm>
+              <a:off x="2895601" y="2333625"/>
+              <a:ext cx="4705350" cy="2514599"/>
+            </a:xfrm>
+            <a:prstGeom prst="rect">
+              <a:avLst/>
+            </a:prstGeom>
+            <a:solidFill>
+              <a:srgbClr val="002060">
+                <a:alpha val="20000"/>
+              </a:srgbClr>
+            </a:solidFill>
+          </p:spPr>
+          <p:style>
+            <a:lnRef idx="2">
+              <a:schemeClr val="accent1">
+                <a:shade val="50000"/>
+              </a:schemeClr>
+            </a:lnRef>
+            <a:fillRef idx="1">
+              <a:schemeClr val="accent1"/>
+            </a:fillRef>
+            <a:effectRef idx="0">
+              <a:schemeClr val="accent1"/>
+            </a:effectRef>
+            <a:fontRef idx="minor">
+              <a:schemeClr val="lt1"/>
+            </a:fontRef>
+          </p:style>
+          <p:txBody>
+            <a:bodyPr rtlCol="0" anchor="ctr"/>
+            <a:lstStyle/>
+            <a:p>
+              <a:pPr algn="ctr"/>
+              <a:endParaRPr lang="ru-RU"/>
+            </a:p>
+          </p:txBody>
+        </p:sp>
+        <p:cxnSp>
+          <p:nvCxnSpPr>
+            <p:cNvPr id="6" name="Прямая соединительная линия 5"/>
+            <p:cNvCxnSpPr/>
+            <p:nvPr/>
+          </p:nvCxnSpPr>
+          <p:spPr>
+            <a:xfrm flipH="1">
+              <a:off x="6943728" y="4162424"/>
+              <a:ext cx="657223" cy="685800"/>
+            </a:xfrm>
+            <a:prstGeom prst="line">
+              <a:avLst/>
+            </a:prstGeom>
+          </p:spPr>
+          <p:style>
+            <a:lnRef idx="1">
+              <a:schemeClr val="accent1"/>
+            </a:lnRef>
+            <a:fillRef idx="0">
+              <a:schemeClr val="accent1"/>
+            </a:fillRef>
+            <a:effectRef idx="0">
+              <a:schemeClr val="accent1"/>
+            </a:effectRef>
+            <a:fontRef idx="minor">
+              <a:schemeClr val="tx1"/>
+            </a:fontRef>
+          </p:style>
+        </p:cxnSp>
+        <p:cxnSp>
+          <p:nvCxnSpPr>
+            <p:cNvPr id="30" name="Прямая соединительная линия 29"/>
+            <p:cNvCxnSpPr/>
+            <p:nvPr/>
+          </p:nvCxnSpPr>
+          <p:spPr>
+            <a:xfrm flipH="1">
+              <a:off x="2895602" y="2333625"/>
+              <a:ext cx="1066798" cy="1121569"/>
+            </a:xfrm>
+            <a:prstGeom prst="line">
+              <a:avLst/>
+            </a:prstGeom>
+          </p:spPr>
+          <p:style>
+            <a:lnRef idx="1">
+              <a:schemeClr val="accent1"/>
+            </a:lnRef>
+            <a:fillRef idx="0">
+              <a:schemeClr val="accent1"/>
+            </a:fillRef>
+            <a:effectRef idx="0">
+              <a:schemeClr val="accent1"/>
+            </a:effectRef>
+            <a:fontRef idx="minor">
+              <a:schemeClr val="tx1"/>
+            </a:fontRef>
+          </p:style>
+        </p:cxnSp>
+        <p:cxnSp>
+          <p:nvCxnSpPr>
+            <p:cNvPr id="43" name="Прямая соединительная линия 42"/>
+            <p:cNvCxnSpPr/>
+            <p:nvPr/>
+          </p:nvCxnSpPr>
+          <p:spPr>
+            <a:xfrm flipH="1">
+              <a:off x="6534153" y="3726655"/>
+              <a:ext cx="1066798" cy="1121569"/>
+            </a:xfrm>
+            <a:prstGeom prst="line">
+              <a:avLst/>
+            </a:prstGeom>
+          </p:spPr>
+          <p:style>
+            <a:lnRef idx="1">
+              <a:schemeClr val="accent1"/>
+            </a:lnRef>
+            <a:fillRef idx="0">
+              <a:schemeClr val="accent1"/>
+            </a:fillRef>
+            <a:effectRef idx="0">
+              <a:schemeClr val="accent1"/>
+            </a:effectRef>
+            <a:fontRef idx="minor">
+              <a:schemeClr val="tx1"/>
+            </a:fontRef>
+          </p:style>
+        </p:cxnSp>
+        <p:cxnSp>
+          <p:nvCxnSpPr>
+            <p:cNvPr id="44" name="Прямая соединительная линия 43"/>
+            <p:cNvCxnSpPr/>
+            <p:nvPr/>
+          </p:nvCxnSpPr>
+          <p:spPr>
+            <a:xfrm flipH="1">
+              <a:off x="2895600" y="2333625"/>
+              <a:ext cx="657223" cy="685800"/>
+            </a:xfrm>
+            <a:prstGeom prst="line">
+              <a:avLst/>
+            </a:prstGeom>
+          </p:spPr>
+          <p:style>
+            <a:lnRef idx="1">
+              <a:schemeClr val="accent1"/>
+            </a:lnRef>
+            <a:fillRef idx="0">
+              <a:schemeClr val="accent1"/>
+            </a:fillRef>
+            <a:effectRef idx="0">
+              <a:schemeClr val="accent1"/>
+            </a:effectRef>
+            <a:fontRef idx="minor">
+              <a:schemeClr val="tx1"/>
+            </a:fontRef>
+          </p:style>
+        </p:cxnSp>
+        <p:cxnSp>
+          <p:nvCxnSpPr>
+            <p:cNvPr id="45" name="Прямая соединительная линия 44"/>
+            <p:cNvCxnSpPr/>
+            <p:nvPr/>
+          </p:nvCxnSpPr>
+          <p:spPr>
+            <a:xfrm flipH="1">
+              <a:off x="2895602" y="2333625"/>
+              <a:ext cx="1504948" cy="1600199"/>
+            </a:xfrm>
+            <a:prstGeom prst="line">
+              <a:avLst/>
+            </a:prstGeom>
+          </p:spPr>
+          <p:style>
+            <a:lnRef idx="1">
+              <a:schemeClr val="accent1"/>
+            </a:lnRef>
+            <a:fillRef idx="0">
+              <a:schemeClr val="accent1"/>
+            </a:fillRef>
+            <a:effectRef idx="0">
+              <a:schemeClr val="accent1"/>
+            </a:effectRef>
+            <a:fontRef idx="minor">
+              <a:schemeClr val="tx1"/>
+            </a:fontRef>
+          </p:style>
+        </p:cxnSp>
+        <p:cxnSp>
+          <p:nvCxnSpPr>
+            <p:cNvPr id="46" name="Прямая соединительная линия 45"/>
+            <p:cNvCxnSpPr/>
+            <p:nvPr/>
+          </p:nvCxnSpPr>
+          <p:spPr>
+            <a:xfrm flipH="1">
+              <a:off x="2895602" y="2333625"/>
+              <a:ext cx="2000248" cy="2109787"/>
+            </a:xfrm>
+            <a:prstGeom prst="line">
+              <a:avLst/>
+            </a:prstGeom>
+          </p:spPr>
+          <p:style>
+            <a:lnRef idx="1">
+              <a:schemeClr val="accent1"/>
+            </a:lnRef>
+            <a:fillRef idx="0">
+              <a:schemeClr val="accent1"/>
+            </a:fillRef>
+            <a:effectRef idx="0">
+              <a:schemeClr val="accent1"/>
+            </a:effectRef>
+            <a:fontRef idx="minor">
+              <a:schemeClr val="tx1"/>
+            </a:fontRef>
+          </p:style>
+        </p:cxnSp>
+        <p:cxnSp>
+          <p:nvCxnSpPr>
+            <p:cNvPr id="47" name="Прямая соединительная линия 46"/>
+            <p:cNvCxnSpPr/>
+            <p:nvPr/>
+          </p:nvCxnSpPr>
+          <p:spPr>
+            <a:xfrm flipH="1">
+              <a:off x="2895602" y="2333625"/>
+              <a:ext cx="2505073" cy="2524124"/>
+            </a:xfrm>
+            <a:prstGeom prst="line">
+              <a:avLst/>
+            </a:prstGeom>
+          </p:spPr>
+          <p:style>
+            <a:lnRef idx="1">
+              <a:schemeClr val="accent1"/>
+            </a:lnRef>
+            <a:fillRef idx="0">
+              <a:schemeClr val="accent1"/>
+            </a:fillRef>
+            <a:effectRef idx="0">
+              <a:schemeClr val="accent1"/>
+            </a:effectRef>
+            <a:fontRef idx="minor">
+              <a:schemeClr val="tx1"/>
+            </a:fontRef>
+          </p:style>
+        </p:cxnSp>
+        <p:cxnSp>
+          <p:nvCxnSpPr>
+            <p:cNvPr id="48" name="Прямая соединительная линия 47"/>
+            <p:cNvCxnSpPr/>
+            <p:nvPr/>
+          </p:nvCxnSpPr>
+          <p:spPr>
+            <a:xfrm flipH="1">
+              <a:off x="4895850" y="2324100"/>
+              <a:ext cx="2505073" cy="2524124"/>
+            </a:xfrm>
+            <a:prstGeom prst="line">
+              <a:avLst/>
+            </a:prstGeom>
+          </p:spPr>
+          <p:style>
+            <a:lnRef idx="1">
+              <a:schemeClr val="accent1"/>
+            </a:lnRef>
+            <a:fillRef idx="0">
+              <a:schemeClr val="accent1"/>
+            </a:fillRef>
+            <a:effectRef idx="0">
+              <a:schemeClr val="accent1"/>
+            </a:effectRef>
+            <a:fontRef idx="minor">
+              <a:schemeClr val="tx1"/>
+            </a:fontRef>
+          </p:style>
+        </p:cxnSp>
+        <p:cxnSp>
+          <p:nvCxnSpPr>
+            <p:cNvPr id="49" name="Прямая соединительная линия 48"/>
+            <p:cNvCxnSpPr/>
+            <p:nvPr/>
+          </p:nvCxnSpPr>
+          <p:spPr>
+            <a:xfrm flipH="1">
+              <a:off x="5600703" y="2747962"/>
+              <a:ext cx="2000248" cy="2109787"/>
+            </a:xfrm>
+            <a:prstGeom prst="line">
+              <a:avLst/>
+            </a:prstGeom>
+          </p:spPr>
+          <p:style>
+            <a:lnRef idx="1">
+              <a:schemeClr val="accent1"/>
+            </a:lnRef>
+            <a:fillRef idx="0">
+              <a:schemeClr val="accent1"/>
+            </a:fillRef>
+            <a:effectRef idx="0">
+              <a:schemeClr val="accent1"/>
+            </a:effectRef>
+            <a:fontRef idx="minor">
+              <a:schemeClr val="tx1"/>
+            </a:fontRef>
+          </p:style>
+        </p:cxnSp>
+        <p:cxnSp>
+          <p:nvCxnSpPr>
+            <p:cNvPr id="50" name="Прямая соединительная линия 49"/>
+            <p:cNvCxnSpPr/>
+            <p:nvPr/>
+          </p:nvCxnSpPr>
+          <p:spPr>
+            <a:xfrm flipH="1">
+              <a:off x="6096004" y="3248025"/>
+              <a:ext cx="1504948" cy="1600199"/>
+            </a:xfrm>
+            <a:prstGeom prst="line">
+              <a:avLst/>
+            </a:prstGeom>
+          </p:spPr>
+          <p:style>
+            <a:lnRef idx="1">
+              <a:schemeClr val="accent1"/>
+            </a:lnRef>
+            <a:fillRef idx="0">
+              <a:schemeClr val="accent1"/>
+            </a:fillRef>
+            <a:effectRef idx="0">
+              <a:schemeClr val="accent1"/>
+            </a:effectRef>
+            <a:fontRef idx="minor">
+              <a:schemeClr val="tx1"/>
+            </a:fontRef>
+          </p:style>
+        </p:cxnSp>
+        <p:cxnSp>
+          <p:nvCxnSpPr>
+            <p:cNvPr id="51" name="Прямая соединительная линия 50"/>
+            <p:cNvCxnSpPr/>
+            <p:nvPr/>
+          </p:nvCxnSpPr>
+          <p:spPr>
+            <a:xfrm flipH="1">
+              <a:off x="3357566" y="2333625"/>
+              <a:ext cx="2505073" cy="2524124"/>
+            </a:xfrm>
+            <a:prstGeom prst="line">
+              <a:avLst/>
+            </a:prstGeom>
+          </p:spPr>
+          <p:style>
+            <a:lnRef idx="1">
+              <a:schemeClr val="accent1"/>
+            </a:lnRef>
+            <a:fillRef idx="0">
+              <a:schemeClr val="accent1"/>
+            </a:fillRef>
+            <a:effectRef idx="0">
+              <a:schemeClr val="accent1"/>
+            </a:effectRef>
+            <a:fontRef idx="minor">
+              <a:schemeClr val="tx1"/>
+            </a:fontRef>
+          </p:style>
+        </p:cxnSp>
+        <p:cxnSp>
+          <p:nvCxnSpPr>
+            <p:cNvPr id="52" name="Прямая соединительная линия 51"/>
+            <p:cNvCxnSpPr/>
+            <p:nvPr/>
+          </p:nvCxnSpPr>
+          <p:spPr>
+            <a:xfrm flipH="1">
+              <a:off x="3876678" y="2333625"/>
+              <a:ext cx="2505073" cy="2524124"/>
+            </a:xfrm>
+            <a:prstGeom prst="line">
+              <a:avLst/>
+            </a:prstGeom>
+          </p:spPr>
+          <p:style>
+            <a:lnRef idx="1">
+              <a:schemeClr val="accent1"/>
+            </a:lnRef>
+            <a:fillRef idx="0">
+              <a:schemeClr val="accent1"/>
+            </a:fillRef>
+            <a:effectRef idx="0">
+              <a:schemeClr val="accent1"/>
+            </a:effectRef>
+            <a:fontRef idx="minor">
+              <a:schemeClr val="tx1"/>
+            </a:fontRef>
+          </p:style>
+        </p:cxnSp>
+        <p:cxnSp>
+          <p:nvCxnSpPr>
+            <p:cNvPr id="53" name="Прямая соединительная линия 52"/>
+            <p:cNvCxnSpPr/>
+            <p:nvPr/>
+          </p:nvCxnSpPr>
+          <p:spPr>
+            <a:xfrm flipH="1">
+              <a:off x="4371978" y="2333625"/>
+              <a:ext cx="2505073" cy="2524124"/>
+            </a:xfrm>
+            <a:prstGeom prst="line">
+              <a:avLst/>
+            </a:prstGeom>
+          </p:spPr>
+          <p:style>
+            <a:lnRef idx="1">
+              <a:schemeClr val="accent1"/>
+            </a:lnRef>
+            <a:fillRef idx="0">
+              <a:schemeClr val="accent1"/>
+            </a:fillRef>
+            <a:effectRef idx="0">
+              <a:schemeClr val="accent1"/>
+            </a:effectRef>
+            <a:fontRef idx="minor">
+              <a:schemeClr val="tx1"/>
+            </a:fontRef>
+          </p:style>
+        </p:cxnSp>
+        <p:cxnSp>
+          <p:nvCxnSpPr>
+            <p:cNvPr id="54" name="Прямая соединительная линия 53"/>
+            <p:cNvCxnSpPr/>
+            <p:nvPr/>
+          </p:nvCxnSpPr>
+          <p:spPr>
+            <a:xfrm flipH="1">
+              <a:off x="1432831" y="1700041"/>
+              <a:ext cx="307521" cy="316706"/>
+            </a:xfrm>
+            <a:prstGeom prst="line">
+              <a:avLst/>
+            </a:prstGeom>
+          </p:spPr>
+          <p:style>
+            <a:lnRef idx="1">
+              <a:schemeClr val="accent1"/>
+            </a:lnRef>
+            <a:fillRef idx="0">
+              <a:schemeClr val="accent1"/>
+            </a:fillRef>
+            <a:effectRef idx="0">
+              <a:schemeClr val="accent1"/>
+            </a:effectRef>
+            <a:fontRef idx="minor">
+              <a:schemeClr val="tx1"/>
+            </a:fontRef>
+          </p:style>
+        </p:cxnSp>
+        <p:cxnSp>
+          <p:nvCxnSpPr>
+            <p:cNvPr id="55" name="Прямая соединительная линия 54"/>
+            <p:cNvCxnSpPr/>
+            <p:nvPr/>
+          </p:nvCxnSpPr>
+          <p:spPr>
+            <a:xfrm flipH="1">
+              <a:off x="7303295" y="4552949"/>
+              <a:ext cx="300042" cy="300038"/>
+            </a:xfrm>
+            <a:prstGeom prst="line">
+              <a:avLst/>
+            </a:prstGeom>
+          </p:spPr>
+          <p:style>
+            <a:lnRef idx="1">
+              <a:schemeClr val="accent1"/>
+            </a:lnRef>
+            <a:fillRef idx="0">
+              <a:schemeClr val="accent1"/>
+            </a:fillRef>
+            <a:effectRef idx="0">
+              <a:schemeClr val="accent1"/>
+            </a:effectRef>
+            <a:fontRef idx="minor">
+              <a:schemeClr val="tx1"/>
+            </a:fontRef>
+          </p:style>
+        </p:cxnSp>
+        <p:cxnSp>
+          <p:nvCxnSpPr>
+            <p:cNvPr id="34" name="Прямая соединительная линия 33"/>
+            <p:cNvCxnSpPr/>
+            <p:nvPr/>
+          </p:nvCxnSpPr>
+          <p:spPr>
+            <a:xfrm flipH="1">
+              <a:off x="1918603" y="1690517"/>
+              <a:ext cx="307521" cy="316706"/>
+            </a:xfrm>
+            <a:prstGeom prst="line">
+              <a:avLst/>
+            </a:prstGeom>
+          </p:spPr>
+          <p:style>
+            <a:lnRef idx="1">
+              <a:schemeClr val="accent1"/>
+            </a:lnRef>
+            <a:fillRef idx="0">
+              <a:schemeClr val="accent1"/>
+            </a:fillRef>
+            <a:effectRef idx="0">
+              <a:schemeClr val="accent1"/>
+            </a:effectRef>
+            <a:fontRef idx="minor">
+              <a:schemeClr val="tx1"/>
+            </a:fontRef>
+          </p:style>
+        </p:cxnSp>
+        <p:cxnSp>
+          <p:nvCxnSpPr>
+            <p:cNvPr id="35" name="Прямая соединительная линия 34"/>
+            <p:cNvCxnSpPr/>
+            <p:nvPr/>
+          </p:nvCxnSpPr>
+          <p:spPr>
+            <a:xfrm flipH="1">
+              <a:off x="2404375" y="1716880"/>
+              <a:ext cx="307521" cy="316706"/>
+            </a:xfrm>
+            <a:prstGeom prst="line">
+              <a:avLst/>
+            </a:prstGeom>
+          </p:spPr>
+          <p:style>
+            <a:lnRef idx="1">
+              <a:schemeClr val="accent1"/>
+            </a:lnRef>
+            <a:fillRef idx="0">
+              <a:schemeClr val="accent1"/>
+            </a:fillRef>
+            <a:effectRef idx="0">
+              <a:schemeClr val="accent1"/>
+            </a:effectRef>
+            <a:fontRef idx="minor">
+              <a:schemeClr val="tx1"/>
+            </a:fontRef>
+          </p:style>
+        </p:cxnSp>
+        <p:cxnSp>
+          <p:nvCxnSpPr>
+            <p:cNvPr id="36" name="Прямая соединительная линия 35"/>
+            <p:cNvCxnSpPr/>
+            <p:nvPr/>
+          </p:nvCxnSpPr>
+          <p:spPr>
+            <a:xfrm flipH="1">
+              <a:off x="2890147" y="1707356"/>
+              <a:ext cx="307521" cy="316706"/>
+            </a:xfrm>
+            <a:prstGeom prst="line">
+              <a:avLst/>
+            </a:prstGeom>
+          </p:spPr>
+          <p:style>
+            <a:lnRef idx="1">
+              <a:schemeClr val="accent1"/>
+            </a:lnRef>
+            <a:fillRef idx="0">
+              <a:schemeClr val="accent1"/>
+            </a:fillRef>
+            <a:effectRef idx="0">
+              <a:schemeClr val="accent1"/>
+            </a:effectRef>
+            <a:fontRef idx="minor">
+              <a:schemeClr val="tx1"/>
+            </a:fontRef>
+          </p:style>
+        </p:cxnSp>
+        <p:cxnSp>
+          <p:nvCxnSpPr>
+            <p:cNvPr id="37" name="Прямая соединительная линия 36"/>
+            <p:cNvCxnSpPr/>
+            <p:nvPr/>
+          </p:nvCxnSpPr>
+          <p:spPr>
+            <a:xfrm flipH="1">
+              <a:off x="3357566" y="1709143"/>
+              <a:ext cx="307521" cy="316706"/>
+            </a:xfrm>
+            <a:prstGeom prst="line">
+              <a:avLst/>
+            </a:prstGeom>
+          </p:spPr>
+          <p:style>
+            <a:lnRef idx="1">
+              <a:schemeClr val="accent1"/>
+            </a:lnRef>
+            <a:fillRef idx="0">
+              <a:schemeClr val="accent1"/>
+            </a:fillRef>
+            <a:effectRef idx="0">
+              <a:schemeClr val="accent1"/>
+            </a:effectRef>
+            <a:fontRef idx="minor">
+              <a:schemeClr val="tx1"/>
+            </a:fontRef>
+          </p:style>
+        </p:cxnSp>
+        <p:cxnSp>
+          <p:nvCxnSpPr>
+            <p:cNvPr id="38" name="Прямая соединительная линия 37"/>
+            <p:cNvCxnSpPr/>
+            <p:nvPr/>
+          </p:nvCxnSpPr>
+          <p:spPr>
+            <a:xfrm flipH="1">
+              <a:off x="3843338" y="1707783"/>
+              <a:ext cx="307521" cy="316706"/>
+            </a:xfrm>
+            <a:prstGeom prst="line">
+              <a:avLst/>
+            </a:prstGeom>
+          </p:spPr>
+          <p:style>
+            <a:lnRef idx="1">
+              <a:schemeClr val="accent1"/>
+            </a:lnRef>
+            <a:fillRef idx="0">
+              <a:schemeClr val="accent1"/>
+            </a:fillRef>
+            <a:effectRef idx="0">
+              <a:schemeClr val="accent1"/>
+            </a:effectRef>
+            <a:fontRef idx="minor">
+              <a:schemeClr val="tx1"/>
+            </a:fontRef>
+          </p:style>
+        </p:cxnSp>
+        <p:cxnSp>
+          <p:nvCxnSpPr>
+            <p:cNvPr id="39" name="Прямая соединительная линия 38"/>
+            <p:cNvCxnSpPr/>
+            <p:nvPr/>
+          </p:nvCxnSpPr>
+          <p:spPr>
+            <a:xfrm flipH="1">
+              <a:off x="4329110" y="1717818"/>
+              <a:ext cx="307521" cy="316706"/>
+            </a:xfrm>
+            <a:prstGeom prst="line">
+              <a:avLst/>
+            </a:prstGeom>
+          </p:spPr>
+          <p:style>
+            <a:lnRef idx="1">
+              <a:schemeClr val="accent1"/>
+            </a:lnRef>
+            <a:fillRef idx="0">
+              <a:schemeClr val="accent1"/>
+            </a:fillRef>
+            <a:effectRef idx="0">
+              <a:schemeClr val="accent1"/>
+            </a:effectRef>
+            <a:fontRef idx="minor">
+              <a:schemeClr val="tx1"/>
+            </a:fontRef>
+          </p:style>
+        </p:cxnSp>
+        <p:cxnSp>
+          <p:nvCxnSpPr>
+            <p:cNvPr id="40" name="Прямая соединительная линия 39"/>
+            <p:cNvCxnSpPr/>
+            <p:nvPr/>
+          </p:nvCxnSpPr>
+          <p:spPr>
+            <a:xfrm flipH="1">
+              <a:off x="4814882" y="1708294"/>
+              <a:ext cx="307521" cy="316706"/>
+            </a:xfrm>
+            <a:prstGeom prst="line">
+              <a:avLst/>
+            </a:prstGeom>
+          </p:spPr>
+          <p:style>
+            <a:lnRef idx="1">
+              <a:schemeClr val="accent1"/>
+            </a:lnRef>
+            <a:fillRef idx="0">
+              <a:schemeClr val="accent1"/>
+            </a:fillRef>
+            <a:effectRef idx="0">
+              <a:schemeClr val="accent1"/>
+            </a:effectRef>
+            <a:fontRef idx="minor">
+              <a:schemeClr val="tx1"/>
+            </a:fontRef>
+          </p:style>
+        </p:cxnSp>
+        <p:cxnSp>
+          <p:nvCxnSpPr>
+            <p:cNvPr id="41" name="Прямая соединительная линия 40"/>
+            <p:cNvCxnSpPr/>
+            <p:nvPr/>
+          </p:nvCxnSpPr>
+          <p:spPr>
+            <a:xfrm flipH="1">
+              <a:off x="5250312" y="1700041"/>
+              <a:ext cx="307521" cy="316706"/>
+            </a:xfrm>
+            <a:prstGeom prst="line">
+              <a:avLst/>
+            </a:prstGeom>
+          </p:spPr>
+          <p:style>
+            <a:lnRef idx="1">
+              <a:schemeClr val="accent1"/>
+            </a:lnRef>
+            <a:fillRef idx="0">
+              <a:schemeClr val="accent1"/>
+            </a:fillRef>
+            <a:effectRef idx="0">
+              <a:schemeClr val="accent1"/>
+            </a:effectRef>
+            <a:fontRef idx="minor">
+              <a:schemeClr val="tx1"/>
+            </a:fontRef>
+          </p:style>
+        </p:cxnSp>
+        <p:cxnSp>
+          <p:nvCxnSpPr>
+            <p:cNvPr id="42" name="Прямая соединительная линия 41"/>
+            <p:cNvCxnSpPr/>
+            <p:nvPr/>
+          </p:nvCxnSpPr>
+          <p:spPr>
+            <a:xfrm flipH="1">
+              <a:off x="5736084" y="1690517"/>
+              <a:ext cx="307521" cy="316706"/>
+            </a:xfrm>
+            <a:prstGeom prst="line">
+              <a:avLst/>
+            </a:prstGeom>
+          </p:spPr>
+          <p:style>
+            <a:lnRef idx="1">
+              <a:schemeClr val="accent1"/>
+            </a:lnRef>
+            <a:fillRef idx="0">
+              <a:schemeClr val="accent1"/>
+            </a:fillRef>
+            <a:effectRef idx="0">
+              <a:schemeClr val="accent1"/>
+            </a:effectRef>
+            <a:fontRef idx="minor">
+              <a:schemeClr val="tx1"/>
+            </a:fontRef>
+          </p:style>
+        </p:cxnSp>
+        <p:cxnSp>
+          <p:nvCxnSpPr>
+            <p:cNvPr id="57" name="Прямая соединительная линия 56"/>
+            <p:cNvCxnSpPr/>
+            <p:nvPr/>
+          </p:nvCxnSpPr>
+          <p:spPr>
+            <a:xfrm flipH="1">
+              <a:off x="6221856" y="1716880"/>
+              <a:ext cx="307521" cy="316706"/>
+            </a:xfrm>
+            <a:prstGeom prst="line">
+              <a:avLst/>
+            </a:prstGeom>
+          </p:spPr>
+          <p:style>
+            <a:lnRef idx="1">
+              <a:schemeClr val="accent1"/>
+            </a:lnRef>
+            <a:fillRef idx="0">
+              <a:schemeClr val="accent1"/>
+            </a:fillRef>
+            <a:effectRef idx="0">
+              <a:schemeClr val="accent1"/>
+            </a:effectRef>
+            <a:fontRef idx="minor">
+              <a:schemeClr val="tx1"/>
+            </a:fontRef>
+          </p:style>
+        </p:cxnSp>
+        <p:cxnSp>
+          <p:nvCxnSpPr>
+            <p:cNvPr id="58" name="Прямая соединительная линия 57"/>
+            <p:cNvCxnSpPr/>
+            <p:nvPr/>
+          </p:nvCxnSpPr>
+          <p:spPr>
+            <a:xfrm flipH="1">
+              <a:off x="6707628" y="1707356"/>
+              <a:ext cx="307521" cy="316706"/>
+            </a:xfrm>
+            <a:prstGeom prst="line">
+              <a:avLst/>
+            </a:prstGeom>
+          </p:spPr>
+          <p:style>
+            <a:lnRef idx="1">
+              <a:schemeClr val="accent1"/>
+            </a:lnRef>
+            <a:fillRef idx="0">
+              <a:schemeClr val="accent1"/>
+            </a:fillRef>
+            <a:effectRef idx="0">
+              <a:schemeClr val="accent1"/>
+            </a:effectRef>
+            <a:fontRef idx="minor">
+              <a:schemeClr val="tx1"/>
+            </a:fontRef>
+          </p:style>
+        </p:cxnSp>
+        <p:cxnSp>
+          <p:nvCxnSpPr>
+            <p:cNvPr id="59" name="Прямая соединительная линия 58"/>
+            <p:cNvCxnSpPr/>
+            <p:nvPr/>
+          </p:nvCxnSpPr>
+          <p:spPr>
+            <a:xfrm flipH="1">
+              <a:off x="7175047" y="1709143"/>
+              <a:ext cx="307521" cy="316706"/>
+            </a:xfrm>
+            <a:prstGeom prst="line">
+              <a:avLst/>
+            </a:prstGeom>
+          </p:spPr>
+          <p:style>
+            <a:lnRef idx="1">
+              <a:schemeClr val="accent1"/>
+            </a:lnRef>
+            <a:fillRef idx="0">
+              <a:schemeClr val="accent1"/>
+            </a:fillRef>
+            <a:effectRef idx="0">
+              <a:schemeClr val="accent1"/>
+            </a:effectRef>
+            <a:fontRef idx="minor">
+              <a:schemeClr val="tx1"/>
+            </a:fontRef>
+          </p:style>
+        </p:cxnSp>
+      </p:grpSp>
+    </p:spTree>
+    <p:extLst>
+      <p:ext uri="{BB962C8B-B14F-4D97-AF65-F5344CB8AC3E}">
+        <p14:creationId xmlns:p14="http://schemas.microsoft.com/office/powerpoint/2010/main" val="1795747737"/>
+      </p:ext>
+    </p:extLst>
+  </p:cSld>
+  <p:clrMapOvr>
+    <a:masterClrMapping/>
+  </p:clrMapOvr>
+</p:sld>
+</file>
+
+<file path=ppt/slides/slide11.xml><?xml version="1.0" encoding="utf-8"?>
+<p:sld xmlns:a="http://schemas.openxmlformats.org/drawingml/2006/main" xmlns:r="http://schemas.openxmlformats.org/officeDocument/2006/relationships" xmlns:p="http://schemas.openxmlformats.org/presentationml/2006/main">
+  <p:cSld>
+    <p:spTree>
+      <p:nvGrpSpPr>
+        <p:cNvPr id="1" name=""/>
+        <p:cNvGrpSpPr/>
+        <p:nvPr/>
+      </p:nvGrpSpPr>
+      <p:grpSpPr>
+        <a:xfrm>
+          <a:off x="0" y="0"/>
+          <a:ext cx="0" cy="0"/>
+          <a:chOff x="0" y="0"/>
+          <a:chExt cx="0" cy="0"/>
+        </a:xfrm>
+      </p:grpSpPr>
+      <p:grpSp>
+        <p:nvGrpSpPr>
+          <p:cNvPr id="26" name="Группа 25"/>
+          <p:cNvGrpSpPr/>
+          <p:nvPr/>
+        </p:nvGrpSpPr>
+        <p:grpSpPr>
+          <a:xfrm>
+            <a:off x="804188" y="1224643"/>
+            <a:ext cx="4749572" cy="1975757"/>
+            <a:chOff x="804188" y="1224643"/>
+            <a:chExt cx="4749572" cy="1975757"/>
+          </a:xfrm>
+        </p:grpSpPr>
+        <p:pic>
+          <p:nvPicPr>
+            <p:cNvPr id="2" name="Рисунок 1"/>
+            <p:cNvPicPr>
+              <a:picLocks noChangeAspect="1"/>
+            </p:cNvPicPr>
+            <p:nvPr/>
+          </p:nvPicPr>
+          <p:blipFill>
+            <a:blip r:embed="rId2"/>
+            <a:stretch>
+              <a:fillRect/>
+            </a:stretch>
+          </p:blipFill>
+          <p:spPr>
+            <a:xfrm>
+              <a:off x="3348718" y="1357993"/>
+              <a:ext cx="323850" cy="1676400"/>
+            </a:xfrm>
+            <a:prstGeom prst="rect">
+              <a:avLst/>
+            </a:prstGeom>
+          </p:spPr>
+        </p:pic>
+        <p:sp>
+          <p:nvSpPr>
+            <p:cNvPr id="4" name="Овал 3"/>
+            <p:cNvSpPr/>
+            <p:nvPr/>
+          </p:nvSpPr>
+          <p:spPr>
+            <a:xfrm>
+              <a:off x="3477987" y="1224643"/>
+              <a:ext cx="194582" cy="1975757"/>
+            </a:xfrm>
+            <a:prstGeom prst="ellipse">
+              <a:avLst/>
+            </a:prstGeom>
+            <a:noFill/>
+            <a:ln w="19050">
+              <a:solidFill>
+                <a:srgbClr val="FF0000"/>
+              </a:solidFill>
+            </a:ln>
+          </p:spPr>
+          <p:style>
+            <a:lnRef idx="2">
+              <a:schemeClr val="accent1">
+                <a:shade val="50000"/>
+              </a:schemeClr>
+            </a:lnRef>
+            <a:fillRef idx="1">
+              <a:schemeClr val="accent1"/>
+            </a:fillRef>
+            <a:effectRef idx="0">
+              <a:schemeClr val="accent1"/>
+            </a:effectRef>
+            <a:fontRef idx="minor">
+              <a:schemeClr val="lt1"/>
+            </a:fontRef>
+          </p:style>
+          <p:txBody>
+            <a:bodyPr rtlCol="0" anchor="ctr"/>
+            <a:lstStyle/>
+            <a:p>
+              <a:pPr algn="ctr"/>
+              <a:endParaRPr lang="ru-RU"/>
+            </a:p>
+          </p:txBody>
+        </p:sp>
+        <p:sp>
+          <p:nvSpPr>
+            <p:cNvPr id="8" name="Левая фигурная скобка 7"/>
+            <p:cNvSpPr/>
+            <p:nvPr/>
+          </p:nvSpPr>
+          <p:spPr>
+            <a:xfrm>
+              <a:off x="3032350" y="1421651"/>
+              <a:ext cx="276225" cy="1533820"/>
+            </a:xfrm>
+            <a:prstGeom prst="leftBrace">
+              <a:avLst>
+                <a:gd name="adj1" fmla="val 35919"/>
+                <a:gd name="adj2" fmla="val 50629"/>
+              </a:avLst>
+            </a:prstGeom>
+            <a:ln w="28575">
+              <a:solidFill>
+                <a:srgbClr val="0070C0"/>
+              </a:solidFill>
+            </a:ln>
+          </p:spPr>
+          <p:style>
+            <a:lnRef idx="1">
+              <a:schemeClr val="accent1"/>
+            </a:lnRef>
+            <a:fillRef idx="0">
+              <a:schemeClr val="accent1"/>
+            </a:fillRef>
+            <a:effectRef idx="0">
+              <a:schemeClr val="accent1"/>
+            </a:effectRef>
+            <a:fontRef idx="minor">
+              <a:schemeClr val="tx1"/>
+            </a:fontRef>
+          </p:style>
+          <p:txBody>
+            <a:bodyPr rtlCol="0" anchor="ctr"/>
+            <a:lstStyle/>
+            <a:p>
+              <a:pPr algn="ctr"/>
+              <a:endParaRPr lang="ru-RU" sz="1100">
+                <a:latin typeface="Times New Roman" panose="02020603050405020304" pitchFamily="18" charset="0"/>
+                <a:cs typeface="Times New Roman" panose="02020603050405020304" pitchFamily="18" charset="0"/>
+              </a:endParaRPr>
+            </a:p>
+          </p:txBody>
+        </p:sp>
+        <p:cxnSp>
+          <p:nvCxnSpPr>
+            <p:cNvPr id="9" name="Прямая со стрелкой 8"/>
+            <p:cNvCxnSpPr/>
+            <p:nvPr/>
+          </p:nvCxnSpPr>
+          <p:spPr>
+            <a:xfrm flipH="1" flipV="1">
+              <a:off x="3575280" y="2028274"/>
+              <a:ext cx="392563" cy="4633"/>
+            </a:xfrm>
+            <a:prstGeom prst="straightConnector1">
+              <a:avLst/>
+            </a:prstGeom>
+            <a:ln w="6350">
+              <a:solidFill>
+                <a:schemeClr val="tx1"/>
+              </a:solidFill>
+              <a:tailEnd type="stealth" w="med" len="med"/>
+            </a:ln>
+          </p:spPr>
+          <p:style>
+            <a:lnRef idx="1">
+              <a:schemeClr val="accent1"/>
+            </a:lnRef>
+            <a:fillRef idx="0">
+              <a:schemeClr val="accent1"/>
+            </a:fillRef>
+            <a:effectRef idx="0">
+              <a:schemeClr val="accent1"/>
+            </a:effectRef>
+            <a:fontRef idx="minor">
+              <a:schemeClr val="tx1"/>
+            </a:fontRef>
+          </p:style>
+        </p:cxnSp>
+        <p:sp>
+          <p:nvSpPr>
+            <p:cNvPr id="12" name="TextBox 11"/>
+            <p:cNvSpPr txBox="1"/>
+            <p:nvPr/>
+          </p:nvSpPr>
+          <p:spPr>
+            <a:xfrm>
+              <a:off x="804188" y="1414552"/>
+              <a:ext cx="2070332" cy="430887"/>
+            </a:xfrm>
+            <a:prstGeom prst="rect">
+              <a:avLst/>
+            </a:prstGeom>
+            <a:noFill/>
+          </p:spPr>
+          <p:txBody>
+            <a:bodyPr wrap="square" rtlCol="0">
+              <a:spAutoFit/>
+            </a:bodyPr>
+            <a:lstStyle/>
+            <a:p>
+              <a:r>
+                <a:rPr lang="en-US" sz="1100" dirty="0">
+                  <a:latin typeface="Times New Roman" panose="02020603050405020304" pitchFamily="18" charset="0"/>
+                  <a:cs typeface="Times New Roman" panose="02020603050405020304" pitchFamily="18" charset="0"/>
+                </a:rPr>
+                <a:t>Drag color scale up or down to move range of displayed values</a:t>
+              </a:r>
+              <a:endParaRPr lang="ru-RU" sz="1100" dirty="0">
+                <a:latin typeface="Times New Roman" panose="02020603050405020304" pitchFamily="18" charset="0"/>
+                <a:cs typeface="Times New Roman" panose="02020603050405020304" pitchFamily="18" charset="0"/>
+              </a:endParaRPr>
+            </a:p>
+          </p:txBody>
+        </p:sp>
+        <p:sp>
+          <p:nvSpPr>
+            <p:cNvPr id="13" name="TextBox 12"/>
+            <p:cNvSpPr txBox="1"/>
+            <p:nvPr/>
+          </p:nvSpPr>
+          <p:spPr>
+            <a:xfrm>
+              <a:off x="804188" y="2354204"/>
+              <a:ext cx="2249256" cy="430887"/>
+            </a:xfrm>
+            <a:prstGeom prst="rect">
+              <a:avLst/>
+            </a:prstGeom>
+            <a:noFill/>
+          </p:spPr>
+          <p:txBody>
+            <a:bodyPr wrap="square" rtlCol="0">
+              <a:spAutoFit/>
+            </a:bodyPr>
+            <a:lstStyle/>
+            <a:p>
+              <a:r>
+                <a:rPr lang="en-US" sz="1100" dirty="0">
+                  <a:latin typeface="Times New Roman" panose="02020603050405020304" pitchFamily="18" charset="0"/>
+                  <a:cs typeface="Times New Roman" panose="02020603050405020304" pitchFamily="18" charset="0"/>
+                </a:rPr>
+                <a:t>Use the mouse wheel for zooming the range of displayed values</a:t>
+              </a:r>
+              <a:endParaRPr lang="ru-RU" sz="1100" dirty="0">
+                <a:latin typeface="Times New Roman" panose="02020603050405020304" pitchFamily="18" charset="0"/>
+                <a:cs typeface="Times New Roman" panose="02020603050405020304" pitchFamily="18" charset="0"/>
+              </a:endParaRPr>
+            </a:p>
+          </p:txBody>
+        </p:sp>
+        <p:sp>
+          <p:nvSpPr>
+            <p:cNvPr id="15" name="TextBox 14"/>
+            <p:cNvSpPr txBox="1"/>
+            <p:nvPr/>
+          </p:nvSpPr>
+          <p:spPr>
+            <a:xfrm>
+              <a:off x="3988938" y="1728192"/>
+              <a:ext cx="1564822" cy="600164"/>
+            </a:xfrm>
+            <a:prstGeom prst="rect">
+              <a:avLst/>
+            </a:prstGeom>
+            <a:noFill/>
+          </p:spPr>
+          <p:txBody>
+            <a:bodyPr wrap="square" rtlCol="0">
+              <a:spAutoFit/>
+            </a:bodyPr>
+            <a:lstStyle/>
+            <a:p>
+              <a:r>
+                <a:rPr lang="en-US" sz="1100" dirty="0">
+                  <a:latin typeface="Times New Roman" panose="02020603050405020304" pitchFamily="18" charset="0"/>
+                  <a:cs typeface="Times New Roman" panose="02020603050405020304" pitchFamily="18" charset="0"/>
+                </a:rPr>
+                <a:t>Double-clicking on the scale will allow you to change the color scheme</a:t>
+              </a:r>
+              <a:endParaRPr lang="ru-RU" sz="1100" dirty="0">
+                <a:latin typeface="Times New Roman" panose="02020603050405020304" pitchFamily="18" charset="0"/>
+                <a:cs typeface="Times New Roman" panose="02020603050405020304" pitchFamily="18" charset="0"/>
+              </a:endParaRPr>
+            </a:p>
+          </p:txBody>
+        </p:sp>
+      </p:grpSp>
+      <p:grpSp>
+        <p:nvGrpSpPr>
+          <p:cNvPr id="25" name="Группа 24"/>
+          <p:cNvGrpSpPr/>
+          <p:nvPr/>
+        </p:nvGrpSpPr>
+        <p:grpSpPr>
+          <a:xfrm>
+            <a:off x="961344" y="4004031"/>
+            <a:ext cx="4592416" cy="1975757"/>
+            <a:chOff x="961344" y="4004031"/>
+            <a:chExt cx="4592416" cy="1975757"/>
+          </a:xfrm>
+        </p:grpSpPr>
+        <p:pic>
+          <p:nvPicPr>
+            <p:cNvPr id="18" name="Рисунок 17"/>
+            <p:cNvPicPr>
+              <a:picLocks noChangeAspect="1"/>
+            </p:cNvPicPr>
+            <p:nvPr/>
+          </p:nvPicPr>
+          <p:blipFill>
+            <a:blip r:embed="rId2"/>
+            <a:stretch>
+              <a:fillRect/>
+            </a:stretch>
+          </p:blipFill>
+          <p:spPr>
+            <a:xfrm>
+              <a:off x="3437843" y="4137381"/>
+              <a:ext cx="323850" cy="1676400"/>
+            </a:xfrm>
+            <a:prstGeom prst="rect">
+              <a:avLst/>
+            </a:prstGeom>
+          </p:spPr>
+        </p:pic>
+        <p:sp>
+          <p:nvSpPr>
+            <p:cNvPr id="19" name="Овал 18"/>
+            <p:cNvSpPr/>
+            <p:nvPr/>
+          </p:nvSpPr>
+          <p:spPr>
+            <a:xfrm>
+              <a:off x="3567112" y="4004031"/>
+              <a:ext cx="194582" cy="1975757"/>
+            </a:xfrm>
+            <a:prstGeom prst="ellipse">
+              <a:avLst/>
+            </a:prstGeom>
+            <a:noFill/>
+            <a:ln w="19050">
+              <a:solidFill>
+                <a:srgbClr val="FF0000"/>
+              </a:solidFill>
+            </a:ln>
+          </p:spPr>
+          <p:style>
+            <a:lnRef idx="2">
+              <a:schemeClr val="accent1">
+                <a:shade val="50000"/>
+              </a:schemeClr>
+            </a:lnRef>
+            <a:fillRef idx="1">
+              <a:schemeClr val="accent1"/>
+            </a:fillRef>
+            <a:effectRef idx="0">
+              <a:schemeClr val="accent1"/>
+            </a:effectRef>
+            <a:fontRef idx="minor">
+              <a:schemeClr val="lt1"/>
+            </a:fontRef>
+          </p:style>
+          <p:txBody>
+            <a:bodyPr rtlCol="0" anchor="ctr"/>
+            <a:lstStyle/>
+            <a:p>
+              <a:pPr algn="ctr"/>
+              <a:endParaRPr lang="ru-RU"/>
+            </a:p>
+          </p:txBody>
+        </p:sp>
+        <p:sp>
+          <p:nvSpPr>
+            <p:cNvPr id="20" name="Левая фигурная скобка 19"/>
+            <p:cNvSpPr/>
+            <p:nvPr/>
+          </p:nvSpPr>
+          <p:spPr>
+            <a:xfrm>
+              <a:off x="3121475" y="4201039"/>
+              <a:ext cx="276225" cy="1533820"/>
+            </a:xfrm>
+            <a:prstGeom prst="leftBrace">
+              <a:avLst>
+                <a:gd name="adj1" fmla="val 35919"/>
+                <a:gd name="adj2" fmla="val 50629"/>
+              </a:avLst>
+            </a:prstGeom>
+            <a:ln w="28575">
+              <a:solidFill>
+                <a:srgbClr val="0070C0"/>
+              </a:solidFill>
+            </a:ln>
+          </p:spPr>
+          <p:style>
+            <a:lnRef idx="1">
+              <a:schemeClr val="accent1"/>
+            </a:lnRef>
+            <a:fillRef idx="0">
+              <a:schemeClr val="accent1"/>
+            </a:fillRef>
+            <a:effectRef idx="0">
+              <a:schemeClr val="accent1"/>
+            </a:effectRef>
+            <a:fontRef idx="minor">
+              <a:schemeClr val="tx1"/>
+            </a:fontRef>
+          </p:style>
+          <p:txBody>
+            <a:bodyPr rtlCol="0" anchor="ctr"/>
+            <a:lstStyle/>
+            <a:p>
+              <a:pPr algn="ctr"/>
+              <a:endParaRPr lang="ru-RU" sz="1100">
+                <a:latin typeface="Times New Roman" panose="02020603050405020304" pitchFamily="18" charset="0"/>
+                <a:cs typeface="Times New Roman" panose="02020603050405020304" pitchFamily="18" charset="0"/>
+              </a:endParaRPr>
+            </a:p>
+          </p:txBody>
+        </p:sp>
+        <p:cxnSp>
+          <p:nvCxnSpPr>
+            <p:cNvPr id="21" name="Прямая со стрелкой 20"/>
+            <p:cNvCxnSpPr/>
+            <p:nvPr/>
+          </p:nvCxnSpPr>
+          <p:spPr>
+            <a:xfrm flipH="1" flipV="1">
+              <a:off x="3664405" y="4807662"/>
+              <a:ext cx="392563" cy="4633"/>
+            </a:xfrm>
+            <a:prstGeom prst="straightConnector1">
+              <a:avLst/>
+            </a:prstGeom>
+            <a:ln w="6350">
+              <a:solidFill>
+                <a:schemeClr val="tx1"/>
+              </a:solidFill>
+              <a:tailEnd type="stealth" w="med" len="med"/>
+            </a:ln>
+          </p:spPr>
+          <p:style>
+            <a:lnRef idx="1">
+              <a:schemeClr val="accent1"/>
+            </a:lnRef>
+            <a:fillRef idx="0">
+              <a:schemeClr val="accent1"/>
+            </a:fillRef>
+            <a:effectRef idx="0">
+              <a:schemeClr val="accent1"/>
+            </a:effectRef>
+            <a:fontRef idx="minor">
+              <a:schemeClr val="tx1"/>
+            </a:fontRef>
+          </p:style>
+        </p:cxnSp>
+        <p:sp>
+          <p:nvSpPr>
+            <p:cNvPr id="22" name="TextBox 21"/>
+            <p:cNvSpPr txBox="1"/>
+            <p:nvPr/>
+          </p:nvSpPr>
+          <p:spPr>
+            <a:xfrm>
+              <a:off x="962018" y="4207497"/>
+              <a:ext cx="2070332" cy="600164"/>
+            </a:xfrm>
+            <a:prstGeom prst="rect">
+              <a:avLst/>
+            </a:prstGeom>
+            <a:noFill/>
+          </p:spPr>
+          <p:txBody>
+            <a:bodyPr wrap="square" rtlCol="0">
+              <a:spAutoFit/>
+            </a:bodyPr>
+            <a:lstStyle/>
+            <a:p>
+              <a:r>
+                <a:rPr lang="ru-RU" sz="1100" dirty="0">
+                  <a:latin typeface="Times New Roman" panose="02020603050405020304" pitchFamily="18" charset="0"/>
+                  <a:cs typeface="Times New Roman" panose="02020603050405020304" pitchFamily="18" charset="0"/>
+                </a:rPr>
+                <a:t>Перетащите цветовую шкалу вверх или вниз для подстройки диапазона значений</a:t>
+              </a:r>
+            </a:p>
+          </p:txBody>
+        </p:sp>
+        <p:sp>
+          <p:nvSpPr>
+            <p:cNvPr id="23" name="TextBox 22"/>
+            <p:cNvSpPr txBox="1"/>
+            <p:nvPr/>
+          </p:nvSpPr>
+          <p:spPr>
+            <a:xfrm>
+              <a:off x="961344" y="5134695"/>
+              <a:ext cx="2181225" cy="600164"/>
+            </a:xfrm>
+            <a:prstGeom prst="rect">
+              <a:avLst/>
+            </a:prstGeom>
+            <a:noFill/>
+          </p:spPr>
+          <p:txBody>
+            <a:bodyPr wrap="square" rtlCol="0">
+              <a:spAutoFit/>
+            </a:bodyPr>
+            <a:lstStyle/>
+            <a:p>
+              <a:r>
+                <a:rPr lang="ru-RU" sz="1100" dirty="0">
+                  <a:latin typeface="Times New Roman" panose="02020603050405020304" pitchFamily="18" charset="0"/>
+                  <a:cs typeface="Times New Roman" panose="02020603050405020304" pitchFamily="18" charset="0"/>
+                </a:rPr>
+                <a:t>Колесом мыши можно расширить или сузить диапазон отображаемых значений </a:t>
+              </a:r>
+            </a:p>
+          </p:txBody>
+        </p:sp>
+        <p:sp>
+          <p:nvSpPr>
+            <p:cNvPr id="24" name="TextBox 23"/>
+            <p:cNvSpPr txBox="1"/>
+            <p:nvPr/>
+          </p:nvSpPr>
+          <p:spPr>
+            <a:xfrm>
+              <a:off x="4078063" y="4422941"/>
+              <a:ext cx="1475697" cy="769441"/>
+            </a:xfrm>
+            <a:prstGeom prst="rect">
+              <a:avLst/>
+            </a:prstGeom>
+            <a:noFill/>
+          </p:spPr>
+          <p:txBody>
+            <a:bodyPr wrap="square" rtlCol="0">
+              <a:spAutoFit/>
+            </a:bodyPr>
+            <a:lstStyle/>
+            <a:p>
+              <a:r>
+                <a:rPr lang="ru-RU" sz="1100" dirty="0">
+                  <a:latin typeface="Times New Roman" panose="02020603050405020304" pitchFamily="18" charset="0"/>
+                  <a:cs typeface="Times New Roman" panose="02020603050405020304" pitchFamily="18" charset="0"/>
+                </a:rPr>
+                <a:t>Двойной клик по шкале позволит сменить цветовую схему</a:t>
+              </a:r>
+            </a:p>
+          </p:txBody>
+        </p:sp>
+      </p:grpSp>
+    </p:spTree>
+    <p:extLst>
+      <p:ext uri="{BB962C8B-B14F-4D97-AF65-F5344CB8AC3E}">
+        <p14:creationId xmlns:p14="http://schemas.microsoft.com/office/powerpoint/2010/main" val="3079276374"/>
+      </p:ext>
+    </p:extLst>
+  </p:cSld>
+  <p:clrMapOvr>
+    <a:masterClrMapping/>
+  </p:clrMapOvr>
+</p:sld>
+</file>
+
+<file path=ppt/slides/slide12.xml><?xml version="1.0" encoding="utf-8"?>
+<p:sld xmlns:a="http://schemas.openxmlformats.org/drawingml/2006/main" xmlns:r="http://schemas.openxmlformats.org/officeDocument/2006/relationships" xmlns:p="http://schemas.openxmlformats.org/presentationml/2006/main">
+  <p:cSld>
+    <p:spTree>
+      <p:nvGrpSpPr>
+        <p:cNvPr id="1" name=""/>
+        <p:cNvGrpSpPr/>
+        <p:nvPr/>
+      </p:nvGrpSpPr>
+      <p:grpSpPr>
+        <a:xfrm>
+          <a:off x="0" y="0"/>
+          <a:ext cx="0" cy="0"/>
+          <a:chOff x="0" y="0"/>
+          <a:chExt cx="0" cy="0"/>
+        </a:xfrm>
+      </p:grpSpPr>
+      <p:grpSp>
+        <p:nvGrpSpPr>
+          <p:cNvPr id="71" name="Группа 70"/>
+          <p:cNvGrpSpPr/>
+          <p:nvPr/>
+        </p:nvGrpSpPr>
+        <p:grpSpPr>
+          <a:xfrm>
+            <a:off x="1430642" y="2557580"/>
+            <a:ext cx="4152335" cy="2573380"/>
+            <a:chOff x="1430642" y="2557580"/>
+            <a:chExt cx="4152335" cy="2573380"/>
+          </a:xfrm>
+        </p:grpSpPr>
+        <p:cxnSp>
+          <p:nvCxnSpPr>
+            <p:cNvPr id="5" name="Прямая соединительная линия 4"/>
+            <p:cNvCxnSpPr/>
+            <p:nvPr/>
+          </p:nvCxnSpPr>
+          <p:spPr>
+            <a:xfrm>
+              <a:off x="2061029" y="3099707"/>
+              <a:ext cx="3096000" cy="0"/>
+            </a:xfrm>
+            <a:prstGeom prst="line">
+              <a:avLst/>
+            </a:prstGeom>
+            <a:ln>
+              <a:solidFill>
+                <a:schemeClr val="tx1"/>
+              </a:solidFill>
+              <a:headEnd type="none" w="med" len="med"/>
+              <a:tailEnd type="stealth" w="med" len="med"/>
+            </a:ln>
+          </p:spPr>
+          <p:style>
+            <a:lnRef idx="1">
+              <a:schemeClr val="accent1"/>
+            </a:lnRef>
+            <a:fillRef idx="0">
+              <a:schemeClr val="accent1"/>
+            </a:fillRef>
+            <a:effectRef idx="0">
+              <a:schemeClr val="accent1"/>
+            </a:effectRef>
+            <a:fontRef idx="minor">
+              <a:schemeClr val="tx1"/>
+            </a:fontRef>
+          </p:style>
+        </p:cxnSp>
+        <p:sp>
+          <p:nvSpPr>
+            <p:cNvPr id="6" name="Овал 5"/>
+            <p:cNvSpPr/>
+            <p:nvPr/>
+          </p:nvSpPr>
+          <p:spPr>
+            <a:xfrm>
+              <a:off x="2366011" y="3076847"/>
+              <a:ext cx="45719" cy="45720"/>
+            </a:xfrm>
+            <a:prstGeom prst="ellipse">
+              <a:avLst/>
+            </a:prstGeom>
+            <a:solidFill>
+              <a:schemeClr val="accent1">
+                <a:lumMod val="75000"/>
+              </a:schemeClr>
+            </a:solidFill>
+          </p:spPr>
+          <p:style>
+            <a:lnRef idx="2">
+              <a:schemeClr val="accent1">
+                <a:shade val="50000"/>
+              </a:schemeClr>
+            </a:lnRef>
+            <a:fillRef idx="1">
+              <a:schemeClr val="accent1"/>
+            </a:fillRef>
+            <a:effectRef idx="0">
+              <a:schemeClr val="accent1"/>
+            </a:effectRef>
+            <a:fontRef idx="minor">
+              <a:schemeClr val="lt1"/>
+            </a:fontRef>
+          </p:style>
+          <p:txBody>
+            <a:bodyPr rtlCol="0" anchor="ctr"/>
+            <a:lstStyle/>
+            <a:p>
+              <a:pPr algn="ctr"/>
+              <a:endParaRPr lang="ru-RU" sz="1200"/>
+            </a:p>
+          </p:txBody>
+        </p:sp>
+        <p:sp>
+          <p:nvSpPr>
+            <p:cNvPr id="27" name="Овал 26"/>
+            <p:cNvSpPr/>
+            <p:nvPr/>
+          </p:nvSpPr>
+          <p:spPr>
+            <a:xfrm>
+              <a:off x="3161212" y="3076847"/>
+              <a:ext cx="45719" cy="45720"/>
+            </a:xfrm>
+            <a:prstGeom prst="ellipse">
+              <a:avLst/>
+            </a:prstGeom>
+            <a:solidFill>
+              <a:schemeClr val="accent1">
+                <a:lumMod val="75000"/>
+              </a:schemeClr>
+            </a:solidFill>
+          </p:spPr>
+          <p:style>
+            <a:lnRef idx="2">
+              <a:schemeClr val="accent1">
+                <a:shade val="50000"/>
+              </a:schemeClr>
+            </a:lnRef>
+            <a:fillRef idx="1">
+              <a:schemeClr val="accent1"/>
+            </a:fillRef>
+            <a:effectRef idx="0">
+              <a:schemeClr val="accent1"/>
+            </a:effectRef>
+            <a:fontRef idx="minor">
+              <a:schemeClr val="lt1"/>
+            </a:fontRef>
+          </p:style>
+          <p:txBody>
+            <a:bodyPr rtlCol="0" anchor="ctr"/>
+            <a:lstStyle/>
+            <a:p>
+              <a:pPr algn="ctr"/>
+              <a:endParaRPr lang="ru-RU" sz="1200"/>
+            </a:p>
+          </p:txBody>
+        </p:sp>
+        <p:sp>
+          <p:nvSpPr>
+            <p:cNvPr id="28" name="Овал 27"/>
+            <p:cNvSpPr/>
+            <p:nvPr/>
+          </p:nvSpPr>
+          <p:spPr>
+            <a:xfrm>
+              <a:off x="3956413" y="3073785"/>
+              <a:ext cx="45719" cy="45720"/>
+            </a:xfrm>
+            <a:prstGeom prst="ellipse">
+              <a:avLst/>
+            </a:prstGeom>
+            <a:solidFill>
+              <a:schemeClr val="accent1">
+                <a:lumMod val="75000"/>
+              </a:schemeClr>
+            </a:solidFill>
+          </p:spPr>
+          <p:style>
+            <a:lnRef idx="2">
+              <a:schemeClr val="accent1">
+                <a:shade val="50000"/>
+              </a:schemeClr>
+            </a:lnRef>
+            <a:fillRef idx="1">
+              <a:schemeClr val="accent1"/>
+            </a:fillRef>
+            <a:effectRef idx="0">
+              <a:schemeClr val="accent1"/>
+            </a:effectRef>
+            <a:fontRef idx="minor">
+              <a:schemeClr val="lt1"/>
+            </a:fontRef>
+          </p:style>
+          <p:txBody>
+            <a:bodyPr rtlCol="0" anchor="ctr"/>
+            <a:lstStyle/>
+            <a:p>
+              <a:pPr algn="ctr"/>
+              <a:endParaRPr lang="ru-RU" sz="1200"/>
+            </a:p>
+          </p:txBody>
+        </p:sp>
+        <p:cxnSp>
+          <p:nvCxnSpPr>
+            <p:cNvPr id="30" name="Прямая соединительная линия 29"/>
+            <p:cNvCxnSpPr/>
+            <p:nvPr/>
+          </p:nvCxnSpPr>
+          <p:spPr>
+            <a:xfrm>
+              <a:off x="2061029" y="3956957"/>
+              <a:ext cx="3096000" cy="0"/>
+            </a:xfrm>
+            <a:prstGeom prst="line">
+              <a:avLst/>
+            </a:prstGeom>
+            <a:ln>
+              <a:solidFill>
+                <a:schemeClr val="tx1"/>
+              </a:solidFill>
+              <a:headEnd type="none" w="med" len="med"/>
+              <a:tailEnd type="stealth" w="med" len="med"/>
+            </a:ln>
+          </p:spPr>
+          <p:style>
+            <a:lnRef idx="1">
+              <a:schemeClr val="accent1"/>
+            </a:lnRef>
+            <a:fillRef idx="0">
+              <a:schemeClr val="accent1"/>
+            </a:fillRef>
+            <a:effectRef idx="0">
+              <a:schemeClr val="accent1"/>
+            </a:effectRef>
+            <a:fontRef idx="minor">
+              <a:schemeClr val="tx1"/>
+            </a:fontRef>
+          </p:style>
+        </p:cxnSp>
+        <p:sp>
+          <p:nvSpPr>
+            <p:cNvPr id="31" name="Овал 30"/>
+            <p:cNvSpPr/>
+            <p:nvPr/>
+          </p:nvSpPr>
+          <p:spPr>
+            <a:xfrm>
+              <a:off x="2366011" y="3934097"/>
+              <a:ext cx="45719" cy="45720"/>
+            </a:xfrm>
+            <a:prstGeom prst="ellipse">
+              <a:avLst/>
+            </a:prstGeom>
+            <a:solidFill>
+              <a:schemeClr val="accent1">
+                <a:lumMod val="75000"/>
+              </a:schemeClr>
+            </a:solidFill>
+          </p:spPr>
+          <p:style>
+            <a:lnRef idx="2">
+              <a:schemeClr val="accent1">
+                <a:shade val="50000"/>
+              </a:schemeClr>
+            </a:lnRef>
+            <a:fillRef idx="1">
+              <a:schemeClr val="accent1"/>
+            </a:fillRef>
+            <a:effectRef idx="0">
+              <a:schemeClr val="accent1"/>
+            </a:effectRef>
+            <a:fontRef idx="minor">
+              <a:schemeClr val="lt1"/>
+            </a:fontRef>
+          </p:style>
+          <p:txBody>
+            <a:bodyPr rtlCol="0" anchor="ctr"/>
+            <a:lstStyle/>
+            <a:p>
+              <a:pPr algn="ctr"/>
+              <a:endParaRPr lang="ru-RU" sz="1200"/>
+            </a:p>
+          </p:txBody>
+        </p:sp>
+        <p:sp>
+          <p:nvSpPr>
+            <p:cNvPr id="32" name="Овал 31"/>
+            <p:cNvSpPr/>
+            <p:nvPr/>
+          </p:nvSpPr>
+          <p:spPr>
+            <a:xfrm>
+              <a:off x="3161212" y="3934097"/>
+              <a:ext cx="45719" cy="45720"/>
+            </a:xfrm>
+            <a:prstGeom prst="ellipse">
+              <a:avLst/>
+            </a:prstGeom>
+            <a:solidFill>
+              <a:schemeClr val="accent1">
+                <a:lumMod val="75000"/>
+              </a:schemeClr>
+            </a:solidFill>
+          </p:spPr>
+          <p:style>
+            <a:lnRef idx="2">
+              <a:schemeClr val="accent1">
+                <a:shade val="50000"/>
+              </a:schemeClr>
+            </a:lnRef>
+            <a:fillRef idx="1">
+              <a:schemeClr val="accent1"/>
+            </a:fillRef>
+            <a:effectRef idx="0">
+              <a:schemeClr val="accent1"/>
+            </a:effectRef>
+            <a:fontRef idx="minor">
+              <a:schemeClr val="lt1"/>
+            </a:fontRef>
+          </p:style>
+          <p:txBody>
+            <a:bodyPr rtlCol="0" anchor="ctr"/>
+            <a:lstStyle/>
+            <a:p>
+              <a:pPr algn="ctr"/>
+              <a:endParaRPr lang="ru-RU" sz="1200"/>
+            </a:p>
+          </p:txBody>
+        </p:sp>
+        <p:sp>
+          <p:nvSpPr>
+            <p:cNvPr id="33" name="Овал 32"/>
+            <p:cNvSpPr/>
+            <p:nvPr/>
+          </p:nvSpPr>
+          <p:spPr>
+            <a:xfrm>
+              <a:off x="3950443" y="3933076"/>
+              <a:ext cx="45719" cy="45720"/>
+            </a:xfrm>
+            <a:prstGeom prst="ellipse">
+              <a:avLst/>
+            </a:prstGeom>
+            <a:solidFill>
+              <a:schemeClr val="accent1">
+                <a:lumMod val="75000"/>
+              </a:schemeClr>
+            </a:solidFill>
+          </p:spPr>
+          <p:style>
+            <a:lnRef idx="2">
+              <a:schemeClr val="accent1">
+                <a:shade val="50000"/>
+              </a:schemeClr>
+            </a:lnRef>
+            <a:fillRef idx="1">
+              <a:schemeClr val="accent1"/>
+            </a:fillRef>
+            <a:effectRef idx="0">
+              <a:schemeClr val="accent1"/>
+            </a:effectRef>
+            <a:fontRef idx="minor">
+              <a:schemeClr val="lt1"/>
+            </a:fontRef>
+          </p:style>
+          <p:txBody>
+            <a:bodyPr rtlCol="0" anchor="ctr"/>
+            <a:lstStyle/>
+            <a:p>
+              <a:pPr algn="ctr"/>
+              <a:endParaRPr lang="ru-RU" sz="1200"/>
+            </a:p>
+          </p:txBody>
+        </p:sp>
+        <p:sp>
+          <p:nvSpPr>
+            <p:cNvPr id="7" name="Правая фигурная скобка 6"/>
+            <p:cNvSpPr/>
+            <p:nvPr/>
+          </p:nvSpPr>
+          <p:spPr>
+            <a:xfrm rot="16200000">
+              <a:off x="2685689" y="2558144"/>
+              <a:ext cx="196488" cy="795199"/>
+            </a:xfrm>
+            <a:prstGeom prst="rightBrace">
+              <a:avLst>
+                <a:gd name="adj1" fmla="val 46347"/>
+                <a:gd name="adj2" fmla="val 50000"/>
+              </a:avLst>
+            </a:prstGeom>
+            <a:ln w="9525">
+              <a:solidFill>
+                <a:schemeClr val="tx1"/>
+              </a:solidFill>
+            </a:ln>
+          </p:spPr>
+          <p:style>
+            <a:lnRef idx="1">
+              <a:schemeClr val="accent1"/>
+            </a:lnRef>
+            <a:fillRef idx="0">
+              <a:schemeClr val="accent1"/>
+            </a:fillRef>
+            <a:effectRef idx="0">
+              <a:schemeClr val="accent1"/>
+            </a:effectRef>
+            <a:fontRef idx="minor">
+              <a:schemeClr val="tx1"/>
+            </a:fontRef>
+          </p:style>
+          <p:txBody>
+            <a:bodyPr rtlCol="0" anchor="ctr"/>
+            <a:lstStyle/>
+            <a:p>
+              <a:pPr algn="ctr"/>
+              <a:endParaRPr lang="ru-RU" sz="1200"/>
+            </a:p>
+          </p:txBody>
+        </p:sp>
+        <p:sp>
+          <p:nvSpPr>
+            <p:cNvPr id="11" name="TextBox 10"/>
+            <p:cNvSpPr txBox="1"/>
+            <p:nvPr/>
+          </p:nvSpPr>
+          <p:spPr>
+            <a:xfrm>
+              <a:off x="2120900" y="3136141"/>
+              <a:ext cx="577850" cy="276999"/>
+            </a:xfrm>
+            <a:prstGeom prst="rect">
+              <a:avLst/>
+            </a:prstGeom>
+            <a:noFill/>
+          </p:spPr>
+          <p:txBody>
+            <a:bodyPr wrap="square" rtlCol="0">
+              <a:spAutoFit/>
+            </a:bodyPr>
+            <a:lstStyle/>
+            <a:p>
+              <a:pPr algn="ctr"/>
+              <a:r>
+                <a:rPr lang="en-US" sz="1200" dirty="0">
+                  <a:latin typeface="Times New Roman" panose="02020603050405020304" pitchFamily="18" charset="0"/>
+                  <a:cs typeface="Times New Roman" panose="02020603050405020304" pitchFamily="18" charset="0"/>
+                </a:rPr>
+                <a:t>i-1</a:t>
+              </a:r>
+              <a:endParaRPr lang="ru-RU" sz="1200" dirty="0">
+                <a:latin typeface="Times New Roman" panose="02020603050405020304" pitchFamily="18" charset="0"/>
+                <a:cs typeface="Times New Roman" panose="02020603050405020304" pitchFamily="18" charset="0"/>
+              </a:endParaRPr>
+            </a:p>
+          </p:txBody>
+        </p:sp>
+        <p:sp>
+          <p:nvSpPr>
+            <p:cNvPr id="38" name="TextBox 37"/>
+            <p:cNvSpPr txBox="1"/>
+            <p:nvPr/>
+          </p:nvSpPr>
+          <p:spPr>
+            <a:xfrm>
+              <a:off x="2892608" y="3143312"/>
+              <a:ext cx="577850" cy="276999"/>
+            </a:xfrm>
+            <a:prstGeom prst="rect">
+              <a:avLst/>
+            </a:prstGeom>
+            <a:noFill/>
+          </p:spPr>
+          <p:txBody>
+            <a:bodyPr wrap="square" rtlCol="0">
+              <a:spAutoFit/>
+            </a:bodyPr>
+            <a:lstStyle/>
+            <a:p>
+              <a:pPr algn="ctr"/>
+              <a:r>
+                <a:rPr lang="en-US" sz="1200" dirty="0" err="1">
+                  <a:latin typeface="Times New Roman" panose="02020603050405020304" pitchFamily="18" charset="0"/>
+                  <a:cs typeface="Times New Roman" panose="02020603050405020304" pitchFamily="18" charset="0"/>
+                </a:rPr>
+                <a:t>i</a:t>
+              </a:r>
+              <a:endParaRPr lang="ru-RU" sz="1200" dirty="0">
+                <a:latin typeface="Times New Roman" panose="02020603050405020304" pitchFamily="18" charset="0"/>
+                <a:cs typeface="Times New Roman" panose="02020603050405020304" pitchFamily="18" charset="0"/>
+              </a:endParaRPr>
+            </a:p>
+          </p:txBody>
+        </p:sp>
+        <p:sp>
+          <p:nvSpPr>
+            <p:cNvPr id="39" name="TextBox 38"/>
+            <p:cNvSpPr txBox="1"/>
+            <p:nvPr/>
+          </p:nvSpPr>
+          <p:spPr>
+            <a:xfrm>
+              <a:off x="3664316" y="3143312"/>
+              <a:ext cx="577850" cy="276999"/>
+            </a:xfrm>
+            <a:prstGeom prst="rect">
+              <a:avLst/>
+            </a:prstGeom>
+            <a:noFill/>
+          </p:spPr>
+          <p:txBody>
+            <a:bodyPr wrap="square" rtlCol="0">
+              <a:spAutoFit/>
+            </a:bodyPr>
+            <a:lstStyle/>
+            <a:p>
+              <a:pPr algn="ctr"/>
+              <a:r>
+                <a:rPr lang="en-US" sz="1200" dirty="0">
+                  <a:latin typeface="Times New Roman" panose="02020603050405020304" pitchFamily="18" charset="0"/>
+                  <a:cs typeface="Times New Roman" panose="02020603050405020304" pitchFamily="18" charset="0"/>
+                </a:rPr>
+                <a:t>i+1</a:t>
+              </a:r>
+              <a:endParaRPr lang="ru-RU" sz="1200" dirty="0">
+                <a:latin typeface="Times New Roman" panose="02020603050405020304" pitchFamily="18" charset="0"/>
+                <a:cs typeface="Times New Roman" panose="02020603050405020304" pitchFamily="18" charset="0"/>
+              </a:endParaRPr>
+            </a:p>
+          </p:txBody>
+        </p:sp>
+        <p:sp>
+          <p:nvSpPr>
+            <p:cNvPr id="40" name="Овал 39"/>
+            <p:cNvSpPr/>
+            <p:nvPr/>
+          </p:nvSpPr>
+          <p:spPr>
+            <a:xfrm>
+              <a:off x="2746563" y="3933416"/>
+              <a:ext cx="45719" cy="45720"/>
+            </a:xfrm>
+            <a:prstGeom prst="ellipse">
+              <a:avLst/>
+            </a:prstGeom>
+            <a:solidFill>
+              <a:srgbClr val="FF0000"/>
+            </a:solidFill>
+            <a:ln>
+              <a:solidFill>
+                <a:srgbClr val="FF0000"/>
+              </a:solidFill>
+            </a:ln>
+          </p:spPr>
+          <p:style>
+            <a:lnRef idx="2">
+              <a:schemeClr val="accent1">
+                <a:shade val="50000"/>
+              </a:schemeClr>
+            </a:lnRef>
+            <a:fillRef idx="1">
+              <a:schemeClr val="accent1"/>
+            </a:fillRef>
+            <a:effectRef idx="0">
+              <a:schemeClr val="accent1"/>
+            </a:effectRef>
+            <a:fontRef idx="minor">
+              <a:schemeClr val="lt1"/>
+            </a:fontRef>
+          </p:style>
+          <p:txBody>
+            <a:bodyPr rtlCol="0" anchor="ctr"/>
+            <a:lstStyle/>
+            <a:p>
+              <a:pPr algn="ctr"/>
+              <a:endParaRPr lang="ru-RU" sz="1200"/>
+            </a:p>
+          </p:txBody>
+        </p:sp>
+        <p:sp>
+          <p:nvSpPr>
+            <p:cNvPr id="43" name="Овал 42"/>
+            <p:cNvSpPr/>
+            <p:nvPr/>
+          </p:nvSpPr>
+          <p:spPr>
+            <a:xfrm>
+              <a:off x="3015610" y="3934437"/>
+              <a:ext cx="45719" cy="45720"/>
+            </a:xfrm>
+            <a:prstGeom prst="ellipse">
+              <a:avLst/>
+            </a:prstGeom>
+            <a:solidFill>
+              <a:srgbClr val="FF0000"/>
+            </a:solidFill>
+            <a:ln>
+              <a:solidFill>
+                <a:srgbClr val="FF0000"/>
+              </a:solidFill>
+            </a:ln>
+          </p:spPr>
+          <p:style>
+            <a:lnRef idx="2">
+              <a:schemeClr val="accent1">
+                <a:shade val="50000"/>
+              </a:schemeClr>
+            </a:lnRef>
+            <a:fillRef idx="1">
+              <a:schemeClr val="accent1"/>
+            </a:fillRef>
+            <a:effectRef idx="0">
+              <a:schemeClr val="accent1"/>
+            </a:effectRef>
+            <a:fontRef idx="minor">
+              <a:schemeClr val="lt1"/>
+            </a:fontRef>
+          </p:style>
+          <p:txBody>
+            <a:bodyPr rtlCol="0" anchor="ctr"/>
+            <a:lstStyle/>
+            <a:p>
+              <a:pPr algn="ctr"/>
+              <a:endParaRPr lang="ru-RU" sz="1200"/>
+            </a:p>
+          </p:txBody>
+        </p:sp>
+        <p:sp>
+          <p:nvSpPr>
+            <p:cNvPr id="46" name="Овал 45"/>
+            <p:cNvSpPr/>
+            <p:nvPr/>
+          </p:nvSpPr>
+          <p:spPr>
+            <a:xfrm>
+              <a:off x="3535794" y="3933076"/>
+              <a:ext cx="45719" cy="45720"/>
+            </a:xfrm>
+            <a:prstGeom prst="ellipse">
+              <a:avLst/>
+            </a:prstGeom>
+            <a:solidFill>
+              <a:srgbClr val="FF0000"/>
+            </a:solidFill>
+            <a:ln>
+              <a:solidFill>
+                <a:srgbClr val="FF0000"/>
+              </a:solidFill>
+            </a:ln>
+          </p:spPr>
+          <p:style>
+            <a:lnRef idx="2">
+              <a:schemeClr val="accent1">
+                <a:shade val="50000"/>
+              </a:schemeClr>
+            </a:lnRef>
+            <a:fillRef idx="1">
+              <a:schemeClr val="accent1"/>
+            </a:fillRef>
+            <a:effectRef idx="0">
+              <a:schemeClr val="accent1"/>
+            </a:effectRef>
+            <a:fontRef idx="minor">
+              <a:schemeClr val="lt1"/>
+            </a:fontRef>
+          </p:style>
+          <p:txBody>
+            <a:bodyPr rtlCol="0" anchor="ctr"/>
+            <a:lstStyle/>
+            <a:p>
+              <a:pPr algn="ctr"/>
+              <a:endParaRPr lang="ru-RU" sz="1200"/>
+            </a:p>
+          </p:txBody>
+        </p:sp>
+        <p:sp>
+          <p:nvSpPr>
+            <p:cNvPr id="47" name="Овал 46"/>
+            <p:cNvSpPr/>
+            <p:nvPr/>
+          </p:nvSpPr>
+          <p:spPr>
+            <a:xfrm>
+              <a:off x="3804841" y="3934097"/>
+              <a:ext cx="45719" cy="45720"/>
+            </a:xfrm>
+            <a:prstGeom prst="ellipse">
+              <a:avLst/>
+            </a:prstGeom>
+            <a:solidFill>
+              <a:srgbClr val="FF0000"/>
+            </a:solidFill>
+            <a:ln>
+              <a:solidFill>
+                <a:srgbClr val="FF0000"/>
+              </a:solidFill>
+            </a:ln>
+          </p:spPr>
+          <p:style>
+            <a:lnRef idx="2">
+              <a:schemeClr val="accent1">
+                <a:shade val="50000"/>
+              </a:schemeClr>
+            </a:lnRef>
+            <a:fillRef idx="1">
+              <a:schemeClr val="accent1"/>
+            </a:fillRef>
+            <a:effectRef idx="0">
+              <a:schemeClr val="accent1"/>
+            </a:effectRef>
+            <a:fontRef idx="minor">
+              <a:schemeClr val="lt1"/>
+            </a:fontRef>
+          </p:style>
+          <p:txBody>
+            <a:bodyPr rtlCol="0" anchor="ctr"/>
+            <a:lstStyle/>
+            <a:p>
+              <a:pPr algn="ctr"/>
+              <a:endParaRPr lang="ru-RU" sz="1200"/>
+            </a:p>
+          </p:txBody>
+        </p:sp>
+        <p:sp>
+          <p:nvSpPr>
+            <p:cNvPr id="14" name="TextBox 13"/>
+            <p:cNvSpPr txBox="1"/>
+            <p:nvPr/>
+          </p:nvSpPr>
+          <p:spPr>
+            <a:xfrm>
+              <a:off x="2610033" y="2557580"/>
+              <a:ext cx="387167" cy="276999"/>
+            </a:xfrm>
+            <a:prstGeom prst="rect">
+              <a:avLst/>
+            </a:prstGeom>
+            <a:noFill/>
+          </p:spPr>
+          <p:txBody>
+            <a:bodyPr wrap="square" rtlCol="0">
+              <a:spAutoFit/>
+            </a:bodyPr>
+            <a:lstStyle/>
+            <a:p>
+              <a:pPr algn="ctr"/>
+              <a:r>
+                <a:rPr lang="ru-RU" sz="1200" dirty="0">
+                  <a:latin typeface="Times New Roman" panose="02020603050405020304" pitchFamily="18" charset="0"/>
+                  <a:cs typeface="Times New Roman" panose="02020603050405020304" pitchFamily="18" charset="0"/>
+                </a:rPr>
+                <a:t>∆</a:t>
+              </a:r>
+              <a:r>
+                <a:rPr lang="en-US" sz="1200" baseline="-25000" dirty="0">
+                  <a:latin typeface="Times New Roman" panose="02020603050405020304" pitchFamily="18" charset="0"/>
+                  <a:cs typeface="Times New Roman" panose="02020603050405020304" pitchFamily="18" charset="0"/>
+                </a:rPr>
+                <a:t>0</a:t>
+              </a:r>
+              <a:endParaRPr lang="ru-RU" sz="1200" dirty="0">
+                <a:latin typeface="Times New Roman" panose="02020603050405020304" pitchFamily="18" charset="0"/>
+                <a:cs typeface="Times New Roman" panose="02020603050405020304" pitchFamily="18" charset="0"/>
+              </a:endParaRPr>
+            </a:p>
+          </p:txBody>
+        </p:sp>
+        <p:sp>
+          <p:nvSpPr>
+            <p:cNvPr id="48" name="Правая фигурная скобка 47"/>
+            <p:cNvSpPr/>
+            <p:nvPr/>
+          </p:nvSpPr>
+          <p:spPr>
+            <a:xfrm rot="16200000">
+              <a:off x="2837774" y="3722045"/>
+              <a:ext cx="123453" cy="269056"/>
+            </a:xfrm>
+            <a:prstGeom prst="rightBrace">
+              <a:avLst>
+                <a:gd name="adj1" fmla="val 46347"/>
+                <a:gd name="adj2" fmla="val 50000"/>
+              </a:avLst>
+            </a:prstGeom>
+            <a:ln w="9525">
+              <a:solidFill>
+                <a:schemeClr val="tx1"/>
+              </a:solidFill>
+            </a:ln>
+          </p:spPr>
+          <p:style>
+            <a:lnRef idx="1">
+              <a:schemeClr val="accent1"/>
+            </a:lnRef>
+            <a:fillRef idx="0">
+              <a:schemeClr val="accent1"/>
+            </a:fillRef>
+            <a:effectRef idx="0">
+              <a:schemeClr val="accent1"/>
+            </a:effectRef>
+            <a:fontRef idx="minor">
+              <a:schemeClr val="tx1"/>
+            </a:fontRef>
+          </p:style>
+          <p:txBody>
+            <a:bodyPr rtlCol="0" anchor="ctr"/>
+            <a:lstStyle/>
+            <a:p>
+              <a:pPr algn="ctr"/>
+              <a:endParaRPr lang="ru-RU" sz="1200"/>
+            </a:p>
+          </p:txBody>
+        </p:sp>
+        <p:sp>
+          <p:nvSpPr>
+            <p:cNvPr id="49" name="TextBox 48"/>
+            <p:cNvSpPr txBox="1"/>
+            <p:nvPr/>
+          </p:nvSpPr>
+          <p:spPr>
+            <a:xfrm>
+              <a:off x="2746563" y="3533461"/>
+              <a:ext cx="333174" cy="276999"/>
+            </a:xfrm>
+            <a:prstGeom prst="rect">
+              <a:avLst/>
+            </a:prstGeom>
+            <a:noFill/>
+          </p:spPr>
+          <p:txBody>
+            <a:bodyPr wrap="square" rtlCol="0">
+              <a:spAutoFit/>
+            </a:bodyPr>
+            <a:lstStyle/>
+            <a:p>
+              <a:pPr algn="ctr"/>
+              <a:r>
+                <a:rPr lang="ru-RU" sz="1200" dirty="0">
+                  <a:latin typeface="Times New Roman" panose="02020603050405020304" pitchFamily="18" charset="0"/>
+                  <a:cs typeface="Times New Roman" panose="02020603050405020304" pitchFamily="18" charset="0"/>
+                </a:rPr>
+                <a:t>∆</a:t>
+              </a:r>
+              <a:r>
+                <a:rPr lang="en-US" sz="1200" baseline="-25000" dirty="0">
+                  <a:latin typeface="Times New Roman" panose="02020603050405020304" pitchFamily="18" charset="0"/>
+                  <a:cs typeface="Times New Roman" panose="02020603050405020304" pitchFamily="18" charset="0"/>
+                </a:rPr>
+                <a:t>1</a:t>
+              </a:r>
+              <a:endParaRPr lang="ru-RU" sz="1200" dirty="0">
+                <a:latin typeface="Times New Roman" panose="02020603050405020304" pitchFamily="18" charset="0"/>
+                <a:cs typeface="Times New Roman" panose="02020603050405020304" pitchFamily="18" charset="0"/>
+              </a:endParaRPr>
+            </a:p>
+          </p:txBody>
+        </p:sp>
+        <p:sp>
+          <p:nvSpPr>
+            <p:cNvPr id="50" name="Правая фигурная скобка 49"/>
+            <p:cNvSpPr/>
+            <p:nvPr/>
+          </p:nvSpPr>
+          <p:spPr>
+            <a:xfrm rot="5400000">
+              <a:off x="2513925" y="3862979"/>
+              <a:ext cx="123453" cy="378639"/>
+            </a:xfrm>
+            <a:prstGeom prst="rightBrace">
+              <a:avLst>
+                <a:gd name="adj1" fmla="val 46347"/>
+                <a:gd name="adj2" fmla="val 50000"/>
+              </a:avLst>
+            </a:prstGeom>
+            <a:ln w="9525">
+              <a:solidFill>
+                <a:schemeClr val="tx1"/>
+              </a:solidFill>
+            </a:ln>
+          </p:spPr>
+          <p:style>
+            <a:lnRef idx="1">
+              <a:schemeClr val="accent1"/>
+            </a:lnRef>
+            <a:fillRef idx="0">
+              <a:schemeClr val="accent1"/>
+            </a:fillRef>
+            <a:effectRef idx="0">
+              <a:schemeClr val="accent1"/>
+            </a:effectRef>
+            <a:fontRef idx="minor">
+              <a:schemeClr val="tx1"/>
+            </a:fontRef>
+          </p:style>
+          <p:txBody>
+            <a:bodyPr rtlCol="0" anchor="ctr"/>
+            <a:lstStyle/>
+            <a:p>
+              <a:pPr algn="ctr"/>
+              <a:endParaRPr lang="ru-RU" sz="1200"/>
+            </a:p>
+          </p:txBody>
+        </p:sp>
+        <p:sp>
+          <p:nvSpPr>
+            <p:cNvPr id="51" name="TextBox 50"/>
+            <p:cNvSpPr txBox="1"/>
+            <p:nvPr/>
+          </p:nvSpPr>
+          <p:spPr>
+            <a:xfrm>
+              <a:off x="2414908" y="4114025"/>
+              <a:ext cx="357055" cy="276999"/>
+            </a:xfrm>
+            <a:prstGeom prst="rect">
+              <a:avLst/>
+            </a:prstGeom>
+            <a:noFill/>
+          </p:spPr>
+          <p:txBody>
+            <a:bodyPr wrap="square" rtlCol="0">
+              <a:spAutoFit/>
+            </a:bodyPr>
+            <a:lstStyle/>
+            <a:p>
+              <a:pPr algn="ctr"/>
+              <a:r>
+                <a:rPr lang="ru-RU" sz="1200" dirty="0">
+                  <a:latin typeface="Times New Roman" panose="02020603050405020304" pitchFamily="18" charset="0"/>
+                  <a:cs typeface="Times New Roman" panose="02020603050405020304" pitchFamily="18" charset="0"/>
+                </a:rPr>
+                <a:t>∆</a:t>
+              </a:r>
+              <a:r>
+                <a:rPr lang="en-US" sz="1200" baseline="-25000" dirty="0">
+                  <a:latin typeface="Times New Roman" panose="02020603050405020304" pitchFamily="18" charset="0"/>
+                  <a:cs typeface="Times New Roman" panose="02020603050405020304" pitchFamily="18" charset="0"/>
+                </a:rPr>
+                <a:t>2</a:t>
+              </a:r>
+              <a:endParaRPr lang="ru-RU" sz="1200" dirty="0">
+                <a:latin typeface="Times New Roman" panose="02020603050405020304" pitchFamily="18" charset="0"/>
+                <a:cs typeface="Times New Roman" panose="02020603050405020304" pitchFamily="18" charset="0"/>
+              </a:endParaRPr>
+            </a:p>
+          </p:txBody>
+        </p:sp>
+        <mc:AlternateContent xmlns:mc="http://schemas.openxmlformats.org/markup-compatibility/2006" xmlns:a14="http://schemas.microsoft.com/office/drawing/2010/main">
+          <mc:Choice Requires="a14">
+            <p:sp>
+              <p:nvSpPr>
+                <p:cNvPr id="52" name="TextBox 51"/>
+                <p:cNvSpPr txBox="1"/>
+                <p:nvPr/>
+              </p:nvSpPr>
+              <p:spPr>
+                <a:xfrm>
+                  <a:off x="3533253" y="3454286"/>
+                  <a:ext cx="1349897" cy="420308"/>
+                </a:xfrm>
+                <a:prstGeom prst="rect">
+                  <a:avLst/>
+                </a:prstGeom>
+                <a:noFill/>
+              </p:spPr>
+              <p:txBody>
+                <a:bodyPr wrap="square" rtlCol="0">
+                  <a:spAutoFit/>
+                </a:bodyPr>
+                <a:lstStyle/>
+                <a:p>
+                  <a:pPr algn="ctr"/>
+                  <a:r>
+                    <a:rPr lang="ru-RU" sz="1200" dirty="0">
+                      <a:latin typeface="Times New Roman" panose="02020603050405020304" pitchFamily="18" charset="0"/>
+                      <a:cs typeface="Times New Roman" panose="02020603050405020304" pitchFamily="18" charset="0"/>
+                    </a:rPr>
+                    <a:t>∆</a:t>
+                  </a:r>
+                  <a:r>
+                    <a:rPr lang="en-US" sz="1200" baseline="-25000" dirty="0">
+                      <a:latin typeface="Times New Roman" panose="02020603050405020304" pitchFamily="18" charset="0"/>
+                      <a:cs typeface="Times New Roman" panose="02020603050405020304" pitchFamily="18" charset="0"/>
+                    </a:rPr>
+                    <a:t>1</a:t>
+                  </a:r>
+                  <a:r>
+                    <a:rPr lang="en-US" sz="1200" dirty="0">
+                      <a:latin typeface="Times New Roman" panose="02020603050405020304" pitchFamily="18" charset="0"/>
+                      <a:cs typeface="Times New Roman" panose="02020603050405020304" pitchFamily="18" charset="0"/>
+                    </a:rPr>
+                    <a:t>=</a:t>
+                  </a:r>
+                  <a14:m>
+                    <m:oMath xmlns:m="http://schemas.openxmlformats.org/officeDocument/2006/math">
+                      <m:f>
+                        <m:fPr>
+                          <m:ctrlPr>
+                            <a:rPr lang="en-US" sz="1200" i="1" smtClean="0">
+                              <a:latin typeface="Cambria Math" panose="02040503050406030204" pitchFamily="18" charset="0"/>
+                              <a:cs typeface="Times New Roman" panose="02020603050405020304" pitchFamily="18" charset="0"/>
+                            </a:rPr>
+                          </m:ctrlPr>
+                        </m:fPr>
+                        <m:num>
+                          <m:r>
+                            <m:rPr>
+                              <m:nor/>
+                            </m:rPr>
+                            <a:rPr lang="ru-RU" sz="1200" dirty="0">
+                              <a:latin typeface="Times New Roman" panose="02020603050405020304" pitchFamily="18" charset="0"/>
+                              <a:cs typeface="Times New Roman" panose="02020603050405020304" pitchFamily="18" charset="0"/>
+                            </a:rPr>
+                            <m:t>∆</m:t>
+                          </m:r>
+                          <m:r>
+                            <m:rPr>
+                              <m:nor/>
+                            </m:rPr>
+                            <a:rPr lang="en-US" sz="1200" baseline="-25000" dirty="0">
+                              <a:latin typeface="Times New Roman" panose="02020603050405020304" pitchFamily="18" charset="0"/>
+                              <a:cs typeface="Times New Roman" panose="02020603050405020304" pitchFamily="18" charset="0"/>
+                            </a:rPr>
+                            <m:t>0</m:t>
+                          </m:r>
+                        </m:num>
+                        <m:den>
+                          <m:r>
+                            <m:rPr>
+                              <m:nor/>
+                            </m:rPr>
+                            <a:rPr lang="en-US" sz="1200" dirty="0">
+                              <a:latin typeface="Times New Roman" panose="02020603050405020304" pitchFamily="18" charset="0"/>
+                              <a:cs typeface="Times New Roman" panose="02020603050405020304" pitchFamily="18" charset="0"/>
+                            </a:rPr>
+                            <m:t>density</m:t>
+                          </m:r>
+                          <m:r>
+                            <m:rPr>
+                              <m:nor/>
+                            </m:rPr>
+                            <a:rPr lang="en-US" sz="1200" b="0" i="0" dirty="0" smtClean="0">
+                              <a:latin typeface="Times New Roman" panose="02020603050405020304" pitchFamily="18" charset="0"/>
+                              <a:cs typeface="Times New Roman" panose="02020603050405020304" pitchFamily="18" charset="0"/>
+                            </a:rPr>
+                            <m:t> </m:t>
+                          </m:r>
+                          <m:r>
+                            <m:rPr>
+                              <m:nor/>
+                            </m:rPr>
+                            <a:rPr lang="en-US" sz="1200" b="0" i="0" dirty="0" smtClean="0">
+                              <a:latin typeface="Times New Roman" panose="02020603050405020304" pitchFamily="18" charset="0"/>
+                              <a:cs typeface="Times New Roman" panose="02020603050405020304" pitchFamily="18" charset="0"/>
+                            </a:rPr>
+                            <m:t>factor</m:t>
+                          </m:r>
+                          <m:r>
+                            <a:rPr lang="en-US" sz="1200" b="0" i="1" dirty="0" smtClean="0">
+                              <a:latin typeface="Cambria Math" panose="02040503050406030204" pitchFamily="18" charset="0"/>
+                              <a:cs typeface="Times New Roman" panose="02020603050405020304" pitchFamily="18" charset="0"/>
+                            </a:rPr>
+                            <m:t> </m:t>
+                          </m:r>
+                        </m:den>
+                      </m:f>
+                    </m:oMath>
+                  </a14:m>
+                  <a:endParaRPr lang="ru-RU" sz="1200" dirty="0">
+                    <a:latin typeface="Times New Roman" panose="02020603050405020304" pitchFamily="18" charset="0"/>
+                    <a:cs typeface="Times New Roman" panose="02020603050405020304" pitchFamily="18" charset="0"/>
+                  </a:endParaRPr>
+                </a:p>
+              </p:txBody>
+            </p:sp>
+          </mc:Choice>
+          <mc:Fallback xmlns="">
+            <p:sp>
+              <p:nvSpPr>
+                <p:cNvPr id="52" name="TextBox 51"/>
+                <p:cNvSpPr txBox="1">
+                  <a:spLocks noRot="1" noChangeAspect="1" noMove="1" noResize="1" noEditPoints="1" noAdjustHandles="1" noChangeArrowheads="1" noChangeShapeType="1" noTextEdit="1"/>
+                </p:cNvSpPr>
+                <p:nvPr/>
+              </p:nvSpPr>
+              <p:spPr>
+                <a:xfrm>
+                  <a:off x="3533253" y="3454286"/>
+                  <a:ext cx="1349897" cy="420308"/>
+                </a:xfrm>
+                <a:prstGeom prst="rect">
+                  <a:avLst/>
+                </a:prstGeom>
+                <a:blipFill>
+                  <a:blip r:embed="rId2"/>
+                  <a:stretch>
+                    <a:fillRect b="-4348"/>
+                  </a:stretch>
+                </a:blipFill>
+              </p:spPr>
+              <p:txBody>
+                <a:bodyPr/>
+                <a:lstStyle/>
+                <a:p>
+                  <a:r>
+                    <a:rPr lang="ru-RU">
+                      <a:noFill/>
+                    </a:rPr>
+                    <a:t> </a:t>
+                  </a:r>
+                </a:p>
+              </p:txBody>
+            </p:sp>
+          </mc:Fallback>
+        </mc:AlternateContent>
+        <p:sp>
+          <p:nvSpPr>
+            <p:cNvPr id="53" name="Правая фигурная скобка 52"/>
+            <p:cNvSpPr/>
+            <p:nvPr/>
+          </p:nvSpPr>
+          <p:spPr>
+            <a:xfrm rot="16200000">
+              <a:off x="3637303" y="3722413"/>
+              <a:ext cx="123453" cy="269056"/>
+            </a:xfrm>
+            <a:prstGeom prst="rightBrace">
+              <a:avLst>
+                <a:gd name="adj1" fmla="val 46347"/>
+                <a:gd name="adj2" fmla="val 50000"/>
+              </a:avLst>
+            </a:prstGeom>
+            <a:ln w="9525">
+              <a:solidFill>
+                <a:schemeClr val="tx1"/>
+              </a:solidFill>
+            </a:ln>
+          </p:spPr>
+          <p:style>
+            <a:lnRef idx="1">
+              <a:schemeClr val="accent1"/>
+            </a:lnRef>
+            <a:fillRef idx="0">
+              <a:schemeClr val="accent1"/>
+            </a:fillRef>
+            <a:effectRef idx="0">
+              <a:schemeClr val="accent1"/>
+            </a:effectRef>
+            <a:fontRef idx="minor">
+              <a:schemeClr val="tx1"/>
+            </a:fontRef>
+          </p:style>
+          <p:txBody>
+            <a:bodyPr rtlCol="0" anchor="ctr"/>
+            <a:lstStyle/>
+            <a:p>
+              <a:pPr algn="ctr"/>
+              <a:endParaRPr lang="ru-RU" sz="1200"/>
+            </a:p>
+          </p:txBody>
+        </p:sp>
+        <mc:AlternateContent xmlns:mc="http://schemas.openxmlformats.org/markup-compatibility/2006" xmlns:a14="http://schemas.microsoft.com/office/drawing/2010/main">
+          <mc:Choice Requires="a14">
+            <p:sp>
+              <p:nvSpPr>
+                <p:cNvPr id="55" name="TextBox 54"/>
+                <p:cNvSpPr txBox="1"/>
+                <p:nvPr/>
+              </p:nvSpPr>
+              <p:spPr>
+                <a:xfrm>
+                  <a:off x="3180014" y="4114025"/>
+                  <a:ext cx="1421684" cy="276999"/>
+                </a:xfrm>
+                <a:prstGeom prst="rect">
+                  <a:avLst/>
+                </a:prstGeom>
+                <a:noFill/>
+              </p:spPr>
+              <p:txBody>
+                <a:bodyPr wrap="square" rtlCol="0">
+                  <a:spAutoFit/>
+                </a:bodyPr>
+                <a:lstStyle/>
+                <a:p>
+                  <a:pPr algn="ctr"/>
+                  <a:r>
+                    <a:rPr lang="ru-RU" sz="1200" dirty="0">
+                      <a:latin typeface="Times New Roman" panose="02020603050405020304" pitchFamily="18" charset="0"/>
+                      <a:cs typeface="Times New Roman" panose="02020603050405020304" pitchFamily="18" charset="0"/>
+                    </a:rPr>
+                    <a:t>∆</a:t>
+                  </a:r>
+                  <a:r>
+                    <a:rPr lang="en-US" sz="1200" baseline="-25000" dirty="0">
+                      <a:latin typeface="Times New Roman" panose="02020603050405020304" pitchFamily="18" charset="0"/>
+                      <a:cs typeface="Times New Roman" panose="02020603050405020304" pitchFamily="18" charset="0"/>
+                    </a:rPr>
+                    <a:t>2</a:t>
+                  </a:r>
+                  <a:r>
+                    <a:rPr lang="en-US" sz="1200" dirty="0">
+                      <a:latin typeface="Times New Roman" panose="02020603050405020304" pitchFamily="18" charset="0"/>
+                      <a:cs typeface="Times New Roman" panose="02020603050405020304" pitchFamily="18" charset="0"/>
+                    </a:rPr>
+                    <a:t>=</a:t>
+                  </a:r>
+                  <a:r>
+                    <a:rPr lang="ru-RU" sz="1200" dirty="0">
+                      <a:latin typeface="Times New Roman" panose="02020603050405020304" pitchFamily="18" charset="0"/>
+                      <a:cs typeface="Times New Roman" panose="02020603050405020304" pitchFamily="18" charset="0"/>
+                    </a:rPr>
+                    <a:t> </a:t>
+                  </a:r>
+                  <a14:m>
+                    <m:oMath xmlns:m="http://schemas.openxmlformats.org/officeDocument/2006/math">
+                      <m:r>
+                        <m:rPr>
+                          <m:nor/>
+                        </m:rPr>
+                        <a:rPr lang="ru-RU" sz="1200" dirty="0">
+                          <a:latin typeface="Times New Roman" panose="02020603050405020304" pitchFamily="18" charset="0"/>
+                          <a:cs typeface="Times New Roman" panose="02020603050405020304" pitchFamily="18" charset="0"/>
+                        </a:rPr>
+                        <m:t>∆</m:t>
+                      </m:r>
+                      <m:r>
+                        <m:rPr>
+                          <m:nor/>
+                        </m:rPr>
+                        <a:rPr lang="en-US" sz="1200" baseline="-25000" dirty="0">
+                          <a:latin typeface="Times New Roman" panose="02020603050405020304" pitchFamily="18" charset="0"/>
+                          <a:cs typeface="Times New Roman" panose="02020603050405020304" pitchFamily="18" charset="0"/>
+                        </a:rPr>
+                        <m:t>1</m:t>
+                      </m:r>
+                      <m:r>
+                        <a:rPr lang="en-US" sz="1200" i="0" dirty="0">
+                          <a:latin typeface="Cambria Math" panose="02040503050406030204" pitchFamily="18" charset="0"/>
+                          <a:cs typeface="Times New Roman" panose="02020603050405020304" pitchFamily="18" charset="0"/>
+                        </a:rPr>
+                        <m:t>∗(1+</m:t>
+                      </m:r>
+                      <m:r>
+                        <m:rPr>
+                          <m:sty m:val="p"/>
+                        </m:rPr>
+                        <a:rPr lang="en-US" sz="1200" i="0" dirty="0">
+                          <a:latin typeface="Cambria Math" panose="02040503050406030204" pitchFamily="18" charset="0"/>
+                          <a:cs typeface="Times New Roman" panose="02020603050405020304" pitchFamily="18" charset="0"/>
+                        </a:rPr>
+                        <m:t>shift</m:t>
+                      </m:r>
+                      <m:r>
+                        <a:rPr lang="en-US" sz="1200" i="0" dirty="0">
+                          <a:latin typeface="Cambria Math" panose="02040503050406030204" pitchFamily="18" charset="0"/>
+                          <a:cs typeface="Times New Roman" panose="02020603050405020304" pitchFamily="18" charset="0"/>
+                        </a:rPr>
+                        <m:t>)</m:t>
+                      </m:r>
+                    </m:oMath>
+                  </a14:m>
+                  <a:endParaRPr lang="ru-RU" sz="1200" dirty="0">
+                    <a:latin typeface="Times New Roman" panose="02020603050405020304" pitchFamily="18" charset="0"/>
+                    <a:cs typeface="Times New Roman" panose="02020603050405020304" pitchFamily="18" charset="0"/>
+                  </a:endParaRPr>
+                </a:p>
+              </p:txBody>
+            </p:sp>
+          </mc:Choice>
+          <mc:Fallback xmlns="">
+            <p:sp>
+              <p:nvSpPr>
+                <p:cNvPr id="55" name="TextBox 54"/>
+                <p:cNvSpPr txBox="1">
+                  <a:spLocks noRot="1" noChangeAspect="1" noMove="1" noResize="1" noEditPoints="1" noAdjustHandles="1" noChangeArrowheads="1" noChangeShapeType="1" noTextEdit="1"/>
+                </p:cNvSpPr>
+                <p:nvPr/>
+              </p:nvSpPr>
+              <p:spPr>
+                <a:xfrm>
+                  <a:off x="3180014" y="4114025"/>
+                  <a:ext cx="1421684" cy="276999"/>
+                </a:xfrm>
+                <a:prstGeom prst="rect">
+                  <a:avLst/>
+                </a:prstGeom>
+                <a:blipFill>
+                  <a:blip r:embed="rId3"/>
+                  <a:stretch>
+                    <a:fillRect l="-429" t="-2222" b="-17778"/>
+                  </a:stretch>
+                </a:blipFill>
+              </p:spPr>
+              <p:txBody>
+                <a:bodyPr/>
+                <a:lstStyle/>
+                <a:p>
+                  <a:r>
+                    <a:rPr lang="ru-RU">
+                      <a:noFill/>
+                    </a:rPr>
+                    <a:t> </a:t>
+                  </a:r>
+                </a:p>
+              </p:txBody>
+            </p:sp>
+          </mc:Fallback>
+        </mc:AlternateContent>
+        <p:sp>
+          <p:nvSpPr>
+            <p:cNvPr id="56" name="Правая фигурная скобка 55"/>
+            <p:cNvSpPr/>
+            <p:nvPr/>
+          </p:nvSpPr>
+          <p:spPr>
+            <a:xfrm rot="5400000">
+              <a:off x="3307607" y="3862979"/>
+              <a:ext cx="123453" cy="378639"/>
+            </a:xfrm>
+            <a:prstGeom prst="rightBrace">
+              <a:avLst>
+                <a:gd name="adj1" fmla="val 46347"/>
+                <a:gd name="adj2" fmla="val 50000"/>
+              </a:avLst>
+            </a:prstGeom>
+            <a:ln w="9525">
+              <a:solidFill>
+                <a:schemeClr val="tx1"/>
+              </a:solidFill>
+            </a:ln>
+          </p:spPr>
+          <p:style>
+            <a:lnRef idx="1">
+              <a:schemeClr val="accent1"/>
+            </a:lnRef>
+            <a:fillRef idx="0">
+              <a:schemeClr val="accent1"/>
+            </a:fillRef>
+            <a:effectRef idx="0">
+              <a:schemeClr val="accent1"/>
+            </a:effectRef>
+            <a:fontRef idx="minor">
+              <a:schemeClr val="tx1"/>
+            </a:fontRef>
+          </p:style>
+          <p:txBody>
+            <a:bodyPr rtlCol="0" anchor="ctr"/>
+            <a:lstStyle/>
+            <a:p>
+              <a:pPr algn="ctr"/>
+              <a:endParaRPr lang="ru-RU" sz="1200"/>
+            </a:p>
+          </p:txBody>
+        </p:sp>
+        <p:sp>
+          <p:nvSpPr>
+            <p:cNvPr id="57" name="Дуга 56"/>
+            <p:cNvSpPr/>
+            <p:nvPr/>
+          </p:nvSpPr>
+          <p:spPr>
+            <a:xfrm>
+              <a:off x="1430642" y="3079027"/>
+              <a:ext cx="892807" cy="839274"/>
+            </a:xfrm>
+            <a:prstGeom prst="arc">
+              <a:avLst>
+                <a:gd name="adj1" fmla="val 5044722"/>
+                <a:gd name="adj2" fmla="val 15903385"/>
+              </a:avLst>
+            </a:prstGeom>
+            <a:ln>
+              <a:solidFill>
+                <a:srgbClr val="00B050"/>
+              </a:solidFill>
+              <a:headEnd type="stealth"/>
+              <a:tailEnd type="none"/>
+            </a:ln>
+          </p:spPr>
+          <p:style>
+            <a:lnRef idx="1">
+              <a:schemeClr val="accent1"/>
+            </a:lnRef>
+            <a:fillRef idx="0">
+              <a:schemeClr val="accent1"/>
+            </a:fillRef>
+            <a:effectRef idx="0">
+              <a:schemeClr val="accent1"/>
+            </a:effectRef>
+            <a:fontRef idx="minor">
+              <a:schemeClr val="tx1"/>
+            </a:fontRef>
+          </p:style>
+          <p:txBody>
+            <a:bodyPr rtlCol="0" anchor="ctr"/>
+            <a:lstStyle/>
+            <a:p>
+              <a:pPr algn="ctr"/>
+              <a:endParaRPr lang="ru-RU" sz="1200"/>
+            </a:p>
+          </p:txBody>
+        </p:sp>
+        <p:sp>
+          <p:nvSpPr>
+            <p:cNvPr id="59" name="Дуга 58"/>
+            <p:cNvSpPr/>
+            <p:nvPr/>
+          </p:nvSpPr>
+          <p:spPr>
+            <a:xfrm>
+              <a:off x="1433516" y="3964020"/>
+              <a:ext cx="892807" cy="839274"/>
+            </a:xfrm>
+            <a:prstGeom prst="arc">
+              <a:avLst>
+                <a:gd name="adj1" fmla="val 5044722"/>
+                <a:gd name="adj2" fmla="val 15903385"/>
+              </a:avLst>
+            </a:prstGeom>
+            <a:ln>
+              <a:solidFill>
+                <a:srgbClr val="00B050"/>
+              </a:solidFill>
+              <a:headEnd type="stealth"/>
+              <a:tailEnd type="none"/>
+            </a:ln>
+          </p:spPr>
+          <p:style>
+            <a:lnRef idx="1">
+              <a:schemeClr val="accent1"/>
+            </a:lnRef>
+            <a:fillRef idx="0">
+              <a:schemeClr val="accent1"/>
+            </a:fillRef>
+            <a:effectRef idx="0">
+              <a:schemeClr val="accent1"/>
+            </a:effectRef>
+            <a:fontRef idx="minor">
+              <a:schemeClr val="tx1"/>
+            </a:fontRef>
+          </p:style>
+          <p:txBody>
+            <a:bodyPr rtlCol="0" anchor="ctr"/>
+            <a:lstStyle/>
+            <a:p>
+              <a:pPr algn="ctr"/>
+              <a:endParaRPr lang="ru-RU" sz="1200"/>
+            </a:p>
+          </p:txBody>
+        </p:sp>
+        <p:cxnSp>
+          <p:nvCxnSpPr>
+            <p:cNvPr id="60" name="Прямая соединительная линия 59"/>
+            <p:cNvCxnSpPr/>
+            <p:nvPr/>
+          </p:nvCxnSpPr>
+          <p:spPr>
+            <a:xfrm>
+              <a:off x="2062329" y="4810356"/>
+              <a:ext cx="3096000" cy="0"/>
+            </a:xfrm>
+            <a:prstGeom prst="line">
+              <a:avLst/>
+            </a:prstGeom>
+            <a:ln>
+              <a:solidFill>
+                <a:schemeClr val="tx1"/>
+              </a:solidFill>
+              <a:headEnd type="none" w="med" len="med"/>
+              <a:tailEnd type="stealth" w="med" len="med"/>
+            </a:ln>
+          </p:spPr>
+          <p:style>
+            <a:lnRef idx="1">
+              <a:schemeClr val="accent1"/>
+            </a:lnRef>
+            <a:fillRef idx="0">
+              <a:schemeClr val="accent1"/>
+            </a:fillRef>
+            <a:effectRef idx="0">
+              <a:schemeClr val="accent1"/>
+            </a:effectRef>
+            <a:fontRef idx="minor">
+              <a:schemeClr val="tx1"/>
+            </a:fontRef>
+          </p:style>
+        </p:cxnSp>
+        <p:sp>
+          <p:nvSpPr>
+            <p:cNvPr id="61" name="Овал 60"/>
+            <p:cNvSpPr/>
+            <p:nvPr/>
+          </p:nvSpPr>
+          <p:spPr>
+            <a:xfrm>
+              <a:off x="2367311" y="4787496"/>
+              <a:ext cx="45719" cy="45720"/>
+            </a:xfrm>
+            <a:prstGeom prst="ellipse">
+              <a:avLst/>
+            </a:prstGeom>
+            <a:solidFill>
+              <a:schemeClr val="accent1">
+                <a:lumMod val="75000"/>
+              </a:schemeClr>
+            </a:solidFill>
+          </p:spPr>
+          <p:style>
+            <a:lnRef idx="2">
+              <a:schemeClr val="accent1">
+                <a:shade val="50000"/>
+              </a:schemeClr>
+            </a:lnRef>
+            <a:fillRef idx="1">
+              <a:schemeClr val="accent1"/>
+            </a:fillRef>
+            <a:effectRef idx="0">
+              <a:schemeClr val="accent1"/>
+            </a:effectRef>
+            <a:fontRef idx="minor">
+              <a:schemeClr val="lt1"/>
+            </a:fontRef>
+          </p:style>
+          <p:txBody>
+            <a:bodyPr rtlCol="0" anchor="ctr"/>
+            <a:lstStyle/>
+            <a:p>
+              <a:pPr algn="ctr"/>
+              <a:endParaRPr lang="ru-RU" sz="1200"/>
+            </a:p>
+          </p:txBody>
+        </p:sp>
+        <p:sp>
+          <p:nvSpPr>
+            <p:cNvPr id="62" name="Овал 61"/>
+            <p:cNvSpPr/>
+            <p:nvPr/>
+          </p:nvSpPr>
+          <p:spPr>
+            <a:xfrm>
+              <a:off x="3162512" y="4787496"/>
+              <a:ext cx="45719" cy="45720"/>
+            </a:xfrm>
+            <a:prstGeom prst="ellipse">
+              <a:avLst/>
+            </a:prstGeom>
+            <a:solidFill>
+              <a:schemeClr val="accent1">
+                <a:lumMod val="75000"/>
+              </a:schemeClr>
+            </a:solidFill>
+          </p:spPr>
+          <p:style>
+            <a:lnRef idx="2">
+              <a:schemeClr val="accent1">
+                <a:shade val="50000"/>
+              </a:schemeClr>
+            </a:lnRef>
+            <a:fillRef idx="1">
+              <a:schemeClr val="accent1"/>
+            </a:fillRef>
+            <a:effectRef idx="0">
+              <a:schemeClr val="accent1"/>
+            </a:effectRef>
+            <a:fontRef idx="minor">
+              <a:schemeClr val="lt1"/>
+            </a:fontRef>
+          </p:style>
+          <p:txBody>
+            <a:bodyPr rtlCol="0" anchor="ctr"/>
+            <a:lstStyle/>
+            <a:p>
+              <a:pPr algn="ctr"/>
+              <a:endParaRPr lang="ru-RU" sz="1200"/>
+            </a:p>
+          </p:txBody>
+        </p:sp>
+        <p:sp>
+          <p:nvSpPr>
+            <p:cNvPr id="63" name="Овал 62"/>
+            <p:cNvSpPr/>
+            <p:nvPr/>
+          </p:nvSpPr>
+          <p:spPr>
+            <a:xfrm>
+              <a:off x="3957713" y="4784434"/>
+              <a:ext cx="45719" cy="45720"/>
+            </a:xfrm>
+            <a:prstGeom prst="ellipse">
+              <a:avLst/>
+            </a:prstGeom>
+            <a:solidFill>
+              <a:schemeClr val="accent1">
+                <a:lumMod val="75000"/>
+              </a:schemeClr>
+            </a:solidFill>
+          </p:spPr>
+          <p:style>
+            <a:lnRef idx="2">
+              <a:schemeClr val="accent1">
+                <a:shade val="50000"/>
+              </a:schemeClr>
+            </a:lnRef>
+            <a:fillRef idx="1">
+              <a:schemeClr val="accent1"/>
+            </a:fillRef>
+            <a:effectRef idx="0">
+              <a:schemeClr val="accent1"/>
+            </a:effectRef>
+            <a:fontRef idx="minor">
+              <a:schemeClr val="lt1"/>
+            </a:fontRef>
+          </p:style>
+          <p:txBody>
+            <a:bodyPr rtlCol="0" anchor="ctr"/>
+            <a:lstStyle/>
+            <a:p>
+              <a:pPr algn="ctr"/>
+              <a:endParaRPr lang="ru-RU" sz="1200"/>
+            </a:p>
+          </p:txBody>
+        </p:sp>
+        <p:sp>
+          <p:nvSpPr>
+            <p:cNvPr id="65" name="TextBox 64"/>
+            <p:cNvSpPr txBox="1"/>
+            <p:nvPr/>
+          </p:nvSpPr>
+          <p:spPr>
+            <a:xfrm>
+              <a:off x="2122200" y="4846790"/>
+              <a:ext cx="577850" cy="276999"/>
+            </a:xfrm>
+            <a:prstGeom prst="rect">
+              <a:avLst/>
+            </a:prstGeom>
+            <a:noFill/>
+          </p:spPr>
+          <p:txBody>
+            <a:bodyPr wrap="square" rtlCol="0">
+              <a:spAutoFit/>
+            </a:bodyPr>
+            <a:lstStyle/>
+            <a:p>
+              <a:pPr algn="ctr"/>
+              <a:r>
+                <a:rPr lang="en-US" sz="1200" dirty="0">
+                  <a:latin typeface="Times New Roman" panose="02020603050405020304" pitchFamily="18" charset="0"/>
+                  <a:cs typeface="Times New Roman" panose="02020603050405020304" pitchFamily="18" charset="0"/>
+                </a:rPr>
+                <a:t>i-1</a:t>
+              </a:r>
+              <a:endParaRPr lang="ru-RU" sz="1200" dirty="0">
+                <a:latin typeface="Times New Roman" panose="02020603050405020304" pitchFamily="18" charset="0"/>
+                <a:cs typeface="Times New Roman" panose="02020603050405020304" pitchFamily="18" charset="0"/>
+              </a:endParaRPr>
+            </a:p>
+          </p:txBody>
+        </p:sp>
+        <p:sp>
+          <p:nvSpPr>
+            <p:cNvPr id="66" name="TextBox 65"/>
+            <p:cNvSpPr txBox="1"/>
+            <p:nvPr/>
+          </p:nvSpPr>
+          <p:spPr>
+            <a:xfrm>
+              <a:off x="2893908" y="4853961"/>
+              <a:ext cx="577850" cy="276999"/>
+            </a:xfrm>
+            <a:prstGeom prst="rect">
+              <a:avLst/>
+            </a:prstGeom>
+            <a:noFill/>
+          </p:spPr>
+          <p:txBody>
+            <a:bodyPr wrap="square" rtlCol="0">
+              <a:spAutoFit/>
+            </a:bodyPr>
+            <a:lstStyle/>
+            <a:p>
+              <a:pPr algn="ctr"/>
+              <a:r>
+                <a:rPr lang="en-US" sz="1200" dirty="0" err="1">
+                  <a:latin typeface="Times New Roman" panose="02020603050405020304" pitchFamily="18" charset="0"/>
+                  <a:cs typeface="Times New Roman" panose="02020603050405020304" pitchFamily="18" charset="0"/>
+                </a:rPr>
+                <a:t>i</a:t>
+              </a:r>
+              <a:endParaRPr lang="ru-RU" sz="1200" dirty="0">
+                <a:latin typeface="Times New Roman" panose="02020603050405020304" pitchFamily="18" charset="0"/>
+                <a:cs typeface="Times New Roman" panose="02020603050405020304" pitchFamily="18" charset="0"/>
+              </a:endParaRPr>
+            </a:p>
+          </p:txBody>
+        </p:sp>
+        <p:sp>
+          <p:nvSpPr>
+            <p:cNvPr id="67" name="TextBox 66"/>
+            <p:cNvSpPr txBox="1"/>
+            <p:nvPr/>
+          </p:nvSpPr>
+          <p:spPr>
+            <a:xfrm>
+              <a:off x="3665616" y="4853961"/>
+              <a:ext cx="577850" cy="276999"/>
+            </a:xfrm>
+            <a:prstGeom prst="rect">
+              <a:avLst/>
+            </a:prstGeom>
+            <a:noFill/>
+          </p:spPr>
+          <p:txBody>
+            <a:bodyPr wrap="square" rtlCol="0">
+              <a:spAutoFit/>
+            </a:bodyPr>
+            <a:lstStyle/>
+            <a:p>
+              <a:pPr algn="ctr"/>
+              <a:r>
+                <a:rPr lang="en-US" sz="1200" dirty="0">
+                  <a:latin typeface="Times New Roman" panose="02020603050405020304" pitchFamily="18" charset="0"/>
+                  <a:cs typeface="Times New Roman" panose="02020603050405020304" pitchFamily="18" charset="0"/>
+                </a:rPr>
+                <a:t>i+1</a:t>
+              </a:r>
+              <a:endParaRPr lang="ru-RU" sz="1200" dirty="0">
+                <a:latin typeface="Times New Roman" panose="02020603050405020304" pitchFamily="18" charset="0"/>
+                <a:cs typeface="Times New Roman" panose="02020603050405020304" pitchFamily="18" charset="0"/>
+              </a:endParaRPr>
+            </a:p>
+          </p:txBody>
+        </p:sp>
+        <p:sp>
+          <p:nvSpPr>
+            <p:cNvPr id="69" name="TextBox 68"/>
+            <p:cNvSpPr txBox="1"/>
+            <p:nvPr/>
+          </p:nvSpPr>
+          <p:spPr>
+            <a:xfrm>
+              <a:off x="4748749" y="3106026"/>
+              <a:ext cx="834228" cy="276999"/>
+            </a:xfrm>
+            <a:prstGeom prst="rect">
+              <a:avLst/>
+            </a:prstGeom>
+            <a:noFill/>
+          </p:spPr>
+          <p:txBody>
+            <a:bodyPr wrap="square" rtlCol="0">
+              <a:spAutoFit/>
+            </a:bodyPr>
+            <a:lstStyle/>
+            <a:p>
+              <a:r>
+                <a:rPr lang="en-US" sz="1200" dirty="0">
+                  <a:latin typeface="Times New Roman" panose="02020603050405020304" pitchFamily="18" charset="0"/>
+                  <a:cs typeface="Times New Roman" panose="02020603050405020304" pitchFamily="18" charset="0"/>
+                </a:rPr>
+                <a:t>arg points</a:t>
+              </a:r>
+              <a:endParaRPr lang="ru-RU" sz="1200" dirty="0">
+                <a:latin typeface="Times New Roman" panose="02020603050405020304" pitchFamily="18" charset="0"/>
+                <a:cs typeface="Times New Roman" panose="02020603050405020304" pitchFamily="18" charset="0"/>
+              </a:endParaRPr>
+            </a:p>
+          </p:txBody>
+        </p:sp>
+      </p:grpSp>
+    </p:spTree>
+    <p:extLst>
+      <p:ext uri="{BB962C8B-B14F-4D97-AF65-F5344CB8AC3E}">
+        <p14:creationId xmlns:p14="http://schemas.microsoft.com/office/powerpoint/2010/main" val="819250624"/>
+      </p:ext>
+    </p:extLst>
+  </p:cSld>
+  <p:clrMapOvr>
+    <a:masterClrMapping/>
+  </p:clrMapOvr>
+</p:sld>
+</file>
+
+<file path=ppt/slides/slide13.xml><?xml version="1.0" encoding="utf-8"?>
+<p:sld xmlns:a="http://schemas.openxmlformats.org/drawingml/2006/main" xmlns:r="http://schemas.openxmlformats.org/officeDocument/2006/relationships" xmlns:p="http://schemas.openxmlformats.org/presentationml/2006/main">
+  <p:cSld>
+    <p:spTree>
+      <p:nvGrpSpPr>
+        <p:cNvPr id="1" name=""/>
+        <p:cNvGrpSpPr/>
+        <p:nvPr/>
+      </p:nvGrpSpPr>
+      <p:grpSpPr>
+        <a:xfrm>
+          <a:off x="0" y="0"/>
+          <a:ext cx="0" cy="0"/>
+          <a:chOff x="0" y="0"/>
+          <a:chExt cx="0" cy="0"/>
+        </a:xfrm>
+      </p:grpSpPr>
+      <p:grpSp>
+        <p:nvGrpSpPr>
+          <p:cNvPr id="4" name="Группа 3"/>
+          <p:cNvGrpSpPr/>
+          <p:nvPr/>
+        </p:nvGrpSpPr>
+        <p:grpSpPr>
+          <a:xfrm>
+            <a:off x="2141220" y="919162"/>
+            <a:ext cx="4635817" cy="5019675"/>
+            <a:chOff x="2141220" y="919162"/>
+            <a:chExt cx="4635817" cy="5019675"/>
+          </a:xfrm>
+        </p:grpSpPr>
+        <p:pic>
+          <p:nvPicPr>
+            <p:cNvPr id="2" name="Рисунок 1"/>
+            <p:cNvPicPr>
+              <a:picLocks noChangeAspect="1"/>
+            </p:cNvPicPr>
+            <p:nvPr/>
+          </p:nvPicPr>
+          <p:blipFill>
+            <a:blip r:embed="rId2"/>
+            <a:stretch>
+              <a:fillRect/>
+            </a:stretch>
+          </p:blipFill>
+          <p:spPr>
+            <a:xfrm>
+              <a:off x="2366962" y="919162"/>
+              <a:ext cx="4410075" cy="5019675"/>
+            </a:xfrm>
+            <a:prstGeom prst="rect">
+              <a:avLst/>
+            </a:prstGeom>
+          </p:spPr>
+        </p:pic>
+        <p:sp>
+          <p:nvSpPr>
+            <p:cNvPr id="3" name="Овал 2"/>
+            <p:cNvSpPr/>
+            <p:nvPr/>
+          </p:nvSpPr>
+          <p:spPr>
+            <a:xfrm>
+              <a:off x="2141220" y="2537460"/>
+              <a:ext cx="1973580" cy="327660"/>
+            </a:xfrm>
+            <a:prstGeom prst="ellipse">
+              <a:avLst/>
+            </a:prstGeom>
+            <a:noFill/>
+            <a:ln w="19050">
+              <a:solidFill>
+                <a:srgbClr val="FF0000"/>
+              </a:solidFill>
+            </a:ln>
+          </p:spPr>
+          <p:style>
+            <a:lnRef idx="2">
+              <a:schemeClr val="accent1">
+                <a:shade val="50000"/>
+              </a:schemeClr>
+            </a:lnRef>
+            <a:fillRef idx="1">
+              <a:schemeClr val="accent1"/>
+            </a:fillRef>
+            <a:effectRef idx="0">
+              <a:schemeClr val="accent1"/>
+            </a:effectRef>
+            <a:fontRef idx="minor">
+              <a:schemeClr val="lt1"/>
+            </a:fontRef>
+          </p:style>
+          <p:txBody>
+            <a:bodyPr rtlCol="0" anchor="ctr"/>
+            <a:lstStyle/>
+            <a:p>
+              <a:pPr algn="ctr"/>
+              <a:endParaRPr lang="ru-RU"/>
+            </a:p>
+          </p:txBody>
+        </p:sp>
+      </p:grpSp>
+    </p:spTree>
+    <p:extLst>
+      <p:ext uri="{BB962C8B-B14F-4D97-AF65-F5344CB8AC3E}">
+        <p14:creationId xmlns:p14="http://schemas.microsoft.com/office/powerpoint/2010/main" val="1761457133"/>
+      </p:ext>
+    </p:extLst>
+  </p:cSld>
+  <p:clrMapOvr>
+    <a:masterClrMapping/>
+  </p:clrMapOvr>
+</p:sld>
+</file>
+
+<file path=ppt/slides/slide14.xml><?xml version="1.0" encoding="utf-8"?>
 <p:sld xmlns:a="http://schemas.openxmlformats.org/drawingml/2006/main" xmlns:r="http://schemas.openxmlformats.org/officeDocument/2006/relationships" xmlns:p="http://schemas.openxmlformats.org/presentationml/2006/main">
   <p:cSld>
     <p:spTree>
@@ -9428,36 +12826,6 @@
 </p:sld>
 </file>
 
-<file path=ppt/slides/slide11.xml><?xml version="1.0" encoding="utf-8"?>
-<p:sld xmlns:a="http://schemas.openxmlformats.org/drawingml/2006/main" xmlns:r="http://schemas.openxmlformats.org/officeDocument/2006/relationships" xmlns:p="http://schemas.openxmlformats.org/presentationml/2006/main">
-  <p:cSld>
-    <p:spTree>
-      <p:nvGrpSpPr>
-        <p:cNvPr id="1" name=""/>
-        <p:cNvGrpSpPr/>
-        <p:nvPr/>
-      </p:nvGrpSpPr>
-      <p:grpSpPr>
-        <a:xfrm>
-          <a:off x="0" y="0"/>
-          <a:ext cx="0" cy="0"/>
-          <a:chOff x="0" y="0"/>
-          <a:chExt cx="0" cy="0"/>
-        </a:xfrm>
-      </p:grpSpPr>
-    </p:spTree>
-    <p:extLst>
-      <p:ext uri="{BB962C8B-B14F-4D97-AF65-F5344CB8AC3E}">
-        <p14:creationId xmlns:p14="http://schemas.microsoft.com/office/powerpoint/2010/main" val="1001471130"/>
-      </p:ext>
-    </p:extLst>
-  </p:cSld>
-  <p:clrMapOvr>
-    <a:masterClrMapping/>
-  </p:clrMapOvr>
-</p:sld>
-</file>
-
 <file path=ppt/slides/slide2.xml><?xml version="1.0" encoding="utf-8"?>
 <p:sld xmlns:a="http://schemas.openxmlformats.org/drawingml/2006/main" xmlns:r="http://schemas.openxmlformats.org/officeDocument/2006/relationships" xmlns:p="http://schemas.openxmlformats.org/presentationml/2006/main">
   <p:cSld>
@@ -13305,6 +16673,41 @@
           </p:txBody>
         </p:sp>
       </p:grpSp>
+      <p:sp>
+        <p:nvSpPr>
+          <p:cNvPr id="17" name="TextBox 16">
+            <a:extLst>
+              <a:ext uri="{FF2B5EF4-FFF2-40B4-BE49-F238E27FC236}">
+                <a16:creationId xmlns:a16="http://schemas.microsoft.com/office/drawing/2014/main" id="{129BA189-6C2F-F506-A8F6-48EA6984109C}"/>
+              </a:ext>
+            </a:extLst>
+          </p:cNvPr>
+          <p:cNvSpPr txBox="1"/>
+          <p:nvPr/>
+        </p:nvSpPr>
+        <p:spPr>
+          <a:xfrm>
+            <a:off x="336429" y="612475"/>
+            <a:ext cx="1130061" cy="369332"/>
+          </a:xfrm>
+          <a:prstGeom prst="rect">
+            <a:avLst/>
+          </a:prstGeom>
+          <a:noFill/>
+        </p:spPr>
+        <p:txBody>
+          <a:bodyPr wrap="square" rtlCol="0">
+            <a:spAutoFit/>
+          </a:bodyPr>
+          <a:lstStyle/>
+          <a:p>
+            <a:r>
+              <a:rPr lang="en-US" dirty="0"/>
+              <a:t>specular</a:t>
+            </a:r>
+          </a:p>
+        </p:txBody>
+      </p:sp>
     </p:spTree>
     <p:extLst>
       <p:ext uri="{BB962C8B-B14F-4D97-AF65-F5344CB8AC3E}">
@@ -13319,6 +16722,1294 @@
 </file>
 
 <file path=ppt/slides/slide5.xml><?xml version="1.0" encoding="utf-8"?>
+<p:sld xmlns:a="http://schemas.openxmlformats.org/drawingml/2006/main" xmlns:r="http://schemas.openxmlformats.org/officeDocument/2006/relationships" xmlns:p="http://schemas.openxmlformats.org/presentationml/2006/main">
+  <p:cSld>
+    <p:spTree>
+      <p:nvGrpSpPr>
+        <p:cNvPr id="1" name=""/>
+        <p:cNvGrpSpPr/>
+        <p:nvPr/>
+      </p:nvGrpSpPr>
+      <p:grpSpPr>
+        <a:xfrm>
+          <a:off x="0" y="0"/>
+          <a:ext cx="0" cy="0"/>
+          <a:chOff x="0" y="0"/>
+          <a:chExt cx="0" cy="0"/>
+        </a:xfrm>
+      </p:grpSpPr>
+      <p:grpSp>
+        <p:nvGrpSpPr>
+          <p:cNvPr id="9" name="Group 8">
+            <a:extLst>
+              <a:ext uri="{FF2B5EF4-FFF2-40B4-BE49-F238E27FC236}">
+                <a16:creationId xmlns:a16="http://schemas.microsoft.com/office/drawing/2014/main" id="{A3DF2AD2-4594-3F6B-6602-0AA263B3211B}"/>
+              </a:ext>
+            </a:extLst>
+          </p:cNvPr>
+          <p:cNvGrpSpPr/>
+          <p:nvPr/>
+        </p:nvGrpSpPr>
+        <p:grpSpPr>
+          <a:xfrm>
+            <a:off x="1943834" y="129396"/>
+            <a:ext cx="5049297" cy="508958"/>
+            <a:chOff x="1943834" y="310551"/>
+            <a:chExt cx="5049297" cy="508958"/>
+          </a:xfrm>
+        </p:grpSpPr>
+        <p:pic>
+          <p:nvPicPr>
+            <p:cNvPr id="3" name="Picture 2">
+              <a:extLst>
+                <a:ext uri="{FF2B5EF4-FFF2-40B4-BE49-F238E27FC236}">
+                  <a16:creationId xmlns:a16="http://schemas.microsoft.com/office/drawing/2014/main" id="{757BFA86-5017-BF94-C5C4-A196960A4026}"/>
+                </a:ext>
+              </a:extLst>
+            </p:cNvPr>
+            <p:cNvPicPr>
+              <a:picLocks noChangeAspect="1"/>
+            </p:cNvPicPr>
+            <p:nvPr/>
+          </p:nvPicPr>
+          <p:blipFill rotWithShape="1">
+            <a:blip r:embed="rId2"/>
+            <a:srcRect t="12076" b="80503"/>
+            <a:stretch/>
+          </p:blipFill>
+          <p:spPr>
+            <a:xfrm>
+              <a:off x="1943834" y="310551"/>
+              <a:ext cx="5049297" cy="508958"/>
+            </a:xfrm>
+            <a:prstGeom prst="rect">
+              <a:avLst/>
+            </a:prstGeom>
+          </p:spPr>
+        </p:pic>
+        <p:sp>
+          <p:nvSpPr>
+            <p:cNvPr id="5" name="Овал 2">
+              <a:extLst>
+                <a:ext uri="{FF2B5EF4-FFF2-40B4-BE49-F238E27FC236}">
+                  <a16:creationId xmlns:a16="http://schemas.microsoft.com/office/drawing/2014/main" id="{1405B2A3-4F84-1D37-0993-AD9338544B27}"/>
+                </a:ext>
+              </a:extLst>
+            </p:cNvPr>
+            <p:cNvSpPr/>
+            <p:nvPr/>
+          </p:nvSpPr>
+          <p:spPr>
+            <a:xfrm>
+              <a:off x="1994571" y="458494"/>
+              <a:ext cx="1438742" cy="327660"/>
+            </a:xfrm>
+            <a:prstGeom prst="ellipse">
+              <a:avLst/>
+            </a:prstGeom>
+            <a:noFill/>
+            <a:ln w="19050">
+              <a:solidFill>
+                <a:srgbClr val="FF0000"/>
+              </a:solidFill>
+            </a:ln>
+          </p:spPr>
+          <p:style>
+            <a:lnRef idx="2">
+              <a:schemeClr val="accent1">
+                <a:shade val="50000"/>
+              </a:schemeClr>
+            </a:lnRef>
+            <a:fillRef idx="1">
+              <a:schemeClr val="accent1"/>
+            </a:fillRef>
+            <a:effectRef idx="0">
+              <a:schemeClr val="accent1"/>
+            </a:effectRef>
+            <a:fontRef idx="minor">
+              <a:schemeClr val="lt1"/>
+            </a:fontRef>
+          </p:style>
+          <p:txBody>
+            <a:bodyPr rtlCol="0" anchor="ctr"/>
+            <a:lstStyle/>
+            <a:p>
+              <a:pPr algn="ctr"/>
+              <a:endParaRPr lang="ru-RU"/>
+            </a:p>
+          </p:txBody>
+        </p:sp>
+      </p:grpSp>
+      <p:grpSp>
+        <p:nvGrpSpPr>
+          <p:cNvPr id="8" name="Group 7">
+            <a:extLst>
+              <a:ext uri="{FF2B5EF4-FFF2-40B4-BE49-F238E27FC236}">
+                <a16:creationId xmlns:a16="http://schemas.microsoft.com/office/drawing/2014/main" id="{27C6C105-C7E5-11C1-10B1-6A57FBCE94C2}"/>
+              </a:ext>
+            </a:extLst>
+          </p:cNvPr>
+          <p:cNvGrpSpPr/>
+          <p:nvPr/>
+        </p:nvGrpSpPr>
+        <p:grpSpPr>
+          <a:xfrm>
+            <a:off x="1926581" y="750497"/>
+            <a:ext cx="5049297" cy="1268083"/>
+            <a:chOff x="1952460" y="1095554"/>
+            <a:chExt cx="5049297" cy="1268083"/>
+          </a:xfrm>
+        </p:grpSpPr>
+        <p:pic>
+          <p:nvPicPr>
+            <p:cNvPr id="4" name="Picture 3">
+              <a:extLst>
+                <a:ext uri="{FF2B5EF4-FFF2-40B4-BE49-F238E27FC236}">
+                  <a16:creationId xmlns:a16="http://schemas.microsoft.com/office/drawing/2014/main" id="{F3EC3C35-DCA5-E40D-E320-7CE31E5B0198}"/>
+                </a:ext>
+              </a:extLst>
+            </p:cNvPr>
+            <p:cNvPicPr>
+              <a:picLocks noChangeAspect="1"/>
+            </p:cNvPicPr>
+            <p:nvPr/>
+          </p:nvPicPr>
+          <p:blipFill rotWithShape="1">
+            <a:blip r:embed="rId2"/>
+            <a:srcRect t="19371" b="62139"/>
+            <a:stretch/>
+          </p:blipFill>
+          <p:spPr>
+            <a:xfrm>
+              <a:off x="1952460" y="1095554"/>
+              <a:ext cx="5049297" cy="1268083"/>
+            </a:xfrm>
+            <a:prstGeom prst="rect">
+              <a:avLst/>
+            </a:prstGeom>
+          </p:spPr>
+        </p:pic>
+        <p:sp>
+          <p:nvSpPr>
+            <p:cNvPr id="7" name="Овал 2">
+              <a:extLst>
+                <a:ext uri="{FF2B5EF4-FFF2-40B4-BE49-F238E27FC236}">
+                  <a16:creationId xmlns:a16="http://schemas.microsoft.com/office/drawing/2014/main" id="{C533352C-AFD3-DBDD-CBBA-AE1479271F11}"/>
+                </a:ext>
+              </a:extLst>
+            </p:cNvPr>
+            <p:cNvSpPr/>
+            <p:nvPr/>
+          </p:nvSpPr>
+          <p:spPr>
+            <a:xfrm>
+              <a:off x="1983069" y="1499415"/>
+              <a:ext cx="1438742" cy="327660"/>
+            </a:xfrm>
+            <a:prstGeom prst="ellipse">
+              <a:avLst/>
+            </a:prstGeom>
+            <a:noFill/>
+            <a:ln w="19050">
+              <a:solidFill>
+                <a:srgbClr val="FF0000"/>
+              </a:solidFill>
+            </a:ln>
+          </p:spPr>
+          <p:style>
+            <a:lnRef idx="2">
+              <a:schemeClr val="accent1">
+                <a:shade val="50000"/>
+              </a:schemeClr>
+            </a:lnRef>
+            <a:fillRef idx="1">
+              <a:schemeClr val="accent1"/>
+            </a:fillRef>
+            <a:effectRef idx="0">
+              <a:schemeClr val="accent1"/>
+            </a:effectRef>
+            <a:fontRef idx="minor">
+              <a:schemeClr val="lt1"/>
+            </a:fontRef>
+          </p:style>
+          <p:txBody>
+            <a:bodyPr rtlCol="0" anchor="ctr"/>
+            <a:lstStyle/>
+            <a:p>
+              <a:pPr algn="ctr"/>
+              <a:endParaRPr lang="ru-RU"/>
+            </a:p>
+          </p:txBody>
+        </p:sp>
+      </p:grpSp>
+      <p:sp>
+        <p:nvSpPr>
+          <p:cNvPr id="10" name="TextBox 9">
+            <a:extLst>
+              <a:ext uri="{FF2B5EF4-FFF2-40B4-BE49-F238E27FC236}">
+                <a16:creationId xmlns:a16="http://schemas.microsoft.com/office/drawing/2014/main" id="{7D25A0CD-639D-46EB-486D-08C913FAAD45}"/>
+              </a:ext>
+            </a:extLst>
+          </p:cNvPr>
+          <p:cNvSpPr txBox="1"/>
+          <p:nvPr/>
+        </p:nvSpPr>
+        <p:spPr>
+          <a:xfrm>
+            <a:off x="336429" y="612475"/>
+            <a:ext cx="1130061" cy="369332"/>
+          </a:xfrm>
+          <a:prstGeom prst="rect">
+            <a:avLst/>
+          </a:prstGeom>
+          <a:noFill/>
+        </p:spPr>
+        <p:txBody>
+          <a:bodyPr wrap="square" rtlCol="0">
+            <a:spAutoFit/>
+          </a:bodyPr>
+          <a:lstStyle/>
+          <a:p>
+            <a:r>
+              <a:rPr lang="en-US" dirty="0"/>
+              <a:t>detector</a:t>
+            </a:r>
+          </a:p>
+        </p:txBody>
+      </p:sp>
+      <p:pic>
+        <p:nvPicPr>
+          <p:cNvPr id="11" name="Picture 10">
+            <a:extLst>
+              <a:ext uri="{FF2B5EF4-FFF2-40B4-BE49-F238E27FC236}">
+                <a16:creationId xmlns:a16="http://schemas.microsoft.com/office/drawing/2014/main" id="{3AF491A6-35B8-62DE-96FB-130077F4CA5F}"/>
+              </a:ext>
+            </a:extLst>
+          </p:cNvPr>
+          <p:cNvPicPr>
+            <a:picLocks noChangeAspect="1"/>
+          </p:cNvPicPr>
+          <p:nvPr/>
+        </p:nvPicPr>
+        <p:blipFill rotWithShape="1">
+          <a:blip r:embed="rId3"/>
+          <a:srcRect t="12076" b="77484"/>
+          <a:stretch/>
+        </p:blipFill>
+        <p:spPr>
+          <a:xfrm>
+            <a:off x="1926689" y="2363638"/>
+            <a:ext cx="4842049" cy="715992"/>
+          </a:xfrm>
+          <a:prstGeom prst="rect">
+            <a:avLst/>
+          </a:prstGeom>
+        </p:spPr>
+      </p:pic>
+      <p:sp>
+        <p:nvSpPr>
+          <p:cNvPr id="14" name="TextBox 13">
+            <a:extLst>
+              <a:ext uri="{FF2B5EF4-FFF2-40B4-BE49-F238E27FC236}">
+                <a16:creationId xmlns:a16="http://schemas.microsoft.com/office/drawing/2014/main" id="{FF6739B5-AA55-F76E-52C4-A721802AD60C}"/>
+              </a:ext>
+            </a:extLst>
+          </p:cNvPr>
+          <p:cNvSpPr txBox="1"/>
+          <p:nvPr/>
+        </p:nvSpPr>
+        <p:spPr>
+          <a:xfrm>
+            <a:off x="480203" y="2999116"/>
+            <a:ext cx="1130061" cy="369332"/>
+          </a:xfrm>
+          <a:prstGeom prst="rect">
+            <a:avLst/>
+          </a:prstGeom>
+          <a:noFill/>
+        </p:spPr>
+        <p:txBody>
+          <a:bodyPr wrap="square" rtlCol="0">
+            <a:spAutoFit/>
+          </a:bodyPr>
+          <a:lstStyle/>
+          <a:p>
+            <a:r>
+              <a:rPr lang="en-US" dirty="0"/>
+              <a:t>rocking</a:t>
+            </a:r>
+          </a:p>
+        </p:txBody>
+      </p:sp>
+      <p:grpSp>
+        <p:nvGrpSpPr>
+          <p:cNvPr id="16" name="Group 15">
+            <a:extLst>
+              <a:ext uri="{FF2B5EF4-FFF2-40B4-BE49-F238E27FC236}">
+                <a16:creationId xmlns:a16="http://schemas.microsoft.com/office/drawing/2014/main" id="{A339F9DC-013F-35AC-7D04-BF746A6BC653}"/>
+              </a:ext>
+            </a:extLst>
+          </p:cNvPr>
+          <p:cNvGrpSpPr/>
+          <p:nvPr/>
+        </p:nvGrpSpPr>
+        <p:grpSpPr>
+          <a:xfrm>
+            <a:off x="1926688" y="3148640"/>
+            <a:ext cx="4842049" cy="1293963"/>
+            <a:chOff x="1926688" y="3148640"/>
+            <a:chExt cx="4842049" cy="1293963"/>
+          </a:xfrm>
+        </p:grpSpPr>
+        <p:pic>
+          <p:nvPicPr>
+            <p:cNvPr id="13" name="Picture 12">
+              <a:extLst>
+                <a:ext uri="{FF2B5EF4-FFF2-40B4-BE49-F238E27FC236}">
+                  <a16:creationId xmlns:a16="http://schemas.microsoft.com/office/drawing/2014/main" id="{2BD8811F-3751-2FA7-472C-7D103E0BFE69}"/>
+                </a:ext>
+              </a:extLst>
+            </p:cNvPr>
+            <p:cNvPicPr>
+              <a:picLocks noChangeAspect="1"/>
+            </p:cNvPicPr>
+            <p:nvPr/>
+          </p:nvPicPr>
+          <p:blipFill rotWithShape="1">
+            <a:blip r:embed="rId4"/>
+            <a:srcRect t="19120" b="62012"/>
+            <a:stretch/>
+          </p:blipFill>
+          <p:spPr>
+            <a:xfrm>
+              <a:off x="1926688" y="3148640"/>
+              <a:ext cx="4842049" cy="1293963"/>
+            </a:xfrm>
+            <a:prstGeom prst="rect">
+              <a:avLst/>
+            </a:prstGeom>
+          </p:spPr>
+        </p:pic>
+        <p:sp>
+          <p:nvSpPr>
+            <p:cNvPr id="15" name="Овал 2">
+              <a:extLst>
+                <a:ext uri="{FF2B5EF4-FFF2-40B4-BE49-F238E27FC236}">
+                  <a16:creationId xmlns:a16="http://schemas.microsoft.com/office/drawing/2014/main" id="{37534504-F359-ECA7-D079-070C0ED28AFF}"/>
+                </a:ext>
+              </a:extLst>
+            </p:cNvPr>
+            <p:cNvSpPr/>
+            <p:nvPr/>
+          </p:nvSpPr>
+          <p:spPr>
+            <a:xfrm>
+              <a:off x="1971568" y="3597215"/>
+              <a:ext cx="1030425" cy="276045"/>
+            </a:xfrm>
+            <a:prstGeom prst="ellipse">
+              <a:avLst/>
+            </a:prstGeom>
+            <a:noFill/>
+            <a:ln w="19050">
+              <a:solidFill>
+                <a:srgbClr val="FF0000"/>
+              </a:solidFill>
+            </a:ln>
+          </p:spPr>
+          <p:style>
+            <a:lnRef idx="2">
+              <a:schemeClr val="accent1">
+                <a:shade val="50000"/>
+              </a:schemeClr>
+            </a:lnRef>
+            <a:fillRef idx="1">
+              <a:schemeClr val="accent1"/>
+            </a:fillRef>
+            <a:effectRef idx="0">
+              <a:schemeClr val="accent1"/>
+            </a:effectRef>
+            <a:fontRef idx="minor">
+              <a:schemeClr val="lt1"/>
+            </a:fontRef>
+          </p:style>
+          <p:txBody>
+            <a:bodyPr rtlCol="0" anchor="ctr"/>
+            <a:lstStyle/>
+            <a:p>
+              <a:pPr algn="ctr"/>
+              <a:endParaRPr lang="ru-RU"/>
+            </a:p>
+          </p:txBody>
+        </p:sp>
+      </p:grpSp>
+      <p:sp>
+        <p:nvSpPr>
+          <p:cNvPr id="18" name="TextBox 17">
+            <a:extLst>
+              <a:ext uri="{FF2B5EF4-FFF2-40B4-BE49-F238E27FC236}">
+                <a16:creationId xmlns:a16="http://schemas.microsoft.com/office/drawing/2014/main" id="{BF39070C-490C-2D6B-7F9C-198D5682880B}"/>
+              </a:ext>
+            </a:extLst>
+          </p:cNvPr>
+          <p:cNvSpPr txBox="1"/>
+          <p:nvPr/>
+        </p:nvSpPr>
+        <p:spPr>
+          <a:xfrm>
+            <a:off x="563592" y="5161471"/>
+            <a:ext cx="1130061" cy="369332"/>
+          </a:xfrm>
+          <a:prstGeom prst="rect">
+            <a:avLst/>
+          </a:prstGeom>
+          <a:noFill/>
+        </p:spPr>
+        <p:txBody>
+          <a:bodyPr wrap="square" rtlCol="0">
+            <a:spAutoFit/>
+          </a:bodyPr>
+          <a:lstStyle/>
+          <a:p>
+            <a:r>
+              <a:rPr lang="en-US" dirty="0"/>
+              <a:t>Offset</a:t>
+            </a:r>
+          </a:p>
+        </p:txBody>
+      </p:sp>
+      <p:grpSp>
+        <p:nvGrpSpPr>
+          <p:cNvPr id="20" name="Group 19">
+            <a:extLst>
+              <a:ext uri="{FF2B5EF4-FFF2-40B4-BE49-F238E27FC236}">
+                <a16:creationId xmlns:a16="http://schemas.microsoft.com/office/drawing/2014/main" id="{D0337451-AA3B-21C4-4779-CEB82D89CE5A}"/>
+              </a:ext>
+            </a:extLst>
+          </p:cNvPr>
+          <p:cNvGrpSpPr/>
+          <p:nvPr/>
+        </p:nvGrpSpPr>
+        <p:grpSpPr>
+          <a:xfrm>
+            <a:off x="1907003" y="4787661"/>
+            <a:ext cx="4847482" cy="1253941"/>
+            <a:chOff x="1907003" y="4787661"/>
+            <a:chExt cx="4847482" cy="1253941"/>
+          </a:xfrm>
+        </p:grpSpPr>
+        <p:pic>
+          <p:nvPicPr>
+            <p:cNvPr id="17" name="Picture 16">
+              <a:extLst>
+                <a:ext uri="{FF2B5EF4-FFF2-40B4-BE49-F238E27FC236}">
+                  <a16:creationId xmlns:a16="http://schemas.microsoft.com/office/drawing/2014/main" id="{CAEBBCE3-8601-A370-5104-49CD98336CCB}"/>
+                </a:ext>
+              </a:extLst>
+            </p:cNvPr>
+            <p:cNvPicPr>
+              <a:picLocks noChangeAspect="1"/>
+            </p:cNvPicPr>
+            <p:nvPr/>
+          </p:nvPicPr>
+          <p:blipFill rotWithShape="1">
+            <a:blip r:embed="rId5"/>
+            <a:srcRect t="19245" b="61887"/>
+            <a:stretch/>
+          </p:blipFill>
+          <p:spPr>
+            <a:xfrm>
+              <a:off x="1907003" y="4787661"/>
+              <a:ext cx="4847482" cy="1253941"/>
+            </a:xfrm>
+            <a:prstGeom prst="rect">
+              <a:avLst/>
+            </a:prstGeom>
+          </p:spPr>
+        </p:pic>
+        <p:sp>
+          <p:nvSpPr>
+            <p:cNvPr id="19" name="Овал 2">
+              <a:extLst>
+                <a:ext uri="{FF2B5EF4-FFF2-40B4-BE49-F238E27FC236}">
+                  <a16:creationId xmlns:a16="http://schemas.microsoft.com/office/drawing/2014/main" id="{17E2EDAA-47A0-3EEF-D142-83EC049CEB4F}"/>
+                </a:ext>
+              </a:extLst>
+            </p:cNvPr>
+            <p:cNvSpPr/>
+            <p:nvPr/>
+          </p:nvSpPr>
+          <p:spPr>
+            <a:xfrm>
+              <a:off x="1911183" y="5201728"/>
+              <a:ext cx="1271965" cy="293298"/>
+            </a:xfrm>
+            <a:prstGeom prst="ellipse">
+              <a:avLst/>
+            </a:prstGeom>
+            <a:noFill/>
+            <a:ln w="19050">
+              <a:solidFill>
+                <a:srgbClr val="FF0000"/>
+              </a:solidFill>
+            </a:ln>
+          </p:spPr>
+          <p:style>
+            <a:lnRef idx="2">
+              <a:schemeClr val="accent1">
+                <a:shade val="50000"/>
+              </a:schemeClr>
+            </a:lnRef>
+            <a:fillRef idx="1">
+              <a:schemeClr val="accent1"/>
+            </a:fillRef>
+            <a:effectRef idx="0">
+              <a:schemeClr val="accent1"/>
+            </a:effectRef>
+            <a:fontRef idx="minor">
+              <a:schemeClr val="lt1"/>
+            </a:fontRef>
+          </p:style>
+          <p:txBody>
+            <a:bodyPr rtlCol="0" anchor="ctr"/>
+            <a:lstStyle/>
+            <a:p>
+              <a:pPr algn="ctr"/>
+              <a:endParaRPr lang="ru-RU"/>
+            </a:p>
+          </p:txBody>
+        </p:sp>
+      </p:grpSp>
+    </p:spTree>
+    <p:extLst>
+      <p:ext uri="{BB962C8B-B14F-4D97-AF65-F5344CB8AC3E}">
+        <p14:creationId xmlns:p14="http://schemas.microsoft.com/office/powerpoint/2010/main" val="1001471130"/>
+      </p:ext>
+    </p:extLst>
+  </p:cSld>
+  <p:clrMapOvr>
+    <a:masterClrMapping/>
+  </p:clrMapOvr>
+</p:sld>
+</file>
+
+<file path=ppt/slides/slide6.xml><?xml version="1.0" encoding="utf-8"?>
+<p:sld xmlns:a="http://schemas.openxmlformats.org/drawingml/2006/main" xmlns:r="http://schemas.openxmlformats.org/officeDocument/2006/relationships" xmlns:p="http://schemas.openxmlformats.org/presentationml/2006/main">
+  <p:cSld>
+    <p:spTree>
+      <p:nvGrpSpPr>
+        <p:cNvPr id="1" name=""/>
+        <p:cNvGrpSpPr/>
+        <p:nvPr/>
+      </p:nvGrpSpPr>
+      <p:grpSpPr>
+        <a:xfrm>
+          <a:off x="0" y="0"/>
+          <a:ext cx="0" cy="0"/>
+          <a:chOff x="0" y="0"/>
+          <a:chExt cx="0" cy="0"/>
+        </a:xfrm>
+      </p:grpSpPr>
+      <p:pic>
+        <p:nvPicPr>
+          <p:cNvPr id="4" name="Picture 3">
+            <a:extLst>
+              <a:ext uri="{FF2B5EF4-FFF2-40B4-BE49-F238E27FC236}">
+                <a16:creationId xmlns:a16="http://schemas.microsoft.com/office/drawing/2014/main" id="{7680B6D6-879B-AECC-BA68-3268F48BC3DA}"/>
+              </a:ext>
+            </a:extLst>
+          </p:cNvPr>
+          <p:cNvPicPr>
+            <a:picLocks noChangeAspect="1"/>
+          </p:cNvPicPr>
+          <p:nvPr/>
+        </p:nvPicPr>
+        <p:blipFill rotWithShape="1">
+          <a:blip r:embed="rId2"/>
+          <a:srcRect t="11069" b="78239"/>
+          <a:stretch/>
+        </p:blipFill>
+        <p:spPr>
+          <a:xfrm>
+            <a:off x="2301760" y="552091"/>
+            <a:ext cx="4730262" cy="733246"/>
+          </a:xfrm>
+          <a:prstGeom prst="rect">
+            <a:avLst/>
+          </a:prstGeom>
+        </p:spPr>
+      </p:pic>
+      <p:grpSp>
+        <p:nvGrpSpPr>
+          <p:cNvPr id="13" name="Group 12">
+            <a:extLst>
+              <a:ext uri="{FF2B5EF4-FFF2-40B4-BE49-F238E27FC236}">
+                <a16:creationId xmlns:a16="http://schemas.microsoft.com/office/drawing/2014/main" id="{916025BA-1E8B-DA3B-BC6C-D339E984A42C}"/>
+              </a:ext>
+            </a:extLst>
+          </p:cNvPr>
+          <p:cNvGrpSpPr/>
+          <p:nvPr/>
+        </p:nvGrpSpPr>
+        <p:grpSpPr>
+          <a:xfrm>
+            <a:off x="2301760" y="1423359"/>
+            <a:ext cx="4730262" cy="1190446"/>
+            <a:chOff x="2301760" y="1423359"/>
+            <a:chExt cx="4730262" cy="1190446"/>
+          </a:xfrm>
+        </p:grpSpPr>
+        <p:pic>
+          <p:nvPicPr>
+            <p:cNvPr id="5" name="Picture 4">
+              <a:extLst>
+                <a:ext uri="{FF2B5EF4-FFF2-40B4-BE49-F238E27FC236}">
+                  <a16:creationId xmlns:a16="http://schemas.microsoft.com/office/drawing/2014/main" id="{0F2DF029-2AFA-79F7-BC61-9D10925E7D39}"/>
+                </a:ext>
+              </a:extLst>
+            </p:cNvPr>
+            <p:cNvPicPr>
+              <a:picLocks noChangeAspect="1"/>
+            </p:cNvPicPr>
+            <p:nvPr/>
+          </p:nvPicPr>
+          <p:blipFill rotWithShape="1">
+            <a:blip r:embed="rId2"/>
+            <a:srcRect t="21384" b="61258"/>
+            <a:stretch/>
+          </p:blipFill>
+          <p:spPr>
+            <a:xfrm>
+              <a:off x="2301760" y="1423359"/>
+              <a:ext cx="4730262" cy="1190446"/>
+            </a:xfrm>
+            <a:prstGeom prst="rect">
+              <a:avLst/>
+            </a:prstGeom>
+          </p:spPr>
+        </p:pic>
+        <p:sp>
+          <p:nvSpPr>
+            <p:cNvPr id="9" name="Овал 2">
+              <a:extLst>
+                <a:ext uri="{FF2B5EF4-FFF2-40B4-BE49-F238E27FC236}">
+                  <a16:creationId xmlns:a16="http://schemas.microsoft.com/office/drawing/2014/main" id="{9ABCCED5-E462-9469-3B2E-852FF8A802BC}"/>
+                </a:ext>
+              </a:extLst>
+            </p:cNvPr>
+            <p:cNvSpPr/>
+            <p:nvPr/>
+          </p:nvSpPr>
+          <p:spPr>
+            <a:xfrm>
+              <a:off x="2342504" y="1820174"/>
+              <a:ext cx="1271965" cy="276044"/>
+            </a:xfrm>
+            <a:prstGeom prst="ellipse">
+              <a:avLst/>
+            </a:prstGeom>
+            <a:noFill/>
+            <a:ln w="19050">
+              <a:solidFill>
+                <a:srgbClr val="FF0000"/>
+              </a:solidFill>
+            </a:ln>
+          </p:spPr>
+          <p:style>
+            <a:lnRef idx="2">
+              <a:schemeClr val="accent1">
+                <a:shade val="50000"/>
+              </a:schemeClr>
+            </a:lnRef>
+            <a:fillRef idx="1">
+              <a:schemeClr val="accent1"/>
+            </a:fillRef>
+            <a:effectRef idx="0">
+              <a:schemeClr val="accent1"/>
+            </a:effectRef>
+            <a:fontRef idx="minor">
+              <a:schemeClr val="lt1"/>
+            </a:fontRef>
+          </p:style>
+          <p:txBody>
+            <a:bodyPr rtlCol="0" anchor="ctr"/>
+            <a:lstStyle/>
+            <a:p>
+              <a:pPr algn="ctr"/>
+              <a:endParaRPr lang="ru-RU"/>
+            </a:p>
+          </p:txBody>
+        </p:sp>
+        <p:sp>
+          <p:nvSpPr>
+            <p:cNvPr id="10" name="Овал 2">
+              <a:extLst>
+                <a:ext uri="{FF2B5EF4-FFF2-40B4-BE49-F238E27FC236}">
+                  <a16:creationId xmlns:a16="http://schemas.microsoft.com/office/drawing/2014/main" id="{24C73083-9CC5-8871-BC5F-A423C78F3C01}"/>
+                </a:ext>
+              </a:extLst>
+            </p:cNvPr>
+            <p:cNvSpPr/>
+            <p:nvPr/>
+          </p:nvSpPr>
+          <p:spPr>
+            <a:xfrm>
+              <a:off x="4573870" y="2058838"/>
+              <a:ext cx="1576764" cy="261668"/>
+            </a:xfrm>
+            <a:prstGeom prst="ellipse">
+              <a:avLst/>
+            </a:prstGeom>
+            <a:noFill/>
+            <a:ln w="19050">
+              <a:solidFill>
+                <a:srgbClr val="FF0000"/>
+              </a:solidFill>
+            </a:ln>
+          </p:spPr>
+          <p:style>
+            <a:lnRef idx="2">
+              <a:schemeClr val="accent1">
+                <a:shade val="50000"/>
+              </a:schemeClr>
+            </a:lnRef>
+            <a:fillRef idx="1">
+              <a:schemeClr val="accent1"/>
+            </a:fillRef>
+            <a:effectRef idx="0">
+              <a:schemeClr val="accent1"/>
+            </a:effectRef>
+            <a:fontRef idx="minor">
+              <a:schemeClr val="lt1"/>
+            </a:fontRef>
+          </p:style>
+          <p:txBody>
+            <a:bodyPr rtlCol="0" anchor="ctr"/>
+            <a:lstStyle/>
+            <a:p>
+              <a:pPr algn="ctr"/>
+              <a:endParaRPr lang="ru-RU"/>
+            </a:p>
+          </p:txBody>
+        </p:sp>
+      </p:grpSp>
+      <p:grpSp>
+        <p:nvGrpSpPr>
+          <p:cNvPr id="16" name="Group 15">
+            <a:extLst>
+              <a:ext uri="{FF2B5EF4-FFF2-40B4-BE49-F238E27FC236}">
+                <a16:creationId xmlns:a16="http://schemas.microsoft.com/office/drawing/2014/main" id="{4AB282A1-00B8-5B91-013F-1238FA73807D}"/>
+              </a:ext>
+            </a:extLst>
+          </p:cNvPr>
+          <p:cNvGrpSpPr/>
+          <p:nvPr/>
+        </p:nvGrpSpPr>
+        <p:grpSpPr>
+          <a:xfrm>
+            <a:off x="2301759" y="2915727"/>
+            <a:ext cx="4730262" cy="948907"/>
+            <a:chOff x="2301759" y="2915727"/>
+            <a:chExt cx="4730262" cy="948907"/>
+          </a:xfrm>
+        </p:grpSpPr>
+        <p:pic>
+          <p:nvPicPr>
+            <p:cNvPr id="8" name="Picture 7">
+              <a:extLst>
+                <a:ext uri="{FF2B5EF4-FFF2-40B4-BE49-F238E27FC236}">
+                  <a16:creationId xmlns:a16="http://schemas.microsoft.com/office/drawing/2014/main" id="{E6D3B2AD-1557-3299-5A30-348F69753954}"/>
+                </a:ext>
+              </a:extLst>
+            </p:cNvPr>
+            <p:cNvPicPr>
+              <a:picLocks noChangeAspect="1"/>
+            </p:cNvPicPr>
+            <p:nvPr/>
+          </p:nvPicPr>
+          <p:blipFill rotWithShape="1">
+            <a:blip r:embed="rId3"/>
+            <a:srcRect t="38490" b="47673"/>
+            <a:stretch/>
+          </p:blipFill>
+          <p:spPr>
+            <a:xfrm>
+              <a:off x="2301759" y="2915727"/>
+              <a:ext cx="4730262" cy="948907"/>
+            </a:xfrm>
+            <a:prstGeom prst="rect">
+              <a:avLst/>
+            </a:prstGeom>
+          </p:spPr>
+        </p:pic>
+        <p:sp>
+          <p:nvSpPr>
+            <p:cNvPr id="11" name="TextBox 10">
+              <a:extLst>
+                <a:ext uri="{FF2B5EF4-FFF2-40B4-BE49-F238E27FC236}">
+                  <a16:creationId xmlns:a16="http://schemas.microsoft.com/office/drawing/2014/main" id="{9DAC289A-261A-2FF3-F9B1-06B03E7850C6}"/>
+                </a:ext>
+              </a:extLst>
+            </p:cNvPr>
+            <p:cNvSpPr txBox="1"/>
+            <p:nvPr/>
+          </p:nvSpPr>
+          <p:spPr>
+            <a:xfrm>
+              <a:off x="6530196" y="3424688"/>
+              <a:ext cx="439948" cy="369332"/>
+            </a:xfrm>
+            <a:prstGeom prst="rect">
+              <a:avLst/>
+            </a:prstGeom>
+            <a:noFill/>
+          </p:spPr>
+          <p:txBody>
+            <a:bodyPr wrap="square" rtlCol="0">
+              <a:spAutoFit/>
+            </a:bodyPr>
+            <a:lstStyle/>
+            <a:p>
+              <a:r>
+                <a:rPr lang="en-US" dirty="0">
+                  <a:solidFill>
+                    <a:srgbClr val="FF0000"/>
+                  </a:solidFill>
+                  <a:latin typeface="Times New Roman" panose="02020603050405020304" pitchFamily="18" charset="0"/>
+                  <a:cs typeface="Times New Roman" panose="02020603050405020304" pitchFamily="18" charset="0"/>
+                </a:rPr>
+                <a:t>(a)</a:t>
+              </a:r>
+            </a:p>
+          </p:txBody>
+        </p:sp>
+      </p:grpSp>
+      <p:grpSp>
+        <p:nvGrpSpPr>
+          <p:cNvPr id="15" name="Group 14">
+            <a:extLst>
+              <a:ext uri="{FF2B5EF4-FFF2-40B4-BE49-F238E27FC236}">
+                <a16:creationId xmlns:a16="http://schemas.microsoft.com/office/drawing/2014/main" id="{B36EA2B0-82CD-5A30-300F-D13295133246}"/>
+              </a:ext>
+            </a:extLst>
+          </p:cNvPr>
+          <p:cNvGrpSpPr/>
+          <p:nvPr/>
+        </p:nvGrpSpPr>
+        <p:grpSpPr>
+          <a:xfrm>
+            <a:off x="2301759" y="3907764"/>
+            <a:ext cx="4730262" cy="948907"/>
+            <a:chOff x="2301759" y="3907764"/>
+            <a:chExt cx="4730262" cy="948907"/>
+          </a:xfrm>
+        </p:grpSpPr>
+        <p:pic>
+          <p:nvPicPr>
+            <p:cNvPr id="7" name="Picture 6">
+              <a:extLst>
+                <a:ext uri="{FF2B5EF4-FFF2-40B4-BE49-F238E27FC236}">
+                  <a16:creationId xmlns:a16="http://schemas.microsoft.com/office/drawing/2014/main" id="{E0D88C96-714E-8249-0C7E-65C6F03800B6}"/>
+                </a:ext>
+              </a:extLst>
+            </p:cNvPr>
+            <p:cNvPicPr>
+              <a:picLocks noChangeAspect="1"/>
+            </p:cNvPicPr>
+            <p:nvPr/>
+          </p:nvPicPr>
+          <p:blipFill rotWithShape="1">
+            <a:blip r:embed="rId4"/>
+            <a:srcRect t="38490" b="47673"/>
+            <a:stretch/>
+          </p:blipFill>
+          <p:spPr>
+            <a:xfrm>
+              <a:off x="2301759" y="3907764"/>
+              <a:ext cx="4730262" cy="948907"/>
+            </a:xfrm>
+            <a:prstGeom prst="rect">
+              <a:avLst/>
+            </a:prstGeom>
+          </p:spPr>
+        </p:pic>
+        <p:sp>
+          <p:nvSpPr>
+            <p:cNvPr id="12" name="TextBox 11">
+              <a:extLst>
+                <a:ext uri="{FF2B5EF4-FFF2-40B4-BE49-F238E27FC236}">
+                  <a16:creationId xmlns:a16="http://schemas.microsoft.com/office/drawing/2014/main" id="{1B1A6DA4-A4B8-4B2B-A04D-EABA1085753E}"/>
+                </a:ext>
+              </a:extLst>
+            </p:cNvPr>
+            <p:cNvSpPr txBox="1"/>
+            <p:nvPr/>
+          </p:nvSpPr>
+          <p:spPr>
+            <a:xfrm>
+              <a:off x="6504317" y="4399472"/>
+              <a:ext cx="474452" cy="369332"/>
+            </a:xfrm>
+            <a:prstGeom prst="rect">
+              <a:avLst/>
+            </a:prstGeom>
+            <a:noFill/>
+          </p:spPr>
+          <p:txBody>
+            <a:bodyPr wrap="square" rtlCol="0">
+              <a:spAutoFit/>
+            </a:bodyPr>
+            <a:lstStyle/>
+            <a:p>
+              <a:r>
+                <a:rPr lang="en-US" dirty="0">
+                  <a:solidFill>
+                    <a:srgbClr val="FF0000"/>
+                  </a:solidFill>
+                  <a:latin typeface="Times New Roman" panose="02020603050405020304" pitchFamily="18" charset="0"/>
+                  <a:cs typeface="Times New Roman" panose="02020603050405020304" pitchFamily="18" charset="0"/>
+                </a:rPr>
+                <a:t>(b)</a:t>
+              </a:r>
+            </a:p>
+          </p:txBody>
+        </p:sp>
+      </p:grpSp>
+      <p:pic>
+        <p:nvPicPr>
+          <p:cNvPr id="32" name="Рисунок 39">
+            <a:extLst>
+              <a:ext uri="{FF2B5EF4-FFF2-40B4-BE49-F238E27FC236}">
+                <a16:creationId xmlns:a16="http://schemas.microsoft.com/office/drawing/2014/main" id="{BBCC5DCA-E3A1-4C4D-F8C5-9B1A373000D6}"/>
+              </a:ext>
+            </a:extLst>
+          </p:cNvPr>
+          <p:cNvPicPr>
+            <a:picLocks noChangeAspect="1"/>
+          </p:cNvPicPr>
+          <p:nvPr/>
+        </p:nvPicPr>
+        <p:blipFill rotWithShape="1">
+          <a:blip r:embed="rId5"/>
+          <a:srcRect l="70842" t="79190" r="10267" b="17276"/>
+          <a:stretch/>
+        </p:blipFill>
+        <p:spPr>
+          <a:xfrm>
+            <a:off x="2199736" y="5089586"/>
+            <a:ext cx="586596" cy="207034"/>
+          </a:xfrm>
+          <a:prstGeom prst="rect">
+            <a:avLst/>
+          </a:prstGeom>
+        </p:spPr>
+      </p:pic>
+    </p:spTree>
+    <p:extLst>
+      <p:ext uri="{BB962C8B-B14F-4D97-AF65-F5344CB8AC3E}">
+        <p14:creationId xmlns:p14="http://schemas.microsoft.com/office/powerpoint/2010/main" val="3914770988"/>
+      </p:ext>
+    </p:extLst>
+  </p:cSld>
+  <p:clrMapOvr>
+    <a:masterClrMapping/>
+  </p:clrMapOvr>
+</p:sld>
+</file>
+
+<file path=ppt/slides/slide7.xml><?xml version="1.0" encoding="utf-8"?>
+<p:sld xmlns:a="http://schemas.openxmlformats.org/drawingml/2006/main" xmlns:r="http://schemas.openxmlformats.org/officeDocument/2006/relationships" xmlns:p="http://schemas.openxmlformats.org/presentationml/2006/main">
+  <p:cSld>
+    <p:spTree>
+      <p:nvGrpSpPr>
+        <p:cNvPr id="1" name=""/>
+        <p:cNvGrpSpPr/>
+        <p:nvPr/>
+      </p:nvGrpSpPr>
+      <p:grpSpPr>
+        <a:xfrm>
+          <a:off x="0" y="0"/>
+          <a:ext cx="0" cy="0"/>
+          <a:chOff x="0" y="0"/>
+          <a:chExt cx="0" cy="0"/>
+        </a:xfrm>
+      </p:grpSpPr>
+      <p:pic>
+        <p:nvPicPr>
+          <p:cNvPr id="5" name="Picture 4">
+            <a:extLst>
+              <a:ext uri="{FF2B5EF4-FFF2-40B4-BE49-F238E27FC236}">
+                <a16:creationId xmlns:a16="http://schemas.microsoft.com/office/drawing/2014/main" id="{311A96C3-A42E-15C0-7FE7-5E267665BB20}"/>
+              </a:ext>
+            </a:extLst>
+          </p:cNvPr>
+          <p:cNvPicPr>
+            <a:picLocks noChangeAspect="1"/>
+          </p:cNvPicPr>
+          <p:nvPr/>
+        </p:nvPicPr>
+        <p:blipFill rotWithShape="1">
+          <a:blip r:embed="rId2"/>
+          <a:srcRect t="3648" b="62390"/>
+          <a:stretch/>
+        </p:blipFill>
+        <p:spPr>
+          <a:xfrm>
+            <a:off x="-403657" y="-249322"/>
+            <a:ext cx="7503928" cy="2329132"/>
+          </a:xfrm>
+          <a:prstGeom prst="rect">
+            <a:avLst/>
+          </a:prstGeom>
+        </p:spPr>
+      </p:pic>
+      <p:pic>
+        <p:nvPicPr>
+          <p:cNvPr id="9" name="Picture 8">
+            <a:extLst>
+              <a:ext uri="{FF2B5EF4-FFF2-40B4-BE49-F238E27FC236}">
+                <a16:creationId xmlns:a16="http://schemas.microsoft.com/office/drawing/2014/main" id="{DC4C9033-0F43-A77C-4585-A90D9515A2DD}"/>
+              </a:ext>
+            </a:extLst>
+          </p:cNvPr>
+          <p:cNvPicPr>
+            <a:picLocks noChangeAspect="1"/>
+          </p:cNvPicPr>
+          <p:nvPr/>
+        </p:nvPicPr>
+        <p:blipFill rotWithShape="1">
+          <a:blip r:embed="rId2"/>
+          <a:srcRect t="56729" b="33837"/>
+          <a:stretch/>
+        </p:blipFill>
+        <p:spPr>
+          <a:xfrm>
+            <a:off x="-275519" y="3838756"/>
+            <a:ext cx="7503928" cy="646982"/>
+          </a:xfrm>
+          <a:prstGeom prst="rect">
+            <a:avLst/>
+          </a:prstGeom>
+        </p:spPr>
+      </p:pic>
+      <p:pic>
+        <p:nvPicPr>
+          <p:cNvPr id="11" name="Picture 10">
+            <a:extLst>
+              <a:ext uri="{FF2B5EF4-FFF2-40B4-BE49-F238E27FC236}">
+                <a16:creationId xmlns:a16="http://schemas.microsoft.com/office/drawing/2014/main" id="{9801E1DC-A21A-DCD3-53DF-124790F08258}"/>
+              </a:ext>
+            </a:extLst>
+          </p:cNvPr>
+          <p:cNvPicPr>
+            <a:picLocks noChangeAspect="1"/>
+          </p:cNvPicPr>
+          <p:nvPr/>
+        </p:nvPicPr>
+        <p:blipFill rotWithShape="1">
+          <a:blip r:embed="rId2"/>
+          <a:srcRect t="75094" b="3271"/>
+          <a:stretch/>
+        </p:blipFill>
+        <p:spPr>
+          <a:xfrm>
+            <a:off x="-284671" y="4951563"/>
+            <a:ext cx="7503928" cy="1483743"/>
+          </a:xfrm>
+          <a:prstGeom prst="rect">
+            <a:avLst/>
+          </a:prstGeom>
+        </p:spPr>
+      </p:pic>
+      <p:pic>
+        <p:nvPicPr>
+          <p:cNvPr id="12" name="Picture 11">
+            <a:extLst>
+              <a:ext uri="{FF2B5EF4-FFF2-40B4-BE49-F238E27FC236}">
+                <a16:creationId xmlns:a16="http://schemas.microsoft.com/office/drawing/2014/main" id="{8799BD95-194A-CD02-27D9-5E67ED52EE8E}"/>
+              </a:ext>
+            </a:extLst>
+          </p:cNvPr>
+          <p:cNvPicPr>
+            <a:picLocks noChangeAspect="1"/>
+          </p:cNvPicPr>
+          <p:nvPr/>
+        </p:nvPicPr>
+        <p:blipFill rotWithShape="1">
+          <a:blip r:embed="rId2"/>
+          <a:srcRect t="97107"/>
+          <a:stretch/>
+        </p:blipFill>
+        <p:spPr>
+          <a:xfrm>
+            <a:off x="1777566" y="6503395"/>
+            <a:ext cx="7503928" cy="198408"/>
+          </a:xfrm>
+          <a:prstGeom prst="rect">
+            <a:avLst/>
+          </a:prstGeom>
+        </p:spPr>
+      </p:pic>
+      <p:pic>
+        <p:nvPicPr>
+          <p:cNvPr id="13" name="Picture 12">
+            <a:extLst>
+              <a:ext uri="{FF2B5EF4-FFF2-40B4-BE49-F238E27FC236}">
+                <a16:creationId xmlns:a16="http://schemas.microsoft.com/office/drawing/2014/main" id="{2AE1536B-997D-360A-9830-9ACF9455EFEA}"/>
+              </a:ext>
+            </a:extLst>
+          </p:cNvPr>
+          <p:cNvPicPr>
+            <a:picLocks noChangeAspect="1"/>
+          </p:cNvPicPr>
+          <p:nvPr/>
+        </p:nvPicPr>
+        <p:blipFill rotWithShape="1">
+          <a:blip r:embed="rId3"/>
+          <a:srcRect t="37107" b="55472"/>
+          <a:stretch/>
+        </p:blipFill>
+        <p:spPr>
+          <a:xfrm>
+            <a:off x="1734938" y="1494464"/>
+            <a:ext cx="7503928" cy="508959"/>
+          </a:xfrm>
+          <a:prstGeom prst="rect">
+            <a:avLst/>
+          </a:prstGeom>
+        </p:spPr>
+      </p:pic>
+      <p:pic>
+        <p:nvPicPr>
+          <p:cNvPr id="16" name="Picture 15">
+            <a:extLst>
+              <a:ext uri="{FF2B5EF4-FFF2-40B4-BE49-F238E27FC236}">
+                <a16:creationId xmlns:a16="http://schemas.microsoft.com/office/drawing/2014/main" id="{666CD37B-6410-21A2-A9A9-7276649D4C1B}"/>
+              </a:ext>
+            </a:extLst>
+          </p:cNvPr>
+          <p:cNvPicPr>
+            <a:picLocks noChangeAspect="1"/>
+          </p:cNvPicPr>
+          <p:nvPr/>
+        </p:nvPicPr>
+        <p:blipFill rotWithShape="1">
+          <a:blip r:embed="rId4"/>
+          <a:srcRect t="43773" b="47422"/>
+          <a:stretch/>
+        </p:blipFill>
+        <p:spPr>
+          <a:xfrm>
+            <a:off x="-280431" y="2346385"/>
+            <a:ext cx="7552498" cy="603849"/>
+          </a:xfrm>
+          <a:prstGeom prst="rect">
+            <a:avLst/>
+          </a:prstGeom>
+        </p:spPr>
+      </p:pic>
+      <p:pic>
+        <p:nvPicPr>
+          <p:cNvPr id="18" name="Picture 17">
+            <a:extLst>
+              <a:ext uri="{FF2B5EF4-FFF2-40B4-BE49-F238E27FC236}">
+                <a16:creationId xmlns:a16="http://schemas.microsoft.com/office/drawing/2014/main" id="{E3C3C740-5865-92E0-5539-02D6283D007F}"/>
+              </a:ext>
+            </a:extLst>
+          </p:cNvPr>
+          <p:cNvPicPr>
+            <a:picLocks noChangeAspect="1"/>
+          </p:cNvPicPr>
+          <p:nvPr/>
+        </p:nvPicPr>
+        <p:blipFill rotWithShape="1">
+          <a:blip r:embed="rId5"/>
+          <a:srcRect t="49937" b="40881"/>
+          <a:stretch/>
+        </p:blipFill>
+        <p:spPr>
+          <a:xfrm>
+            <a:off x="841006" y="3079630"/>
+            <a:ext cx="7565508" cy="629729"/>
+          </a:xfrm>
+          <a:prstGeom prst="rect">
+            <a:avLst/>
+          </a:prstGeom>
+        </p:spPr>
+      </p:pic>
+      <p:pic>
+        <p:nvPicPr>
+          <p:cNvPr id="19" name="Picture 18">
+            <a:extLst>
+              <a:ext uri="{FF2B5EF4-FFF2-40B4-BE49-F238E27FC236}">
+                <a16:creationId xmlns:a16="http://schemas.microsoft.com/office/drawing/2014/main" id="{506F6775-291A-88F3-E8AB-667EB421A7AD}"/>
+              </a:ext>
+            </a:extLst>
+          </p:cNvPr>
+          <p:cNvPicPr>
+            <a:picLocks noChangeAspect="1"/>
+          </p:cNvPicPr>
+          <p:nvPr/>
+        </p:nvPicPr>
+        <p:blipFill rotWithShape="1">
+          <a:blip r:embed="rId6"/>
+          <a:srcRect t="65534" b="25032"/>
+          <a:stretch/>
+        </p:blipFill>
+        <p:spPr>
+          <a:xfrm>
+            <a:off x="1453480" y="4563373"/>
+            <a:ext cx="7565508" cy="646981"/>
+          </a:xfrm>
+          <a:prstGeom prst="rect">
+            <a:avLst/>
+          </a:prstGeom>
+        </p:spPr>
+      </p:pic>
+    </p:spTree>
+    <p:extLst>
+      <p:ext uri="{BB962C8B-B14F-4D97-AF65-F5344CB8AC3E}">
+        <p14:creationId xmlns:p14="http://schemas.microsoft.com/office/powerpoint/2010/main" val="232994615"/>
+      </p:ext>
+    </p:extLst>
+  </p:cSld>
+  <p:clrMapOvr>
+    <a:masterClrMapping/>
+  </p:clrMapOvr>
+</p:sld>
+</file>
+
+<file path=ppt/slides/slide8.xml><?xml version="1.0" encoding="utf-8"?>
+<p:sld xmlns:a="http://schemas.openxmlformats.org/drawingml/2006/main" xmlns:r="http://schemas.openxmlformats.org/officeDocument/2006/relationships" xmlns:p="http://schemas.openxmlformats.org/presentationml/2006/main">
+  <p:cSld>
+    <p:spTree>
+      <p:nvGrpSpPr>
+        <p:cNvPr id="1" name=""/>
+        <p:cNvGrpSpPr/>
+        <p:nvPr/>
+      </p:nvGrpSpPr>
+      <p:grpSpPr>
+        <a:xfrm>
+          <a:off x="0" y="0"/>
+          <a:ext cx="0" cy="0"/>
+          <a:chOff x="0" y="0"/>
+          <a:chExt cx="0" cy="0"/>
+        </a:xfrm>
+      </p:grpSpPr>
+    </p:spTree>
+    <p:extLst>
+      <p:ext uri="{BB962C8B-B14F-4D97-AF65-F5344CB8AC3E}">
+        <p14:creationId xmlns:p14="http://schemas.microsoft.com/office/powerpoint/2010/main" val="2993851109"/>
+      </p:ext>
+    </p:extLst>
+  </p:cSld>
+  <p:clrMapOvr>
+    <a:masterClrMapping/>
+  </p:clrMapOvr>
+</p:sld>
+</file>
+
+<file path=ppt/slides/slide9.xml><?xml version="1.0" encoding="utf-8"?>
 <p:sld xmlns:a="http://schemas.openxmlformats.org/drawingml/2006/main" xmlns:r="http://schemas.openxmlformats.org/officeDocument/2006/relationships" xmlns:p="http://schemas.openxmlformats.org/presentationml/2006/main">
   <p:cSld>
     <p:spTree>
@@ -14104,3449 +18795,6 @@
     <p:extLst>
       <p:ext uri="{BB962C8B-B14F-4D97-AF65-F5344CB8AC3E}">
         <p14:creationId xmlns:p14="http://schemas.microsoft.com/office/powerpoint/2010/main" val="353969168"/>
-      </p:ext>
-    </p:extLst>
-  </p:cSld>
-  <p:clrMapOvr>
-    <a:masterClrMapping/>
-  </p:clrMapOvr>
-</p:sld>
-</file>
-
-<file path=ppt/slides/slide6.xml><?xml version="1.0" encoding="utf-8"?>
-<p:sld xmlns:a="http://schemas.openxmlformats.org/drawingml/2006/main" xmlns:r="http://schemas.openxmlformats.org/officeDocument/2006/relationships" xmlns:p="http://schemas.openxmlformats.org/presentationml/2006/main">
-  <p:cSld>
-    <p:spTree>
-      <p:nvGrpSpPr>
-        <p:cNvPr id="1" name=""/>
-        <p:cNvGrpSpPr/>
-        <p:nvPr/>
-      </p:nvGrpSpPr>
-      <p:grpSpPr>
-        <a:xfrm>
-          <a:off x="0" y="0"/>
-          <a:ext cx="0" cy="0"/>
-          <a:chOff x="0" y="0"/>
-          <a:chExt cx="0" cy="0"/>
-        </a:xfrm>
-      </p:grpSpPr>
-      <p:grpSp>
-        <p:nvGrpSpPr>
-          <p:cNvPr id="3" name="Группа 2"/>
-          <p:cNvGrpSpPr/>
-          <p:nvPr/>
-        </p:nvGrpSpPr>
-        <p:grpSpPr>
-          <a:xfrm>
-            <a:off x="1381128" y="1690517"/>
-            <a:ext cx="6381750" cy="3455364"/>
-            <a:chOff x="1381128" y="1690517"/>
-            <a:chExt cx="6381750" cy="3455364"/>
-          </a:xfrm>
-        </p:grpSpPr>
-        <p:pic>
-          <p:nvPicPr>
-            <p:cNvPr id="29" name="Рисунок 28"/>
-            <p:cNvPicPr>
-              <a:picLocks noChangeAspect="1"/>
-            </p:cNvPicPr>
-            <p:nvPr/>
-          </p:nvPicPr>
-          <p:blipFill>
-            <a:blip r:embed="rId2"/>
-            <a:stretch>
-              <a:fillRect/>
-            </a:stretch>
-          </p:blipFill>
-          <p:spPr>
-            <a:xfrm>
-              <a:off x="1381128" y="1707356"/>
-              <a:ext cx="6381750" cy="3438525"/>
-            </a:xfrm>
-            <a:prstGeom prst="rect">
-              <a:avLst/>
-            </a:prstGeom>
-          </p:spPr>
-        </p:pic>
-        <p:sp>
-          <p:nvSpPr>
-            <p:cNvPr id="56" name="Прямоугольник 55"/>
-            <p:cNvSpPr/>
-            <p:nvPr/>
-          </p:nvSpPr>
-          <p:spPr>
-            <a:xfrm>
-              <a:off x="1381128" y="1709737"/>
-              <a:ext cx="6381749" cy="316706"/>
-            </a:xfrm>
-            <a:prstGeom prst="rect">
-              <a:avLst/>
-            </a:prstGeom>
-            <a:solidFill>
-              <a:srgbClr val="002060">
-                <a:alpha val="20000"/>
-              </a:srgbClr>
-            </a:solidFill>
-          </p:spPr>
-          <p:style>
-            <a:lnRef idx="2">
-              <a:schemeClr val="accent1">
-                <a:shade val="50000"/>
-              </a:schemeClr>
-            </a:lnRef>
-            <a:fillRef idx="1">
-              <a:schemeClr val="accent1"/>
-            </a:fillRef>
-            <a:effectRef idx="0">
-              <a:schemeClr val="accent1"/>
-            </a:effectRef>
-            <a:fontRef idx="minor">
-              <a:schemeClr val="lt1"/>
-            </a:fontRef>
-          </p:style>
-          <p:txBody>
-            <a:bodyPr rtlCol="0" anchor="ctr"/>
-            <a:lstStyle/>
-            <a:p>
-              <a:pPr algn="ctr"/>
-              <a:endParaRPr lang="ru-RU"/>
-            </a:p>
-          </p:txBody>
-        </p:sp>
-        <p:sp>
-          <p:nvSpPr>
-            <p:cNvPr id="4" name="Прямоугольник 3"/>
-            <p:cNvSpPr/>
-            <p:nvPr/>
-          </p:nvSpPr>
-          <p:spPr>
-            <a:xfrm>
-              <a:off x="2895601" y="2333625"/>
-              <a:ext cx="4705350" cy="2514599"/>
-            </a:xfrm>
-            <a:prstGeom prst="rect">
-              <a:avLst/>
-            </a:prstGeom>
-            <a:solidFill>
-              <a:srgbClr val="002060">
-                <a:alpha val="20000"/>
-              </a:srgbClr>
-            </a:solidFill>
-          </p:spPr>
-          <p:style>
-            <a:lnRef idx="2">
-              <a:schemeClr val="accent1">
-                <a:shade val="50000"/>
-              </a:schemeClr>
-            </a:lnRef>
-            <a:fillRef idx="1">
-              <a:schemeClr val="accent1"/>
-            </a:fillRef>
-            <a:effectRef idx="0">
-              <a:schemeClr val="accent1"/>
-            </a:effectRef>
-            <a:fontRef idx="minor">
-              <a:schemeClr val="lt1"/>
-            </a:fontRef>
-          </p:style>
-          <p:txBody>
-            <a:bodyPr rtlCol="0" anchor="ctr"/>
-            <a:lstStyle/>
-            <a:p>
-              <a:pPr algn="ctr"/>
-              <a:endParaRPr lang="ru-RU"/>
-            </a:p>
-          </p:txBody>
-        </p:sp>
-        <p:cxnSp>
-          <p:nvCxnSpPr>
-            <p:cNvPr id="6" name="Прямая соединительная линия 5"/>
-            <p:cNvCxnSpPr/>
-            <p:nvPr/>
-          </p:nvCxnSpPr>
-          <p:spPr>
-            <a:xfrm flipH="1">
-              <a:off x="6943728" y="4162424"/>
-              <a:ext cx="657223" cy="685800"/>
-            </a:xfrm>
-            <a:prstGeom prst="line">
-              <a:avLst/>
-            </a:prstGeom>
-          </p:spPr>
-          <p:style>
-            <a:lnRef idx="1">
-              <a:schemeClr val="accent1"/>
-            </a:lnRef>
-            <a:fillRef idx="0">
-              <a:schemeClr val="accent1"/>
-            </a:fillRef>
-            <a:effectRef idx="0">
-              <a:schemeClr val="accent1"/>
-            </a:effectRef>
-            <a:fontRef idx="minor">
-              <a:schemeClr val="tx1"/>
-            </a:fontRef>
-          </p:style>
-        </p:cxnSp>
-        <p:cxnSp>
-          <p:nvCxnSpPr>
-            <p:cNvPr id="30" name="Прямая соединительная линия 29"/>
-            <p:cNvCxnSpPr/>
-            <p:nvPr/>
-          </p:nvCxnSpPr>
-          <p:spPr>
-            <a:xfrm flipH="1">
-              <a:off x="2895602" y="2333625"/>
-              <a:ext cx="1066798" cy="1121569"/>
-            </a:xfrm>
-            <a:prstGeom prst="line">
-              <a:avLst/>
-            </a:prstGeom>
-          </p:spPr>
-          <p:style>
-            <a:lnRef idx="1">
-              <a:schemeClr val="accent1"/>
-            </a:lnRef>
-            <a:fillRef idx="0">
-              <a:schemeClr val="accent1"/>
-            </a:fillRef>
-            <a:effectRef idx="0">
-              <a:schemeClr val="accent1"/>
-            </a:effectRef>
-            <a:fontRef idx="minor">
-              <a:schemeClr val="tx1"/>
-            </a:fontRef>
-          </p:style>
-        </p:cxnSp>
-        <p:cxnSp>
-          <p:nvCxnSpPr>
-            <p:cNvPr id="43" name="Прямая соединительная линия 42"/>
-            <p:cNvCxnSpPr/>
-            <p:nvPr/>
-          </p:nvCxnSpPr>
-          <p:spPr>
-            <a:xfrm flipH="1">
-              <a:off x="6534153" y="3726655"/>
-              <a:ext cx="1066798" cy="1121569"/>
-            </a:xfrm>
-            <a:prstGeom prst="line">
-              <a:avLst/>
-            </a:prstGeom>
-          </p:spPr>
-          <p:style>
-            <a:lnRef idx="1">
-              <a:schemeClr val="accent1"/>
-            </a:lnRef>
-            <a:fillRef idx="0">
-              <a:schemeClr val="accent1"/>
-            </a:fillRef>
-            <a:effectRef idx="0">
-              <a:schemeClr val="accent1"/>
-            </a:effectRef>
-            <a:fontRef idx="minor">
-              <a:schemeClr val="tx1"/>
-            </a:fontRef>
-          </p:style>
-        </p:cxnSp>
-        <p:cxnSp>
-          <p:nvCxnSpPr>
-            <p:cNvPr id="44" name="Прямая соединительная линия 43"/>
-            <p:cNvCxnSpPr/>
-            <p:nvPr/>
-          </p:nvCxnSpPr>
-          <p:spPr>
-            <a:xfrm flipH="1">
-              <a:off x="2895600" y="2333625"/>
-              <a:ext cx="657223" cy="685800"/>
-            </a:xfrm>
-            <a:prstGeom prst="line">
-              <a:avLst/>
-            </a:prstGeom>
-          </p:spPr>
-          <p:style>
-            <a:lnRef idx="1">
-              <a:schemeClr val="accent1"/>
-            </a:lnRef>
-            <a:fillRef idx="0">
-              <a:schemeClr val="accent1"/>
-            </a:fillRef>
-            <a:effectRef idx="0">
-              <a:schemeClr val="accent1"/>
-            </a:effectRef>
-            <a:fontRef idx="minor">
-              <a:schemeClr val="tx1"/>
-            </a:fontRef>
-          </p:style>
-        </p:cxnSp>
-        <p:cxnSp>
-          <p:nvCxnSpPr>
-            <p:cNvPr id="45" name="Прямая соединительная линия 44"/>
-            <p:cNvCxnSpPr/>
-            <p:nvPr/>
-          </p:nvCxnSpPr>
-          <p:spPr>
-            <a:xfrm flipH="1">
-              <a:off x="2895602" y="2333625"/>
-              <a:ext cx="1504948" cy="1600199"/>
-            </a:xfrm>
-            <a:prstGeom prst="line">
-              <a:avLst/>
-            </a:prstGeom>
-          </p:spPr>
-          <p:style>
-            <a:lnRef idx="1">
-              <a:schemeClr val="accent1"/>
-            </a:lnRef>
-            <a:fillRef idx="0">
-              <a:schemeClr val="accent1"/>
-            </a:fillRef>
-            <a:effectRef idx="0">
-              <a:schemeClr val="accent1"/>
-            </a:effectRef>
-            <a:fontRef idx="minor">
-              <a:schemeClr val="tx1"/>
-            </a:fontRef>
-          </p:style>
-        </p:cxnSp>
-        <p:cxnSp>
-          <p:nvCxnSpPr>
-            <p:cNvPr id="46" name="Прямая соединительная линия 45"/>
-            <p:cNvCxnSpPr/>
-            <p:nvPr/>
-          </p:nvCxnSpPr>
-          <p:spPr>
-            <a:xfrm flipH="1">
-              <a:off x="2895602" y="2333625"/>
-              <a:ext cx="2000248" cy="2109787"/>
-            </a:xfrm>
-            <a:prstGeom prst="line">
-              <a:avLst/>
-            </a:prstGeom>
-          </p:spPr>
-          <p:style>
-            <a:lnRef idx="1">
-              <a:schemeClr val="accent1"/>
-            </a:lnRef>
-            <a:fillRef idx="0">
-              <a:schemeClr val="accent1"/>
-            </a:fillRef>
-            <a:effectRef idx="0">
-              <a:schemeClr val="accent1"/>
-            </a:effectRef>
-            <a:fontRef idx="minor">
-              <a:schemeClr val="tx1"/>
-            </a:fontRef>
-          </p:style>
-        </p:cxnSp>
-        <p:cxnSp>
-          <p:nvCxnSpPr>
-            <p:cNvPr id="47" name="Прямая соединительная линия 46"/>
-            <p:cNvCxnSpPr/>
-            <p:nvPr/>
-          </p:nvCxnSpPr>
-          <p:spPr>
-            <a:xfrm flipH="1">
-              <a:off x="2895602" y="2333625"/>
-              <a:ext cx="2505073" cy="2524124"/>
-            </a:xfrm>
-            <a:prstGeom prst="line">
-              <a:avLst/>
-            </a:prstGeom>
-          </p:spPr>
-          <p:style>
-            <a:lnRef idx="1">
-              <a:schemeClr val="accent1"/>
-            </a:lnRef>
-            <a:fillRef idx="0">
-              <a:schemeClr val="accent1"/>
-            </a:fillRef>
-            <a:effectRef idx="0">
-              <a:schemeClr val="accent1"/>
-            </a:effectRef>
-            <a:fontRef idx="minor">
-              <a:schemeClr val="tx1"/>
-            </a:fontRef>
-          </p:style>
-        </p:cxnSp>
-        <p:cxnSp>
-          <p:nvCxnSpPr>
-            <p:cNvPr id="48" name="Прямая соединительная линия 47"/>
-            <p:cNvCxnSpPr/>
-            <p:nvPr/>
-          </p:nvCxnSpPr>
-          <p:spPr>
-            <a:xfrm flipH="1">
-              <a:off x="4895850" y="2324100"/>
-              <a:ext cx="2505073" cy="2524124"/>
-            </a:xfrm>
-            <a:prstGeom prst="line">
-              <a:avLst/>
-            </a:prstGeom>
-          </p:spPr>
-          <p:style>
-            <a:lnRef idx="1">
-              <a:schemeClr val="accent1"/>
-            </a:lnRef>
-            <a:fillRef idx="0">
-              <a:schemeClr val="accent1"/>
-            </a:fillRef>
-            <a:effectRef idx="0">
-              <a:schemeClr val="accent1"/>
-            </a:effectRef>
-            <a:fontRef idx="minor">
-              <a:schemeClr val="tx1"/>
-            </a:fontRef>
-          </p:style>
-        </p:cxnSp>
-        <p:cxnSp>
-          <p:nvCxnSpPr>
-            <p:cNvPr id="49" name="Прямая соединительная линия 48"/>
-            <p:cNvCxnSpPr/>
-            <p:nvPr/>
-          </p:nvCxnSpPr>
-          <p:spPr>
-            <a:xfrm flipH="1">
-              <a:off x="5600703" y="2747962"/>
-              <a:ext cx="2000248" cy="2109787"/>
-            </a:xfrm>
-            <a:prstGeom prst="line">
-              <a:avLst/>
-            </a:prstGeom>
-          </p:spPr>
-          <p:style>
-            <a:lnRef idx="1">
-              <a:schemeClr val="accent1"/>
-            </a:lnRef>
-            <a:fillRef idx="0">
-              <a:schemeClr val="accent1"/>
-            </a:fillRef>
-            <a:effectRef idx="0">
-              <a:schemeClr val="accent1"/>
-            </a:effectRef>
-            <a:fontRef idx="minor">
-              <a:schemeClr val="tx1"/>
-            </a:fontRef>
-          </p:style>
-        </p:cxnSp>
-        <p:cxnSp>
-          <p:nvCxnSpPr>
-            <p:cNvPr id="50" name="Прямая соединительная линия 49"/>
-            <p:cNvCxnSpPr/>
-            <p:nvPr/>
-          </p:nvCxnSpPr>
-          <p:spPr>
-            <a:xfrm flipH="1">
-              <a:off x="6096004" y="3248025"/>
-              <a:ext cx="1504948" cy="1600199"/>
-            </a:xfrm>
-            <a:prstGeom prst="line">
-              <a:avLst/>
-            </a:prstGeom>
-          </p:spPr>
-          <p:style>
-            <a:lnRef idx="1">
-              <a:schemeClr val="accent1"/>
-            </a:lnRef>
-            <a:fillRef idx="0">
-              <a:schemeClr val="accent1"/>
-            </a:fillRef>
-            <a:effectRef idx="0">
-              <a:schemeClr val="accent1"/>
-            </a:effectRef>
-            <a:fontRef idx="minor">
-              <a:schemeClr val="tx1"/>
-            </a:fontRef>
-          </p:style>
-        </p:cxnSp>
-        <p:cxnSp>
-          <p:nvCxnSpPr>
-            <p:cNvPr id="51" name="Прямая соединительная линия 50"/>
-            <p:cNvCxnSpPr/>
-            <p:nvPr/>
-          </p:nvCxnSpPr>
-          <p:spPr>
-            <a:xfrm flipH="1">
-              <a:off x="3357566" y="2333625"/>
-              <a:ext cx="2505073" cy="2524124"/>
-            </a:xfrm>
-            <a:prstGeom prst="line">
-              <a:avLst/>
-            </a:prstGeom>
-          </p:spPr>
-          <p:style>
-            <a:lnRef idx="1">
-              <a:schemeClr val="accent1"/>
-            </a:lnRef>
-            <a:fillRef idx="0">
-              <a:schemeClr val="accent1"/>
-            </a:fillRef>
-            <a:effectRef idx="0">
-              <a:schemeClr val="accent1"/>
-            </a:effectRef>
-            <a:fontRef idx="minor">
-              <a:schemeClr val="tx1"/>
-            </a:fontRef>
-          </p:style>
-        </p:cxnSp>
-        <p:cxnSp>
-          <p:nvCxnSpPr>
-            <p:cNvPr id="52" name="Прямая соединительная линия 51"/>
-            <p:cNvCxnSpPr/>
-            <p:nvPr/>
-          </p:nvCxnSpPr>
-          <p:spPr>
-            <a:xfrm flipH="1">
-              <a:off x="3876678" y="2333625"/>
-              <a:ext cx="2505073" cy="2524124"/>
-            </a:xfrm>
-            <a:prstGeom prst="line">
-              <a:avLst/>
-            </a:prstGeom>
-          </p:spPr>
-          <p:style>
-            <a:lnRef idx="1">
-              <a:schemeClr val="accent1"/>
-            </a:lnRef>
-            <a:fillRef idx="0">
-              <a:schemeClr val="accent1"/>
-            </a:fillRef>
-            <a:effectRef idx="0">
-              <a:schemeClr val="accent1"/>
-            </a:effectRef>
-            <a:fontRef idx="minor">
-              <a:schemeClr val="tx1"/>
-            </a:fontRef>
-          </p:style>
-        </p:cxnSp>
-        <p:cxnSp>
-          <p:nvCxnSpPr>
-            <p:cNvPr id="53" name="Прямая соединительная линия 52"/>
-            <p:cNvCxnSpPr/>
-            <p:nvPr/>
-          </p:nvCxnSpPr>
-          <p:spPr>
-            <a:xfrm flipH="1">
-              <a:off x="4371978" y="2333625"/>
-              <a:ext cx="2505073" cy="2524124"/>
-            </a:xfrm>
-            <a:prstGeom prst="line">
-              <a:avLst/>
-            </a:prstGeom>
-          </p:spPr>
-          <p:style>
-            <a:lnRef idx="1">
-              <a:schemeClr val="accent1"/>
-            </a:lnRef>
-            <a:fillRef idx="0">
-              <a:schemeClr val="accent1"/>
-            </a:fillRef>
-            <a:effectRef idx="0">
-              <a:schemeClr val="accent1"/>
-            </a:effectRef>
-            <a:fontRef idx="minor">
-              <a:schemeClr val="tx1"/>
-            </a:fontRef>
-          </p:style>
-        </p:cxnSp>
-        <p:cxnSp>
-          <p:nvCxnSpPr>
-            <p:cNvPr id="54" name="Прямая соединительная линия 53"/>
-            <p:cNvCxnSpPr/>
-            <p:nvPr/>
-          </p:nvCxnSpPr>
-          <p:spPr>
-            <a:xfrm flipH="1">
-              <a:off x="1432831" y="1700041"/>
-              <a:ext cx="307521" cy="316706"/>
-            </a:xfrm>
-            <a:prstGeom prst="line">
-              <a:avLst/>
-            </a:prstGeom>
-          </p:spPr>
-          <p:style>
-            <a:lnRef idx="1">
-              <a:schemeClr val="accent1"/>
-            </a:lnRef>
-            <a:fillRef idx="0">
-              <a:schemeClr val="accent1"/>
-            </a:fillRef>
-            <a:effectRef idx="0">
-              <a:schemeClr val="accent1"/>
-            </a:effectRef>
-            <a:fontRef idx="minor">
-              <a:schemeClr val="tx1"/>
-            </a:fontRef>
-          </p:style>
-        </p:cxnSp>
-        <p:cxnSp>
-          <p:nvCxnSpPr>
-            <p:cNvPr id="55" name="Прямая соединительная линия 54"/>
-            <p:cNvCxnSpPr/>
-            <p:nvPr/>
-          </p:nvCxnSpPr>
-          <p:spPr>
-            <a:xfrm flipH="1">
-              <a:off x="7303295" y="4552949"/>
-              <a:ext cx="300042" cy="300038"/>
-            </a:xfrm>
-            <a:prstGeom prst="line">
-              <a:avLst/>
-            </a:prstGeom>
-          </p:spPr>
-          <p:style>
-            <a:lnRef idx="1">
-              <a:schemeClr val="accent1"/>
-            </a:lnRef>
-            <a:fillRef idx="0">
-              <a:schemeClr val="accent1"/>
-            </a:fillRef>
-            <a:effectRef idx="0">
-              <a:schemeClr val="accent1"/>
-            </a:effectRef>
-            <a:fontRef idx="minor">
-              <a:schemeClr val="tx1"/>
-            </a:fontRef>
-          </p:style>
-        </p:cxnSp>
-        <p:cxnSp>
-          <p:nvCxnSpPr>
-            <p:cNvPr id="34" name="Прямая соединительная линия 33"/>
-            <p:cNvCxnSpPr/>
-            <p:nvPr/>
-          </p:nvCxnSpPr>
-          <p:spPr>
-            <a:xfrm flipH="1">
-              <a:off x="1918603" y="1690517"/>
-              <a:ext cx="307521" cy="316706"/>
-            </a:xfrm>
-            <a:prstGeom prst="line">
-              <a:avLst/>
-            </a:prstGeom>
-          </p:spPr>
-          <p:style>
-            <a:lnRef idx="1">
-              <a:schemeClr val="accent1"/>
-            </a:lnRef>
-            <a:fillRef idx="0">
-              <a:schemeClr val="accent1"/>
-            </a:fillRef>
-            <a:effectRef idx="0">
-              <a:schemeClr val="accent1"/>
-            </a:effectRef>
-            <a:fontRef idx="minor">
-              <a:schemeClr val="tx1"/>
-            </a:fontRef>
-          </p:style>
-        </p:cxnSp>
-        <p:cxnSp>
-          <p:nvCxnSpPr>
-            <p:cNvPr id="35" name="Прямая соединительная линия 34"/>
-            <p:cNvCxnSpPr/>
-            <p:nvPr/>
-          </p:nvCxnSpPr>
-          <p:spPr>
-            <a:xfrm flipH="1">
-              <a:off x="2404375" y="1716880"/>
-              <a:ext cx="307521" cy="316706"/>
-            </a:xfrm>
-            <a:prstGeom prst="line">
-              <a:avLst/>
-            </a:prstGeom>
-          </p:spPr>
-          <p:style>
-            <a:lnRef idx="1">
-              <a:schemeClr val="accent1"/>
-            </a:lnRef>
-            <a:fillRef idx="0">
-              <a:schemeClr val="accent1"/>
-            </a:fillRef>
-            <a:effectRef idx="0">
-              <a:schemeClr val="accent1"/>
-            </a:effectRef>
-            <a:fontRef idx="minor">
-              <a:schemeClr val="tx1"/>
-            </a:fontRef>
-          </p:style>
-        </p:cxnSp>
-        <p:cxnSp>
-          <p:nvCxnSpPr>
-            <p:cNvPr id="36" name="Прямая соединительная линия 35"/>
-            <p:cNvCxnSpPr/>
-            <p:nvPr/>
-          </p:nvCxnSpPr>
-          <p:spPr>
-            <a:xfrm flipH="1">
-              <a:off x="2890147" y="1707356"/>
-              <a:ext cx="307521" cy="316706"/>
-            </a:xfrm>
-            <a:prstGeom prst="line">
-              <a:avLst/>
-            </a:prstGeom>
-          </p:spPr>
-          <p:style>
-            <a:lnRef idx="1">
-              <a:schemeClr val="accent1"/>
-            </a:lnRef>
-            <a:fillRef idx="0">
-              <a:schemeClr val="accent1"/>
-            </a:fillRef>
-            <a:effectRef idx="0">
-              <a:schemeClr val="accent1"/>
-            </a:effectRef>
-            <a:fontRef idx="minor">
-              <a:schemeClr val="tx1"/>
-            </a:fontRef>
-          </p:style>
-        </p:cxnSp>
-        <p:cxnSp>
-          <p:nvCxnSpPr>
-            <p:cNvPr id="37" name="Прямая соединительная линия 36"/>
-            <p:cNvCxnSpPr/>
-            <p:nvPr/>
-          </p:nvCxnSpPr>
-          <p:spPr>
-            <a:xfrm flipH="1">
-              <a:off x="3357566" y="1709143"/>
-              <a:ext cx="307521" cy="316706"/>
-            </a:xfrm>
-            <a:prstGeom prst="line">
-              <a:avLst/>
-            </a:prstGeom>
-          </p:spPr>
-          <p:style>
-            <a:lnRef idx="1">
-              <a:schemeClr val="accent1"/>
-            </a:lnRef>
-            <a:fillRef idx="0">
-              <a:schemeClr val="accent1"/>
-            </a:fillRef>
-            <a:effectRef idx="0">
-              <a:schemeClr val="accent1"/>
-            </a:effectRef>
-            <a:fontRef idx="minor">
-              <a:schemeClr val="tx1"/>
-            </a:fontRef>
-          </p:style>
-        </p:cxnSp>
-        <p:cxnSp>
-          <p:nvCxnSpPr>
-            <p:cNvPr id="38" name="Прямая соединительная линия 37"/>
-            <p:cNvCxnSpPr/>
-            <p:nvPr/>
-          </p:nvCxnSpPr>
-          <p:spPr>
-            <a:xfrm flipH="1">
-              <a:off x="3843338" y="1707783"/>
-              <a:ext cx="307521" cy="316706"/>
-            </a:xfrm>
-            <a:prstGeom prst="line">
-              <a:avLst/>
-            </a:prstGeom>
-          </p:spPr>
-          <p:style>
-            <a:lnRef idx="1">
-              <a:schemeClr val="accent1"/>
-            </a:lnRef>
-            <a:fillRef idx="0">
-              <a:schemeClr val="accent1"/>
-            </a:fillRef>
-            <a:effectRef idx="0">
-              <a:schemeClr val="accent1"/>
-            </a:effectRef>
-            <a:fontRef idx="minor">
-              <a:schemeClr val="tx1"/>
-            </a:fontRef>
-          </p:style>
-        </p:cxnSp>
-        <p:cxnSp>
-          <p:nvCxnSpPr>
-            <p:cNvPr id="39" name="Прямая соединительная линия 38"/>
-            <p:cNvCxnSpPr/>
-            <p:nvPr/>
-          </p:nvCxnSpPr>
-          <p:spPr>
-            <a:xfrm flipH="1">
-              <a:off x="4329110" y="1717818"/>
-              <a:ext cx="307521" cy="316706"/>
-            </a:xfrm>
-            <a:prstGeom prst="line">
-              <a:avLst/>
-            </a:prstGeom>
-          </p:spPr>
-          <p:style>
-            <a:lnRef idx="1">
-              <a:schemeClr val="accent1"/>
-            </a:lnRef>
-            <a:fillRef idx="0">
-              <a:schemeClr val="accent1"/>
-            </a:fillRef>
-            <a:effectRef idx="0">
-              <a:schemeClr val="accent1"/>
-            </a:effectRef>
-            <a:fontRef idx="minor">
-              <a:schemeClr val="tx1"/>
-            </a:fontRef>
-          </p:style>
-        </p:cxnSp>
-        <p:cxnSp>
-          <p:nvCxnSpPr>
-            <p:cNvPr id="40" name="Прямая соединительная линия 39"/>
-            <p:cNvCxnSpPr/>
-            <p:nvPr/>
-          </p:nvCxnSpPr>
-          <p:spPr>
-            <a:xfrm flipH="1">
-              <a:off x="4814882" y="1708294"/>
-              <a:ext cx="307521" cy="316706"/>
-            </a:xfrm>
-            <a:prstGeom prst="line">
-              <a:avLst/>
-            </a:prstGeom>
-          </p:spPr>
-          <p:style>
-            <a:lnRef idx="1">
-              <a:schemeClr val="accent1"/>
-            </a:lnRef>
-            <a:fillRef idx="0">
-              <a:schemeClr val="accent1"/>
-            </a:fillRef>
-            <a:effectRef idx="0">
-              <a:schemeClr val="accent1"/>
-            </a:effectRef>
-            <a:fontRef idx="minor">
-              <a:schemeClr val="tx1"/>
-            </a:fontRef>
-          </p:style>
-        </p:cxnSp>
-        <p:cxnSp>
-          <p:nvCxnSpPr>
-            <p:cNvPr id="41" name="Прямая соединительная линия 40"/>
-            <p:cNvCxnSpPr/>
-            <p:nvPr/>
-          </p:nvCxnSpPr>
-          <p:spPr>
-            <a:xfrm flipH="1">
-              <a:off x="5250312" y="1700041"/>
-              <a:ext cx="307521" cy="316706"/>
-            </a:xfrm>
-            <a:prstGeom prst="line">
-              <a:avLst/>
-            </a:prstGeom>
-          </p:spPr>
-          <p:style>
-            <a:lnRef idx="1">
-              <a:schemeClr val="accent1"/>
-            </a:lnRef>
-            <a:fillRef idx="0">
-              <a:schemeClr val="accent1"/>
-            </a:fillRef>
-            <a:effectRef idx="0">
-              <a:schemeClr val="accent1"/>
-            </a:effectRef>
-            <a:fontRef idx="minor">
-              <a:schemeClr val="tx1"/>
-            </a:fontRef>
-          </p:style>
-        </p:cxnSp>
-        <p:cxnSp>
-          <p:nvCxnSpPr>
-            <p:cNvPr id="42" name="Прямая соединительная линия 41"/>
-            <p:cNvCxnSpPr/>
-            <p:nvPr/>
-          </p:nvCxnSpPr>
-          <p:spPr>
-            <a:xfrm flipH="1">
-              <a:off x="5736084" y="1690517"/>
-              <a:ext cx="307521" cy="316706"/>
-            </a:xfrm>
-            <a:prstGeom prst="line">
-              <a:avLst/>
-            </a:prstGeom>
-          </p:spPr>
-          <p:style>
-            <a:lnRef idx="1">
-              <a:schemeClr val="accent1"/>
-            </a:lnRef>
-            <a:fillRef idx="0">
-              <a:schemeClr val="accent1"/>
-            </a:fillRef>
-            <a:effectRef idx="0">
-              <a:schemeClr val="accent1"/>
-            </a:effectRef>
-            <a:fontRef idx="minor">
-              <a:schemeClr val="tx1"/>
-            </a:fontRef>
-          </p:style>
-        </p:cxnSp>
-        <p:cxnSp>
-          <p:nvCxnSpPr>
-            <p:cNvPr id="57" name="Прямая соединительная линия 56"/>
-            <p:cNvCxnSpPr/>
-            <p:nvPr/>
-          </p:nvCxnSpPr>
-          <p:spPr>
-            <a:xfrm flipH="1">
-              <a:off x="6221856" y="1716880"/>
-              <a:ext cx="307521" cy="316706"/>
-            </a:xfrm>
-            <a:prstGeom prst="line">
-              <a:avLst/>
-            </a:prstGeom>
-          </p:spPr>
-          <p:style>
-            <a:lnRef idx="1">
-              <a:schemeClr val="accent1"/>
-            </a:lnRef>
-            <a:fillRef idx="0">
-              <a:schemeClr val="accent1"/>
-            </a:fillRef>
-            <a:effectRef idx="0">
-              <a:schemeClr val="accent1"/>
-            </a:effectRef>
-            <a:fontRef idx="minor">
-              <a:schemeClr val="tx1"/>
-            </a:fontRef>
-          </p:style>
-        </p:cxnSp>
-        <p:cxnSp>
-          <p:nvCxnSpPr>
-            <p:cNvPr id="58" name="Прямая соединительная линия 57"/>
-            <p:cNvCxnSpPr/>
-            <p:nvPr/>
-          </p:nvCxnSpPr>
-          <p:spPr>
-            <a:xfrm flipH="1">
-              <a:off x="6707628" y="1707356"/>
-              <a:ext cx="307521" cy="316706"/>
-            </a:xfrm>
-            <a:prstGeom prst="line">
-              <a:avLst/>
-            </a:prstGeom>
-          </p:spPr>
-          <p:style>
-            <a:lnRef idx="1">
-              <a:schemeClr val="accent1"/>
-            </a:lnRef>
-            <a:fillRef idx="0">
-              <a:schemeClr val="accent1"/>
-            </a:fillRef>
-            <a:effectRef idx="0">
-              <a:schemeClr val="accent1"/>
-            </a:effectRef>
-            <a:fontRef idx="minor">
-              <a:schemeClr val="tx1"/>
-            </a:fontRef>
-          </p:style>
-        </p:cxnSp>
-        <p:cxnSp>
-          <p:nvCxnSpPr>
-            <p:cNvPr id="59" name="Прямая соединительная линия 58"/>
-            <p:cNvCxnSpPr/>
-            <p:nvPr/>
-          </p:nvCxnSpPr>
-          <p:spPr>
-            <a:xfrm flipH="1">
-              <a:off x="7175047" y="1709143"/>
-              <a:ext cx="307521" cy="316706"/>
-            </a:xfrm>
-            <a:prstGeom prst="line">
-              <a:avLst/>
-            </a:prstGeom>
-          </p:spPr>
-          <p:style>
-            <a:lnRef idx="1">
-              <a:schemeClr val="accent1"/>
-            </a:lnRef>
-            <a:fillRef idx="0">
-              <a:schemeClr val="accent1"/>
-            </a:fillRef>
-            <a:effectRef idx="0">
-              <a:schemeClr val="accent1"/>
-            </a:effectRef>
-            <a:fontRef idx="minor">
-              <a:schemeClr val="tx1"/>
-            </a:fontRef>
-          </p:style>
-        </p:cxnSp>
-      </p:grpSp>
-    </p:spTree>
-    <p:extLst>
-      <p:ext uri="{BB962C8B-B14F-4D97-AF65-F5344CB8AC3E}">
-        <p14:creationId xmlns:p14="http://schemas.microsoft.com/office/powerpoint/2010/main" val="1795747737"/>
-      </p:ext>
-    </p:extLst>
-  </p:cSld>
-  <p:clrMapOvr>
-    <a:masterClrMapping/>
-  </p:clrMapOvr>
-</p:sld>
-</file>
-
-<file path=ppt/slides/slide7.xml><?xml version="1.0" encoding="utf-8"?>
-<p:sld xmlns:a="http://schemas.openxmlformats.org/drawingml/2006/main" xmlns:r="http://schemas.openxmlformats.org/officeDocument/2006/relationships" xmlns:p="http://schemas.openxmlformats.org/presentationml/2006/main">
-  <p:cSld>
-    <p:spTree>
-      <p:nvGrpSpPr>
-        <p:cNvPr id="1" name=""/>
-        <p:cNvGrpSpPr/>
-        <p:nvPr/>
-      </p:nvGrpSpPr>
-      <p:grpSpPr>
-        <a:xfrm>
-          <a:off x="0" y="0"/>
-          <a:ext cx="0" cy="0"/>
-          <a:chOff x="0" y="0"/>
-          <a:chExt cx="0" cy="0"/>
-        </a:xfrm>
-      </p:grpSpPr>
-      <p:grpSp>
-        <p:nvGrpSpPr>
-          <p:cNvPr id="26" name="Группа 25"/>
-          <p:cNvGrpSpPr/>
-          <p:nvPr/>
-        </p:nvGrpSpPr>
-        <p:grpSpPr>
-          <a:xfrm>
-            <a:off x="804188" y="1224643"/>
-            <a:ext cx="4749572" cy="1975757"/>
-            <a:chOff x="804188" y="1224643"/>
-            <a:chExt cx="4749572" cy="1975757"/>
-          </a:xfrm>
-        </p:grpSpPr>
-        <p:pic>
-          <p:nvPicPr>
-            <p:cNvPr id="2" name="Рисунок 1"/>
-            <p:cNvPicPr>
-              <a:picLocks noChangeAspect="1"/>
-            </p:cNvPicPr>
-            <p:nvPr/>
-          </p:nvPicPr>
-          <p:blipFill>
-            <a:blip r:embed="rId2"/>
-            <a:stretch>
-              <a:fillRect/>
-            </a:stretch>
-          </p:blipFill>
-          <p:spPr>
-            <a:xfrm>
-              <a:off x="3348718" y="1357993"/>
-              <a:ext cx="323850" cy="1676400"/>
-            </a:xfrm>
-            <a:prstGeom prst="rect">
-              <a:avLst/>
-            </a:prstGeom>
-          </p:spPr>
-        </p:pic>
-        <p:sp>
-          <p:nvSpPr>
-            <p:cNvPr id="4" name="Овал 3"/>
-            <p:cNvSpPr/>
-            <p:nvPr/>
-          </p:nvSpPr>
-          <p:spPr>
-            <a:xfrm>
-              <a:off x="3477987" y="1224643"/>
-              <a:ext cx="194582" cy="1975757"/>
-            </a:xfrm>
-            <a:prstGeom prst="ellipse">
-              <a:avLst/>
-            </a:prstGeom>
-            <a:noFill/>
-            <a:ln w="19050">
-              <a:solidFill>
-                <a:srgbClr val="FF0000"/>
-              </a:solidFill>
-            </a:ln>
-          </p:spPr>
-          <p:style>
-            <a:lnRef idx="2">
-              <a:schemeClr val="accent1">
-                <a:shade val="50000"/>
-              </a:schemeClr>
-            </a:lnRef>
-            <a:fillRef idx="1">
-              <a:schemeClr val="accent1"/>
-            </a:fillRef>
-            <a:effectRef idx="0">
-              <a:schemeClr val="accent1"/>
-            </a:effectRef>
-            <a:fontRef idx="minor">
-              <a:schemeClr val="lt1"/>
-            </a:fontRef>
-          </p:style>
-          <p:txBody>
-            <a:bodyPr rtlCol="0" anchor="ctr"/>
-            <a:lstStyle/>
-            <a:p>
-              <a:pPr algn="ctr"/>
-              <a:endParaRPr lang="ru-RU"/>
-            </a:p>
-          </p:txBody>
-        </p:sp>
-        <p:sp>
-          <p:nvSpPr>
-            <p:cNvPr id="8" name="Левая фигурная скобка 7"/>
-            <p:cNvSpPr/>
-            <p:nvPr/>
-          </p:nvSpPr>
-          <p:spPr>
-            <a:xfrm>
-              <a:off x="3032350" y="1421651"/>
-              <a:ext cx="276225" cy="1533820"/>
-            </a:xfrm>
-            <a:prstGeom prst="leftBrace">
-              <a:avLst>
-                <a:gd name="adj1" fmla="val 35919"/>
-                <a:gd name="adj2" fmla="val 50629"/>
-              </a:avLst>
-            </a:prstGeom>
-            <a:ln w="28575">
-              <a:solidFill>
-                <a:srgbClr val="0070C0"/>
-              </a:solidFill>
-            </a:ln>
-          </p:spPr>
-          <p:style>
-            <a:lnRef idx="1">
-              <a:schemeClr val="accent1"/>
-            </a:lnRef>
-            <a:fillRef idx="0">
-              <a:schemeClr val="accent1"/>
-            </a:fillRef>
-            <a:effectRef idx="0">
-              <a:schemeClr val="accent1"/>
-            </a:effectRef>
-            <a:fontRef idx="minor">
-              <a:schemeClr val="tx1"/>
-            </a:fontRef>
-          </p:style>
-          <p:txBody>
-            <a:bodyPr rtlCol="0" anchor="ctr"/>
-            <a:lstStyle/>
-            <a:p>
-              <a:pPr algn="ctr"/>
-              <a:endParaRPr lang="ru-RU" sz="1100">
-                <a:latin typeface="Times New Roman" panose="02020603050405020304" pitchFamily="18" charset="0"/>
-                <a:cs typeface="Times New Roman" panose="02020603050405020304" pitchFamily="18" charset="0"/>
-              </a:endParaRPr>
-            </a:p>
-          </p:txBody>
-        </p:sp>
-        <p:cxnSp>
-          <p:nvCxnSpPr>
-            <p:cNvPr id="9" name="Прямая со стрелкой 8"/>
-            <p:cNvCxnSpPr/>
-            <p:nvPr/>
-          </p:nvCxnSpPr>
-          <p:spPr>
-            <a:xfrm flipH="1" flipV="1">
-              <a:off x="3575280" y="2028274"/>
-              <a:ext cx="392563" cy="4633"/>
-            </a:xfrm>
-            <a:prstGeom prst="straightConnector1">
-              <a:avLst/>
-            </a:prstGeom>
-            <a:ln w="6350">
-              <a:solidFill>
-                <a:schemeClr val="tx1"/>
-              </a:solidFill>
-              <a:tailEnd type="stealth" w="med" len="med"/>
-            </a:ln>
-          </p:spPr>
-          <p:style>
-            <a:lnRef idx="1">
-              <a:schemeClr val="accent1"/>
-            </a:lnRef>
-            <a:fillRef idx="0">
-              <a:schemeClr val="accent1"/>
-            </a:fillRef>
-            <a:effectRef idx="0">
-              <a:schemeClr val="accent1"/>
-            </a:effectRef>
-            <a:fontRef idx="minor">
-              <a:schemeClr val="tx1"/>
-            </a:fontRef>
-          </p:style>
-        </p:cxnSp>
-        <p:sp>
-          <p:nvSpPr>
-            <p:cNvPr id="12" name="TextBox 11"/>
-            <p:cNvSpPr txBox="1"/>
-            <p:nvPr/>
-          </p:nvSpPr>
-          <p:spPr>
-            <a:xfrm>
-              <a:off x="804188" y="1414552"/>
-              <a:ext cx="2070332" cy="430887"/>
-            </a:xfrm>
-            <a:prstGeom prst="rect">
-              <a:avLst/>
-            </a:prstGeom>
-            <a:noFill/>
-          </p:spPr>
-          <p:txBody>
-            <a:bodyPr wrap="square" rtlCol="0">
-              <a:spAutoFit/>
-            </a:bodyPr>
-            <a:lstStyle/>
-            <a:p>
-              <a:r>
-                <a:rPr lang="en-US" sz="1100" dirty="0">
-                  <a:latin typeface="Times New Roman" panose="02020603050405020304" pitchFamily="18" charset="0"/>
-                  <a:cs typeface="Times New Roman" panose="02020603050405020304" pitchFamily="18" charset="0"/>
-                </a:rPr>
-                <a:t>Drag color scale up or down to move range of displayed values</a:t>
-              </a:r>
-              <a:endParaRPr lang="ru-RU" sz="1100" dirty="0">
-                <a:latin typeface="Times New Roman" panose="02020603050405020304" pitchFamily="18" charset="0"/>
-                <a:cs typeface="Times New Roman" panose="02020603050405020304" pitchFamily="18" charset="0"/>
-              </a:endParaRPr>
-            </a:p>
-          </p:txBody>
-        </p:sp>
-        <p:sp>
-          <p:nvSpPr>
-            <p:cNvPr id="13" name="TextBox 12"/>
-            <p:cNvSpPr txBox="1"/>
-            <p:nvPr/>
-          </p:nvSpPr>
-          <p:spPr>
-            <a:xfrm>
-              <a:off x="804188" y="2354204"/>
-              <a:ext cx="2249256" cy="430887"/>
-            </a:xfrm>
-            <a:prstGeom prst="rect">
-              <a:avLst/>
-            </a:prstGeom>
-            <a:noFill/>
-          </p:spPr>
-          <p:txBody>
-            <a:bodyPr wrap="square" rtlCol="0">
-              <a:spAutoFit/>
-            </a:bodyPr>
-            <a:lstStyle/>
-            <a:p>
-              <a:r>
-                <a:rPr lang="en-US" sz="1100" dirty="0">
-                  <a:latin typeface="Times New Roman" panose="02020603050405020304" pitchFamily="18" charset="0"/>
-                  <a:cs typeface="Times New Roman" panose="02020603050405020304" pitchFamily="18" charset="0"/>
-                </a:rPr>
-                <a:t>Use the mouse wheel for zooming the range of displayed values</a:t>
-              </a:r>
-              <a:endParaRPr lang="ru-RU" sz="1100" dirty="0">
-                <a:latin typeface="Times New Roman" panose="02020603050405020304" pitchFamily="18" charset="0"/>
-                <a:cs typeface="Times New Roman" panose="02020603050405020304" pitchFamily="18" charset="0"/>
-              </a:endParaRPr>
-            </a:p>
-          </p:txBody>
-        </p:sp>
-        <p:sp>
-          <p:nvSpPr>
-            <p:cNvPr id="15" name="TextBox 14"/>
-            <p:cNvSpPr txBox="1"/>
-            <p:nvPr/>
-          </p:nvSpPr>
-          <p:spPr>
-            <a:xfrm>
-              <a:off x="3988938" y="1728192"/>
-              <a:ext cx="1564822" cy="600164"/>
-            </a:xfrm>
-            <a:prstGeom prst="rect">
-              <a:avLst/>
-            </a:prstGeom>
-            <a:noFill/>
-          </p:spPr>
-          <p:txBody>
-            <a:bodyPr wrap="square" rtlCol="0">
-              <a:spAutoFit/>
-            </a:bodyPr>
-            <a:lstStyle/>
-            <a:p>
-              <a:r>
-                <a:rPr lang="en-US" sz="1100" dirty="0">
-                  <a:latin typeface="Times New Roman" panose="02020603050405020304" pitchFamily="18" charset="0"/>
-                  <a:cs typeface="Times New Roman" panose="02020603050405020304" pitchFamily="18" charset="0"/>
-                </a:rPr>
-                <a:t>Double-clicking on the scale will allow you to change the color scheme</a:t>
-              </a:r>
-              <a:endParaRPr lang="ru-RU" sz="1100" dirty="0">
-                <a:latin typeface="Times New Roman" panose="02020603050405020304" pitchFamily="18" charset="0"/>
-                <a:cs typeface="Times New Roman" panose="02020603050405020304" pitchFamily="18" charset="0"/>
-              </a:endParaRPr>
-            </a:p>
-          </p:txBody>
-        </p:sp>
-      </p:grpSp>
-      <p:grpSp>
-        <p:nvGrpSpPr>
-          <p:cNvPr id="25" name="Группа 24"/>
-          <p:cNvGrpSpPr/>
-          <p:nvPr/>
-        </p:nvGrpSpPr>
-        <p:grpSpPr>
-          <a:xfrm>
-            <a:off x="961344" y="4004031"/>
-            <a:ext cx="4592416" cy="1975757"/>
-            <a:chOff x="961344" y="4004031"/>
-            <a:chExt cx="4592416" cy="1975757"/>
-          </a:xfrm>
-        </p:grpSpPr>
-        <p:pic>
-          <p:nvPicPr>
-            <p:cNvPr id="18" name="Рисунок 17"/>
-            <p:cNvPicPr>
-              <a:picLocks noChangeAspect="1"/>
-            </p:cNvPicPr>
-            <p:nvPr/>
-          </p:nvPicPr>
-          <p:blipFill>
-            <a:blip r:embed="rId2"/>
-            <a:stretch>
-              <a:fillRect/>
-            </a:stretch>
-          </p:blipFill>
-          <p:spPr>
-            <a:xfrm>
-              <a:off x="3437843" y="4137381"/>
-              <a:ext cx="323850" cy="1676400"/>
-            </a:xfrm>
-            <a:prstGeom prst="rect">
-              <a:avLst/>
-            </a:prstGeom>
-          </p:spPr>
-        </p:pic>
-        <p:sp>
-          <p:nvSpPr>
-            <p:cNvPr id="19" name="Овал 18"/>
-            <p:cNvSpPr/>
-            <p:nvPr/>
-          </p:nvSpPr>
-          <p:spPr>
-            <a:xfrm>
-              <a:off x="3567112" y="4004031"/>
-              <a:ext cx="194582" cy="1975757"/>
-            </a:xfrm>
-            <a:prstGeom prst="ellipse">
-              <a:avLst/>
-            </a:prstGeom>
-            <a:noFill/>
-            <a:ln w="19050">
-              <a:solidFill>
-                <a:srgbClr val="FF0000"/>
-              </a:solidFill>
-            </a:ln>
-          </p:spPr>
-          <p:style>
-            <a:lnRef idx="2">
-              <a:schemeClr val="accent1">
-                <a:shade val="50000"/>
-              </a:schemeClr>
-            </a:lnRef>
-            <a:fillRef idx="1">
-              <a:schemeClr val="accent1"/>
-            </a:fillRef>
-            <a:effectRef idx="0">
-              <a:schemeClr val="accent1"/>
-            </a:effectRef>
-            <a:fontRef idx="minor">
-              <a:schemeClr val="lt1"/>
-            </a:fontRef>
-          </p:style>
-          <p:txBody>
-            <a:bodyPr rtlCol="0" anchor="ctr"/>
-            <a:lstStyle/>
-            <a:p>
-              <a:pPr algn="ctr"/>
-              <a:endParaRPr lang="ru-RU"/>
-            </a:p>
-          </p:txBody>
-        </p:sp>
-        <p:sp>
-          <p:nvSpPr>
-            <p:cNvPr id="20" name="Левая фигурная скобка 19"/>
-            <p:cNvSpPr/>
-            <p:nvPr/>
-          </p:nvSpPr>
-          <p:spPr>
-            <a:xfrm>
-              <a:off x="3121475" y="4201039"/>
-              <a:ext cx="276225" cy="1533820"/>
-            </a:xfrm>
-            <a:prstGeom prst="leftBrace">
-              <a:avLst>
-                <a:gd name="adj1" fmla="val 35919"/>
-                <a:gd name="adj2" fmla="val 50629"/>
-              </a:avLst>
-            </a:prstGeom>
-            <a:ln w="28575">
-              <a:solidFill>
-                <a:srgbClr val="0070C0"/>
-              </a:solidFill>
-            </a:ln>
-          </p:spPr>
-          <p:style>
-            <a:lnRef idx="1">
-              <a:schemeClr val="accent1"/>
-            </a:lnRef>
-            <a:fillRef idx="0">
-              <a:schemeClr val="accent1"/>
-            </a:fillRef>
-            <a:effectRef idx="0">
-              <a:schemeClr val="accent1"/>
-            </a:effectRef>
-            <a:fontRef idx="minor">
-              <a:schemeClr val="tx1"/>
-            </a:fontRef>
-          </p:style>
-          <p:txBody>
-            <a:bodyPr rtlCol="0" anchor="ctr"/>
-            <a:lstStyle/>
-            <a:p>
-              <a:pPr algn="ctr"/>
-              <a:endParaRPr lang="ru-RU" sz="1100">
-                <a:latin typeface="Times New Roman" panose="02020603050405020304" pitchFamily="18" charset="0"/>
-                <a:cs typeface="Times New Roman" panose="02020603050405020304" pitchFamily="18" charset="0"/>
-              </a:endParaRPr>
-            </a:p>
-          </p:txBody>
-        </p:sp>
-        <p:cxnSp>
-          <p:nvCxnSpPr>
-            <p:cNvPr id="21" name="Прямая со стрелкой 20"/>
-            <p:cNvCxnSpPr/>
-            <p:nvPr/>
-          </p:nvCxnSpPr>
-          <p:spPr>
-            <a:xfrm flipH="1" flipV="1">
-              <a:off x="3664405" y="4807662"/>
-              <a:ext cx="392563" cy="4633"/>
-            </a:xfrm>
-            <a:prstGeom prst="straightConnector1">
-              <a:avLst/>
-            </a:prstGeom>
-            <a:ln w="6350">
-              <a:solidFill>
-                <a:schemeClr val="tx1"/>
-              </a:solidFill>
-              <a:tailEnd type="stealth" w="med" len="med"/>
-            </a:ln>
-          </p:spPr>
-          <p:style>
-            <a:lnRef idx="1">
-              <a:schemeClr val="accent1"/>
-            </a:lnRef>
-            <a:fillRef idx="0">
-              <a:schemeClr val="accent1"/>
-            </a:fillRef>
-            <a:effectRef idx="0">
-              <a:schemeClr val="accent1"/>
-            </a:effectRef>
-            <a:fontRef idx="minor">
-              <a:schemeClr val="tx1"/>
-            </a:fontRef>
-          </p:style>
-        </p:cxnSp>
-        <p:sp>
-          <p:nvSpPr>
-            <p:cNvPr id="22" name="TextBox 21"/>
-            <p:cNvSpPr txBox="1"/>
-            <p:nvPr/>
-          </p:nvSpPr>
-          <p:spPr>
-            <a:xfrm>
-              <a:off x="962018" y="4207497"/>
-              <a:ext cx="2070332" cy="600164"/>
-            </a:xfrm>
-            <a:prstGeom prst="rect">
-              <a:avLst/>
-            </a:prstGeom>
-            <a:noFill/>
-          </p:spPr>
-          <p:txBody>
-            <a:bodyPr wrap="square" rtlCol="0">
-              <a:spAutoFit/>
-            </a:bodyPr>
-            <a:lstStyle/>
-            <a:p>
-              <a:r>
-                <a:rPr lang="ru-RU" sz="1100" dirty="0">
-                  <a:latin typeface="Times New Roman" panose="02020603050405020304" pitchFamily="18" charset="0"/>
-                  <a:cs typeface="Times New Roman" panose="02020603050405020304" pitchFamily="18" charset="0"/>
-                </a:rPr>
-                <a:t>Перетащите цветовую шкалу вверх или вниз для подстройки диапазона значений</a:t>
-              </a:r>
-            </a:p>
-          </p:txBody>
-        </p:sp>
-        <p:sp>
-          <p:nvSpPr>
-            <p:cNvPr id="23" name="TextBox 22"/>
-            <p:cNvSpPr txBox="1"/>
-            <p:nvPr/>
-          </p:nvSpPr>
-          <p:spPr>
-            <a:xfrm>
-              <a:off x="961344" y="5134695"/>
-              <a:ext cx="2181225" cy="600164"/>
-            </a:xfrm>
-            <a:prstGeom prst="rect">
-              <a:avLst/>
-            </a:prstGeom>
-            <a:noFill/>
-          </p:spPr>
-          <p:txBody>
-            <a:bodyPr wrap="square" rtlCol="0">
-              <a:spAutoFit/>
-            </a:bodyPr>
-            <a:lstStyle/>
-            <a:p>
-              <a:r>
-                <a:rPr lang="ru-RU" sz="1100" dirty="0">
-                  <a:latin typeface="Times New Roman" panose="02020603050405020304" pitchFamily="18" charset="0"/>
-                  <a:cs typeface="Times New Roman" panose="02020603050405020304" pitchFamily="18" charset="0"/>
-                </a:rPr>
-                <a:t>Колесом мыши можно расширить или сузить диапазон отображаемых значений </a:t>
-              </a:r>
-            </a:p>
-          </p:txBody>
-        </p:sp>
-        <p:sp>
-          <p:nvSpPr>
-            <p:cNvPr id="24" name="TextBox 23"/>
-            <p:cNvSpPr txBox="1"/>
-            <p:nvPr/>
-          </p:nvSpPr>
-          <p:spPr>
-            <a:xfrm>
-              <a:off x="4078063" y="4422941"/>
-              <a:ext cx="1475697" cy="769441"/>
-            </a:xfrm>
-            <a:prstGeom prst="rect">
-              <a:avLst/>
-            </a:prstGeom>
-            <a:noFill/>
-          </p:spPr>
-          <p:txBody>
-            <a:bodyPr wrap="square" rtlCol="0">
-              <a:spAutoFit/>
-            </a:bodyPr>
-            <a:lstStyle/>
-            <a:p>
-              <a:r>
-                <a:rPr lang="ru-RU" sz="1100" dirty="0">
-                  <a:latin typeface="Times New Roman" panose="02020603050405020304" pitchFamily="18" charset="0"/>
-                  <a:cs typeface="Times New Roman" panose="02020603050405020304" pitchFamily="18" charset="0"/>
-                </a:rPr>
-                <a:t>Двойной клик по шкале позволит сменить цветовую схему</a:t>
-              </a:r>
-            </a:p>
-          </p:txBody>
-        </p:sp>
-      </p:grpSp>
-    </p:spTree>
-    <p:extLst>
-      <p:ext uri="{BB962C8B-B14F-4D97-AF65-F5344CB8AC3E}">
-        <p14:creationId xmlns:p14="http://schemas.microsoft.com/office/powerpoint/2010/main" val="3079276374"/>
-      </p:ext>
-    </p:extLst>
-  </p:cSld>
-  <p:clrMapOvr>
-    <a:masterClrMapping/>
-  </p:clrMapOvr>
-</p:sld>
-</file>
-
-<file path=ppt/slides/slide8.xml><?xml version="1.0" encoding="utf-8"?>
-<p:sld xmlns:a="http://schemas.openxmlformats.org/drawingml/2006/main" xmlns:r="http://schemas.openxmlformats.org/officeDocument/2006/relationships" xmlns:p="http://schemas.openxmlformats.org/presentationml/2006/main">
-  <p:cSld>
-    <p:spTree>
-      <p:nvGrpSpPr>
-        <p:cNvPr id="1" name=""/>
-        <p:cNvGrpSpPr/>
-        <p:nvPr/>
-      </p:nvGrpSpPr>
-      <p:grpSpPr>
-        <a:xfrm>
-          <a:off x="0" y="0"/>
-          <a:ext cx="0" cy="0"/>
-          <a:chOff x="0" y="0"/>
-          <a:chExt cx="0" cy="0"/>
-        </a:xfrm>
-      </p:grpSpPr>
-      <p:grpSp>
-        <p:nvGrpSpPr>
-          <p:cNvPr id="71" name="Группа 70"/>
-          <p:cNvGrpSpPr/>
-          <p:nvPr/>
-        </p:nvGrpSpPr>
-        <p:grpSpPr>
-          <a:xfrm>
-            <a:off x="1430642" y="2557580"/>
-            <a:ext cx="4152335" cy="2573380"/>
-            <a:chOff x="1430642" y="2557580"/>
-            <a:chExt cx="4152335" cy="2573380"/>
-          </a:xfrm>
-        </p:grpSpPr>
-        <p:cxnSp>
-          <p:nvCxnSpPr>
-            <p:cNvPr id="5" name="Прямая соединительная линия 4"/>
-            <p:cNvCxnSpPr/>
-            <p:nvPr/>
-          </p:nvCxnSpPr>
-          <p:spPr>
-            <a:xfrm>
-              <a:off x="2061029" y="3099707"/>
-              <a:ext cx="3096000" cy="0"/>
-            </a:xfrm>
-            <a:prstGeom prst="line">
-              <a:avLst/>
-            </a:prstGeom>
-            <a:ln>
-              <a:solidFill>
-                <a:schemeClr val="tx1"/>
-              </a:solidFill>
-              <a:headEnd type="none" w="med" len="med"/>
-              <a:tailEnd type="stealth" w="med" len="med"/>
-            </a:ln>
-          </p:spPr>
-          <p:style>
-            <a:lnRef idx="1">
-              <a:schemeClr val="accent1"/>
-            </a:lnRef>
-            <a:fillRef idx="0">
-              <a:schemeClr val="accent1"/>
-            </a:fillRef>
-            <a:effectRef idx="0">
-              <a:schemeClr val="accent1"/>
-            </a:effectRef>
-            <a:fontRef idx="minor">
-              <a:schemeClr val="tx1"/>
-            </a:fontRef>
-          </p:style>
-        </p:cxnSp>
-        <p:sp>
-          <p:nvSpPr>
-            <p:cNvPr id="6" name="Овал 5"/>
-            <p:cNvSpPr/>
-            <p:nvPr/>
-          </p:nvSpPr>
-          <p:spPr>
-            <a:xfrm>
-              <a:off x="2366011" y="3076847"/>
-              <a:ext cx="45719" cy="45720"/>
-            </a:xfrm>
-            <a:prstGeom prst="ellipse">
-              <a:avLst/>
-            </a:prstGeom>
-            <a:solidFill>
-              <a:schemeClr val="accent1">
-                <a:lumMod val="75000"/>
-              </a:schemeClr>
-            </a:solidFill>
-          </p:spPr>
-          <p:style>
-            <a:lnRef idx="2">
-              <a:schemeClr val="accent1">
-                <a:shade val="50000"/>
-              </a:schemeClr>
-            </a:lnRef>
-            <a:fillRef idx="1">
-              <a:schemeClr val="accent1"/>
-            </a:fillRef>
-            <a:effectRef idx="0">
-              <a:schemeClr val="accent1"/>
-            </a:effectRef>
-            <a:fontRef idx="minor">
-              <a:schemeClr val="lt1"/>
-            </a:fontRef>
-          </p:style>
-          <p:txBody>
-            <a:bodyPr rtlCol="0" anchor="ctr"/>
-            <a:lstStyle/>
-            <a:p>
-              <a:pPr algn="ctr"/>
-              <a:endParaRPr lang="ru-RU" sz="1200"/>
-            </a:p>
-          </p:txBody>
-        </p:sp>
-        <p:sp>
-          <p:nvSpPr>
-            <p:cNvPr id="27" name="Овал 26"/>
-            <p:cNvSpPr/>
-            <p:nvPr/>
-          </p:nvSpPr>
-          <p:spPr>
-            <a:xfrm>
-              <a:off x="3161212" y="3076847"/>
-              <a:ext cx="45719" cy="45720"/>
-            </a:xfrm>
-            <a:prstGeom prst="ellipse">
-              <a:avLst/>
-            </a:prstGeom>
-            <a:solidFill>
-              <a:schemeClr val="accent1">
-                <a:lumMod val="75000"/>
-              </a:schemeClr>
-            </a:solidFill>
-          </p:spPr>
-          <p:style>
-            <a:lnRef idx="2">
-              <a:schemeClr val="accent1">
-                <a:shade val="50000"/>
-              </a:schemeClr>
-            </a:lnRef>
-            <a:fillRef idx="1">
-              <a:schemeClr val="accent1"/>
-            </a:fillRef>
-            <a:effectRef idx="0">
-              <a:schemeClr val="accent1"/>
-            </a:effectRef>
-            <a:fontRef idx="minor">
-              <a:schemeClr val="lt1"/>
-            </a:fontRef>
-          </p:style>
-          <p:txBody>
-            <a:bodyPr rtlCol="0" anchor="ctr"/>
-            <a:lstStyle/>
-            <a:p>
-              <a:pPr algn="ctr"/>
-              <a:endParaRPr lang="ru-RU" sz="1200"/>
-            </a:p>
-          </p:txBody>
-        </p:sp>
-        <p:sp>
-          <p:nvSpPr>
-            <p:cNvPr id="28" name="Овал 27"/>
-            <p:cNvSpPr/>
-            <p:nvPr/>
-          </p:nvSpPr>
-          <p:spPr>
-            <a:xfrm>
-              <a:off x="3956413" y="3073785"/>
-              <a:ext cx="45719" cy="45720"/>
-            </a:xfrm>
-            <a:prstGeom prst="ellipse">
-              <a:avLst/>
-            </a:prstGeom>
-            <a:solidFill>
-              <a:schemeClr val="accent1">
-                <a:lumMod val="75000"/>
-              </a:schemeClr>
-            </a:solidFill>
-          </p:spPr>
-          <p:style>
-            <a:lnRef idx="2">
-              <a:schemeClr val="accent1">
-                <a:shade val="50000"/>
-              </a:schemeClr>
-            </a:lnRef>
-            <a:fillRef idx="1">
-              <a:schemeClr val="accent1"/>
-            </a:fillRef>
-            <a:effectRef idx="0">
-              <a:schemeClr val="accent1"/>
-            </a:effectRef>
-            <a:fontRef idx="minor">
-              <a:schemeClr val="lt1"/>
-            </a:fontRef>
-          </p:style>
-          <p:txBody>
-            <a:bodyPr rtlCol="0" anchor="ctr"/>
-            <a:lstStyle/>
-            <a:p>
-              <a:pPr algn="ctr"/>
-              <a:endParaRPr lang="ru-RU" sz="1200"/>
-            </a:p>
-          </p:txBody>
-        </p:sp>
-        <p:cxnSp>
-          <p:nvCxnSpPr>
-            <p:cNvPr id="30" name="Прямая соединительная линия 29"/>
-            <p:cNvCxnSpPr/>
-            <p:nvPr/>
-          </p:nvCxnSpPr>
-          <p:spPr>
-            <a:xfrm>
-              <a:off x="2061029" y="3956957"/>
-              <a:ext cx="3096000" cy="0"/>
-            </a:xfrm>
-            <a:prstGeom prst="line">
-              <a:avLst/>
-            </a:prstGeom>
-            <a:ln>
-              <a:solidFill>
-                <a:schemeClr val="tx1"/>
-              </a:solidFill>
-              <a:headEnd type="none" w="med" len="med"/>
-              <a:tailEnd type="stealth" w="med" len="med"/>
-            </a:ln>
-          </p:spPr>
-          <p:style>
-            <a:lnRef idx="1">
-              <a:schemeClr val="accent1"/>
-            </a:lnRef>
-            <a:fillRef idx="0">
-              <a:schemeClr val="accent1"/>
-            </a:fillRef>
-            <a:effectRef idx="0">
-              <a:schemeClr val="accent1"/>
-            </a:effectRef>
-            <a:fontRef idx="minor">
-              <a:schemeClr val="tx1"/>
-            </a:fontRef>
-          </p:style>
-        </p:cxnSp>
-        <p:sp>
-          <p:nvSpPr>
-            <p:cNvPr id="31" name="Овал 30"/>
-            <p:cNvSpPr/>
-            <p:nvPr/>
-          </p:nvSpPr>
-          <p:spPr>
-            <a:xfrm>
-              <a:off x="2366011" y="3934097"/>
-              <a:ext cx="45719" cy="45720"/>
-            </a:xfrm>
-            <a:prstGeom prst="ellipse">
-              <a:avLst/>
-            </a:prstGeom>
-            <a:solidFill>
-              <a:schemeClr val="accent1">
-                <a:lumMod val="75000"/>
-              </a:schemeClr>
-            </a:solidFill>
-          </p:spPr>
-          <p:style>
-            <a:lnRef idx="2">
-              <a:schemeClr val="accent1">
-                <a:shade val="50000"/>
-              </a:schemeClr>
-            </a:lnRef>
-            <a:fillRef idx="1">
-              <a:schemeClr val="accent1"/>
-            </a:fillRef>
-            <a:effectRef idx="0">
-              <a:schemeClr val="accent1"/>
-            </a:effectRef>
-            <a:fontRef idx="minor">
-              <a:schemeClr val="lt1"/>
-            </a:fontRef>
-          </p:style>
-          <p:txBody>
-            <a:bodyPr rtlCol="0" anchor="ctr"/>
-            <a:lstStyle/>
-            <a:p>
-              <a:pPr algn="ctr"/>
-              <a:endParaRPr lang="ru-RU" sz="1200"/>
-            </a:p>
-          </p:txBody>
-        </p:sp>
-        <p:sp>
-          <p:nvSpPr>
-            <p:cNvPr id="32" name="Овал 31"/>
-            <p:cNvSpPr/>
-            <p:nvPr/>
-          </p:nvSpPr>
-          <p:spPr>
-            <a:xfrm>
-              <a:off x="3161212" y="3934097"/>
-              <a:ext cx="45719" cy="45720"/>
-            </a:xfrm>
-            <a:prstGeom prst="ellipse">
-              <a:avLst/>
-            </a:prstGeom>
-            <a:solidFill>
-              <a:schemeClr val="accent1">
-                <a:lumMod val="75000"/>
-              </a:schemeClr>
-            </a:solidFill>
-          </p:spPr>
-          <p:style>
-            <a:lnRef idx="2">
-              <a:schemeClr val="accent1">
-                <a:shade val="50000"/>
-              </a:schemeClr>
-            </a:lnRef>
-            <a:fillRef idx="1">
-              <a:schemeClr val="accent1"/>
-            </a:fillRef>
-            <a:effectRef idx="0">
-              <a:schemeClr val="accent1"/>
-            </a:effectRef>
-            <a:fontRef idx="minor">
-              <a:schemeClr val="lt1"/>
-            </a:fontRef>
-          </p:style>
-          <p:txBody>
-            <a:bodyPr rtlCol="0" anchor="ctr"/>
-            <a:lstStyle/>
-            <a:p>
-              <a:pPr algn="ctr"/>
-              <a:endParaRPr lang="ru-RU" sz="1200"/>
-            </a:p>
-          </p:txBody>
-        </p:sp>
-        <p:sp>
-          <p:nvSpPr>
-            <p:cNvPr id="33" name="Овал 32"/>
-            <p:cNvSpPr/>
-            <p:nvPr/>
-          </p:nvSpPr>
-          <p:spPr>
-            <a:xfrm>
-              <a:off x="3950443" y="3933076"/>
-              <a:ext cx="45719" cy="45720"/>
-            </a:xfrm>
-            <a:prstGeom prst="ellipse">
-              <a:avLst/>
-            </a:prstGeom>
-            <a:solidFill>
-              <a:schemeClr val="accent1">
-                <a:lumMod val="75000"/>
-              </a:schemeClr>
-            </a:solidFill>
-          </p:spPr>
-          <p:style>
-            <a:lnRef idx="2">
-              <a:schemeClr val="accent1">
-                <a:shade val="50000"/>
-              </a:schemeClr>
-            </a:lnRef>
-            <a:fillRef idx="1">
-              <a:schemeClr val="accent1"/>
-            </a:fillRef>
-            <a:effectRef idx="0">
-              <a:schemeClr val="accent1"/>
-            </a:effectRef>
-            <a:fontRef idx="minor">
-              <a:schemeClr val="lt1"/>
-            </a:fontRef>
-          </p:style>
-          <p:txBody>
-            <a:bodyPr rtlCol="0" anchor="ctr"/>
-            <a:lstStyle/>
-            <a:p>
-              <a:pPr algn="ctr"/>
-              <a:endParaRPr lang="ru-RU" sz="1200"/>
-            </a:p>
-          </p:txBody>
-        </p:sp>
-        <p:sp>
-          <p:nvSpPr>
-            <p:cNvPr id="7" name="Правая фигурная скобка 6"/>
-            <p:cNvSpPr/>
-            <p:nvPr/>
-          </p:nvSpPr>
-          <p:spPr>
-            <a:xfrm rot="16200000">
-              <a:off x="2685689" y="2558144"/>
-              <a:ext cx="196488" cy="795199"/>
-            </a:xfrm>
-            <a:prstGeom prst="rightBrace">
-              <a:avLst>
-                <a:gd name="adj1" fmla="val 46347"/>
-                <a:gd name="adj2" fmla="val 50000"/>
-              </a:avLst>
-            </a:prstGeom>
-            <a:ln w="9525">
-              <a:solidFill>
-                <a:schemeClr val="tx1"/>
-              </a:solidFill>
-            </a:ln>
-          </p:spPr>
-          <p:style>
-            <a:lnRef idx="1">
-              <a:schemeClr val="accent1"/>
-            </a:lnRef>
-            <a:fillRef idx="0">
-              <a:schemeClr val="accent1"/>
-            </a:fillRef>
-            <a:effectRef idx="0">
-              <a:schemeClr val="accent1"/>
-            </a:effectRef>
-            <a:fontRef idx="minor">
-              <a:schemeClr val="tx1"/>
-            </a:fontRef>
-          </p:style>
-          <p:txBody>
-            <a:bodyPr rtlCol="0" anchor="ctr"/>
-            <a:lstStyle/>
-            <a:p>
-              <a:pPr algn="ctr"/>
-              <a:endParaRPr lang="ru-RU" sz="1200"/>
-            </a:p>
-          </p:txBody>
-        </p:sp>
-        <p:sp>
-          <p:nvSpPr>
-            <p:cNvPr id="11" name="TextBox 10"/>
-            <p:cNvSpPr txBox="1"/>
-            <p:nvPr/>
-          </p:nvSpPr>
-          <p:spPr>
-            <a:xfrm>
-              <a:off x="2120900" y="3136141"/>
-              <a:ext cx="577850" cy="276999"/>
-            </a:xfrm>
-            <a:prstGeom prst="rect">
-              <a:avLst/>
-            </a:prstGeom>
-            <a:noFill/>
-          </p:spPr>
-          <p:txBody>
-            <a:bodyPr wrap="square" rtlCol="0">
-              <a:spAutoFit/>
-            </a:bodyPr>
-            <a:lstStyle/>
-            <a:p>
-              <a:pPr algn="ctr"/>
-              <a:r>
-                <a:rPr lang="en-US" sz="1200" dirty="0">
-                  <a:latin typeface="Times New Roman" panose="02020603050405020304" pitchFamily="18" charset="0"/>
-                  <a:cs typeface="Times New Roman" panose="02020603050405020304" pitchFamily="18" charset="0"/>
-                </a:rPr>
-                <a:t>i-1</a:t>
-              </a:r>
-              <a:endParaRPr lang="ru-RU" sz="1200" dirty="0">
-                <a:latin typeface="Times New Roman" panose="02020603050405020304" pitchFamily="18" charset="0"/>
-                <a:cs typeface="Times New Roman" panose="02020603050405020304" pitchFamily="18" charset="0"/>
-              </a:endParaRPr>
-            </a:p>
-          </p:txBody>
-        </p:sp>
-        <p:sp>
-          <p:nvSpPr>
-            <p:cNvPr id="38" name="TextBox 37"/>
-            <p:cNvSpPr txBox="1"/>
-            <p:nvPr/>
-          </p:nvSpPr>
-          <p:spPr>
-            <a:xfrm>
-              <a:off x="2892608" y="3143312"/>
-              <a:ext cx="577850" cy="276999"/>
-            </a:xfrm>
-            <a:prstGeom prst="rect">
-              <a:avLst/>
-            </a:prstGeom>
-            <a:noFill/>
-          </p:spPr>
-          <p:txBody>
-            <a:bodyPr wrap="square" rtlCol="0">
-              <a:spAutoFit/>
-            </a:bodyPr>
-            <a:lstStyle/>
-            <a:p>
-              <a:pPr algn="ctr"/>
-              <a:r>
-                <a:rPr lang="en-US" sz="1200" dirty="0" err="1">
-                  <a:latin typeface="Times New Roman" panose="02020603050405020304" pitchFamily="18" charset="0"/>
-                  <a:cs typeface="Times New Roman" panose="02020603050405020304" pitchFamily="18" charset="0"/>
-                </a:rPr>
-                <a:t>i</a:t>
-              </a:r>
-              <a:endParaRPr lang="ru-RU" sz="1200" dirty="0">
-                <a:latin typeface="Times New Roman" panose="02020603050405020304" pitchFamily="18" charset="0"/>
-                <a:cs typeface="Times New Roman" panose="02020603050405020304" pitchFamily="18" charset="0"/>
-              </a:endParaRPr>
-            </a:p>
-          </p:txBody>
-        </p:sp>
-        <p:sp>
-          <p:nvSpPr>
-            <p:cNvPr id="39" name="TextBox 38"/>
-            <p:cNvSpPr txBox="1"/>
-            <p:nvPr/>
-          </p:nvSpPr>
-          <p:spPr>
-            <a:xfrm>
-              <a:off x="3664316" y="3143312"/>
-              <a:ext cx="577850" cy="276999"/>
-            </a:xfrm>
-            <a:prstGeom prst="rect">
-              <a:avLst/>
-            </a:prstGeom>
-            <a:noFill/>
-          </p:spPr>
-          <p:txBody>
-            <a:bodyPr wrap="square" rtlCol="0">
-              <a:spAutoFit/>
-            </a:bodyPr>
-            <a:lstStyle/>
-            <a:p>
-              <a:pPr algn="ctr"/>
-              <a:r>
-                <a:rPr lang="en-US" sz="1200" dirty="0">
-                  <a:latin typeface="Times New Roman" panose="02020603050405020304" pitchFamily="18" charset="0"/>
-                  <a:cs typeface="Times New Roman" panose="02020603050405020304" pitchFamily="18" charset="0"/>
-                </a:rPr>
-                <a:t>i+1</a:t>
-              </a:r>
-              <a:endParaRPr lang="ru-RU" sz="1200" dirty="0">
-                <a:latin typeface="Times New Roman" panose="02020603050405020304" pitchFamily="18" charset="0"/>
-                <a:cs typeface="Times New Roman" panose="02020603050405020304" pitchFamily="18" charset="0"/>
-              </a:endParaRPr>
-            </a:p>
-          </p:txBody>
-        </p:sp>
-        <p:sp>
-          <p:nvSpPr>
-            <p:cNvPr id="40" name="Овал 39"/>
-            <p:cNvSpPr/>
-            <p:nvPr/>
-          </p:nvSpPr>
-          <p:spPr>
-            <a:xfrm>
-              <a:off x="2746563" y="3933416"/>
-              <a:ext cx="45719" cy="45720"/>
-            </a:xfrm>
-            <a:prstGeom prst="ellipse">
-              <a:avLst/>
-            </a:prstGeom>
-            <a:solidFill>
-              <a:srgbClr val="FF0000"/>
-            </a:solidFill>
-            <a:ln>
-              <a:solidFill>
-                <a:srgbClr val="FF0000"/>
-              </a:solidFill>
-            </a:ln>
-          </p:spPr>
-          <p:style>
-            <a:lnRef idx="2">
-              <a:schemeClr val="accent1">
-                <a:shade val="50000"/>
-              </a:schemeClr>
-            </a:lnRef>
-            <a:fillRef idx="1">
-              <a:schemeClr val="accent1"/>
-            </a:fillRef>
-            <a:effectRef idx="0">
-              <a:schemeClr val="accent1"/>
-            </a:effectRef>
-            <a:fontRef idx="minor">
-              <a:schemeClr val="lt1"/>
-            </a:fontRef>
-          </p:style>
-          <p:txBody>
-            <a:bodyPr rtlCol="0" anchor="ctr"/>
-            <a:lstStyle/>
-            <a:p>
-              <a:pPr algn="ctr"/>
-              <a:endParaRPr lang="ru-RU" sz="1200"/>
-            </a:p>
-          </p:txBody>
-        </p:sp>
-        <p:sp>
-          <p:nvSpPr>
-            <p:cNvPr id="43" name="Овал 42"/>
-            <p:cNvSpPr/>
-            <p:nvPr/>
-          </p:nvSpPr>
-          <p:spPr>
-            <a:xfrm>
-              <a:off x="3015610" y="3934437"/>
-              <a:ext cx="45719" cy="45720"/>
-            </a:xfrm>
-            <a:prstGeom prst="ellipse">
-              <a:avLst/>
-            </a:prstGeom>
-            <a:solidFill>
-              <a:srgbClr val="FF0000"/>
-            </a:solidFill>
-            <a:ln>
-              <a:solidFill>
-                <a:srgbClr val="FF0000"/>
-              </a:solidFill>
-            </a:ln>
-          </p:spPr>
-          <p:style>
-            <a:lnRef idx="2">
-              <a:schemeClr val="accent1">
-                <a:shade val="50000"/>
-              </a:schemeClr>
-            </a:lnRef>
-            <a:fillRef idx="1">
-              <a:schemeClr val="accent1"/>
-            </a:fillRef>
-            <a:effectRef idx="0">
-              <a:schemeClr val="accent1"/>
-            </a:effectRef>
-            <a:fontRef idx="minor">
-              <a:schemeClr val="lt1"/>
-            </a:fontRef>
-          </p:style>
-          <p:txBody>
-            <a:bodyPr rtlCol="0" anchor="ctr"/>
-            <a:lstStyle/>
-            <a:p>
-              <a:pPr algn="ctr"/>
-              <a:endParaRPr lang="ru-RU" sz="1200"/>
-            </a:p>
-          </p:txBody>
-        </p:sp>
-        <p:sp>
-          <p:nvSpPr>
-            <p:cNvPr id="46" name="Овал 45"/>
-            <p:cNvSpPr/>
-            <p:nvPr/>
-          </p:nvSpPr>
-          <p:spPr>
-            <a:xfrm>
-              <a:off x="3535794" y="3933076"/>
-              <a:ext cx="45719" cy="45720"/>
-            </a:xfrm>
-            <a:prstGeom prst="ellipse">
-              <a:avLst/>
-            </a:prstGeom>
-            <a:solidFill>
-              <a:srgbClr val="FF0000"/>
-            </a:solidFill>
-            <a:ln>
-              <a:solidFill>
-                <a:srgbClr val="FF0000"/>
-              </a:solidFill>
-            </a:ln>
-          </p:spPr>
-          <p:style>
-            <a:lnRef idx="2">
-              <a:schemeClr val="accent1">
-                <a:shade val="50000"/>
-              </a:schemeClr>
-            </a:lnRef>
-            <a:fillRef idx="1">
-              <a:schemeClr val="accent1"/>
-            </a:fillRef>
-            <a:effectRef idx="0">
-              <a:schemeClr val="accent1"/>
-            </a:effectRef>
-            <a:fontRef idx="minor">
-              <a:schemeClr val="lt1"/>
-            </a:fontRef>
-          </p:style>
-          <p:txBody>
-            <a:bodyPr rtlCol="0" anchor="ctr"/>
-            <a:lstStyle/>
-            <a:p>
-              <a:pPr algn="ctr"/>
-              <a:endParaRPr lang="ru-RU" sz="1200"/>
-            </a:p>
-          </p:txBody>
-        </p:sp>
-        <p:sp>
-          <p:nvSpPr>
-            <p:cNvPr id="47" name="Овал 46"/>
-            <p:cNvSpPr/>
-            <p:nvPr/>
-          </p:nvSpPr>
-          <p:spPr>
-            <a:xfrm>
-              <a:off x="3804841" y="3934097"/>
-              <a:ext cx="45719" cy="45720"/>
-            </a:xfrm>
-            <a:prstGeom prst="ellipse">
-              <a:avLst/>
-            </a:prstGeom>
-            <a:solidFill>
-              <a:srgbClr val="FF0000"/>
-            </a:solidFill>
-            <a:ln>
-              <a:solidFill>
-                <a:srgbClr val="FF0000"/>
-              </a:solidFill>
-            </a:ln>
-          </p:spPr>
-          <p:style>
-            <a:lnRef idx="2">
-              <a:schemeClr val="accent1">
-                <a:shade val="50000"/>
-              </a:schemeClr>
-            </a:lnRef>
-            <a:fillRef idx="1">
-              <a:schemeClr val="accent1"/>
-            </a:fillRef>
-            <a:effectRef idx="0">
-              <a:schemeClr val="accent1"/>
-            </a:effectRef>
-            <a:fontRef idx="minor">
-              <a:schemeClr val="lt1"/>
-            </a:fontRef>
-          </p:style>
-          <p:txBody>
-            <a:bodyPr rtlCol="0" anchor="ctr"/>
-            <a:lstStyle/>
-            <a:p>
-              <a:pPr algn="ctr"/>
-              <a:endParaRPr lang="ru-RU" sz="1200"/>
-            </a:p>
-          </p:txBody>
-        </p:sp>
-        <p:sp>
-          <p:nvSpPr>
-            <p:cNvPr id="14" name="TextBox 13"/>
-            <p:cNvSpPr txBox="1"/>
-            <p:nvPr/>
-          </p:nvSpPr>
-          <p:spPr>
-            <a:xfrm>
-              <a:off x="2610033" y="2557580"/>
-              <a:ext cx="387167" cy="276999"/>
-            </a:xfrm>
-            <a:prstGeom prst="rect">
-              <a:avLst/>
-            </a:prstGeom>
-            <a:noFill/>
-          </p:spPr>
-          <p:txBody>
-            <a:bodyPr wrap="square" rtlCol="0">
-              <a:spAutoFit/>
-            </a:bodyPr>
-            <a:lstStyle/>
-            <a:p>
-              <a:pPr algn="ctr"/>
-              <a:r>
-                <a:rPr lang="ru-RU" sz="1200" dirty="0">
-                  <a:latin typeface="Times New Roman" panose="02020603050405020304" pitchFamily="18" charset="0"/>
-                  <a:cs typeface="Times New Roman" panose="02020603050405020304" pitchFamily="18" charset="0"/>
-                </a:rPr>
-                <a:t>∆</a:t>
-              </a:r>
-              <a:r>
-                <a:rPr lang="en-US" sz="1200" baseline="-25000" dirty="0">
-                  <a:latin typeface="Times New Roman" panose="02020603050405020304" pitchFamily="18" charset="0"/>
-                  <a:cs typeface="Times New Roman" panose="02020603050405020304" pitchFamily="18" charset="0"/>
-                </a:rPr>
-                <a:t>0</a:t>
-              </a:r>
-              <a:endParaRPr lang="ru-RU" sz="1200" dirty="0">
-                <a:latin typeface="Times New Roman" panose="02020603050405020304" pitchFamily="18" charset="0"/>
-                <a:cs typeface="Times New Roman" panose="02020603050405020304" pitchFamily="18" charset="0"/>
-              </a:endParaRPr>
-            </a:p>
-          </p:txBody>
-        </p:sp>
-        <p:sp>
-          <p:nvSpPr>
-            <p:cNvPr id="48" name="Правая фигурная скобка 47"/>
-            <p:cNvSpPr/>
-            <p:nvPr/>
-          </p:nvSpPr>
-          <p:spPr>
-            <a:xfrm rot="16200000">
-              <a:off x="2837774" y="3722045"/>
-              <a:ext cx="123453" cy="269056"/>
-            </a:xfrm>
-            <a:prstGeom prst="rightBrace">
-              <a:avLst>
-                <a:gd name="adj1" fmla="val 46347"/>
-                <a:gd name="adj2" fmla="val 50000"/>
-              </a:avLst>
-            </a:prstGeom>
-            <a:ln w="9525">
-              <a:solidFill>
-                <a:schemeClr val="tx1"/>
-              </a:solidFill>
-            </a:ln>
-          </p:spPr>
-          <p:style>
-            <a:lnRef idx="1">
-              <a:schemeClr val="accent1"/>
-            </a:lnRef>
-            <a:fillRef idx="0">
-              <a:schemeClr val="accent1"/>
-            </a:fillRef>
-            <a:effectRef idx="0">
-              <a:schemeClr val="accent1"/>
-            </a:effectRef>
-            <a:fontRef idx="minor">
-              <a:schemeClr val="tx1"/>
-            </a:fontRef>
-          </p:style>
-          <p:txBody>
-            <a:bodyPr rtlCol="0" anchor="ctr"/>
-            <a:lstStyle/>
-            <a:p>
-              <a:pPr algn="ctr"/>
-              <a:endParaRPr lang="ru-RU" sz="1200"/>
-            </a:p>
-          </p:txBody>
-        </p:sp>
-        <p:sp>
-          <p:nvSpPr>
-            <p:cNvPr id="49" name="TextBox 48"/>
-            <p:cNvSpPr txBox="1"/>
-            <p:nvPr/>
-          </p:nvSpPr>
-          <p:spPr>
-            <a:xfrm>
-              <a:off x="2746563" y="3533461"/>
-              <a:ext cx="333174" cy="276999"/>
-            </a:xfrm>
-            <a:prstGeom prst="rect">
-              <a:avLst/>
-            </a:prstGeom>
-            <a:noFill/>
-          </p:spPr>
-          <p:txBody>
-            <a:bodyPr wrap="square" rtlCol="0">
-              <a:spAutoFit/>
-            </a:bodyPr>
-            <a:lstStyle/>
-            <a:p>
-              <a:pPr algn="ctr"/>
-              <a:r>
-                <a:rPr lang="ru-RU" sz="1200" dirty="0">
-                  <a:latin typeface="Times New Roman" panose="02020603050405020304" pitchFamily="18" charset="0"/>
-                  <a:cs typeface="Times New Roman" panose="02020603050405020304" pitchFamily="18" charset="0"/>
-                </a:rPr>
-                <a:t>∆</a:t>
-              </a:r>
-              <a:r>
-                <a:rPr lang="en-US" sz="1200" baseline="-25000" dirty="0">
-                  <a:latin typeface="Times New Roman" panose="02020603050405020304" pitchFamily="18" charset="0"/>
-                  <a:cs typeface="Times New Roman" panose="02020603050405020304" pitchFamily="18" charset="0"/>
-                </a:rPr>
-                <a:t>1</a:t>
-              </a:r>
-              <a:endParaRPr lang="ru-RU" sz="1200" dirty="0">
-                <a:latin typeface="Times New Roman" panose="02020603050405020304" pitchFamily="18" charset="0"/>
-                <a:cs typeface="Times New Roman" panose="02020603050405020304" pitchFamily="18" charset="0"/>
-              </a:endParaRPr>
-            </a:p>
-          </p:txBody>
-        </p:sp>
-        <p:sp>
-          <p:nvSpPr>
-            <p:cNvPr id="50" name="Правая фигурная скобка 49"/>
-            <p:cNvSpPr/>
-            <p:nvPr/>
-          </p:nvSpPr>
-          <p:spPr>
-            <a:xfrm rot="5400000">
-              <a:off x="2513925" y="3862979"/>
-              <a:ext cx="123453" cy="378639"/>
-            </a:xfrm>
-            <a:prstGeom prst="rightBrace">
-              <a:avLst>
-                <a:gd name="adj1" fmla="val 46347"/>
-                <a:gd name="adj2" fmla="val 50000"/>
-              </a:avLst>
-            </a:prstGeom>
-            <a:ln w="9525">
-              <a:solidFill>
-                <a:schemeClr val="tx1"/>
-              </a:solidFill>
-            </a:ln>
-          </p:spPr>
-          <p:style>
-            <a:lnRef idx="1">
-              <a:schemeClr val="accent1"/>
-            </a:lnRef>
-            <a:fillRef idx="0">
-              <a:schemeClr val="accent1"/>
-            </a:fillRef>
-            <a:effectRef idx="0">
-              <a:schemeClr val="accent1"/>
-            </a:effectRef>
-            <a:fontRef idx="minor">
-              <a:schemeClr val="tx1"/>
-            </a:fontRef>
-          </p:style>
-          <p:txBody>
-            <a:bodyPr rtlCol="0" anchor="ctr"/>
-            <a:lstStyle/>
-            <a:p>
-              <a:pPr algn="ctr"/>
-              <a:endParaRPr lang="ru-RU" sz="1200"/>
-            </a:p>
-          </p:txBody>
-        </p:sp>
-        <p:sp>
-          <p:nvSpPr>
-            <p:cNvPr id="51" name="TextBox 50"/>
-            <p:cNvSpPr txBox="1"/>
-            <p:nvPr/>
-          </p:nvSpPr>
-          <p:spPr>
-            <a:xfrm>
-              <a:off x="2414908" y="4114025"/>
-              <a:ext cx="357055" cy="276999"/>
-            </a:xfrm>
-            <a:prstGeom prst="rect">
-              <a:avLst/>
-            </a:prstGeom>
-            <a:noFill/>
-          </p:spPr>
-          <p:txBody>
-            <a:bodyPr wrap="square" rtlCol="0">
-              <a:spAutoFit/>
-            </a:bodyPr>
-            <a:lstStyle/>
-            <a:p>
-              <a:pPr algn="ctr"/>
-              <a:r>
-                <a:rPr lang="ru-RU" sz="1200" dirty="0">
-                  <a:latin typeface="Times New Roman" panose="02020603050405020304" pitchFamily="18" charset="0"/>
-                  <a:cs typeface="Times New Roman" panose="02020603050405020304" pitchFamily="18" charset="0"/>
-                </a:rPr>
-                <a:t>∆</a:t>
-              </a:r>
-              <a:r>
-                <a:rPr lang="en-US" sz="1200" baseline="-25000" dirty="0">
-                  <a:latin typeface="Times New Roman" panose="02020603050405020304" pitchFamily="18" charset="0"/>
-                  <a:cs typeface="Times New Roman" panose="02020603050405020304" pitchFamily="18" charset="0"/>
-                </a:rPr>
-                <a:t>2</a:t>
-              </a:r>
-              <a:endParaRPr lang="ru-RU" sz="1200" dirty="0">
-                <a:latin typeface="Times New Roman" panose="02020603050405020304" pitchFamily="18" charset="0"/>
-                <a:cs typeface="Times New Roman" panose="02020603050405020304" pitchFamily="18" charset="0"/>
-              </a:endParaRPr>
-            </a:p>
-          </p:txBody>
-        </p:sp>
-        <mc:AlternateContent xmlns:mc="http://schemas.openxmlformats.org/markup-compatibility/2006" xmlns:a14="http://schemas.microsoft.com/office/drawing/2010/main">
-          <mc:Choice Requires="a14">
-            <p:sp>
-              <p:nvSpPr>
-                <p:cNvPr id="52" name="TextBox 51"/>
-                <p:cNvSpPr txBox="1"/>
-                <p:nvPr/>
-              </p:nvSpPr>
-              <p:spPr>
-                <a:xfrm>
-                  <a:off x="3533253" y="3454286"/>
-                  <a:ext cx="1349897" cy="420308"/>
-                </a:xfrm>
-                <a:prstGeom prst="rect">
-                  <a:avLst/>
-                </a:prstGeom>
-                <a:noFill/>
-              </p:spPr>
-              <p:txBody>
-                <a:bodyPr wrap="square" rtlCol="0">
-                  <a:spAutoFit/>
-                </a:bodyPr>
-                <a:lstStyle/>
-                <a:p>
-                  <a:pPr algn="ctr"/>
-                  <a:r>
-                    <a:rPr lang="ru-RU" sz="1200" dirty="0">
-                      <a:latin typeface="Times New Roman" panose="02020603050405020304" pitchFamily="18" charset="0"/>
-                      <a:cs typeface="Times New Roman" panose="02020603050405020304" pitchFamily="18" charset="0"/>
-                    </a:rPr>
-                    <a:t>∆</a:t>
-                  </a:r>
-                  <a:r>
-                    <a:rPr lang="en-US" sz="1200" baseline="-25000" dirty="0">
-                      <a:latin typeface="Times New Roman" panose="02020603050405020304" pitchFamily="18" charset="0"/>
-                      <a:cs typeface="Times New Roman" panose="02020603050405020304" pitchFamily="18" charset="0"/>
-                    </a:rPr>
-                    <a:t>1</a:t>
-                  </a:r>
-                  <a:r>
-                    <a:rPr lang="en-US" sz="1200" dirty="0">
-                      <a:latin typeface="Times New Roman" panose="02020603050405020304" pitchFamily="18" charset="0"/>
-                      <a:cs typeface="Times New Roman" panose="02020603050405020304" pitchFamily="18" charset="0"/>
-                    </a:rPr>
-                    <a:t>=</a:t>
-                  </a:r>
-                  <a14:m>
-                    <m:oMath xmlns:m="http://schemas.openxmlformats.org/officeDocument/2006/math">
-                      <m:f>
-                        <m:fPr>
-                          <m:ctrlPr>
-                            <a:rPr lang="en-US" sz="1200" i="1" smtClean="0">
-                              <a:latin typeface="Cambria Math" panose="02040503050406030204" pitchFamily="18" charset="0"/>
-                              <a:cs typeface="Times New Roman" panose="02020603050405020304" pitchFamily="18" charset="0"/>
-                            </a:rPr>
-                          </m:ctrlPr>
-                        </m:fPr>
-                        <m:num>
-                          <m:r>
-                            <m:rPr>
-                              <m:nor/>
-                            </m:rPr>
-                            <a:rPr lang="ru-RU" sz="1200" dirty="0">
-                              <a:latin typeface="Times New Roman" panose="02020603050405020304" pitchFamily="18" charset="0"/>
-                              <a:cs typeface="Times New Roman" panose="02020603050405020304" pitchFamily="18" charset="0"/>
-                            </a:rPr>
-                            <m:t>∆</m:t>
-                          </m:r>
-                          <m:r>
-                            <m:rPr>
-                              <m:nor/>
-                            </m:rPr>
-                            <a:rPr lang="en-US" sz="1200" baseline="-25000" dirty="0">
-                              <a:latin typeface="Times New Roman" panose="02020603050405020304" pitchFamily="18" charset="0"/>
-                              <a:cs typeface="Times New Roman" panose="02020603050405020304" pitchFamily="18" charset="0"/>
-                            </a:rPr>
-                            <m:t>0</m:t>
-                          </m:r>
-                        </m:num>
-                        <m:den>
-                          <m:r>
-                            <m:rPr>
-                              <m:nor/>
-                            </m:rPr>
-                            <a:rPr lang="en-US" sz="1200" dirty="0">
-                              <a:latin typeface="Times New Roman" panose="02020603050405020304" pitchFamily="18" charset="0"/>
-                              <a:cs typeface="Times New Roman" panose="02020603050405020304" pitchFamily="18" charset="0"/>
-                            </a:rPr>
-                            <m:t>density</m:t>
-                          </m:r>
-                          <m:r>
-                            <m:rPr>
-                              <m:nor/>
-                            </m:rPr>
-                            <a:rPr lang="en-US" sz="1200" b="0" i="0" dirty="0" smtClean="0">
-                              <a:latin typeface="Times New Roman" panose="02020603050405020304" pitchFamily="18" charset="0"/>
-                              <a:cs typeface="Times New Roman" panose="02020603050405020304" pitchFamily="18" charset="0"/>
-                            </a:rPr>
-                            <m:t> </m:t>
-                          </m:r>
-                          <m:r>
-                            <m:rPr>
-                              <m:nor/>
-                            </m:rPr>
-                            <a:rPr lang="en-US" sz="1200" b="0" i="0" dirty="0" smtClean="0">
-                              <a:latin typeface="Times New Roman" panose="02020603050405020304" pitchFamily="18" charset="0"/>
-                              <a:cs typeface="Times New Roman" panose="02020603050405020304" pitchFamily="18" charset="0"/>
-                            </a:rPr>
-                            <m:t>factor</m:t>
-                          </m:r>
-                          <m:r>
-                            <a:rPr lang="en-US" sz="1200" b="0" i="1" dirty="0" smtClean="0">
-                              <a:latin typeface="Cambria Math" panose="02040503050406030204" pitchFamily="18" charset="0"/>
-                              <a:cs typeface="Times New Roman" panose="02020603050405020304" pitchFamily="18" charset="0"/>
-                            </a:rPr>
-                            <m:t> </m:t>
-                          </m:r>
-                        </m:den>
-                      </m:f>
-                    </m:oMath>
-                  </a14:m>
-                  <a:endParaRPr lang="ru-RU" sz="1200" dirty="0">
-                    <a:latin typeface="Times New Roman" panose="02020603050405020304" pitchFamily="18" charset="0"/>
-                    <a:cs typeface="Times New Roman" panose="02020603050405020304" pitchFamily="18" charset="0"/>
-                  </a:endParaRPr>
-                </a:p>
-              </p:txBody>
-            </p:sp>
-          </mc:Choice>
-          <mc:Fallback xmlns="">
-            <p:sp>
-              <p:nvSpPr>
-                <p:cNvPr id="52" name="TextBox 51"/>
-                <p:cNvSpPr txBox="1">
-                  <a:spLocks noRot="1" noChangeAspect="1" noMove="1" noResize="1" noEditPoints="1" noAdjustHandles="1" noChangeArrowheads="1" noChangeShapeType="1" noTextEdit="1"/>
-                </p:cNvSpPr>
-                <p:nvPr/>
-              </p:nvSpPr>
-              <p:spPr>
-                <a:xfrm>
-                  <a:off x="3533253" y="3454286"/>
-                  <a:ext cx="1349897" cy="420308"/>
-                </a:xfrm>
-                <a:prstGeom prst="rect">
-                  <a:avLst/>
-                </a:prstGeom>
-                <a:blipFill>
-                  <a:blip r:embed="rId2"/>
-                  <a:stretch>
-                    <a:fillRect b="-4348"/>
-                  </a:stretch>
-                </a:blipFill>
-              </p:spPr>
-              <p:txBody>
-                <a:bodyPr/>
-                <a:lstStyle/>
-                <a:p>
-                  <a:r>
-                    <a:rPr lang="ru-RU">
-                      <a:noFill/>
-                    </a:rPr>
-                    <a:t> </a:t>
-                  </a:r>
-                </a:p>
-              </p:txBody>
-            </p:sp>
-          </mc:Fallback>
-        </mc:AlternateContent>
-        <p:sp>
-          <p:nvSpPr>
-            <p:cNvPr id="53" name="Правая фигурная скобка 52"/>
-            <p:cNvSpPr/>
-            <p:nvPr/>
-          </p:nvSpPr>
-          <p:spPr>
-            <a:xfrm rot="16200000">
-              <a:off x="3637303" y="3722413"/>
-              <a:ext cx="123453" cy="269056"/>
-            </a:xfrm>
-            <a:prstGeom prst="rightBrace">
-              <a:avLst>
-                <a:gd name="adj1" fmla="val 46347"/>
-                <a:gd name="adj2" fmla="val 50000"/>
-              </a:avLst>
-            </a:prstGeom>
-            <a:ln w="9525">
-              <a:solidFill>
-                <a:schemeClr val="tx1"/>
-              </a:solidFill>
-            </a:ln>
-          </p:spPr>
-          <p:style>
-            <a:lnRef idx="1">
-              <a:schemeClr val="accent1"/>
-            </a:lnRef>
-            <a:fillRef idx="0">
-              <a:schemeClr val="accent1"/>
-            </a:fillRef>
-            <a:effectRef idx="0">
-              <a:schemeClr val="accent1"/>
-            </a:effectRef>
-            <a:fontRef idx="minor">
-              <a:schemeClr val="tx1"/>
-            </a:fontRef>
-          </p:style>
-          <p:txBody>
-            <a:bodyPr rtlCol="0" anchor="ctr"/>
-            <a:lstStyle/>
-            <a:p>
-              <a:pPr algn="ctr"/>
-              <a:endParaRPr lang="ru-RU" sz="1200"/>
-            </a:p>
-          </p:txBody>
-        </p:sp>
-        <mc:AlternateContent xmlns:mc="http://schemas.openxmlformats.org/markup-compatibility/2006" xmlns:a14="http://schemas.microsoft.com/office/drawing/2010/main">
-          <mc:Choice Requires="a14">
-            <p:sp>
-              <p:nvSpPr>
-                <p:cNvPr id="55" name="TextBox 54"/>
-                <p:cNvSpPr txBox="1"/>
-                <p:nvPr/>
-              </p:nvSpPr>
-              <p:spPr>
-                <a:xfrm>
-                  <a:off x="3180014" y="4114025"/>
-                  <a:ext cx="1421684" cy="276999"/>
-                </a:xfrm>
-                <a:prstGeom prst="rect">
-                  <a:avLst/>
-                </a:prstGeom>
-                <a:noFill/>
-              </p:spPr>
-              <p:txBody>
-                <a:bodyPr wrap="square" rtlCol="0">
-                  <a:spAutoFit/>
-                </a:bodyPr>
-                <a:lstStyle/>
-                <a:p>
-                  <a:pPr algn="ctr"/>
-                  <a:r>
-                    <a:rPr lang="ru-RU" sz="1200" dirty="0">
-                      <a:latin typeface="Times New Roman" panose="02020603050405020304" pitchFamily="18" charset="0"/>
-                      <a:cs typeface="Times New Roman" panose="02020603050405020304" pitchFamily="18" charset="0"/>
-                    </a:rPr>
-                    <a:t>∆</a:t>
-                  </a:r>
-                  <a:r>
-                    <a:rPr lang="en-US" sz="1200" baseline="-25000" dirty="0">
-                      <a:latin typeface="Times New Roman" panose="02020603050405020304" pitchFamily="18" charset="0"/>
-                      <a:cs typeface="Times New Roman" panose="02020603050405020304" pitchFamily="18" charset="0"/>
-                    </a:rPr>
-                    <a:t>2</a:t>
-                  </a:r>
-                  <a:r>
-                    <a:rPr lang="en-US" sz="1200" dirty="0">
-                      <a:latin typeface="Times New Roman" panose="02020603050405020304" pitchFamily="18" charset="0"/>
-                      <a:cs typeface="Times New Roman" panose="02020603050405020304" pitchFamily="18" charset="0"/>
-                    </a:rPr>
-                    <a:t>=</a:t>
-                  </a:r>
-                  <a:r>
-                    <a:rPr lang="ru-RU" sz="1200" dirty="0">
-                      <a:latin typeface="Times New Roman" panose="02020603050405020304" pitchFamily="18" charset="0"/>
-                      <a:cs typeface="Times New Roman" panose="02020603050405020304" pitchFamily="18" charset="0"/>
-                    </a:rPr>
-                    <a:t> </a:t>
-                  </a:r>
-                  <a14:m>
-                    <m:oMath xmlns:m="http://schemas.openxmlformats.org/officeDocument/2006/math">
-                      <m:r>
-                        <m:rPr>
-                          <m:nor/>
-                        </m:rPr>
-                        <a:rPr lang="ru-RU" sz="1200" dirty="0">
-                          <a:latin typeface="Times New Roman" panose="02020603050405020304" pitchFamily="18" charset="0"/>
-                          <a:cs typeface="Times New Roman" panose="02020603050405020304" pitchFamily="18" charset="0"/>
-                        </a:rPr>
-                        <m:t>∆</m:t>
-                      </m:r>
-                      <m:r>
-                        <m:rPr>
-                          <m:nor/>
-                        </m:rPr>
-                        <a:rPr lang="en-US" sz="1200" baseline="-25000" dirty="0">
-                          <a:latin typeface="Times New Roman" panose="02020603050405020304" pitchFamily="18" charset="0"/>
-                          <a:cs typeface="Times New Roman" panose="02020603050405020304" pitchFamily="18" charset="0"/>
-                        </a:rPr>
-                        <m:t>1</m:t>
-                      </m:r>
-                      <m:r>
-                        <a:rPr lang="en-US" sz="1200" i="0" dirty="0">
-                          <a:latin typeface="Cambria Math" panose="02040503050406030204" pitchFamily="18" charset="0"/>
-                          <a:cs typeface="Times New Roman" panose="02020603050405020304" pitchFamily="18" charset="0"/>
-                        </a:rPr>
-                        <m:t>∗(1+</m:t>
-                      </m:r>
-                      <m:r>
-                        <m:rPr>
-                          <m:sty m:val="p"/>
-                        </m:rPr>
-                        <a:rPr lang="en-US" sz="1200" i="0" dirty="0">
-                          <a:latin typeface="Cambria Math" panose="02040503050406030204" pitchFamily="18" charset="0"/>
-                          <a:cs typeface="Times New Roman" panose="02020603050405020304" pitchFamily="18" charset="0"/>
-                        </a:rPr>
-                        <m:t>shift</m:t>
-                      </m:r>
-                      <m:r>
-                        <a:rPr lang="en-US" sz="1200" i="0" dirty="0">
-                          <a:latin typeface="Cambria Math" panose="02040503050406030204" pitchFamily="18" charset="0"/>
-                          <a:cs typeface="Times New Roman" panose="02020603050405020304" pitchFamily="18" charset="0"/>
-                        </a:rPr>
-                        <m:t>)</m:t>
-                      </m:r>
-                    </m:oMath>
-                  </a14:m>
-                  <a:endParaRPr lang="ru-RU" sz="1200" dirty="0">
-                    <a:latin typeface="Times New Roman" panose="02020603050405020304" pitchFamily="18" charset="0"/>
-                    <a:cs typeface="Times New Roman" panose="02020603050405020304" pitchFamily="18" charset="0"/>
-                  </a:endParaRPr>
-                </a:p>
-              </p:txBody>
-            </p:sp>
-          </mc:Choice>
-          <mc:Fallback xmlns="">
-            <p:sp>
-              <p:nvSpPr>
-                <p:cNvPr id="55" name="TextBox 54"/>
-                <p:cNvSpPr txBox="1">
-                  <a:spLocks noRot="1" noChangeAspect="1" noMove="1" noResize="1" noEditPoints="1" noAdjustHandles="1" noChangeArrowheads="1" noChangeShapeType="1" noTextEdit="1"/>
-                </p:cNvSpPr>
-                <p:nvPr/>
-              </p:nvSpPr>
-              <p:spPr>
-                <a:xfrm>
-                  <a:off x="3180014" y="4114025"/>
-                  <a:ext cx="1421684" cy="276999"/>
-                </a:xfrm>
-                <a:prstGeom prst="rect">
-                  <a:avLst/>
-                </a:prstGeom>
-                <a:blipFill>
-                  <a:blip r:embed="rId3"/>
-                  <a:stretch>
-                    <a:fillRect l="-429" t="-2222" b="-17778"/>
-                  </a:stretch>
-                </a:blipFill>
-              </p:spPr>
-              <p:txBody>
-                <a:bodyPr/>
-                <a:lstStyle/>
-                <a:p>
-                  <a:r>
-                    <a:rPr lang="ru-RU">
-                      <a:noFill/>
-                    </a:rPr>
-                    <a:t> </a:t>
-                  </a:r>
-                </a:p>
-              </p:txBody>
-            </p:sp>
-          </mc:Fallback>
-        </mc:AlternateContent>
-        <p:sp>
-          <p:nvSpPr>
-            <p:cNvPr id="56" name="Правая фигурная скобка 55"/>
-            <p:cNvSpPr/>
-            <p:nvPr/>
-          </p:nvSpPr>
-          <p:spPr>
-            <a:xfrm rot="5400000">
-              <a:off x="3307607" y="3862979"/>
-              <a:ext cx="123453" cy="378639"/>
-            </a:xfrm>
-            <a:prstGeom prst="rightBrace">
-              <a:avLst>
-                <a:gd name="adj1" fmla="val 46347"/>
-                <a:gd name="adj2" fmla="val 50000"/>
-              </a:avLst>
-            </a:prstGeom>
-            <a:ln w="9525">
-              <a:solidFill>
-                <a:schemeClr val="tx1"/>
-              </a:solidFill>
-            </a:ln>
-          </p:spPr>
-          <p:style>
-            <a:lnRef idx="1">
-              <a:schemeClr val="accent1"/>
-            </a:lnRef>
-            <a:fillRef idx="0">
-              <a:schemeClr val="accent1"/>
-            </a:fillRef>
-            <a:effectRef idx="0">
-              <a:schemeClr val="accent1"/>
-            </a:effectRef>
-            <a:fontRef idx="minor">
-              <a:schemeClr val="tx1"/>
-            </a:fontRef>
-          </p:style>
-          <p:txBody>
-            <a:bodyPr rtlCol="0" anchor="ctr"/>
-            <a:lstStyle/>
-            <a:p>
-              <a:pPr algn="ctr"/>
-              <a:endParaRPr lang="ru-RU" sz="1200"/>
-            </a:p>
-          </p:txBody>
-        </p:sp>
-        <p:sp>
-          <p:nvSpPr>
-            <p:cNvPr id="57" name="Дуга 56"/>
-            <p:cNvSpPr/>
-            <p:nvPr/>
-          </p:nvSpPr>
-          <p:spPr>
-            <a:xfrm>
-              <a:off x="1430642" y="3079027"/>
-              <a:ext cx="892807" cy="839274"/>
-            </a:xfrm>
-            <a:prstGeom prst="arc">
-              <a:avLst>
-                <a:gd name="adj1" fmla="val 5044722"/>
-                <a:gd name="adj2" fmla="val 15903385"/>
-              </a:avLst>
-            </a:prstGeom>
-            <a:ln>
-              <a:solidFill>
-                <a:srgbClr val="00B050"/>
-              </a:solidFill>
-              <a:headEnd type="stealth"/>
-              <a:tailEnd type="none"/>
-            </a:ln>
-          </p:spPr>
-          <p:style>
-            <a:lnRef idx="1">
-              <a:schemeClr val="accent1"/>
-            </a:lnRef>
-            <a:fillRef idx="0">
-              <a:schemeClr val="accent1"/>
-            </a:fillRef>
-            <a:effectRef idx="0">
-              <a:schemeClr val="accent1"/>
-            </a:effectRef>
-            <a:fontRef idx="minor">
-              <a:schemeClr val="tx1"/>
-            </a:fontRef>
-          </p:style>
-          <p:txBody>
-            <a:bodyPr rtlCol="0" anchor="ctr"/>
-            <a:lstStyle/>
-            <a:p>
-              <a:pPr algn="ctr"/>
-              <a:endParaRPr lang="ru-RU" sz="1200"/>
-            </a:p>
-          </p:txBody>
-        </p:sp>
-        <p:sp>
-          <p:nvSpPr>
-            <p:cNvPr id="59" name="Дуга 58"/>
-            <p:cNvSpPr/>
-            <p:nvPr/>
-          </p:nvSpPr>
-          <p:spPr>
-            <a:xfrm>
-              <a:off x="1433516" y="3964020"/>
-              <a:ext cx="892807" cy="839274"/>
-            </a:xfrm>
-            <a:prstGeom prst="arc">
-              <a:avLst>
-                <a:gd name="adj1" fmla="val 5044722"/>
-                <a:gd name="adj2" fmla="val 15903385"/>
-              </a:avLst>
-            </a:prstGeom>
-            <a:ln>
-              <a:solidFill>
-                <a:srgbClr val="00B050"/>
-              </a:solidFill>
-              <a:headEnd type="stealth"/>
-              <a:tailEnd type="none"/>
-            </a:ln>
-          </p:spPr>
-          <p:style>
-            <a:lnRef idx="1">
-              <a:schemeClr val="accent1"/>
-            </a:lnRef>
-            <a:fillRef idx="0">
-              <a:schemeClr val="accent1"/>
-            </a:fillRef>
-            <a:effectRef idx="0">
-              <a:schemeClr val="accent1"/>
-            </a:effectRef>
-            <a:fontRef idx="minor">
-              <a:schemeClr val="tx1"/>
-            </a:fontRef>
-          </p:style>
-          <p:txBody>
-            <a:bodyPr rtlCol="0" anchor="ctr"/>
-            <a:lstStyle/>
-            <a:p>
-              <a:pPr algn="ctr"/>
-              <a:endParaRPr lang="ru-RU" sz="1200"/>
-            </a:p>
-          </p:txBody>
-        </p:sp>
-        <p:cxnSp>
-          <p:nvCxnSpPr>
-            <p:cNvPr id="60" name="Прямая соединительная линия 59"/>
-            <p:cNvCxnSpPr/>
-            <p:nvPr/>
-          </p:nvCxnSpPr>
-          <p:spPr>
-            <a:xfrm>
-              <a:off x="2062329" y="4810356"/>
-              <a:ext cx="3096000" cy="0"/>
-            </a:xfrm>
-            <a:prstGeom prst="line">
-              <a:avLst/>
-            </a:prstGeom>
-            <a:ln>
-              <a:solidFill>
-                <a:schemeClr val="tx1"/>
-              </a:solidFill>
-              <a:headEnd type="none" w="med" len="med"/>
-              <a:tailEnd type="stealth" w="med" len="med"/>
-            </a:ln>
-          </p:spPr>
-          <p:style>
-            <a:lnRef idx="1">
-              <a:schemeClr val="accent1"/>
-            </a:lnRef>
-            <a:fillRef idx="0">
-              <a:schemeClr val="accent1"/>
-            </a:fillRef>
-            <a:effectRef idx="0">
-              <a:schemeClr val="accent1"/>
-            </a:effectRef>
-            <a:fontRef idx="minor">
-              <a:schemeClr val="tx1"/>
-            </a:fontRef>
-          </p:style>
-        </p:cxnSp>
-        <p:sp>
-          <p:nvSpPr>
-            <p:cNvPr id="61" name="Овал 60"/>
-            <p:cNvSpPr/>
-            <p:nvPr/>
-          </p:nvSpPr>
-          <p:spPr>
-            <a:xfrm>
-              <a:off x="2367311" y="4787496"/>
-              <a:ext cx="45719" cy="45720"/>
-            </a:xfrm>
-            <a:prstGeom prst="ellipse">
-              <a:avLst/>
-            </a:prstGeom>
-            <a:solidFill>
-              <a:schemeClr val="accent1">
-                <a:lumMod val="75000"/>
-              </a:schemeClr>
-            </a:solidFill>
-          </p:spPr>
-          <p:style>
-            <a:lnRef idx="2">
-              <a:schemeClr val="accent1">
-                <a:shade val="50000"/>
-              </a:schemeClr>
-            </a:lnRef>
-            <a:fillRef idx="1">
-              <a:schemeClr val="accent1"/>
-            </a:fillRef>
-            <a:effectRef idx="0">
-              <a:schemeClr val="accent1"/>
-            </a:effectRef>
-            <a:fontRef idx="minor">
-              <a:schemeClr val="lt1"/>
-            </a:fontRef>
-          </p:style>
-          <p:txBody>
-            <a:bodyPr rtlCol="0" anchor="ctr"/>
-            <a:lstStyle/>
-            <a:p>
-              <a:pPr algn="ctr"/>
-              <a:endParaRPr lang="ru-RU" sz="1200"/>
-            </a:p>
-          </p:txBody>
-        </p:sp>
-        <p:sp>
-          <p:nvSpPr>
-            <p:cNvPr id="62" name="Овал 61"/>
-            <p:cNvSpPr/>
-            <p:nvPr/>
-          </p:nvSpPr>
-          <p:spPr>
-            <a:xfrm>
-              <a:off x="3162512" y="4787496"/>
-              <a:ext cx="45719" cy="45720"/>
-            </a:xfrm>
-            <a:prstGeom prst="ellipse">
-              <a:avLst/>
-            </a:prstGeom>
-            <a:solidFill>
-              <a:schemeClr val="accent1">
-                <a:lumMod val="75000"/>
-              </a:schemeClr>
-            </a:solidFill>
-          </p:spPr>
-          <p:style>
-            <a:lnRef idx="2">
-              <a:schemeClr val="accent1">
-                <a:shade val="50000"/>
-              </a:schemeClr>
-            </a:lnRef>
-            <a:fillRef idx="1">
-              <a:schemeClr val="accent1"/>
-            </a:fillRef>
-            <a:effectRef idx="0">
-              <a:schemeClr val="accent1"/>
-            </a:effectRef>
-            <a:fontRef idx="minor">
-              <a:schemeClr val="lt1"/>
-            </a:fontRef>
-          </p:style>
-          <p:txBody>
-            <a:bodyPr rtlCol="0" anchor="ctr"/>
-            <a:lstStyle/>
-            <a:p>
-              <a:pPr algn="ctr"/>
-              <a:endParaRPr lang="ru-RU" sz="1200"/>
-            </a:p>
-          </p:txBody>
-        </p:sp>
-        <p:sp>
-          <p:nvSpPr>
-            <p:cNvPr id="63" name="Овал 62"/>
-            <p:cNvSpPr/>
-            <p:nvPr/>
-          </p:nvSpPr>
-          <p:spPr>
-            <a:xfrm>
-              <a:off x="3957713" y="4784434"/>
-              <a:ext cx="45719" cy="45720"/>
-            </a:xfrm>
-            <a:prstGeom prst="ellipse">
-              <a:avLst/>
-            </a:prstGeom>
-            <a:solidFill>
-              <a:schemeClr val="accent1">
-                <a:lumMod val="75000"/>
-              </a:schemeClr>
-            </a:solidFill>
-          </p:spPr>
-          <p:style>
-            <a:lnRef idx="2">
-              <a:schemeClr val="accent1">
-                <a:shade val="50000"/>
-              </a:schemeClr>
-            </a:lnRef>
-            <a:fillRef idx="1">
-              <a:schemeClr val="accent1"/>
-            </a:fillRef>
-            <a:effectRef idx="0">
-              <a:schemeClr val="accent1"/>
-            </a:effectRef>
-            <a:fontRef idx="minor">
-              <a:schemeClr val="lt1"/>
-            </a:fontRef>
-          </p:style>
-          <p:txBody>
-            <a:bodyPr rtlCol="0" anchor="ctr"/>
-            <a:lstStyle/>
-            <a:p>
-              <a:pPr algn="ctr"/>
-              <a:endParaRPr lang="ru-RU" sz="1200"/>
-            </a:p>
-          </p:txBody>
-        </p:sp>
-        <p:sp>
-          <p:nvSpPr>
-            <p:cNvPr id="65" name="TextBox 64"/>
-            <p:cNvSpPr txBox="1"/>
-            <p:nvPr/>
-          </p:nvSpPr>
-          <p:spPr>
-            <a:xfrm>
-              <a:off x="2122200" y="4846790"/>
-              <a:ext cx="577850" cy="276999"/>
-            </a:xfrm>
-            <a:prstGeom prst="rect">
-              <a:avLst/>
-            </a:prstGeom>
-            <a:noFill/>
-          </p:spPr>
-          <p:txBody>
-            <a:bodyPr wrap="square" rtlCol="0">
-              <a:spAutoFit/>
-            </a:bodyPr>
-            <a:lstStyle/>
-            <a:p>
-              <a:pPr algn="ctr"/>
-              <a:r>
-                <a:rPr lang="en-US" sz="1200" dirty="0">
-                  <a:latin typeface="Times New Roman" panose="02020603050405020304" pitchFamily="18" charset="0"/>
-                  <a:cs typeface="Times New Roman" panose="02020603050405020304" pitchFamily="18" charset="0"/>
-                </a:rPr>
-                <a:t>i-1</a:t>
-              </a:r>
-              <a:endParaRPr lang="ru-RU" sz="1200" dirty="0">
-                <a:latin typeface="Times New Roman" panose="02020603050405020304" pitchFamily="18" charset="0"/>
-                <a:cs typeface="Times New Roman" panose="02020603050405020304" pitchFamily="18" charset="0"/>
-              </a:endParaRPr>
-            </a:p>
-          </p:txBody>
-        </p:sp>
-        <p:sp>
-          <p:nvSpPr>
-            <p:cNvPr id="66" name="TextBox 65"/>
-            <p:cNvSpPr txBox="1"/>
-            <p:nvPr/>
-          </p:nvSpPr>
-          <p:spPr>
-            <a:xfrm>
-              <a:off x="2893908" y="4853961"/>
-              <a:ext cx="577850" cy="276999"/>
-            </a:xfrm>
-            <a:prstGeom prst="rect">
-              <a:avLst/>
-            </a:prstGeom>
-            <a:noFill/>
-          </p:spPr>
-          <p:txBody>
-            <a:bodyPr wrap="square" rtlCol="0">
-              <a:spAutoFit/>
-            </a:bodyPr>
-            <a:lstStyle/>
-            <a:p>
-              <a:pPr algn="ctr"/>
-              <a:r>
-                <a:rPr lang="en-US" sz="1200" dirty="0" err="1">
-                  <a:latin typeface="Times New Roman" panose="02020603050405020304" pitchFamily="18" charset="0"/>
-                  <a:cs typeface="Times New Roman" panose="02020603050405020304" pitchFamily="18" charset="0"/>
-                </a:rPr>
-                <a:t>i</a:t>
-              </a:r>
-              <a:endParaRPr lang="ru-RU" sz="1200" dirty="0">
-                <a:latin typeface="Times New Roman" panose="02020603050405020304" pitchFamily="18" charset="0"/>
-                <a:cs typeface="Times New Roman" panose="02020603050405020304" pitchFamily="18" charset="0"/>
-              </a:endParaRPr>
-            </a:p>
-          </p:txBody>
-        </p:sp>
-        <p:sp>
-          <p:nvSpPr>
-            <p:cNvPr id="67" name="TextBox 66"/>
-            <p:cNvSpPr txBox="1"/>
-            <p:nvPr/>
-          </p:nvSpPr>
-          <p:spPr>
-            <a:xfrm>
-              <a:off x="3665616" y="4853961"/>
-              <a:ext cx="577850" cy="276999"/>
-            </a:xfrm>
-            <a:prstGeom prst="rect">
-              <a:avLst/>
-            </a:prstGeom>
-            <a:noFill/>
-          </p:spPr>
-          <p:txBody>
-            <a:bodyPr wrap="square" rtlCol="0">
-              <a:spAutoFit/>
-            </a:bodyPr>
-            <a:lstStyle/>
-            <a:p>
-              <a:pPr algn="ctr"/>
-              <a:r>
-                <a:rPr lang="en-US" sz="1200" dirty="0">
-                  <a:latin typeface="Times New Roman" panose="02020603050405020304" pitchFamily="18" charset="0"/>
-                  <a:cs typeface="Times New Roman" panose="02020603050405020304" pitchFamily="18" charset="0"/>
-                </a:rPr>
-                <a:t>i+1</a:t>
-              </a:r>
-              <a:endParaRPr lang="ru-RU" sz="1200" dirty="0">
-                <a:latin typeface="Times New Roman" panose="02020603050405020304" pitchFamily="18" charset="0"/>
-                <a:cs typeface="Times New Roman" panose="02020603050405020304" pitchFamily="18" charset="0"/>
-              </a:endParaRPr>
-            </a:p>
-          </p:txBody>
-        </p:sp>
-        <p:sp>
-          <p:nvSpPr>
-            <p:cNvPr id="69" name="TextBox 68"/>
-            <p:cNvSpPr txBox="1"/>
-            <p:nvPr/>
-          </p:nvSpPr>
-          <p:spPr>
-            <a:xfrm>
-              <a:off x="4748749" y="3106026"/>
-              <a:ext cx="834228" cy="276999"/>
-            </a:xfrm>
-            <a:prstGeom prst="rect">
-              <a:avLst/>
-            </a:prstGeom>
-            <a:noFill/>
-          </p:spPr>
-          <p:txBody>
-            <a:bodyPr wrap="square" rtlCol="0">
-              <a:spAutoFit/>
-            </a:bodyPr>
-            <a:lstStyle/>
-            <a:p>
-              <a:r>
-                <a:rPr lang="en-US" sz="1200" dirty="0">
-                  <a:latin typeface="Times New Roman" panose="02020603050405020304" pitchFamily="18" charset="0"/>
-                  <a:cs typeface="Times New Roman" panose="02020603050405020304" pitchFamily="18" charset="0"/>
-                </a:rPr>
-                <a:t>arg points</a:t>
-              </a:r>
-              <a:endParaRPr lang="ru-RU" sz="1200" dirty="0">
-                <a:latin typeface="Times New Roman" panose="02020603050405020304" pitchFamily="18" charset="0"/>
-                <a:cs typeface="Times New Roman" panose="02020603050405020304" pitchFamily="18" charset="0"/>
-              </a:endParaRPr>
-            </a:p>
-          </p:txBody>
-        </p:sp>
-      </p:grpSp>
-    </p:spTree>
-    <p:extLst>
-      <p:ext uri="{BB962C8B-B14F-4D97-AF65-F5344CB8AC3E}">
-        <p14:creationId xmlns:p14="http://schemas.microsoft.com/office/powerpoint/2010/main" val="819250624"/>
-      </p:ext>
-    </p:extLst>
-  </p:cSld>
-  <p:clrMapOvr>
-    <a:masterClrMapping/>
-  </p:clrMapOvr>
-</p:sld>
-</file>
-
-<file path=ppt/slides/slide9.xml><?xml version="1.0" encoding="utf-8"?>
-<p:sld xmlns:a="http://schemas.openxmlformats.org/drawingml/2006/main" xmlns:r="http://schemas.openxmlformats.org/officeDocument/2006/relationships" xmlns:p="http://schemas.openxmlformats.org/presentationml/2006/main">
-  <p:cSld>
-    <p:spTree>
-      <p:nvGrpSpPr>
-        <p:cNvPr id="1" name=""/>
-        <p:cNvGrpSpPr/>
-        <p:nvPr/>
-      </p:nvGrpSpPr>
-      <p:grpSpPr>
-        <a:xfrm>
-          <a:off x="0" y="0"/>
-          <a:ext cx="0" cy="0"/>
-          <a:chOff x="0" y="0"/>
-          <a:chExt cx="0" cy="0"/>
-        </a:xfrm>
-      </p:grpSpPr>
-      <p:grpSp>
-        <p:nvGrpSpPr>
-          <p:cNvPr id="4" name="Группа 3"/>
-          <p:cNvGrpSpPr/>
-          <p:nvPr/>
-        </p:nvGrpSpPr>
-        <p:grpSpPr>
-          <a:xfrm>
-            <a:off x="2141220" y="919162"/>
-            <a:ext cx="4635817" cy="5019675"/>
-            <a:chOff x="2141220" y="919162"/>
-            <a:chExt cx="4635817" cy="5019675"/>
-          </a:xfrm>
-        </p:grpSpPr>
-        <p:pic>
-          <p:nvPicPr>
-            <p:cNvPr id="2" name="Рисунок 1"/>
-            <p:cNvPicPr>
-              <a:picLocks noChangeAspect="1"/>
-            </p:cNvPicPr>
-            <p:nvPr/>
-          </p:nvPicPr>
-          <p:blipFill>
-            <a:blip r:embed="rId2"/>
-            <a:stretch>
-              <a:fillRect/>
-            </a:stretch>
-          </p:blipFill>
-          <p:spPr>
-            <a:xfrm>
-              <a:off x="2366962" y="919162"/>
-              <a:ext cx="4410075" cy="5019675"/>
-            </a:xfrm>
-            <a:prstGeom prst="rect">
-              <a:avLst/>
-            </a:prstGeom>
-          </p:spPr>
-        </p:pic>
-        <p:sp>
-          <p:nvSpPr>
-            <p:cNvPr id="3" name="Овал 2"/>
-            <p:cNvSpPr/>
-            <p:nvPr/>
-          </p:nvSpPr>
-          <p:spPr>
-            <a:xfrm>
-              <a:off x="2141220" y="2537460"/>
-              <a:ext cx="1973580" cy="327660"/>
-            </a:xfrm>
-            <a:prstGeom prst="ellipse">
-              <a:avLst/>
-            </a:prstGeom>
-            <a:noFill/>
-            <a:ln w="19050">
-              <a:solidFill>
-                <a:srgbClr val="FF0000"/>
-              </a:solidFill>
-            </a:ln>
-          </p:spPr>
-          <p:style>
-            <a:lnRef idx="2">
-              <a:schemeClr val="accent1">
-                <a:shade val="50000"/>
-              </a:schemeClr>
-            </a:lnRef>
-            <a:fillRef idx="1">
-              <a:schemeClr val="accent1"/>
-            </a:fillRef>
-            <a:effectRef idx="0">
-              <a:schemeClr val="accent1"/>
-            </a:effectRef>
-            <a:fontRef idx="minor">
-              <a:schemeClr val="lt1"/>
-            </a:fontRef>
-          </p:style>
-          <p:txBody>
-            <a:bodyPr rtlCol="0" anchor="ctr"/>
-            <a:lstStyle/>
-            <a:p>
-              <a:pPr algn="ctr"/>
-              <a:endParaRPr lang="ru-RU"/>
-            </a:p>
-          </p:txBody>
-        </p:sp>
-      </p:grpSp>
-    </p:spTree>
-    <p:extLst>
-      <p:ext uri="{BB962C8B-B14F-4D97-AF65-F5344CB8AC3E}">
-        <p14:creationId xmlns:p14="http://schemas.microsoft.com/office/powerpoint/2010/main" val="1761457133"/>
       </p:ext>
     </p:extLst>
   </p:cSld>

--- a/manual/Pictures 2.0/Pictures 2.0.pptx
+++ b/manual/Pictures 2.0/Pictures 2.0.pptx
@@ -13,12 +13,13 @@
     <p:sldId id="273" r:id="rId7"/>
     <p:sldId id="274" r:id="rId8"/>
     <p:sldId id="275" r:id="rId9"/>
-    <p:sldId id="264" r:id="rId10"/>
-    <p:sldId id="265" r:id="rId11"/>
-    <p:sldId id="266" r:id="rId12"/>
-    <p:sldId id="267" r:id="rId13"/>
-    <p:sldId id="268" r:id="rId14"/>
-    <p:sldId id="269" r:id="rId15"/>
+    <p:sldId id="276" r:id="rId10"/>
+    <p:sldId id="264" r:id="rId11"/>
+    <p:sldId id="265" r:id="rId12"/>
+    <p:sldId id="266" r:id="rId13"/>
+    <p:sldId id="267" r:id="rId14"/>
+    <p:sldId id="268" r:id="rId15"/>
+    <p:sldId id="269" r:id="rId16"/>
   </p:sldIdLst>
   <p:sldSz cx="9144000" cy="6858000" type="screen4x3"/>
   <p:notesSz cx="6858000" cy="9144000"/>
@@ -267,7 +268,7 @@
           <a:p>
             <a:fld id="{55465C39-D47E-4138-800A-7D6CA5F3257E}" type="datetimeFigureOut">
               <a:rPr lang="ru-RU" smtClean="0"/>
-              <a:t>20.09.2022</a:t>
+              <a:t>27.09.2022</a:t>
             </a:fld>
             <a:endParaRPr lang="ru-RU"/>
           </a:p>
@@ -437,7 +438,7 @@
           <a:p>
             <a:fld id="{55465C39-D47E-4138-800A-7D6CA5F3257E}" type="datetimeFigureOut">
               <a:rPr lang="ru-RU" smtClean="0"/>
-              <a:t>20.09.2022</a:t>
+              <a:t>27.09.2022</a:t>
             </a:fld>
             <a:endParaRPr lang="ru-RU"/>
           </a:p>
@@ -617,7 +618,7 @@
           <a:p>
             <a:fld id="{55465C39-D47E-4138-800A-7D6CA5F3257E}" type="datetimeFigureOut">
               <a:rPr lang="ru-RU" smtClean="0"/>
-              <a:t>20.09.2022</a:t>
+              <a:t>27.09.2022</a:t>
             </a:fld>
             <a:endParaRPr lang="ru-RU"/>
           </a:p>
@@ -787,7 +788,7 @@
           <a:p>
             <a:fld id="{55465C39-D47E-4138-800A-7D6CA5F3257E}" type="datetimeFigureOut">
               <a:rPr lang="ru-RU" smtClean="0"/>
-              <a:t>20.09.2022</a:t>
+              <a:t>27.09.2022</a:t>
             </a:fld>
             <a:endParaRPr lang="ru-RU"/>
           </a:p>
@@ -1031,7 +1032,7 @@
           <a:p>
             <a:fld id="{55465C39-D47E-4138-800A-7D6CA5F3257E}" type="datetimeFigureOut">
               <a:rPr lang="ru-RU" smtClean="0"/>
-              <a:t>20.09.2022</a:t>
+              <a:t>27.09.2022</a:t>
             </a:fld>
             <a:endParaRPr lang="ru-RU"/>
           </a:p>
@@ -1263,7 +1264,7 @@
           <a:p>
             <a:fld id="{55465C39-D47E-4138-800A-7D6CA5F3257E}" type="datetimeFigureOut">
               <a:rPr lang="ru-RU" smtClean="0"/>
-              <a:t>20.09.2022</a:t>
+              <a:t>27.09.2022</a:t>
             </a:fld>
             <a:endParaRPr lang="ru-RU"/>
           </a:p>
@@ -1630,7 +1631,7 @@
           <a:p>
             <a:fld id="{55465C39-D47E-4138-800A-7D6CA5F3257E}" type="datetimeFigureOut">
               <a:rPr lang="ru-RU" smtClean="0"/>
-              <a:t>20.09.2022</a:t>
+              <a:t>27.09.2022</a:t>
             </a:fld>
             <a:endParaRPr lang="ru-RU"/>
           </a:p>
@@ -1748,7 +1749,7 @@
           <a:p>
             <a:fld id="{55465C39-D47E-4138-800A-7D6CA5F3257E}" type="datetimeFigureOut">
               <a:rPr lang="ru-RU" smtClean="0"/>
-              <a:t>20.09.2022</a:t>
+              <a:t>27.09.2022</a:t>
             </a:fld>
             <a:endParaRPr lang="ru-RU"/>
           </a:p>
@@ -1843,7 +1844,7 @@
           <a:p>
             <a:fld id="{55465C39-D47E-4138-800A-7D6CA5F3257E}" type="datetimeFigureOut">
               <a:rPr lang="ru-RU" smtClean="0"/>
-              <a:t>20.09.2022</a:t>
+              <a:t>27.09.2022</a:t>
             </a:fld>
             <a:endParaRPr lang="ru-RU"/>
           </a:p>
@@ -2120,7 +2121,7 @@
           <a:p>
             <a:fld id="{55465C39-D47E-4138-800A-7D6CA5F3257E}" type="datetimeFigureOut">
               <a:rPr lang="ru-RU" smtClean="0"/>
-              <a:t>20.09.2022</a:t>
+              <a:t>27.09.2022</a:t>
             </a:fld>
             <a:endParaRPr lang="ru-RU"/>
           </a:p>
@@ -2377,7 +2378,7 @@
           <a:p>
             <a:fld id="{55465C39-D47E-4138-800A-7D6CA5F3257E}" type="datetimeFigureOut">
               <a:rPr lang="ru-RU" smtClean="0"/>
-              <a:t>20.09.2022</a:t>
+              <a:t>27.09.2022</a:t>
             </a:fld>
             <a:endParaRPr lang="ru-RU"/>
           </a:p>
@@ -2590,7 +2591,7 @@
           <a:p>
             <a:fld id="{55465C39-D47E-4138-800A-7D6CA5F3257E}" type="datetimeFigureOut">
               <a:rPr lang="ru-RU" smtClean="0"/>
-              <a:t>20.09.2022</a:t>
+              <a:t>27.09.2022</a:t>
             </a:fld>
             <a:endParaRPr lang="ru-RU"/>
           </a:p>
@@ -4185,6 +4186,801 @@
       </p:grpSpPr>
       <p:grpSp>
         <p:nvGrpSpPr>
+          <p:cNvPr id="31" name="Группа 30"/>
+          <p:cNvGrpSpPr/>
+          <p:nvPr/>
+        </p:nvGrpSpPr>
+        <p:grpSpPr>
+          <a:xfrm>
+            <a:off x="1911022" y="332088"/>
+            <a:ext cx="5797995" cy="1758649"/>
+            <a:chOff x="1644322" y="3503913"/>
+            <a:chExt cx="5797995" cy="1758649"/>
+          </a:xfrm>
+        </p:grpSpPr>
+        <p:pic>
+          <p:nvPicPr>
+            <p:cNvPr id="9" name="Рисунок 8"/>
+            <p:cNvPicPr>
+              <a:picLocks noChangeAspect="1"/>
+            </p:cNvPicPr>
+            <p:nvPr/>
+          </p:nvPicPr>
+          <p:blipFill>
+            <a:blip r:embed="rId2"/>
+            <a:stretch>
+              <a:fillRect/>
+            </a:stretch>
+          </p:blipFill>
+          <p:spPr>
+            <a:xfrm>
+              <a:off x="1646073" y="4567237"/>
+              <a:ext cx="5657850" cy="695325"/>
+            </a:xfrm>
+            <a:prstGeom prst="rect">
+              <a:avLst/>
+            </a:prstGeom>
+          </p:spPr>
+        </p:pic>
+        <p:sp>
+          <p:nvSpPr>
+            <p:cNvPr id="10" name="Левая фигурная скобка 9"/>
+            <p:cNvSpPr/>
+            <p:nvPr/>
+          </p:nvSpPr>
+          <p:spPr>
+            <a:xfrm rot="5400000">
+              <a:off x="3169197" y="2672044"/>
+              <a:ext cx="276225" cy="3325976"/>
+            </a:xfrm>
+            <a:prstGeom prst="leftBrace">
+              <a:avLst>
+                <a:gd name="adj1" fmla="val 35919"/>
+                <a:gd name="adj2" fmla="val 50629"/>
+              </a:avLst>
+            </a:prstGeom>
+            <a:ln w="28575">
+              <a:solidFill>
+                <a:srgbClr val="0070C0"/>
+              </a:solidFill>
+            </a:ln>
+          </p:spPr>
+          <p:style>
+            <a:lnRef idx="1">
+              <a:schemeClr val="accent1"/>
+            </a:lnRef>
+            <a:fillRef idx="0">
+              <a:schemeClr val="accent1"/>
+            </a:fillRef>
+            <a:effectRef idx="0">
+              <a:schemeClr val="accent1"/>
+            </a:effectRef>
+            <a:fontRef idx="minor">
+              <a:schemeClr val="tx1"/>
+            </a:fontRef>
+          </p:style>
+          <p:txBody>
+            <a:bodyPr rtlCol="0" anchor="ctr"/>
+            <a:lstStyle/>
+            <a:p>
+              <a:pPr algn="ctr"/>
+              <a:endParaRPr lang="ru-RU" sz="1100">
+                <a:latin typeface="Times New Roman" panose="02020603050405020304" pitchFamily="18" charset="0"/>
+                <a:cs typeface="Times New Roman" panose="02020603050405020304" pitchFamily="18" charset="0"/>
+              </a:endParaRPr>
+            </a:p>
+          </p:txBody>
+        </p:sp>
+        <p:sp>
+          <p:nvSpPr>
+            <p:cNvPr id="12" name="TextBox 11"/>
+            <p:cNvSpPr txBox="1"/>
+            <p:nvPr/>
+          </p:nvSpPr>
+          <p:spPr>
+            <a:xfrm>
+              <a:off x="2626271" y="3782461"/>
+              <a:ext cx="1343025" cy="261610"/>
+            </a:xfrm>
+            <a:prstGeom prst="rect">
+              <a:avLst/>
+            </a:prstGeom>
+            <a:noFill/>
+          </p:spPr>
+          <p:txBody>
+            <a:bodyPr wrap="square" rtlCol="0">
+              <a:spAutoFit/>
+            </a:bodyPr>
+            <a:lstStyle/>
+            <a:p>
+              <a:pPr algn="ctr"/>
+              <a:r>
+                <a:rPr lang="ru-RU" sz="1100" dirty="0">
+                  <a:latin typeface="Times New Roman" panose="02020603050405020304" pitchFamily="18" charset="0"/>
+                  <a:cs typeface="Times New Roman" panose="02020603050405020304" pitchFamily="18" charset="0"/>
+                </a:rPr>
+                <a:t>Легенда</a:t>
+              </a:r>
+            </a:p>
+          </p:txBody>
+        </p:sp>
+        <p:cxnSp>
+          <p:nvCxnSpPr>
+            <p:cNvPr id="13" name="Прямая со стрелкой 12"/>
+            <p:cNvCxnSpPr/>
+            <p:nvPr/>
+          </p:nvCxnSpPr>
+          <p:spPr>
+            <a:xfrm rot="5400000">
+              <a:off x="5311822" y="4331460"/>
+              <a:ext cx="269081" cy="0"/>
+            </a:xfrm>
+            <a:prstGeom prst="straightConnector1">
+              <a:avLst/>
+            </a:prstGeom>
+            <a:ln w="47625">
+              <a:tailEnd type="stealth" w="lg" len="lg"/>
+            </a:ln>
+          </p:spPr>
+          <p:style>
+            <a:lnRef idx="1">
+              <a:schemeClr val="accent1"/>
+            </a:lnRef>
+            <a:fillRef idx="0">
+              <a:schemeClr val="accent1"/>
+            </a:fillRef>
+            <a:effectRef idx="0">
+              <a:schemeClr val="accent1"/>
+            </a:effectRef>
+            <a:fontRef idx="minor">
+              <a:schemeClr val="tx1"/>
+            </a:fontRef>
+          </p:style>
+        </p:cxnSp>
+        <p:cxnSp>
+          <p:nvCxnSpPr>
+            <p:cNvPr id="14" name="Прямая со стрелкой 13"/>
+            <p:cNvCxnSpPr/>
+            <p:nvPr/>
+          </p:nvCxnSpPr>
+          <p:spPr>
+            <a:xfrm rot="5400000">
+              <a:off x="6064297" y="4331460"/>
+              <a:ext cx="269081" cy="0"/>
+            </a:xfrm>
+            <a:prstGeom prst="straightConnector1">
+              <a:avLst/>
+            </a:prstGeom>
+            <a:ln w="47625">
+              <a:tailEnd type="stealth" w="lg" len="lg"/>
+            </a:ln>
+          </p:spPr>
+          <p:style>
+            <a:lnRef idx="1">
+              <a:schemeClr val="accent1"/>
+            </a:lnRef>
+            <a:fillRef idx="0">
+              <a:schemeClr val="accent1"/>
+            </a:fillRef>
+            <a:effectRef idx="0">
+              <a:schemeClr val="accent1"/>
+            </a:effectRef>
+            <a:fontRef idx="minor">
+              <a:schemeClr val="tx1"/>
+            </a:fontRef>
+          </p:style>
+        </p:cxnSp>
+        <p:cxnSp>
+          <p:nvCxnSpPr>
+            <p:cNvPr id="15" name="Прямая со стрелкой 14"/>
+            <p:cNvCxnSpPr/>
+            <p:nvPr/>
+          </p:nvCxnSpPr>
+          <p:spPr>
+            <a:xfrm rot="5400000">
+              <a:off x="6835822" y="4338605"/>
+              <a:ext cx="269081" cy="0"/>
+            </a:xfrm>
+            <a:prstGeom prst="straightConnector1">
+              <a:avLst/>
+            </a:prstGeom>
+            <a:ln w="47625">
+              <a:tailEnd type="stealth" w="lg" len="lg"/>
+            </a:ln>
+          </p:spPr>
+          <p:style>
+            <a:lnRef idx="1">
+              <a:schemeClr val="accent1"/>
+            </a:lnRef>
+            <a:fillRef idx="0">
+              <a:schemeClr val="accent1"/>
+            </a:fillRef>
+            <a:effectRef idx="0">
+              <a:schemeClr val="accent1"/>
+            </a:effectRef>
+            <a:fontRef idx="minor">
+              <a:schemeClr val="tx1"/>
+            </a:fontRef>
+          </p:style>
+        </p:cxnSp>
+        <p:sp>
+          <p:nvSpPr>
+            <p:cNvPr id="16" name="TextBox 15"/>
+            <p:cNvSpPr txBox="1"/>
+            <p:nvPr/>
+          </p:nvSpPr>
+          <p:spPr>
+            <a:xfrm>
+              <a:off x="5061741" y="3503913"/>
+              <a:ext cx="2291559" cy="261610"/>
+            </a:xfrm>
+            <a:prstGeom prst="rect">
+              <a:avLst/>
+            </a:prstGeom>
+            <a:noFill/>
+          </p:spPr>
+          <p:txBody>
+            <a:bodyPr wrap="square" rtlCol="0">
+              <a:spAutoFit/>
+            </a:bodyPr>
+            <a:lstStyle/>
+            <a:p>
+              <a:pPr algn="ctr"/>
+              <a:r>
+                <a:rPr lang="ru-RU" sz="1100" dirty="0">
+                  <a:latin typeface="Times New Roman" panose="02020603050405020304" pitchFamily="18" charset="0"/>
+                  <a:cs typeface="Times New Roman" panose="02020603050405020304" pitchFamily="18" charset="0"/>
+                </a:rPr>
+                <a:t>Установка пределов варьирования:</a:t>
+              </a:r>
+            </a:p>
+          </p:txBody>
+        </p:sp>
+        <p:sp>
+          <p:nvSpPr>
+            <p:cNvPr id="18" name="TextBox 17"/>
+            <p:cNvSpPr txBox="1"/>
+            <p:nvPr/>
+          </p:nvSpPr>
+          <p:spPr>
+            <a:xfrm>
+              <a:off x="5016406" y="3918371"/>
+              <a:ext cx="802761" cy="261610"/>
+            </a:xfrm>
+            <a:prstGeom prst="rect">
+              <a:avLst/>
+            </a:prstGeom>
+            <a:noFill/>
+          </p:spPr>
+          <p:txBody>
+            <a:bodyPr wrap="square" rtlCol="0">
+              <a:spAutoFit/>
+            </a:bodyPr>
+            <a:lstStyle/>
+            <a:p>
+              <a:pPr algn="ctr"/>
+              <a:r>
+                <a:rPr lang="ru-RU" sz="1100" dirty="0">
+                  <a:latin typeface="Times New Roman" panose="02020603050405020304" pitchFamily="18" charset="0"/>
+                  <a:cs typeface="Times New Roman" panose="02020603050405020304" pitchFamily="18" charset="0"/>
+                </a:rPr>
+                <a:t>плотности</a:t>
+              </a:r>
+            </a:p>
+          </p:txBody>
+        </p:sp>
+        <p:sp>
+          <p:nvSpPr>
+            <p:cNvPr id="19" name="TextBox 18"/>
+            <p:cNvSpPr txBox="1"/>
+            <p:nvPr/>
+          </p:nvSpPr>
+          <p:spPr>
+            <a:xfrm>
+              <a:off x="5715888" y="3774454"/>
+              <a:ext cx="988847" cy="430887"/>
+            </a:xfrm>
+            <a:prstGeom prst="rect">
+              <a:avLst/>
+            </a:prstGeom>
+            <a:noFill/>
+          </p:spPr>
+          <p:txBody>
+            <a:bodyPr wrap="square" rtlCol="0">
+              <a:spAutoFit/>
+            </a:bodyPr>
+            <a:lstStyle/>
+            <a:p>
+              <a:pPr algn="ctr"/>
+              <a:r>
+                <a:rPr lang="ru-RU" sz="1100" dirty="0">
+                  <a:latin typeface="Times New Roman" panose="02020603050405020304" pitchFamily="18" charset="0"/>
+                  <a:cs typeface="Times New Roman" panose="02020603050405020304" pitchFamily="18" charset="0"/>
+                </a:rPr>
+                <a:t>толщины </a:t>
+              </a:r>
+            </a:p>
+            <a:p>
+              <a:pPr algn="ctr"/>
+              <a:r>
+                <a:rPr lang="ru-RU" sz="1100" dirty="0">
+                  <a:latin typeface="Times New Roman" panose="02020603050405020304" pitchFamily="18" charset="0"/>
+                  <a:cs typeface="Times New Roman" panose="02020603050405020304" pitchFamily="18" charset="0"/>
+                </a:rPr>
+                <a:t>слоя</a:t>
+              </a:r>
+              <a:r>
+                <a:rPr lang="en-US" sz="1100" dirty="0">
+                  <a:latin typeface="Times New Roman" panose="02020603050405020304" pitchFamily="18" charset="0"/>
+                  <a:cs typeface="Times New Roman" panose="02020603050405020304" pitchFamily="18" charset="0"/>
+                </a:rPr>
+                <a:t>/</a:t>
+              </a:r>
+              <a:r>
+                <a:rPr lang="ru-RU" sz="1100" dirty="0">
+                  <a:latin typeface="Times New Roman" panose="02020603050405020304" pitchFamily="18" charset="0"/>
+                  <a:cs typeface="Times New Roman" panose="02020603050405020304" pitchFamily="18" charset="0"/>
+                </a:rPr>
+                <a:t>периода</a:t>
+              </a:r>
+            </a:p>
+          </p:txBody>
+        </p:sp>
+        <p:sp>
+          <p:nvSpPr>
+            <p:cNvPr id="20" name="TextBox 19"/>
+            <p:cNvSpPr txBox="1"/>
+            <p:nvPr/>
+          </p:nvSpPr>
+          <p:spPr>
+            <a:xfrm>
+              <a:off x="6533626" y="3773177"/>
+              <a:ext cx="908691" cy="430887"/>
+            </a:xfrm>
+            <a:prstGeom prst="rect">
+              <a:avLst/>
+            </a:prstGeom>
+            <a:noFill/>
+          </p:spPr>
+          <p:txBody>
+            <a:bodyPr wrap="square" rtlCol="0">
+              <a:spAutoFit/>
+            </a:bodyPr>
+            <a:lstStyle/>
+            <a:p>
+              <a:pPr algn="ctr"/>
+              <a:r>
+                <a:rPr lang="ru-RU" sz="1100" dirty="0">
+                  <a:latin typeface="Times New Roman" panose="02020603050405020304" pitchFamily="18" charset="0"/>
+                  <a:cs typeface="Times New Roman" panose="02020603050405020304" pitchFamily="18" charset="0"/>
+                </a:rPr>
+                <a:t>переходной области</a:t>
+              </a:r>
+            </a:p>
+          </p:txBody>
+        </p:sp>
+      </p:grpSp>
+      <p:grpSp>
+        <p:nvGrpSpPr>
+          <p:cNvPr id="32" name="Группа 31"/>
+          <p:cNvGrpSpPr/>
+          <p:nvPr/>
+        </p:nvGrpSpPr>
+        <p:grpSpPr>
+          <a:xfrm>
+            <a:off x="1901497" y="3065763"/>
+            <a:ext cx="5880428" cy="1758649"/>
+            <a:chOff x="1644322" y="3503913"/>
+            <a:chExt cx="5880428" cy="1758649"/>
+          </a:xfrm>
+        </p:grpSpPr>
+        <p:pic>
+          <p:nvPicPr>
+            <p:cNvPr id="33" name="Рисунок 32"/>
+            <p:cNvPicPr>
+              <a:picLocks noChangeAspect="1"/>
+            </p:cNvPicPr>
+            <p:nvPr/>
+          </p:nvPicPr>
+          <p:blipFill>
+            <a:blip r:embed="rId2"/>
+            <a:stretch>
+              <a:fillRect/>
+            </a:stretch>
+          </p:blipFill>
+          <p:spPr>
+            <a:xfrm>
+              <a:off x="1646073" y="4567237"/>
+              <a:ext cx="5657850" cy="695325"/>
+            </a:xfrm>
+            <a:prstGeom prst="rect">
+              <a:avLst/>
+            </a:prstGeom>
+          </p:spPr>
+        </p:pic>
+        <p:sp>
+          <p:nvSpPr>
+            <p:cNvPr id="34" name="Левая фигурная скобка 33"/>
+            <p:cNvSpPr/>
+            <p:nvPr/>
+          </p:nvSpPr>
+          <p:spPr>
+            <a:xfrm rot="5400000">
+              <a:off x="3169197" y="2672044"/>
+              <a:ext cx="276225" cy="3325976"/>
+            </a:xfrm>
+            <a:prstGeom prst="leftBrace">
+              <a:avLst>
+                <a:gd name="adj1" fmla="val 35919"/>
+                <a:gd name="adj2" fmla="val 50629"/>
+              </a:avLst>
+            </a:prstGeom>
+            <a:ln w="28575">
+              <a:solidFill>
+                <a:srgbClr val="0070C0"/>
+              </a:solidFill>
+            </a:ln>
+          </p:spPr>
+          <p:style>
+            <a:lnRef idx="1">
+              <a:schemeClr val="accent1"/>
+            </a:lnRef>
+            <a:fillRef idx="0">
+              <a:schemeClr val="accent1"/>
+            </a:fillRef>
+            <a:effectRef idx="0">
+              <a:schemeClr val="accent1"/>
+            </a:effectRef>
+            <a:fontRef idx="minor">
+              <a:schemeClr val="tx1"/>
+            </a:fontRef>
+          </p:style>
+          <p:txBody>
+            <a:bodyPr rtlCol="0" anchor="ctr"/>
+            <a:lstStyle/>
+            <a:p>
+              <a:pPr algn="ctr"/>
+              <a:endParaRPr lang="ru-RU" sz="1100">
+                <a:latin typeface="Times New Roman" panose="02020603050405020304" pitchFamily="18" charset="0"/>
+                <a:cs typeface="Times New Roman" panose="02020603050405020304" pitchFamily="18" charset="0"/>
+              </a:endParaRPr>
+            </a:p>
+          </p:txBody>
+        </p:sp>
+        <p:sp>
+          <p:nvSpPr>
+            <p:cNvPr id="35" name="TextBox 34"/>
+            <p:cNvSpPr txBox="1"/>
+            <p:nvPr/>
+          </p:nvSpPr>
+          <p:spPr>
+            <a:xfrm>
+              <a:off x="2626271" y="3782461"/>
+              <a:ext cx="1343025" cy="261610"/>
+            </a:xfrm>
+            <a:prstGeom prst="rect">
+              <a:avLst/>
+            </a:prstGeom>
+            <a:noFill/>
+          </p:spPr>
+          <p:txBody>
+            <a:bodyPr wrap="square" rtlCol="0">
+              <a:spAutoFit/>
+            </a:bodyPr>
+            <a:lstStyle/>
+            <a:p>
+              <a:pPr algn="ctr"/>
+              <a:r>
+                <a:rPr lang="en-US" sz="1100" dirty="0">
+                  <a:latin typeface="Times New Roman" panose="02020603050405020304" pitchFamily="18" charset="0"/>
+                  <a:cs typeface="Times New Roman" panose="02020603050405020304" pitchFamily="18" charset="0"/>
+                </a:rPr>
+                <a:t>Legend</a:t>
+              </a:r>
+              <a:endParaRPr lang="ru-RU" sz="1100" dirty="0">
+                <a:latin typeface="Times New Roman" panose="02020603050405020304" pitchFamily="18" charset="0"/>
+                <a:cs typeface="Times New Roman" panose="02020603050405020304" pitchFamily="18" charset="0"/>
+              </a:endParaRPr>
+            </a:p>
+          </p:txBody>
+        </p:sp>
+        <p:cxnSp>
+          <p:nvCxnSpPr>
+            <p:cNvPr id="36" name="Прямая со стрелкой 35"/>
+            <p:cNvCxnSpPr/>
+            <p:nvPr/>
+          </p:nvCxnSpPr>
+          <p:spPr>
+            <a:xfrm rot="5400000">
+              <a:off x="5311822" y="4331460"/>
+              <a:ext cx="269081" cy="0"/>
+            </a:xfrm>
+            <a:prstGeom prst="straightConnector1">
+              <a:avLst/>
+            </a:prstGeom>
+            <a:ln w="47625">
+              <a:tailEnd type="stealth" w="lg" len="lg"/>
+            </a:ln>
+          </p:spPr>
+          <p:style>
+            <a:lnRef idx="1">
+              <a:schemeClr val="accent1"/>
+            </a:lnRef>
+            <a:fillRef idx="0">
+              <a:schemeClr val="accent1"/>
+            </a:fillRef>
+            <a:effectRef idx="0">
+              <a:schemeClr val="accent1"/>
+            </a:effectRef>
+            <a:fontRef idx="minor">
+              <a:schemeClr val="tx1"/>
+            </a:fontRef>
+          </p:style>
+        </p:cxnSp>
+        <p:cxnSp>
+          <p:nvCxnSpPr>
+            <p:cNvPr id="37" name="Прямая со стрелкой 36"/>
+            <p:cNvCxnSpPr/>
+            <p:nvPr/>
+          </p:nvCxnSpPr>
+          <p:spPr>
+            <a:xfrm rot="5400000">
+              <a:off x="6064297" y="4331460"/>
+              <a:ext cx="269081" cy="0"/>
+            </a:xfrm>
+            <a:prstGeom prst="straightConnector1">
+              <a:avLst/>
+            </a:prstGeom>
+            <a:ln w="47625">
+              <a:tailEnd type="stealth" w="lg" len="lg"/>
+            </a:ln>
+          </p:spPr>
+          <p:style>
+            <a:lnRef idx="1">
+              <a:schemeClr val="accent1"/>
+            </a:lnRef>
+            <a:fillRef idx="0">
+              <a:schemeClr val="accent1"/>
+            </a:fillRef>
+            <a:effectRef idx="0">
+              <a:schemeClr val="accent1"/>
+            </a:effectRef>
+            <a:fontRef idx="minor">
+              <a:schemeClr val="tx1"/>
+            </a:fontRef>
+          </p:style>
+        </p:cxnSp>
+        <p:cxnSp>
+          <p:nvCxnSpPr>
+            <p:cNvPr id="38" name="Прямая со стрелкой 37"/>
+            <p:cNvCxnSpPr/>
+            <p:nvPr/>
+          </p:nvCxnSpPr>
+          <p:spPr>
+            <a:xfrm rot="5400000">
+              <a:off x="6835822" y="4338605"/>
+              <a:ext cx="269081" cy="0"/>
+            </a:xfrm>
+            <a:prstGeom prst="straightConnector1">
+              <a:avLst/>
+            </a:prstGeom>
+            <a:ln w="47625">
+              <a:tailEnd type="stealth" w="lg" len="lg"/>
+            </a:ln>
+          </p:spPr>
+          <p:style>
+            <a:lnRef idx="1">
+              <a:schemeClr val="accent1"/>
+            </a:lnRef>
+            <a:fillRef idx="0">
+              <a:schemeClr val="accent1"/>
+            </a:fillRef>
+            <a:effectRef idx="0">
+              <a:schemeClr val="accent1"/>
+            </a:effectRef>
+            <a:fontRef idx="minor">
+              <a:schemeClr val="tx1"/>
+            </a:fontRef>
+          </p:style>
+        </p:cxnSp>
+        <p:sp>
+          <p:nvSpPr>
+            <p:cNvPr id="39" name="TextBox 38"/>
+            <p:cNvSpPr txBox="1"/>
+            <p:nvPr/>
+          </p:nvSpPr>
+          <p:spPr>
+            <a:xfrm>
+              <a:off x="5061741" y="3503913"/>
+              <a:ext cx="2463009" cy="261610"/>
+            </a:xfrm>
+            <a:prstGeom prst="rect">
+              <a:avLst/>
+            </a:prstGeom>
+            <a:noFill/>
+          </p:spPr>
+          <p:txBody>
+            <a:bodyPr wrap="square" rtlCol="0">
+              <a:spAutoFit/>
+            </a:bodyPr>
+            <a:lstStyle/>
+            <a:p>
+              <a:pPr algn="ctr"/>
+              <a:r>
+                <a:rPr lang="en-US" sz="1100" dirty="0">
+                  <a:latin typeface="Times New Roman" panose="02020603050405020304" pitchFamily="18" charset="0"/>
+                  <a:cs typeface="Times New Roman" panose="02020603050405020304" pitchFamily="18" charset="0"/>
+                </a:rPr>
+                <a:t>Setting the limits for variables</a:t>
+              </a:r>
+              <a:r>
+                <a:rPr lang="ru-RU" sz="1100" dirty="0">
+                  <a:latin typeface="Times New Roman" panose="02020603050405020304" pitchFamily="18" charset="0"/>
+                  <a:cs typeface="Times New Roman" panose="02020603050405020304" pitchFamily="18" charset="0"/>
+                </a:rPr>
+                <a:t>:</a:t>
+              </a:r>
+            </a:p>
+          </p:txBody>
+        </p:sp>
+        <p:sp>
+          <p:nvSpPr>
+            <p:cNvPr id="40" name="TextBox 39"/>
+            <p:cNvSpPr txBox="1"/>
+            <p:nvPr/>
+          </p:nvSpPr>
+          <p:spPr>
+            <a:xfrm>
+              <a:off x="5016406" y="3918371"/>
+              <a:ext cx="802761" cy="261610"/>
+            </a:xfrm>
+            <a:prstGeom prst="rect">
+              <a:avLst/>
+            </a:prstGeom>
+            <a:noFill/>
+          </p:spPr>
+          <p:txBody>
+            <a:bodyPr wrap="square" rtlCol="0">
+              <a:spAutoFit/>
+            </a:bodyPr>
+            <a:lstStyle/>
+            <a:p>
+              <a:pPr algn="ctr"/>
+              <a:r>
+                <a:rPr lang="en-US" sz="1100" dirty="0">
+                  <a:latin typeface="Times New Roman" panose="02020603050405020304" pitchFamily="18" charset="0"/>
+                  <a:cs typeface="Times New Roman" panose="02020603050405020304" pitchFamily="18" charset="0"/>
+                </a:rPr>
+                <a:t>density</a:t>
+              </a:r>
+              <a:endParaRPr lang="ru-RU" sz="1100" dirty="0">
+                <a:latin typeface="Times New Roman" panose="02020603050405020304" pitchFamily="18" charset="0"/>
+                <a:cs typeface="Times New Roman" panose="02020603050405020304" pitchFamily="18" charset="0"/>
+              </a:endParaRPr>
+            </a:p>
+          </p:txBody>
+        </p:sp>
+        <p:sp>
+          <p:nvSpPr>
+            <p:cNvPr id="41" name="TextBox 40"/>
+            <p:cNvSpPr txBox="1"/>
+            <p:nvPr/>
+          </p:nvSpPr>
+          <p:spPr>
+            <a:xfrm>
+              <a:off x="5715888" y="3774454"/>
+              <a:ext cx="988847" cy="430887"/>
+            </a:xfrm>
+            <a:prstGeom prst="rect">
+              <a:avLst/>
+            </a:prstGeom>
+            <a:noFill/>
+          </p:spPr>
+          <p:txBody>
+            <a:bodyPr wrap="square" rtlCol="0">
+              <a:spAutoFit/>
+            </a:bodyPr>
+            <a:lstStyle/>
+            <a:p>
+              <a:pPr algn="ctr"/>
+              <a:r>
+                <a:rPr lang="en-US" sz="1100" dirty="0">
+                  <a:latin typeface="Times New Roman" panose="02020603050405020304" pitchFamily="18" charset="0"/>
+                  <a:cs typeface="Times New Roman" panose="02020603050405020304" pitchFamily="18" charset="0"/>
+                </a:rPr>
+                <a:t>thickness of</a:t>
+              </a:r>
+              <a:endParaRPr lang="ru-RU" sz="1100" dirty="0">
+                <a:latin typeface="Times New Roman" panose="02020603050405020304" pitchFamily="18" charset="0"/>
+                <a:cs typeface="Times New Roman" panose="02020603050405020304" pitchFamily="18" charset="0"/>
+              </a:endParaRPr>
+            </a:p>
+            <a:p>
+              <a:pPr algn="ctr"/>
+              <a:r>
+                <a:rPr lang="en-US" sz="1100" dirty="0">
+                  <a:latin typeface="Times New Roman" panose="02020603050405020304" pitchFamily="18" charset="0"/>
+                  <a:cs typeface="Times New Roman" panose="02020603050405020304" pitchFamily="18" charset="0"/>
+                </a:rPr>
+                <a:t>layer/period</a:t>
+              </a:r>
+              <a:endParaRPr lang="ru-RU" sz="1100" dirty="0">
+                <a:latin typeface="Times New Roman" panose="02020603050405020304" pitchFamily="18" charset="0"/>
+                <a:cs typeface="Times New Roman" panose="02020603050405020304" pitchFamily="18" charset="0"/>
+              </a:endParaRPr>
+            </a:p>
+          </p:txBody>
+        </p:sp>
+        <p:sp>
+          <p:nvSpPr>
+            <p:cNvPr id="42" name="TextBox 41"/>
+            <p:cNvSpPr txBox="1"/>
+            <p:nvPr/>
+          </p:nvSpPr>
+          <p:spPr>
+            <a:xfrm>
+              <a:off x="6533626" y="3773177"/>
+              <a:ext cx="908691" cy="430887"/>
+            </a:xfrm>
+            <a:prstGeom prst="rect">
+              <a:avLst/>
+            </a:prstGeom>
+            <a:noFill/>
+          </p:spPr>
+          <p:txBody>
+            <a:bodyPr wrap="square" rtlCol="0">
+              <a:spAutoFit/>
+            </a:bodyPr>
+            <a:lstStyle/>
+            <a:p>
+              <a:pPr algn="ctr"/>
+              <a:r>
+                <a:rPr lang="en-US" sz="1100" dirty="0">
+                  <a:latin typeface="Times New Roman" panose="02020603050405020304" pitchFamily="18" charset="0"/>
+                  <a:cs typeface="Times New Roman" panose="02020603050405020304" pitchFamily="18" charset="0"/>
+                </a:rPr>
+                <a:t>transitional region</a:t>
+              </a:r>
+              <a:endParaRPr lang="ru-RU" sz="1100" dirty="0">
+                <a:latin typeface="Times New Roman" panose="02020603050405020304" pitchFamily="18" charset="0"/>
+                <a:cs typeface="Times New Roman" panose="02020603050405020304" pitchFamily="18" charset="0"/>
+              </a:endParaRPr>
+            </a:p>
+          </p:txBody>
+        </p:sp>
+      </p:grpSp>
+    </p:spTree>
+    <p:extLst>
+      <p:ext uri="{BB962C8B-B14F-4D97-AF65-F5344CB8AC3E}">
+        <p14:creationId xmlns:p14="http://schemas.microsoft.com/office/powerpoint/2010/main" val="353969168"/>
+      </p:ext>
+    </p:extLst>
+  </p:cSld>
+  <p:clrMapOvr>
+    <a:masterClrMapping/>
+  </p:clrMapOvr>
+</p:sld>
+</file>
+
+<file path=ppt/slides/slide11.xml><?xml version="1.0" encoding="utf-8"?>
+<p:sld xmlns:a="http://schemas.openxmlformats.org/drawingml/2006/main" xmlns:r="http://schemas.openxmlformats.org/officeDocument/2006/relationships" xmlns:p="http://schemas.openxmlformats.org/presentationml/2006/main">
+  <p:cSld>
+    <p:spTree>
+      <p:nvGrpSpPr>
+        <p:cNvPr id="1" name=""/>
+        <p:cNvGrpSpPr/>
+        <p:nvPr/>
+      </p:nvGrpSpPr>
+      <p:grpSpPr>
+        <a:xfrm>
+          <a:off x="0" y="0"/>
+          <a:ext cx="0" cy="0"/>
+          <a:chOff x="0" y="0"/>
+          <a:chExt cx="0" cy="0"/>
+        </a:xfrm>
+      </p:grpSpPr>
+      <p:grpSp>
+        <p:nvGrpSpPr>
           <p:cNvPr id="3" name="Группа 2"/>
           <p:cNvGrpSpPr/>
           <p:nvPr/>
@@ -5135,7 +5931,7 @@
 </p:sld>
 </file>
 
-<file path=ppt/slides/slide11.xml><?xml version="1.0" encoding="utf-8"?>
+<file path=ppt/slides/slide12.xml><?xml version="1.0" encoding="utf-8"?>
 <p:sld xmlns:a="http://schemas.openxmlformats.org/drawingml/2006/main" xmlns:r="http://schemas.openxmlformats.org/officeDocument/2006/relationships" xmlns:p="http://schemas.openxmlformats.org/presentationml/2006/main">
   <p:cSld>
     <p:spTree>
@@ -5709,7 +6505,7 @@
 </p:sld>
 </file>
 
-<file path=ppt/slides/slide12.xml><?xml version="1.0" encoding="utf-8"?>
+<file path=ppt/slides/slide13.xml><?xml version="1.0" encoding="utf-8"?>
 <p:sld xmlns:a="http://schemas.openxmlformats.org/drawingml/2006/main" xmlns:r="http://schemas.openxmlformats.org/officeDocument/2006/relationships" xmlns:p="http://schemas.openxmlformats.org/presentationml/2006/main">
   <p:cSld>
     <p:spTree>
@@ -7494,7 +8290,7 @@
 </p:sld>
 </file>
 
-<file path=ppt/slides/slide13.xml><?xml version="1.0" encoding="utf-8"?>
+<file path=ppt/slides/slide14.xml><?xml version="1.0" encoding="utf-8"?>
 <p:sld xmlns:a="http://schemas.openxmlformats.org/drawingml/2006/main" xmlns:r="http://schemas.openxmlformats.org/officeDocument/2006/relationships" xmlns:p="http://schemas.openxmlformats.org/presentationml/2006/main">
   <p:cSld>
     <p:spTree>
@@ -7609,7 +8405,7 @@
 </p:sld>
 </file>
 
-<file path=ppt/slides/slide14.xml><?xml version="1.0" encoding="utf-8"?>
+<file path=ppt/slides/slide15.xml><?xml version="1.0" encoding="utf-8"?>
 <p:sld xmlns:a="http://schemas.openxmlformats.org/drawingml/2006/main" xmlns:r="http://schemas.openxmlformats.org/officeDocument/2006/relationships" xmlns:p="http://schemas.openxmlformats.org/presentationml/2006/main">
   <p:cSld>
     <p:spTree>
@@ -17996,6 +18792,706 @@
           <a:chExt cx="0" cy="0"/>
         </a:xfrm>
       </p:grpSpPr>
+      <p:sp>
+        <p:nvSpPr>
+          <p:cNvPr id="6" name="TextBox 5">
+            <a:extLst>
+              <a:ext uri="{FF2B5EF4-FFF2-40B4-BE49-F238E27FC236}">
+                <a16:creationId xmlns:a16="http://schemas.microsoft.com/office/drawing/2014/main" id="{D4C2BFD8-E803-180D-F5AA-2235C34565B9}"/>
+              </a:ext>
+            </a:extLst>
+          </p:cNvPr>
+          <p:cNvSpPr txBox="1"/>
+          <p:nvPr/>
+        </p:nvSpPr>
+        <p:spPr>
+          <a:xfrm>
+            <a:off x="0" y="847607"/>
+            <a:ext cx="1130061" cy="369332"/>
+          </a:xfrm>
+          <a:prstGeom prst="rect">
+            <a:avLst/>
+          </a:prstGeom>
+          <a:noFill/>
+        </p:spPr>
+        <p:txBody>
+          <a:bodyPr wrap="square" rtlCol="0">
+            <a:spAutoFit/>
+          </a:bodyPr>
+          <a:lstStyle/>
+          <a:p>
+            <a:r>
+              <a:rPr lang="en-US" dirty="0"/>
+              <a:t>detector</a:t>
+            </a:r>
+          </a:p>
+        </p:txBody>
+      </p:sp>
+      <p:grpSp>
+        <p:nvGrpSpPr>
+          <p:cNvPr id="10" name="Group 9">
+            <a:extLst>
+              <a:ext uri="{FF2B5EF4-FFF2-40B4-BE49-F238E27FC236}">
+                <a16:creationId xmlns:a16="http://schemas.microsoft.com/office/drawing/2014/main" id="{99DDEBF7-0E16-4786-6BB9-F75218CDC8F4}"/>
+              </a:ext>
+            </a:extLst>
+          </p:cNvPr>
+          <p:cNvGrpSpPr>
+            <a:grpSpLocks noChangeAspect="1"/>
+          </p:cNvGrpSpPr>
+          <p:nvPr/>
+        </p:nvGrpSpPr>
+        <p:grpSpPr>
+          <a:xfrm>
+            <a:off x="1280513" y="255815"/>
+            <a:ext cx="7107666" cy="449580"/>
+            <a:chOff x="1611439" y="255814"/>
+            <a:chExt cx="7107666" cy="449580"/>
+          </a:xfrm>
+        </p:grpSpPr>
+        <p:pic>
+          <p:nvPicPr>
+            <p:cNvPr id="2" name="Picture 1">
+              <a:extLst>
+                <a:ext uri="{FF2B5EF4-FFF2-40B4-BE49-F238E27FC236}">
+                  <a16:creationId xmlns:a16="http://schemas.microsoft.com/office/drawing/2014/main" id="{F965BFEC-8145-FB2D-9291-FB80587438A5}"/>
+                </a:ext>
+              </a:extLst>
+            </p:cNvPr>
+            <p:cNvPicPr>
+              <a:picLocks noChangeAspect="1"/>
+            </p:cNvPicPr>
+            <p:nvPr/>
+          </p:nvPicPr>
+          <p:blipFill rotWithShape="1">
+            <a:blip r:embed="rId2"/>
+            <a:srcRect t="42333" b="51111"/>
+            <a:stretch/>
+          </p:blipFill>
+          <p:spPr>
+            <a:xfrm>
+              <a:off x="1611439" y="255814"/>
+              <a:ext cx="7107666" cy="449580"/>
+            </a:xfrm>
+            <a:prstGeom prst="rect">
+              <a:avLst/>
+            </a:prstGeom>
+          </p:spPr>
+        </p:pic>
+        <p:sp>
+          <p:nvSpPr>
+            <p:cNvPr id="7" name="Овал 2">
+              <a:extLst>
+                <a:ext uri="{FF2B5EF4-FFF2-40B4-BE49-F238E27FC236}">
+                  <a16:creationId xmlns:a16="http://schemas.microsoft.com/office/drawing/2014/main" id="{4887E327-4B86-22D2-8697-CF257DA9A3A4}"/>
+                </a:ext>
+              </a:extLst>
+            </p:cNvPr>
+            <p:cNvSpPr/>
+            <p:nvPr/>
+          </p:nvSpPr>
+          <p:spPr>
+            <a:xfrm>
+              <a:off x="1634973" y="409302"/>
+              <a:ext cx="1273690" cy="243841"/>
+            </a:xfrm>
+            <a:prstGeom prst="ellipse">
+              <a:avLst/>
+            </a:prstGeom>
+            <a:noFill/>
+            <a:ln w="19050">
+              <a:solidFill>
+                <a:srgbClr val="FF0000"/>
+              </a:solidFill>
+            </a:ln>
+          </p:spPr>
+          <p:style>
+            <a:lnRef idx="2">
+              <a:schemeClr val="accent1">
+                <a:shade val="50000"/>
+              </a:schemeClr>
+            </a:lnRef>
+            <a:fillRef idx="1">
+              <a:schemeClr val="accent1"/>
+            </a:fillRef>
+            <a:effectRef idx="0">
+              <a:schemeClr val="accent1"/>
+            </a:effectRef>
+            <a:fontRef idx="minor">
+              <a:schemeClr val="lt1"/>
+            </a:fontRef>
+          </p:style>
+          <p:txBody>
+            <a:bodyPr rtlCol="0" anchor="ctr"/>
+            <a:lstStyle/>
+            <a:p>
+              <a:pPr algn="ctr"/>
+              <a:endParaRPr lang="ru-RU"/>
+            </a:p>
+          </p:txBody>
+        </p:sp>
+      </p:grpSp>
+      <p:grpSp>
+        <p:nvGrpSpPr>
+          <p:cNvPr id="12" name="Group 11">
+            <a:extLst>
+              <a:ext uri="{FF2B5EF4-FFF2-40B4-BE49-F238E27FC236}">
+                <a16:creationId xmlns:a16="http://schemas.microsoft.com/office/drawing/2014/main" id="{40AAB4BF-A4ED-A34C-B1D3-813D0C6EB4A1}"/>
+              </a:ext>
+            </a:extLst>
+          </p:cNvPr>
+          <p:cNvGrpSpPr>
+            <a:grpSpLocks noChangeAspect="1"/>
+          </p:cNvGrpSpPr>
+          <p:nvPr/>
+        </p:nvGrpSpPr>
+        <p:grpSpPr>
+          <a:xfrm>
+            <a:off x="1290312" y="866504"/>
+            <a:ext cx="7107666" cy="822960"/>
+            <a:chOff x="1568985" y="1476103"/>
+            <a:chExt cx="7107666" cy="822960"/>
+          </a:xfrm>
+        </p:grpSpPr>
+        <p:pic>
+          <p:nvPicPr>
+            <p:cNvPr id="4" name="Picture 3">
+              <a:extLst>
+                <a:ext uri="{FF2B5EF4-FFF2-40B4-BE49-F238E27FC236}">
+                  <a16:creationId xmlns:a16="http://schemas.microsoft.com/office/drawing/2014/main" id="{B3DF0F40-39AD-6915-F550-3758D37AEBEB}"/>
+                </a:ext>
+              </a:extLst>
+            </p:cNvPr>
+            <p:cNvPicPr>
+              <a:picLocks noChangeAspect="1"/>
+            </p:cNvPicPr>
+            <p:nvPr/>
+          </p:nvPicPr>
+          <p:blipFill rotWithShape="1">
+            <a:blip r:embed="rId2"/>
+            <a:srcRect t="54778" b="33222"/>
+            <a:stretch/>
+          </p:blipFill>
+          <p:spPr>
+            <a:xfrm>
+              <a:off x="1568985" y="1476103"/>
+              <a:ext cx="7107666" cy="822960"/>
+            </a:xfrm>
+            <a:prstGeom prst="rect">
+              <a:avLst/>
+            </a:prstGeom>
+          </p:spPr>
+        </p:pic>
+        <p:sp>
+          <p:nvSpPr>
+            <p:cNvPr id="9" name="Овал 2">
+              <a:extLst>
+                <a:ext uri="{FF2B5EF4-FFF2-40B4-BE49-F238E27FC236}">
+                  <a16:creationId xmlns:a16="http://schemas.microsoft.com/office/drawing/2014/main" id="{743640CA-343D-C406-DD3E-37B2E0A29A74}"/>
+                </a:ext>
+              </a:extLst>
+            </p:cNvPr>
+            <p:cNvSpPr/>
+            <p:nvPr/>
+          </p:nvSpPr>
+          <p:spPr>
+            <a:xfrm>
+              <a:off x="1613201" y="1820091"/>
+              <a:ext cx="1121290" cy="226423"/>
+            </a:xfrm>
+            <a:prstGeom prst="ellipse">
+              <a:avLst/>
+            </a:prstGeom>
+            <a:noFill/>
+            <a:ln w="19050">
+              <a:solidFill>
+                <a:srgbClr val="FF0000"/>
+              </a:solidFill>
+            </a:ln>
+          </p:spPr>
+          <p:style>
+            <a:lnRef idx="2">
+              <a:schemeClr val="accent1">
+                <a:shade val="50000"/>
+              </a:schemeClr>
+            </a:lnRef>
+            <a:fillRef idx="1">
+              <a:schemeClr val="accent1"/>
+            </a:fillRef>
+            <a:effectRef idx="0">
+              <a:schemeClr val="accent1"/>
+            </a:effectRef>
+            <a:fontRef idx="minor">
+              <a:schemeClr val="lt1"/>
+            </a:fontRef>
+          </p:style>
+          <p:txBody>
+            <a:bodyPr rtlCol="0" anchor="ctr"/>
+            <a:lstStyle/>
+            <a:p>
+              <a:pPr algn="ctr"/>
+              <a:endParaRPr lang="ru-RU"/>
+            </a:p>
+          </p:txBody>
+        </p:sp>
+      </p:grpSp>
+      <p:pic>
+        <p:nvPicPr>
+          <p:cNvPr id="13" name="Picture 12">
+            <a:extLst>
+              <a:ext uri="{FF2B5EF4-FFF2-40B4-BE49-F238E27FC236}">
+                <a16:creationId xmlns:a16="http://schemas.microsoft.com/office/drawing/2014/main" id="{BD835E00-E3B2-FC33-1090-463B7B6A5983}"/>
+              </a:ext>
+            </a:extLst>
+          </p:cNvPr>
+          <p:cNvPicPr>
+            <a:picLocks noChangeAspect="1"/>
+          </p:cNvPicPr>
+          <p:nvPr/>
+        </p:nvPicPr>
+        <p:blipFill rotWithShape="1">
+          <a:blip r:embed="rId3"/>
+          <a:srcRect t="42222" b="48889"/>
+          <a:stretch/>
+        </p:blipFill>
+        <p:spPr>
+          <a:xfrm>
+            <a:off x="1190332" y="2198914"/>
+            <a:ext cx="7372935" cy="609600"/>
+          </a:xfrm>
+          <a:prstGeom prst="rect">
+            <a:avLst/>
+          </a:prstGeom>
+        </p:spPr>
+      </p:pic>
+      <p:sp>
+        <p:nvSpPr>
+          <p:cNvPr id="5" name="Овал 2">
+            <a:extLst>
+              <a:ext uri="{FF2B5EF4-FFF2-40B4-BE49-F238E27FC236}">
+                <a16:creationId xmlns:a16="http://schemas.microsoft.com/office/drawing/2014/main" id="{9584934C-0651-2FEE-AB3B-AE25E66136F1}"/>
+              </a:ext>
+            </a:extLst>
+          </p:cNvPr>
+          <p:cNvSpPr/>
+          <p:nvPr/>
+        </p:nvSpPr>
+        <p:spPr>
+          <a:xfrm>
+            <a:off x="7408756" y="1824917"/>
+            <a:ext cx="1438742" cy="327660"/>
+          </a:xfrm>
+          <a:prstGeom prst="ellipse">
+            <a:avLst/>
+          </a:prstGeom>
+          <a:noFill/>
+          <a:ln w="19050">
+            <a:solidFill>
+              <a:srgbClr val="FF0000"/>
+            </a:solidFill>
+          </a:ln>
+        </p:spPr>
+        <p:style>
+          <a:lnRef idx="2">
+            <a:schemeClr val="accent1">
+              <a:shade val="50000"/>
+            </a:schemeClr>
+          </a:lnRef>
+          <a:fillRef idx="1">
+            <a:schemeClr val="accent1"/>
+          </a:fillRef>
+          <a:effectRef idx="0">
+            <a:schemeClr val="accent1"/>
+          </a:effectRef>
+          <a:fontRef idx="minor">
+            <a:schemeClr val="lt1"/>
+          </a:fontRef>
+        </p:style>
+        <p:txBody>
+          <a:bodyPr rtlCol="0" anchor="ctr"/>
+          <a:lstStyle/>
+          <a:p>
+            <a:pPr algn="ctr"/>
+            <a:endParaRPr lang="ru-RU"/>
+          </a:p>
+        </p:txBody>
+      </p:sp>
+      <p:grpSp>
+        <p:nvGrpSpPr>
+          <p:cNvPr id="17" name="Group 16">
+            <a:extLst>
+              <a:ext uri="{FF2B5EF4-FFF2-40B4-BE49-F238E27FC236}">
+                <a16:creationId xmlns:a16="http://schemas.microsoft.com/office/drawing/2014/main" id="{867C22C9-4E2A-432A-9C86-159AE907590C}"/>
+              </a:ext>
+            </a:extLst>
+          </p:cNvPr>
+          <p:cNvGrpSpPr/>
+          <p:nvPr/>
+        </p:nvGrpSpPr>
+        <p:grpSpPr>
+          <a:xfrm>
+            <a:off x="1190332" y="3021874"/>
+            <a:ext cx="7372935" cy="827315"/>
+            <a:chOff x="1155498" y="3483428"/>
+            <a:chExt cx="7372935" cy="827315"/>
+          </a:xfrm>
+        </p:grpSpPr>
+        <p:pic>
+          <p:nvPicPr>
+            <p:cNvPr id="15" name="Picture 14">
+              <a:extLst>
+                <a:ext uri="{FF2B5EF4-FFF2-40B4-BE49-F238E27FC236}">
+                  <a16:creationId xmlns:a16="http://schemas.microsoft.com/office/drawing/2014/main" id="{1DCCCE57-58F2-4E70-3271-91130D3784BE}"/>
+                </a:ext>
+              </a:extLst>
+            </p:cNvPr>
+            <p:cNvPicPr>
+              <a:picLocks noChangeAspect="1"/>
+            </p:cNvPicPr>
+            <p:nvPr/>
+          </p:nvPicPr>
+          <p:blipFill rotWithShape="1">
+            <a:blip r:embed="rId3"/>
+            <a:srcRect t="54730" b="33207"/>
+            <a:stretch/>
+          </p:blipFill>
+          <p:spPr>
+            <a:xfrm>
+              <a:off x="1155498" y="3483428"/>
+              <a:ext cx="7372935" cy="827315"/>
+            </a:xfrm>
+            <a:prstGeom prst="rect">
+              <a:avLst/>
+            </a:prstGeom>
+          </p:spPr>
+        </p:pic>
+        <p:sp>
+          <p:nvSpPr>
+            <p:cNvPr id="16" name="Овал 2">
+              <a:extLst>
+                <a:ext uri="{FF2B5EF4-FFF2-40B4-BE49-F238E27FC236}">
+                  <a16:creationId xmlns:a16="http://schemas.microsoft.com/office/drawing/2014/main" id="{5C3893ED-2E28-4C43-6873-D4CCD76A4A71}"/>
+                </a:ext>
+              </a:extLst>
+            </p:cNvPr>
+            <p:cNvSpPr/>
+            <p:nvPr/>
+          </p:nvSpPr>
+          <p:spPr>
+            <a:xfrm>
+              <a:off x="1182126" y="3840481"/>
+              <a:ext cx="881805" cy="217714"/>
+            </a:xfrm>
+            <a:prstGeom prst="ellipse">
+              <a:avLst/>
+            </a:prstGeom>
+            <a:noFill/>
+            <a:ln w="19050">
+              <a:solidFill>
+                <a:srgbClr val="FF0000"/>
+              </a:solidFill>
+            </a:ln>
+          </p:spPr>
+          <p:style>
+            <a:lnRef idx="2">
+              <a:schemeClr val="accent1">
+                <a:shade val="50000"/>
+              </a:schemeClr>
+            </a:lnRef>
+            <a:fillRef idx="1">
+              <a:schemeClr val="accent1"/>
+            </a:fillRef>
+            <a:effectRef idx="0">
+              <a:schemeClr val="accent1"/>
+            </a:effectRef>
+            <a:fontRef idx="minor">
+              <a:schemeClr val="lt1"/>
+            </a:fontRef>
+          </p:style>
+          <p:txBody>
+            <a:bodyPr rtlCol="0" anchor="ctr"/>
+            <a:lstStyle/>
+            <a:p>
+              <a:pPr algn="ctr"/>
+              <a:endParaRPr lang="ru-RU"/>
+            </a:p>
+          </p:txBody>
+        </p:sp>
+      </p:grpSp>
+      <p:sp>
+        <p:nvSpPr>
+          <p:cNvPr id="21" name="TextBox 20">
+            <a:extLst>
+              <a:ext uri="{FF2B5EF4-FFF2-40B4-BE49-F238E27FC236}">
+                <a16:creationId xmlns:a16="http://schemas.microsoft.com/office/drawing/2014/main" id="{F2348892-B219-CC34-7F87-4B24B73138A4}"/>
+              </a:ext>
+            </a:extLst>
+          </p:cNvPr>
+          <p:cNvSpPr txBox="1"/>
+          <p:nvPr/>
+        </p:nvSpPr>
+        <p:spPr>
+          <a:xfrm>
+            <a:off x="60960" y="2733012"/>
+            <a:ext cx="1130061" cy="369332"/>
+          </a:xfrm>
+          <a:prstGeom prst="rect">
+            <a:avLst/>
+          </a:prstGeom>
+          <a:noFill/>
+        </p:spPr>
+        <p:txBody>
+          <a:bodyPr wrap="square" rtlCol="0">
+            <a:spAutoFit/>
+          </a:bodyPr>
+          <a:lstStyle/>
+          <a:p>
+            <a:r>
+              <a:rPr lang="en-US" dirty="0"/>
+              <a:t>rocking</a:t>
+            </a:r>
+          </a:p>
+        </p:txBody>
+      </p:sp>
+      <p:sp>
+        <p:nvSpPr>
+          <p:cNvPr id="24" name="TextBox 23">
+            <a:extLst>
+              <a:ext uri="{FF2B5EF4-FFF2-40B4-BE49-F238E27FC236}">
+                <a16:creationId xmlns:a16="http://schemas.microsoft.com/office/drawing/2014/main" id="{DD12C468-2DAB-9B6C-02A4-6DD68F5145D2}"/>
+              </a:ext>
+            </a:extLst>
+          </p:cNvPr>
+          <p:cNvSpPr txBox="1"/>
+          <p:nvPr/>
+        </p:nvSpPr>
+        <p:spPr>
+          <a:xfrm>
+            <a:off x="134983" y="4888383"/>
+            <a:ext cx="1130061" cy="369332"/>
+          </a:xfrm>
+          <a:prstGeom prst="rect">
+            <a:avLst/>
+          </a:prstGeom>
+          <a:noFill/>
+        </p:spPr>
+        <p:txBody>
+          <a:bodyPr wrap="square" rtlCol="0">
+            <a:spAutoFit/>
+          </a:bodyPr>
+          <a:lstStyle/>
+          <a:p>
+            <a:r>
+              <a:rPr lang="en-US" dirty="0"/>
+              <a:t>offset</a:t>
+            </a:r>
+          </a:p>
+        </p:txBody>
+      </p:sp>
+      <p:grpSp>
+        <p:nvGrpSpPr>
+          <p:cNvPr id="27" name="Group 26">
+            <a:extLst>
+              <a:ext uri="{FF2B5EF4-FFF2-40B4-BE49-F238E27FC236}">
+                <a16:creationId xmlns:a16="http://schemas.microsoft.com/office/drawing/2014/main" id="{41854448-242F-B616-9A13-B230AE5C3E35}"/>
+              </a:ext>
+            </a:extLst>
+          </p:cNvPr>
+          <p:cNvGrpSpPr/>
+          <p:nvPr/>
+        </p:nvGrpSpPr>
+        <p:grpSpPr>
+          <a:xfrm>
+            <a:off x="1208575" y="4406536"/>
+            <a:ext cx="7162280" cy="435429"/>
+            <a:chOff x="1208575" y="4406536"/>
+            <a:chExt cx="7162280" cy="435429"/>
+          </a:xfrm>
+        </p:grpSpPr>
+        <p:pic>
+          <p:nvPicPr>
+            <p:cNvPr id="22" name="Picture 21">
+              <a:extLst>
+                <a:ext uri="{FF2B5EF4-FFF2-40B4-BE49-F238E27FC236}">
+                  <a16:creationId xmlns:a16="http://schemas.microsoft.com/office/drawing/2014/main" id="{73CECC4E-FE11-1DB2-793C-50385BB28FD4}"/>
+                </a:ext>
+              </a:extLst>
+            </p:cNvPr>
+            <p:cNvPicPr>
+              <a:picLocks noChangeAspect="1"/>
+            </p:cNvPicPr>
+            <p:nvPr/>
+          </p:nvPicPr>
+          <p:blipFill rotWithShape="1">
+            <a:blip r:embed="rId4"/>
+            <a:srcRect t="42413" b="51238"/>
+            <a:stretch/>
+          </p:blipFill>
+          <p:spPr>
+            <a:xfrm>
+              <a:off x="1208575" y="4406536"/>
+              <a:ext cx="7162280" cy="435429"/>
+            </a:xfrm>
+            <a:prstGeom prst="rect">
+              <a:avLst/>
+            </a:prstGeom>
+          </p:spPr>
+        </p:pic>
+        <p:sp>
+          <p:nvSpPr>
+            <p:cNvPr id="25" name="Овал 2">
+              <a:extLst>
+                <a:ext uri="{FF2B5EF4-FFF2-40B4-BE49-F238E27FC236}">
+                  <a16:creationId xmlns:a16="http://schemas.microsoft.com/office/drawing/2014/main" id="{AE6E2A44-4162-00E2-4652-A897534C5CBF}"/>
+                </a:ext>
+              </a:extLst>
+            </p:cNvPr>
+            <p:cNvSpPr/>
+            <p:nvPr/>
+          </p:nvSpPr>
+          <p:spPr>
+            <a:xfrm>
+              <a:off x="1256150" y="4545873"/>
+              <a:ext cx="1217084" cy="284589"/>
+            </a:xfrm>
+            <a:prstGeom prst="ellipse">
+              <a:avLst/>
+            </a:prstGeom>
+            <a:noFill/>
+            <a:ln w="19050">
+              <a:solidFill>
+                <a:srgbClr val="FF0000"/>
+              </a:solidFill>
+            </a:ln>
+          </p:spPr>
+          <p:style>
+            <a:lnRef idx="2">
+              <a:schemeClr val="accent1">
+                <a:shade val="50000"/>
+              </a:schemeClr>
+            </a:lnRef>
+            <a:fillRef idx="1">
+              <a:schemeClr val="accent1"/>
+            </a:fillRef>
+            <a:effectRef idx="0">
+              <a:schemeClr val="accent1"/>
+            </a:effectRef>
+            <a:fontRef idx="minor">
+              <a:schemeClr val="lt1"/>
+            </a:fontRef>
+          </p:style>
+          <p:txBody>
+            <a:bodyPr rtlCol="0" anchor="ctr"/>
+            <a:lstStyle/>
+            <a:p>
+              <a:pPr algn="ctr"/>
+              <a:endParaRPr lang="ru-RU"/>
+            </a:p>
+          </p:txBody>
+        </p:sp>
+      </p:grpSp>
+      <p:grpSp>
+        <p:nvGrpSpPr>
+          <p:cNvPr id="28" name="Group 27">
+            <a:extLst>
+              <a:ext uri="{FF2B5EF4-FFF2-40B4-BE49-F238E27FC236}">
+                <a16:creationId xmlns:a16="http://schemas.microsoft.com/office/drawing/2014/main" id="{5CF6E0C4-11B8-5094-6D6C-146B7568C033}"/>
+              </a:ext>
+            </a:extLst>
+          </p:cNvPr>
+          <p:cNvGrpSpPr/>
+          <p:nvPr/>
+        </p:nvGrpSpPr>
+        <p:grpSpPr>
+          <a:xfrm>
+            <a:off x="1199866" y="5085806"/>
+            <a:ext cx="7162280" cy="844731"/>
+            <a:chOff x="1199866" y="5085806"/>
+            <a:chExt cx="7162280" cy="844731"/>
+          </a:xfrm>
+        </p:grpSpPr>
+        <p:pic>
+          <p:nvPicPr>
+            <p:cNvPr id="23" name="Picture 22">
+              <a:extLst>
+                <a:ext uri="{FF2B5EF4-FFF2-40B4-BE49-F238E27FC236}">
+                  <a16:creationId xmlns:a16="http://schemas.microsoft.com/office/drawing/2014/main" id="{4A072FAA-1683-4ECC-F24B-B957012A8010}"/>
+                </a:ext>
+              </a:extLst>
+            </p:cNvPr>
+            <p:cNvPicPr>
+              <a:picLocks noChangeAspect="1"/>
+            </p:cNvPicPr>
+            <p:nvPr/>
+          </p:nvPicPr>
+          <p:blipFill rotWithShape="1">
+            <a:blip r:embed="rId4"/>
+            <a:srcRect t="54603" b="33080"/>
+            <a:stretch/>
+          </p:blipFill>
+          <p:spPr>
+            <a:xfrm>
+              <a:off x="1199866" y="5085806"/>
+              <a:ext cx="7162280" cy="844731"/>
+            </a:xfrm>
+            <a:prstGeom prst="rect">
+              <a:avLst/>
+            </a:prstGeom>
+          </p:spPr>
+        </p:pic>
+        <p:sp>
+          <p:nvSpPr>
+            <p:cNvPr id="26" name="Овал 2">
+              <a:extLst>
+                <a:ext uri="{FF2B5EF4-FFF2-40B4-BE49-F238E27FC236}">
+                  <a16:creationId xmlns:a16="http://schemas.microsoft.com/office/drawing/2014/main" id="{C66996D8-EF4A-CF26-E78A-5A4B0FA0BC01}"/>
+                </a:ext>
+              </a:extLst>
+            </p:cNvPr>
+            <p:cNvSpPr/>
+            <p:nvPr/>
+          </p:nvSpPr>
+          <p:spPr>
+            <a:xfrm>
+              <a:off x="1247441" y="5425440"/>
+              <a:ext cx="1077748" cy="258462"/>
+            </a:xfrm>
+            <a:prstGeom prst="ellipse">
+              <a:avLst/>
+            </a:prstGeom>
+            <a:noFill/>
+            <a:ln w="19050">
+              <a:solidFill>
+                <a:srgbClr val="FF0000"/>
+              </a:solidFill>
+            </a:ln>
+          </p:spPr>
+          <p:style>
+            <a:lnRef idx="2">
+              <a:schemeClr val="accent1">
+                <a:shade val="50000"/>
+              </a:schemeClr>
+            </a:lnRef>
+            <a:fillRef idx="1">
+              <a:schemeClr val="accent1"/>
+            </a:fillRef>
+            <a:effectRef idx="0">
+              <a:schemeClr val="accent1"/>
+            </a:effectRef>
+            <a:fontRef idx="minor">
+              <a:schemeClr val="lt1"/>
+            </a:fontRef>
+          </p:style>
+          <p:txBody>
+            <a:bodyPr rtlCol="0" anchor="ctr"/>
+            <a:lstStyle/>
+            <a:p>
+              <a:pPr algn="ctr"/>
+              <a:endParaRPr lang="ru-RU"/>
+            </a:p>
+          </p:txBody>
+        </p:sp>
+      </p:grpSp>
     </p:spTree>
     <p:extLst>
       <p:ext uri="{BB962C8B-B14F-4D97-AF65-F5344CB8AC3E}">
@@ -18026,775 +19522,10 @@
           <a:chExt cx="0" cy="0"/>
         </a:xfrm>
       </p:grpSpPr>
-      <p:grpSp>
-        <p:nvGrpSpPr>
-          <p:cNvPr id="31" name="Группа 30"/>
-          <p:cNvGrpSpPr/>
-          <p:nvPr/>
-        </p:nvGrpSpPr>
-        <p:grpSpPr>
-          <a:xfrm>
-            <a:off x="1911022" y="332088"/>
-            <a:ext cx="5797995" cy="1758649"/>
-            <a:chOff x="1644322" y="3503913"/>
-            <a:chExt cx="5797995" cy="1758649"/>
-          </a:xfrm>
-        </p:grpSpPr>
-        <p:pic>
-          <p:nvPicPr>
-            <p:cNvPr id="9" name="Рисунок 8"/>
-            <p:cNvPicPr>
-              <a:picLocks noChangeAspect="1"/>
-            </p:cNvPicPr>
-            <p:nvPr/>
-          </p:nvPicPr>
-          <p:blipFill>
-            <a:blip r:embed="rId2"/>
-            <a:stretch>
-              <a:fillRect/>
-            </a:stretch>
-          </p:blipFill>
-          <p:spPr>
-            <a:xfrm>
-              <a:off x="1646073" y="4567237"/>
-              <a:ext cx="5657850" cy="695325"/>
-            </a:xfrm>
-            <a:prstGeom prst="rect">
-              <a:avLst/>
-            </a:prstGeom>
-          </p:spPr>
-        </p:pic>
-        <p:sp>
-          <p:nvSpPr>
-            <p:cNvPr id="10" name="Левая фигурная скобка 9"/>
-            <p:cNvSpPr/>
-            <p:nvPr/>
-          </p:nvSpPr>
-          <p:spPr>
-            <a:xfrm rot="5400000">
-              <a:off x="3169197" y="2672044"/>
-              <a:ext cx="276225" cy="3325976"/>
-            </a:xfrm>
-            <a:prstGeom prst="leftBrace">
-              <a:avLst>
-                <a:gd name="adj1" fmla="val 35919"/>
-                <a:gd name="adj2" fmla="val 50629"/>
-              </a:avLst>
-            </a:prstGeom>
-            <a:ln w="28575">
-              <a:solidFill>
-                <a:srgbClr val="0070C0"/>
-              </a:solidFill>
-            </a:ln>
-          </p:spPr>
-          <p:style>
-            <a:lnRef idx="1">
-              <a:schemeClr val="accent1"/>
-            </a:lnRef>
-            <a:fillRef idx="0">
-              <a:schemeClr val="accent1"/>
-            </a:fillRef>
-            <a:effectRef idx="0">
-              <a:schemeClr val="accent1"/>
-            </a:effectRef>
-            <a:fontRef idx="minor">
-              <a:schemeClr val="tx1"/>
-            </a:fontRef>
-          </p:style>
-          <p:txBody>
-            <a:bodyPr rtlCol="0" anchor="ctr"/>
-            <a:lstStyle/>
-            <a:p>
-              <a:pPr algn="ctr"/>
-              <a:endParaRPr lang="ru-RU" sz="1100">
-                <a:latin typeface="Times New Roman" panose="02020603050405020304" pitchFamily="18" charset="0"/>
-                <a:cs typeface="Times New Roman" panose="02020603050405020304" pitchFamily="18" charset="0"/>
-              </a:endParaRPr>
-            </a:p>
-          </p:txBody>
-        </p:sp>
-        <p:sp>
-          <p:nvSpPr>
-            <p:cNvPr id="12" name="TextBox 11"/>
-            <p:cNvSpPr txBox="1"/>
-            <p:nvPr/>
-          </p:nvSpPr>
-          <p:spPr>
-            <a:xfrm>
-              <a:off x="2626271" y="3782461"/>
-              <a:ext cx="1343025" cy="261610"/>
-            </a:xfrm>
-            <a:prstGeom prst="rect">
-              <a:avLst/>
-            </a:prstGeom>
-            <a:noFill/>
-          </p:spPr>
-          <p:txBody>
-            <a:bodyPr wrap="square" rtlCol="0">
-              <a:spAutoFit/>
-            </a:bodyPr>
-            <a:lstStyle/>
-            <a:p>
-              <a:pPr algn="ctr"/>
-              <a:r>
-                <a:rPr lang="ru-RU" sz="1100" dirty="0">
-                  <a:latin typeface="Times New Roman" panose="02020603050405020304" pitchFamily="18" charset="0"/>
-                  <a:cs typeface="Times New Roman" panose="02020603050405020304" pitchFamily="18" charset="0"/>
-                </a:rPr>
-                <a:t>Легенда</a:t>
-              </a:r>
-            </a:p>
-          </p:txBody>
-        </p:sp>
-        <p:cxnSp>
-          <p:nvCxnSpPr>
-            <p:cNvPr id="13" name="Прямая со стрелкой 12"/>
-            <p:cNvCxnSpPr/>
-            <p:nvPr/>
-          </p:nvCxnSpPr>
-          <p:spPr>
-            <a:xfrm rot="5400000">
-              <a:off x="5311822" y="4331460"/>
-              <a:ext cx="269081" cy="0"/>
-            </a:xfrm>
-            <a:prstGeom prst="straightConnector1">
-              <a:avLst/>
-            </a:prstGeom>
-            <a:ln w="47625">
-              <a:tailEnd type="stealth" w="lg" len="lg"/>
-            </a:ln>
-          </p:spPr>
-          <p:style>
-            <a:lnRef idx="1">
-              <a:schemeClr val="accent1"/>
-            </a:lnRef>
-            <a:fillRef idx="0">
-              <a:schemeClr val="accent1"/>
-            </a:fillRef>
-            <a:effectRef idx="0">
-              <a:schemeClr val="accent1"/>
-            </a:effectRef>
-            <a:fontRef idx="minor">
-              <a:schemeClr val="tx1"/>
-            </a:fontRef>
-          </p:style>
-        </p:cxnSp>
-        <p:cxnSp>
-          <p:nvCxnSpPr>
-            <p:cNvPr id="14" name="Прямая со стрелкой 13"/>
-            <p:cNvCxnSpPr/>
-            <p:nvPr/>
-          </p:nvCxnSpPr>
-          <p:spPr>
-            <a:xfrm rot="5400000">
-              <a:off x="6064297" y="4331460"/>
-              <a:ext cx="269081" cy="0"/>
-            </a:xfrm>
-            <a:prstGeom prst="straightConnector1">
-              <a:avLst/>
-            </a:prstGeom>
-            <a:ln w="47625">
-              <a:tailEnd type="stealth" w="lg" len="lg"/>
-            </a:ln>
-          </p:spPr>
-          <p:style>
-            <a:lnRef idx="1">
-              <a:schemeClr val="accent1"/>
-            </a:lnRef>
-            <a:fillRef idx="0">
-              <a:schemeClr val="accent1"/>
-            </a:fillRef>
-            <a:effectRef idx="0">
-              <a:schemeClr val="accent1"/>
-            </a:effectRef>
-            <a:fontRef idx="minor">
-              <a:schemeClr val="tx1"/>
-            </a:fontRef>
-          </p:style>
-        </p:cxnSp>
-        <p:cxnSp>
-          <p:nvCxnSpPr>
-            <p:cNvPr id="15" name="Прямая со стрелкой 14"/>
-            <p:cNvCxnSpPr/>
-            <p:nvPr/>
-          </p:nvCxnSpPr>
-          <p:spPr>
-            <a:xfrm rot="5400000">
-              <a:off x="6835822" y="4338605"/>
-              <a:ext cx="269081" cy="0"/>
-            </a:xfrm>
-            <a:prstGeom prst="straightConnector1">
-              <a:avLst/>
-            </a:prstGeom>
-            <a:ln w="47625">
-              <a:tailEnd type="stealth" w="lg" len="lg"/>
-            </a:ln>
-          </p:spPr>
-          <p:style>
-            <a:lnRef idx="1">
-              <a:schemeClr val="accent1"/>
-            </a:lnRef>
-            <a:fillRef idx="0">
-              <a:schemeClr val="accent1"/>
-            </a:fillRef>
-            <a:effectRef idx="0">
-              <a:schemeClr val="accent1"/>
-            </a:effectRef>
-            <a:fontRef idx="minor">
-              <a:schemeClr val="tx1"/>
-            </a:fontRef>
-          </p:style>
-        </p:cxnSp>
-        <p:sp>
-          <p:nvSpPr>
-            <p:cNvPr id="16" name="TextBox 15"/>
-            <p:cNvSpPr txBox="1"/>
-            <p:nvPr/>
-          </p:nvSpPr>
-          <p:spPr>
-            <a:xfrm>
-              <a:off x="5061741" y="3503913"/>
-              <a:ext cx="2291559" cy="261610"/>
-            </a:xfrm>
-            <a:prstGeom prst="rect">
-              <a:avLst/>
-            </a:prstGeom>
-            <a:noFill/>
-          </p:spPr>
-          <p:txBody>
-            <a:bodyPr wrap="square" rtlCol="0">
-              <a:spAutoFit/>
-            </a:bodyPr>
-            <a:lstStyle/>
-            <a:p>
-              <a:pPr algn="ctr"/>
-              <a:r>
-                <a:rPr lang="ru-RU" sz="1100" dirty="0">
-                  <a:latin typeface="Times New Roman" panose="02020603050405020304" pitchFamily="18" charset="0"/>
-                  <a:cs typeface="Times New Roman" panose="02020603050405020304" pitchFamily="18" charset="0"/>
-                </a:rPr>
-                <a:t>Установка пределов варьирования:</a:t>
-              </a:r>
-            </a:p>
-          </p:txBody>
-        </p:sp>
-        <p:sp>
-          <p:nvSpPr>
-            <p:cNvPr id="18" name="TextBox 17"/>
-            <p:cNvSpPr txBox="1"/>
-            <p:nvPr/>
-          </p:nvSpPr>
-          <p:spPr>
-            <a:xfrm>
-              <a:off x="5016406" y="3918371"/>
-              <a:ext cx="802761" cy="261610"/>
-            </a:xfrm>
-            <a:prstGeom prst="rect">
-              <a:avLst/>
-            </a:prstGeom>
-            <a:noFill/>
-          </p:spPr>
-          <p:txBody>
-            <a:bodyPr wrap="square" rtlCol="0">
-              <a:spAutoFit/>
-            </a:bodyPr>
-            <a:lstStyle/>
-            <a:p>
-              <a:pPr algn="ctr"/>
-              <a:r>
-                <a:rPr lang="ru-RU" sz="1100" dirty="0">
-                  <a:latin typeface="Times New Roman" panose="02020603050405020304" pitchFamily="18" charset="0"/>
-                  <a:cs typeface="Times New Roman" panose="02020603050405020304" pitchFamily="18" charset="0"/>
-                </a:rPr>
-                <a:t>плотности</a:t>
-              </a:r>
-            </a:p>
-          </p:txBody>
-        </p:sp>
-        <p:sp>
-          <p:nvSpPr>
-            <p:cNvPr id="19" name="TextBox 18"/>
-            <p:cNvSpPr txBox="1"/>
-            <p:nvPr/>
-          </p:nvSpPr>
-          <p:spPr>
-            <a:xfrm>
-              <a:off x="5715888" y="3774454"/>
-              <a:ext cx="988847" cy="430887"/>
-            </a:xfrm>
-            <a:prstGeom prst="rect">
-              <a:avLst/>
-            </a:prstGeom>
-            <a:noFill/>
-          </p:spPr>
-          <p:txBody>
-            <a:bodyPr wrap="square" rtlCol="0">
-              <a:spAutoFit/>
-            </a:bodyPr>
-            <a:lstStyle/>
-            <a:p>
-              <a:pPr algn="ctr"/>
-              <a:r>
-                <a:rPr lang="ru-RU" sz="1100" dirty="0">
-                  <a:latin typeface="Times New Roman" panose="02020603050405020304" pitchFamily="18" charset="0"/>
-                  <a:cs typeface="Times New Roman" panose="02020603050405020304" pitchFamily="18" charset="0"/>
-                </a:rPr>
-                <a:t>толщины </a:t>
-              </a:r>
-            </a:p>
-            <a:p>
-              <a:pPr algn="ctr"/>
-              <a:r>
-                <a:rPr lang="ru-RU" sz="1100" dirty="0">
-                  <a:latin typeface="Times New Roman" panose="02020603050405020304" pitchFamily="18" charset="0"/>
-                  <a:cs typeface="Times New Roman" panose="02020603050405020304" pitchFamily="18" charset="0"/>
-                </a:rPr>
-                <a:t>слоя</a:t>
-              </a:r>
-              <a:r>
-                <a:rPr lang="en-US" sz="1100" dirty="0">
-                  <a:latin typeface="Times New Roman" panose="02020603050405020304" pitchFamily="18" charset="0"/>
-                  <a:cs typeface="Times New Roman" panose="02020603050405020304" pitchFamily="18" charset="0"/>
-                </a:rPr>
-                <a:t>/</a:t>
-              </a:r>
-              <a:r>
-                <a:rPr lang="ru-RU" sz="1100" dirty="0">
-                  <a:latin typeface="Times New Roman" panose="02020603050405020304" pitchFamily="18" charset="0"/>
-                  <a:cs typeface="Times New Roman" panose="02020603050405020304" pitchFamily="18" charset="0"/>
-                </a:rPr>
-                <a:t>периода</a:t>
-              </a:r>
-            </a:p>
-          </p:txBody>
-        </p:sp>
-        <p:sp>
-          <p:nvSpPr>
-            <p:cNvPr id="20" name="TextBox 19"/>
-            <p:cNvSpPr txBox="1"/>
-            <p:nvPr/>
-          </p:nvSpPr>
-          <p:spPr>
-            <a:xfrm>
-              <a:off x="6533626" y="3773177"/>
-              <a:ext cx="908691" cy="430887"/>
-            </a:xfrm>
-            <a:prstGeom prst="rect">
-              <a:avLst/>
-            </a:prstGeom>
-            <a:noFill/>
-          </p:spPr>
-          <p:txBody>
-            <a:bodyPr wrap="square" rtlCol="0">
-              <a:spAutoFit/>
-            </a:bodyPr>
-            <a:lstStyle/>
-            <a:p>
-              <a:pPr algn="ctr"/>
-              <a:r>
-                <a:rPr lang="ru-RU" sz="1100" dirty="0">
-                  <a:latin typeface="Times New Roman" panose="02020603050405020304" pitchFamily="18" charset="0"/>
-                  <a:cs typeface="Times New Roman" panose="02020603050405020304" pitchFamily="18" charset="0"/>
-                </a:rPr>
-                <a:t>переходной области</a:t>
-              </a:r>
-            </a:p>
-          </p:txBody>
-        </p:sp>
-      </p:grpSp>
-      <p:grpSp>
-        <p:nvGrpSpPr>
-          <p:cNvPr id="32" name="Группа 31"/>
-          <p:cNvGrpSpPr/>
-          <p:nvPr/>
-        </p:nvGrpSpPr>
-        <p:grpSpPr>
-          <a:xfrm>
-            <a:off x="1901497" y="3065763"/>
-            <a:ext cx="5880428" cy="1758649"/>
-            <a:chOff x="1644322" y="3503913"/>
-            <a:chExt cx="5880428" cy="1758649"/>
-          </a:xfrm>
-        </p:grpSpPr>
-        <p:pic>
-          <p:nvPicPr>
-            <p:cNvPr id="33" name="Рисунок 32"/>
-            <p:cNvPicPr>
-              <a:picLocks noChangeAspect="1"/>
-            </p:cNvPicPr>
-            <p:nvPr/>
-          </p:nvPicPr>
-          <p:blipFill>
-            <a:blip r:embed="rId2"/>
-            <a:stretch>
-              <a:fillRect/>
-            </a:stretch>
-          </p:blipFill>
-          <p:spPr>
-            <a:xfrm>
-              <a:off x="1646073" y="4567237"/>
-              <a:ext cx="5657850" cy="695325"/>
-            </a:xfrm>
-            <a:prstGeom prst="rect">
-              <a:avLst/>
-            </a:prstGeom>
-          </p:spPr>
-        </p:pic>
-        <p:sp>
-          <p:nvSpPr>
-            <p:cNvPr id="34" name="Левая фигурная скобка 33"/>
-            <p:cNvSpPr/>
-            <p:nvPr/>
-          </p:nvSpPr>
-          <p:spPr>
-            <a:xfrm rot="5400000">
-              <a:off x="3169197" y="2672044"/>
-              <a:ext cx="276225" cy="3325976"/>
-            </a:xfrm>
-            <a:prstGeom prst="leftBrace">
-              <a:avLst>
-                <a:gd name="adj1" fmla="val 35919"/>
-                <a:gd name="adj2" fmla="val 50629"/>
-              </a:avLst>
-            </a:prstGeom>
-            <a:ln w="28575">
-              <a:solidFill>
-                <a:srgbClr val="0070C0"/>
-              </a:solidFill>
-            </a:ln>
-          </p:spPr>
-          <p:style>
-            <a:lnRef idx="1">
-              <a:schemeClr val="accent1"/>
-            </a:lnRef>
-            <a:fillRef idx="0">
-              <a:schemeClr val="accent1"/>
-            </a:fillRef>
-            <a:effectRef idx="0">
-              <a:schemeClr val="accent1"/>
-            </a:effectRef>
-            <a:fontRef idx="minor">
-              <a:schemeClr val="tx1"/>
-            </a:fontRef>
-          </p:style>
-          <p:txBody>
-            <a:bodyPr rtlCol="0" anchor="ctr"/>
-            <a:lstStyle/>
-            <a:p>
-              <a:pPr algn="ctr"/>
-              <a:endParaRPr lang="ru-RU" sz="1100">
-                <a:latin typeface="Times New Roman" panose="02020603050405020304" pitchFamily="18" charset="0"/>
-                <a:cs typeface="Times New Roman" panose="02020603050405020304" pitchFamily="18" charset="0"/>
-              </a:endParaRPr>
-            </a:p>
-          </p:txBody>
-        </p:sp>
-        <p:sp>
-          <p:nvSpPr>
-            <p:cNvPr id="35" name="TextBox 34"/>
-            <p:cNvSpPr txBox="1"/>
-            <p:nvPr/>
-          </p:nvSpPr>
-          <p:spPr>
-            <a:xfrm>
-              <a:off x="2626271" y="3782461"/>
-              <a:ext cx="1343025" cy="261610"/>
-            </a:xfrm>
-            <a:prstGeom prst="rect">
-              <a:avLst/>
-            </a:prstGeom>
-            <a:noFill/>
-          </p:spPr>
-          <p:txBody>
-            <a:bodyPr wrap="square" rtlCol="0">
-              <a:spAutoFit/>
-            </a:bodyPr>
-            <a:lstStyle/>
-            <a:p>
-              <a:pPr algn="ctr"/>
-              <a:r>
-                <a:rPr lang="en-US" sz="1100" dirty="0">
-                  <a:latin typeface="Times New Roman" panose="02020603050405020304" pitchFamily="18" charset="0"/>
-                  <a:cs typeface="Times New Roman" panose="02020603050405020304" pitchFamily="18" charset="0"/>
-                </a:rPr>
-                <a:t>Legend</a:t>
-              </a:r>
-              <a:endParaRPr lang="ru-RU" sz="1100" dirty="0">
-                <a:latin typeface="Times New Roman" panose="02020603050405020304" pitchFamily="18" charset="0"/>
-                <a:cs typeface="Times New Roman" panose="02020603050405020304" pitchFamily="18" charset="0"/>
-              </a:endParaRPr>
-            </a:p>
-          </p:txBody>
-        </p:sp>
-        <p:cxnSp>
-          <p:nvCxnSpPr>
-            <p:cNvPr id="36" name="Прямая со стрелкой 35"/>
-            <p:cNvCxnSpPr/>
-            <p:nvPr/>
-          </p:nvCxnSpPr>
-          <p:spPr>
-            <a:xfrm rot="5400000">
-              <a:off x="5311822" y="4331460"/>
-              <a:ext cx="269081" cy="0"/>
-            </a:xfrm>
-            <a:prstGeom prst="straightConnector1">
-              <a:avLst/>
-            </a:prstGeom>
-            <a:ln w="47625">
-              <a:tailEnd type="stealth" w="lg" len="lg"/>
-            </a:ln>
-          </p:spPr>
-          <p:style>
-            <a:lnRef idx="1">
-              <a:schemeClr val="accent1"/>
-            </a:lnRef>
-            <a:fillRef idx="0">
-              <a:schemeClr val="accent1"/>
-            </a:fillRef>
-            <a:effectRef idx="0">
-              <a:schemeClr val="accent1"/>
-            </a:effectRef>
-            <a:fontRef idx="minor">
-              <a:schemeClr val="tx1"/>
-            </a:fontRef>
-          </p:style>
-        </p:cxnSp>
-        <p:cxnSp>
-          <p:nvCxnSpPr>
-            <p:cNvPr id="37" name="Прямая со стрелкой 36"/>
-            <p:cNvCxnSpPr/>
-            <p:nvPr/>
-          </p:nvCxnSpPr>
-          <p:spPr>
-            <a:xfrm rot="5400000">
-              <a:off x="6064297" y="4331460"/>
-              <a:ext cx="269081" cy="0"/>
-            </a:xfrm>
-            <a:prstGeom prst="straightConnector1">
-              <a:avLst/>
-            </a:prstGeom>
-            <a:ln w="47625">
-              <a:tailEnd type="stealth" w="lg" len="lg"/>
-            </a:ln>
-          </p:spPr>
-          <p:style>
-            <a:lnRef idx="1">
-              <a:schemeClr val="accent1"/>
-            </a:lnRef>
-            <a:fillRef idx="0">
-              <a:schemeClr val="accent1"/>
-            </a:fillRef>
-            <a:effectRef idx="0">
-              <a:schemeClr val="accent1"/>
-            </a:effectRef>
-            <a:fontRef idx="minor">
-              <a:schemeClr val="tx1"/>
-            </a:fontRef>
-          </p:style>
-        </p:cxnSp>
-        <p:cxnSp>
-          <p:nvCxnSpPr>
-            <p:cNvPr id="38" name="Прямая со стрелкой 37"/>
-            <p:cNvCxnSpPr/>
-            <p:nvPr/>
-          </p:nvCxnSpPr>
-          <p:spPr>
-            <a:xfrm rot="5400000">
-              <a:off x="6835822" y="4338605"/>
-              <a:ext cx="269081" cy="0"/>
-            </a:xfrm>
-            <a:prstGeom prst="straightConnector1">
-              <a:avLst/>
-            </a:prstGeom>
-            <a:ln w="47625">
-              <a:tailEnd type="stealth" w="lg" len="lg"/>
-            </a:ln>
-          </p:spPr>
-          <p:style>
-            <a:lnRef idx="1">
-              <a:schemeClr val="accent1"/>
-            </a:lnRef>
-            <a:fillRef idx="0">
-              <a:schemeClr val="accent1"/>
-            </a:fillRef>
-            <a:effectRef idx="0">
-              <a:schemeClr val="accent1"/>
-            </a:effectRef>
-            <a:fontRef idx="minor">
-              <a:schemeClr val="tx1"/>
-            </a:fontRef>
-          </p:style>
-        </p:cxnSp>
-        <p:sp>
-          <p:nvSpPr>
-            <p:cNvPr id="39" name="TextBox 38"/>
-            <p:cNvSpPr txBox="1"/>
-            <p:nvPr/>
-          </p:nvSpPr>
-          <p:spPr>
-            <a:xfrm>
-              <a:off x="5061741" y="3503913"/>
-              <a:ext cx="2463009" cy="261610"/>
-            </a:xfrm>
-            <a:prstGeom prst="rect">
-              <a:avLst/>
-            </a:prstGeom>
-            <a:noFill/>
-          </p:spPr>
-          <p:txBody>
-            <a:bodyPr wrap="square" rtlCol="0">
-              <a:spAutoFit/>
-            </a:bodyPr>
-            <a:lstStyle/>
-            <a:p>
-              <a:pPr algn="ctr"/>
-              <a:r>
-                <a:rPr lang="en-US" sz="1100" dirty="0">
-                  <a:latin typeface="Times New Roman" panose="02020603050405020304" pitchFamily="18" charset="0"/>
-                  <a:cs typeface="Times New Roman" panose="02020603050405020304" pitchFamily="18" charset="0"/>
-                </a:rPr>
-                <a:t>Setting the limits for variables</a:t>
-              </a:r>
-              <a:r>
-                <a:rPr lang="ru-RU" sz="1100" dirty="0">
-                  <a:latin typeface="Times New Roman" panose="02020603050405020304" pitchFamily="18" charset="0"/>
-                  <a:cs typeface="Times New Roman" panose="02020603050405020304" pitchFamily="18" charset="0"/>
-                </a:rPr>
-                <a:t>:</a:t>
-              </a:r>
-            </a:p>
-          </p:txBody>
-        </p:sp>
-        <p:sp>
-          <p:nvSpPr>
-            <p:cNvPr id="40" name="TextBox 39"/>
-            <p:cNvSpPr txBox="1"/>
-            <p:nvPr/>
-          </p:nvSpPr>
-          <p:spPr>
-            <a:xfrm>
-              <a:off x="5016406" y="3918371"/>
-              <a:ext cx="802761" cy="261610"/>
-            </a:xfrm>
-            <a:prstGeom prst="rect">
-              <a:avLst/>
-            </a:prstGeom>
-            <a:noFill/>
-          </p:spPr>
-          <p:txBody>
-            <a:bodyPr wrap="square" rtlCol="0">
-              <a:spAutoFit/>
-            </a:bodyPr>
-            <a:lstStyle/>
-            <a:p>
-              <a:pPr algn="ctr"/>
-              <a:r>
-                <a:rPr lang="en-US" sz="1100" dirty="0">
-                  <a:latin typeface="Times New Roman" panose="02020603050405020304" pitchFamily="18" charset="0"/>
-                  <a:cs typeface="Times New Roman" panose="02020603050405020304" pitchFamily="18" charset="0"/>
-                </a:rPr>
-                <a:t>density</a:t>
-              </a:r>
-              <a:endParaRPr lang="ru-RU" sz="1100" dirty="0">
-                <a:latin typeface="Times New Roman" panose="02020603050405020304" pitchFamily="18" charset="0"/>
-                <a:cs typeface="Times New Roman" panose="02020603050405020304" pitchFamily="18" charset="0"/>
-              </a:endParaRPr>
-            </a:p>
-          </p:txBody>
-        </p:sp>
-        <p:sp>
-          <p:nvSpPr>
-            <p:cNvPr id="41" name="TextBox 40"/>
-            <p:cNvSpPr txBox="1"/>
-            <p:nvPr/>
-          </p:nvSpPr>
-          <p:spPr>
-            <a:xfrm>
-              <a:off x="5715888" y="3774454"/>
-              <a:ext cx="988847" cy="430887"/>
-            </a:xfrm>
-            <a:prstGeom prst="rect">
-              <a:avLst/>
-            </a:prstGeom>
-            <a:noFill/>
-          </p:spPr>
-          <p:txBody>
-            <a:bodyPr wrap="square" rtlCol="0">
-              <a:spAutoFit/>
-            </a:bodyPr>
-            <a:lstStyle/>
-            <a:p>
-              <a:pPr algn="ctr"/>
-              <a:r>
-                <a:rPr lang="en-US" sz="1100" dirty="0">
-                  <a:latin typeface="Times New Roman" panose="02020603050405020304" pitchFamily="18" charset="0"/>
-                  <a:cs typeface="Times New Roman" panose="02020603050405020304" pitchFamily="18" charset="0"/>
-                </a:rPr>
-                <a:t>thickness of</a:t>
-              </a:r>
-              <a:endParaRPr lang="ru-RU" sz="1100" dirty="0">
-                <a:latin typeface="Times New Roman" panose="02020603050405020304" pitchFamily="18" charset="0"/>
-                <a:cs typeface="Times New Roman" panose="02020603050405020304" pitchFamily="18" charset="0"/>
-              </a:endParaRPr>
-            </a:p>
-            <a:p>
-              <a:pPr algn="ctr"/>
-              <a:r>
-                <a:rPr lang="en-US" sz="1100" dirty="0">
-                  <a:latin typeface="Times New Roman" panose="02020603050405020304" pitchFamily="18" charset="0"/>
-                  <a:cs typeface="Times New Roman" panose="02020603050405020304" pitchFamily="18" charset="0"/>
-                </a:rPr>
-                <a:t>layer/period</a:t>
-              </a:r>
-              <a:endParaRPr lang="ru-RU" sz="1100" dirty="0">
-                <a:latin typeface="Times New Roman" panose="02020603050405020304" pitchFamily="18" charset="0"/>
-                <a:cs typeface="Times New Roman" panose="02020603050405020304" pitchFamily="18" charset="0"/>
-              </a:endParaRPr>
-            </a:p>
-          </p:txBody>
-        </p:sp>
-        <p:sp>
-          <p:nvSpPr>
-            <p:cNvPr id="42" name="TextBox 41"/>
-            <p:cNvSpPr txBox="1"/>
-            <p:nvPr/>
-          </p:nvSpPr>
-          <p:spPr>
-            <a:xfrm>
-              <a:off x="6533626" y="3773177"/>
-              <a:ext cx="908691" cy="430887"/>
-            </a:xfrm>
-            <a:prstGeom prst="rect">
-              <a:avLst/>
-            </a:prstGeom>
-            <a:noFill/>
-          </p:spPr>
-          <p:txBody>
-            <a:bodyPr wrap="square" rtlCol="0">
-              <a:spAutoFit/>
-            </a:bodyPr>
-            <a:lstStyle/>
-            <a:p>
-              <a:pPr algn="ctr"/>
-              <a:r>
-                <a:rPr lang="en-US" sz="1100" dirty="0">
-                  <a:latin typeface="Times New Roman" panose="02020603050405020304" pitchFamily="18" charset="0"/>
-                  <a:cs typeface="Times New Roman" panose="02020603050405020304" pitchFamily="18" charset="0"/>
-                </a:rPr>
-                <a:t>transitional region</a:t>
-              </a:r>
-              <a:endParaRPr lang="ru-RU" sz="1100" dirty="0">
-                <a:latin typeface="Times New Roman" panose="02020603050405020304" pitchFamily="18" charset="0"/>
-                <a:cs typeface="Times New Roman" panose="02020603050405020304" pitchFamily="18" charset="0"/>
-              </a:endParaRPr>
-            </a:p>
-          </p:txBody>
-        </p:sp>
-      </p:grpSp>
     </p:spTree>
     <p:extLst>
       <p:ext uri="{BB962C8B-B14F-4D97-AF65-F5344CB8AC3E}">
-        <p14:creationId xmlns:p14="http://schemas.microsoft.com/office/powerpoint/2010/main" val="353969168"/>
+        <p14:creationId xmlns:p14="http://schemas.microsoft.com/office/powerpoint/2010/main" val="1427745307"/>
       </p:ext>
     </p:extLst>
   </p:cSld>

--- a/manual/Pictures 2.0/Pictures 2.0.pptx
+++ b/manual/Pictures 2.0/Pictures 2.0.pptx
@@ -268,7 +268,7 @@
           <a:p>
             <a:fld id="{55465C39-D47E-4138-800A-7D6CA5F3257E}" type="datetimeFigureOut">
               <a:rPr lang="ru-RU" smtClean="0"/>
-              <a:t>27.09.2022</a:t>
+              <a:t>01.10.2022</a:t>
             </a:fld>
             <a:endParaRPr lang="ru-RU"/>
           </a:p>
@@ -438,7 +438,7 @@
           <a:p>
             <a:fld id="{55465C39-D47E-4138-800A-7D6CA5F3257E}" type="datetimeFigureOut">
               <a:rPr lang="ru-RU" smtClean="0"/>
-              <a:t>27.09.2022</a:t>
+              <a:t>01.10.2022</a:t>
             </a:fld>
             <a:endParaRPr lang="ru-RU"/>
           </a:p>
@@ -618,7 +618,7 @@
           <a:p>
             <a:fld id="{55465C39-D47E-4138-800A-7D6CA5F3257E}" type="datetimeFigureOut">
               <a:rPr lang="ru-RU" smtClean="0"/>
-              <a:t>27.09.2022</a:t>
+              <a:t>01.10.2022</a:t>
             </a:fld>
             <a:endParaRPr lang="ru-RU"/>
           </a:p>
@@ -788,7 +788,7 @@
           <a:p>
             <a:fld id="{55465C39-D47E-4138-800A-7D6CA5F3257E}" type="datetimeFigureOut">
               <a:rPr lang="ru-RU" smtClean="0"/>
-              <a:t>27.09.2022</a:t>
+              <a:t>01.10.2022</a:t>
             </a:fld>
             <a:endParaRPr lang="ru-RU"/>
           </a:p>
@@ -1032,7 +1032,7 @@
           <a:p>
             <a:fld id="{55465C39-D47E-4138-800A-7D6CA5F3257E}" type="datetimeFigureOut">
               <a:rPr lang="ru-RU" smtClean="0"/>
-              <a:t>27.09.2022</a:t>
+              <a:t>01.10.2022</a:t>
             </a:fld>
             <a:endParaRPr lang="ru-RU"/>
           </a:p>
@@ -1264,7 +1264,7 @@
           <a:p>
             <a:fld id="{55465C39-D47E-4138-800A-7D6CA5F3257E}" type="datetimeFigureOut">
               <a:rPr lang="ru-RU" smtClean="0"/>
-              <a:t>27.09.2022</a:t>
+              <a:t>01.10.2022</a:t>
             </a:fld>
             <a:endParaRPr lang="ru-RU"/>
           </a:p>
@@ -1631,7 +1631,7 @@
           <a:p>
             <a:fld id="{55465C39-D47E-4138-800A-7D6CA5F3257E}" type="datetimeFigureOut">
               <a:rPr lang="ru-RU" smtClean="0"/>
-              <a:t>27.09.2022</a:t>
+              <a:t>01.10.2022</a:t>
             </a:fld>
             <a:endParaRPr lang="ru-RU"/>
           </a:p>
@@ -1749,7 +1749,7 @@
           <a:p>
             <a:fld id="{55465C39-D47E-4138-800A-7D6CA5F3257E}" type="datetimeFigureOut">
               <a:rPr lang="ru-RU" smtClean="0"/>
-              <a:t>27.09.2022</a:t>
+              <a:t>01.10.2022</a:t>
             </a:fld>
             <a:endParaRPr lang="ru-RU"/>
           </a:p>
@@ -1844,7 +1844,7 @@
           <a:p>
             <a:fld id="{55465C39-D47E-4138-800A-7D6CA5F3257E}" type="datetimeFigureOut">
               <a:rPr lang="ru-RU" smtClean="0"/>
-              <a:t>27.09.2022</a:t>
+              <a:t>01.10.2022</a:t>
             </a:fld>
             <a:endParaRPr lang="ru-RU"/>
           </a:p>
@@ -2121,7 +2121,7 @@
           <a:p>
             <a:fld id="{55465C39-D47E-4138-800A-7D6CA5F3257E}" type="datetimeFigureOut">
               <a:rPr lang="ru-RU" smtClean="0"/>
-              <a:t>27.09.2022</a:t>
+              <a:t>01.10.2022</a:t>
             </a:fld>
             <a:endParaRPr lang="ru-RU"/>
           </a:p>
@@ -2378,7 +2378,7 @@
           <a:p>
             <a:fld id="{55465C39-D47E-4138-800A-7D6CA5F3257E}" type="datetimeFigureOut">
               <a:rPr lang="ru-RU" smtClean="0"/>
-              <a:t>27.09.2022</a:t>
+              <a:t>01.10.2022</a:t>
             </a:fld>
             <a:endParaRPr lang="ru-RU"/>
           </a:p>
@@ -2591,7 +2591,7 @@
           <a:p>
             <a:fld id="{55465C39-D47E-4138-800A-7D6CA5F3257E}" type="datetimeFigureOut">
               <a:rPr lang="ru-RU" smtClean="0"/>
-              <a:t>27.09.2022</a:t>
+              <a:t>01.10.2022</a:t>
             </a:fld>
             <a:endParaRPr lang="ru-RU"/>
           </a:p>
@@ -19522,6 +19522,452 @@
           <a:chExt cx="0" cy="0"/>
         </a:xfrm>
       </p:grpSpPr>
+      <p:pic>
+        <p:nvPicPr>
+          <p:cNvPr id="2" name="Picture 1">
+            <a:extLst>
+              <a:ext uri="{FF2B5EF4-FFF2-40B4-BE49-F238E27FC236}">
+                <a16:creationId xmlns:a16="http://schemas.microsoft.com/office/drawing/2014/main" id="{95BA9881-FB29-5C26-EAAA-8C2C849D1DAD}"/>
+              </a:ext>
+            </a:extLst>
+          </p:cNvPr>
+          <p:cNvPicPr>
+            <a:picLocks noChangeAspect="1"/>
+          </p:cNvPicPr>
+          <p:nvPr/>
+        </p:nvPicPr>
+        <p:blipFill rotWithShape="1">
+          <a:blip r:embed="rId2"/>
+          <a:srcRect t="41270" b="49587"/>
+          <a:stretch/>
+        </p:blipFill>
+        <p:spPr>
+          <a:xfrm>
+            <a:off x="1305798" y="949234"/>
+            <a:ext cx="6445319" cy="627017"/>
+          </a:xfrm>
+          <a:prstGeom prst="rect">
+            <a:avLst/>
+          </a:prstGeom>
+        </p:spPr>
+      </p:pic>
+      <p:pic>
+        <p:nvPicPr>
+          <p:cNvPr id="3" name="Picture 2">
+            <a:extLst>
+              <a:ext uri="{FF2B5EF4-FFF2-40B4-BE49-F238E27FC236}">
+                <a16:creationId xmlns:a16="http://schemas.microsoft.com/office/drawing/2014/main" id="{7CE0B73A-DCD3-2D8D-1EDA-FDBD288D5BCF}"/>
+              </a:ext>
+            </a:extLst>
+          </p:cNvPr>
+          <p:cNvPicPr>
+            <a:picLocks noChangeAspect="1"/>
+          </p:cNvPicPr>
+          <p:nvPr/>
+        </p:nvPicPr>
+        <p:blipFill rotWithShape="1">
+          <a:blip r:embed="rId2"/>
+          <a:srcRect t="50159" b="43619"/>
+          <a:stretch/>
+        </p:blipFill>
+        <p:spPr>
+          <a:xfrm>
+            <a:off x="1305798" y="1889760"/>
+            <a:ext cx="6445319" cy="426720"/>
+          </a:xfrm>
+          <a:prstGeom prst="rect">
+            <a:avLst/>
+          </a:prstGeom>
+        </p:spPr>
+      </p:pic>
+      <p:sp>
+        <p:nvSpPr>
+          <p:cNvPr id="6" name="Овал 2">
+            <a:extLst>
+              <a:ext uri="{FF2B5EF4-FFF2-40B4-BE49-F238E27FC236}">
+                <a16:creationId xmlns:a16="http://schemas.microsoft.com/office/drawing/2014/main" id="{F06FC4E3-1F0B-317F-4B12-D88CDF45BFBF}"/>
+              </a:ext>
+            </a:extLst>
+          </p:cNvPr>
+          <p:cNvSpPr/>
+          <p:nvPr/>
+        </p:nvSpPr>
+        <p:spPr>
+          <a:xfrm>
+            <a:off x="4508802" y="544757"/>
+            <a:ext cx="1438742" cy="327660"/>
+          </a:xfrm>
+          <a:prstGeom prst="ellipse">
+            <a:avLst/>
+          </a:prstGeom>
+          <a:noFill/>
+          <a:ln w="19050">
+            <a:solidFill>
+              <a:srgbClr val="FF0000"/>
+            </a:solidFill>
+          </a:ln>
+        </p:spPr>
+        <p:style>
+          <a:lnRef idx="2">
+            <a:schemeClr val="accent1">
+              <a:shade val="50000"/>
+            </a:schemeClr>
+          </a:lnRef>
+          <a:fillRef idx="1">
+            <a:schemeClr val="accent1"/>
+          </a:fillRef>
+          <a:effectRef idx="0">
+            <a:schemeClr val="accent1"/>
+          </a:effectRef>
+          <a:fontRef idx="minor">
+            <a:schemeClr val="lt1"/>
+          </a:fontRef>
+        </p:style>
+        <p:txBody>
+          <a:bodyPr rtlCol="0" anchor="ctr"/>
+          <a:lstStyle/>
+          <a:p>
+            <a:pPr algn="ctr"/>
+            <a:endParaRPr lang="ru-RU"/>
+          </a:p>
+        </p:txBody>
+      </p:sp>
+      <p:grpSp>
+        <p:nvGrpSpPr>
+          <p:cNvPr id="9" name="Group 8">
+            <a:extLst>
+              <a:ext uri="{FF2B5EF4-FFF2-40B4-BE49-F238E27FC236}">
+                <a16:creationId xmlns:a16="http://schemas.microsoft.com/office/drawing/2014/main" id="{4EDAA506-6D64-BF8F-DEE2-1298C57DC8A1}"/>
+              </a:ext>
+            </a:extLst>
+          </p:cNvPr>
+          <p:cNvGrpSpPr/>
+          <p:nvPr/>
+        </p:nvGrpSpPr>
+        <p:grpSpPr>
+          <a:xfrm>
+            <a:off x="1288380" y="2499360"/>
+            <a:ext cx="6445319" cy="827314"/>
+            <a:chOff x="1288380" y="2499360"/>
+            <a:chExt cx="6445319" cy="827314"/>
+          </a:xfrm>
+        </p:grpSpPr>
+        <p:pic>
+          <p:nvPicPr>
+            <p:cNvPr id="4" name="Picture 3">
+              <a:extLst>
+                <a:ext uri="{FF2B5EF4-FFF2-40B4-BE49-F238E27FC236}">
+                  <a16:creationId xmlns:a16="http://schemas.microsoft.com/office/drawing/2014/main" id="{622F3DCB-B60F-67DA-976F-3755E9AB2013}"/>
+                </a:ext>
+              </a:extLst>
+            </p:cNvPr>
+            <p:cNvPicPr>
+              <a:picLocks noChangeAspect="1"/>
+            </p:cNvPicPr>
+            <p:nvPr/>
+          </p:nvPicPr>
+          <p:blipFill rotWithShape="1">
+            <a:blip r:embed="rId2"/>
+            <a:srcRect t="56000" b="31937"/>
+            <a:stretch/>
+          </p:blipFill>
+          <p:spPr>
+            <a:xfrm>
+              <a:off x="1288380" y="2499360"/>
+              <a:ext cx="6445319" cy="827314"/>
+            </a:xfrm>
+            <a:prstGeom prst="rect">
+              <a:avLst/>
+            </a:prstGeom>
+          </p:spPr>
+        </p:pic>
+        <p:sp>
+          <p:nvSpPr>
+            <p:cNvPr id="7" name="Овал 2">
+              <a:extLst>
+                <a:ext uri="{FF2B5EF4-FFF2-40B4-BE49-F238E27FC236}">
+                  <a16:creationId xmlns:a16="http://schemas.microsoft.com/office/drawing/2014/main" id="{D405BF6D-E3A7-207C-AD71-401BE4421E35}"/>
+                </a:ext>
+              </a:extLst>
+            </p:cNvPr>
+            <p:cNvSpPr/>
+            <p:nvPr/>
+          </p:nvSpPr>
+          <p:spPr>
+            <a:xfrm>
+              <a:off x="1360652" y="2856411"/>
+              <a:ext cx="1008079" cy="217715"/>
+            </a:xfrm>
+            <a:prstGeom prst="ellipse">
+              <a:avLst/>
+            </a:prstGeom>
+            <a:noFill/>
+            <a:ln w="19050">
+              <a:solidFill>
+                <a:srgbClr val="FF0000"/>
+              </a:solidFill>
+            </a:ln>
+          </p:spPr>
+          <p:style>
+            <a:lnRef idx="2">
+              <a:schemeClr val="accent1">
+                <a:shade val="50000"/>
+              </a:schemeClr>
+            </a:lnRef>
+            <a:fillRef idx="1">
+              <a:schemeClr val="accent1"/>
+            </a:fillRef>
+            <a:effectRef idx="0">
+              <a:schemeClr val="accent1"/>
+            </a:effectRef>
+            <a:fontRef idx="minor">
+              <a:schemeClr val="lt1"/>
+            </a:fontRef>
+          </p:style>
+          <p:txBody>
+            <a:bodyPr rtlCol="0" anchor="ctr"/>
+            <a:lstStyle/>
+            <a:p>
+              <a:pPr algn="ctr"/>
+              <a:endParaRPr lang="ru-RU"/>
+            </a:p>
+          </p:txBody>
+        </p:sp>
+        <p:sp>
+          <p:nvSpPr>
+            <p:cNvPr id="8" name="Овал 2">
+              <a:extLst>
+                <a:ext uri="{FF2B5EF4-FFF2-40B4-BE49-F238E27FC236}">
+                  <a16:creationId xmlns:a16="http://schemas.microsoft.com/office/drawing/2014/main" id="{2F795584-E7B4-024E-16CA-219BDE1B333D}"/>
+                </a:ext>
+              </a:extLst>
+            </p:cNvPr>
+            <p:cNvSpPr/>
+            <p:nvPr/>
+          </p:nvSpPr>
+          <p:spPr>
+            <a:xfrm>
+              <a:off x="3655361" y="3052354"/>
+              <a:ext cx="1343359" cy="217715"/>
+            </a:xfrm>
+            <a:prstGeom prst="ellipse">
+              <a:avLst/>
+            </a:prstGeom>
+            <a:noFill/>
+            <a:ln w="19050">
+              <a:solidFill>
+                <a:srgbClr val="FF0000"/>
+              </a:solidFill>
+            </a:ln>
+          </p:spPr>
+          <p:style>
+            <a:lnRef idx="2">
+              <a:schemeClr val="accent1">
+                <a:shade val="50000"/>
+              </a:schemeClr>
+            </a:lnRef>
+            <a:fillRef idx="1">
+              <a:schemeClr val="accent1"/>
+            </a:fillRef>
+            <a:effectRef idx="0">
+              <a:schemeClr val="accent1"/>
+            </a:effectRef>
+            <a:fontRef idx="minor">
+              <a:schemeClr val="lt1"/>
+            </a:fontRef>
+          </p:style>
+          <p:txBody>
+            <a:bodyPr rtlCol="0" anchor="ctr"/>
+            <a:lstStyle/>
+            <a:p>
+              <a:pPr algn="ctr"/>
+              <a:endParaRPr lang="ru-RU"/>
+            </a:p>
+          </p:txBody>
+        </p:sp>
+      </p:grpSp>
+      <p:grpSp>
+        <p:nvGrpSpPr>
+          <p:cNvPr id="14" name="Group 13">
+            <a:extLst>
+              <a:ext uri="{FF2B5EF4-FFF2-40B4-BE49-F238E27FC236}">
+                <a16:creationId xmlns:a16="http://schemas.microsoft.com/office/drawing/2014/main" id="{F4893D02-0E9B-2031-4134-5F7A75E26582}"/>
+              </a:ext>
+            </a:extLst>
+          </p:cNvPr>
+          <p:cNvGrpSpPr/>
+          <p:nvPr/>
+        </p:nvGrpSpPr>
+        <p:grpSpPr>
+          <a:xfrm>
+            <a:off x="1265520" y="3756660"/>
+            <a:ext cx="6445319" cy="609600"/>
+            <a:chOff x="1265520" y="3756660"/>
+            <a:chExt cx="6445319" cy="609600"/>
+          </a:xfrm>
+        </p:grpSpPr>
+        <p:pic>
+          <p:nvPicPr>
+            <p:cNvPr id="10" name="Picture 9">
+              <a:extLst>
+                <a:ext uri="{FF2B5EF4-FFF2-40B4-BE49-F238E27FC236}">
+                  <a16:creationId xmlns:a16="http://schemas.microsoft.com/office/drawing/2014/main" id="{6A3D80CA-3C70-28AD-F41A-89B2C7B97CEA}"/>
+                </a:ext>
+              </a:extLst>
+            </p:cNvPr>
+            <p:cNvPicPr>
+              <a:picLocks noChangeAspect="1"/>
+            </p:cNvPicPr>
+            <p:nvPr/>
+          </p:nvPicPr>
+          <p:blipFill rotWithShape="1">
+            <a:blip r:embed="rId3"/>
+            <a:srcRect t="67889" b="23222"/>
+            <a:stretch/>
+          </p:blipFill>
+          <p:spPr>
+            <a:xfrm>
+              <a:off x="1265520" y="3756660"/>
+              <a:ext cx="6445319" cy="609600"/>
+            </a:xfrm>
+            <a:prstGeom prst="rect">
+              <a:avLst/>
+            </a:prstGeom>
+          </p:spPr>
+        </p:pic>
+        <p:sp>
+          <p:nvSpPr>
+            <p:cNvPr id="12" name="TextBox 11">
+              <a:extLst>
+                <a:ext uri="{FF2B5EF4-FFF2-40B4-BE49-F238E27FC236}">
+                  <a16:creationId xmlns:a16="http://schemas.microsoft.com/office/drawing/2014/main" id="{01DE9544-0D34-0ECC-1BEC-F0B1D955C7C1}"/>
+                </a:ext>
+              </a:extLst>
+            </p:cNvPr>
+            <p:cNvSpPr txBox="1"/>
+            <p:nvPr/>
+          </p:nvSpPr>
+          <p:spPr>
+            <a:xfrm>
+              <a:off x="7177896" y="3859028"/>
+              <a:ext cx="439948" cy="369332"/>
+            </a:xfrm>
+            <a:prstGeom prst="rect">
+              <a:avLst/>
+            </a:prstGeom>
+            <a:noFill/>
+          </p:spPr>
+          <p:txBody>
+            <a:bodyPr wrap="square" rtlCol="0">
+              <a:spAutoFit/>
+            </a:bodyPr>
+            <a:lstStyle/>
+            <a:p>
+              <a:r>
+                <a:rPr lang="en-US" dirty="0">
+                  <a:solidFill>
+                    <a:srgbClr val="FF0000"/>
+                  </a:solidFill>
+                  <a:latin typeface="Times New Roman" panose="02020603050405020304" pitchFamily="18" charset="0"/>
+                  <a:cs typeface="Times New Roman" panose="02020603050405020304" pitchFamily="18" charset="0"/>
+                </a:rPr>
+                <a:t>(a)</a:t>
+              </a:r>
+            </a:p>
+          </p:txBody>
+        </p:sp>
+      </p:grpSp>
+      <p:grpSp>
+        <p:nvGrpSpPr>
+          <p:cNvPr id="15" name="Group 14">
+            <a:extLst>
+              <a:ext uri="{FF2B5EF4-FFF2-40B4-BE49-F238E27FC236}">
+                <a16:creationId xmlns:a16="http://schemas.microsoft.com/office/drawing/2014/main" id="{67EE46F5-3D9B-94A6-6B3B-6E6CEE3F1401}"/>
+              </a:ext>
+            </a:extLst>
+          </p:cNvPr>
+          <p:cNvGrpSpPr/>
+          <p:nvPr/>
+        </p:nvGrpSpPr>
+        <p:grpSpPr>
+          <a:xfrm>
+            <a:off x="1265520" y="4457700"/>
+            <a:ext cx="6445319" cy="594360"/>
+            <a:chOff x="1265520" y="4457700"/>
+            <a:chExt cx="6445319" cy="594360"/>
+          </a:xfrm>
+        </p:grpSpPr>
+        <p:pic>
+          <p:nvPicPr>
+            <p:cNvPr id="11" name="Picture 10">
+              <a:extLst>
+                <a:ext uri="{FF2B5EF4-FFF2-40B4-BE49-F238E27FC236}">
+                  <a16:creationId xmlns:a16="http://schemas.microsoft.com/office/drawing/2014/main" id="{4143454B-3263-CADF-DB18-B002BA3EAE41}"/>
+                </a:ext>
+              </a:extLst>
+            </p:cNvPr>
+            <p:cNvPicPr>
+              <a:picLocks noChangeAspect="1"/>
+            </p:cNvPicPr>
+            <p:nvPr/>
+          </p:nvPicPr>
+          <p:blipFill rotWithShape="1">
+            <a:blip r:embed="rId4"/>
+            <a:srcRect t="68000" b="23333"/>
+            <a:stretch/>
+          </p:blipFill>
+          <p:spPr>
+            <a:xfrm>
+              <a:off x="1265520" y="4457700"/>
+              <a:ext cx="6445319" cy="594360"/>
+            </a:xfrm>
+            <a:prstGeom prst="rect">
+              <a:avLst/>
+            </a:prstGeom>
+          </p:spPr>
+        </p:pic>
+        <p:sp>
+          <p:nvSpPr>
+            <p:cNvPr id="13" name="TextBox 12">
+              <a:extLst>
+                <a:ext uri="{FF2B5EF4-FFF2-40B4-BE49-F238E27FC236}">
+                  <a16:creationId xmlns:a16="http://schemas.microsoft.com/office/drawing/2014/main" id="{93613FC0-85BF-1897-B024-E79EB026E7B3}"/>
+                </a:ext>
+              </a:extLst>
+            </p:cNvPr>
+            <p:cNvSpPr txBox="1"/>
+            <p:nvPr/>
+          </p:nvSpPr>
+          <p:spPr>
+            <a:xfrm>
+              <a:off x="7185516" y="4552448"/>
+              <a:ext cx="449724" cy="369332"/>
+            </a:xfrm>
+            <a:prstGeom prst="rect">
+              <a:avLst/>
+            </a:prstGeom>
+            <a:noFill/>
+          </p:spPr>
+          <p:txBody>
+            <a:bodyPr wrap="square" rtlCol="0">
+              <a:spAutoFit/>
+            </a:bodyPr>
+            <a:lstStyle/>
+            <a:p>
+              <a:r>
+                <a:rPr lang="en-US" dirty="0">
+                  <a:solidFill>
+                    <a:srgbClr val="FF0000"/>
+                  </a:solidFill>
+                  <a:latin typeface="Times New Roman" panose="02020603050405020304" pitchFamily="18" charset="0"/>
+                  <a:cs typeface="Times New Roman" panose="02020603050405020304" pitchFamily="18" charset="0"/>
+                </a:rPr>
+                <a:t>(b)</a:t>
+              </a:r>
+            </a:p>
+          </p:txBody>
+        </p:sp>
+      </p:grpSp>
     </p:spTree>
     <p:extLst>
       <p:ext uri="{BB962C8B-B14F-4D97-AF65-F5344CB8AC3E}">

--- a/manual/Pictures 2.0/Pictures 2.0.pptx
+++ b/manual/Pictures 2.0/Pictures 2.0.pptx
@@ -14,12 +14,13 @@
     <p:sldId id="274" r:id="rId8"/>
     <p:sldId id="275" r:id="rId9"/>
     <p:sldId id="276" r:id="rId10"/>
-    <p:sldId id="264" r:id="rId11"/>
-    <p:sldId id="265" r:id="rId12"/>
-    <p:sldId id="266" r:id="rId13"/>
-    <p:sldId id="267" r:id="rId14"/>
-    <p:sldId id="268" r:id="rId15"/>
-    <p:sldId id="269" r:id="rId16"/>
+    <p:sldId id="277" r:id="rId11"/>
+    <p:sldId id="264" r:id="rId12"/>
+    <p:sldId id="265" r:id="rId13"/>
+    <p:sldId id="266" r:id="rId14"/>
+    <p:sldId id="267" r:id="rId15"/>
+    <p:sldId id="268" r:id="rId16"/>
+    <p:sldId id="269" r:id="rId17"/>
   </p:sldIdLst>
   <p:sldSz cx="9144000" cy="6858000" type="screen4x3"/>
   <p:notesSz cx="6858000" cy="9144000"/>
@@ -4186,6 +4187,1042 @@
       </p:grpSpPr>
       <p:grpSp>
         <p:nvGrpSpPr>
+          <p:cNvPr id="18" name="Group 17">
+            <a:extLst>
+              <a:ext uri="{FF2B5EF4-FFF2-40B4-BE49-F238E27FC236}">
+                <a16:creationId xmlns:a16="http://schemas.microsoft.com/office/drawing/2014/main" id="{1393024C-29C3-A91D-E011-E253799CA335}"/>
+              </a:ext>
+            </a:extLst>
+          </p:cNvPr>
+          <p:cNvGrpSpPr/>
+          <p:nvPr/>
+        </p:nvGrpSpPr>
+        <p:grpSpPr>
+          <a:xfrm>
+            <a:off x="8707" y="337457"/>
+            <a:ext cx="9135293" cy="2743200"/>
+            <a:chOff x="87085" y="1138645"/>
+            <a:chExt cx="9135293" cy="2743200"/>
+          </a:xfrm>
+        </p:grpSpPr>
+        <p:pic>
+          <p:nvPicPr>
+            <p:cNvPr id="4" name="Picture 3">
+              <a:extLst>
+                <a:ext uri="{FF2B5EF4-FFF2-40B4-BE49-F238E27FC236}">
+                  <a16:creationId xmlns:a16="http://schemas.microsoft.com/office/drawing/2014/main" id="{81BC5FDC-2E5D-E88D-6EBD-03A36DD91BA3}"/>
+                </a:ext>
+              </a:extLst>
+            </p:cNvPr>
+            <p:cNvPicPr>
+              <a:picLocks noChangeAspect="1"/>
+            </p:cNvPicPr>
+            <p:nvPr/>
+          </p:nvPicPr>
+          <p:blipFill>
+            <a:blip r:embed="rId2"/>
+            <a:stretch>
+              <a:fillRect/>
+            </a:stretch>
+          </p:blipFill>
+          <p:spPr>
+            <a:xfrm>
+              <a:off x="1742394" y="1138645"/>
+              <a:ext cx="6334125" cy="2743200"/>
+            </a:xfrm>
+            <a:prstGeom prst="rect">
+              <a:avLst/>
+            </a:prstGeom>
+          </p:spPr>
+        </p:pic>
+        <p:sp>
+          <p:nvSpPr>
+            <p:cNvPr id="5" name="Левая фигурная скобка 25">
+              <a:extLst>
+                <a:ext uri="{FF2B5EF4-FFF2-40B4-BE49-F238E27FC236}">
+                  <a16:creationId xmlns:a16="http://schemas.microsoft.com/office/drawing/2014/main" id="{3CE24DCD-20B6-1A10-AF51-1CB9C996C1A6}"/>
+                </a:ext>
+              </a:extLst>
+            </p:cNvPr>
+            <p:cNvSpPr/>
+            <p:nvPr/>
+          </p:nvSpPr>
+          <p:spPr>
+            <a:xfrm>
+              <a:off x="1395003" y="2328382"/>
+              <a:ext cx="276225" cy="1512097"/>
+            </a:xfrm>
+            <a:prstGeom prst="leftBrace">
+              <a:avLst>
+                <a:gd name="adj1" fmla="val 35919"/>
+                <a:gd name="adj2" fmla="val 50629"/>
+              </a:avLst>
+            </a:prstGeom>
+            <a:ln w="28575">
+              <a:solidFill>
+                <a:srgbClr val="0070C0"/>
+              </a:solidFill>
+            </a:ln>
+          </p:spPr>
+          <p:style>
+            <a:lnRef idx="1">
+              <a:schemeClr val="accent1"/>
+            </a:lnRef>
+            <a:fillRef idx="0">
+              <a:schemeClr val="accent1"/>
+            </a:fillRef>
+            <a:effectRef idx="0">
+              <a:schemeClr val="accent1"/>
+            </a:effectRef>
+            <a:fontRef idx="minor">
+              <a:schemeClr val="tx1"/>
+            </a:fontRef>
+          </p:style>
+          <p:txBody>
+            <a:bodyPr rtlCol="0" anchor="ctr"/>
+            <a:lstStyle/>
+            <a:p>
+              <a:pPr algn="ctr"/>
+              <a:endParaRPr lang="ru-RU" sz="1100">
+                <a:latin typeface="Times New Roman" panose="02020603050405020304" pitchFamily="18" charset="0"/>
+                <a:cs typeface="Times New Roman" panose="02020603050405020304" pitchFamily="18" charset="0"/>
+              </a:endParaRPr>
+            </a:p>
+          </p:txBody>
+        </p:sp>
+        <p:cxnSp>
+          <p:nvCxnSpPr>
+            <p:cNvPr id="6" name="Прямая со стрелкой 27">
+              <a:extLst>
+                <a:ext uri="{FF2B5EF4-FFF2-40B4-BE49-F238E27FC236}">
+                  <a16:creationId xmlns:a16="http://schemas.microsoft.com/office/drawing/2014/main" id="{0C83BECE-4073-2DE6-4AC7-18E5771434FD}"/>
+                </a:ext>
+              </a:extLst>
+            </p:cNvPr>
+            <p:cNvCxnSpPr>
+              <a:cxnSpLocks/>
+            </p:cNvCxnSpPr>
+            <p:nvPr/>
+          </p:nvCxnSpPr>
+          <p:spPr>
+            <a:xfrm>
+              <a:off x="1297578" y="1306534"/>
+              <a:ext cx="391155" cy="0"/>
+            </a:xfrm>
+            <a:prstGeom prst="straightConnector1">
+              <a:avLst/>
+            </a:prstGeom>
+            <a:ln w="47625">
+              <a:tailEnd type="stealth" w="lg" len="lg"/>
+            </a:ln>
+          </p:spPr>
+          <p:style>
+            <a:lnRef idx="1">
+              <a:schemeClr val="accent1"/>
+            </a:lnRef>
+            <a:fillRef idx="0">
+              <a:schemeClr val="accent1"/>
+            </a:fillRef>
+            <a:effectRef idx="0">
+              <a:schemeClr val="accent1"/>
+            </a:effectRef>
+            <a:fontRef idx="minor">
+              <a:schemeClr val="tx1"/>
+            </a:fontRef>
+          </p:style>
+        </p:cxnSp>
+        <p:sp>
+          <p:nvSpPr>
+            <p:cNvPr id="7" name="TextBox 6">
+              <a:extLst>
+                <a:ext uri="{FF2B5EF4-FFF2-40B4-BE49-F238E27FC236}">
+                  <a16:creationId xmlns:a16="http://schemas.microsoft.com/office/drawing/2014/main" id="{F1966F33-6A0A-5956-2DBB-EAAD5F4856FC}"/>
+                </a:ext>
+              </a:extLst>
+            </p:cNvPr>
+            <p:cNvSpPr txBox="1"/>
+            <p:nvPr/>
+          </p:nvSpPr>
+          <p:spPr>
+            <a:xfrm>
+              <a:off x="426721" y="1171245"/>
+              <a:ext cx="841552" cy="261610"/>
+            </a:xfrm>
+            <a:prstGeom prst="rect">
+              <a:avLst/>
+            </a:prstGeom>
+            <a:noFill/>
+          </p:spPr>
+          <p:txBody>
+            <a:bodyPr wrap="square" rtlCol="0">
+              <a:spAutoFit/>
+            </a:bodyPr>
+            <a:lstStyle/>
+            <a:p>
+              <a:pPr algn="ctr"/>
+              <a:r>
+                <a:rPr lang="ru-RU" sz="1100" dirty="0">
+                  <a:latin typeface="Times New Roman" panose="02020603050405020304" pitchFamily="18" charset="0"/>
+                  <a:cs typeface="Times New Roman" panose="02020603050405020304" pitchFamily="18" charset="0"/>
+                </a:rPr>
+                <a:t>Заголовок</a:t>
+              </a:r>
+            </a:p>
+          </p:txBody>
+        </p:sp>
+        <p:sp>
+          <p:nvSpPr>
+            <p:cNvPr id="8" name="TextBox 7">
+              <a:extLst>
+                <a:ext uri="{FF2B5EF4-FFF2-40B4-BE49-F238E27FC236}">
+                  <a16:creationId xmlns:a16="http://schemas.microsoft.com/office/drawing/2014/main" id="{EFF66732-D198-445A-F825-2148931096C7}"/>
+                </a:ext>
+              </a:extLst>
+            </p:cNvPr>
+            <p:cNvSpPr txBox="1"/>
+            <p:nvPr/>
+          </p:nvSpPr>
+          <p:spPr>
+            <a:xfrm>
+              <a:off x="87085" y="2883054"/>
+              <a:ext cx="1485900" cy="430887"/>
+            </a:xfrm>
+            <a:prstGeom prst="rect">
+              <a:avLst/>
+            </a:prstGeom>
+            <a:noFill/>
+          </p:spPr>
+          <p:txBody>
+            <a:bodyPr wrap="square" rtlCol="0">
+              <a:spAutoFit/>
+            </a:bodyPr>
+            <a:lstStyle/>
+            <a:p>
+              <a:pPr algn="ctr"/>
+              <a:r>
+                <a:rPr lang="ru-RU" sz="1100" dirty="0">
+                  <a:latin typeface="Times New Roman" panose="02020603050405020304" pitchFamily="18" charset="0"/>
+                  <a:cs typeface="Times New Roman" panose="02020603050405020304" pitchFamily="18" charset="0"/>
+                </a:rPr>
+                <a:t>Межслоевое перемешивание</a:t>
+              </a:r>
+            </a:p>
+          </p:txBody>
+        </p:sp>
+        <p:sp>
+          <p:nvSpPr>
+            <p:cNvPr id="10" name="TextBox 9">
+              <a:extLst>
+                <a:ext uri="{FF2B5EF4-FFF2-40B4-BE49-F238E27FC236}">
+                  <a16:creationId xmlns:a16="http://schemas.microsoft.com/office/drawing/2014/main" id="{8B2848AF-1888-0BBD-AD3F-F6606401F754}"/>
+                </a:ext>
+              </a:extLst>
+            </p:cNvPr>
+            <p:cNvSpPr txBox="1"/>
+            <p:nvPr/>
+          </p:nvSpPr>
+          <p:spPr>
+            <a:xfrm>
+              <a:off x="447675" y="1810638"/>
+              <a:ext cx="1032783" cy="261610"/>
+            </a:xfrm>
+            <a:prstGeom prst="rect">
+              <a:avLst/>
+            </a:prstGeom>
+            <a:noFill/>
+          </p:spPr>
+          <p:txBody>
+            <a:bodyPr wrap="square" rtlCol="0">
+              <a:spAutoFit/>
+            </a:bodyPr>
+            <a:lstStyle/>
+            <a:p>
+              <a:pPr algn="ctr"/>
+              <a:r>
+                <a:rPr lang="ru-RU" sz="1100" dirty="0">
+                  <a:latin typeface="Times New Roman" panose="02020603050405020304" pitchFamily="18" charset="0"/>
+                  <a:cs typeface="Times New Roman" panose="02020603050405020304" pitchFamily="18" charset="0"/>
+                </a:rPr>
+                <a:t>Материал</a:t>
+              </a:r>
+            </a:p>
+          </p:txBody>
+        </p:sp>
+        <p:cxnSp>
+          <p:nvCxnSpPr>
+            <p:cNvPr id="12" name="Прямая со стрелкой 27">
+              <a:extLst>
+                <a:ext uri="{FF2B5EF4-FFF2-40B4-BE49-F238E27FC236}">
+                  <a16:creationId xmlns:a16="http://schemas.microsoft.com/office/drawing/2014/main" id="{0614E47C-1815-7680-273D-6F899BAA86A0}"/>
+                </a:ext>
+              </a:extLst>
+            </p:cNvPr>
+            <p:cNvCxnSpPr>
+              <a:cxnSpLocks/>
+            </p:cNvCxnSpPr>
+            <p:nvPr/>
+          </p:nvCxnSpPr>
+          <p:spPr>
+            <a:xfrm>
+              <a:off x="1306286" y="1567791"/>
+              <a:ext cx="391155" cy="0"/>
+            </a:xfrm>
+            <a:prstGeom prst="straightConnector1">
+              <a:avLst/>
+            </a:prstGeom>
+            <a:ln w="47625">
+              <a:tailEnd type="stealth" w="lg" len="lg"/>
+            </a:ln>
+          </p:spPr>
+          <p:style>
+            <a:lnRef idx="1">
+              <a:schemeClr val="accent1"/>
+            </a:lnRef>
+            <a:fillRef idx="0">
+              <a:schemeClr val="accent1"/>
+            </a:fillRef>
+            <a:effectRef idx="0">
+              <a:schemeClr val="accent1"/>
+            </a:effectRef>
+            <a:fontRef idx="minor">
+              <a:schemeClr val="tx1"/>
+            </a:fontRef>
+          </p:style>
+        </p:cxnSp>
+        <p:sp>
+          <p:nvSpPr>
+            <p:cNvPr id="13" name="TextBox 12">
+              <a:extLst>
+                <a:ext uri="{FF2B5EF4-FFF2-40B4-BE49-F238E27FC236}">
+                  <a16:creationId xmlns:a16="http://schemas.microsoft.com/office/drawing/2014/main" id="{CD4C2803-80DB-29BF-5891-5A4AAEC02DF0}"/>
+                </a:ext>
+              </a:extLst>
+            </p:cNvPr>
+            <p:cNvSpPr txBox="1"/>
+            <p:nvPr/>
+          </p:nvSpPr>
+          <p:spPr>
+            <a:xfrm>
+              <a:off x="660305" y="1432502"/>
+              <a:ext cx="590550" cy="261610"/>
+            </a:xfrm>
+            <a:prstGeom prst="rect">
+              <a:avLst/>
+            </a:prstGeom>
+            <a:noFill/>
+          </p:spPr>
+          <p:txBody>
+            <a:bodyPr wrap="square" rtlCol="0">
+              <a:spAutoFit/>
+            </a:bodyPr>
+            <a:lstStyle/>
+            <a:p>
+              <a:pPr algn="ctr"/>
+              <a:r>
+                <a:rPr lang="ru-RU" sz="1100" dirty="0">
+                  <a:latin typeface="Times New Roman" panose="02020603050405020304" pitchFamily="18" charset="0"/>
+                  <a:cs typeface="Times New Roman" panose="02020603050405020304" pitchFamily="18" charset="0"/>
+                </a:rPr>
+                <a:t>Меню</a:t>
+              </a:r>
+            </a:p>
+          </p:txBody>
+        </p:sp>
+        <p:sp>
+          <p:nvSpPr>
+            <p:cNvPr id="15" name="Левая фигурная скобка 25">
+              <a:extLst>
+                <a:ext uri="{FF2B5EF4-FFF2-40B4-BE49-F238E27FC236}">
+                  <a16:creationId xmlns:a16="http://schemas.microsoft.com/office/drawing/2014/main" id="{E3346E1F-3FBD-64CC-8B5C-F4EBBBC41578}"/>
+                </a:ext>
+              </a:extLst>
+            </p:cNvPr>
+            <p:cNvSpPr/>
+            <p:nvPr/>
+          </p:nvSpPr>
+          <p:spPr>
+            <a:xfrm>
+              <a:off x="1390649" y="1663338"/>
+              <a:ext cx="276225" cy="583474"/>
+            </a:xfrm>
+            <a:prstGeom prst="leftBrace">
+              <a:avLst>
+                <a:gd name="adj1" fmla="val 35919"/>
+                <a:gd name="adj2" fmla="val 50629"/>
+              </a:avLst>
+            </a:prstGeom>
+            <a:ln w="28575">
+              <a:solidFill>
+                <a:srgbClr val="0070C0"/>
+              </a:solidFill>
+            </a:ln>
+          </p:spPr>
+          <p:style>
+            <a:lnRef idx="1">
+              <a:schemeClr val="accent1"/>
+            </a:lnRef>
+            <a:fillRef idx="0">
+              <a:schemeClr val="accent1"/>
+            </a:fillRef>
+            <a:effectRef idx="0">
+              <a:schemeClr val="accent1"/>
+            </a:effectRef>
+            <a:fontRef idx="minor">
+              <a:schemeClr val="tx1"/>
+            </a:fontRef>
+          </p:style>
+          <p:txBody>
+            <a:bodyPr rtlCol="0" anchor="ctr"/>
+            <a:lstStyle/>
+            <a:p>
+              <a:pPr algn="ctr"/>
+              <a:endParaRPr lang="ru-RU" sz="1100">
+                <a:latin typeface="Times New Roman" panose="02020603050405020304" pitchFamily="18" charset="0"/>
+                <a:cs typeface="Times New Roman" panose="02020603050405020304" pitchFamily="18" charset="0"/>
+              </a:endParaRPr>
+            </a:p>
+          </p:txBody>
+        </p:sp>
+        <p:sp>
+          <p:nvSpPr>
+            <p:cNvPr id="16" name="TextBox 15">
+              <a:extLst>
+                <a:ext uri="{FF2B5EF4-FFF2-40B4-BE49-F238E27FC236}">
+                  <a16:creationId xmlns:a16="http://schemas.microsoft.com/office/drawing/2014/main" id="{70264397-9CDD-93EA-1F55-9A6DEFDEBE70}"/>
+                </a:ext>
+              </a:extLst>
+            </p:cNvPr>
+            <p:cNvSpPr txBox="1"/>
+            <p:nvPr/>
+          </p:nvSpPr>
+          <p:spPr>
+            <a:xfrm>
+              <a:off x="8259264" y="1819347"/>
+              <a:ext cx="963114" cy="261610"/>
+            </a:xfrm>
+            <a:prstGeom prst="rect">
+              <a:avLst/>
+            </a:prstGeom>
+            <a:noFill/>
+          </p:spPr>
+          <p:txBody>
+            <a:bodyPr wrap="square" rtlCol="0">
+              <a:spAutoFit/>
+            </a:bodyPr>
+            <a:lstStyle/>
+            <a:p>
+              <a:pPr algn="ctr"/>
+              <a:r>
+                <a:rPr lang="ru-RU" sz="1100" dirty="0">
+                  <a:latin typeface="Times New Roman" panose="02020603050405020304" pitchFamily="18" charset="0"/>
+                  <a:cs typeface="Times New Roman" panose="02020603050405020304" pitchFamily="18" charset="0"/>
+                </a:rPr>
+                <a:t>Толщина</a:t>
+              </a:r>
+            </a:p>
+          </p:txBody>
+        </p:sp>
+        <p:sp>
+          <p:nvSpPr>
+            <p:cNvPr id="17" name="Левая фигурная скобка 25">
+              <a:extLst>
+                <a:ext uri="{FF2B5EF4-FFF2-40B4-BE49-F238E27FC236}">
+                  <a16:creationId xmlns:a16="http://schemas.microsoft.com/office/drawing/2014/main" id="{69685E3F-8BAF-63C2-FE9F-CCEE59D37B1E}"/>
+                </a:ext>
+              </a:extLst>
+            </p:cNvPr>
+            <p:cNvSpPr/>
+            <p:nvPr/>
+          </p:nvSpPr>
+          <p:spPr>
+            <a:xfrm rot="10800000">
+              <a:off x="8104957" y="1654630"/>
+              <a:ext cx="276225" cy="583474"/>
+            </a:xfrm>
+            <a:prstGeom prst="leftBrace">
+              <a:avLst>
+                <a:gd name="adj1" fmla="val 35919"/>
+                <a:gd name="adj2" fmla="val 50629"/>
+              </a:avLst>
+            </a:prstGeom>
+            <a:ln w="28575">
+              <a:solidFill>
+                <a:srgbClr val="0070C0"/>
+              </a:solidFill>
+            </a:ln>
+          </p:spPr>
+          <p:style>
+            <a:lnRef idx="1">
+              <a:schemeClr val="accent1"/>
+            </a:lnRef>
+            <a:fillRef idx="0">
+              <a:schemeClr val="accent1"/>
+            </a:fillRef>
+            <a:effectRef idx="0">
+              <a:schemeClr val="accent1"/>
+            </a:effectRef>
+            <a:fontRef idx="minor">
+              <a:schemeClr val="tx1"/>
+            </a:fontRef>
+          </p:style>
+          <p:txBody>
+            <a:bodyPr rtlCol="0" anchor="ctr"/>
+            <a:lstStyle/>
+            <a:p>
+              <a:pPr algn="ctr"/>
+              <a:endParaRPr lang="ru-RU" sz="1100">
+                <a:latin typeface="Times New Roman" panose="02020603050405020304" pitchFamily="18" charset="0"/>
+                <a:cs typeface="Times New Roman" panose="02020603050405020304" pitchFamily="18" charset="0"/>
+              </a:endParaRPr>
+            </a:p>
+          </p:txBody>
+        </p:sp>
+      </p:grpSp>
+      <p:grpSp>
+        <p:nvGrpSpPr>
+          <p:cNvPr id="19" name="Group 18">
+            <a:extLst>
+              <a:ext uri="{FF2B5EF4-FFF2-40B4-BE49-F238E27FC236}">
+                <a16:creationId xmlns:a16="http://schemas.microsoft.com/office/drawing/2014/main" id="{90C91194-E1C4-C7DD-DE94-8DBA6E9FAAD0}"/>
+              </a:ext>
+            </a:extLst>
+          </p:cNvPr>
+          <p:cNvGrpSpPr/>
+          <p:nvPr/>
+        </p:nvGrpSpPr>
+        <p:grpSpPr>
+          <a:xfrm>
+            <a:off x="8707" y="3546566"/>
+            <a:ext cx="9135293" cy="2743200"/>
+            <a:chOff x="87085" y="1138645"/>
+            <a:chExt cx="9135293" cy="2743200"/>
+          </a:xfrm>
+        </p:grpSpPr>
+        <p:pic>
+          <p:nvPicPr>
+            <p:cNvPr id="20" name="Picture 19">
+              <a:extLst>
+                <a:ext uri="{FF2B5EF4-FFF2-40B4-BE49-F238E27FC236}">
+                  <a16:creationId xmlns:a16="http://schemas.microsoft.com/office/drawing/2014/main" id="{45B30628-E1C0-13E7-1724-050EF2807604}"/>
+                </a:ext>
+              </a:extLst>
+            </p:cNvPr>
+            <p:cNvPicPr>
+              <a:picLocks noChangeAspect="1"/>
+            </p:cNvPicPr>
+            <p:nvPr/>
+          </p:nvPicPr>
+          <p:blipFill>
+            <a:blip r:embed="rId2"/>
+            <a:stretch>
+              <a:fillRect/>
+            </a:stretch>
+          </p:blipFill>
+          <p:spPr>
+            <a:xfrm>
+              <a:off x="1742394" y="1138645"/>
+              <a:ext cx="6334125" cy="2743200"/>
+            </a:xfrm>
+            <a:prstGeom prst="rect">
+              <a:avLst/>
+            </a:prstGeom>
+          </p:spPr>
+        </p:pic>
+        <p:sp>
+          <p:nvSpPr>
+            <p:cNvPr id="21" name="Левая фигурная скобка 25">
+              <a:extLst>
+                <a:ext uri="{FF2B5EF4-FFF2-40B4-BE49-F238E27FC236}">
+                  <a16:creationId xmlns:a16="http://schemas.microsoft.com/office/drawing/2014/main" id="{4E50D32F-0455-294E-00E5-C1419BA4F4D9}"/>
+                </a:ext>
+              </a:extLst>
+            </p:cNvPr>
+            <p:cNvSpPr/>
+            <p:nvPr/>
+          </p:nvSpPr>
+          <p:spPr>
+            <a:xfrm>
+              <a:off x="1395003" y="2328382"/>
+              <a:ext cx="276225" cy="1512097"/>
+            </a:xfrm>
+            <a:prstGeom prst="leftBrace">
+              <a:avLst>
+                <a:gd name="adj1" fmla="val 35919"/>
+                <a:gd name="adj2" fmla="val 50629"/>
+              </a:avLst>
+            </a:prstGeom>
+            <a:ln w="28575">
+              <a:solidFill>
+                <a:srgbClr val="0070C0"/>
+              </a:solidFill>
+            </a:ln>
+          </p:spPr>
+          <p:style>
+            <a:lnRef idx="1">
+              <a:schemeClr val="accent1"/>
+            </a:lnRef>
+            <a:fillRef idx="0">
+              <a:schemeClr val="accent1"/>
+            </a:fillRef>
+            <a:effectRef idx="0">
+              <a:schemeClr val="accent1"/>
+            </a:effectRef>
+            <a:fontRef idx="minor">
+              <a:schemeClr val="tx1"/>
+            </a:fontRef>
+          </p:style>
+          <p:txBody>
+            <a:bodyPr rtlCol="0" anchor="ctr"/>
+            <a:lstStyle/>
+            <a:p>
+              <a:pPr algn="ctr"/>
+              <a:endParaRPr lang="ru-RU" sz="1100">
+                <a:latin typeface="Times New Roman" panose="02020603050405020304" pitchFamily="18" charset="0"/>
+                <a:cs typeface="Times New Roman" panose="02020603050405020304" pitchFamily="18" charset="0"/>
+              </a:endParaRPr>
+            </a:p>
+          </p:txBody>
+        </p:sp>
+        <p:cxnSp>
+          <p:nvCxnSpPr>
+            <p:cNvPr id="22" name="Прямая со стрелкой 27">
+              <a:extLst>
+                <a:ext uri="{FF2B5EF4-FFF2-40B4-BE49-F238E27FC236}">
+                  <a16:creationId xmlns:a16="http://schemas.microsoft.com/office/drawing/2014/main" id="{F763B4AF-44A9-4F40-054B-1898CF9BD27C}"/>
+                </a:ext>
+              </a:extLst>
+            </p:cNvPr>
+            <p:cNvCxnSpPr>
+              <a:cxnSpLocks/>
+            </p:cNvCxnSpPr>
+            <p:nvPr/>
+          </p:nvCxnSpPr>
+          <p:spPr>
+            <a:xfrm>
+              <a:off x="1297578" y="1306534"/>
+              <a:ext cx="391155" cy="0"/>
+            </a:xfrm>
+            <a:prstGeom prst="straightConnector1">
+              <a:avLst/>
+            </a:prstGeom>
+            <a:ln w="47625">
+              <a:tailEnd type="stealth" w="lg" len="lg"/>
+            </a:ln>
+          </p:spPr>
+          <p:style>
+            <a:lnRef idx="1">
+              <a:schemeClr val="accent1"/>
+            </a:lnRef>
+            <a:fillRef idx="0">
+              <a:schemeClr val="accent1"/>
+            </a:fillRef>
+            <a:effectRef idx="0">
+              <a:schemeClr val="accent1"/>
+            </a:effectRef>
+            <a:fontRef idx="minor">
+              <a:schemeClr val="tx1"/>
+            </a:fontRef>
+          </p:style>
+        </p:cxnSp>
+        <p:sp>
+          <p:nvSpPr>
+            <p:cNvPr id="23" name="TextBox 22">
+              <a:extLst>
+                <a:ext uri="{FF2B5EF4-FFF2-40B4-BE49-F238E27FC236}">
+                  <a16:creationId xmlns:a16="http://schemas.microsoft.com/office/drawing/2014/main" id="{7EF84189-884F-FA4F-E87F-441072480452}"/>
+                </a:ext>
+              </a:extLst>
+            </p:cNvPr>
+            <p:cNvSpPr txBox="1"/>
+            <p:nvPr/>
+          </p:nvSpPr>
+          <p:spPr>
+            <a:xfrm>
+              <a:off x="426721" y="1171245"/>
+              <a:ext cx="841552" cy="261610"/>
+            </a:xfrm>
+            <a:prstGeom prst="rect">
+              <a:avLst/>
+            </a:prstGeom>
+            <a:noFill/>
+          </p:spPr>
+          <p:txBody>
+            <a:bodyPr wrap="square" rtlCol="0">
+              <a:spAutoFit/>
+            </a:bodyPr>
+            <a:lstStyle/>
+            <a:p>
+              <a:pPr algn="ctr"/>
+              <a:r>
+                <a:rPr lang="en-US" sz="1100" dirty="0">
+                  <a:latin typeface="Times New Roman" panose="02020603050405020304" pitchFamily="18" charset="0"/>
+                  <a:cs typeface="Times New Roman" panose="02020603050405020304" pitchFamily="18" charset="0"/>
+                </a:rPr>
+                <a:t>Header</a:t>
+              </a:r>
+              <a:endParaRPr lang="ru-RU" sz="1100" dirty="0">
+                <a:latin typeface="Times New Roman" panose="02020603050405020304" pitchFamily="18" charset="0"/>
+                <a:cs typeface="Times New Roman" panose="02020603050405020304" pitchFamily="18" charset="0"/>
+              </a:endParaRPr>
+            </a:p>
+          </p:txBody>
+        </p:sp>
+        <p:sp>
+          <p:nvSpPr>
+            <p:cNvPr id="24" name="TextBox 23">
+              <a:extLst>
+                <a:ext uri="{FF2B5EF4-FFF2-40B4-BE49-F238E27FC236}">
+                  <a16:creationId xmlns:a16="http://schemas.microsoft.com/office/drawing/2014/main" id="{AC11B66F-7BF7-4B3D-5B63-0F090B3E829C}"/>
+                </a:ext>
+              </a:extLst>
+            </p:cNvPr>
+            <p:cNvSpPr txBox="1"/>
+            <p:nvPr/>
+          </p:nvSpPr>
+          <p:spPr>
+            <a:xfrm>
+              <a:off x="87085" y="2883054"/>
+              <a:ext cx="1485900" cy="261610"/>
+            </a:xfrm>
+            <a:prstGeom prst="rect">
+              <a:avLst/>
+            </a:prstGeom>
+            <a:noFill/>
+          </p:spPr>
+          <p:txBody>
+            <a:bodyPr wrap="square" rtlCol="0">
+              <a:spAutoFit/>
+            </a:bodyPr>
+            <a:lstStyle/>
+            <a:p>
+              <a:pPr algn="ctr"/>
+              <a:r>
+                <a:rPr lang="en-US" sz="1100" dirty="0">
+                  <a:latin typeface="Times New Roman" panose="02020603050405020304" pitchFamily="18" charset="0"/>
+                  <a:cs typeface="Times New Roman" panose="02020603050405020304" pitchFamily="18" charset="0"/>
+                </a:rPr>
+                <a:t>Diffuseness</a:t>
+              </a:r>
+              <a:endParaRPr lang="ru-RU" sz="1100" dirty="0">
+                <a:latin typeface="Times New Roman" panose="02020603050405020304" pitchFamily="18" charset="0"/>
+                <a:cs typeface="Times New Roman" panose="02020603050405020304" pitchFamily="18" charset="0"/>
+              </a:endParaRPr>
+            </a:p>
+          </p:txBody>
+        </p:sp>
+        <p:sp>
+          <p:nvSpPr>
+            <p:cNvPr id="25" name="TextBox 24">
+              <a:extLst>
+                <a:ext uri="{FF2B5EF4-FFF2-40B4-BE49-F238E27FC236}">
+                  <a16:creationId xmlns:a16="http://schemas.microsoft.com/office/drawing/2014/main" id="{EBD69866-C65D-82B4-5382-8D8154519442}"/>
+                </a:ext>
+              </a:extLst>
+            </p:cNvPr>
+            <p:cNvSpPr txBox="1"/>
+            <p:nvPr/>
+          </p:nvSpPr>
+          <p:spPr>
+            <a:xfrm>
+              <a:off x="447675" y="1810638"/>
+              <a:ext cx="1032783" cy="261610"/>
+            </a:xfrm>
+            <a:prstGeom prst="rect">
+              <a:avLst/>
+            </a:prstGeom>
+            <a:noFill/>
+          </p:spPr>
+          <p:txBody>
+            <a:bodyPr wrap="square" rtlCol="0">
+              <a:spAutoFit/>
+            </a:bodyPr>
+            <a:lstStyle/>
+            <a:p>
+              <a:pPr algn="ctr"/>
+              <a:r>
+                <a:rPr lang="en-US" sz="1100" dirty="0">
+                  <a:latin typeface="Times New Roman" panose="02020603050405020304" pitchFamily="18" charset="0"/>
+                  <a:cs typeface="Times New Roman" panose="02020603050405020304" pitchFamily="18" charset="0"/>
+                </a:rPr>
+                <a:t>Material</a:t>
+              </a:r>
+              <a:endParaRPr lang="ru-RU" sz="1100" dirty="0">
+                <a:latin typeface="Times New Roman" panose="02020603050405020304" pitchFamily="18" charset="0"/>
+                <a:cs typeface="Times New Roman" panose="02020603050405020304" pitchFamily="18" charset="0"/>
+              </a:endParaRPr>
+            </a:p>
+          </p:txBody>
+        </p:sp>
+        <p:cxnSp>
+          <p:nvCxnSpPr>
+            <p:cNvPr id="26" name="Прямая со стрелкой 27">
+              <a:extLst>
+                <a:ext uri="{FF2B5EF4-FFF2-40B4-BE49-F238E27FC236}">
+                  <a16:creationId xmlns:a16="http://schemas.microsoft.com/office/drawing/2014/main" id="{473C5D5C-CA24-16E8-F0FD-78B6EC485D35}"/>
+                </a:ext>
+              </a:extLst>
+            </p:cNvPr>
+            <p:cNvCxnSpPr>
+              <a:cxnSpLocks/>
+            </p:cNvCxnSpPr>
+            <p:nvPr/>
+          </p:nvCxnSpPr>
+          <p:spPr>
+            <a:xfrm>
+              <a:off x="1306286" y="1567791"/>
+              <a:ext cx="391155" cy="0"/>
+            </a:xfrm>
+            <a:prstGeom prst="straightConnector1">
+              <a:avLst/>
+            </a:prstGeom>
+            <a:ln w="47625">
+              <a:tailEnd type="stealth" w="lg" len="lg"/>
+            </a:ln>
+          </p:spPr>
+          <p:style>
+            <a:lnRef idx="1">
+              <a:schemeClr val="accent1"/>
+            </a:lnRef>
+            <a:fillRef idx="0">
+              <a:schemeClr val="accent1"/>
+            </a:fillRef>
+            <a:effectRef idx="0">
+              <a:schemeClr val="accent1"/>
+            </a:effectRef>
+            <a:fontRef idx="minor">
+              <a:schemeClr val="tx1"/>
+            </a:fontRef>
+          </p:style>
+        </p:cxnSp>
+        <p:sp>
+          <p:nvSpPr>
+            <p:cNvPr id="27" name="TextBox 26">
+              <a:extLst>
+                <a:ext uri="{FF2B5EF4-FFF2-40B4-BE49-F238E27FC236}">
+                  <a16:creationId xmlns:a16="http://schemas.microsoft.com/office/drawing/2014/main" id="{454DD4C5-50D2-3B88-FD8C-AAFE36C68022}"/>
+                </a:ext>
+              </a:extLst>
+            </p:cNvPr>
+            <p:cNvSpPr txBox="1"/>
+            <p:nvPr/>
+          </p:nvSpPr>
+          <p:spPr>
+            <a:xfrm>
+              <a:off x="660305" y="1432502"/>
+              <a:ext cx="590550" cy="261610"/>
+            </a:xfrm>
+            <a:prstGeom prst="rect">
+              <a:avLst/>
+            </a:prstGeom>
+            <a:noFill/>
+          </p:spPr>
+          <p:txBody>
+            <a:bodyPr wrap="square" rtlCol="0">
+              <a:spAutoFit/>
+            </a:bodyPr>
+            <a:lstStyle/>
+            <a:p>
+              <a:pPr algn="ctr"/>
+              <a:r>
+                <a:rPr lang="en-US" sz="1100" dirty="0">
+                  <a:latin typeface="Times New Roman" panose="02020603050405020304" pitchFamily="18" charset="0"/>
+                  <a:cs typeface="Times New Roman" panose="02020603050405020304" pitchFamily="18" charset="0"/>
+                </a:rPr>
+                <a:t>Menu</a:t>
+              </a:r>
+              <a:endParaRPr lang="ru-RU" sz="1100" dirty="0">
+                <a:latin typeface="Times New Roman" panose="02020603050405020304" pitchFamily="18" charset="0"/>
+                <a:cs typeface="Times New Roman" panose="02020603050405020304" pitchFamily="18" charset="0"/>
+              </a:endParaRPr>
+            </a:p>
+          </p:txBody>
+        </p:sp>
+        <p:sp>
+          <p:nvSpPr>
+            <p:cNvPr id="28" name="Левая фигурная скобка 25">
+              <a:extLst>
+                <a:ext uri="{FF2B5EF4-FFF2-40B4-BE49-F238E27FC236}">
+                  <a16:creationId xmlns:a16="http://schemas.microsoft.com/office/drawing/2014/main" id="{59364855-4912-FD48-524E-8C65500B96F4}"/>
+                </a:ext>
+              </a:extLst>
+            </p:cNvPr>
+            <p:cNvSpPr/>
+            <p:nvPr/>
+          </p:nvSpPr>
+          <p:spPr>
+            <a:xfrm>
+              <a:off x="1390649" y="1663338"/>
+              <a:ext cx="276225" cy="583474"/>
+            </a:xfrm>
+            <a:prstGeom prst="leftBrace">
+              <a:avLst>
+                <a:gd name="adj1" fmla="val 35919"/>
+                <a:gd name="adj2" fmla="val 50629"/>
+              </a:avLst>
+            </a:prstGeom>
+            <a:ln w="28575">
+              <a:solidFill>
+                <a:srgbClr val="0070C0"/>
+              </a:solidFill>
+            </a:ln>
+          </p:spPr>
+          <p:style>
+            <a:lnRef idx="1">
+              <a:schemeClr val="accent1"/>
+            </a:lnRef>
+            <a:fillRef idx="0">
+              <a:schemeClr val="accent1"/>
+            </a:fillRef>
+            <a:effectRef idx="0">
+              <a:schemeClr val="accent1"/>
+            </a:effectRef>
+            <a:fontRef idx="minor">
+              <a:schemeClr val="tx1"/>
+            </a:fontRef>
+          </p:style>
+          <p:txBody>
+            <a:bodyPr rtlCol="0" anchor="ctr"/>
+            <a:lstStyle/>
+            <a:p>
+              <a:pPr algn="ctr"/>
+              <a:endParaRPr lang="ru-RU" sz="1100">
+                <a:latin typeface="Times New Roman" panose="02020603050405020304" pitchFamily="18" charset="0"/>
+                <a:cs typeface="Times New Roman" panose="02020603050405020304" pitchFamily="18" charset="0"/>
+              </a:endParaRPr>
+            </a:p>
+          </p:txBody>
+        </p:sp>
+        <p:sp>
+          <p:nvSpPr>
+            <p:cNvPr id="29" name="TextBox 28">
+              <a:extLst>
+                <a:ext uri="{FF2B5EF4-FFF2-40B4-BE49-F238E27FC236}">
+                  <a16:creationId xmlns:a16="http://schemas.microsoft.com/office/drawing/2014/main" id="{FB5673F4-A85D-5D06-5686-37EE7811DDB3}"/>
+                </a:ext>
+              </a:extLst>
+            </p:cNvPr>
+            <p:cNvSpPr txBox="1"/>
+            <p:nvPr/>
+          </p:nvSpPr>
+          <p:spPr>
+            <a:xfrm>
+              <a:off x="8259264" y="1819347"/>
+              <a:ext cx="963114" cy="261610"/>
+            </a:xfrm>
+            <a:prstGeom prst="rect">
+              <a:avLst/>
+            </a:prstGeom>
+            <a:noFill/>
+          </p:spPr>
+          <p:txBody>
+            <a:bodyPr wrap="square" rtlCol="0">
+              <a:spAutoFit/>
+            </a:bodyPr>
+            <a:lstStyle/>
+            <a:p>
+              <a:pPr algn="ctr"/>
+              <a:r>
+                <a:rPr lang="en-US" sz="1100" dirty="0">
+                  <a:latin typeface="Times New Roman" panose="02020603050405020304" pitchFamily="18" charset="0"/>
+                  <a:cs typeface="Times New Roman" panose="02020603050405020304" pitchFamily="18" charset="0"/>
+                </a:rPr>
+                <a:t>Thickness</a:t>
+              </a:r>
+              <a:endParaRPr lang="ru-RU" sz="1100" dirty="0">
+                <a:latin typeface="Times New Roman" panose="02020603050405020304" pitchFamily="18" charset="0"/>
+                <a:cs typeface="Times New Roman" panose="02020603050405020304" pitchFamily="18" charset="0"/>
+              </a:endParaRPr>
+            </a:p>
+          </p:txBody>
+        </p:sp>
+        <p:sp>
+          <p:nvSpPr>
+            <p:cNvPr id="30" name="Левая фигурная скобка 25">
+              <a:extLst>
+                <a:ext uri="{FF2B5EF4-FFF2-40B4-BE49-F238E27FC236}">
+                  <a16:creationId xmlns:a16="http://schemas.microsoft.com/office/drawing/2014/main" id="{9CF2E5CA-50C5-8ECE-8FE3-43BC515AD863}"/>
+                </a:ext>
+              </a:extLst>
+            </p:cNvPr>
+            <p:cNvSpPr/>
+            <p:nvPr/>
+          </p:nvSpPr>
+          <p:spPr>
+            <a:xfrm rot="10800000">
+              <a:off x="8104957" y="1654630"/>
+              <a:ext cx="276225" cy="583474"/>
+            </a:xfrm>
+            <a:prstGeom prst="leftBrace">
+              <a:avLst>
+                <a:gd name="adj1" fmla="val 35919"/>
+                <a:gd name="adj2" fmla="val 50629"/>
+              </a:avLst>
+            </a:prstGeom>
+            <a:ln w="28575">
+              <a:solidFill>
+                <a:srgbClr val="0070C0"/>
+              </a:solidFill>
+            </a:ln>
+          </p:spPr>
+          <p:style>
+            <a:lnRef idx="1">
+              <a:schemeClr val="accent1"/>
+            </a:lnRef>
+            <a:fillRef idx="0">
+              <a:schemeClr val="accent1"/>
+            </a:fillRef>
+            <a:effectRef idx="0">
+              <a:schemeClr val="accent1"/>
+            </a:effectRef>
+            <a:fontRef idx="minor">
+              <a:schemeClr val="tx1"/>
+            </a:fontRef>
+          </p:style>
+          <p:txBody>
+            <a:bodyPr rtlCol="0" anchor="ctr"/>
+            <a:lstStyle/>
+            <a:p>
+              <a:pPr algn="ctr"/>
+              <a:endParaRPr lang="ru-RU" sz="1100">
+                <a:latin typeface="Times New Roman" panose="02020603050405020304" pitchFamily="18" charset="0"/>
+                <a:cs typeface="Times New Roman" panose="02020603050405020304" pitchFamily="18" charset="0"/>
+              </a:endParaRPr>
+            </a:p>
+          </p:txBody>
+        </p:sp>
+      </p:grpSp>
+    </p:spTree>
+    <p:extLst>
+      <p:ext uri="{BB962C8B-B14F-4D97-AF65-F5344CB8AC3E}">
+        <p14:creationId xmlns:p14="http://schemas.microsoft.com/office/powerpoint/2010/main" val="1235545108"/>
+      </p:ext>
+    </p:extLst>
+  </p:cSld>
+  <p:clrMapOvr>
+    <a:masterClrMapping/>
+  </p:clrMapOvr>
+</p:sld>
+</file>
+
+<file path=ppt/slides/slide11.xml><?xml version="1.0" encoding="utf-8"?>
+<p:sld xmlns:a="http://schemas.openxmlformats.org/drawingml/2006/main" xmlns:r="http://schemas.openxmlformats.org/officeDocument/2006/relationships" xmlns:p="http://schemas.openxmlformats.org/presentationml/2006/main">
+  <p:cSld>
+    <p:spTree>
+      <p:nvGrpSpPr>
+        <p:cNvPr id="1" name=""/>
+        <p:cNvGrpSpPr/>
+        <p:nvPr/>
+      </p:nvGrpSpPr>
+      <p:grpSpPr>
+        <a:xfrm>
+          <a:off x="0" y="0"/>
+          <a:ext cx="0" cy="0"/>
+          <a:chOff x="0" y="0"/>
+          <a:chExt cx="0" cy="0"/>
+        </a:xfrm>
+      </p:grpSpPr>
+      <p:grpSp>
+        <p:nvGrpSpPr>
           <p:cNvPr id="31" name="Группа 30"/>
           <p:cNvGrpSpPr/>
           <p:nvPr/>
@@ -4962,7 +5999,7 @@
 </p:sld>
 </file>
 
-<file path=ppt/slides/slide11.xml><?xml version="1.0" encoding="utf-8"?>
+<file path=ppt/slides/slide12.xml><?xml version="1.0" encoding="utf-8"?>
 <p:sld xmlns:a="http://schemas.openxmlformats.org/drawingml/2006/main" xmlns:r="http://schemas.openxmlformats.org/officeDocument/2006/relationships" xmlns:p="http://schemas.openxmlformats.org/presentationml/2006/main">
   <p:cSld>
     <p:spTree>
@@ -5931,7 +6968,7 @@
 </p:sld>
 </file>
 
-<file path=ppt/slides/slide12.xml><?xml version="1.0" encoding="utf-8"?>
+<file path=ppt/slides/slide13.xml><?xml version="1.0" encoding="utf-8"?>
 <p:sld xmlns:a="http://schemas.openxmlformats.org/drawingml/2006/main" xmlns:r="http://schemas.openxmlformats.org/officeDocument/2006/relationships" xmlns:p="http://schemas.openxmlformats.org/presentationml/2006/main">
   <p:cSld>
     <p:spTree>
@@ -6505,7 +7542,7 @@
 </p:sld>
 </file>
 
-<file path=ppt/slides/slide13.xml><?xml version="1.0" encoding="utf-8"?>
+<file path=ppt/slides/slide14.xml><?xml version="1.0" encoding="utf-8"?>
 <p:sld xmlns:a="http://schemas.openxmlformats.org/drawingml/2006/main" xmlns:r="http://schemas.openxmlformats.org/officeDocument/2006/relationships" xmlns:p="http://schemas.openxmlformats.org/presentationml/2006/main">
   <p:cSld>
     <p:spTree>
@@ -8290,7 +9327,7 @@
 </p:sld>
 </file>
 
-<file path=ppt/slides/slide14.xml><?xml version="1.0" encoding="utf-8"?>
+<file path=ppt/slides/slide15.xml><?xml version="1.0" encoding="utf-8"?>
 <p:sld xmlns:a="http://schemas.openxmlformats.org/drawingml/2006/main" xmlns:r="http://schemas.openxmlformats.org/officeDocument/2006/relationships" xmlns:p="http://schemas.openxmlformats.org/presentationml/2006/main">
   <p:cSld>
     <p:spTree>
@@ -8405,7 +9442,7 @@
 </p:sld>
 </file>
 
-<file path=ppt/slides/slide15.xml><?xml version="1.0" encoding="utf-8"?>
+<file path=ppt/slides/slide16.xml><?xml version="1.0" encoding="utf-8"?>
 <p:sld xmlns:a="http://schemas.openxmlformats.org/drawingml/2006/main" xmlns:r="http://schemas.openxmlformats.org/officeDocument/2006/relationships" xmlns:p="http://schemas.openxmlformats.org/presentationml/2006/main">
   <p:cSld>
     <p:spTree>

--- a/manual/Pictures 2.0/Pictures 2.0.pptx
+++ b/manual/Pictures 2.0/Pictures 2.0.pptx
@@ -4185,1012 +4185,36 @@
           <a:chExt cx="0" cy="0"/>
         </a:xfrm>
       </p:grpSpPr>
-      <p:grpSp>
-        <p:nvGrpSpPr>
-          <p:cNvPr id="18" name="Group 17">
+      <p:pic>
+        <p:nvPicPr>
+          <p:cNvPr id="31" name="Picture 30">
             <a:extLst>
               <a:ext uri="{FF2B5EF4-FFF2-40B4-BE49-F238E27FC236}">
-                <a16:creationId xmlns:a16="http://schemas.microsoft.com/office/drawing/2014/main" id="{1393024C-29C3-A91D-E011-E253799CA335}"/>
+                <a16:creationId xmlns:a16="http://schemas.microsoft.com/office/drawing/2014/main" id="{A9FA27BB-DA17-1E51-CDB8-68F5B7BE8C95}"/>
               </a:ext>
             </a:extLst>
           </p:cNvPr>
-          <p:cNvGrpSpPr/>
+          <p:cNvPicPr>
+            <a:picLocks noChangeAspect="1"/>
+          </p:cNvPicPr>
           <p:nvPr/>
-        </p:nvGrpSpPr>
-        <p:grpSpPr>
+        </p:nvPicPr>
+        <p:blipFill>
+          <a:blip r:embed="rId2"/>
+          <a:stretch>
+            <a:fillRect/>
+          </a:stretch>
+        </p:blipFill>
+        <p:spPr>
           <a:xfrm>
-            <a:off x="8707" y="337457"/>
-            <a:ext cx="9135293" cy="2743200"/>
-            <a:chOff x="87085" y="1138645"/>
-            <a:chExt cx="9135293" cy="2743200"/>
+            <a:off x="1930309" y="463732"/>
+            <a:ext cx="5353050" cy="2743200"/>
           </a:xfrm>
-        </p:grpSpPr>
-        <p:pic>
-          <p:nvPicPr>
-            <p:cNvPr id="4" name="Picture 3">
-              <a:extLst>
-                <a:ext uri="{FF2B5EF4-FFF2-40B4-BE49-F238E27FC236}">
-                  <a16:creationId xmlns:a16="http://schemas.microsoft.com/office/drawing/2014/main" id="{81BC5FDC-2E5D-E88D-6EBD-03A36DD91BA3}"/>
-                </a:ext>
-              </a:extLst>
-            </p:cNvPr>
-            <p:cNvPicPr>
-              <a:picLocks noChangeAspect="1"/>
-            </p:cNvPicPr>
-            <p:nvPr/>
-          </p:nvPicPr>
-          <p:blipFill>
-            <a:blip r:embed="rId2"/>
-            <a:stretch>
-              <a:fillRect/>
-            </a:stretch>
-          </p:blipFill>
-          <p:spPr>
-            <a:xfrm>
-              <a:off x="1742394" y="1138645"/>
-              <a:ext cx="6334125" cy="2743200"/>
-            </a:xfrm>
-            <a:prstGeom prst="rect">
-              <a:avLst/>
-            </a:prstGeom>
-          </p:spPr>
-        </p:pic>
-        <p:sp>
-          <p:nvSpPr>
-            <p:cNvPr id="5" name="Левая фигурная скобка 25">
-              <a:extLst>
-                <a:ext uri="{FF2B5EF4-FFF2-40B4-BE49-F238E27FC236}">
-                  <a16:creationId xmlns:a16="http://schemas.microsoft.com/office/drawing/2014/main" id="{3CE24DCD-20B6-1A10-AF51-1CB9C996C1A6}"/>
-                </a:ext>
-              </a:extLst>
-            </p:cNvPr>
-            <p:cNvSpPr/>
-            <p:nvPr/>
-          </p:nvSpPr>
-          <p:spPr>
-            <a:xfrm>
-              <a:off x="1395003" y="2328382"/>
-              <a:ext cx="276225" cy="1512097"/>
-            </a:xfrm>
-            <a:prstGeom prst="leftBrace">
-              <a:avLst>
-                <a:gd name="adj1" fmla="val 35919"/>
-                <a:gd name="adj2" fmla="val 50629"/>
-              </a:avLst>
-            </a:prstGeom>
-            <a:ln w="28575">
-              <a:solidFill>
-                <a:srgbClr val="0070C0"/>
-              </a:solidFill>
-            </a:ln>
-          </p:spPr>
-          <p:style>
-            <a:lnRef idx="1">
-              <a:schemeClr val="accent1"/>
-            </a:lnRef>
-            <a:fillRef idx="0">
-              <a:schemeClr val="accent1"/>
-            </a:fillRef>
-            <a:effectRef idx="0">
-              <a:schemeClr val="accent1"/>
-            </a:effectRef>
-            <a:fontRef idx="minor">
-              <a:schemeClr val="tx1"/>
-            </a:fontRef>
-          </p:style>
-          <p:txBody>
-            <a:bodyPr rtlCol="0" anchor="ctr"/>
-            <a:lstStyle/>
-            <a:p>
-              <a:pPr algn="ctr"/>
-              <a:endParaRPr lang="ru-RU" sz="1100">
-                <a:latin typeface="Times New Roman" panose="02020603050405020304" pitchFamily="18" charset="0"/>
-                <a:cs typeface="Times New Roman" panose="02020603050405020304" pitchFamily="18" charset="0"/>
-              </a:endParaRPr>
-            </a:p>
-          </p:txBody>
-        </p:sp>
-        <p:cxnSp>
-          <p:nvCxnSpPr>
-            <p:cNvPr id="6" name="Прямая со стрелкой 27">
-              <a:extLst>
-                <a:ext uri="{FF2B5EF4-FFF2-40B4-BE49-F238E27FC236}">
-                  <a16:creationId xmlns:a16="http://schemas.microsoft.com/office/drawing/2014/main" id="{0C83BECE-4073-2DE6-4AC7-18E5771434FD}"/>
-                </a:ext>
-              </a:extLst>
-            </p:cNvPr>
-            <p:cNvCxnSpPr>
-              <a:cxnSpLocks/>
-            </p:cNvCxnSpPr>
-            <p:nvPr/>
-          </p:nvCxnSpPr>
-          <p:spPr>
-            <a:xfrm>
-              <a:off x="1297578" y="1306534"/>
-              <a:ext cx="391155" cy="0"/>
-            </a:xfrm>
-            <a:prstGeom prst="straightConnector1">
-              <a:avLst/>
-            </a:prstGeom>
-            <a:ln w="47625">
-              <a:tailEnd type="stealth" w="lg" len="lg"/>
-            </a:ln>
-          </p:spPr>
-          <p:style>
-            <a:lnRef idx="1">
-              <a:schemeClr val="accent1"/>
-            </a:lnRef>
-            <a:fillRef idx="0">
-              <a:schemeClr val="accent1"/>
-            </a:fillRef>
-            <a:effectRef idx="0">
-              <a:schemeClr val="accent1"/>
-            </a:effectRef>
-            <a:fontRef idx="minor">
-              <a:schemeClr val="tx1"/>
-            </a:fontRef>
-          </p:style>
-        </p:cxnSp>
-        <p:sp>
-          <p:nvSpPr>
-            <p:cNvPr id="7" name="TextBox 6">
-              <a:extLst>
-                <a:ext uri="{FF2B5EF4-FFF2-40B4-BE49-F238E27FC236}">
-                  <a16:creationId xmlns:a16="http://schemas.microsoft.com/office/drawing/2014/main" id="{F1966F33-6A0A-5956-2DBB-EAAD5F4856FC}"/>
-                </a:ext>
-              </a:extLst>
-            </p:cNvPr>
-            <p:cNvSpPr txBox="1"/>
-            <p:nvPr/>
-          </p:nvSpPr>
-          <p:spPr>
-            <a:xfrm>
-              <a:off x="426721" y="1171245"/>
-              <a:ext cx="841552" cy="261610"/>
-            </a:xfrm>
-            <a:prstGeom prst="rect">
-              <a:avLst/>
-            </a:prstGeom>
-            <a:noFill/>
-          </p:spPr>
-          <p:txBody>
-            <a:bodyPr wrap="square" rtlCol="0">
-              <a:spAutoFit/>
-            </a:bodyPr>
-            <a:lstStyle/>
-            <a:p>
-              <a:pPr algn="ctr"/>
-              <a:r>
-                <a:rPr lang="ru-RU" sz="1100" dirty="0">
-                  <a:latin typeface="Times New Roman" panose="02020603050405020304" pitchFamily="18" charset="0"/>
-                  <a:cs typeface="Times New Roman" panose="02020603050405020304" pitchFamily="18" charset="0"/>
-                </a:rPr>
-                <a:t>Заголовок</a:t>
-              </a:r>
-            </a:p>
-          </p:txBody>
-        </p:sp>
-        <p:sp>
-          <p:nvSpPr>
-            <p:cNvPr id="8" name="TextBox 7">
-              <a:extLst>
-                <a:ext uri="{FF2B5EF4-FFF2-40B4-BE49-F238E27FC236}">
-                  <a16:creationId xmlns:a16="http://schemas.microsoft.com/office/drawing/2014/main" id="{EFF66732-D198-445A-F825-2148931096C7}"/>
-                </a:ext>
-              </a:extLst>
-            </p:cNvPr>
-            <p:cNvSpPr txBox="1"/>
-            <p:nvPr/>
-          </p:nvSpPr>
-          <p:spPr>
-            <a:xfrm>
-              <a:off x="87085" y="2883054"/>
-              <a:ext cx="1485900" cy="430887"/>
-            </a:xfrm>
-            <a:prstGeom prst="rect">
-              <a:avLst/>
-            </a:prstGeom>
-            <a:noFill/>
-          </p:spPr>
-          <p:txBody>
-            <a:bodyPr wrap="square" rtlCol="0">
-              <a:spAutoFit/>
-            </a:bodyPr>
-            <a:lstStyle/>
-            <a:p>
-              <a:pPr algn="ctr"/>
-              <a:r>
-                <a:rPr lang="ru-RU" sz="1100" dirty="0">
-                  <a:latin typeface="Times New Roman" panose="02020603050405020304" pitchFamily="18" charset="0"/>
-                  <a:cs typeface="Times New Roman" panose="02020603050405020304" pitchFamily="18" charset="0"/>
-                </a:rPr>
-                <a:t>Межслоевое перемешивание</a:t>
-              </a:r>
-            </a:p>
-          </p:txBody>
-        </p:sp>
-        <p:sp>
-          <p:nvSpPr>
-            <p:cNvPr id="10" name="TextBox 9">
-              <a:extLst>
-                <a:ext uri="{FF2B5EF4-FFF2-40B4-BE49-F238E27FC236}">
-                  <a16:creationId xmlns:a16="http://schemas.microsoft.com/office/drawing/2014/main" id="{8B2848AF-1888-0BBD-AD3F-F6606401F754}"/>
-                </a:ext>
-              </a:extLst>
-            </p:cNvPr>
-            <p:cNvSpPr txBox="1"/>
-            <p:nvPr/>
-          </p:nvSpPr>
-          <p:spPr>
-            <a:xfrm>
-              <a:off x="447675" y="1810638"/>
-              <a:ext cx="1032783" cy="261610"/>
-            </a:xfrm>
-            <a:prstGeom prst="rect">
-              <a:avLst/>
-            </a:prstGeom>
-            <a:noFill/>
-          </p:spPr>
-          <p:txBody>
-            <a:bodyPr wrap="square" rtlCol="0">
-              <a:spAutoFit/>
-            </a:bodyPr>
-            <a:lstStyle/>
-            <a:p>
-              <a:pPr algn="ctr"/>
-              <a:r>
-                <a:rPr lang="ru-RU" sz="1100" dirty="0">
-                  <a:latin typeface="Times New Roman" panose="02020603050405020304" pitchFamily="18" charset="0"/>
-                  <a:cs typeface="Times New Roman" panose="02020603050405020304" pitchFamily="18" charset="0"/>
-                </a:rPr>
-                <a:t>Материал</a:t>
-              </a:r>
-            </a:p>
-          </p:txBody>
-        </p:sp>
-        <p:cxnSp>
-          <p:nvCxnSpPr>
-            <p:cNvPr id="12" name="Прямая со стрелкой 27">
-              <a:extLst>
-                <a:ext uri="{FF2B5EF4-FFF2-40B4-BE49-F238E27FC236}">
-                  <a16:creationId xmlns:a16="http://schemas.microsoft.com/office/drawing/2014/main" id="{0614E47C-1815-7680-273D-6F899BAA86A0}"/>
-                </a:ext>
-              </a:extLst>
-            </p:cNvPr>
-            <p:cNvCxnSpPr>
-              <a:cxnSpLocks/>
-            </p:cNvCxnSpPr>
-            <p:nvPr/>
-          </p:nvCxnSpPr>
-          <p:spPr>
-            <a:xfrm>
-              <a:off x="1306286" y="1567791"/>
-              <a:ext cx="391155" cy="0"/>
-            </a:xfrm>
-            <a:prstGeom prst="straightConnector1">
-              <a:avLst/>
-            </a:prstGeom>
-            <a:ln w="47625">
-              <a:tailEnd type="stealth" w="lg" len="lg"/>
-            </a:ln>
-          </p:spPr>
-          <p:style>
-            <a:lnRef idx="1">
-              <a:schemeClr val="accent1"/>
-            </a:lnRef>
-            <a:fillRef idx="0">
-              <a:schemeClr val="accent1"/>
-            </a:fillRef>
-            <a:effectRef idx="0">
-              <a:schemeClr val="accent1"/>
-            </a:effectRef>
-            <a:fontRef idx="minor">
-              <a:schemeClr val="tx1"/>
-            </a:fontRef>
-          </p:style>
-        </p:cxnSp>
-        <p:sp>
-          <p:nvSpPr>
-            <p:cNvPr id="13" name="TextBox 12">
-              <a:extLst>
-                <a:ext uri="{FF2B5EF4-FFF2-40B4-BE49-F238E27FC236}">
-                  <a16:creationId xmlns:a16="http://schemas.microsoft.com/office/drawing/2014/main" id="{CD4C2803-80DB-29BF-5891-5A4AAEC02DF0}"/>
-                </a:ext>
-              </a:extLst>
-            </p:cNvPr>
-            <p:cNvSpPr txBox="1"/>
-            <p:nvPr/>
-          </p:nvSpPr>
-          <p:spPr>
-            <a:xfrm>
-              <a:off x="660305" y="1432502"/>
-              <a:ext cx="590550" cy="261610"/>
-            </a:xfrm>
-            <a:prstGeom prst="rect">
-              <a:avLst/>
-            </a:prstGeom>
-            <a:noFill/>
-          </p:spPr>
-          <p:txBody>
-            <a:bodyPr wrap="square" rtlCol="0">
-              <a:spAutoFit/>
-            </a:bodyPr>
-            <a:lstStyle/>
-            <a:p>
-              <a:pPr algn="ctr"/>
-              <a:r>
-                <a:rPr lang="ru-RU" sz="1100" dirty="0">
-                  <a:latin typeface="Times New Roman" panose="02020603050405020304" pitchFamily="18" charset="0"/>
-                  <a:cs typeface="Times New Roman" panose="02020603050405020304" pitchFamily="18" charset="0"/>
-                </a:rPr>
-                <a:t>Меню</a:t>
-              </a:r>
-            </a:p>
-          </p:txBody>
-        </p:sp>
-        <p:sp>
-          <p:nvSpPr>
-            <p:cNvPr id="15" name="Левая фигурная скобка 25">
-              <a:extLst>
-                <a:ext uri="{FF2B5EF4-FFF2-40B4-BE49-F238E27FC236}">
-                  <a16:creationId xmlns:a16="http://schemas.microsoft.com/office/drawing/2014/main" id="{E3346E1F-3FBD-64CC-8B5C-F4EBBBC41578}"/>
-                </a:ext>
-              </a:extLst>
-            </p:cNvPr>
-            <p:cNvSpPr/>
-            <p:nvPr/>
-          </p:nvSpPr>
-          <p:spPr>
-            <a:xfrm>
-              <a:off x="1390649" y="1663338"/>
-              <a:ext cx="276225" cy="583474"/>
-            </a:xfrm>
-            <a:prstGeom prst="leftBrace">
-              <a:avLst>
-                <a:gd name="adj1" fmla="val 35919"/>
-                <a:gd name="adj2" fmla="val 50629"/>
-              </a:avLst>
-            </a:prstGeom>
-            <a:ln w="28575">
-              <a:solidFill>
-                <a:srgbClr val="0070C0"/>
-              </a:solidFill>
-            </a:ln>
-          </p:spPr>
-          <p:style>
-            <a:lnRef idx="1">
-              <a:schemeClr val="accent1"/>
-            </a:lnRef>
-            <a:fillRef idx="0">
-              <a:schemeClr val="accent1"/>
-            </a:fillRef>
-            <a:effectRef idx="0">
-              <a:schemeClr val="accent1"/>
-            </a:effectRef>
-            <a:fontRef idx="minor">
-              <a:schemeClr val="tx1"/>
-            </a:fontRef>
-          </p:style>
-          <p:txBody>
-            <a:bodyPr rtlCol="0" anchor="ctr"/>
-            <a:lstStyle/>
-            <a:p>
-              <a:pPr algn="ctr"/>
-              <a:endParaRPr lang="ru-RU" sz="1100">
-                <a:latin typeface="Times New Roman" panose="02020603050405020304" pitchFamily="18" charset="0"/>
-                <a:cs typeface="Times New Roman" panose="02020603050405020304" pitchFamily="18" charset="0"/>
-              </a:endParaRPr>
-            </a:p>
-          </p:txBody>
-        </p:sp>
-        <p:sp>
-          <p:nvSpPr>
-            <p:cNvPr id="16" name="TextBox 15">
-              <a:extLst>
-                <a:ext uri="{FF2B5EF4-FFF2-40B4-BE49-F238E27FC236}">
-                  <a16:creationId xmlns:a16="http://schemas.microsoft.com/office/drawing/2014/main" id="{70264397-9CDD-93EA-1F55-9A6DEFDEBE70}"/>
-                </a:ext>
-              </a:extLst>
-            </p:cNvPr>
-            <p:cNvSpPr txBox="1"/>
-            <p:nvPr/>
-          </p:nvSpPr>
-          <p:spPr>
-            <a:xfrm>
-              <a:off x="8259264" y="1819347"/>
-              <a:ext cx="963114" cy="261610"/>
-            </a:xfrm>
-            <a:prstGeom prst="rect">
-              <a:avLst/>
-            </a:prstGeom>
-            <a:noFill/>
-          </p:spPr>
-          <p:txBody>
-            <a:bodyPr wrap="square" rtlCol="0">
-              <a:spAutoFit/>
-            </a:bodyPr>
-            <a:lstStyle/>
-            <a:p>
-              <a:pPr algn="ctr"/>
-              <a:r>
-                <a:rPr lang="ru-RU" sz="1100" dirty="0">
-                  <a:latin typeface="Times New Roman" panose="02020603050405020304" pitchFamily="18" charset="0"/>
-                  <a:cs typeface="Times New Roman" panose="02020603050405020304" pitchFamily="18" charset="0"/>
-                </a:rPr>
-                <a:t>Толщина</a:t>
-              </a:r>
-            </a:p>
-          </p:txBody>
-        </p:sp>
-        <p:sp>
-          <p:nvSpPr>
-            <p:cNvPr id="17" name="Левая фигурная скобка 25">
-              <a:extLst>
-                <a:ext uri="{FF2B5EF4-FFF2-40B4-BE49-F238E27FC236}">
-                  <a16:creationId xmlns:a16="http://schemas.microsoft.com/office/drawing/2014/main" id="{69685E3F-8BAF-63C2-FE9F-CCEE59D37B1E}"/>
-                </a:ext>
-              </a:extLst>
-            </p:cNvPr>
-            <p:cNvSpPr/>
-            <p:nvPr/>
-          </p:nvSpPr>
-          <p:spPr>
-            <a:xfrm rot="10800000">
-              <a:off x="8104957" y="1654630"/>
-              <a:ext cx="276225" cy="583474"/>
-            </a:xfrm>
-            <a:prstGeom prst="leftBrace">
-              <a:avLst>
-                <a:gd name="adj1" fmla="val 35919"/>
-                <a:gd name="adj2" fmla="val 50629"/>
-              </a:avLst>
-            </a:prstGeom>
-            <a:ln w="28575">
-              <a:solidFill>
-                <a:srgbClr val="0070C0"/>
-              </a:solidFill>
-            </a:ln>
-          </p:spPr>
-          <p:style>
-            <a:lnRef idx="1">
-              <a:schemeClr val="accent1"/>
-            </a:lnRef>
-            <a:fillRef idx="0">
-              <a:schemeClr val="accent1"/>
-            </a:fillRef>
-            <a:effectRef idx="0">
-              <a:schemeClr val="accent1"/>
-            </a:effectRef>
-            <a:fontRef idx="minor">
-              <a:schemeClr val="tx1"/>
-            </a:fontRef>
-          </p:style>
-          <p:txBody>
-            <a:bodyPr rtlCol="0" anchor="ctr"/>
-            <a:lstStyle/>
-            <a:p>
-              <a:pPr algn="ctr"/>
-              <a:endParaRPr lang="ru-RU" sz="1100">
-                <a:latin typeface="Times New Roman" panose="02020603050405020304" pitchFamily="18" charset="0"/>
-                <a:cs typeface="Times New Roman" panose="02020603050405020304" pitchFamily="18" charset="0"/>
-              </a:endParaRPr>
-            </a:p>
-          </p:txBody>
-        </p:sp>
-      </p:grpSp>
-      <p:grpSp>
-        <p:nvGrpSpPr>
-          <p:cNvPr id="19" name="Group 18">
-            <a:extLst>
-              <a:ext uri="{FF2B5EF4-FFF2-40B4-BE49-F238E27FC236}">
-                <a16:creationId xmlns:a16="http://schemas.microsoft.com/office/drawing/2014/main" id="{90C91194-E1C4-C7DD-DE94-8DBA6E9FAAD0}"/>
-              </a:ext>
-            </a:extLst>
-          </p:cNvPr>
-          <p:cNvGrpSpPr/>
-          <p:nvPr/>
-        </p:nvGrpSpPr>
-        <p:grpSpPr>
-          <a:xfrm>
-            <a:off x="8707" y="3546566"/>
-            <a:ext cx="9135293" cy="2743200"/>
-            <a:chOff x="87085" y="1138645"/>
-            <a:chExt cx="9135293" cy="2743200"/>
-          </a:xfrm>
-        </p:grpSpPr>
-        <p:pic>
-          <p:nvPicPr>
-            <p:cNvPr id="20" name="Picture 19">
-              <a:extLst>
-                <a:ext uri="{FF2B5EF4-FFF2-40B4-BE49-F238E27FC236}">
-                  <a16:creationId xmlns:a16="http://schemas.microsoft.com/office/drawing/2014/main" id="{45B30628-E1C0-13E7-1724-050EF2807604}"/>
-                </a:ext>
-              </a:extLst>
-            </p:cNvPr>
-            <p:cNvPicPr>
-              <a:picLocks noChangeAspect="1"/>
-            </p:cNvPicPr>
-            <p:nvPr/>
-          </p:nvPicPr>
-          <p:blipFill>
-            <a:blip r:embed="rId2"/>
-            <a:stretch>
-              <a:fillRect/>
-            </a:stretch>
-          </p:blipFill>
-          <p:spPr>
-            <a:xfrm>
-              <a:off x="1742394" y="1138645"/>
-              <a:ext cx="6334125" cy="2743200"/>
-            </a:xfrm>
-            <a:prstGeom prst="rect">
-              <a:avLst/>
-            </a:prstGeom>
-          </p:spPr>
-        </p:pic>
-        <p:sp>
-          <p:nvSpPr>
-            <p:cNvPr id="21" name="Левая фигурная скобка 25">
-              <a:extLst>
-                <a:ext uri="{FF2B5EF4-FFF2-40B4-BE49-F238E27FC236}">
-                  <a16:creationId xmlns:a16="http://schemas.microsoft.com/office/drawing/2014/main" id="{4E50D32F-0455-294E-00E5-C1419BA4F4D9}"/>
-                </a:ext>
-              </a:extLst>
-            </p:cNvPr>
-            <p:cNvSpPr/>
-            <p:nvPr/>
-          </p:nvSpPr>
-          <p:spPr>
-            <a:xfrm>
-              <a:off x="1395003" y="2328382"/>
-              <a:ext cx="276225" cy="1512097"/>
-            </a:xfrm>
-            <a:prstGeom prst="leftBrace">
-              <a:avLst>
-                <a:gd name="adj1" fmla="val 35919"/>
-                <a:gd name="adj2" fmla="val 50629"/>
-              </a:avLst>
-            </a:prstGeom>
-            <a:ln w="28575">
-              <a:solidFill>
-                <a:srgbClr val="0070C0"/>
-              </a:solidFill>
-            </a:ln>
-          </p:spPr>
-          <p:style>
-            <a:lnRef idx="1">
-              <a:schemeClr val="accent1"/>
-            </a:lnRef>
-            <a:fillRef idx="0">
-              <a:schemeClr val="accent1"/>
-            </a:fillRef>
-            <a:effectRef idx="0">
-              <a:schemeClr val="accent1"/>
-            </a:effectRef>
-            <a:fontRef idx="minor">
-              <a:schemeClr val="tx1"/>
-            </a:fontRef>
-          </p:style>
-          <p:txBody>
-            <a:bodyPr rtlCol="0" anchor="ctr"/>
-            <a:lstStyle/>
-            <a:p>
-              <a:pPr algn="ctr"/>
-              <a:endParaRPr lang="ru-RU" sz="1100">
-                <a:latin typeface="Times New Roman" panose="02020603050405020304" pitchFamily="18" charset="0"/>
-                <a:cs typeface="Times New Roman" panose="02020603050405020304" pitchFamily="18" charset="0"/>
-              </a:endParaRPr>
-            </a:p>
-          </p:txBody>
-        </p:sp>
-        <p:cxnSp>
-          <p:nvCxnSpPr>
-            <p:cNvPr id="22" name="Прямая со стрелкой 27">
-              <a:extLst>
-                <a:ext uri="{FF2B5EF4-FFF2-40B4-BE49-F238E27FC236}">
-                  <a16:creationId xmlns:a16="http://schemas.microsoft.com/office/drawing/2014/main" id="{F763B4AF-44A9-4F40-054B-1898CF9BD27C}"/>
-                </a:ext>
-              </a:extLst>
-            </p:cNvPr>
-            <p:cNvCxnSpPr>
-              <a:cxnSpLocks/>
-            </p:cNvCxnSpPr>
-            <p:nvPr/>
-          </p:nvCxnSpPr>
-          <p:spPr>
-            <a:xfrm>
-              <a:off x="1297578" y="1306534"/>
-              <a:ext cx="391155" cy="0"/>
-            </a:xfrm>
-            <a:prstGeom prst="straightConnector1">
-              <a:avLst/>
-            </a:prstGeom>
-            <a:ln w="47625">
-              <a:tailEnd type="stealth" w="lg" len="lg"/>
-            </a:ln>
-          </p:spPr>
-          <p:style>
-            <a:lnRef idx="1">
-              <a:schemeClr val="accent1"/>
-            </a:lnRef>
-            <a:fillRef idx="0">
-              <a:schemeClr val="accent1"/>
-            </a:fillRef>
-            <a:effectRef idx="0">
-              <a:schemeClr val="accent1"/>
-            </a:effectRef>
-            <a:fontRef idx="minor">
-              <a:schemeClr val="tx1"/>
-            </a:fontRef>
-          </p:style>
-        </p:cxnSp>
-        <p:sp>
-          <p:nvSpPr>
-            <p:cNvPr id="23" name="TextBox 22">
-              <a:extLst>
-                <a:ext uri="{FF2B5EF4-FFF2-40B4-BE49-F238E27FC236}">
-                  <a16:creationId xmlns:a16="http://schemas.microsoft.com/office/drawing/2014/main" id="{7EF84189-884F-FA4F-E87F-441072480452}"/>
-                </a:ext>
-              </a:extLst>
-            </p:cNvPr>
-            <p:cNvSpPr txBox="1"/>
-            <p:nvPr/>
-          </p:nvSpPr>
-          <p:spPr>
-            <a:xfrm>
-              <a:off x="426721" y="1171245"/>
-              <a:ext cx="841552" cy="261610"/>
-            </a:xfrm>
-            <a:prstGeom prst="rect">
-              <a:avLst/>
-            </a:prstGeom>
-            <a:noFill/>
-          </p:spPr>
-          <p:txBody>
-            <a:bodyPr wrap="square" rtlCol="0">
-              <a:spAutoFit/>
-            </a:bodyPr>
-            <a:lstStyle/>
-            <a:p>
-              <a:pPr algn="ctr"/>
-              <a:r>
-                <a:rPr lang="en-US" sz="1100" dirty="0">
-                  <a:latin typeface="Times New Roman" panose="02020603050405020304" pitchFamily="18" charset="0"/>
-                  <a:cs typeface="Times New Roman" panose="02020603050405020304" pitchFamily="18" charset="0"/>
-                </a:rPr>
-                <a:t>Header</a:t>
-              </a:r>
-              <a:endParaRPr lang="ru-RU" sz="1100" dirty="0">
-                <a:latin typeface="Times New Roman" panose="02020603050405020304" pitchFamily="18" charset="0"/>
-                <a:cs typeface="Times New Roman" panose="02020603050405020304" pitchFamily="18" charset="0"/>
-              </a:endParaRPr>
-            </a:p>
-          </p:txBody>
-        </p:sp>
-        <p:sp>
-          <p:nvSpPr>
-            <p:cNvPr id="24" name="TextBox 23">
-              <a:extLst>
-                <a:ext uri="{FF2B5EF4-FFF2-40B4-BE49-F238E27FC236}">
-                  <a16:creationId xmlns:a16="http://schemas.microsoft.com/office/drawing/2014/main" id="{AC11B66F-7BF7-4B3D-5B63-0F090B3E829C}"/>
-                </a:ext>
-              </a:extLst>
-            </p:cNvPr>
-            <p:cNvSpPr txBox="1"/>
-            <p:nvPr/>
-          </p:nvSpPr>
-          <p:spPr>
-            <a:xfrm>
-              <a:off x="87085" y="2883054"/>
-              <a:ext cx="1485900" cy="261610"/>
-            </a:xfrm>
-            <a:prstGeom prst="rect">
-              <a:avLst/>
-            </a:prstGeom>
-            <a:noFill/>
-          </p:spPr>
-          <p:txBody>
-            <a:bodyPr wrap="square" rtlCol="0">
-              <a:spAutoFit/>
-            </a:bodyPr>
-            <a:lstStyle/>
-            <a:p>
-              <a:pPr algn="ctr"/>
-              <a:r>
-                <a:rPr lang="en-US" sz="1100" dirty="0">
-                  <a:latin typeface="Times New Roman" panose="02020603050405020304" pitchFamily="18" charset="0"/>
-                  <a:cs typeface="Times New Roman" panose="02020603050405020304" pitchFamily="18" charset="0"/>
-                </a:rPr>
-                <a:t>Diffuseness</a:t>
-              </a:r>
-              <a:endParaRPr lang="ru-RU" sz="1100" dirty="0">
-                <a:latin typeface="Times New Roman" panose="02020603050405020304" pitchFamily="18" charset="0"/>
-                <a:cs typeface="Times New Roman" panose="02020603050405020304" pitchFamily="18" charset="0"/>
-              </a:endParaRPr>
-            </a:p>
-          </p:txBody>
-        </p:sp>
-        <p:sp>
-          <p:nvSpPr>
-            <p:cNvPr id="25" name="TextBox 24">
-              <a:extLst>
-                <a:ext uri="{FF2B5EF4-FFF2-40B4-BE49-F238E27FC236}">
-                  <a16:creationId xmlns:a16="http://schemas.microsoft.com/office/drawing/2014/main" id="{EBD69866-C65D-82B4-5382-8D8154519442}"/>
-                </a:ext>
-              </a:extLst>
-            </p:cNvPr>
-            <p:cNvSpPr txBox="1"/>
-            <p:nvPr/>
-          </p:nvSpPr>
-          <p:spPr>
-            <a:xfrm>
-              <a:off x="447675" y="1810638"/>
-              <a:ext cx="1032783" cy="261610"/>
-            </a:xfrm>
-            <a:prstGeom prst="rect">
-              <a:avLst/>
-            </a:prstGeom>
-            <a:noFill/>
-          </p:spPr>
-          <p:txBody>
-            <a:bodyPr wrap="square" rtlCol="0">
-              <a:spAutoFit/>
-            </a:bodyPr>
-            <a:lstStyle/>
-            <a:p>
-              <a:pPr algn="ctr"/>
-              <a:r>
-                <a:rPr lang="en-US" sz="1100" dirty="0">
-                  <a:latin typeface="Times New Roman" panose="02020603050405020304" pitchFamily="18" charset="0"/>
-                  <a:cs typeface="Times New Roman" panose="02020603050405020304" pitchFamily="18" charset="0"/>
-                </a:rPr>
-                <a:t>Material</a:t>
-              </a:r>
-              <a:endParaRPr lang="ru-RU" sz="1100" dirty="0">
-                <a:latin typeface="Times New Roman" panose="02020603050405020304" pitchFamily="18" charset="0"/>
-                <a:cs typeface="Times New Roman" panose="02020603050405020304" pitchFamily="18" charset="0"/>
-              </a:endParaRPr>
-            </a:p>
-          </p:txBody>
-        </p:sp>
-        <p:cxnSp>
-          <p:nvCxnSpPr>
-            <p:cNvPr id="26" name="Прямая со стрелкой 27">
-              <a:extLst>
-                <a:ext uri="{FF2B5EF4-FFF2-40B4-BE49-F238E27FC236}">
-                  <a16:creationId xmlns:a16="http://schemas.microsoft.com/office/drawing/2014/main" id="{473C5D5C-CA24-16E8-F0FD-78B6EC485D35}"/>
-                </a:ext>
-              </a:extLst>
-            </p:cNvPr>
-            <p:cNvCxnSpPr>
-              <a:cxnSpLocks/>
-            </p:cNvCxnSpPr>
-            <p:nvPr/>
-          </p:nvCxnSpPr>
-          <p:spPr>
-            <a:xfrm>
-              <a:off x="1306286" y="1567791"/>
-              <a:ext cx="391155" cy="0"/>
-            </a:xfrm>
-            <a:prstGeom prst="straightConnector1">
-              <a:avLst/>
-            </a:prstGeom>
-            <a:ln w="47625">
-              <a:tailEnd type="stealth" w="lg" len="lg"/>
-            </a:ln>
-          </p:spPr>
-          <p:style>
-            <a:lnRef idx="1">
-              <a:schemeClr val="accent1"/>
-            </a:lnRef>
-            <a:fillRef idx="0">
-              <a:schemeClr val="accent1"/>
-            </a:fillRef>
-            <a:effectRef idx="0">
-              <a:schemeClr val="accent1"/>
-            </a:effectRef>
-            <a:fontRef idx="minor">
-              <a:schemeClr val="tx1"/>
-            </a:fontRef>
-          </p:style>
-        </p:cxnSp>
-        <p:sp>
-          <p:nvSpPr>
-            <p:cNvPr id="27" name="TextBox 26">
-              <a:extLst>
-                <a:ext uri="{FF2B5EF4-FFF2-40B4-BE49-F238E27FC236}">
-                  <a16:creationId xmlns:a16="http://schemas.microsoft.com/office/drawing/2014/main" id="{454DD4C5-50D2-3B88-FD8C-AAFE36C68022}"/>
-                </a:ext>
-              </a:extLst>
-            </p:cNvPr>
-            <p:cNvSpPr txBox="1"/>
-            <p:nvPr/>
-          </p:nvSpPr>
-          <p:spPr>
-            <a:xfrm>
-              <a:off x="660305" y="1432502"/>
-              <a:ext cx="590550" cy="261610"/>
-            </a:xfrm>
-            <a:prstGeom prst="rect">
-              <a:avLst/>
-            </a:prstGeom>
-            <a:noFill/>
-          </p:spPr>
-          <p:txBody>
-            <a:bodyPr wrap="square" rtlCol="0">
-              <a:spAutoFit/>
-            </a:bodyPr>
-            <a:lstStyle/>
-            <a:p>
-              <a:pPr algn="ctr"/>
-              <a:r>
-                <a:rPr lang="en-US" sz="1100" dirty="0">
-                  <a:latin typeface="Times New Roman" panose="02020603050405020304" pitchFamily="18" charset="0"/>
-                  <a:cs typeface="Times New Roman" panose="02020603050405020304" pitchFamily="18" charset="0"/>
-                </a:rPr>
-                <a:t>Menu</a:t>
-              </a:r>
-              <a:endParaRPr lang="ru-RU" sz="1100" dirty="0">
-                <a:latin typeface="Times New Roman" panose="02020603050405020304" pitchFamily="18" charset="0"/>
-                <a:cs typeface="Times New Roman" panose="02020603050405020304" pitchFamily="18" charset="0"/>
-              </a:endParaRPr>
-            </a:p>
-          </p:txBody>
-        </p:sp>
-        <p:sp>
-          <p:nvSpPr>
-            <p:cNvPr id="28" name="Левая фигурная скобка 25">
-              <a:extLst>
-                <a:ext uri="{FF2B5EF4-FFF2-40B4-BE49-F238E27FC236}">
-                  <a16:creationId xmlns:a16="http://schemas.microsoft.com/office/drawing/2014/main" id="{59364855-4912-FD48-524E-8C65500B96F4}"/>
-                </a:ext>
-              </a:extLst>
-            </p:cNvPr>
-            <p:cNvSpPr/>
-            <p:nvPr/>
-          </p:nvSpPr>
-          <p:spPr>
-            <a:xfrm>
-              <a:off x="1390649" y="1663338"/>
-              <a:ext cx="276225" cy="583474"/>
-            </a:xfrm>
-            <a:prstGeom prst="leftBrace">
-              <a:avLst>
-                <a:gd name="adj1" fmla="val 35919"/>
-                <a:gd name="adj2" fmla="val 50629"/>
-              </a:avLst>
-            </a:prstGeom>
-            <a:ln w="28575">
-              <a:solidFill>
-                <a:srgbClr val="0070C0"/>
-              </a:solidFill>
-            </a:ln>
-          </p:spPr>
-          <p:style>
-            <a:lnRef idx="1">
-              <a:schemeClr val="accent1"/>
-            </a:lnRef>
-            <a:fillRef idx="0">
-              <a:schemeClr val="accent1"/>
-            </a:fillRef>
-            <a:effectRef idx="0">
-              <a:schemeClr val="accent1"/>
-            </a:effectRef>
-            <a:fontRef idx="minor">
-              <a:schemeClr val="tx1"/>
-            </a:fontRef>
-          </p:style>
-          <p:txBody>
-            <a:bodyPr rtlCol="0" anchor="ctr"/>
-            <a:lstStyle/>
-            <a:p>
-              <a:pPr algn="ctr"/>
-              <a:endParaRPr lang="ru-RU" sz="1100">
-                <a:latin typeface="Times New Roman" panose="02020603050405020304" pitchFamily="18" charset="0"/>
-                <a:cs typeface="Times New Roman" panose="02020603050405020304" pitchFamily="18" charset="0"/>
-              </a:endParaRPr>
-            </a:p>
-          </p:txBody>
-        </p:sp>
-        <p:sp>
-          <p:nvSpPr>
-            <p:cNvPr id="29" name="TextBox 28">
-              <a:extLst>
-                <a:ext uri="{FF2B5EF4-FFF2-40B4-BE49-F238E27FC236}">
-                  <a16:creationId xmlns:a16="http://schemas.microsoft.com/office/drawing/2014/main" id="{FB5673F4-A85D-5D06-5686-37EE7811DDB3}"/>
-                </a:ext>
-              </a:extLst>
-            </p:cNvPr>
-            <p:cNvSpPr txBox="1"/>
-            <p:nvPr/>
-          </p:nvSpPr>
-          <p:spPr>
-            <a:xfrm>
-              <a:off x="8259264" y="1819347"/>
-              <a:ext cx="963114" cy="261610"/>
-            </a:xfrm>
-            <a:prstGeom prst="rect">
-              <a:avLst/>
-            </a:prstGeom>
-            <a:noFill/>
-          </p:spPr>
-          <p:txBody>
-            <a:bodyPr wrap="square" rtlCol="0">
-              <a:spAutoFit/>
-            </a:bodyPr>
-            <a:lstStyle/>
-            <a:p>
-              <a:pPr algn="ctr"/>
-              <a:r>
-                <a:rPr lang="en-US" sz="1100" dirty="0">
-                  <a:latin typeface="Times New Roman" panose="02020603050405020304" pitchFamily="18" charset="0"/>
-                  <a:cs typeface="Times New Roman" panose="02020603050405020304" pitchFamily="18" charset="0"/>
-                </a:rPr>
-                <a:t>Thickness</a:t>
-              </a:r>
-              <a:endParaRPr lang="ru-RU" sz="1100" dirty="0">
-                <a:latin typeface="Times New Roman" panose="02020603050405020304" pitchFamily="18" charset="0"/>
-                <a:cs typeface="Times New Roman" panose="02020603050405020304" pitchFamily="18" charset="0"/>
-              </a:endParaRPr>
-            </a:p>
-          </p:txBody>
-        </p:sp>
-        <p:sp>
-          <p:nvSpPr>
-            <p:cNvPr id="30" name="Левая фигурная скобка 25">
-              <a:extLst>
-                <a:ext uri="{FF2B5EF4-FFF2-40B4-BE49-F238E27FC236}">
-                  <a16:creationId xmlns:a16="http://schemas.microsoft.com/office/drawing/2014/main" id="{9CF2E5CA-50C5-8ECE-8FE3-43BC515AD863}"/>
-                </a:ext>
-              </a:extLst>
-            </p:cNvPr>
-            <p:cNvSpPr/>
-            <p:nvPr/>
-          </p:nvSpPr>
-          <p:spPr>
-            <a:xfrm rot="10800000">
-              <a:off x="8104957" y="1654630"/>
-              <a:ext cx="276225" cy="583474"/>
-            </a:xfrm>
-            <a:prstGeom prst="leftBrace">
-              <a:avLst>
-                <a:gd name="adj1" fmla="val 35919"/>
-                <a:gd name="adj2" fmla="val 50629"/>
-              </a:avLst>
-            </a:prstGeom>
-            <a:ln w="28575">
-              <a:solidFill>
-                <a:srgbClr val="0070C0"/>
-              </a:solidFill>
-            </a:ln>
-          </p:spPr>
-          <p:style>
-            <a:lnRef idx="1">
-              <a:schemeClr val="accent1"/>
-            </a:lnRef>
-            <a:fillRef idx="0">
-              <a:schemeClr val="accent1"/>
-            </a:fillRef>
-            <a:effectRef idx="0">
-              <a:schemeClr val="accent1"/>
-            </a:effectRef>
-            <a:fontRef idx="minor">
-              <a:schemeClr val="tx1"/>
-            </a:fontRef>
-          </p:style>
-          <p:txBody>
-            <a:bodyPr rtlCol="0" anchor="ctr"/>
-            <a:lstStyle/>
-            <a:p>
-              <a:pPr algn="ctr"/>
-              <a:endParaRPr lang="ru-RU" sz="1100">
-                <a:latin typeface="Times New Roman" panose="02020603050405020304" pitchFamily="18" charset="0"/>
-                <a:cs typeface="Times New Roman" panose="02020603050405020304" pitchFamily="18" charset="0"/>
-              </a:endParaRPr>
-            </a:p>
-          </p:txBody>
-        </p:sp>
-      </p:grpSp>
+          <a:prstGeom prst="rect">
+            <a:avLst/>
+          </a:prstGeom>
+        </p:spPr>
+      </p:pic>
     </p:spTree>
     <p:extLst>
       <p:ext uri="{BB962C8B-B14F-4D97-AF65-F5344CB8AC3E}">

--- a/manual/Pictures 2.0/Pictures 2.0.pptx
+++ b/manual/Pictures 2.0/Pictures 2.0.pptx
@@ -4185,12 +4185,622 @@
           <a:chExt cx="0" cy="0"/>
         </a:xfrm>
       </p:grpSpPr>
+      <p:grpSp>
+        <p:nvGrpSpPr>
+          <p:cNvPr id="49" name="Group 48">
+            <a:extLst>
+              <a:ext uri="{FF2B5EF4-FFF2-40B4-BE49-F238E27FC236}">
+                <a16:creationId xmlns:a16="http://schemas.microsoft.com/office/drawing/2014/main" id="{DE158080-293B-4823-5BD7-60EFBDF85DA1}"/>
+              </a:ext>
+            </a:extLst>
+          </p:cNvPr>
+          <p:cNvGrpSpPr/>
+          <p:nvPr/>
+        </p:nvGrpSpPr>
+        <p:grpSpPr>
+          <a:xfrm>
+            <a:off x="113210" y="185058"/>
+            <a:ext cx="2246811" cy="1178908"/>
+            <a:chOff x="1419497" y="1439092"/>
+            <a:chExt cx="2246811" cy="1178908"/>
+          </a:xfrm>
+        </p:grpSpPr>
+        <p:pic>
+          <p:nvPicPr>
+            <p:cNvPr id="31" name="Picture 30">
+              <a:extLst>
+                <a:ext uri="{FF2B5EF4-FFF2-40B4-BE49-F238E27FC236}">
+                  <a16:creationId xmlns:a16="http://schemas.microsoft.com/office/drawing/2014/main" id="{A9FA27BB-DA17-1E51-CDB8-68F5B7BE8C95}"/>
+                </a:ext>
+              </a:extLst>
+            </p:cNvPr>
+            <p:cNvPicPr>
+              <a:picLocks noChangeAspect="1"/>
+            </p:cNvPicPr>
+            <p:nvPr/>
+          </p:nvPicPr>
+          <p:blipFill rotWithShape="1">
+            <a:blip r:embed="rId2"/>
+            <a:srcRect r="75867" b="89603"/>
+            <a:stretch/>
+          </p:blipFill>
+          <p:spPr>
+            <a:xfrm>
+              <a:off x="1921601" y="1439092"/>
+              <a:ext cx="1291862" cy="285205"/>
+            </a:xfrm>
+            <a:prstGeom prst="rect">
+              <a:avLst/>
+            </a:prstGeom>
+          </p:spPr>
+        </p:pic>
+        <p:sp>
+          <p:nvSpPr>
+            <p:cNvPr id="35" name="TextBox 34">
+              <a:extLst>
+                <a:ext uri="{FF2B5EF4-FFF2-40B4-BE49-F238E27FC236}">
+                  <a16:creationId xmlns:a16="http://schemas.microsoft.com/office/drawing/2014/main" id="{EB15BA28-193F-3D75-FA35-9E4F8A276004}"/>
+                </a:ext>
+              </a:extLst>
+            </p:cNvPr>
+            <p:cNvSpPr txBox="1"/>
+            <p:nvPr/>
+          </p:nvSpPr>
+          <p:spPr>
+            <a:xfrm>
+              <a:off x="1419497" y="1960988"/>
+              <a:ext cx="757192" cy="246221"/>
+            </a:xfrm>
+            <a:prstGeom prst="rect">
+              <a:avLst/>
+            </a:prstGeom>
+            <a:noFill/>
+          </p:spPr>
+          <p:txBody>
+            <a:bodyPr wrap="square" rtlCol="0">
+              <a:spAutoFit/>
+            </a:bodyPr>
+            <a:lstStyle/>
+            <a:p>
+              <a:pPr algn="ctr"/>
+              <a:r>
+                <a:rPr lang="ru-RU" sz="1000" dirty="0">
+                  <a:latin typeface="Times New Roman" panose="02020603050405020304" pitchFamily="18" charset="0"/>
+                  <a:cs typeface="Times New Roman" panose="02020603050405020304" pitchFamily="18" charset="0"/>
+                </a:rPr>
+                <a:t>Материал</a:t>
+              </a:r>
+            </a:p>
+          </p:txBody>
+        </p:sp>
+        <p:cxnSp>
+          <p:nvCxnSpPr>
+            <p:cNvPr id="36" name="Прямая со стрелкой 21">
+              <a:extLst>
+                <a:ext uri="{FF2B5EF4-FFF2-40B4-BE49-F238E27FC236}">
+                  <a16:creationId xmlns:a16="http://schemas.microsoft.com/office/drawing/2014/main" id="{765513D0-0C5B-3470-6D3D-9C77C4F83AED}"/>
+                </a:ext>
+              </a:extLst>
+            </p:cNvPr>
+            <p:cNvCxnSpPr>
+              <a:cxnSpLocks/>
+            </p:cNvCxnSpPr>
+            <p:nvPr/>
+          </p:nvCxnSpPr>
+          <p:spPr>
+            <a:xfrm flipV="1">
+              <a:off x="1872343" y="1659797"/>
+              <a:ext cx="327956" cy="290923"/>
+            </a:xfrm>
+            <a:prstGeom prst="straightConnector1">
+              <a:avLst/>
+            </a:prstGeom>
+            <a:ln w="6350">
+              <a:solidFill>
+                <a:schemeClr val="tx1"/>
+              </a:solidFill>
+              <a:tailEnd type="stealth" w="med" len="med"/>
+            </a:ln>
+          </p:spPr>
+          <p:style>
+            <a:lnRef idx="1">
+              <a:schemeClr val="accent1"/>
+            </a:lnRef>
+            <a:fillRef idx="0">
+              <a:schemeClr val="accent1"/>
+            </a:fillRef>
+            <a:effectRef idx="0">
+              <a:schemeClr val="accent1"/>
+            </a:effectRef>
+            <a:fontRef idx="minor">
+              <a:schemeClr val="tx1"/>
+            </a:fontRef>
+          </p:style>
+        </p:cxnSp>
+        <p:cxnSp>
+          <p:nvCxnSpPr>
+            <p:cNvPr id="38" name="Прямая со стрелкой 21">
+              <a:extLst>
+                <a:ext uri="{FF2B5EF4-FFF2-40B4-BE49-F238E27FC236}">
+                  <a16:creationId xmlns:a16="http://schemas.microsoft.com/office/drawing/2014/main" id="{A31CE6B4-F54B-DDD3-1DB1-0B381C34F602}"/>
+                </a:ext>
+              </a:extLst>
+            </p:cNvPr>
+            <p:cNvCxnSpPr>
+              <a:cxnSpLocks/>
+            </p:cNvCxnSpPr>
+            <p:nvPr/>
+          </p:nvCxnSpPr>
+          <p:spPr>
+            <a:xfrm flipV="1">
+              <a:off x="2452849" y="1659797"/>
+              <a:ext cx="0" cy="552180"/>
+            </a:xfrm>
+            <a:prstGeom prst="straightConnector1">
+              <a:avLst/>
+            </a:prstGeom>
+            <a:ln w="6350">
+              <a:solidFill>
+                <a:schemeClr val="tx1"/>
+              </a:solidFill>
+              <a:tailEnd type="stealth" w="med" len="med"/>
+            </a:ln>
+          </p:spPr>
+          <p:style>
+            <a:lnRef idx="1">
+              <a:schemeClr val="accent1"/>
+            </a:lnRef>
+            <a:fillRef idx="0">
+              <a:schemeClr val="accent1"/>
+            </a:fillRef>
+            <a:effectRef idx="0">
+              <a:schemeClr val="accent1"/>
+            </a:effectRef>
+            <a:fontRef idx="minor">
+              <a:schemeClr val="tx1"/>
+            </a:fontRef>
+          </p:style>
+        </p:cxnSp>
+        <p:sp>
+          <p:nvSpPr>
+            <p:cNvPr id="42" name="TextBox 41">
+              <a:extLst>
+                <a:ext uri="{FF2B5EF4-FFF2-40B4-BE49-F238E27FC236}">
+                  <a16:creationId xmlns:a16="http://schemas.microsoft.com/office/drawing/2014/main" id="{0AB99048-2CD0-DABB-7CBA-97BD1BD6EC21}"/>
+                </a:ext>
+              </a:extLst>
+            </p:cNvPr>
+            <p:cNvSpPr txBox="1"/>
+            <p:nvPr/>
+          </p:nvSpPr>
+          <p:spPr>
+            <a:xfrm>
+              <a:off x="1976846" y="2217890"/>
+              <a:ext cx="953134" cy="400110"/>
+            </a:xfrm>
+            <a:prstGeom prst="rect">
+              <a:avLst/>
+            </a:prstGeom>
+            <a:noFill/>
+          </p:spPr>
+          <p:txBody>
+            <a:bodyPr wrap="square" rtlCol="0">
+              <a:spAutoFit/>
+            </a:bodyPr>
+            <a:lstStyle/>
+            <a:p>
+              <a:pPr algn="ctr"/>
+              <a:r>
+                <a:rPr lang="ru-RU" sz="1000" dirty="0">
+                  <a:latin typeface="Times New Roman" panose="02020603050405020304" pitchFamily="18" charset="0"/>
+                  <a:cs typeface="Times New Roman" panose="02020603050405020304" pitchFamily="18" charset="0"/>
+                </a:rPr>
+                <a:t>Тип элемента = слой</a:t>
+              </a:r>
+            </a:p>
+          </p:txBody>
+        </p:sp>
+        <p:cxnSp>
+          <p:nvCxnSpPr>
+            <p:cNvPr id="46" name="Прямая со стрелкой 21">
+              <a:extLst>
+                <a:ext uri="{FF2B5EF4-FFF2-40B4-BE49-F238E27FC236}">
+                  <a16:creationId xmlns:a16="http://schemas.microsoft.com/office/drawing/2014/main" id="{7336840E-511B-5F53-F30E-867C2930511F}"/>
+                </a:ext>
+              </a:extLst>
+            </p:cNvPr>
+            <p:cNvCxnSpPr>
+              <a:cxnSpLocks/>
+            </p:cNvCxnSpPr>
+            <p:nvPr/>
+          </p:nvCxnSpPr>
+          <p:spPr>
+            <a:xfrm flipH="1" flipV="1">
+              <a:off x="2696688" y="1668505"/>
+              <a:ext cx="368729" cy="273506"/>
+            </a:xfrm>
+            <a:prstGeom prst="straightConnector1">
+              <a:avLst/>
+            </a:prstGeom>
+            <a:ln w="6350">
+              <a:solidFill>
+                <a:schemeClr val="tx1"/>
+              </a:solidFill>
+              <a:tailEnd type="stealth" w="med" len="med"/>
+            </a:ln>
+          </p:spPr>
+          <p:style>
+            <a:lnRef idx="1">
+              <a:schemeClr val="accent1"/>
+            </a:lnRef>
+            <a:fillRef idx="0">
+              <a:schemeClr val="accent1"/>
+            </a:fillRef>
+            <a:effectRef idx="0">
+              <a:schemeClr val="accent1"/>
+            </a:effectRef>
+            <a:fontRef idx="minor">
+              <a:schemeClr val="tx1"/>
+            </a:fontRef>
+          </p:style>
+        </p:cxnSp>
+        <p:sp>
+          <p:nvSpPr>
+            <p:cNvPr id="48" name="TextBox 47">
+              <a:extLst>
+                <a:ext uri="{FF2B5EF4-FFF2-40B4-BE49-F238E27FC236}">
+                  <a16:creationId xmlns:a16="http://schemas.microsoft.com/office/drawing/2014/main" id="{C16478ED-0D96-36B1-E38C-DC1D6926F38F}"/>
+                </a:ext>
+              </a:extLst>
+            </p:cNvPr>
+            <p:cNvSpPr txBox="1"/>
+            <p:nvPr/>
+          </p:nvSpPr>
+          <p:spPr>
+            <a:xfrm>
+              <a:off x="2791095" y="1913091"/>
+              <a:ext cx="875213" cy="246221"/>
+            </a:xfrm>
+            <a:prstGeom prst="rect">
+              <a:avLst/>
+            </a:prstGeom>
+            <a:noFill/>
+          </p:spPr>
+          <p:txBody>
+            <a:bodyPr wrap="square" rtlCol="0">
+              <a:spAutoFit/>
+            </a:bodyPr>
+            <a:lstStyle/>
+            <a:p>
+              <a:pPr algn="ctr"/>
+              <a:r>
+                <a:rPr lang="ru-RU" sz="1000" dirty="0">
+                  <a:latin typeface="Times New Roman" panose="02020603050405020304" pitchFamily="18" charset="0"/>
+                  <a:cs typeface="Times New Roman" panose="02020603050405020304" pitchFamily="18" charset="0"/>
+                </a:rPr>
+                <a:t>Индекс слоя</a:t>
+              </a:r>
+            </a:p>
+          </p:txBody>
+        </p:sp>
+      </p:grpSp>
+      <p:grpSp>
+        <p:nvGrpSpPr>
+          <p:cNvPr id="50" name="Group 49">
+            <a:extLst>
+              <a:ext uri="{FF2B5EF4-FFF2-40B4-BE49-F238E27FC236}">
+                <a16:creationId xmlns:a16="http://schemas.microsoft.com/office/drawing/2014/main" id="{1EAA464D-8152-1EF6-F95F-F1FD2092E327}"/>
+              </a:ext>
+            </a:extLst>
+          </p:cNvPr>
+          <p:cNvGrpSpPr/>
+          <p:nvPr/>
+        </p:nvGrpSpPr>
+        <p:grpSpPr>
+          <a:xfrm>
+            <a:off x="2277290" y="145870"/>
+            <a:ext cx="2246811" cy="1178908"/>
+            <a:chOff x="1419497" y="1439092"/>
+            <a:chExt cx="2246811" cy="1178908"/>
+          </a:xfrm>
+        </p:grpSpPr>
+        <p:pic>
+          <p:nvPicPr>
+            <p:cNvPr id="51" name="Picture 50">
+              <a:extLst>
+                <a:ext uri="{FF2B5EF4-FFF2-40B4-BE49-F238E27FC236}">
+                  <a16:creationId xmlns:a16="http://schemas.microsoft.com/office/drawing/2014/main" id="{BAFC0337-4D06-9AF0-1377-3E5CA2C50CF0}"/>
+                </a:ext>
+              </a:extLst>
+            </p:cNvPr>
+            <p:cNvPicPr>
+              <a:picLocks noChangeAspect="1"/>
+            </p:cNvPicPr>
+            <p:nvPr/>
+          </p:nvPicPr>
+          <p:blipFill rotWithShape="1">
+            <a:blip r:embed="rId2"/>
+            <a:srcRect r="75867" b="89603"/>
+            <a:stretch/>
+          </p:blipFill>
+          <p:spPr>
+            <a:xfrm>
+              <a:off x="1921601" y="1439092"/>
+              <a:ext cx="1291862" cy="285205"/>
+            </a:xfrm>
+            <a:prstGeom prst="rect">
+              <a:avLst/>
+            </a:prstGeom>
+          </p:spPr>
+        </p:pic>
+        <p:sp>
+          <p:nvSpPr>
+            <p:cNvPr id="52" name="TextBox 51">
+              <a:extLst>
+                <a:ext uri="{FF2B5EF4-FFF2-40B4-BE49-F238E27FC236}">
+                  <a16:creationId xmlns:a16="http://schemas.microsoft.com/office/drawing/2014/main" id="{5F9690A7-F44B-CDB4-95E8-11B4BF5CA8E8}"/>
+                </a:ext>
+              </a:extLst>
+            </p:cNvPr>
+            <p:cNvSpPr txBox="1"/>
+            <p:nvPr/>
+          </p:nvSpPr>
+          <p:spPr>
+            <a:xfrm>
+              <a:off x="1419497" y="1960988"/>
+              <a:ext cx="757192" cy="246221"/>
+            </a:xfrm>
+            <a:prstGeom prst="rect">
+              <a:avLst/>
+            </a:prstGeom>
+            <a:noFill/>
+          </p:spPr>
+          <p:txBody>
+            <a:bodyPr wrap="square" rtlCol="0">
+              <a:spAutoFit/>
+            </a:bodyPr>
+            <a:lstStyle/>
+            <a:p>
+              <a:pPr algn="ctr"/>
+              <a:r>
+                <a:rPr lang="en-US" sz="1000" dirty="0">
+                  <a:latin typeface="Times New Roman" panose="02020603050405020304" pitchFamily="18" charset="0"/>
+                  <a:cs typeface="Times New Roman" panose="02020603050405020304" pitchFamily="18" charset="0"/>
+                </a:rPr>
+                <a:t>Material</a:t>
+              </a:r>
+              <a:endParaRPr lang="ru-RU" sz="1000" dirty="0">
+                <a:latin typeface="Times New Roman" panose="02020603050405020304" pitchFamily="18" charset="0"/>
+                <a:cs typeface="Times New Roman" panose="02020603050405020304" pitchFamily="18" charset="0"/>
+              </a:endParaRPr>
+            </a:p>
+          </p:txBody>
+        </p:sp>
+        <p:cxnSp>
+          <p:nvCxnSpPr>
+            <p:cNvPr id="53" name="Прямая со стрелкой 21">
+              <a:extLst>
+                <a:ext uri="{FF2B5EF4-FFF2-40B4-BE49-F238E27FC236}">
+                  <a16:creationId xmlns:a16="http://schemas.microsoft.com/office/drawing/2014/main" id="{E54F0A6A-7298-5E3E-0688-225C545A524E}"/>
+                </a:ext>
+              </a:extLst>
+            </p:cNvPr>
+            <p:cNvCxnSpPr>
+              <a:cxnSpLocks/>
+            </p:cNvCxnSpPr>
+            <p:nvPr/>
+          </p:nvCxnSpPr>
+          <p:spPr>
+            <a:xfrm flipV="1">
+              <a:off x="1872343" y="1659797"/>
+              <a:ext cx="327956" cy="290923"/>
+            </a:xfrm>
+            <a:prstGeom prst="straightConnector1">
+              <a:avLst/>
+            </a:prstGeom>
+            <a:ln w="6350">
+              <a:solidFill>
+                <a:schemeClr val="tx1"/>
+              </a:solidFill>
+              <a:tailEnd type="stealth" w="med" len="med"/>
+            </a:ln>
+          </p:spPr>
+          <p:style>
+            <a:lnRef idx="1">
+              <a:schemeClr val="accent1"/>
+            </a:lnRef>
+            <a:fillRef idx="0">
+              <a:schemeClr val="accent1"/>
+            </a:fillRef>
+            <a:effectRef idx="0">
+              <a:schemeClr val="accent1"/>
+            </a:effectRef>
+            <a:fontRef idx="minor">
+              <a:schemeClr val="tx1"/>
+            </a:fontRef>
+          </p:style>
+        </p:cxnSp>
+        <p:cxnSp>
+          <p:nvCxnSpPr>
+            <p:cNvPr id="54" name="Прямая со стрелкой 21">
+              <a:extLst>
+                <a:ext uri="{FF2B5EF4-FFF2-40B4-BE49-F238E27FC236}">
+                  <a16:creationId xmlns:a16="http://schemas.microsoft.com/office/drawing/2014/main" id="{4B57C29A-D331-04B5-3CE6-F9947CF9449F}"/>
+                </a:ext>
+              </a:extLst>
+            </p:cNvPr>
+            <p:cNvCxnSpPr>
+              <a:cxnSpLocks/>
+            </p:cNvCxnSpPr>
+            <p:nvPr/>
+          </p:nvCxnSpPr>
+          <p:spPr>
+            <a:xfrm flipV="1">
+              <a:off x="2452849" y="1659797"/>
+              <a:ext cx="0" cy="552180"/>
+            </a:xfrm>
+            <a:prstGeom prst="straightConnector1">
+              <a:avLst/>
+            </a:prstGeom>
+            <a:ln w="6350">
+              <a:solidFill>
+                <a:schemeClr val="tx1"/>
+              </a:solidFill>
+              <a:tailEnd type="stealth" w="med" len="med"/>
+            </a:ln>
+          </p:spPr>
+          <p:style>
+            <a:lnRef idx="1">
+              <a:schemeClr val="accent1"/>
+            </a:lnRef>
+            <a:fillRef idx="0">
+              <a:schemeClr val="accent1"/>
+            </a:fillRef>
+            <a:effectRef idx="0">
+              <a:schemeClr val="accent1"/>
+            </a:effectRef>
+            <a:fontRef idx="minor">
+              <a:schemeClr val="tx1"/>
+            </a:fontRef>
+          </p:style>
+        </p:cxnSp>
+        <p:sp>
+          <p:nvSpPr>
+            <p:cNvPr id="55" name="TextBox 54">
+              <a:extLst>
+                <a:ext uri="{FF2B5EF4-FFF2-40B4-BE49-F238E27FC236}">
+                  <a16:creationId xmlns:a16="http://schemas.microsoft.com/office/drawing/2014/main" id="{034F75C7-F0D1-2CFD-826A-1569C33410E4}"/>
+                </a:ext>
+              </a:extLst>
+            </p:cNvPr>
+            <p:cNvSpPr txBox="1"/>
+            <p:nvPr/>
+          </p:nvSpPr>
+          <p:spPr>
+            <a:xfrm>
+              <a:off x="1976846" y="2217890"/>
+              <a:ext cx="953134" cy="400110"/>
+            </a:xfrm>
+            <a:prstGeom prst="rect">
+              <a:avLst/>
+            </a:prstGeom>
+            <a:noFill/>
+          </p:spPr>
+          <p:txBody>
+            <a:bodyPr wrap="square" rtlCol="0">
+              <a:spAutoFit/>
+            </a:bodyPr>
+            <a:lstStyle/>
+            <a:p>
+              <a:pPr algn="ctr"/>
+              <a:r>
+                <a:rPr lang="en-US" sz="1000" dirty="0">
+                  <a:latin typeface="Times New Roman" panose="02020603050405020304" pitchFamily="18" charset="0"/>
+                  <a:cs typeface="Times New Roman" panose="02020603050405020304" pitchFamily="18" charset="0"/>
+                </a:rPr>
+                <a:t>Element type = layer</a:t>
+              </a:r>
+              <a:endParaRPr lang="ru-RU" sz="1000" dirty="0">
+                <a:latin typeface="Times New Roman" panose="02020603050405020304" pitchFamily="18" charset="0"/>
+                <a:cs typeface="Times New Roman" panose="02020603050405020304" pitchFamily="18" charset="0"/>
+              </a:endParaRPr>
+            </a:p>
+          </p:txBody>
+        </p:sp>
+        <p:cxnSp>
+          <p:nvCxnSpPr>
+            <p:cNvPr id="56" name="Прямая со стрелкой 21">
+              <a:extLst>
+                <a:ext uri="{FF2B5EF4-FFF2-40B4-BE49-F238E27FC236}">
+                  <a16:creationId xmlns:a16="http://schemas.microsoft.com/office/drawing/2014/main" id="{A994F319-BA45-9FA8-DFB0-2B0160F273EB}"/>
+                </a:ext>
+              </a:extLst>
+            </p:cNvPr>
+            <p:cNvCxnSpPr>
+              <a:cxnSpLocks/>
+            </p:cNvCxnSpPr>
+            <p:nvPr/>
+          </p:nvCxnSpPr>
+          <p:spPr>
+            <a:xfrm flipH="1" flipV="1">
+              <a:off x="2696688" y="1668505"/>
+              <a:ext cx="368729" cy="273506"/>
+            </a:xfrm>
+            <a:prstGeom prst="straightConnector1">
+              <a:avLst/>
+            </a:prstGeom>
+            <a:ln w="6350">
+              <a:solidFill>
+                <a:schemeClr val="tx1"/>
+              </a:solidFill>
+              <a:tailEnd type="stealth" w="med" len="med"/>
+            </a:ln>
+          </p:spPr>
+          <p:style>
+            <a:lnRef idx="1">
+              <a:schemeClr val="accent1"/>
+            </a:lnRef>
+            <a:fillRef idx="0">
+              <a:schemeClr val="accent1"/>
+            </a:fillRef>
+            <a:effectRef idx="0">
+              <a:schemeClr val="accent1"/>
+            </a:effectRef>
+            <a:fontRef idx="minor">
+              <a:schemeClr val="tx1"/>
+            </a:fontRef>
+          </p:style>
+        </p:cxnSp>
+        <p:sp>
+          <p:nvSpPr>
+            <p:cNvPr id="57" name="TextBox 56">
+              <a:extLst>
+                <a:ext uri="{FF2B5EF4-FFF2-40B4-BE49-F238E27FC236}">
+                  <a16:creationId xmlns:a16="http://schemas.microsoft.com/office/drawing/2014/main" id="{5DB31B4A-B6F3-3E53-7927-E63DA353B8A4}"/>
+                </a:ext>
+              </a:extLst>
+            </p:cNvPr>
+            <p:cNvSpPr txBox="1"/>
+            <p:nvPr/>
+          </p:nvSpPr>
+          <p:spPr>
+            <a:xfrm>
+              <a:off x="2791095" y="1913091"/>
+              <a:ext cx="875213" cy="246221"/>
+            </a:xfrm>
+            <a:prstGeom prst="rect">
+              <a:avLst/>
+            </a:prstGeom>
+            <a:noFill/>
+          </p:spPr>
+          <p:txBody>
+            <a:bodyPr wrap="square" rtlCol="0">
+              <a:spAutoFit/>
+            </a:bodyPr>
+            <a:lstStyle/>
+            <a:p>
+              <a:pPr algn="ctr"/>
+              <a:r>
+                <a:rPr lang="en-US" sz="1000" dirty="0">
+                  <a:latin typeface="Times New Roman" panose="02020603050405020304" pitchFamily="18" charset="0"/>
+                  <a:cs typeface="Times New Roman" panose="02020603050405020304" pitchFamily="18" charset="0"/>
+                </a:rPr>
+                <a:t>Layer index</a:t>
+              </a:r>
+              <a:endParaRPr lang="ru-RU" sz="1000" dirty="0">
+                <a:latin typeface="Times New Roman" panose="02020603050405020304" pitchFamily="18" charset="0"/>
+                <a:cs typeface="Times New Roman" panose="02020603050405020304" pitchFamily="18" charset="0"/>
+              </a:endParaRPr>
+            </a:p>
+          </p:txBody>
+        </p:sp>
+      </p:grpSp>
       <p:pic>
         <p:nvPicPr>
-          <p:cNvPr id="31" name="Picture 30">
+          <p:cNvPr id="60" name="Picture 59">
             <a:extLst>
               <a:ext uri="{FF2B5EF4-FFF2-40B4-BE49-F238E27FC236}">
-                <a16:creationId xmlns:a16="http://schemas.microsoft.com/office/drawing/2014/main" id="{A9FA27BB-DA17-1E51-CDB8-68F5B7BE8C95}"/>
+                <a16:creationId xmlns:a16="http://schemas.microsoft.com/office/drawing/2014/main" id="{0D587A18-0142-CE2E-72AF-75AF98F4EF9C}"/>
               </a:ext>
             </a:extLst>
           </p:cNvPr>
@@ -4199,16 +4809,210 @@
           </p:cNvPicPr>
           <p:nvPr/>
         </p:nvPicPr>
-        <p:blipFill>
-          <a:blip r:embed="rId2"/>
-          <a:stretch>
-            <a:fillRect/>
-          </a:stretch>
+        <p:blipFill rotWithShape="1">
+          <a:blip r:embed="rId3"/>
+          <a:srcRect t="1" r="75583" b="40855"/>
+          <a:stretch/>
         </p:blipFill>
         <p:spPr>
           <a:xfrm>
-            <a:off x="1930309" y="463732"/>
-            <a:ext cx="5353050" cy="2743200"/>
+            <a:off x="4553373" y="102222"/>
+            <a:ext cx="1390768" cy="1622438"/>
+          </a:xfrm>
+          <a:prstGeom prst="rect">
+            <a:avLst/>
+          </a:prstGeom>
+        </p:spPr>
+      </p:pic>
+      <p:grpSp>
+        <p:nvGrpSpPr>
+          <p:cNvPr id="64" name="Group 63">
+            <a:extLst>
+              <a:ext uri="{FF2B5EF4-FFF2-40B4-BE49-F238E27FC236}">
+                <a16:creationId xmlns:a16="http://schemas.microsoft.com/office/drawing/2014/main" id="{360CBC5D-1D09-FC60-EDDB-AFCA41C10012}"/>
+              </a:ext>
+            </a:extLst>
+          </p:cNvPr>
+          <p:cNvGrpSpPr/>
+          <p:nvPr/>
+        </p:nvGrpSpPr>
+        <p:grpSpPr>
+          <a:xfrm>
+            <a:off x="6155660" y="101378"/>
+            <a:ext cx="2671021" cy="1614573"/>
+            <a:chOff x="2754419" y="2826798"/>
+            <a:chExt cx="2671021" cy="1614573"/>
+          </a:xfrm>
+        </p:grpSpPr>
+        <p:pic>
+          <p:nvPicPr>
+            <p:cNvPr id="61" name="Picture 60">
+              <a:extLst>
+                <a:ext uri="{FF2B5EF4-FFF2-40B4-BE49-F238E27FC236}">
+                  <a16:creationId xmlns:a16="http://schemas.microsoft.com/office/drawing/2014/main" id="{A8F80004-A3A8-28D8-0C9F-4AE894F31D04}"/>
+                </a:ext>
+              </a:extLst>
+            </p:cNvPr>
+            <p:cNvPicPr>
+              <a:picLocks noChangeAspect="1"/>
+            </p:cNvPicPr>
+            <p:nvPr/>
+          </p:nvPicPr>
+          <p:blipFill rotWithShape="1">
+            <a:blip r:embed="rId4"/>
+            <a:srcRect r="53153" b="41143"/>
+            <a:stretch/>
+          </p:blipFill>
+          <p:spPr>
+            <a:xfrm>
+              <a:off x="2757048" y="2826798"/>
+              <a:ext cx="2668392" cy="1614573"/>
+            </a:xfrm>
+            <a:prstGeom prst="rect">
+              <a:avLst/>
+            </a:prstGeom>
+          </p:spPr>
+        </p:pic>
+        <p:pic>
+          <p:nvPicPr>
+            <p:cNvPr id="63" name="Picture 62">
+              <a:extLst>
+                <a:ext uri="{FF2B5EF4-FFF2-40B4-BE49-F238E27FC236}">
+                  <a16:creationId xmlns:a16="http://schemas.microsoft.com/office/drawing/2014/main" id="{1E507022-AA43-AAFE-5D40-E7632ECBA677}"/>
+                </a:ext>
+              </a:extLst>
+            </p:cNvPr>
+            <p:cNvPicPr>
+              <a:picLocks noChangeAspect="1"/>
+            </p:cNvPicPr>
+            <p:nvPr/>
+          </p:nvPicPr>
+          <p:blipFill rotWithShape="1">
+            <a:blip r:embed="rId3"/>
+            <a:srcRect l="1" t="16367" r="86149" b="60855"/>
+            <a:stretch/>
+          </p:blipFill>
+          <p:spPr>
+            <a:xfrm>
+              <a:off x="2754419" y="3274695"/>
+              <a:ext cx="788881" cy="624840"/>
+            </a:xfrm>
+            <a:prstGeom prst="rect">
+              <a:avLst/>
+            </a:prstGeom>
+          </p:spPr>
+        </p:pic>
+      </p:grpSp>
+      <p:pic>
+        <p:nvPicPr>
+          <p:cNvPr id="65" name="Picture 64">
+            <a:extLst>
+              <a:ext uri="{FF2B5EF4-FFF2-40B4-BE49-F238E27FC236}">
+                <a16:creationId xmlns:a16="http://schemas.microsoft.com/office/drawing/2014/main" id="{18981D3A-A6F6-D048-33EF-55504FE9EC40}"/>
+              </a:ext>
+            </a:extLst>
+          </p:cNvPr>
+          <p:cNvPicPr>
+            <a:picLocks noChangeAspect="1"/>
+          </p:cNvPicPr>
+          <p:nvPr/>
+        </p:nvPicPr>
+        <p:blipFill rotWithShape="1">
+          <a:blip r:embed="rId5"/>
+          <a:srcRect l="468" t="17524" r="38272" b="57939"/>
+          <a:stretch/>
+        </p:blipFill>
+        <p:spPr>
+          <a:xfrm>
+            <a:off x="699316" y="4505143"/>
+            <a:ext cx="3489325" cy="673100"/>
+          </a:xfrm>
+          <a:prstGeom prst="rect">
+            <a:avLst/>
+          </a:prstGeom>
+        </p:spPr>
+      </p:pic>
+      <p:pic>
+        <p:nvPicPr>
+          <p:cNvPr id="67" name="Picture 66">
+            <a:extLst>
+              <a:ext uri="{FF2B5EF4-FFF2-40B4-BE49-F238E27FC236}">
+                <a16:creationId xmlns:a16="http://schemas.microsoft.com/office/drawing/2014/main" id="{E6E95D8D-E2F9-C2E3-9714-1FED7561F491}"/>
+              </a:ext>
+            </a:extLst>
+          </p:cNvPr>
+          <p:cNvPicPr>
+            <a:picLocks noChangeAspect="1"/>
+          </p:cNvPicPr>
+          <p:nvPr/>
+        </p:nvPicPr>
+        <p:blipFill rotWithShape="1">
+          <a:blip r:embed="rId5"/>
+          <a:srcRect l="61729" t="17524" r="702" b="57939"/>
+          <a:stretch/>
+        </p:blipFill>
+        <p:spPr>
+          <a:xfrm>
+            <a:off x="4384585" y="4598579"/>
+            <a:ext cx="2139950" cy="673100"/>
+          </a:xfrm>
+          <a:prstGeom prst="rect">
+            <a:avLst/>
+          </a:prstGeom>
+        </p:spPr>
+      </p:pic>
+      <p:pic>
+        <p:nvPicPr>
+          <p:cNvPr id="69" name="Picture 68">
+            <a:extLst>
+              <a:ext uri="{FF2B5EF4-FFF2-40B4-BE49-F238E27FC236}">
+                <a16:creationId xmlns:a16="http://schemas.microsoft.com/office/drawing/2014/main" id="{A19E8AA1-E6C5-58F1-D84C-0B24357527BD}"/>
+              </a:ext>
+            </a:extLst>
+          </p:cNvPr>
+          <p:cNvPicPr>
+            <a:picLocks noChangeAspect="1"/>
+          </p:cNvPicPr>
+          <p:nvPr/>
+        </p:nvPicPr>
+        <p:blipFill rotWithShape="1">
+          <a:blip r:embed="rId6"/>
+          <a:srcRect l="614" t="41898" r="614" b="8101"/>
+          <a:stretch/>
+        </p:blipFill>
+        <p:spPr>
+          <a:xfrm>
+            <a:off x="642257" y="5414917"/>
+            <a:ext cx="5626100" cy="1371600"/>
+          </a:xfrm>
+          <a:prstGeom prst="rect">
+            <a:avLst/>
+          </a:prstGeom>
+        </p:spPr>
+      </p:pic>
+      <p:pic>
+        <p:nvPicPr>
+          <p:cNvPr id="70" name="Picture 69">
+            <a:extLst>
+              <a:ext uri="{FF2B5EF4-FFF2-40B4-BE49-F238E27FC236}">
+                <a16:creationId xmlns:a16="http://schemas.microsoft.com/office/drawing/2014/main" id="{BCE6E192-73AE-D41D-2454-6423A21E929E}"/>
+              </a:ext>
+            </a:extLst>
+          </p:cNvPr>
+          <p:cNvPicPr>
+            <a:picLocks noChangeAspect="1"/>
+          </p:cNvPicPr>
+          <p:nvPr/>
+        </p:nvPicPr>
+        <p:blipFill rotWithShape="1">
+          <a:blip r:embed="rId7"/>
+          <a:srcRect l="725" t="12339" r="38183" b="40276"/>
+          <a:stretch/>
+        </p:blipFill>
+        <p:spPr>
+          <a:xfrm>
+            <a:off x="699045" y="2579733"/>
+            <a:ext cx="3479800" cy="1877604"/>
           </a:xfrm>
           <a:prstGeom prst="rect">
             <a:avLst/>

--- a/manual/Pictures 2.0/Pictures 2.0.pptx
+++ b/manual/Pictures 2.0/Pictures 2.0.pptx
@@ -4905,35 +4905,6 @@
       </p:grpSp>
       <p:pic>
         <p:nvPicPr>
-          <p:cNvPr id="65" name="Picture 64">
-            <a:extLst>
-              <a:ext uri="{FF2B5EF4-FFF2-40B4-BE49-F238E27FC236}">
-                <a16:creationId xmlns:a16="http://schemas.microsoft.com/office/drawing/2014/main" id="{18981D3A-A6F6-D048-33EF-55504FE9EC40}"/>
-              </a:ext>
-            </a:extLst>
-          </p:cNvPr>
-          <p:cNvPicPr>
-            <a:picLocks noChangeAspect="1"/>
-          </p:cNvPicPr>
-          <p:nvPr/>
-        </p:nvPicPr>
-        <p:blipFill rotWithShape="1">
-          <a:blip r:embed="rId5"/>
-          <a:srcRect l="468" t="17524" r="38272" b="57939"/>
-          <a:stretch/>
-        </p:blipFill>
-        <p:spPr>
-          <a:xfrm>
-            <a:off x="699316" y="4505143"/>
-            <a:ext cx="3489325" cy="673100"/>
-          </a:xfrm>
-          <a:prstGeom prst="rect">
-            <a:avLst/>
-          </a:prstGeom>
-        </p:spPr>
-      </p:pic>
-      <p:pic>
-        <p:nvPicPr>
           <p:cNvPr id="67" name="Picture 66">
             <a:extLst>
               <a:ext uri="{FF2B5EF4-FFF2-40B4-BE49-F238E27FC236}">
@@ -4982,7 +4953,7 @@
         </p:blipFill>
         <p:spPr>
           <a:xfrm>
-            <a:off x="642257" y="5414917"/>
+            <a:off x="718457" y="5346337"/>
             <a:ext cx="5626100" cy="1371600"/>
           </a:xfrm>
           <a:prstGeom prst="rect">
@@ -4990,35 +4961,210 @@
           </a:prstGeom>
         </p:spPr>
       </p:pic>
-      <p:pic>
-        <p:nvPicPr>
-          <p:cNvPr id="70" name="Picture 69">
+      <p:grpSp>
+        <p:nvGrpSpPr>
+          <p:cNvPr id="74" name="Group 73">
             <a:extLst>
               <a:ext uri="{FF2B5EF4-FFF2-40B4-BE49-F238E27FC236}">
-                <a16:creationId xmlns:a16="http://schemas.microsoft.com/office/drawing/2014/main" id="{BCE6E192-73AE-D41D-2454-6423A21E929E}"/>
+                <a16:creationId xmlns:a16="http://schemas.microsoft.com/office/drawing/2014/main" id="{0B099BC0-F38D-0480-C384-1C1206BD545A}"/>
               </a:ext>
             </a:extLst>
           </p:cNvPr>
-          <p:cNvPicPr>
-            <a:picLocks noChangeAspect="1"/>
-          </p:cNvPicPr>
+          <p:cNvGrpSpPr/>
           <p:nvPr/>
-        </p:nvPicPr>
-        <p:blipFill rotWithShape="1">
-          <a:blip r:embed="rId7"/>
-          <a:srcRect l="725" t="12339" r="38183" b="40276"/>
-          <a:stretch/>
-        </p:blipFill>
-        <p:spPr>
+        </p:nvGrpSpPr>
+        <p:grpSpPr>
           <a:xfrm>
             <a:off x="699045" y="2579733"/>
             <a:ext cx="3479800" cy="1877604"/>
+            <a:chOff x="699045" y="2579733"/>
+            <a:chExt cx="3479800" cy="1877604"/>
           </a:xfrm>
-          <a:prstGeom prst="rect">
-            <a:avLst/>
-          </a:prstGeom>
-        </p:spPr>
-      </p:pic>
+        </p:grpSpPr>
+        <p:pic>
+          <p:nvPicPr>
+            <p:cNvPr id="70" name="Picture 69">
+              <a:extLst>
+                <a:ext uri="{FF2B5EF4-FFF2-40B4-BE49-F238E27FC236}">
+                  <a16:creationId xmlns:a16="http://schemas.microsoft.com/office/drawing/2014/main" id="{BCE6E192-73AE-D41D-2454-6423A21E929E}"/>
+                </a:ext>
+              </a:extLst>
+            </p:cNvPr>
+            <p:cNvPicPr>
+              <a:picLocks noChangeAspect="1"/>
+            </p:cNvPicPr>
+            <p:nvPr/>
+          </p:nvPicPr>
+          <p:blipFill rotWithShape="1">
+            <a:blip r:embed="rId7"/>
+            <a:srcRect l="725" t="12339" r="38183" b="40276"/>
+            <a:stretch/>
+          </p:blipFill>
+          <p:spPr>
+            <a:xfrm>
+              <a:off x="699045" y="2579733"/>
+              <a:ext cx="3479800" cy="1877604"/>
+            </a:xfrm>
+            <a:prstGeom prst="rect">
+              <a:avLst/>
+            </a:prstGeom>
+          </p:spPr>
+        </p:pic>
+        <p:sp>
+          <p:nvSpPr>
+            <p:cNvPr id="71" name="Овал 2">
+              <a:extLst>
+                <a:ext uri="{FF2B5EF4-FFF2-40B4-BE49-F238E27FC236}">
+                  <a16:creationId xmlns:a16="http://schemas.microsoft.com/office/drawing/2014/main" id="{346C0489-C8BA-5D8C-4760-9352199B07AC}"/>
+                </a:ext>
+              </a:extLst>
+            </p:cNvPr>
+            <p:cNvSpPr/>
+            <p:nvPr/>
+          </p:nvSpPr>
+          <p:spPr>
+            <a:xfrm>
+              <a:off x="2366493" y="2895599"/>
+              <a:ext cx="1517530" cy="283029"/>
+            </a:xfrm>
+            <a:prstGeom prst="ellipse">
+              <a:avLst/>
+            </a:prstGeom>
+            <a:noFill/>
+            <a:ln w="19050">
+              <a:solidFill>
+                <a:srgbClr val="FF0000"/>
+              </a:solidFill>
+            </a:ln>
+          </p:spPr>
+          <p:style>
+            <a:lnRef idx="2">
+              <a:schemeClr val="accent1">
+                <a:shade val="50000"/>
+              </a:schemeClr>
+            </a:lnRef>
+            <a:fillRef idx="1">
+              <a:schemeClr val="accent1"/>
+            </a:fillRef>
+            <a:effectRef idx="0">
+              <a:schemeClr val="accent1"/>
+            </a:effectRef>
+            <a:fontRef idx="minor">
+              <a:schemeClr val="lt1"/>
+            </a:fontRef>
+          </p:style>
+          <p:txBody>
+            <a:bodyPr rtlCol="0" anchor="ctr"/>
+            <a:lstStyle/>
+            <a:p>
+              <a:pPr algn="ctr"/>
+              <a:endParaRPr lang="ru-RU"/>
+            </a:p>
+          </p:txBody>
+        </p:sp>
+      </p:grpSp>
+      <p:grpSp>
+        <p:nvGrpSpPr>
+          <p:cNvPr id="73" name="Group 72">
+            <a:extLst>
+              <a:ext uri="{FF2B5EF4-FFF2-40B4-BE49-F238E27FC236}">
+                <a16:creationId xmlns:a16="http://schemas.microsoft.com/office/drawing/2014/main" id="{BCA8D394-0C19-42B6-EACB-C871E0EC6AC3}"/>
+              </a:ext>
+            </a:extLst>
+          </p:cNvPr>
+          <p:cNvGrpSpPr/>
+          <p:nvPr/>
+        </p:nvGrpSpPr>
+        <p:grpSpPr>
+          <a:xfrm>
+            <a:off x="699316" y="4505143"/>
+            <a:ext cx="3489325" cy="673100"/>
+            <a:chOff x="699316" y="4505143"/>
+            <a:chExt cx="3489325" cy="673100"/>
+          </a:xfrm>
+        </p:grpSpPr>
+        <p:pic>
+          <p:nvPicPr>
+            <p:cNvPr id="65" name="Picture 64">
+              <a:extLst>
+                <a:ext uri="{FF2B5EF4-FFF2-40B4-BE49-F238E27FC236}">
+                  <a16:creationId xmlns:a16="http://schemas.microsoft.com/office/drawing/2014/main" id="{18981D3A-A6F6-D048-33EF-55504FE9EC40}"/>
+                </a:ext>
+              </a:extLst>
+            </p:cNvPr>
+            <p:cNvPicPr>
+              <a:picLocks noChangeAspect="1"/>
+            </p:cNvPicPr>
+            <p:nvPr/>
+          </p:nvPicPr>
+          <p:blipFill rotWithShape="1">
+            <a:blip r:embed="rId5"/>
+            <a:srcRect l="468" t="17524" r="38272" b="57939"/>
+            <a:stretch/>
+          </p:blipFill>
+          <p:spPr>
+            <a:xfrm>
+              <a:off x="699316" y="4505143"/>
+              <a:ext cx="3489325" cy="673100"/>
+            </a:xfrm>
+            <a:prstGeom prst="rect">
+              <a:avLst/>
+            </a:prstGeom>
+          </p:spPr>
+        </p:pic>
+        <p:sp>
+          <p:nvSpPr>
+            <p:cNvPr id="72" name="Овал 2">
+              <a:extLst>
+                <a:ext uri="{FF2B5EF4-FFF2-40B4-BE49-F238E27FC236}">
+                  <a16:creationId xmlns:a16="http://schemas.microsoft.com/office/drawing/2014/main" id="{7CDB9E47-0A3E-63A6-26B5-01F5D3F0C1CA}"/>
+                </a:ext>
+              </a:extLst>
+            </p:cNvPr>
+            <p:cNvSpPr/>
+            <p:nvPr/>
+          </p:nvSpPr>
+          <p:spPr>
+            <a:xfrm>
+              <a:off x="742345" y="4864101"/>
+              <a:ext cx="1556718" cy="295728"/>
+            </a:xfrm>
+            <a:prstGeom prst="ellipse">
+              <a:avLst/>
+            </a:prstGeom>
+            <a:noFill/>
+            <a:ln w="19050">
+              <a:solidFill>
+                <a:srgbClr val="FF0000"/>
+              </a:solidFill>
+            </a:ln>
+          </p:spPr>
+          <p:style>
+            <a:lnRef idx="2">
+              <a:schemeClr val="accent1">
+                <a:shade val="50000"/>
+              </a:schemeClr>
+            </a:lnRef>
+            <a:fillRef idx="1">
+              <a:schemeClr val="accent1"/>
+            </a:fillRef>
+            <a:effectRef idx="0">
+              <a:schemeClr val="accent1"/>
+            </a:effectRef>
+            <a:fontRef idx="minor">
+              <a:schemeClr val="lt1"/>
+            </a:fontRef>
+          </p:style>
+          <p:txBody>
+            <a:bodyPr rtlCol="0" anchor="ctr"/>
+            <a:lstStyle/>
+            <a:p>
+              <a:pPr algn="ctr"/>
+              <a:endParaRPr lang="ru-RU"/>
+            </a:p>
+          </p:txBody>
+        </p:sp>
+      </p:grpSp>
     </p:spTree>
     <p:extLst>
       <p:ext uri="{BB962C8B-B14F-4D97-AF65-F5344CB8AC3E}">
@@ -20445,58 +20591,6 @@
           </a:prstGeom>
         </p:spPr>
       </p:pic>
-      <p:sp>
-        <p:nvSpPr>
-          <p:cNvPr id="6" name="Овал 2">
-            <a:extLst>
-              <a:ext uri="{FF2B5EF4-FFF2-40B4-BE49-F238E27FC236}">
-                <a16:creationId xmlns:a16="http://schemas.microsoft.com/office/drawing/2014/main" id="{F06FC4E3-1F0B-317F-4B12-D88CDF45BFBF}"/>
-              </a:ext>
-            </a:extLst>
-          </p:cNvPr>
-          <p:cNvSpPr/>
-          <p:nvPr/>
-        </p:nvSpPr>
-        <p:spPr>
-          <a:xfrm>
-            <a:off x="4508802" y="544757"/>
-            <a:ext cx="1438742" cy="327660"/>
-          </a:xfrm>
-          <a:prstGeom prst="ellipse">
-            <a:avLst/>
-          </a:prstGeom>
-          <a:noFill/>
-          <a:ln w="19050">
-            <a:solidFill>
-              <a:srgbClr val="FF0000"/>
-            </a:solidFill>
-          </a:ln>
-        </p:spPr>
-        <p:style>
-          <a:lnRef idx="2">
-            <a:schemeClr val="accent1">
-              <a:shade val="50000"/>
-            </a:schemeClr>
-          </a:lnRef>
-          <a:fillRef idx="1">
-            <a:schemeClr val="accent1"/>
-          </a:fillRef>
-          <a:effectRef idx="0">
-            <a:schemeClr val="accent1"/>
-          </a:effectRef>
-          <a:fontRef idx="minor">
-            <a:schemeClr val="lt1"/>
-          </a:fontRef>
-        </p:style>
-        <p:txBody>
-          <a:bodyPr rtlCol="0" anchor="ctr"/>
-          <a:lstStyle/>
-          <a:p>
-            <a:pPr algn="ctr"/>
-            <a:endParaRPr lang="ru-RU"/>
-          </a:p>
-        </p:txBody>
-      </p:sp>
       <p:grpSp>
         <p:nvGrpSpPr>
           <p:cNvPr id="9" name="Group 8">

--- a/manual/Pictures 2.0/Pictures 2.0.pptx
+++ b/manual/Pictures 2.0/Pictures 2.0.pptx
@@ -15,12 +15,13 @@
     <p:sldId id="275" r:id="rId9"/>
     <p:sldId id="276" r:id="rId10"/>
     <p:sldId id="277" r:id="rId11"/>
-    <p:sldId id="264" r:id="rId12"/>
-    <p:sldId id="265" r:id="rId13"/>
-    <p:sldId id="266" r:id="rId14"/>
-    <p:sldId id="267" r:id="rId15"/>
-    <p:sldId id="268" r:id="rId16"/>
-    <p:sldId id="269" r:id="rId17"/>
+    <p:sldId id="278" r:id="rId12"/>
+    <p:sldId id="264" r:id="rId13"/>
+    <p:sldId id="265" r:id="rId14"/>
+    <p:sldId id="266" r:id="rId15"/>
+    <p:sldId id="267" r:id="rId16"/>
+    <p:sldId id="268" r:id="rId17"/>
+    <p:sldId id="269" r:id="rId18"/>
   </p:sldIdLst>
   <p:sldSz cx="9144000" cy="6858000" type="screen4x3"/>
   <p:notesSz cx="6858000" cy="9144000"/>
@@ -5195,6 +5196,568 @@
           <a:chExt cx="0" cy="0"/>
         </a:xfrm>
       </p:grpSpPr>
+      <p:pic>
+        <p:nvPicPr>
+          <p:cNvPr id="4" name="Picture 3">
+            <a:extLst>
+              <a:ext uri="{FF2B5EF4-FFF2-40B4-BE49-F238E27FC236}">
+                <a16:creationId xmlns:a16="http://schemas.microsoft.com/office/drawing/2014/main" id="{D0401B96-921A-BDCF-33D2-7E25C68F8EA1}"/>
+              </a:ext>
+            </a:extLst>
+          </p:cNvPr>
+          <p:cNvPicPr>
+            <a:picLocks noChangeAspect="1"/>
+          </p:cNvPicPr>
+          <p:nvPr/>
+        </p:nvPicPr>
+        <p:blipFill>
+          <a:blip r:embed="rId2"/>
+          <a:stretch>
+            <a:fillRect/>
+          </a:stretch>
+        </p:blipFill>
+        <p:spPr>
+          <a:xfrm>
+            <a:off x="3677602" y="3820750"/>
+            <a:ext cx="4105275" cy="1933575"/>
+          </a:xfrm>
+          <a:prstGeom prst="rect">
+            <a:avLst/>
+          </a:prstGeom>
+        </p:spPr>
+      </p:pic>
+      <p:sp>
+        <p:nvSpPr>
+          <p:cNvPr id="7" name="Овал 2">
+            <a:extLst>
+              <a:ext uri="{FF2B5EF4-FFF2-40B4-BE49-F238E27FC236}">
+                <a16:creationId xmlns:a16="http://schemas.microsoft.com/office/drawing/2014/main" id="{14580BF4-B932-6A1A-C986-1C3AA272D019}"/>
+              </a:ext>
+            </a:extLst>
+          </p:cNvPr>
+          <p:cNvSpPr/>
+          <p:nvPr/>
+        </p:nvSpPr>
+        <p:spPr>
+          <a:xfrm>
+            <a:off x="659613" y="87086"/>
+            <a:ext cx="2710604" cy="243839"/>
+          </a:xfrm>
+          <a:prstGeom prst="ellipse">
+            <a:avLst/>
+          </a:prstGeom>
+          <a:noFill/>
+          <a:ln w="19050">
+            <a:solidFill>
+              <a:srgbClr val="FF0000"/>
+            </a:solidFill>
+          </a:ln>
+        </p:spPr>
+        <p:style>
+          <a:lnRef idx="2">
+            <a:schemeClr val="accent1">
+              <a:shade val="50000"/>
+            </a:schemeClr>
+          </a:lnRef>
+          <a:fillRef idx="1">
+            <a:schemeClr val="accent1"/>
+          </a:fillRef>
+          <a:effectRef idx="0">
+            <a:schemeClr val="accent1"/>
+          </a:effectRef>
+          <a:fontRef idx="minor">
+            <a:schemeClr val="lt1"/>
+          </a:fontRef>
+        </p:style>
+        <p:txBody>
+          <a:bodyPr rtlCol="0" anchor="ctr"/>
+          <a:lstStyle/>
+          <a:p>
+            <a:pPr algn="ctr"/>
+            <a:endParaRPr lang="ru-RU"/>
+          </a:p>
+        </p:txBody>
+      </p:sp>
+      <p:grpSp>
+        <p:nvGrpSpPr>
+          <p:cNvPr id="17" name="Group 16">
+            <a:extLst>
+              <a:ext uri="{FF2B5EF4-FFF2-40B4-BE49-F238E27FC236}">
+                <a16:creationId xmlns:a16="http://schemas.microsoft.com/office/drawing/2014/main" id="{75B63BC3-313D-0373-CE6A-102F55359D21}"/>
+              </a:ext>
+            </a:extLst>
+          </p:cNvPr>
+          <p:cNvGrpSpPr/>
+          <p:nvPr/>
+        </p:nvGrpSpPr>
+        <p:grpSpPr>
+          <a:xfrm>
+            <a:off x="5191194" y="414679"/>
+            <a:ext cx="3105150" cy="1285875"/>
+            <a:chOff x="5191194" y="414679"/>
+            <a:chExt cx="3105150" cy="1285875"/>
+          </a:xfrm>
+        </p:grpSpPr>
+        <p:pic>
+          <p:nvPicPr>
+            <p:cNvPr id="6" name="Рисунок 39">
+              <a:extLst>
+                <a:ext uri="{FF2B5EF4-FFF2-40B4-BE49-F238E27FC236}">
+                  <a16:creationId xmlns:a16="http://schemas.microsoft.com/office/drawing/2014/main" id="{144C010C-6B08-96DD-F5C9-FAE865347E82}"/>
+                </a:ext>
+              </a:extLst>
+            </p:cNvPr>
+            <p:cNvPicPr>
+              <a:picLocks noChangeAspect="1"/>
+            </p:cNvPicPr>
+            <p:nvPr/>
+          </p:nvPicPr>
+          <p:blipFill rotWithShape="1">
+            <a:blip r:embed="rId3"/>
+            <a:srcRect t="12723" b="65326"/>
+            <a:stretch/>
+          </p:blipFill>
+          <p:spPr>
+            <a:xfrm>
+              <a:off x="5191194" y="414679"/>
+              <a:ext cx="3105150" cy="1285875"/>
+            </a:xfrm>
+            <a:prstGeom prst="rect">
+              <a:avLst/>
+            </a:prstGeom>
+          </p:spPr>
+        </p:pic>
+        <p:sp>
+          <p:nvSpPr>
+            <p:cNvPr id="8" name="Rectangle: Rounded Corners 7">
+              <a:extLst>
+                <a:ext uri="{FF2B5EF4-FFF2-40B4-BE49-F238E27FC236}">
+                  <a16:creationId xmlns:a16="http://schemas.microsoft.com/office/drawing/2014/main" id="{EF6C2E5E-DDB6-B488-95F3-5503CC81ABF3}"/>
+                </a:ext>
+              </a:extLst>
+            </p:cNvPr>
+            <p:cNvSpPr/>
+            <p:nvPr/>
+          </p:nvSpPr>
+          <p:spPr>
+            <a:xfrm>
+              <a:off x="5381897" y="496388"/>
+              <a:ext cx="2325188" cy="148046"/>
+            </a:xfrm>
+            <a:prstGeom prst="roundRect">
+              <a:avLst/>
+            </a:prstGeom>
+            <a:noFill/>
+            <a:ln w="19050">
+              <a:solidFill>
+                <a:srgbClr val="FF0000"/>
+              </a:solidFill>
+            </a:ln>
+          </p:spPr>
+          <p:style>
+            <a:lnRef idx="2">
+              <a:schemeClr val="accent6"/>
+            </a:lnRef>
+            <a:fillRef idx="1">
+              <a:schemeClr val="lt1"/>
+            </a:fillRef>
+            <a:effectRef idx="0">
+              <a:schemeClr val="accent6"/>
+            </a:effectRef>
+            <a:fontRef idx="minor">
+              <a:schemeClr val="dk1"/>
+            </a:fontRef>
+          </p:style>
+          <p:txBody>
+            <a:bodyPr rtlCol="0" anchor="ctr"/>
+            <a:lstStyle/>
+            <a:p>
+              <a:pPr algn="ctr"/>
+              <a:endParaRPr lang="en-US"/>
+            </a:p>
+          </p:txBody>
+        </p:sp>
+      </p:grpSp>
+      <p:grpSp>
+        <p:nvGrpSpPr>
+          <p:cNvPr id="16" name="Group 15">
+            <a:extLst>
+              <a:ext uri="{FF2B5EF4-FFF2-40B4-BE49-F238E27FC236}">
+                <a16:creationId xmlns:a16="http://schemas.microsoft.com/office/drawing/2014/main" id="{810F698B-1C8B-784F-4AE0-AA517F7A6E1B}"/>
+              </a:ext>
+            </a:extLst>
+          </p:cNvPr>
+          <p:cNvGrpSpPr/>
+          <p:nvPr/>
+        </p:nvGrpSpPr>
+        <p:grpSpPr>
+          <a:xfrm>
+            <a:off x="5204256" y="1786278"/>
+            <a:ext cx="3105150" cy="1285875"/>
+            <a:chOff x="5204256" y="1786278"/>
+            <a:chExt cx="3105150" cy="1285875"/>
+          </a:xfrm>
+        </p:grpSpPr>
+        <p:pic>
+          <p:nvPicPr>
+            <p:cNvPr id="5" name="Рисунок 39">
+              <a:extLst>
+                <a:ext uri="{FF2B5EF4-FFF2-40B4-BE49-F238E27FC236}">
+                  <a16:creationId xmlns:a16="http://schemas.microsoft.com/office/drawing/2014/main" id="{EF464231-A98B-8D94-3A3D-C7A5728C2741}"/>
+                </a:ext>
+              </a:extLst>
+            </p:cNvPr>
+            <p:cNvPicPr>
+              <a:picLocks noChangeAspect="1"/>
+            </p:cNvPicPr>
+            <p:nvPr/>
+          </p:nvPicPr>
+          <p:blipFill rotWithShape="1">
+            <a:blip r:embed="rId3"/>
+            <a:srcRect t="12723" b="65326"/>
+            <a:stretch/>
+          </p:blipFill>
+          <p:spPr>
+            <a:xfrm>
+              <a:off x="5204256" y="1786278"/>
+              <a:ext cx="3105150" cy="1285875"/>
+            </a:xfrm>
+            <a:prstGeom prst="rect">
+              <a:avLst/>
+            </a:prstGeom>
+          </p:spPr>
+        </p:pic>
+        <p:sp>
+          <p:nvSpPr>
+            <p:cNvPr id="11" name="Rectangle: Rounded Corners 10">
+              <a:extLst>
+                <a:ext uri="{FF2B5EF4-FFF2-40B4-BE49-F238E27FC236}">
+                  <a16:creationId xmlns:a16="http://schemas.microsoft.com/office/drawing/2014/main" id="{B1ED4290-0BD2-0CFE-06E5-81254B49B3E9}"/>
+                </a:ext>
+              </a:extLst>
+            </p:cNvPr>
+            <p:cNvSpPr/>
+            <p:nvPr/>
+          </p:nvSpPr>
+          <p:spPr>
+            <a:xfrm>
+              <a:off x="5429795" y="2812869"/>
+              <a:ext cx="2325188" cy="178525"/>
+            </a:xfrm>
+            <a:prstGeom prst="roundRect">
+              <a:avLst/>
+            </a:prstGeom>
+            <a:noFill/>
+            <a:ln w="19050">
+              <a:solidFill>
+                <a:srgbClr val="FF0000"/>
+              </a:solidFill>
+            </a:ln>
+          </p:spPr>
+          <p:style>
+            <a:lnRef idx="2">
+              <a:schemeClr val="accent6"/>
+            </a:lnRef>
+            <a:fillRef idx="1">
+              <a:schemeClr val="lt1"/>
+            </a:fillRef>
+            <a:effectRef idx="0">
+              <a:schemeClr val="accent6"/>
+            </a:effectRef>
+            <a:fontRef idx="minor">
+              <a:schemeClr val="dk1"/>
+            </a:fontRef>
+          </p:style>
+          <p:txBody>
+            <a:bodyPr rtlCol="0" anchor="ctr"/>
+            <a:lstStyle/>
+            <a:p>
+              <a:pPr algn="ctr"/>
+              <a:endParaRPr lang="en-US"/>
+            </a:p>
+          </p:txBody>
+        </p:sp>
+      </p:grpSp>
+      <p:grpSp>
+        <p:nvGrpSpPr>
+          <p:cNvPr id="15" name="Group 14">
+            <a:extLst>
+              <a:ext uri="{FF2B5EF4-FFF2-40B4-BE49-F238E27FC236}">
+                <a16:creationId xmlns:a16="http://schemas.microsoft.com/office/drawing/2014/main" id="{FBBE65A8-3370-C41F-5ED9-09861946D79D}"/>
+              </a:ext>
+            </a:extLst>
+          </p:cNvPr>
+          <p:cNvGrpSpPr/>
+          <p:nvPr/>
+        </p:nvGrpSpPr>
+        <p:grpSpPr>
+          <a:xfrm>
+            <a:off x="1690347" y="771728"/>
+            <a:ext cx="3105150" cy="1285875"/>
+            <a:chOff x="1690347" y="771728"/>
+            <a:chExt cx="3105150" cy="1285875"/>
+          </a:xfrm>
+        </p:grpSpPr>
+        <p:pic>
+          <p:nvPicPr>
+            <p:cNvPr id="10" name="Рисунок 39">
+              <a:extLst>
+                <a:ext uri="{FF2B5EF4-FFF2-40B4-BE49-F238E27FC236}">
+                  <a16:creationId xmlns:a16="http://schemas.microsoft.com/office/drawing/2014/main" id="{3038FC94-0EA6-9562-BCD3-E046D2B0E28B}"/>
+                </a:ext>
+              </a:extLst>
+            </p:cNvPr>
+            <p:cNvPicPr>
+              <a:picLocks noChangeAspect="1"/>
+            </p:cNvPicPr>
+            <p:nvPr/>
+          </p:nvPicPr>
+          <p:blipFill rotWithShape="1">
+            <a:blip r:embed="rId3"/>
+            <a:srcRect t="12723" b="65326"/>
+            <a:stretch/>
+          </p:blipFill>
+          <p:spPr>
+            <a:xfrm>
+              <a:off x="1690347" y="771728"/>
+              <a:ext cx="3105150" cy="1285875"/>
+            </a:xfrm>
+            <a:prstGeom prst="rect">
+              <a:avLst/>
+            </a:prstGeom>
+          </p:spPr>
+        </p:pic>
+        <p:sp>
+          <p:nvSpPr>
+            <p:cNvPr id="9" name="Rectangle: Rounded Corners 8">
+              <a:extLst>
+                <a:ext uri="{FF2B5EF4-FFF2-40B4-BE49-F238E27FC236}">
+                  <a16:creationId xmlns:a16="http://schemas.microsoft.com/office/drawing/2014/main" id="{21F12F0D-F03B-583A-3952-8502B4891798}"/>
+                </a:ext>
+              </a:extLst>
+            </p:cNvPr>
+            <p:cNvSpPr/>
+            <p:nvPr/>
+          </p:nvSpPr>
+          <p:spPr>
+            <a:xfrm>
+              <a:off x="1959430" y="992776"/>
+              <a:ext cx="2394856" cy="348343"/>
+            </a:xfrm>
+            <a:prstGeom prst="roundRect">
+              <a:avLst/>
+            </a:prstGeom>
+            <a:noFill/>
+            <a:ln w="19050">
+              <a:solidFill>
+                <a:srgbClr val="FF0000"/>
+              </a:solidFill>
+            </a:ln>
+          </p:spPr>
+          <p:style>
+            <a:lnRef idx="2">
+              <a:schemeClr val="accent6"/>
+            </a:lnRef>
+            <a:fillRef idx="1">
+              <a:schemeClr val="lt1"/>
+            </a:fillRef>
+            <a:effectRef idx="0">
+              <a:schemeClr val="accent6"/>
+            </a:effectRef>
+            <a:fontRef idx="minor">
+              <a:schemeClr val="dk1"/>
+            </a:fontRef>
+          </p:style>
+          <p:txBody>
+            <a:bodyPr rtlCol="0" anchor="ctr"/>
+            <a:lstStyle/>
+            <a:p>
+              <a:pPr algn="ctr"/>
+              <a:endParaRPr lang="en-US"/>
+            </a:p>
+          </p:txBody>
+        </p:sp>
+        <p:sp>
+          <p:nvSpPr>
+            <p:cNvPr id="13" name="Rectangle: Rounded Corners 12">
+              <a:extLst>
+                <a:ext uri="{FF2B5EF4-FFF2-40B4-BE49-F238E27FC236}">
+                  <a16:creationId xmlns:a16="http://schemas.microsoft.com/office/drawing/2014/main" id="{1B061E61-E60C-19C2-7C9F-472A1304E691}"/>
+                </a:ext>
+              </a:extLst>
+            </p:cNvPr>
+            <p:cNvSpPr/>
+            <p:nvPr/>
+          </p:nvSpPr>
+          <p:spPr>
+            <a:xfrm>
+              <a:off x="1955075" y="1484810"/>
+              <a:ext cx="2394856" cy="348343"/>
+            </a:xfrm>
+            <a:prstGeom prst="roundRect">
+              <a:avLst/>
+            </a:prstGeom>
+            <a:noFill/>
+            <a:ln w="19050">
+              <a:solidFill>
+                <a:srgbClr val="FF0000"/>
+              </a:solidFill>
+            </a:ln>
+          </p:spPr>
+          <p:style>
+            <a:lnRef idx="2">
+              <a:schemeClr val="accent6"/>
+            </a:lnRef>
+            <a:fillRef idx="1">
+              <a:schemeClr val="lt1"/>
+            </a:fillRef>
+            <a:effectRef idx="0">
+              <a:schemeClr val="accent6"/>
+            </a:effectRef>
+            <a:fontRef idx="minor">
+              <a:schemeClr val="dk1"/>
+            </a:fontRef>
+          </p:style>
+          <p:txBody>
+            <a:bodyPr rtlCol="0" anchor="ctr"/>
+            <a:lstStyle/>
+            <a:p>
+              <a:pPr algn="ctr"/>
+              <a:endParaRPr lang="en-US"/>
+            </a:p>
+          </p:txBody>
+        </p:sp>
+      </p:grpSp>
+      <p:grpSp>
+        <p:nvGrpSpPr>
+          <p:cNvPr id="18" name="Group 17">
+            <a:extLst>
+              <a:ext uri="{FF2B5EF4-FFF2-40B4-BE49-F238E27FC236}">
+                <a16:creationId xmlns:a16="http://schemas.microsoft.com/office/drawing/2014/main" id="{845E55CB-6546-3EAE-4AFC-502486CAD50B}"/>
+              </a:ext>
+            </a:extLst>
+          </p:cNvPr>
+          <p:cNvGrpSpPr/>
+          <p:nvPr/>
+        </p:nvGrpSpPr>
+        <p:grpSpPr>
+          <a:xfrm>
+            <a:off x="675799" y="2291375"/>
+            <a:ext cx="3105150" cy="1285875"/>
+            <a:chOff x="675799" y="2291375"/>
+            <a:chExt cx="3105150" cy="1285875"/>
+          </a:xfrm>
+        </p:grpSpPr>
+        <p:pic>
+          <p:nvPicPr>
+            <p:cNvPr id="12" name="Рисунок 39">
+              <a:extLst>
+                <a:ext uri="{FF2B5EF4-FFF2-40B4-BE49-F238E27FC236}">
+                  <a16:creationId xmlns:a16="http://schemas.microsoft.com/office/drawing/2014/main" id="{9A1180A8-478C-23D3-AE41-36CBB61F3094}"/>
+                </a:ext>
+              </a:extLst>
+            </p:cNvPr>
+            <p:cNvPicPr>
+              <a:picLocks noChangeAspect="1"/>
+            </p:cNvPicPr>
+            <p:nvPr/>
+          </p:nvPicPr>
+          <p:blipFill rotWithShape="1">
+            <a:blip r:embed="rId3"/>
+            <a:srcRect t="12723" b="65326"/>
+            <a:stretch/>
+          </p:blipFill>
+          <p:spPr>
+            <a:xfrm>
+              <a:off x="675799" y="2291375"/>
+              <a:ext cx="3105150" cy="1285875"/>
+            </a:xfrm>
+            <a:prstGeom prst="rect">
+              <a:avLst/>
+            </a:prstGeom>
+          </p:spPr>
+        </p:pic>
+        <p:sp>
+          <p:nvSpPr>
+            <p:cNvPr id="14" name="Rectangle: Rounded Corners 13">
+              <a:extLst>
+                <a:ext uri="{FF2B5EF4-FFF2-40B4-BE49-F238E27FC236}">
+                  <a16:creationId xmlns:a16="http://schemas.microsoft.com/office/drawing/2014/main" id="{2F434339-F6AD-5AA0-26B8-FB05441BE315}"/>
+                </a:ext>
+              </a:extLst>
+            </p:cNvPr>
+            <p:cNvSpPr/>
+            <p:nvPr/>
+          </p:nvSpPr>
+          <p:spPr>
+            <a:xfrm>
+              <a:off x="966652" y="2838994"/>
+              <a:ext cx="2394856" cy="174171"/>
+            </a:xfrm>
+            <a:prstGeom prst="roundRect">
+              <a:avLst/>
+            </a:prstGeom>
+            <a:noFill/>
+            <a:ln w="19050">
+              <a:solidFill>
+                <a:srgbClr val="FF0000"/>
+              </a:solidFill>
+            </a:ln>
+          </p:spPr>
+          <p:style>
+            <a:lnRef idx="2">
+              <a:schemeClr val="accent6"/>
+            </a:lnRef>
+            <a:fillRef idx="1">
+              <a:schemeClr val="lt1"/>
+            </a:fillRef>
+            <a:effectRef idx="0">
+              <a:schemeClr val="accent6"/>
+            </a:effectRef>
+            <a:fontRef idx="minor">
+              <a:schemeClr val="dk1"/>
+            </a:fontRef>
+          </p:style>
+          <p:txBody>
+            <a:bodyPr rtlCol="0" anchor="ctr"/>
+            <a:lstStyle/>
+            <a:p>
+              <a:pPr algn="ctr"/>
+              <a:endParaRPr lang="en-US"/>
+            </a:p>
+          </p:txBody>
+        </p:sp>
+      </p:grpSp>
+    </p:spTree>
+    <p:extLst>
+      <p:ext uri="{BB962C8B-B14F-4D97-AF65-F5344CB8AC3E}">
+        <p14:creationId xmlns:p14="http://schemas.microsoft.com/office/powerpoint/2010/main" val="2562785372"/>
+      </p:ext>
+    </p:extLst>
+  </p:cSld>
+  <p:clrMapOvr>
+    <a:masterClrMapping/>
+  </p:clrMapOvr>
+</p:sld>
+</file>
+
+<file path=ppt/slides/slide12.xml><?xml version="1.0" encoding="utf-8"?>
+<p:sld xmlns:a="http://schemas.openxmlformats.org/drawingml/2006/main" xmlns:r="http://schemas.openxmlformats.org/officeDocument/2006/relationships" xmlns:p="http://schemas.openxmlformats.org/presentationml/2006/main">
+  <p:cSld>
+    <p:spTree>
+      <p:nvGrpSpPr>
+        <p:cNvPr id="1" name=""/>
+        <p:cNvGrpSpPr/>
+        <p:nvPr/>
+      </p:nvGrpSpPr>
+      <p:grpSpPr>
+        <a:xfrm>
+          <a:off x="0" y="0"/>
+          <a:ext cx="0" cy="0"/>
+          <a:chOff x="0" y="0"/>
+          <a:chExt cx="0" cy="0"/>
+        </a:xfrm>
+      </p:grpSpPr>
       <p:grpSp>
         <p:nvGrpSpPr>
           <p:cNvPr id="31" name="Группа 30"/>
@@ -5973,7 +6536,7 @@
 </p:sld>
 </file>
 
-<file path=ppt/slides/slide12.xml><?xml version="1.0" encoding="utf-8"?>
+<file path=ppt/slides/slide13.xml><?xml version="1.0" encoding="utf-8"?>
 <p:sld xmlns:a="http://schemas.openxmlformats.org/drawingml/2006/main" xmlns:r="http://schemas.openxmlformats.org/officeDocument/2006/relationships" xmlns:p="http://schemas.openxmlformats.org/presentationml/2006/main">
   <p:cSld>
     <p:spTree>
@@ -6942,7 +7505,7 @@
 </p:sld>
 </file>
 
-<file path=ppt/slides/slide13.xml><?xml version="1.0" encoding="utf-8"?>
+<file path=ppt/slides/slide14.xml><?xml version="1.0" encoding="utf-8"?>
 <p:sld xmlns:a="http://schemas.openxmlformats.org/drawingml/2006/main" xmlns:r="http://schemas.openxmlformats.org/officeDocument/2006/relationships" xmlns:p="http://schemas.openxmlformats.org/presentationml/2006/main">
   <p:cSld>
     <p:spTree>
@@ -7516,7 +8079,7 @@
 </p:sld>
 </file>
 
-<file path=ppt/slides/slide14.xml><?xml version="1.0" encoding="utf-8"?>
+<file path=ppt/slides/slide15.xml><?xml version="1.0" encoding="utf-8"?>
 <p:sld xmlns:a="http://schemas.openxmlformats.org/drawingml/2006/main" xmlns:r="http://schemas.openxmlformats.org/officeDocument/2006/relationships" xmlns:p="http://schemas.openxmlformats.org/presentationml/2006/main">
   <p:cSld>
     <p:spTree>
@@ -9301,7 +9864,7 @@
 </p:sld>
 </file>
 
-<file path=ppt/slides/slide15.xml><?xml version="1.0" encoding="utf-8"?>
+<file path=ppt/slides/slide16.xml><?xml version="1.0" encoding="utf-8"?>
 <p:sld xmlns:a="http://schemas.openxmlformats.org/drawingml/2006/main" xmlns:r="http://schemas.openxmlformats.org/officeDocument/2006/relationships" xmlns:p="http://schemas.openxmlformats.org/presentationml/2006/main">
   <p:cSld>
     <p:spTree>
@@ -9416,7 +9979,7 @@
 </p:sld>
 </file>
 
-<file path=ppt/slides/slide16.xml><?xml version="1.0" encoding="utf-8"?>
+<file path=ppt/slides/slide17.xml><?xml version="1.0" encoding="utf-8"?>
 <p:sld xmlns:a="http://schemas.openxmlformats.org/drawingml/2006/main" xmlns:r="http://schemas.openxmlformats.org/officeDocument/2006/relationships" xmlns:p="http://schemas.openxmlformats.org/presentationml/2006/main">
   <p:cSld>
     <p:spTree>

--- a/manual/Pictures 2.0/Pictures 2.0.pptx
+++ b/manual/Pictures 2.0/Pictures 2.0.pptx
@@ -4925,7 +4925,7 @@
         </p:blipFill>
         <p:spPr>
           <a:xfrm>
-            <a:off x="4384585" y="4598579"/>
+            <a:off x="3853362" y="4624705"/>
             <a:ext cx="2139950" cy="673100"/>
           </a:xfrm>
           <a:prstGeom prst="rect">
@@ -4954,7 +4954,7 @@
         </p:blipFill>
         <p:spPr>
           <a:xfrm>
-            <a:off x="718457" y="5346337"/>
+            <a:off x="187234" y="5372463"/>
             <a:ext cx="5626100" cy="1371600"/>
           </a:xfrm>
           <a:prstGeom prst="rect">
@@ -4976,7 +4976,7 @@
         </p:nvGrpSpPr>
         <p:grpSpPr>
           <a:xfrm>
-            <a:off x="699045" y="2579733"/>
+            <a:off x="167822" y="2605859"/>
             <a:ext cx="3479800" cy="1877604"/>
             <a:chOff x="699045" y="2579733"/>
             <a:chExt cx="3479800" cy="1877604"/>
@@ -5078,7 +5078,7 @@
         </p:nvGrpSpPr>
         <p:grpSpPr>
           <a:xfrm>
-            <a:off x="699316" y="4505143"/>
+            <a:off x="168093" y="4531269"/>
             <a:ext cx="3489325" cy="673100"/>
             <a:chOff x="699316" y="4505143"/>
             <a:chExt cx="3489325" cy="673100"/>
@@ -5162,6 +5162,356 @@
             <a:p>
               <a:pPr algn="ctr"/>
               <a:endParaRPr lang="ru-RU"/>
+            </a:p>
+          </p:txBody>
+        </p:sp>
+      </p:grpSp>
+      <p:grpSp>
+        <p:nvGrpSpPr>
+          <p:cNvPr id="75" name="Group 74">
+            <a:extLst>
+              <a:ext uri="{FF2B5EF4-FFF2-40B4-BE49-F238E27FC236}">
+                <a16:creationId xmlns:a16="http://schemas.microsoft.com/office/drawing/2014/main" id="{A33E1EB6-0A08-0ED7-50CE-D3EB0C792FE1}"/>
+              </a:ext>
+            </a:extLst>
+          </p:cNvPr>
+          <p:cNvGrpSpPr/>
+          <p:nvPr/>
+        </p:nvGrpSpPr>
+        <p:grpSpPr>
+          <a:xfrm>
+            <a:off x="5896586" y="1973511"/>
+            <a:ext cx="3105150" cy="1285875"/>
+            <a:chOff x="1690347" y="771728"/>
+            <a:chExt cx="3105150" cy="1285875"/>
+          </a:xfrm>
+        </p:grpSpPr>
+        <p:pic>
+          <p:nvPicPr>
+            <p:cNvPr id="76" name="Рисунок 39">
+              <a:extLst>
+                <a:ext uri="{FF2B5EF4-FFF2-40B4-BE49-F238E27FC236}">
+                  <a16:creationId xmlns:a16="http://schemas.microsoft.com/office/drawing/2014/main" id="{99DF09DD-4F40-AFCD-E142-8ED1A117A529}"/>
+                </a:ext>
+              </a:extLst>
+            </p:cNvPr>
+            <p:cNvPicPr>
+              <a:picLocks noChangeAspect="1"/>
+            </p:cNvPicPr>
+            <p:nvPr/>
+          </p:nvPicPr>
+          <p:blipFill rotWithShape="1">
+            <a:blip r:embed="rId8"/>
+            <a:srcRect t="12723" b="65326"/>
+            <a:stretch/>
+          </p:blipFill>
+          <p:spPr>
+            <a:xfrm>
+              <a:off x="1690347" y="771728"/>
+              <a:ext cx="3105150" cy="1285875"/>
+            </a:xfrm>
+            <a:prstGeom prst="rect">
+              <a:avLst/>
+            </a:prstGeom>
+          </p:spPr>
+        </p:pic>
+        <p:sp>
+          <p:nvSpPr>
+            <p:cNvPr id="77" name="Rectangle: Rounded Corners 76">
+              <a:extLst>
+                <a:ext uri="{FF2B5EF4-FFF2-40B4-BE49-F238E27FC236}">
+                  <a16:creationId xmlns:a16="http://schemas.microsoft.com/office/drawing/2014/main" id="{BC41EF9F-D099-44B0-0BA4-967DBB56FAFB}"/>
+                </a:ext>
+              </a:extLst>
+            </p:cNvPr>
+            <p:cNvSpPr/>
+            <p:nvPr/>
+          </p:nvSpPr>
+          <p:spPr>
+            <a:xfrm>
+              <a:off x="1959430" y="992776"/>
+              <a:ext cx="2394856" cy="348343"/>
+            </a:xfrm>
+            <a:prstGeom prst="roundRect">
+              <a:avLst/>
+            </a:prstGeom>
+            <a:noFill/>
+            <a:ln w="19050">
+              <a:solidFill>
+                <a:srgbClr val="FF0000"/>
+              </a:solidFill>
+            </a:ln>
+          </p:spPr>
+          <p:style>
+            <a:lnRef idx="2">
+              <a:schemeClr val="accent6"/>
+            </a:lnRef>
+            <a:fillRef idx="1">
+              <a:schemeClr val="lt1"/>
+            </a:fillRef>
+            <a:effectRef idx="0">
+              <a:schemeClr val="accent6"/>
+            </a:effectRef>
+            <a:fontRef idx="minor">
+              <a:schemeClr val="dk1"/>
+            </a:fontRef>
+          </p:style>
+          <p:txBody>
+            <a:bodyPr rtlCol="0" anchor="ctr"/>
+            <a:lstStyle/>
+            <a:p>
+              <a:pPr algn="ctr"/>
+              <a:endParaRPr lang="en-US"/>
+            </a:p>
+          </p:txBody>
+        </p:sp>
+        <p:sp>
+          <p:nvSpPr>
+            <p:cNvPr id="78" name="Rectangle: Rounded Corners 77">
+              <a:extLst>
+                <a:ext uri="{FF2B5EF4-FFF2-40B4-BE49-F238E27FC236}">
+                  <a16:creationId xmlns:a16="http://schemas.microsoft.com/office/drawing/2014/main" id="{9D3E637B-C1B9-AF2B-069E-D14AFF9FDBD6}"/>
+                </a:ext>
+              </a:extLst>
+            </p:cNvPr>
+            <p:cNvSpPr/>
+            <p:nvPr/>
+          </p:nvSpPr>
+          <p:spPr>
+            <a:xfrm>
+              <a:off x="1955075" y="1484810"/>
+              <a:ext cx="2394856" cy="348343"/>
+            </a:xfrm>
+            <a:prstGeom prst="roundRect">
+              <a:avLst/>
+            </a:prstGeom>
+            <a:noFill/>
+            <a:ln w="19050">
+              <a:solidFill>
+                <a:srgbClr val="FF0000"/>
+              </a:solidFill>
+            </a:ln>
+          </p:spPr>
+          <p:style>
+            <a:lnRef idx="2">
+              <a:schemeClr val="accent6"/>
+            </a:lnRef>
+            <a:fillRef idx="1">
+              <a:schemeClr val="lt1"/>
+            </a:fillRef>
+            <a:effectRef idx="0">
+              <a:schemeClr val="accent6"/>
+            </a:effectRef>
+            <a:fontRef idx="minor">
+              <a:schemeClr val="dk1"/>
+            </a:fontRef>
+          </p:style>
+          <p:txBody>
+            <a:bodyPr rtlCol="0" anchor="ctr"/>
+            <a:lstStyle/>
+            <a:p>
+              <a:pPr algn="ctr"/>
+              <a:endParaRPr lang="en-US"/>
+            </a:p>
+          </p:txBody>
+        </p:sp>
+      </p:grpSp>
+      <p:grpSp>
+        <p:nvGrpSpPr>
+          <p:cNvPr id="79" name="Group 78">
+            <a:extLst>
+              <a:ext uri="{FF2B5EF4-FFF2-40B4-BE49-F238E27FC236}">
+                <a16:creationId xmlns:a16="http://schemas.microsoft.com/office/drawing/2014/main" id="{E8D0E0A9-1EFC-68DD-6343-56EF9485228A}"/>
+              </a:ext>
+            </a:extLst>
+          </p:cNvPr>
+          <p:cNvGrpSpPr/>
+          <p:nvPr/>
+        </p:nvGrpSpPr>
+        <p:grpSpPr>
+          <a:xfrm>
+            <a:off x="6192679" y="3628142"/>
+            <a:ext cx="3105150" cy="1285875"/>
+            <a:chOff x="5191194" y="414679"/>
+            <a:chExt cx="3105150" cy="1285875"/>
+          </a:xfrm>
+        </p:grpSpPr>
+        <p:pic>
+          <p:nvPicPr>
+            <p:cNvPr id="80" name="Рисунок 39">
+              <a:extLst>
+                <a:ext uri="{FF2B5EF4-FFF2-40B4-BE49-F238E27FC236}">
+                  <a16:creationId xmlns:a16="http://schemas.microsoft.com/office/drawing/2014/main" id="{189C9BF4-DDC3-EB5E-7DD4-8CA05CBC9AB8}"/>
+                </a:ext>
+              </a:extLst>
+            </p:cNvPr>
+            <p:cNvPicPr>
+              <a:picLocks noChangeAspect="1"/>
+            </p:cNvPicPr>
+            <p:nvPr/>
+          </p:nvPicPr>
+          <p:blipFill rotWithShape="1">
+            <a:blip r:embed="rId8"/>
+            <a:srcRect t="12723" b="65326"/>
+            <a:stretch/>
+          </p:blipFill>
+          <p:spPr>
+            <a:xfrm>
+              <a:off x="5191194" y="414679"/>
+              <a:ext cx="3105150" cy="1285875"/>
+            </a:xfrm>
+            <a:prstGeom prst="rect">
+              <a:avLst/>
+            </a:prstGeom>
+          </p:spPr>
+        </p:pic>
+        <p:sp>
+          <p:nvSpPr>
+            <p:cNvPr id="81" name="Rectangle: Rounded Corners 80">
+              <a:extLst>
+                <a:ext uri="{FF2B5EF4-FFF2-40B4-BE49-F238E27FC236}">
+                  <a16:creationId xmlns:a16="http://schemas.microsoft.com/office/drawing/2014/main" id="{CD24AB69-48AC-8DA6-9814-5819ED8CF55C}"/>
+                </a:ext>
+              </a:extLst>
+            </p:cNvPr>
+            <p:cNvSpPr/>
+            <p:nvPr/>
+          </p:nvSpPr>
+          <p:spPr>
+            <a:xfrm>
+              <a:off x="5381897" y="496388"/>
+              <a:ext cx="2325188" cy="148046"/>
+            </a:xfrm>
+            <a:prstGeom prst="roundRect">
+              <a:avLst/>
+            </a:prstGeom>
+            <a:noFill/>
+            <a:ln w="19050">
+              <a:solidFill>
+                <a:srgbClr val="FF0000"/>
+              </a:solidFill>
+            </a:ln>
+          </p:spPr>
+          <p:style>
+            <a:lnRef idx="2">
+              <a:schemeClr val="accent6"/>
+            </a:lnRef>
+            <a:fillRef idx="1">
+              <a:schemeClr val="lt1"/>
+            </a:fillRef>
+            <a:effectRef idx="0">
+              <a:schemeClr val="accent6"/>
+            </a:effectRef>
+            <a:fontRef idx="minor">
+              <a:schemeClr val="dk1"/>
+            </a:fontRef>
+          </p:style>
+          <p:txBody>
+            <a:bodyPr rtlCol="0" anchor="ctr"/>
+            <a:lstStyle/>
+            <a:p>
+              <a:pPr algn="ctr"/>
+              <a:endParaRPr lang="en-US"/>
+            </a:p>
+          </p:txBody>
+        </p:sp>
+      </p:grpSp>
+      <p:grpSp>
+        <p:nvGrpSpPr>
+          <p:cNvPr id="82" name="Group 81">
+            <a:extLst>
+              <a:ext uri="{FF2B5EF4-FFF2-40B4-BE49-F238E27FC236}">
+                <a16:creationId xmlns:a16="http://schemas.microsoft.com/office/drawing/2014/main" id="{74C73803-ABEC-4809-FB23-DD07146CE5EB}"/>
+              </a:ext>
+            </a:extLst>
+          </p:cNvPr>
+          <p:cNvGrpSpPr/>
+          <p:nvPr/>
+        </p:nvGrpSpPr>
+        <p:grpSpPr>
+          <a:xfrm>
+            <a:off x="6205741" y="4999741"/>
+            <a:ext cx="3105150" cy="1285875"/>
+            <a:chOff x="5204256" y="1786278"/>
+            <a:chExt cx="3105150" cy="1285875"/>
+          </a:xfrm>
+        </p:grpSpPr>
+        <p:pic>
+          <p:nvPicPr>
+            <p:cNvPr id="83" name="Рисунок 39">
+              <a:extLst>
+                <a:ext uri="{FF2B5EF4-FFF2-40B4-BE49-F238E27FC236}">
+                  <a16:creationId xmlns:a16="http://schemas.microsoft.com/office/drawing/2014/main" id="{11C6E68D-A22C-388A-FD42-820589710DC8}"/>
+                </a:ext>
+              </a:extLst>
+            </p:cNvPr>
+            <p:cNvPicPr>
+              <a:picLocks noChangeAspect="1"/>
+            </p:cNvPicPr>
+            <p:nvPr/>
+          </p:nvPicPr>
+          <p:blipFill rotWithShape="1">
+            <a:blip r:embed="rId8"/>
+            <a:srcRect t="12723" b="65326"/>
+            <a:stretch/>
+          </p:blipFill>
+          <p:spPr>
+            <a:xfrm>
+              <a:off x="5204256" y="1786278"/>
+              <a:ext cx="3105150" cy="1285875"/>
+            </a:xfrm>
+            <a:prstGeom prst="rect">
+              <a:avLst/>
+            </a:prstGeom>
+          </p:spPr>
+        </p:pic>
+        <p:sp>
+          <p:nvSpPr>
+            <p:cNvPr id="84" name="Rectangle: Rounded Corners 83">
+              <a:extLst>
+                <a:ext uri="{FF2B5EF4-FFF2-40B4-BE49-F238E27FC236}">
+                  <a16:creationId xmlns:a16="http://schemas.microsoft.com/office/drawing/2014/main" id="{D72DDEAC-4191-AB47-B0FB-31AC277A1858}"/>
+                </a:ext>
+              </a:extLst>
+            </p:cNvPr>
+            <p:cNvSpPr/>
+            <p:nvPr/>
+          </p:nvSpPr>
+          <p:spPr>
+            <a:xfrm>
+              <a:off x="5429795" y="2812869"/>
+              <a:ext cx="2325188" cy="178525"/>
+            </a:xfrm>
+            <a:prstGeom prst="roundRect">
+              <a:avLst/>
+            </a:prstGeom>
+            <a:noFill/>
+            <a:ln w="19050">
+              <a:solidFill>
+                <a:srgbClr val="FF0000"/>
+              </a:solidFill>
+            </a:ln>
+          </p:spPr>
+          <p:style>
+            <a:lnRef idx="2">
+              <a:schemeClr val="accent6"/>
+            </a:lnRef>
+            <a:fillRef idx="1">
+              <a:schemeClr val="lt1"/>
+            </a:fillRef>
+            <a:effectRef idx="0">
+              <a:schemeClr val="accent6"/>
+            </a:effectRef>
+            <a:fontRef idx="minor">
+              <a:schemeClr val="dk1"/>
+            </a:fontRef>
+          </p:style>
+          <p:txBody>
+            <a:bodyPr rtlCol="0" anchor="ctr"/>
+            <a:lstStyle/>
+            <a:p>
+              <a:pPr algn="ctr"/>
+              <a:endParaRPr lang="en-US"/>
             </a:p>
           </p:txBody>
         </p:sp>
@@ -5210,16 +5560,15 @@
           </p:cNvPicPr>
           <p:nvPr/>
         </p:nvPicPr>
-        <p:blipFill>
+        <p:blipFill rotWithShape="1">
           <a:blip r:embed="rId2"/>
-          <a:stretch>
-            <a:fillRect/>
-          </a:stretch>
+          <a:srcRect l="915" t="25429" r="941" b="30071"/>
+          <a:stretch/>
         </p:blipFill>
         <p:spPr>
           <a:xfrm>
-            <a:off x="3677602" y="3820750"/>
-            <a:ext cx="4105275" cy="1933575"/>
+            <a:off x="452438" y="3949699"/>
+            <a:ext cx="4029075" cy="860425"/>
           </a:xfrm>
           <a:prstGeom prst="rect">
             <a:avLst/>
@@ -5280,10 +5629,10 @@
       </p:sp>
       <p:grpSp>
         <p:nvGrpSpPr>
-          <p:cNvPr id="17" name="Group 16">
+          <p:cNvPr id="18" name="Group 17">
             <a:extLst>
               <a:ext uri="{FF2B5EF4-FFF2-40B4-BE49-F238E27FC236}">
-                <a16:creationId xmlns:a16="http://schemas.microsoft.com/office/drawing/2014/main" id="{75B63BC3-313D-0373-CE6A-102F55359D21}"/>
+                <a16:creationId xmlns:a16="http://schemas.microsoft.com/office/drawing/2014/main" id="{845E55CB-6546-3EAE-4AFC-502486CAD50B}"/>
               </a:ext>
             </a:extLst>
           </p:cNvPr>
@@ -5292,18 +5641,18 @@
         </p:nvGrpSpPr>
         <p:grpSpPr>
           <a:xfrm>
-            <a:off x="5191194" y="414679"/>
+            <a:off x="553879" y="828335"/>
             <a:ext cx="3105150" cy="1285875"/>
-            <a:chOff x="5191194" y="414679"/>
+            <a:chOff x="675799" y="2291375"/>
             <a:chExt cx="3105150" cy="1285875"/>
           </a:xfrm>
         </p:grpSpPr>
         <p:pic>
           <p:nvPicPr>
-            <p:cNvPr id="6" name="Рисунок 39">
+            <p:cNvPr id="12" name="Рисунок 39">
               <a:extLst>
                 <a:ext uri="{FF2B5EF4-FFF2-40B4-BE49-F238E27FC236}">
-                  <a16:creationId xmlns:a16="http://schemas.microsoft.com/office/drawing/2014/main" id="{144C010C-6B08-96DD-F5C9-FAE865347E82}"/>
+                  <a16:creationId xmlns:a16="http://schemas.microsoft.com/office/drawing/2014/main" id="{9A1180A8-478C-23D3-AE41-36CBB61F3094}"/>
                 </a:ext>
               </a:extLst>
             </p:cNvPr>
@@ -5319,7 +5668,7 @@
           </p:blipFill>
           <p:spPr>
             <a:xfrm>
-              <a:off x="5191194" y="414679"/>
+              <a:off x="675799" y="2291375"/>
               <a:ext cx="3105150" cy="1285875"/>
             </a:xfrm>
             <a:prstGeom prst="rect">
@@ -5329,10 +5678,10 @@
         </p:pic>
         <p:sp>
           <p:nvSpPr>
-            <p:cNvPr id="8" name="Rectangle: Rounded Corners 7">
+            <p:cNvPr id="14" name="Rectangle: Rounded Corners 13">
               <a:extLst>
                 <a:ext uri="{FF2B5EF4-FFF2-40B4-BE49-F238E27FC236}">
-                  <a16:creationId xmlns:a16="http://schemas.microsoft.com/office/drawing/2014/main" id="{EF6C2E5E-DDB6-B488-95F3-5503CC81ABF3}"/>
+                  <a16:creationId xmlns:a16="http://schemas.microsoft.com/office/drawing/2014/main" id="{2F434339-F6AD-5AA0-26B8-FB05441BE315}"/>
                 </a:ext>
               </a:extLst>
             </p:cNvPr>
@@ -5341,8 +5690,8 @@
           </p:nvSpPr>
           <p:spPr>
             <a:xfrm>
-              <a:off x="5381897" y="496388"/>
-              <a:ext cx="2325188" cy="148046"/>
+              <a:off x="966652" y="2838994"/>
+              <a:ext cx="2394856" cy="174171"/>
             </a:xfrm>
             <a:prstGeom prst="roundRect">
               <a:avLst/>
@@ -5380,10 +5729,10 @@
       </p:grpSp>
       <p:grpSp>
         <p:nvGrpSpPr>
-          <p:cNvPr id="16" name="Group 15">
+          <p:cNvPr id="44" name="Group 43">
             <a:extLst>
               <a:ext uri="{FF2B5EF4-FFF2-40B4-BE49-F238E27FC236}">
-                <a16:creationId xmlns:a16="http://schemas.microsoft.com/office/drawing/2014/main" id="{810F698B-1C8B-784F-4AE0-AA517F7A6E1B}"/>
+                <a16:creationId xmlns:a16="http://schemas.microsoft.com/office/drawing/2014/main" id="{307540FB-FD8B-498F-67D5-714CE4102FE1}"/>
               </a:ext>
             </a:extLst>
           </p:cNvPr>
@@ -5392,18 +5741,18 @@
         </p:nvGrpSpPr>
         <p:grpSpPr>
           <a:xfrm>
-            <a:off x="5204256" y="1786278"/>
-            <a:ext cx="3105150" cy="1285875"/>
-            <a:chOff x="5204256" y="1786278"/>
-            <a:chExt cx="3105150" cy="1285875"/>
+            <a:off x="4328160" y="533267"/>
+            <a:ext cx="2438398" cy="1048413"/>
+            <a:chOff x="4293326" y="1656673"/>
+            <a:chExt cx="2438398" cy="1048413"/>
           </a:xfrm>
         </p:grpSpPr>
         <p:pic>
           <p:nvPicPr>
-            <p:cNvPr id="5" name="Рисунок 39">
+            <p:cNvPr id="19" name="Picture 18">
               <a:extLst>
                 <a:ext uri="{FF2B5EF4-FFF2-40B4-BE49-F238E27FC236}">
-                  <a16:creationId xmlns:a16="http://schemas.microsoft.com/office/drawing/2014/main" id="{EF464231-A98B-8D94-3A3D-C7A5728C2741}"/>
+                  <a16:creationId xmlns:a16="http://schemas.microsoft.com/office/drawing/2014/main" id="{E49A04F0-AEF0-D682-1C28-27EE4AD7D240}"/>
                 </a:ext>
               </a:extLst>
             </p:cNvPr>
@@ -5413,77 +5762,195 @@
             <p:nvPr/>
           </p:nvPicPr>
           <p:blipFill rotWithShape="1">
-            <a:blip r:embed="rId3"/>
-            <a:srcRect t="12723" b="65326"/>
+            <a:blip r:embed="rId2"/>
+            <a:srcRect r="64956" b="85242"/>
             <a:stretch/>
           </p:blipFill>
           <p:spPr>
             <a:xfrm>
-              <a:off x="5204256" y="1786278"/>
-              <a:ext cx="3105150" cy="1285875"/>
+              <a:off x="4709569" y="1656673"/>
+              <a:ext cx="1438683" cy="285338"/>
             </a:xfrm>
             <a:prstGeom prst="rect">
               <a:avLst/>
             </a:prstGeom>
           </p:spPr>
         </p:pic>
-        <p:sp>
-          <p:nvSpPr>
-            <p:cNvPr id="11" name="Rectangle: Rounded Corners 10">
+        <p:cxnSp>
+          <p:nvCxnSpPr>
+            <p:cNvPr id="24" name="Прямая со стрелкой 21">
               <a:extLst>
                 <a:ext uri="{FF2B5EF4-FFF2-40B4-BE49-F238E27FC236}">
-                  <a16:creationId xmlns:a16="http://schemas.microsoft.com/office/drawing/2014/main" id="{B1ED4290-0BD2-0CFE-06E5-81254B49B3E9}"/>
+                  <a16:creationId xmlns:a16="http://schemas.microsoft.com/office/drawing/2014/main" id="{3A33B879-AE2D-020F-11EA-B011234D4F28}"/>
                 </a:ext>
               </a:extLst>
             </p:cNvPr>
-            <p:cNvSpPr/>
-            <p:nvPr/>
-          </p:nvSpPr>
-          <p:spPr>
-            <a:xfrm>
-              <a:off x="5429795" y="2812869"/>
-              <a:ext cx="2325188" cy="178525"/>
-            </a:xfrm>
-            <a:prstGeom prst="roundRect">
-              <a:avLst/>
-            </a:prstGeom>
-            <a:noFill/>
-            <a:ln w="19050">
+            <p:cNvCxnSpPr>
+              <a:cxnSpLocks/>
+              <a:stCxn id="25" idx="0"/>
+            </p:cNvCxnSpPr>
+            <p:nvPr/>
+          </p:nvCxnSpPr>
+          <p:spPr>
+            <a:xfrm flipV="1">
+              <a:off x="4800372" y="1894929"/>
+              <a:ext cx="413092" cy="410047"/>
+            </a:xfrm>
+            <a:prstGeom prst="straightConnector1">
+              <a:avLst/>
+            </a:prstGeom>
+            <a:ln w="6350">
               <a:solidFill>
-                <a:srgbClr val="FF0000"/>
+                <a:schemeClr val="tx1"/>
               </a:solidFill>
+              <a:tailEnd type="stealth" w="med" len="med"/>
             </a:ln>
           </p:spPr>
           <p:style>
-            <a:lnRef idx="2">
-              <a:schemeClr val="accent6"/>
+            <a:lnRef idx="1">
+              <a:schemeClr val="accent1"/>
             </a:lnRef>
-            <a:fillRef idx="1">
-              <a:schemeClr val="lt1"/>
+            <a:fillRef idx="0">
+              <a:schemeClr val="accent1"/>
             </a:fillRef>
             <a:effectRef idx="0">
-              <a:schemeClr val="accent6"/>
+              <a:schemeClr val="accent1"/>
             </a:effectRef>
             <a:fontRef idx="minor">
-              <a:schemeClr val="dk1"/>
+              <a:schemeClr val="tx1"/>
             </a:fontRef>
           </p:style>
+        </p:cxnSp>
+        <p:sp>
+          <p:nvSpPr>
+            <p:cNvPr id="25" name="TextBox 24">
+              <a:extLst>
+                <a:ext uri="{FF2B5EF4-FFF2-40B4-BE49-F238E27FC236}">
+                  <a16:creationId xmlns:a16="http://schemas.microsoft.com/office/drawing/2014/main" id="{E1ACA645-E979-4C75-7D2F-FAFF9D56CE7D}"/>
+                </a:ext>
+              </a:extLst>
+            </p:cNvPr>
+            <p:cNvSpPr txBox="1"/>
+            <p:nvPr/>
+          </p:nvSpPr>
+          <p:spPr>
+            <a:xfrm>
+              <a:off x="4293326" y="2304976"/>
+              <a:ext cx="1014092" cy="400110"/>
+            </a:xfrm>
+            <a:prstGeom prst="rect">
+              <a:avLst/>
+            </a:prstGeom>
+            <a:noFill/>
+          </p:spPr>
           <p:txBody>
-            <a:bodyPr rtlCol="0" anchor="ctr"/>
+            <a:bodyPr wrap="square" rtlCol="0">
+              <a:spAutoFit/>
+            </a:bodyPr>
             <a:lstStyle/>
             <a:p>
               <a:pPr algn="ctr"/>
-              <a:endParaRPr lang="en-US"/>
+              <a:r>
+                <a:rPr lang="ru-RU" sz="1000" dirty="0">
+                  <a:latin typeface="Times New Roman" panose="02020603050405020304" pitchFamily="18" charset="0"/>
+                  <a:cs typeface="Times New Roman" panose="02020603050405020304" pitchFamily="18" charset="0"/>
+                </a:rPr>
+                <a:t>Тип элемента = многослойка</a:t>
+              </a:r>
+            </a:p>
+          </p:txBody>
+        </p:sp>
+        <p:cxnSp>
+          <p:nvCxnSpPr>
+            <p:cNvPr id="26" name="Прямая со стрелкой 21">
+              <a:extLst>
+                <a:ext uri="{FF2B5EF4-FFF2-40B4-BE49-F238E27FC236}">
+                  <a16:creationId xmlns:a16="http://schemas.microsoft.com/office/drawing/2014/main" id="{1AA21FD9-3E6B-8000-CACE-91B4282644F6}"/>
+                </a:ext>
+              </a:extLst>
+            </p:cNvPr>
+            <p:cNvCxnSpPr>
+              <a:cxnSpLocks/>
+              <a:stCxn id="27" idx="0"/>
+            </p:cNvCxnSpPr>
+            <p:nvPr/>
+          </p:nvCxnSpPr>
+          <p:spPr>
+            <a:xfrm flipH="1" flipV="1">
+              <a:off x="5747657" y="1924595"/>
+              <a:ext cx="326571" cy="354256"/>
+            </a:xfrm>
+            <a:prstGeom prst="straightConnector1">
+              <a:avLst/>
+            </a:prstGeom>
+            <a:ln w="6350">
+              <a:solidFill>
+                <a:schemeClr val="tx1"/>
+              </a:solidFill>
+              <a:tailEnd type="stealth" w="med" len="med"/>
+            </a:ln>
+          </p:spPr>
+          <p:style>
+            <a:lnRef idx="1">
+              <a:schemeClr val="accent1"/>
+            </a:lnRef>
+            <a:fillRef idx="0">
+              <a:schemeClr val="accent1"/>
+            </a:fillRef>
+            <a:effectRef idx="0">
+              <a:schemeClr val="accent1"/>
+            </a:effectRef>
+            <a:fontRef idx="minor">
+              <a:schemeClr val="tx1"/>
+            </a:fontRef>
+          </p:style>
+        </p:cxnSp>
+        <p:sp>
+          <p:nvSpPr>
+            <p:cNvPr id="27" name="TextBox 26">
+              <a:extLst>
+                <a:ext uri="{FF2B5EF4-FFF2-40B4-BE49-F238E27FC236}">
+                  <a16:creationId xmlns:a16="http://schemas.microsoft.com/office/drawing/2014/main" id="{85A1393D-8BEE-128A-721F-A31CA99FF441}"/>
+                </a:ext>
+              </a:extLst>
+            </p:cNvPr>
+            <p:cNvSpPr txBox="1"/>
+            <p:nvPr/>
+          </p:nvSpPr>
+          <p:spPr>
+            <a:xfrm>
+              <a:off x="5416732" y="2278851"/>
+              <a:ext cx="1314992" cy="400110"/>
+            </a:xfrm>
+            <a:prstGeom prst="rect">
+              <a:avLst/>
+            </a:prstGeom>
+            <a:noFill/>
+          </p:spPr>
+          <p:txBody>
+            <a:bodyPr wrap="square" rtlCol="0">
+              <a:spAutoFit/>
+            </a:bodyPr>
+            <a:lstStyle/>
+            <a:p>
+              <a:pPr algn="ctr"/>
+              <a:r>
+                <a:rPr lang="ru-RU" sz="1000" dirty="0">
+                  <a:latin typeface="Times New Roman" panose="02020603050405020304" pitchFamily="18" charset="0"/>
+                  <a:cs typeface="Times New Roman" panose="02020603050405020304" pitchFamily="18" charset="0"/>
+                </a:rPr>
+                <a:t>Индексы слоёв внутри многослойки</a:t>
+              </a:r>
             </a:p>
           </p:txBody>
         </p:sp>
       </p:grpSp>
       <p:grpSp>
         <p:nvGrpSpPr>
-          <p:cNvPr id="15" name="Group 14">
+          <p:cNvPr id="45" name="Group 44">
             <a:extLst>
               <a:ext uri="{FF2B5EF4-FFF2-40B4-BE49-F238E27FC236}">
-                <a16:creationId xmlns:a16="http://schemas.microsoft.com/office/drawing/2014/main" id="{FBBE65A8-3370-C41F-5ED9-09861946D79D}"/>
+                <a16:creationId xmlns:a16="http://schemas.microsoft.com/office/drawing/2014/main" id="{0FCB84B6-C992-27AE-2CC1-4540456C2EC7}"/>
               </a:ext>
             </a:extLst>
           </p:cNvPr>
@@ -5492,18 +5959,18 @@
         </p:nvGrpSpPr>
         <p:grpSpPr>
           <a:xfrm>
-            <a:off x="1690347" y="771728"/>
-            <a:ext cx="3105150" cy="1285875"/>
-            <a:chOff x="1690347" y="771728"/>
-            <a:chExt cx="3105150" cy="1285875"/>
+            <a:off x="6862354" y="546330"/>
+            <a:ext cx="2164079" cy="1048413"/>
+            <a:chOff x="4402182" y="1656673"/>
+            <a:chExt cx="2164079" cy="1048413"/>
           </a:xfrm>
         </p:grpSpPr>
         <p:pic>
           <p:nvPicPr>
-            <p:cNvPr id="10" name="Рисунок 39">
+            <p:cNvPr id="46" name="Picture 45">
               <a:extLst>
                 <a:ext uri="{FF2B5EF4-FFF2-40B4-BE49-F238E27FC236}">
-                  <a16:creationId xmlns:a16="http://schemas.microsoft.com/office/drawing/2014/main" id="{3038FC94-0EA6-9562-BCD3-E046D2B0E28B}"/>
+                  <a16:creationId xmlns:a16="http://schemas.microsoft.com/office/drawing/2014/main" id="{B2C275D6-E720-C71D-EBE3-E7E0C15F57C3}"/>
                 </a:ext>
               </a:extLst>
             </p:cNvPr>
@@ -5513,127 +5980,217 @@
             <p:nvPr/>
           </p:nvPicPr>
           <p:blipFill rotWithShape="1">
-            <a:blip r:embed="rId3"/>
-            <a:srcRect t="12723" b="65326"/>
+            <a:blip r:embed="rId2"/>
+            <a:srcRect r="64956" b="85242"/>
             <a:stretch/>
           </p:blipFill>
           <p:spPr>
             <a:xfrm>
-              <a:off x="1690347" y="771728"/>
-              <a:ext cx="3105150" cy="1285875"/>
+              <a:off x="4709569" y="1656673"/>
+              <a:ext cx="1438683" cy="285338"/>
             </a:xfrm>
             <a:prstGeom prst="rect">
               <a:avLst/>
             </a:prstGeom>
           </p:spPr>
         </p:pic>
-        <p:sp>
-          <p:nvSpPr>
-            <p:cNvPr id="9" name="Rectangle: Rounded Corners 8">
+        <p:cxnSp>
+          <p:nvCxnSpPr>
+            <p:cNvPr id="47" name="Прямая со стрелкой 21">
               <a:extLst>
                 <a:ext uri="{FF2B5EF4-FFF2-40B4-BE49-F238E27FC236}">
-                  <a16:creationId xmlns:a16="http://schemas.microsoft.com/office/drawing/2014/main" id="{21F12F0D-F03B-583A-3952-8502B4891798}"/>
+                  <a16:creationId xmlns:a16="http://schemas.microsoft.com/office/drawing/2014/main" id="{03E4D8E2-F88F-42E1-E444-2F6272766A7D}"/>
                 </a:ext>
               </a:extLst>
             </p:cNvPr>
-            <p:cNvSpPr/>
-            <p:nvPr/>
-          </p:nvSpPr>
-          <p:spPr>
-            <a:xfrm>
-              <a:off x="1959430" y="992776"/>
-              <a:ext cx="2394856" cy="348343"/>
-            </a:xfrm>
-            <a:prstGeom prst="roundRect">
-              <a:avLst/>
-            </a:prstGeom>
-            <a:noFill/>
-            <a:ln w="19050">
+            <p:cNvCxnSpPr>
+              <a:cxnSpLocks/>
+              <a:stCxn id="48" idx="0"/>
+            </p:cNvCxnSpPr>
+            <p:nvPr/>
+          </p:nvCxnSpPr>
+          <p:spPr>
+            <a:xfrm flipV="1">
+              <a:off x="4854800" y="1894929"/>
+              <a:ext cx="358664" cy="410047"/>
+            </a:xfrm>
+            <a:prstGeom prst="straightConnector1">
+              <a:avLst/>
+            </a:prstGeom>
+            <a:ln w="6350">
               <a:solidFill>
-                <a:srgbClr val="FF0000"/>
+                <a:schemeClr val="tx1"/>
               </a:solidFill>
+              <a:tailEnd type="stealth" w="med" len="med"/>
             </a:ln>
           </p:spPr>
           <p:style>
-            <a:lnRef idx="2">
-              <a:schemeClr val="accent6"/>
+            <a:lnRef idx="1">
+              <a:schemeClr val="accent1"/>
             </a:lnRef>
-            <a:fillRef idx="1">
-              <a:schemeClr val="lt1"/>
+            <a:fillRef idx="0">
+              <a:schemeClr val="accent1"/>
             </a:fillRef>
             <a:effectRef idx="0">
-              <a:schemeClr val="accent6"/>
+              <a:schemeClr val="accent1"/>
             </a:effectRef>
             <a:fontRef idx="minor">
-              <a:schemeClr val="dk1"/>
+              <a:schemeClr val="tx1"/>
             </a:fontRef>
           </p:style>
+        </p:cxnSp>
+        <p:sp>
+          <p:nvSpPr>
+            <p:cNvPr id="48" name="TextBox 47">
+              <a:extLst>
+                <a:ext uri="{FF2B5EF4-FFF2-40B4-BE49-F238E27FC236}">
+                  <a16:creationId xmlns:a16="http://schemas.microsoft.com/office/drawing/2014/main" id="{D4D32E61-A6D2-F7B9-F85C-7C2E26FFBFEB}"/>
+                </a:ext>
+              </a:extLst>
+            </p:cNvPr>
+            <p:cNvSpPr txBox="1"/>
+            <p:nvPr/>
+          </p:nvSpPr>
+          <p:spPr>
+            <a:xfrm>
+              <a:off x="4402182" y="2304976"/>
+              <a:ext cx="905235" cy="400110"/>
+            </a:xfrm>
+            <a:prstGeom prst="rect">
+              <a:avLst/>
+            </a:prstGeom>
+            <a:noFill/>
+          </p:spPr>
           <p:txBody>
-            <a:bodyPr rtlCol="0" anchor="ctr"/>
+            <a:bodyPr wrap="square" rtlCol="0">
+              <a:spAutoFit/>
+            </a:bodyPr>
             <a:lstStyle/>
             <a:p>
               <a:pPr algn="ctr"/>
-              <a:endParaRPr lang="en-US"/>
+              <a:r>
+                <a:rPr lang="en-US" sz="1000" dirty="0">
+                  <a:latin typeface="Times New Roman" panose="02020603050405020304" pitchFamily="18" charset="0"/>
+                  <a:cs typeface="Times New Roman" panose="02020603050405020304" pitchFamily="18" charset="0"/>
+                </a:rPr>
+                <a:t>Element type </a:t>
+              </a:r>
+              <a:r>
+                <a:rPr lang="ru-RU" sz="1000" dirty="0">
+                  <a:latin typeface="Times New Roman" panose="02020603050405020304" pitchFamily="18" charset="0"/>
+                  <a:cs typeface="Times New Roman" panose="02020603050405020304" pitchFamily="18" charset="0"/>
+                </a:rPr>
+                <a:t>= </a:t>
+              </a:r>
+              <a:r>
+                <a:rPr lang="en-US" sz="1000" dirty="0">
+                  <a:latin typeface="Times New Roman" panose="02020603050405020304" pitchFamily="18" charset="0"/>
+                  <a:cs typeface="Times New Roman" panose="02020603050405020304" pitchFamily="18" charset="0"/>
+                </a:rPr>
+                <a:t>multilayer</a:t>
+              </a:r>
+              <a:endParaRPr lang="ru-RU" sz="1000" dirty="0">
+                <a:latin typeface="Times New Roman" panose="02020603050405020304" pitchFamily="18" charset="0"/>
+                <a:cs typeface="Times New Roman" panose="02020603050405020304" pitchFamily="18" charset="0"/>
+              </a:endParaRPr>
             </a:p>
           </p:txBody>
         </p:sp>
-        <p:sp>
-          <p:nvSpPr>
-            <p:cNvPr id="13" name="Rectangle: Rounded Corners 12">
+        <p:cxnSp>
+          <p:nvCxnSpPr>
+            <p:cNvPr id="49" name="Прямая со стрелкой 21">
               <a:extLst>
                 <a:ext uri="{FF2B5EF4-FFF2-40B4-BE49-F238E27FC236}">
-                  <a16:creationId xmlns:a16="http://schemas.microsoft.com/office/drawing/2014/main" id="{1B061E61-E60C-19C2-7C9F-472A1304E691}"/>
+                  <a16:creationId xmlns:a16="http://schemas.microsoft.com/office/drawing/2014/main" id="{41CB2477-43BA-6F0D-AB12-32F457E836C8}"/>
                 </a:ext>
               </a:extLst>
             </p:cNvPr>
-            <p:cNvSpPr/>
-            <p:nvPr/>
-          </p:nvSpPr>
-          <p:spPr>
-            <a:xfrm>
-              <a:off x="1955075" y="1484810"/>
-              <a:ext cx="2394856" cy="348343"/>
-            </a:xfrm>
-            <a:prstGeom prst="roundRect">
-              <a:avLst/>
-            </a:prstGeom>
-            <a:noFill/>
-            <a:ln w="19050">
+            <p:cNvCxnSpPr>
+              <a:cxnSpLocks/>
+              <a:stCxn id="50" idx="0"/>
+            </p:cNvCxnSpPr>
+            <p:nvPr/>
+          </p:nvCxnSpPr>
+          <p:spPr>
+            <a:xfrm flipH="1" flipV="1">
+              <a:off x="5730240" y="1907177"/>
+              <a:ext cx="313508" cy="371674"/>
+            </a:xfrm>
+            <a:prstGeom prst="straightConnector1">
+              <a:avLst/>
+            </a:prstGeom>
+            <a:ln w="6350">
               <a:solidFill>
-                <a:srgbClr val="FF0000"/>
+                <a:schemeClr val="tx1"/>
               </a:solidFill>
+              <a:tailEnd type="stealth" w="med" len="med"/>
             </a:ln>
           </p:spPr>
           <p:style>
-            <a:lnRef idx="2">
-              <a:schemeClr val="accent6"/>
+            <a:lnRef idx="1">
+              <a:schemeClr val="accent1"/>
             </a:lnRef>
-            <a:fillRef idx="1">
-              <a:schemeClr val="lt1"/>
+            <a:fillRef idx="0">
+              <a:schemeClr val="accent1"/>
             </a:fillRef>
             <a:effectRef idx="0">
-              <a:schemeClr val="accent6"/>
+              <a:schemeClr val="accent1"/>
             </a:effectRef>
             <a:fontRef idx="minor">
-              <a:schemeClr val="dk1"/>
+              <a:schemeClr val="tx1"/>
             </a:fontRef>
           </p:style>
+        </p:cxnSp>
+        <p:sp>
+          <p:nvSpPr>
+            <p:cNvPr id="50" name="TextBox 49">
+              <a:extLst>
+                <a:ext uri="{FF2B5EF4-FFF2-40B4-BE49-F238E27FC236}">
+                  <a16:creationId xmlns:a16="http://schemas.microsoft.com/office/drawing/2014/main" id="{6C2BA82E-268C-5F82-DE86-CD5C2B009A30}"/>
+                </a:ext>
+              </a:extLst>
+            </p:cNvPr>
+            <p:cNvSpPr txBox="1"/>
+            <p:nvPr/>
+          </p:nvSpPr>
+          <p:spPr>
+            <a:xfrm>
+              <a:off x="5521235" y="2278851"/>
+              <a:ext cx="1045026" cy="400110"/>
+            </a:xfrm>
+            <a:prstGeom prst="rect">
+              <a:avLst/>
+            </a:prstGeom>
+            <a:noFill/>
+          </p:spPr>
           <p:txBody>
-            <a:bodyPr rtlCol="0" anchor="ctr"/>
+            <a:bodyPr wrap="square" rtlCol="0">
+              <a:spAutoFit/>
+            </a:bodyPr>
             <a:lstStyle/>
             <a:p>
               <a:pPr algn="ctr"/>
-              <a:endParaRPr lang="en-US"/>
+              <a:r>
+                <a:rPr lang="en-US" sz="1000" dirty="0">
+                  <a:latin typeface="Times New Roman" panose="02020603050405020304" pitchFamily="18" charset="0"/>
+                  <a:cs typeface="Times New Roman" panose="02020603050405020304" pitchFamily="18" charset="0"/>
+                </a:rPr>
+                <a:t>Layers indices inside multilayer</a:t>
+              </a:r>
+              <a:endParaRPr lang="ru-RU" sz="1000" dirty="0">
+                <a:latin typeface="Times New Roman" panose="02020603050405020304" pitchFamily="18" charset="0"/>
+                <a:cs typeface="Times New Roman" panose="02020603050405020304" pitchFamily="18" charset="0"/>
+              </a:endParaRPr>
             </a:p>
           </p:txBody>
         </p:sp>
       </p:grpSp>
       <p:grpSp>
         <p:nvGrpSpPr>
-          <p:cNvPr id="18" name="Group 17">
+          <p:cNvPr id="57" name="Group 56">
             <a:extLst>
               <a:ext uri="{FF2B5EF4-FFF2-40B4-BE49-F238E27FC236}">
-                <a16:creationId xmlns:a16="http://schemas.microsoft.com/office/drawing/2014/main" id="{845E55CB-6546-3EAE-4AFC-502486CAD50B}"/>
+                <a16:creationId xmlns:a16="http://schemas.microsoft.com/office/drawing/2014/main" id="{B471C4C4-AB05-5465-0735-BA3E6CFF603F}"/>
               </a:ext>
             </a:extLst>
           </p:cNvPr>
@@ -5642,18 +6199,18 @@
         </p:nvGrpSpPr>
         <p:grpSpPr>
           <a:xfrm>
-            <a:off x="675799" y="2291375"/>
-            <a:ext cx="3105150" cy="1285875"/>
-            <a:chOff x="675799" y="2291375"/>
-            <a:chExt cx="3105150" cy="1285875"/>
+            <a:off x="5101817" y="2341745"/>
+            <a:ext cx="2416583" cy="1030105"/>
+            <a:chOff x="5101817" y="2341745"/>
+            <a:chExt cx="2416583" cy="1030105"/>
           </a:xfrm>
         </p:grpSpPr>
         <p:pic>
           <p:nvPicPr>
-            <p:cNvPr id="12" name="Рисунок 39">
+            <p:cNvPr id="55" name="Picture 54">
               <a:extLst>
                 <a:ext uri="{FF2B5EF4-FFF2-40B4-BE49-F238E27FC236}">
-                  <a16:creationId xmlns:a16="http://schemas.microsoft.com/office/drawing/2014/main" id="{9A1180A8-478C-23D3-AE41-36CBB61F3094}"/>
+                  <a16:creationId xmlns:a16="http://schemas.microsoft.com/office/drawing/2014/main" id="{AD119D65-4310-C202-46D2-EAB4F2BD6AE9}"/>
                 </a:ext>
               </a:extLst>
             </p:cNvPr>
@@ -5663,71 +6220,109 @@
             <p:nvPr/>
           </p:nvPicPr>
           <p:blipFill rotWithShape="1">
-            <a:blip r:embed="rId3"/>
-            <a:srcRect t="12723" b="65326"/>
+            <a:blip r:embed="rId4"/>
+            <a:srcRect l="1" r="41134" b="46726"/>
             <a:stretch/>
           </p:blipFill>
           <p:spPr>
             <a:xfrm>
-              <a:off x="675799" y="2291375"/>
-              <a:ext cx="3105150" cy="1285875"/>
+              <a:off x="5101817" y="2341745"/>
+              <a:ext cx="2416583" cy="1030105"/>
             </a:xfrm>
             <a:prstGeom prst="rect">
               <a:avLst/>
             </a:prstGeom>
           </p:spPr>
         </p:pic>
-        <p:sp>
-          <p:nvSpPr>
-            <p:cNvPr id="14" name="Rectangle: Rounded Corners 13">
+        <p:pic>
+          <p:nvPicPr>
+            <p:cNvPr id="56" name="Picture 55">
               <a:extLst>
                 <a:ext uri="{FF2B5EF4-FFF2-40B4-BE49-F238E27FC236}">
-                  <a16:creationId xmlns:a16="http://schemas.microsoft.com/office/drawing/2014/main" id="{2F434339-F6AD-5AA0-26B8-FB05441BE315}"/>
+                  <a16:creationId xmlns:a16="http://schemas.microsoft.com/office/drawing/2014/main" id="{D5178FAC-466C-BDD3-6FB5-C57A3F516264}"/>
                 </a:ext>
               </a:extLst>
             </p:cNvPr>
-            <p:cNvSpPr/>
-            <p:nvPr/>
-          </p:nvSpPr>
-          <p:spPr>
-            <a:xfrm>
-              <a:off x="966652" y="2838994"/>
-              <a:ext cx="2394856" cy="174171"/>
-            </a:xfrm>
-            <a:prstGeom prst="roundRect">
-              <a:avLst/>
-            </a:prstGeom>
-            <a:noFill/>
-            <a:ln w="19050">
-              <a:solidFill>
-                <a:srgbClr val="FF0000"/>
-              </a:solidFill>
-            </a:ln>
-          </p:spPr>
-          <p:style>
-            <a:lnRef idx="2">
-              <a:schemeClr val="accent6"/>
-            </a:lnRef>
-            <a:fillRef idx="1">
-              <a:schemeClr val="lt1"/>
-            </a:fillRef>
-            <a:effectRef idx="0">
-              <a:schemeClr val="accent6"/>
-            </a:effectRef>
-            <a:fontRef idx="minor">
-              <a:schemeClr val="dk1"/>
-            </a:fontRef>
-          </p:style>
-          <p:txBody>
-            <a:bodyPr rtlCol="0" anchor="ctr"/>
-            <a:lstStyle/>
-            <a:p>
-              <a:pPr algn="ctr"/>
-              <a:endParaRPr lang="en-US"/>
-            </a:p>
-          </p:txBody>
-        </p:sp>
+            <p:cNvPicPr>
+              <a:picLocks noChangeAspect="1"/>
+            </p:cNvPicPr>
+            <p:nvPr/>
+          </p:nvPicPr>
+          <p:blipFill rotWithShape="1">
+            <a:blip r:embed="rId5"/>
+            <a:srcRect l="19308" t="-1" r="44485" b="47054"/>
+            <a:stretch/>
+          </p:blipFill>
+          <p:spPr>
+            <a:xfrm>
+              <a:off x="5890426" y="2341745"/>
+              <a:ext cx="1486449" cy="1023755"/>
+            </a:xfrm>
+            <a:prstGeom prst="rect">
+              <a:avLst/>
+            </a:prstGeom>
+          </p:spPr>
+        </p:pic>
       </p:grpSp>
+      <p:pic>
+        <p:nvPicPr>
+          <p:cNvPr id="58" name="Picture 57">
+            <a:extLst>
+              <a:ext uri="{FF2B5EF4-FFF2-40B4-BE49-F238E27FC236}">
+                <a16:creationId xmlns:a16="http://schemas.microsoft.com/office/drawing/2014/main" id="{D950FE9A-1F42-2475-0927-C470D6BA2A95}"/>
+              </a:ext>
+            </a:extLst>
+          </p:cNvPr>
+          <p:cNvPicPr>
+            <a:picLocks noChangeAspect="1"/>
+          </p:cNvPicPr>
+          <p:nvPr/>
+        </p:nvPicPr>
+        <p:blipFill>
+          <a:blip r:embed="rId2"/>
+          <a:stretch>
+            <a:fillRect/>
+          </a:stretch>
+        </p:blipFill>
+        <p:spPr>
+          <a:xfrm>
+            <a:off x="4767808" y="4267610"/>
+            <a:ext cx="4105275" cy="1933575"/>
+          </a:xfrm>
+          <a:prstGeom prst="rect">
+            <a:avLst/>
+          </a:prstGeom>
+        </p:spPr>
+      </p:pic>
+      <p:pic>
+        <p:nvPicPr>
+          <p:cNvPr id="59" name="Picture 58">
+            <a:extLst>
+              <a:ext uri="{FF2B5EF4-FFF2-40B4-BE49-F238E27FC236}">
+                <a16:creationId xmlns:a16="http://schemas.microsoft.com/office/drawing/2014/main" id="{1883A2B3-B646-9720-6CAA-43183ED03E39}"/>
+              </a:ext>
+            </a:extLst>
+          </p:cNvPr>
+          <p:cNvPicPr>
+            <a:picLocks noChangeAspect="1"/>
+          </p:cNvPicPr>
+          <p:nvPr/>
+        </p:nvPicPr>
+        <p:blipFill rotWithShape="1">
+          <a:blip r:embed="rId2"/>
+          <a:srcRect l="845" t="69840" r="857" b="11605"/>
+          <a:stretch/>
+        </p:blipFill>
+        <p:spPr>
+          <a:xfrm>
+            <a:off x="511174" y="4975225"/>
+            <a:ext cx="4035425" cy="358775"/>
+          </a:xfrm>
+          <a:prstGeom prst="rect">
+            <a:avLst/>
+          </a:prstGeom>
+        </p:spPr>
+      </p:pic>
     </p:spTree>
     <p:extLst>
       <p:ext uri="{BB962C8B-B14F-4D97-AF65-F5344CB8AC3E}">

--- a/manual/Pictures 2.0/Pictures 2.0.pptx
+++ b/manual/Pictures 2.0/Pictures 2.0.pptx
@@ -16,12 +16,13 @@
     <p:sldId id="276" r:id="rId10"/>
     <p:sldId id="277" r:id="rId11"/>
     <p:sldId id="278" r:id="rId12"/>
-    <p:sldId id="264" r:id="rId13"/>
-    <p:sldId id="265" r:id="rId14"/>
-    <p:sldId id="266" r:id="rId15"/>
-    <p:sldId id="267" r:id="rId16"/>
-    <p:sldId id="268" r:id="rId17"/>
-    <p:sldId id="269" r:id="rId18"/>
+    <p:sldId id="279" r:id="rId13"/>
+    <p:sldId id="264" r:id="rId14"/>
+    <p:sldId id="265" r:id="rId15"/>
+    <p:sldId id="266" r:id="rId16"/>
+    <p:sldId id="267" r:id="rId17"/>
+    <p:sldId id="268" r:id="rId18"/>
+    <p:sldId id="269" r:id="rId19"/>
   </p:sldIdLst>
   <p:sldSz cx="9144000" cy="6858000" type="screen4x3"/>
   <p:notesSz cx="6858000" cy="9144000"/>
@@ -6355,6 +6356,166 @@
       </p:grpSpPr>
       <p:grpSp>
         <p:nvGrpSpPr>
+          <p:cNvPr id="8" name="Group 7">
+            <a:extLst>
+              <a:ext uri="{FF2B5EF4-FFF2-40B4-BE49-F238E27FC236}">
+                <a16:creationId xmlns:a16="http://schemas.microsoft.com/office/drawing/2014/main" id="{4E1D8256-E45B-E9F9-2D7F-2AE7F2FC0A84}"/>
+              </a:ext>
+            </a:extLst>
+          </p:cNvPr>
+          <p:cNvGrpSpPr/>
+          <p:nvPr/>
+        </p:nvGrpSpPr>
+        <p:grpSpPr>
+          <a:xfrm>
+            <a:off x="1143952" y="1272539"/>
+            <a:ext cx="3762375" cy="967741"/>
+            <a:chOff x="1143952" y="1272539"/>
+            <a:chExt cx="3762375" cy="967741"/>
+          </a:xfrm>
+        </p:grpSpPr>
+        <p:pic>
+          <p:nvPicPr>
+            <p:cNvPr id="6" name="Picture 5">
+              <a:extLst>
+                <a:ext uri="{FF2B5EF4-FFF2-40B4-BE49-F238E27FC236}">
+                  <a16:creationId xmlns:a16="http://schemas.microsoft.com/office/drawing/2014/main" id="{28F8284A-39BD-B28A-5655-B6650BF2D92C}"/>
+                </a:ext>
+              </a:extLst>
+            </p:cNvPr>
+            <p:cNvPicPr>
+              <a:picLocks noChangeAspect="1"/>
+            </p:cNvPicPr>
+            <p:nvPr/>
+          </p:nvPicPr>
+          <p:blipFill rotWithShape="1">
+            <a:blip r:embed="rId2"/>
+            <a:srcRect t="14555" b="67367"/>
+            <a:stretch/>
+          </p:blipFill>
+          <p:spPr>
+            <a:xfrm>
+              <a:off x="1143952" y="1272539"/>
+              <a:ext cx="3762375" cy="967741"/>
+            </a:xfrm>
+            <a:prstGeom prst="rect">
+              <a:avLst/>
+            </a:prstGeom>
+          </p:spPr>
+        </p:pic>
+        <p:sp>
+          <p:nvSpPr>
+            <p:cNvPr id="7" name="Rectangle: Rounded Corners 6">
+              <a:extLst>
+                <a:ext uri="{FF2B5EF4-FFF2-40B4-BE49-F238E27FC236}">
+                  <a16:creationId xmlns:a16="http://schemas.microsoft.com/office/drawing/2014/main" id="{6B2533EC-64E1-FE53-97DE-027DE0845198}"/>
+                </a:ext>
+              </a:extLst>
+            </p:cNvPr>
+            <p:cNvSpPr/>
+            <p:nvPr/>
+          </p:nvSpPr>
+          <p:spPr>
+            <a:xfrm>
+              <a:off x="1279072" y="1452155"/>
+              <a:ext cx="3437708" cy="170906"/>
+            </a:xfrm>
+            <a:prstGeom prst="roundRect">
+              <a:avLst/>
+            </a:prstGeom>
+            <a:noFill/>
+            <a:ln w="19050">
+              <a:solidFill>
+                <a:srgbClr val="FF0000"/>
+              </a:solidFill>
+            </a:ln>
+          </p:spPr>
+          <p:style>
+            <a:lnRef idx="2">
+              <a:schemeClr val="accent6"/>
+            </a:lnRef>
+            <a:fillRef idx="1">
+              <a:schemeClr val="lt1"/>
+            </a:fillRef>
+            <a:effectRef idx="0">
+              <a:schemeClr val="accent6"/>
+            </a:effectRef>
+            <a:fontRef idx="minor">
+              <a:schemeClr val="dk1"/>
+            </a:fontRef>
+          </p:style>
+          <p:txBody>
+            <a:bodyPr rtlCol="0" anchor="ctr"/>
+            <a:lstStyle/>
+            <a:p>
+              <a:pPr algn="ctr"/>
+              <a:endParaRPr lang="en-US"/>
+            </a:p>
+          </p:txBody>
+        </p:sp>
+      </p:grpSp>
+      <p:pic>
+        <p:nvPicPr>
+          <p:cNvPr id="9" name="Picture 8">
+            <a:extLst>
+              <a:ext uri="{FF2B5EF4-FFF2-40B4-BE49-F238E27FC236}">
+                <a16:creationId xmlns:a16="http://schemas.microsoft.com/office/drawing/2014/main" id="{B5559798-4B7B-EDDA-049D-EADDA99E3C6C}"/>
+              </a:ext>
+            </a:extLst>
+          </p:cNvPr>
+          <p:cNvPicPr>
+            <a:picLocks noChangeAspect="1"/>
+          </p:cNvPicPr>
+          <p:nvPr/>
+        </p:nvPicPr>
+        <p:blipFill>
+          <a:blip r:embed="rId3"/>
+          <a:stretch>
+            <a:fillRect/>
+          </a:stretch>
+        </p:blipFill>
+        <p:spPr>
+          <a:xfrm>
+            <a:off x="2224087" y="2595562"/>
+            <a:ext cx="4695825" cy="1666875"/>
+          </a:xfrm>
+          <a:prstGeom prst="rect">
+            <a:avLst/>
+          </a:prstGeom>
+        </p:spPr>
+      </p:pic>
+    </p:spTree>
+    <p:extLst>
+      <p:ext uri="{BB962C8B-B14F-4D97-AF65-F5344CB8AC3E}">
+        <p14:creationId xmlns:p14="http://schemas.microsoft.com/office/powerpoint/2010/main" val="3386832023"/>
+      </p:ext>
+    </p:extLst>
+  </p:cSld>
+  <p:clrMapOvr>
+    <a:masterClrMapping/>
+  </p:clrMapOvr>
+</p:sld>
+</file>
+
+<file path=ppt/slides/slide13.xml><?xml version="1.0" encoding="utf-8"?>
+<p:sld xmlns:a="http://schemas.openxmlformats.org/drawingml/2006/main" xmlns:r="http://schemas.openxmlformats.org/officeDocument/2006/relationships" xmlns:p="http://schemas.openxmlformats.org/presentationml/2006/main">
+  <p:cSld>
+    <p:spTree>
+      <p:nvGrpSpPr>
+        <p:cNvPr id="1" name=""/>
+        <p:cNvGrpSpPr/>
+        <p:nvPr/>
+      </p:nvGrpSpPr>
+      <p:grpSpPr>
+        <a:xfrm>
+          <a:off x="0" y="0"/>
+          <a:ext cx="0" cy="0"/>
+          <a:chOff x="0" y="0"/>
+          <a:chExt cx="0" cy="0"/>
+        </a:xfrm>
+      </p:grpSpPr>
+      <p:grpSp>
+        <p:nvGrpSpPr>
           <p:cNvPr id="31" name="Группа 30"/>
           <p:cNvGrpSpPr/>
           <p:nvPr/>
@@ -7131,7 +7292,7 @@
 </p:sld>
 </file>
 
-<file path=ppt/slides/slide13.xml><?xml version="1.0" encoding="utf-8"?>
+<file path=ppt/slides/slide14.xml><?xml version="1.0" encoding="utf-8"?>
 <p:sld xmlns:a="http://schemas.openxmlformats.org/drawingml/2006/main" xmlns:r="http://schemas.openxmlformats.org/officeDocument/2006/relationships" xmlns:p="http://schemas.openxmlformats.org/presentationml/2006/main">
   <p:cSld>
     <p:spTree>
@@ -8100,7 +8261,7 @@
 </p:sld>
 </file>
 
-<file path=ppt/slides/slide14.xml><?xml version="1.0" encoding="utf-8"?>
+<file path=ppt/slides/slide15.xml><?xml version="1.0" encoding="utf-8"?>
 <p:sld xmlns:a="http://schemas.openxmlformats.org/drawingml/2006/main" xmlns:r="http://schemas.openxmlformats.org/officeDocument/2006/relationships" xmlns:p="http://schemas.openxmlformats.org/presentationml/2006/main">
   <p:cSld>
     <p:spTree>
@@ -8674,7 +8835,7 @@
 </p:sld>
 </file>
 
-<file path=ppt/slides/slide15.xml><?xml version="1.0" encoding="utf-8"?>
+<file path=ppt/slides/slide16.xml><?xml version="1.0" encoding="utf-8"?>
 <p:sld xmlns:a="http://schemas.openxmlformats.org/drawingml/2006/main" xmlns:r="http://schemas.openxmlformats.org/officeDocument/2006/relationships" xmlns:p="http://schemas.openxmlformats.org/presentationml/2006/main">
   <p:cSld>
     <p:spTree>
@@ -10459,7 +10620,7 @@
 </p:sld>
 </file>
 
-<file path=ppt/slides/slide16.xml><?xml version="1.0" encoding="utf-8"?>
+<file path=ppt/slides/slide17.xml><?xml version="1.0" encoding="utf-8"?>
 <p:sld xmlns:a="http://schemas.openxmlformats.org/drawingml/2006/main" xmlns:r="http://schemas.openxmlformats.org/officeDocument/2006/relationships" xmlns:p="http://schemas.openxmlformats.org/presentationml/2006/main">
   <p:cSld>
     <p:spTree>
@@ -10574,7 +10735,7 @@
 </p:sld>
 </file>
 
-<file path=ppt/slides/slide17.xml><?xml version="1.0" encoding="utf-8"?>
+<file path=ppt/slides/slide18.xml><?xml version="1.0" encoding="utf-8"?>
 <p:sld xmlns:a="http://schemas.openxmlformats.org/drawingml/2006/main" xmlns:r="http://schemas.openxmlformats.org/officeDocument/2006/relationships" xmlns:p="http://schemas.openxmlformats.org/presentationml/2006/main">
   <p:cSld>
     <p:spTree>

--- a/manual/Pictures 2.0/Pictures 2.0.pptx
+++ b/manual/Pictures 2.0/Pictures 2.0.pptx
@@ -271,7 +271,7 @@
           <a:p>
             <a:fld id="{55465C39-D47E-4138-800A-7D6CA5F3257E}" type="datetimeFigureOut">
               <a:rPr lang="ru-RU" smtClean="0"/>
-              <a:t>01.10.2022</a:t>
+              <a:t>09.10.2022</a:t>
             </a:fld>
             <a:endParaRPr lang="ru-RU"/>
           </a:p>
@@ -441,7 +441,7 @@
           <a:p>
             <a:fld id="{55465C39-D47E-4138-800A-7D6CA5F3257E}" type="datetimeFigureOut">
               <a:rPr lang="ru-RU" smtClean="0"/>
-              <a:t>01.10.2022</a:t>
+              <a:t>09.10.2022</a:t>
             </a:fld>
             <a:endParaRPr lang="ru-RU"/>
           </a:p>
@@ -621,7 +621,7 @@
           <a:p>
             <a:fld id="{55465C39-D47E-4138-800A-7D6CA5F3257E}" type="datetimeFigureOut">
               <a:rPr lang="ru-RU" smtClean="0"/>
-              <a:t>01.10.2022</a:t>
+              <a:t>09.10.2022</a:t>
             </a:fld>
             <a:endParaRPr lang="ru-RU"/>
           </a:p>
@@ -791,7 +791,7 @@
           <a:p>
             <a:fld id="{55465C39-D47E-4138-800A-7D6CA5F3257E}" type="datetimeFigureOut">
               <a:rPr lang="ru-RU" smtClean="0"/>
-              <a:t>01.10.2022</a:t>
+              <a:t>09.10.2022</a:t>
             </a:fld>
             <a:endParaRPr lang="ru-RU"/>
           </a:p>
@@ -1035,7 +1035,7 @@
           <a:p>
             <a:fld id="{55465C39-D47E-4138-800A-7D6CA5F3257E}" type="datetimeFigureOut">
               <a:rPr lang="ru-RU" smtClean="0"/>
-              <a:t>01.10.2022</a:t>
+              <a:t>09.10.2022</a:t>
             </a:fld>
             <a:endParaRPr lang="ru-RU"/>
           </a:p>
@@ -1267,7 +1267,7 @@
           <a:p>
             <a:fld id="{55465C39-D47E-4138-800A-7D6CA5F3257E}" type="datetimeFigureOut">
               <a:rPr lang="ru-RU" smtClean="0"/>
-              <a:t>01.10.2022</a:t>
+              <a:t>09.10.2022</a:t>
             </a:fld>
             <a:endParaRPr lang="ru-RU"/>
           </a:p>
@@ -1634,7 +1634,7 @@
           <a:p>
             <a:fld id="{55465C39-D47E-4138-800A-7D6CA5F3257E}" type="datetimeFigureOut">
               <a:rPr lang="ru-RU" smtClean="0"/>
-              <a:t>01.10.2022</a:t>
+              <a:t>09.10.2022</a:t>
             </a:fld>
             <a:endParaRPr lang="ru-RU"/>
           </a:p>
@@ -1752,7 +1752,7 @@
           <a:p>
             <a:fld id="{55465C39-D47E-4138-800A-7D6CA5F3257E}" type="datetimeFigureOut">
               <a:rPr lang="ru-RU" smtClean="0"/>
-              <a:t>01.10.2022</a:t>
+              <a:t>09.10.2022</a:t>
             </a:fld>
             <a:endParaRPr lang="ru-RU"/>
           </a:p>
@@ -1847,7 +1847,7 @@
           <a:p>
             <a:fld id="{55465C39-D47E-4138-800A-7D6CA5F3257E}" type="datetimeFigureOut">
               <a:rPr lang="ru-RU" smtClean="0"/>
-              <a:t>01.10.2022</a:t>
+              <a:t>09.10.2022</a:t>
             </a:fld>
             <a:endParaRPr lang="ru-RU"/>
           </a:p>
@@ -2124,7 +2124,7 @@
           <a:p>
             <a:fld id="{55465C39-D47E-4138-800A-7D6CA5F3257E}" type="datetimeFigureOut">
               <a:rPr lang="ru-RU" smtClean="0"/>
-              <a:t>01.10.2022</a:t>
+              <a:t>09.10.2022</a:t>
             </a:fld>
             <a:endParaRPr lang="ru-RU"/>
           </a:p>
@@ -2381,7 +2381,7 @@
           <a:p>
             <a:fld id="{55465C39-D47E-4138-800A-7D6CA5F3257E}" type="datetimeFigureOut">
               <a:rPr lang="ru-RU" smtClean="0"/>
-              <a:t>01.10.2022</a:t>
+              <a:t>09.10.2022</a:t>
             </a:fld>
             <a:endParaRPr lang="ru-RU"/>
           </a:p>
@@ -2594,7 +2594,7 @@
           <a:p>
             <a:fld id="{55465C39-D47E-4138-800A-7D6CA5F3257E}" type="datetimeFigureOut">
               <a:rPr lang="ru-RU" smtClean="0"/>
-              <a:t>01.10.2022</a:t>
+              <a:t>09.10.2022</a:t>
             </a:fld>
             <a:endParaRPr lang="ru-RU"/>
           </a:p>
@@ -6368,7 +6368,7 @@
         </p:nvGrpSpPr>
         <p:grpSpPr>
           <a:xfrm>
-            <a:off x="1143952" y="1272539"/>
+            <a:off x="368889" y="288470"/>
             <a:ext cx="3762375" cy="967741"/>
             <a:chOff x="1143952" y="1272539"/>
             <a:chExt cx="3762375" cy="967741"/>
@@ -6419,6 +6419,1109 @@
             <a:xfrm>
               <a:off x="1279072" y="1452155"/>
               <a:ext cx="3437708" cy="170906"/>
+            </a:xfrm>
+            <a:prstGeom prst="roundRect">
+              <a:avLst/>
+            </a:prstGeom>
+            <a:noFill/>
+            <a:ln w="19050">
+              <a:solidFill>
+                <a:srgbClr val="FF0000"/>
+              </a:solidFill>
+            </a:ln>
+          </p:spPr>
+          <p:style>
+            <a:lnRef idx="2">
+              <a:schemeClr val="accent6"/>
+            </a:lnRef>
+            <a:fillRef idx="1">
+              <a:schemeClr val="lt1"/>
+            </a:fillRef>
+            <a:effectRef idx="0">
+              <a:schemeClr val="accent6"/>
+            </a:effectRef>
+            <a:fontRef idx="minor">
+              <a:schemeClr val="dk1"/>
+            </a:fontRef>
+          </p:style>
+          <p:txBody>
+            <a:bodyPr rtlCol="0" anchor="ctr"/>
+            <a:lstStyle/>
+            <a:p>
+              <a:pPr algn="ctr"/>
+              <a:endParaRPr lang="en-US"/>
+            </a:p>
+          </p:txBody>
+        </p:sp>
+      </p:grpSp>
+      <p:grpSp>
+        <p:nvGrpSpPr>
+          <p:cNvPr id="16" name="Group 15">
+            <a:extLst>
+              <a:ext uri="{FF2B5EF4-FFF2-40B4-BE49-F238E27FC236}">
+                <a16:creationId xmlns:a16="http://schemas.microsoft.com/office/drawing/2014/main" id="{C8C628F3-64BA-916A-8EEE-4D9EA972DA99}"/>
+              </a:ext>
+            </a:extLst>
+          </p:cNvPr>
+          <p:cNvGrpSpPr/>
+          <p:nvPr/>
+        </p:nvGrpSpPr>
+        <p:grpSpPr>
+          <a:xfrm>
+            <a:off x="4389120" y="287790"/>
+            <a:ext cx="2438398" cy="1221355"/>
+            <a:chOff x="5286103" y="305207"/>
+            <a:chExt cx="2438398" cy="1221355"/>
+          </a:xfrm>
+        </p:grpSpPr>
+        <p:pic>
+          <p:nvPicPr>
+            <p:cNvPr id="9" name="Picture 8">
+              <a:extLst>
+                <a:ext uri="{FF2B5EF4-FFF2-40B4-BE49-F238E27FC236}">
+                  <a16:creationId xmlns:a16="http://schemas.microsoft.com/office/drawing/2014/main" id="{B5559798-4B7B-EDDA-049D-EADDA99E3C6C}"/>
+                </a:ext>
+              </a:extLst>
+            </p:cNvPr>
+            <p:cNvPicPr>
+              <a:picLocks noChangeAspect="1"/>
+            </p:cNvPicPr>
+            <p:nvPr/>
+          </p:nvPicPr>
+          <p:blipFill rotWithShape="1">
+            <a:blip r:embed="rId3"/>
+            <a:srcRect r="61869" b="82784"/>
+            <a:stretch/>
+          </p:blipFill>
+          <p:spPr>
+            <a:xfrm>
+              <a:off x="5385298" y="305207"/>
+              <a:ext cx="1790565" cy="286976"/>
+            </a:xfrm>
+            <a:prstGeom prst="rect">
+              <a:avLst/>
+            </a:prstGeom>
+          </p:spPr>
+        </p:pic>
+        <p:cxnSp>
+          <p:nvCxnSpPr>
+            <p:cNvPr id="12" name="Прямая со стрелкой 21">
+              <a:extLst>
+                <a:ext uri="{FF2B5EF4-FFF2-40B4-BE49-F238E27FC236}">
+                  <a16:creationId xmlns:a16="http://schemas.microsoft.com/office/drawing/2014/main" id="{AC4D6922-18CE-B2AA-1170-66FE4379DCCC}"/>
+                </a:ext>
+              </a:extLst>
+            </p:cNvPr>
+            <p:cNvCxnSpPr>
+              <a:cxnSpLocks/>
+              <a:stCxn id="13" idx="0"/>
+            </p:cNvCxnSpPr>
+            <p:nvPr/>
+          </p:nvCxnSpPr>
+          <p:spPr>
+            <a:xfrm flipV="1">
+              <a:off x="5793149" y="562517"/>
+              <a:ext cx="413092" cy="410047"/>
+            </a:xfrm>
+            <a:prstGeom prst="straightConnector1">
+              <a:avLst/>
+            </a:prstGeom>
+            <a:ln w="6350">
+              <a:solidFill>
+                <a:schemeClr val="tx1"/>
+              </a:solidFill>
+              <a:tailEnd type="stealth" w="med" len="med"/>
+            </a:ln>
+          </p:spPr>
+          <p:style>
+            <a:lnRef idx="1">
+              <a:schemeClr val="accent1"/>
+            </a:lnRef>
+            <a:fillRef idx="0">
+              <a:schemeClr val="accent1"/>
+            </a:fillRef>
+            <a:effectRef idx="0">
+              <a:schemeClr val="accent1"/>
+            </a:effectRef>
+            <a:fontRef idx="minor">
+              <a:schemeClr val="tx1"/>
+            </a:fontRef>
+          </p:style>
+        </p:cxnSp>
+        <p:sp>
+          <p:nvSpPr>
+            <p:cNvPr id="13" name="TextBox 12">
+              <a:extLst>
+                <a:ext uri="{FF2B5EF4-FFF2-40B4-BE49-F238E27FC236}">
+                  <a16:creationId xmlns:a16="http://schemas.microsoft.com/office/drawing/2014/main" id="{DC211442-9C05-DDD5-EFDF-164D35BFC9BE}"/>
+                </a:ext>
+              </a:extLst>
+            </p:cNvPr>
+            <p:cNvSpPr txBox="1"/>
+            <p:nvPr/>
+          </p:nvSpPr>
+          <p:spPr>
+            <a:xfrm>
+              <a:off x="5286103" y="972564"/>
+              <a:ext cx="1014092" cy="553998"/>
+            </a:xfrm>
+            <a:prstGeom prst="rect">
+              <a:avLst/>
+            </a:prstGeom>
+            <a:noFill/>
+          </p:spPr>
+          <p:txBody>
+            <a:bodyPr wrap="square" rtlCol="0">
+              <a:spAutoFit/>
+            </a:bodyPr>
+            <a:lstStyle/>
+            <a:p>
+              <a:pPr algn="ctr"/>
+              <a:r>
+                <a:rPr lang="ru-RU" sz="1000" dirty="0">
+                  <a:latin typeface="Times New Roman" panose="02020603050405020304" pitchFamily="18" charset="0"/>
+                  <a:cs typeface="Times New Roman" panose="02020603050405020304" pitchFamily="18" charset="0"/>
+                </a:rPr>
+                <a:t>Тип элемента = регулярная апериодика</a:t>
+              </a:r>
+            </a:p>
+          </p:txBody>
+        </p:sp>
+        <p:cxnSp>
+          <p:nvCxnSpPr>
+            <p:cNvPr id="14" name="Прямая со стрелкой 21">
+              <a:extLst>
+                <a:ext uri="{FF2B5EF4-FFF2-40B4-BE49-F238E27FC236}">
+                  <a16:creationId xmlns:a16="http://schemas.microsoft.com/office/drawing/2014/main" id="{FF7B8A82-5A8C-0771-6609-D859CAC516A9}"/>
+                </a:ext>
+              </a:extLst>
+            </p:cNvPr>
+            <p:cNvCxnSpPr>
+              <a:cxnSpLocks/>
+              <a:stCxn id="15" idx="0"/>
+            </p:cNvCxnSpPr>
+            <p:nvPr/>
+          </p:nvCxnSpPr>
+          <p:spPr>
+            <a:xfrm flipH="1" flipV="1">
+              <a:off x="6740434" y="592183"/>
+              <a:ext cx="326571" cy="354256"/>
+            </a:xfrm>
+            <a:prstGeom prst="straightConnector1">
+              <a:avLst/>
+            </a:prstGeom>
+            <a:ln w="6350">
+              <a:solidFill>
+                <a:schemeClr val="tx1"/>
+              </a:solidFill>
+              <a:tailEnd type="stealth" w="med" len="med"/>
+            </a:ln>
+          </p:spPr>
+          <p:style>
+            <a:lnRef idx="1">
+              <a:schemeClr val="accent1"/>
+            </a:lnRef>
+            <a:fillRef idx="0">
+              <a:schemeClr val="accent1"/>
+            </a:fillRef>
+            <a:effectRef idx="0">
+              <a:schemeClr val="accent1"/>
+            </a:effectRef>
+            <a:fontRef idx="minor">
+              <a:schemeClr val="tx1"/>
+            </a:fontRef>
+          </p:style>
+        </p:cxnSp>
+        <p:sp>
+          <p:nvSpPr>
+            <p:cNvPr id="15" name="TextBox 14">
+              <a:extLst>
+                <a:ext uri="{FF2B5EF4-FFF2-40B4-BE49-F238E27FC236}">
+                  <a16:creationId xmlns:a16="http://schemas.microsoft.com/office/drawing/2014/main" id="{510418B2-85FD-8C82-6001-4FE10F9AEA34}"/>
+                </a:ext>
+              </a:extLst>
+            </p:cNvPr>
+            <p:cNvSpPr txBox="1"/>
+            <p:nvPr/>
+          </p:nvSpPr>
+          <p:spPr>
+            <a:xfrm>
+              <a:off x="6409509" y="946439"/>
+              <a:ext cx="1314992" cy="400110"/>
+            </a:xfrm>
+            <a:prstGeom prst="rect">
+              <a:avLst/>
+            </a:prstGeom>
+            <a:noFill/>
+          </p:spPr>
+          <p:txBody>
+            <a:bodyPr wrap="square" rtlCol="0">
+              <a:spAutoFit/>
+            </a:bodyPr>
+            <a:lstStyle/>
+            <a:p>
+              <a:pPr algn="ctr"/>
+              <a:r>
+                <a:rPr lang="ru-RU" sz="1000" dirty="0">
+                  <a:latin typeface="Times New Roman" panose="02020603050405020304" pitchFamily="18" charset="0"/>
+                  <a:cs typeface="Times New Roman" panose="02020603050405020304" pitchFamily="18" charset="0"/>
+                </a:rPr>
+                <a:t>Индексы слоёв внутри апериодики</a:t>
+              </a:r>
+            </a:p>
+          </p:txBody>
+        </p:sp>
+      </p:grpSp>
+      <p:grpSp>
+        <p:nvGrpSpPr>
+          <p:cNvPr id="17" name="Group 16">
+            <a:extLst>
+              <a:ext uri="{FF2B5EF4-FFF2-40B4-BE49-F238E27FC236}">
+                <a16:creationId xmlns:a16="http://schemas.microsoft.com/office/drawing/2014/main" id="{0F9685CE-2CDB-A343-B4E6-B64ED431425F}"/>
+              </a:ext>
+            </a:extLst>
+          </p:cNvPr>
+          <p:cNvGrpSpPr/>
+          <p:nvPr/>
+        </p:nvGrpSpPr>
+        <p:grpSpPr>
+          <a:xfrm>
+            <a:off x="6879771" y="196350"/>
+            <a:ext cx="2351315" cy="1067467"/>
+            <a:chOff x="5246914" y="305207"/>
+            <a:chExt cx="2351315" cy="1067467"/>
+          </a:xfrm>
+        </p:grpSpPr>
+        <p:pic>
+          <p:nvPicPr>
+            <p:cNvPr id="18" name="Picture 17">
+              <a:extLst>
+                <a:ext uri="{FF2B5EF4-FFF2-40B4-BE49-F238E27FC236}">
+                  <a16:creationId xmlns:a16="http://schemas.microsoft.com/office/drawing/2014/main" id="{1430A0E6-BF05-0F67-17AD-5051AE3C2862}"/>
+                </a:ext>
+              </a:extLst>
+            </p:cNvPr>
+            <p:cNvPicPr>
+              <a:picLocks noChangeAspect="1"/>
+            </p:cNvPicPr>
+            <p:nvPr/>
+          </p:nvPicPr>
+          <p:blipFill rotWithShape="1">
+            <a:blip r:embed="rId3"/>
+            <a:srcRect r="61869" b="82784"/>
+            <a:stretch/>
+          </p:blipFill>
+          <p:spPr>
+            <a:xfrm>
+              <a:off x="5385298" y="305207"/>
+              <a:ext cx="1790565" cy="286976"/>
+            </a:xfrm>
+            <a:prstGeom prst="rect">
+              <a:avLst/>
+            </a:prstGeom>
+          </p:spPr>
+        </p:pic>
+        <p:cxnSp>
+          <p:nvCxnSpPr>
+            <p:cNvPr id="19" name="Прямая со стрелкой 21">
+              <a:extLst>
+                <a:ext uri="{FF2B5EF4-FFF2-40B4-BE49-F238E27FC236}">
+                  <a16:creationId xmlns:a16="http://schemas.microsoft.com/office/drawing/2014/main" id="{16042907-C006-293B-D0FB-4534ECA53BED}"/>
+                </a:ext>
+              </a:extLst>
+            </p:cNvPr>
+            <p:cNvCxnSpPr>
+              <a:cxnSpLocks/>
+              <a:stCxn id="20" idx="0"/>
+            </p:cNvCxnSpPr>
+            <p:nvPr/>
+          </p:nvCxnSpPr>
+          <p:spPr>
+            <a:xfrm flipV="1">
+              <a:off x="5773555" y="562517"/>
+              <a:ext cx="432686" cy="410047"/>
+            </a:xfrm>
+            <a:prstGeom prst="straightConnector1">
+              <a:avLst/>
+            </a:prstGeom>
+            <a:ln w="6350">
+              <a:solidFill>
+                <a:schemeClr val="tx1"/>
+              </a:solidFill>
+              <a:tailEnd type="stealth" w="med" len="med"/>
+            </a:ln>
+          </p:spPr>
+          <p:style>
+            <a:lnRef idx="1">
+              <a:schemeClr val="accent1"/>
+            </a:lnRef>
+            <a:fillRef idx="0">
+              <a:schemeClr val="accent1"/>
+            </a:fillRef>
+            <a:effectRef idx="0">
+              <a:schemeClr val="accent1"/>
+            </a:effectRef>
+            <a:fontRef idx="minor">
+              <a:schemeClr val="tx1"/>
+            </a:fontRef>
+          </p:style>
+        </p:cxnSp>
+        <p:sp>
+          <p:nvSpPr>
+            <p:cNvPr id="20" name="TextBox 19">
+              <a:extLst>
+                <a:ext uri="{FF2B5EF4-FFF2-40B4-BE49-F238E27FC236}">
+                  <a16:creationId xmlns:a16="http://schemas.microsoft.com/office/drawing/2014/main" id="{9220D85D-0FA1-B4D3-9A7D-960E8F4BCBF0}"/>
+                </a:ext>
+              </a:extLst>
+            </p:cNvPr>
+            <p:cNvSpPr txBox="1"/>
+            <p:nvPr/>
+          </p:nvSpPr>
+          <p:spPr>
+            <a:xfrm>
+              <a:off x="5246914" y="972564"/>
+              <a:ext cx="1053281" cy="400110"/>
+            </a:xfrm>
+            <a:prstGeom prst="rect">
+              <a:avLst/>
+            </a:prstGeom>
+            <a:noFill/>
+          </p:spPr>
+          <p:txBody>
+            <a:bodyPr wrap="square" rtlCol="0">
+              <a:spAutoFit/>
+            </a:bodyPr>
+            <a:lstStyle/>
+            <a:p>
+              <a:pPr algn="ctr"/>
+              <a:r>
+                <a:rPr lang="en-US" sz="1000" dirty="0">
+                  <a:latin typeface="Times New Roman" panose="02020603050405020304" pitchFamily="18" charset="0"/>
+                  <a:cs typeface="Times New Roman" panose="02020603050405020304" pitchFamily="18" charset="0"/>
+                </a:rPr>
+                <a:t>Element type </a:t>
+              </a:r>
+              <a:r>
+                <a:rPr lang="ru-RU" sz="1000" dirty="0">
+                  <a:latin typeface="Times New Roman" panose="02020603050405020304" pitchFamily="18" charset="0"/>
+                  <a:cs typeface="Times New Roman" panose="02020603050405020304" pitchFamily="18" charset="0"/>
+                </a:rPr>
+                <a:t>= </a:t>
+              </a:r>
+              <a:r>
+                <a:rPr lang="en-US" sz="1000" dirty="0">
+                  <a:latin typeface="Times New Roman" panose="02020603050405020304" pitchFamily="18" charset="0"/>
+                  <a:cs typeface="Times New Roman" panose="02020603050405020304" pitchFamily="18" charset="0"/>
+                </a:rPr>
+                <a:t>regular aperiodic</a:t>
+              </a:r>
+              <a:endParaRPr lang="ru-RU" sz="1000" dirty="0">
+                <a:latin typeface="Times New Roman" panose="02020603050405020304" pitchFamily="18" charset="0"/>
+                <a:cs typeface="Times New Roman" panose="02020603050405020304" pitchFamily="18" charset="0"/>
+              </a:endParaRPr>
+            </a:p>
+          </p:txBody>
+        </p:sp>
+        <p:cxnSp>
+          <p:nvCxnSpPr>
+            <p:cNvPr id="21" name="Прямая со стрелкой 21">
+              <a:extLst>
+                <a:ext uri="{FF2B5EF4-FFF2-40B4-BE49-F238E27FC236}">
+                  <a16:creationId xmlns:a16="http://schemas.microsoft.com/office/drawing/2014/main" id="{1E7D44D3-8800-666A-2C9E-B7B5D707F81E}"/>
+                </a:ext>
+              </a:extLst>
+            </p:cNvPr>
+            <p:cNvCxnSpPr>
+              <a:cxnSpLocks/>
+              <a:stCxn id="22" idx="0"/>
+            </p:cNvCxnSpPr>
+            <p:nvPr/>
+          </p:nvCxnSpPr>
+          <p:spPr>
+            <a:xfrm flipH="1" flipV="1">
+              <a:off x="6740434" y="592183"/>
+              <a:ext cx="263435" cy="354256"/>
+            </a:xfrm>
+            <a:prstGeom prst="straightConnector1">
+              <a:avLst/>
+            </a:prstGeom>
+            <a:ln w="6350">
+              <a:solidFill>
+                <a:schemeClr val="tx1"/>
+              </a:solidFill>
+              <a:tailEnd type="stealth" w="med" len="med"/>
+            </a:ln>
+          </p:spPr>
+          <p:style>
+            <a:lnRef idx="1">
+              <a:schemeClr val="accent1"/>
+            </a:lnRef>
+            <a:fillRef idx="0">
+              <a:schemeClr val="accent1"/>
+            </a:fillRef>
+            <a:effectRef idx="0">
+              <a:schemeClr val="accent1"/>
+            </a:effectRef>
+            <a:fontRef idx="minor">
+              <a:schemeClr val="tx1"/>
+            </a:fontRef>
+          </p:style>
+        </p:cxnSp>
+        <p:sp>
+          <p:nvSpPr>
+            <p:cNvPr id="22" name="TextBox 21">
+              <a:extLst>
+                <a:ext uri="{FF2B5EF4-FFF2-40B4-BE49-F238E27FC236}">
+                  <a16:creationId xmlns:a16="http://schemas.microsoft.com/office/drawing/2014/main" id="{89401466-CA74-4AA7-F9A8-F04BB0947926}"/>
+                </a:ext>
+              </a:extLst>
+            </p:cNvPr>
+            <p:cNvSpPr txBox="1"/>
+            <p:nvPr/>
+          </p:nvSpPr>
+          <p:spPr>
+            <a:xfrm>
+              <a:off x="6409509" y="946439"/>
+              <a:ext cx="1188720" cy="400110"/>
+            </a:xfrm>
+            <a:prstGeom prst="rect">
+              <a:avLst/>
+            </a:prstGeom>
+            <a:noFill/>
+          </p:spPr>
+          <p:txBody>
+            <a:bodyPr wrap="square" rtlCol="0">
+              <a:spAutoFit/>
+            </a:bodyPr>
+            <a:lstStyle/>
+            <a:p>
+              <a:pPr algn="ctr"/>
+              <a:r>
+                <a:rPr lang="en-US" sz="1000" dirty="0">
+                  <a:latin typeface="Times New Roman" panose="02020603050405020304" pitchFamily="18" charset="0"/>
+                  <a:cs typeface="Times New Roman" panose="02020603050405020304" pitchFamily="18" charset="0"/>
+                </a:rPr>
+                <a:t>Layers indices inside aperiodic</a:t>
+              </a:r>
+              <a:endParaRPr lang="ru-RU" sz="1000" dirty="0">
+                <a:latin typeface="Times New Roman" panose="02020603050405020304" pitchFamily="18" charset="0"/>
+                <a:cs typeface="Times New Roman" panose="02020603050405020304" pitchFamily="18" charset="0"/>
+              </a:endParaRPr>
+            </a:p>
+          </p:txBody>
+        </p:sp>
+      </p:grpSp>
+      <p:pic>
+        <p:nvPicPr>
+          <p:cNvPr id="3" name="Picture 2">
+            <a:extLst>
+              <a:ext uri="{FF2B5EF4-FFF2-40B4-BE49-F238E27FC236}">
+                <a16:creationId xmlns:a16="http://schemas.microsoft.com/office/drawing/2014/main" id="{257B6F29-332C-5D13-9DC0-6F9D12993900}"/>
+              </a:ext>
+            </a:extLst>
+          </p:cNvPr>
+          <p:cNvPicPr>
+            <a:picLocks noChangeAspect="1"/>
+          </p:cNvPicPr>
+          <p:nvPr/>
+        </p:nvPicPr>
+        <p:blipFill rotWithShape="1">
+          <a:blip r:embed="rId4"/>
+          <a:srcRect l="741" t="17487" r="760" b="35084"/>
+          <a:stretch/>
+        </p:blipFill>
+        <p:spPr>
+          <a:xfrm>
+            <a:off x="236220" y="1650683"/>
+            <a:ext cx="4681538" cy="790575"/>
+          </a:xfrm>
+          <a:prstGeom prst="rect">
+            <a:avLst/>
+          </a:prstGeom>
+        </p:spPr>
+      </p:pic>
+      <p:pic>
+        <p:nvPicPr>
+          <p:cNvPr id="4" name="Picture 3">
+            <a:extLst>
+              <a:ext uri="{FF2B5EF4-FFF2-40B4-BE49-F238E27FC236}">
+                <a16:creationId xmlns:a16="http://schemas.microsoft.com/office/drawing/2014/main" id="{499A2B77-4AF7-B40F-B08C-15AECE04928E}"/>
+              </a:ext>
+            </a:extLst>
+          </p:cNvPr>
+          <p:cNvPicPr>
+            <a:picLocks noChangeAspect="1"/>
+          </p:cNvPicPr>
+          <p:nvPr/>
+        </p:nvPicPr>
+        <p:blipFill rotWithShape="1">
+          <a:blip r:embed="rId5"/>
+          <a:srcRect l="682" t="65168" r="721" b="13689"/>
+          <a:stretch/>
+        </p:blipFill>
+        <p:spPr>
+          <a:xfrm>
+            <a:off x="195264" y="2636520"/>
+            <a:ext cx="4686300" cy="352425"/>
+          </a:xfrm>
+          <a:prstGeom prst="rect">
+            <a:avLst/>
+          </a:prstGeom>
+        </p:spPr>
+      </p:pic>
+      <p:pic>
+        <p:nvPicPr>
+          <p:cNvPr id="5" name="Picture 4">
+            <a:extLst>
+              <a:ext uri="{FF2B5EF4-FFF2-40B4-BE49-F238E27FC236}">
+                <a16:creationId xmlns:a16="http://schemas.microsoft.com/office/drawing/2014/main" id="{40AA1D4E-50B7-9E31-DCDB-7A527B5FBDB0}"/>
+              </a:ext>
+            </a:extLst>
+          </p:cNvPr>
+          <p:cNvPicPr>
+            <a:picLocks noChangeAspect="1"/>
+          </p:cNvPicPr>
+          <p:nvPr/>
+        </p:nvPicPr>
+        <p:blipFill rotWithShape="1">
+          <a:blip r:embed="rId6"/>
+          <a:srcRect l="1088" t="18834" r="984" b="37564"/>
+          <a:stretch/>
+        </p:blipFill>
+        <p:spPr>
+          <a:xfrm>
+            <a:off x="197576" y="5050971"/>
+            <a:ext cx="3600450" cy="676956"/>
+          </a:xfrm>
+          <a:prstGeom prst="rect">
+            <a:avLst/>
+          </a:prstGeom>
+        </p:spPr>
+      </p:pic>
+      <p:grpSp>
+        <p:nvGrpSpPr>
+          <p:cNvPr id="37" name="Group 36">
+            <a:extLst>
+              <a:ext uri="{FF2B5EF4-FFF2-40B4-BE49-F238E27FC236}">
+                <a16:creationId xmlns:a16="http://schemas.microsoft.com/office/drawing/2014/main" id="{F42B8752-B4AD-537A-1DA2-1B130A980C9C}"/>
+              </a:ext>
+            </a:extLst>
+          </p:cNvPr>
+          <p:cNvGrpSpPr/>
+          <p:nvPr/>
+        </p:nvGrpSpPr>
+        <p:grpSpPr>
+          <a:xfrm>
+            <a:off x="3775165" y="3451180"/>
+            <a:ext cx="2438398" cy="1240948"/>
+            <a:chOff x="3775165" y="3451180"/>
+            <a:chExt cx="2438398" cy="1240948"/>
+          </a:xfrm>
+        </p:grpSpPr>
+        <p:pic>
+          <p:nvPicPr>
+            <p:cNvPr id="10" name="Picture 9">
+              <a:extLst>
+                <a:ext uri="{FF2B5EF4-FFF2-40B4-BE49-F238E27FC236}">
+                  <a16:creationId xmlns:a16="http://schemas.microsoft.com/office/drawing/2014/main" id="{7C947D2F-A969-4F21-DA73-B499153D0BD8}"/>
+                </a:ext>
+              </a:extLst>
+            </p:cNvPr>
+            <p:cNvPicPr>
+              <a:picLocks noChangeAspect="1"/>
+            </p:cNvPicPr>
+            <p:nvPr/>
+          </p:nvPicPr>
+          <p:blipFill rotWithShape="1">
+            <a:blip r:embed="rId6"/>
+            <a:srcRect r="47021" b="81595"/>
+            <a:stretch/>
+          </p:blipFill>
+          <p:spPr>
+            <a:xfrm>
+              <a:off x="3906339" y="3451180"/>
+              <a:ext cx="1947863" cy="285750"/>
+            </a:xfrm>
+            <a:prstGeom prst="rect">
+              <a:avLst/>
+            </a:prstGeom>
+          </p:spPr>
+        </p:pic>
+        <p:cxnSp>
+          <p:nvCxnSpPr>
+            <p:cNvPr id="24" name="Прямая со стрелкой 21">
+              <a:extLst>
+                <a:ext uri="{FF2B5EF4-FFF2-40B4-BE49-F238E27FC236}">
+                  <a16:creationId xmlns:a16="http://schemas.microsoft.com/office/drawing/2014/main" id="{853A2B82-E688-7075-1E69-3590BF1B282A}"/>
+                </a:ext>
+              </a:extLst>
+            </p:cNvPr>
+            <p:cNvCxnSpPr>
+              <a:cxnSpLocks/>
+              <a:stCxn id="25" idx="0"/>
+            </p:cNvCxnSpPr>
+            <p:nvPr/>
+          </p:nvCxnSpPr>
+          <p:spPr>
+            <a:xfrm flipV="1">
+              <a:off x="4282211" y="3728083"/>
+              <a:ext cx="413092" cy="410047"/>
+            </a:xfrm>
+            <a:prstGeom prst="straightConnector1">
+              <a:avLst/>
+            </a:prstGeom>
+            <a:ln w="6350">
+              <a:solidFill>
+                <a:schemeClr val="tx1"/>
+              </a:solidFill>
+              <a:tailEnd type="stealth" w="med" len="med"/>
+            </a:ln>
+          </p:spPr>
+          <p:style>
+            <a:lnRef idx="1">
+              <a:schemeClr val="accent1"/>
+            </a:lnRef>
+            <a:fillRef idx="0">
+              <a:schemeClr val="accent1"/>
+            </a:fillRef>
+            <a:effectRef idx="0">
+              <a:schemeClr val="accent1"/>
+            </a:effectRef>
+            <a:fontRef idx="minor">
+              <a:schemeClr val="tx1"/>
+            </a:fontRef>
+          </p:style>
+        </p:cxnSp>
+        <p:sp>
+          <p:nvSpPr>
+            <p:cNvPr id="25" name="TextBox 24">
+              <a:extLst>
+                <a:ext uri="{FF2B5EF4-FFF2-40B4-BE49-F238E27FC236}">
+                  <a16:creationId xmlns:a16="http://schemas.microsoft.com/office/drawing/2014/main" id="{20F6FC22-FB30-1373-B49B-D9C64BD19E49}"/>
+                </a:ext>
+              </a:extLst>
+            </p:cNvPr>
+            <p:cNvSpPr txBox="1"/>
+            <p:nvPr/>
+          </p:nvSpPr>
+          <p:spPr>
+            <a:xfrm>
+              <a:off x="3775165" y="4138130"/>
+              <a:ext cx="1014092" cy="553998"/>
+            </a:xfrm>
+            <a:prstGeom prst="rect">
+              <a:avLst/>
+            </a:prstGeom>
+            <a:noFill/>
+          </p:spPr>
+          <p:txBody>
+            <a:bodyPr wrap="square" rtlCol="0">
+              <a:spAutoFit/>
+            </a:bodyPr>
+            <a:lstStyle/>
+            <a:p>
+              <a:pPr algn="ctr"/>
+              <a:r>
+                <a:rPr lang="ru-RU" sz="1000" dirty="0">
+                  <a:latin typeface="Times New Roman" panose="02020603050405020304" pitchFamily="18" charset="0"/>
+                  <a:cs typeface="Times New Roman" panose="02020603050405020304" pitchFamily="18" charset="0"/>
+                </a:rPr>
+                <a:t>Тип элемента = общая апериодика</a:t>
+              </a:r>
+            </a:p>
+          </p:txBody>
+        </p:sp>
+        <p:cxnSp>
+          <p:nvCxnSpPr>
+            <p:cNvPr id="26" name="Прямая со стрелкой 21">
+              <a:extLst>
+                <a:ext uri="{FF2B5EF4-FFF2-40B4-BE49-F238E27FC236}">
+                  <a16:creationId xmlns:a16="http://schemas.microsoft.com/office/drawing/2014/main" id="{DEBAD16A-CFC4-6C0B-D268-807F68AEBDD2}"/>
+                </a:ext>
+              </a:extLst>
+            </p:cNvPr>
+            <p:cNvCxnSpPr>
+              <a:cxnSpLocks/>
+              <a:stCxn id="27" idx="0"/>
+            </p:cNvCxnSpPr>
+            <p:nvPr/>
+          </p:nvCxnSpPr>
+          <p:spPr>
+            <a:xfrm flipH="1" flipV="1">
+              <a:off x="5229496" y="3757749"/>
+              <a:ext cx="326571" cy="354256"/>
+            </a:xfrm>
+            <a:prstGeom prst="straightConnector1">
+              <a:avLst/>
+            </a:prstGeom>
+            <a:ln w="6350">
+              <a:solidFill>
+                <a:schemeClr val="tx1"/>
+              </a:solidFill>
+              <a:tailEnd type="stealth" w="med" len="med"/>
+            </a:ln>
+          </p:spPr>
+          <p:style>
+            <a:lnRef idx="1">
+              <a:schemeClr val="accent1"/>
+            </a:lnRef>
+            <a:fillRef idx="0">
+              <a:schemeClr val="accent1"/>
+            </a:fillRef>
+            <a:effectRef idx="0">
+              <a:schemeClr val="accent1"/>
+            </a:effectRef>
+            <a:fontRef idx="minor">
+              <a:schemeClr val="tx1"/>
+            </a:fontRef>
+          </p:style>
+        </p:cxnSp>
+        <p:sp>
+          <p:nvSpPr>
+            <p:cNvPr id="27" name="TextBox 26">
+              <a:extLst>
+                <a:ext uri="{FF2B5EF4-FFF2-40B4-BE49-F238E27FC236}">
+                  <a16:creationId xmlns:a16="http://schemas.microsoft.com/office/drawing/2014/main" id="{3F233CED-19C6-DE5C-EDEA-6770329E89EB}"/>
+                </a:ext>
+              </a:extLst>
+            </p:cNvPr>
+            <p:cNvSpPr txBox="1"/>
+            <p:nvPr/>
+          </p:nvSpPr>
+          <p:spPr>
+            <a:xfrm>
+              <a:off x="4898571" y="4112005"/>
+              <a:ext cx="1314992" cy="400110"/>
+            </a:xfrm>
+            <a:prstGeom prst="rect">
+              <a:avLst/>
+            </a:prstGeom>
+            <a:noFill/>
+          </p:spPr>
+          <p:txBody>
+            <a:bodyPr wrap="square" rtlCol="0">
+              <a:spAutoFit/>
+            </a:bodyPr>
+            <a:lstStyle/>
+            <a:p>
+              <a:pPr algn="ctr"/>
+              <a:r>
+                <a:rPr lang="ru-RU" sz="1000" dirty="0">
+                  <a:latin typeface="Times New Roman" panose="02020603050405020304" pitchFamily="18" charset="0"/>
+                  <a:cs typeface="Times New Roman" panose="02020603050405020304" pitchFamily="18" charset="0"/>
+                </a:rPr>
+                <a:t>Индексы слоёв внутри апериодики</a:t>
+              </a:r>
+            </a:p>
+          </p:txBody>
+        </p:sp>
+      </p:grpSp>
+      <p:grpSp>
+        <p:nvGrpSpPr>
+          <p:cNvPr id="36" name="Group 35">
+            <a:extLst>
+              <a:ext uri="{FF2B5EF4-FFF2-40B4-BE49-F238E27FC236}">
+                <a16:creationId xmlns:a16="http://schemas.microsoft.com/office/drawing/2014/main" id="{2D4D92DD-E9B5-ADB6-3AAB-F2DA19355D21}"/>
+              </a:ext>
+            </a:extLst>
+          </p:cNvPr>
+          <p:cNvGrpSpPr/>
+          <p:nvPr/>
+        </p:nvGrpSpPr>
+        <p:grpSpPr>
+          <a:xfrm>
+            <a:off x="6392091" y="3385866"/>
+            <a:ext cx="2412275" cy="1073996"/>
+            <a:chOff x="6392091" y="3385866"/>
+            <a:chExt cx="2412275" cy="1073996"/>
+          </a:xfrm>
+        </p:grpSpPr>
+        <p:cxnSp>
+          <p:nvCxnSpPr>
+            <p:cNvPr id="30" name="Прямая со стрелкой 21">
+              <a:extLst>
+                <a:ext uri="{FF2B5EF4-FFF2-40B4-BE49-F238E27FC236}">
+                  <a16:creationId xmlns:a16="http://schemas.microsoft.com/office/drawing/2014/main" id="{6E29F4BB-4ED5-ADC3-789F-495C753B9287}"/>
+                </a:ext>
+              </a:extLst>
+            </p:cNvPr>
+            <p:cNvCxnSpPr>
+              <a:cxnSpLocks/>
+              <a:stCxn id="31" idx="0"/>
+            </p:cNvCxnSpPr>
+            <p:nvPr/>
+          </p:nvCxnSpPr>
+          <p:spPr>
+            <a:xfrm flipV="1">
+              <a:off x="6949212" y="3649705"/>
+              <a:ext cx="463166" cy="410047"/>
+            </a:xfrm>
+            <a:prstGeom prst="straightConnector1">
+              <a:avLst/>
+            </a:prstGeom>
+            <a:ln w="6350">
+              <a:solidFill>
+                <a:schemeClr val="tx1"/>
+              </a:solidFill>
+              <a:tailEnd type="stealth" w="med" len="med"/>
+            </a:ln>
+          </p:spPr>
+          <p:style>
+            <a:lnRef idx="1">
+              <a:schemeClr val="accent1"/>
+            </a:lnRef>
+            <a:fillRef idx="0">
+              <a:schemeClr val="accent1"/>
+            </a:fillRef>
+            <a:effectRef idx="0">
+              <a:schemeClr val="accent1"/>
+            </a:effectRef>
+            <a:fontRef idx="minor">
+              <a:schemeClr val="tx1"/>
+            </a:fontRef>
+          </p:style>
+        </p:cxnSp>
+        <p:sp>
+          <p:nvSpPr>
+            <p:cNvPr id="31" name="TextBox 30">
+              <a:extLst>
+                <a:ext uri="{FF2B5EF4-FFF2-40B4-BE49-F238E27FC236}">
+                  <a16:creationId xmlns:a16="http://schemas.microsoft.com/office/drawing/2014/main" id="{3157A2CE-07EE-EB07-240B-6C0A9891DD9B}"/>
+                </a:ext>
+              </a:extLst>
+            </p:cNvPr>
+            <p:cNvSpPr txBox="1"/>
+            <p:nvPr/>
+          </p:nvSpPr>
+          <p:spPr>
+            <a:xfrm>
+              <a:off x="6392091" y="4059752"/>
+              <a:ext cx="1114241" cy="400110"/>
+            </a:xfrm>
+            <a:prstGeom prst="rect">
+              <a:avLst/>
+            </a:prstGeom>
+            <a:noFill/>
+          </p:spPr>
+          <p:txBody>
+            <a:bodyPr wrap="square" rtlCol="0">
+              <a:spAutoFit/>
+            </a:bodyPr>
+            <a:lstStyle/>
+            <a:p>
+              <a:pPr algn="ctr"/>
+              <a:r>
+                <a:rPr lang="en-US" sz="1000" dirty="0">
+                  <a:latin typeface="Times New Roman" panose="02020603050405020304" pitchFamily="18" charset="0"/>
+                  <a:cs typeface="Times New Roman" panose="02020603050405020304" pitchFamily="18" charset="0"/>
+                </a:rPr>
+                <a:t>Element type </a:t>
+              </a:r>
+              <a:r>
+                <a:rPr lang="ru-RU" sz="1000" dirty="0">
+                  <a:latin typeface="Times New Roman" panose="02020603050405020304" pitchFamily="18" charset="0"/>
+                  <a:cs typeface="Times New Roman" panose="02020603050405020304" pitchFamily="18" charset="0"/>
+                </a:rPr>
+                <a:t>= </a:t>
+              </a:r>
+              <a:r>
+                <a:rPr lang="en-US" sz="1000" dirty="0">
+                  <a:latin typeface="Times New Roman" panose="02020603050405020304" pitchFamily="18" charset="0"/>
+                  <a:cs typeface="Times New Roman" panose="02020603050405020304" pitchFamily="18" charset="0"/>
+                </a:rPr>
+                <a:t>general aperiodic</a:t>
+              </a:r>
+              <a:endParaRPr lang="ru-RU" sz="1000" dirty="0">
+                <a:latin typeface="Times New Roman" panose="02020603050405020304" pitchFamily="18" charset="0"/>
+                <a:cs typeface="Times New Roman" panose="02020603050405020304" pitchFamily="18" charset="0"/>
+              </a:endParaRPr>
+            </a:p>
+          </p:txBody>
+        </p:sp>
+        <p:cxnSp>
+          <p:nvCxnSpPr>
+            <p:cNvPr id="32" name="Прямая со стрелкой 21">
+              <a:extLst>
+                <a:ext uri="{FF2B5EF4-FFF2-40B4-BE49-F238E27FC236}">
+                  <a16:creationId xmlns:a16="http://schemas.microsoft.com/office/drawing/2014/main" id="{D4CE82DB-DA2D-8DDB-F743-2C9FAC41AE31}"/>
+                </a:ext>
+              </a:extLst>
+            </p:cNvPr>
+            <p:cNvCxnSpPr>
+              <a:cxnSpLocks/>
+              <a:stCxn id="33" idx="0"/>
+            </p:cNvCxnSpPr>
+            <p:nvPr/>
+          </p:nvCxnSpPr>
+          <p:spPr>
+            <a:xfrm flipH="1" flipV="1">
+              <a:off x="7946571" y="3679371"/>
+              <a:ext cx="263435" cy="354256"/>
+            </a:xfrm>
+            <a:prstGeom prst="straightConnector1">
+              <a:avLst/>
+            </a:prstGeom>
+            <a:ln w="6350">
+              <a:solidFill>
+                <a:schemeClr val="tx1"/>
+              </a:solidFill>
+              <a:tailEnd type="stealth" w="med" len="med"/>
+            </a:ln>
+          </p:spPr>
+          <p:style>
+            <a:lnRef idx="1">
+              <a:schemeClr val="accent1"/>
+            </a:lnRef>
+            <a:fillRef idx="0">
+              <a:schemeClr val="accent1"/>
+            </a:fillRef>
+            <a:effectRef idx="0">
+              <a:schemeClr val="accent1"/>
+            </a:effectRef>
+            <a:fontRef idx="minor">
+              <a:schemeClr val="tx1"/>
+            </a:fontRef>
+          </p:style>
+        </p:cxnSp>
+        <p:sp>
+          <p:nvSpPr>
+            <p:cNvPr id="33" name="TextBox 32">
+              <a:extLst>
+                <a:ext uri="{FF2B5EF4-FFF2-40B4-BE49-F238E27FC236}">
+                  <a16:creationId xmlns:a16="http://schemas.microsoft.com/office/drawing/2014/main" id="{52A9E300-17F1-2C1C-E858-9F72E482583D}"/>
+                </a:ext>
+              </a:extLst>
+            </p:cNvPr>
+            <p:cNvSpPr txBox="1"/>
+            <p:nvPr/>
+          </p:nvSpPr>
+          <p:spPr>
+            <a:xfrm>
+              <a:off x="7615646" y="4033627"/>
+              <a:ext cx="1188720" cy="400110"/>
+            </a:xfrm>
+            <a:prstGeom prst="rect">
+              <a:avLst/>
+            </a:prstGeom>
+            <a:noFill/>
+          </p:spPr>
+          <p:txBody>
+            <a:bodyPr wrap="square" rtlCol="0">
+              <a:spAutoFit/>
+            </a:bodyPr>
+            <a:lstStyle/>
+            <a:p>
+              <a:pPr algn="ctr"/>
+              <a:r>
+                <a:rPr lang="en-US" sz="1000" dirty="0">
+                  <a:latin typeface="Times New Roman" panose="02020603050405020304" pitchFamily="18" charset="0"/>
+                  <a:cs typeface="Times New Roman" panose="02020603050405020304" pitchFamily="18" charset="0"/>
+                </a:rPr>
+                <a:t>Layers indices inside aperiodic</a:t>
+              </a:r>
+              <a:endParaRPr lang="ru-RU" sz="1000" dirty="0">
+                <a:latin typeface="Times New Roman" panose="02020603050405020304" pitchFamily="18" charset="0"/>
+                <a:cs typeface="Times New Roman" panose="02020603050405020304" pitchFamily="18" charset="0"/>
+              </a:endParaRPr>
+            </a:p>
+          </p:txBody>
+        </p:sp>
+        <p:pic>
+          <p:nvPicPr>
+            <p:cNvPr id="34" name="Picture 33">
+              <a:extLst>
+                <a:ext uri="{FF2B5EF4-FFF2-40B4-BE49-F238E27FC236}">
+                  <a16:creationId xmlns:a16="http://schemas.microsoft.com/office/drawing/2014/main" id="{9B538DB2-2D63-AC43-29CD-934138BAB8AA}"/>
+                </a:ext>
+              </a:extLst>
+            </p:cNvPr>
+            <p:cNvPicPr>
+              <a:picLocks noChangeAspect="1"/>
+            </p:cNvPicPr>
+            <p:nvPr/>
+          </p:nvPicPr>
+          <p:blipFill rotWithShape="1">
+            <a:blip r:embed="rId6"/>
+            <a:srcRect r="47021" b="81595"/>
+            <a:stretch/>
+          </p:blipFill>
+          <p:spPr>
+            <a:xfrm>
+              <a:off x="6680019" y="3385866"/>
+              <a:ext cx="1947863" cy="285750"/>
+            </a:xfrm>
+            <a:prstGeom prst="rect">
+              <a:avLst/>
+            </a:prstGeom>
+          </p:spPr>
+        </p:pic>
+      </p:grpSp>
+      <p:grpSp>
+        <p:nvGrpSpPr>
+          <p:cNvPr id="41" name="Group 40">
+            <a:extLst>
+              <a:ext uri="{FF2B5EF4-FFF2-40B4-BE49-F238E27FC236}">
+                <a16:creationId xmlns:a16="http://schemas.microsoft.com/office/drawing/2014/main" id="{7951E1E3-2BE5-A904-C39A-125D6980C627}"/>
+              </a:ext>
+            </a:extLst>
+          </p:cNvPr>
+          <p:cNvGrpSpPr/>
+          <p:nvPr/>
+        </p:nvGrpSpPr>
+        <p:grpSpPr>
+          <a:xfrm>
+            <a:off x="4974908" y="4981304"/>
+            <a:ext cx="3705225" cy="1219200"/>
+            <a:chOff x="4974908" y="4981304"/>
+            <a:chExt cx="3705225" cy="1219200"/>
+          </a:xfrm>
+        </p:grpSpPr>
+        <p:pic>
+          <p:nvPicPr>
+            <p:cNvPr id="39" name="Picture 38">
+              <a:extLst>
+                <a:ext uri="{FF2B5EF4-FFF2-40B4-BE49-F238E27FC236}">
+                  <a16:creationId xmlns:a16="http://schemas.microsoft.com/office/drawing/2014/main" id="{A6AD32AD-10DE-204B-8917-CB27A41E4C1F}"/>
+                </a:ext>
+              </a:extLst>
+            </p:cNvPr>
+            <p:cNvPicPr>
+              <a:picLocks noChangeAspect="1"/>
+            </p:cNvPicPr>
+            <p:nvPr/>
+          </p:nvPicPr>
+          <p:blipFill rotWithShape="1">
+            <a:blip r:embed="rId7"/>
+            <a:srcRect t="13871" b="64398"/>
+            <a:stretch/>
+          </p:blipFill>
+          <p:spPr>
+            <a:xfrm>
+              <a:off x="4974908" y="4981304"/>
+              <a:ext cx="3705225" cy="1219200"/>
+            </a:xfrm>
+            <a:prstGeom prst="rect">
+              <a:avLst/>
+            </a:prstGeom>
+          </p:spPr>
+        </p:pic>
+        <p:sp>
+          <p:nvSpPr>
+            <p:cNvPr id="40" name="Rectangle: Rounded Corners 39">
+              <a:extLst>
+                <a:ext uri="{FF2B5EF4-FFF2-40B4-BE49-F238E27FC236}">
+                  <a16:creationId xmlns:a16="http://schemas.microsoft.com/office/drawing/2014/main" id="{232492A1-1DB7-E46B-F936-7F1D1E36E767}"/>
+                </a:ext>
+              </a:extLst>
+            </p:cNvPr>
+            <p:cNvSpPr/>
+            <p:nvPr/>
+          </p:nvSpPr>
+          <p:spPr>
+            <a:xfrm>
+              <a:off x="5106490" y="5175069"/>
+              <a:ext cx="3279864" cy="163285"/>
             </a:xfrm>
             <a:prstGeom prst="roundRect">
               <a:avLst/>
@@ -6456,10 +7559,10 @@
       </p:grpSp>
       <p:pic>
         <p:nvPicPr>
-          <p:cNvPr id="9" name="Picture 8">
+          <p:cNvPr id="42" name="Picture 41">
             <a:extLst>
               <a:ext uri="{FF2B5EF4-FFF2-40B4-BE49-F238E27FC236}">
-                <a16:creationId xmlns:a16="http://schemas.microsoft.com/office/drawing/2014/main" id="{B5559798-4B7B-EDDA-049D-EADDA99E3C6C}"/>
+                <a16:creationId xmlns:a16="http://schemas.microsoft.com/office/drawing/2014/main" id="{0CDFD741-E995-2248-5DC0-EF9F0C2595DA}"/>
               </a:ext>
             </a:extLst>
           </p:cNvPr>
@@ -6468,16 +7571,15 @@
           </p:cNvPicPr>
           <p:nvPr/>
         </p:nvPicPr>
-        <p:blipFill>
-          <a:blip r:embed="rId3"/>
-          <a:stretch>
-            <a:fillRect/>
-          </a:stretch>
+        <p:blipFill rotWithShape="1">
+          <a:blip r:embed="rId6"/>
+          <a:srcRect l="1088" t="62611" r="984" b="14418"/>
+          <a:stretch/>
         </p:blipFill>
         <p:spPr>
           <a:xfrm>
-            <a:off x="2224087" y="2595562"/>
-            <a:ext cx="4695825" cy="1666875"/>
+            <a:off x="219347" y="5926592"/>
+            <a:ext cx="3600450" cy="356642"/>
           </a:xfrm>
           <a:prstGeom prst="rect">
             <a:avLst/>

--- a/manual/Pictures 2.0/Pictures 2.0.pptx
+++ b/manual/Pictures 2.0/Pictures 2.0.pptx
@@ -18,11 +18,12 @@
     <p:sldId id="278" r:id="rId12"/>
     <p:sldId id="279" r:id="rId13"/>
     <p:sldId id="264" r:id="rId14"/>
-    <p:sldId id="265" r:id="rId15"/>
-    <p:sldId id="266" r:id="rId16"/>
-    <p:sldId id="267" r:id="rId17"/>
-    <p:sldId id="268" r:id="rId18"/>
-    <p:sldId id="269" r:id="rId19"/>
+    <p:sldId id="280" r:id="rId15"/>
+    <p:sldId id="265" r:id="rId16"/>
+    <p:sldId id="266" r:id="rId17"/>
+    <p:sldId id="267" r:id="rId18"/>
+    <p:sldId id="268" r:id="rId19"/>
+    <p:sldId id="269" r:id="rId20"/>
   </p:sldIdLst>
   <p:sldSz cx="9144000" cy="6858000" type="screen4x3"/>
   <p:notesSz cx="6858000" cy="9144000"/>
@@ -271,7 +272,7 @@
           <a:p>
             <a:fld id="{55465C39-D47E-4138-800A-7D6CA5F3257E}" type="datetimeFigureOut">
               <a:rPr lang="ru-RU" smtClean="0"/>
-              <a:t>09.10.2022</a:t>
+              <a:t>15.10.2022</a:t>
             </a:fld>
             <a:endParaRPr lang="ru-RU"/>
           </a:p>
@@ -441,7 +442,7 @@
           <a:p>
             <a:fld id="{55465C39-D47E-4138-800A-7D6CA5F3257E}" type="datetimeFigureOut">
               <a:rPr lang="ru-RU" smtClean="0"/>
-              <a:t>09.10.2022</a:t>
+              <a:t>15.10.2022</a:t>
             </a:fld>
             <a:endParaRPr lang="ru-RU"/>
           </a:p>
@@ -621,7 +622,7 @@
           <a:p>
             <a:fld id="{55465C39-D47E-4138-800A-7D6CA5F3257E}" type="datetimeFigureOut">
               <a:rPr lang="ru-RU" smtClean="0"/>
-              <a:t>09.10.2022</a:t>
+              <a:t>15.10.2022</a:t>
             </a:fld>
             <a:endParaRPr lang="ru-RU"/>
           </a:p>
@@ -791,7 +792,7 @@
           <a:p>
             <a:fld id="{55465C39-D47E-4138-800A-7D6CA5F3257E}" type="datetimeFigureOut">
               <a:rPr lang="ru-RU" smtClean="0"/>
-              <a:t>09.10.2022</a:t>
+              <a:t>15.10.2022</a:t>
             </a:fld>
             <a:endParaRPr lang="ru-RU"/>
           </a:p>
@@ -1035,7 +1036,7 @@
           <a:p>
             <a:fld id="{55465C39-D47E-4138-800A-7D6CA5F3257E}" type="datetimeFigureOut">
               <a:rPr lang="ru-RU" smtClean="0"/>
-              <a:t>09.10.2022</a:t>
+              <a:t>15.10.2022</a:t>
             </a:fld>
             <a:endParaRPr lang="ru-RU"/>
           </a:p>
@@ -1267,7 +1268,7 @@
           <a:p>
             <a:fld id="{55465C39-D47E-4138-800A-7D6CA5F3257E}" type="datetimeFigureOut">
               <a:rPr lang="ru-RU" smtClean="0"/>
-              <a:t>09.10.2022</a:t>
+              <a:t>15.10.2022</a:t>
             </a:fld>
             <a:endParaRPr lang="ru-RU"/>
           </a:p>
@@ -1634,7 +1635,7 @@
           <a:p>
             <a:fld id="{55465C39-D47E-4138-800A-7D6CA5F3257E}" type="datetimeFigureOut">
               <a:rPr lang="ru-RU" smtClean="0"/>
-              <a:t>09.10.2022</a:t>
+              <a:t>15.10.2022</a:t>
             </a:fld>
             <a:endParaRPr lang="ru-RU"/>
           </a:p>
@@ -1752,7 +1753,7 @@
           <a:p>
             <a:fld id="{55465C39-D47E-4138-800A-7D6CA5F3257E}" type="datetimeFigureOut">
               <a:rPr lang="ru-RU" smtClean="0"/>
-              <a:t>09.10.2022</a:t>
+              <a:t>15.10.2022</a:t>
             </a:fld>
             <a:endParaRPr lang="ru-RU"/>
           </a:p>
@@ -1847,7 +1848,7 @@
           <a:p>
             <a:fld id="{55465C39-D47E-4138-800A-7D6CA5F3257E}" type="datetimeFigureOut">
               <a:rPr lang="ru-RU" smtClean="0"/>
-              <a:t>09.10.2022</a:t>
+              <a:t>15.10.2022</a:t>
             </a:fld>
             <a:endParaRPr lang="ru-RU"/>
           </a:p>
@@ -2124,7 +2125,7 @@
           <a:p>
             <a:fld id="{55465C39-D47E-4138-800A-7D6CA5F3257E}" type="datetimeFigureOut">
               <a:rPr lang="ru-RU" smtClean="0"/>
-              <a:t>09.10.2022</a:t>
+              <a:t>15.10.2022</a:t>
             </a:fld>
             <a:endParaRPr lang="ru-RU"/>
           </a:p>
@@ -2381,7 +2382,7 @@
           <a:p>
             <a:fld id="{55465C39-D47E-4138-800A-7D6CA5F3257E}" type="datetimeFigureOut">
               <a:rPr lang="ru-RU" smtClean="0"/>
-              <a:t>09.10.2022</a:t>
+              <a:t>15.10.2022</a:t>
             </a:fld>
             <a:endParaRPr lang="ru-RU"/>
           </a:p>
@@ -2594,7 +2595,7 @@
           <a:p>
             <a:fld id="{55465C39-D47E-4138-800A-7D6CA5F3257E}" type="datetimeFigureOut">
               <a:rPr lang="ru-RU" smtClean="0"/>
-              <a:t>09.10.2022</a:t>
+              <a:t>15.10.2022</a:t>
             </a:fld>
             <a:endParaRPr lang="ru-RU"/>
           </a:p>
@@ -8411,6 +8412,152 @@
           <a:chExt cx="0" cy="0"/>
         </a:xfrm>
       </p:grpSpPr>
+      <p:pic>
+        <p:nvPicPr>
+          <p:cNvPr id="4" name="Picture 3">
+            <a:extLst>
+              <a:ext uri="{FF2B5EF4-FFF2-40B4-BE49-F238E27FC236}">
+                <a16:creationId xmlns:a16="http://schemas.microsoft.com/office/drawing/2014/main" id="{57617A96-28CF-5553-980B-A0CFB0E8956F}"/>
+              </a:ext>
+            </a:extLst>
+          </p:cNvPr>
+          <p:cNvPicPr>
+            <a:picLocks noChangeAspect="1"/>
+          </p:cNvPicPr>
+          <p:nvPr/>
+        </p:nvPicPr>
+        <p:blipFill rotWithShape="1">
+          <a:blip r:embed="rId2"/>
+          <a:srcRect l="2172" t="6245" r="2172" b="84228"/>
+          <a:stretch/>
+        </p:blipFill>
+        <p:spPr>
+          <a:xfrm>
+            <a:off x="95795" y="95793"/>
+            <a:ext cx="3744686" cy="539933"/>
+          </a:xfrm>
+          <a:prstGeom prst="rect">
+            <a:avLst/>
+          </a:prstGeom>
+        </p:spPr>
+      </p:pic>
+      <p:pic>
+        <p:nvPicPr>
+          <p:cNvPr id="6" name="Picture 5">
+            <a:extLst>
+              <a:ext uri="{FF2B5EF4-FFF2-40B4-BE49-F238E27FC236}">
+                <a16:creationId xmlns:a16="http://schemas.microsoft.com/office/drawing/2014/main" id="{01B95415-9781-D7DC-F887-295F0F41725F}"/>
+              </a:ext>
+            </a:extLst>
+          </p:cNvPr>
+          <p:cNvPicPr>
+            <a:picLocks noChangeAspect="1"/>
+          </p:cNvPicPr>
+          <p:nvPr/>
+        </p:nvPicPr>
+        <p:blipFill rotWithShape="1">
+          <a:blip r:embed="rId3"/>
+          <a:srcRect l="1950" t="17462" r="1950" b="69323"/>
+          <a:stretch/>
+        </p:blipFill>
+        <p:spPr>
+          <a:xfrm>
+            <a:off x="130629" y="783771"/>
+            <a:ext cx="3762102" cy="748937"/>
+          </a:xfrm>
+          <a:prstGeom prst="rect">
+            <a:avLst/>
+          </a:prstGeom>
+        </p:spPr>
+      </p:pic>
+      <p:pic>
+        <p:nvPicPr>
+          <p:cNvPr id="7" name="Picture 6">
+            <a:extLst>
+              <a:ext uri="{FF2B5EF4-FFF2-40B4-BE49-F238E27FC236}">
+                <a16:creationId xmlns:a16="http://schemas.microsoft.com/office/drawing/2014/main" id="{74E72711-62C6-4CDD-616B-3411D54E20BE}"/>
+              </a:ext>
+            </a:extLst>
+          </p:cNvPr>
+          <p:cNvPicPr>
+            <a:picLocks noChangeAspect="1"/>
+          </p:cNvPicPr>
+          <p:nvPr/>
+        </p:nvPicPr>
+        <p:blipFill rotWithShape="1">
+          <a:blip r:embed="rId3"/>
+          <a:srcRect l="1950" t="32213" r="1950" b="35827"/>
+          <a:stretch/>
+        </p:blipFill>
+        <p:spPr>
+          <a:xfrm>
+            <a:off x="130629" y="1628502"/>
+            <a:ext cx="3762103" cy="1811383"/>
+          </a:xfrm>
+          <a:prstGeom prst="rect">
+            <a:avLst/>
+          </a:prstGeom>
+        </p:spPr>
+      </p:pic>
+      <p:pic>
+        <p:nvPicPr>
+          <p:cNvPr id="8" name="Picture 7">
+            <a:extLst>
+              <a:ext uri="{FF2B5EF4-FFF2-40B4-BE49-F238E27FC236}">
+                <a16:creationId xmlns:a16="http://schemas.microsoft.com/office/drawing/2014/main" id="{FBC03387-78E3-1763-EE57-C6C86DDACF31}"/>
+              </a:ext>
+            </a:extLst>
+          </p:cNvPr>
+          <p:cNvPicPr>
+            <a:picLocks noChangeAspect="1"/>
+          </p:cNvPicPr>
+          <p:nvPr/>
+        </p:nvPicPr>
+        <p:blipFill rotWithShape="1">
+          <a:blip r:embed="rId3"/>
+          <a:srcRect l="1950" t="65559" r="1950" b="8011"/>
+          <a:stretch/>
+        </p:blipFill>
+        <p:spPr>
+          <a:xfrm>
+            <a:off x="139337" y="3605349"/>
+            <a:ext cx="3762103" cy="1497874"/>
+          </a:xfrm>
+          <a:prstGeom prst="rect">
+            <a:avLst/>
+          </a:prstGeom>
+        </p:spPr>
+      </p:pic>
+    </p:spTree>
+    <p:extLst>
+      <p:ext uri="{BB962C8B-B14F-4D97-AF65-F5344CB8AC3E}">
+        <p14:creationId xmlns:p14="http://schemas.microsoft.com/office/powerpoint/2010/main" val="2390609350"/>
+      </p:ext>
+    </p:extLst>
+  </p:cSld>
+  <p:clrMapOvr>
+    <a:masterClrMapping/>
+  </p:clrMapOvr>
+</p:sld>
+</file>
+
+<file path=ppt/slides/slide15.xml><?xml version="1.0" encoding="utf-8"?>
+<p:sld xmlns:a="http://schemas.openxmlformats.org/drawingml/2006/main" xmlns:r="http://schemas.openxmlformats.org/officeDocument/2006/relationships" xmlns:p="http://schemas.openxmlformats.org/presentationml/2006/main">
+  <p:cSld>
+    <p:spTree>
+      <p:nvGrpSpPr>
+        <p:cNvPr id="1" name=""/>
+        <p:cNvGrpSpPr/>
+        <p:nvPr/>
+      </p:nvGrpSpPr>
+      <p:grpSpPr>
+        <a:xfrm>
+          <a:off x="0" y="0"/>
+          <a:ext cx="0" cy="0"/>
+          <a:chOff x="0" y="0"/>
+          <a:chExt cx="0" cy="0"/>
+        </a:xfrm>
+      </p:grpSpPr>
       <p:grpSp>
         <p:nvGrpSpPr>
           <p:cNvPr id="3" name="Группа 2"/>
@@ -9363,7 +9510,7 @@
 </p:sld>
 </file>
 
-<file path=ppt/slides/slide15.xml><?xml version="1.0" encoding="utf-8"?>
+<file path=ppt/slides/slide16.xml><?xml version="1.0" encoding="utf-8"?>
 <p:sld xmlns:a="http://schemas.openxmlformats.org/drawingml/2006/main" xmlns:r="http://schemas.openxmlformats.org/officeDocument/2006/relationships" xmlns:p="http://schemas.openxmlformats.org/presentationml/2006/main">
   <p:cSld>
     <p:spTree>
@@ -9937,7 +10084,7 @@
 </p:sld>
 </file>
 
-<file path=ppt/slides/slide16.xml><?xml version="1.0" encoding="utf-8"?>
+<file path=ppt/slides/slide17.xml><?xml version="1.0" encoding="utf-8"?>
 <p:sld xmlns:a="http://schemas.openxmlformats.org/drawingml/2006/main" xmlns:r="http://schemas.openxmlformats.org/officeDocument/2006/relationships" xmlns:p="http://schemas.openxmlformats.org/presentationml/2006/main">
   <p:cSld>
     <p:spTree>
@@ -11722,7 +11869,7 @@
 </p:sld>
 </file>
 
-<file path=ppt/slides/slide17.xml><?xml version="1.0" encoding="utf-8"?>
+<file path=ppt/slides/slide18.xml><?xml version="1.0" encoding="utf-8"?>
 <p:sld xmlns:a="http://schemas.openxmlformats.org/drawingml/2006/main" xmlns:r="http://schemas.openxmlformats.org/officeDocument/2006/relationships" xmlns:p="http://schemas.openxmlformats.org/presentationml/2006/main">
   <p:cSld>
     <p:spTree>
@@ -11837,7 +11984,7 @@
 </p:sld>
 </file>
 
-<file path=ppt/slides/slide18.xml><?xml version="1.0" encoding="utf-8"?>
+<file path=ppt/slides/slide19.xml><?xml version="1.0" encoding="utf-8"?>
 <p:sld xmlns:a="http://schemas.openxmlformats.org/drawingml/2006/main" xmlns:r="http://schemas.openxmlformats.org/officeDocument/2006/relationships" xmlns:p="http://schemas.openxmlformats.org/presentationml/2006/main">
   <p:cSld>
     <p:spTree>

--- a/manual/Pictures 2.0/Pictures 2.0.pptx
+++ b/manual/Pictures 2.0/Pictures 2.0.pptx
@@ -272,7 +272,7 @@
           <a:p>
             <a:fld id="{55465C39-D47E-4138-800A-7D6CA5F3257E}" type="datetimeFigureOut">
               <a:rPr lang="ru-RU" smtClean="0"/>
-              <a:t>15.10.2022</a:t>
+              <a:t>16.10.2022</a:t>
             </a:fld>
             <a:endParaRPr lang="ru-RU"/>
           </a:p>
@@ -442,7 +442,7 @@
           <a:p>
             <a:fld id="{55465C39-D47E-4138-800A-7D6CA5F3257E}" type="datetimeFigureOut">
               <a:rPr lang="ru-RU" smtClean="0"/>
-              <a:t>15.10.2022</a:t>
+              <a:t>16.10.2022</a:t>
             </a:fld>
             <a:endParaRPr lang="ru-RU"/>
           </a:p>
@@ -622,7 +622,7 @@
           <a:p>
             <a:fld id="{55465C39-D47E-4138-800A-7D6CA5F3257E}" type="datetimeFigureOut">
               <a:rPr lang="ru-RU" smtClean="0"/>
-              <a:t>15.10.2022</a:t>
+              <a:t>16.10.2022</a:t>
             </a:fld>
             <a:endParaRPr lang="ru-RU"/>
           </a:p>
@@ -792,7 +792,7 @@
           <a:p>
             <a:fld id="{55465C39-D47E-4138-800A-7D6CA5F3257E}" type="datetimeFigureOut">
               <a:rPr lang="ru-RU" smtClean="0"/>
-              <a:t>15.10.2022</a:t>
+              <a:t>16.10.2022</a:t>
             </a:fld>
             <a:endParaRPr lang="ru-RU"/>
           </a:p>
@@ -1036,7 +1036,7 @@
           <a:p>
             <a:fld id="{55465C39-D47E-4138-800A-7D6CA5F3257E}" type="datetimeFigureOut">
               <a:rPr lang="ru-RU" smtClean="0"/>
-              <a:t>15.10.2022</a:t>
+              <a:t>16.10.2022</a:t>
             </a:fld>
             <a:endParaRPr lang="ru-RU"/>
           </a:p>
@@ -1268,7 +1268,7 @@
           <a:p>
             <a:fld id="{55465C39-D47E-4138-800A-7D6CA5F3257E}" type="datetimeFigureOut">
               <a:rPr lang="ru-RU" smtClean="0"/>
-              <a:t>15.10.2022</a:t>
+              <a:t>16.10.2022</a:t>
             </a:fld>
             <a:endParaRPr lang="ru-RU"/>
           </a:p>
@@ -1635,7 +1635,7 @@
           <a:p>
             <a:fld id="{55465C39-D47E-4138-800A-7D6CA5F3257E}" type="datetimeFigureOut">
               <a:rPr lang="ru-RU" smtClean="0"/>
-              <a:t>15.10.2022</a:t>
+              <a:t>16.10.2022</a:t>
             </a:fld>
             <a:endParaRPr lang="ru-RU"/>
           </a:p>
@@ -1753,7 +1753,7 @@
           <a:p>
             <a:fld id="{55465C39-D47E-4138-800A-7D6CA5F3257E}" type="datetimeFigureOut">
               <a:rPr lang="ru-RU" smtClean="0"/>
-              <a:t>15.10.2022</a:t>
+              <a:t>16.10.2022</a:t>
             </a:fld>
             <a:endParaRPr lang="ru-RU"/>
           </a:p>
@@ -1848,7 +1848,7 @@
           <a:p>
             <a:fld id="{55465C39-D47E-4138-800A-7D6CA5F3257E}" type="datetimeFigureOut">
               <a:rPr lang="ru-RU" smtClean="0"/>
-              <a:t>15.10.2022</a:t>
+              <a:t>16.10.2022</a:t>
             </a:fld>
             <a:endParaRPr lang="ru-RU"/>
           </a:p>
@@ -2125,7 +2125,7 @@
           <a:p>
             <a:fld id="{55465C39-D47E-4138-800A-7D6CA5F3257E}" type="datetimeFigureOut">
               <a:rPr lang="ru-RU" smtClean="0"/>
-              <a:t>15.10.2022</a:t>
+              <a:t>16.10.2022</a:t>
             </a:fld>
             <a:endParaRPr lang="ru-RU"/>
           </a:p>
@@ -2382,7 +2382,7 @@
           <a:p>
             <a:fld id="{55465C39-D47E-4138-800A-7D6CA5F3257E}" type="datetimeFigureOut">
               <a:rPr lang="ru-RU" smtClean="0"/>
-              <a:t>15.10.2022</a:t>
+              <a:t>16.10.2022</a:t>
             </a:fld>
             <a:endParaRPr lang="ru-RU"/>
           </a:p>
@@ -2595,7 +2595,7 @@
           <a:p>
             <a:fld id="{55465C39-D47E-4138-800A-7D6CA5F3257E}" type="datetimeFigureOut">
               <a:rPr lang="ru-RU" smtClean="0"/>
-              <a:t>15.10.2022</a:t>
+              <a:t>16.10.2022</a:t>
             </a:fld>
             <a:endParaRPr lang="ru-RU"/>
           </a:p>

--- a/manual/Pictures 2.0/Pictures 2.0.pptx
+++ b/manual/Pictures 2.0/Pictures 2.0.pptx
@@ -19,11 +19,12 @@
     <p:sldId id="279" r:id="rId13"/>
     <p:sldId id="264" r:id="rId14"/>
     <p:sldId id="280" r:id="rId15"/>
-    <p:sldId id="265" r:id="rId16"/>
-    <p:sldId id="266" r:id="rId17"/>
-    <p:sldId id="267" r:id="rId18"/>
-    <p:sldId id="268" r:id="rId19"/>
-    <p:sldId id="269" r:id="rId20"/>
+    <p:sldId id="281" r:id="rId16"/>
+    <p:sldId id="265" r:id="rId17"/>
+    <p:sldId id="266" r:id="rId18"/>
+    <p:sldId id="267" r:id="rId19"/>
+    <p:sldId id="268" r:id="rId20"/>
+    <p:sldId id="269" r:id="rId21"/>
   </p:sldIdLst>
   <p:sldSz cx="9144000" cy="6858000" type="screen4x3"/>
   <p:notesSz cx="6858000" cy="9144000"/>
@@ -8528,6 +8529,1311 @@
           </a:prstGeom>
         </p:spPr>
       </p:pic>
+      <p:pic>
+        <p:nvPicPr>
+          <p:cNvPr id="10" name="Picture 9">
+            <a:extLst>
+              <a:ext uri="{FF2B5EF4-FFF2-40B4-BE49-F238E27FC236}">
+                <a16:creationId xmlns:a16="http://schemas.microsoft.com/office/drawing/2014/main" id="{729333D6-466D-0F65-BB72-DC0C27EE643B}"/>
+              </a:ext>
+            </a:extLst>
+          </p:cNvPr>
+          <p:cNvPicPr>
+            <a:picLocks noChangeAspect="1"/>
+          </p:cNvPicPr>
+          <p:nvPr/>
+        </p:nvPicPr>
+        <p:blipFill rotWithShape="1">
+          <a:blip r:embed="rId4"/>
+          <a:srcRect l="7270" t="10293" r="5845" b="15464"/>
+          <a:stretch/>
+        </p:blipFill>
+        <p:spPr>
+          <a:xfrm>
+            <a:off x="4271596" y="619126"/>
+            <a:ext cx="504825" cy="233362"/>
+          </a:xfrm>
+          <a:prstGeom prst="rect">
+            <a:avLst/>
+          </a:prstGeom>
+        </p:spPr>
+      </p:pic>
+      <p:pic>
+        <p:nvPicPr>
+          <p:cNvPr id="12" name="Picture 11">
+            <a:extLst>
+              <a:ext uri="{FF2B5EF4-FFF2-40B4-BE49-F238E27FC236}">
+                <a16:creationId xmlns:a16="http://schemas.microsoft.com/office/drawing/2014/main" id="{67A55129-0546-5130-FE03-90739C9E42B0}"/>
+              </a:ext>
+            </a:extLst>
+          </p:cNvPr>
+          <p:cNvPicPr>
+            <a:picLocks noChangeAspect="1"/>
+          </p:cNvPicPr>
+          <p:nvPr/>
+        </p:nvPicPr>
+        <p:blipFill rotWithShape="1">
+          <a:blip r:embed="rId5"/>
+          <a:srcRect l="7732" t="12386" r="6202" b="16186"/>
+          <a:stretch/>
+        </p:blipFill>
+        <p:spPr>
+          <a:xfrm>
+            <a:off x="4842363" y="632680"/>
+            <a:ext cx="500063" cy="238125"/>
+          </a:xfrm>
+          <a:prstGeom prst="rect">
+            <a:avLst/>
+          </a:prstGeom>
+        </p:spPr>
+      </p:pic>
+      <p:pic>
+        <p:nvPicPr>
+          <p:cNvPr id="14" name="Picture 13">
+            <a:extLst>
+              <a:ext uri="{FF2B5EF4-FFF2-40B4-BE49-F238E27FC236}">
+                <a16:creationId xmlns:a16="http://schemas.microsoft.com/office/drawing/2014/main" id="{B5CD300B-109B-8F7E-CBA2-315D6DC826AF}"/>
+              </a:ext>
+            </a:extLst>
+          </p:cNvPr>
+          <p:cNvPicPr>
+            <a:picLocks noChangeAspect="1"/>
+          </p:cNvPicPr>
+          <p:nvPr/>
+        </p:nvPicPr>
+        <p:blipFill rotWithShape="1">
+          <a:blip r:embed="rId6"/>
+          <a:srcRect l="6724" t="10858" r="7043" b="11017"/>
+          <a:stretch/>
+        </p:blipFill>
+        <p:spPr>
+          <a:xfrm>
+            <a:off x="4195763" y="952501"/>
+            <a:ext cx="566737" cy="238125"/>
+          </a:xfrm>
+          <a:prstGeom prst="rect">
+            <a:avLst/>
+          </a:prstGeom>
+        </p:spPr>
+      </p:pic>
+      <p:pic>
+        <p:nvPicPr>
+          <p:cNvPr id="16" name="Picture 15">
+            <a:extLst>
+              <a:ext uri="{FF2B5EF4-FFF2-40B4-BE49-F238E27FC236}">
+                <a16:creationId xmlns:a16="http://schemas.microsoft.com/office/drawing/2014/main" id="{5332AE5B-EE40-5219-4339-A806E79F8473}"/>
+              </a:ext>
+            </a:extLst>
+          </p:cNvPr>
+          <p:cNvPicPr>
+            <a:picLocks noChangeAspect="1"/>
+          </p:cNvPicPr>
+          <p:nvPr/>
+        </p:nvPicPr>
+        <p:blipFill rotWithShape="1">
+          <a:blip r:embed="rId7"/>
+          <a:srcRect l="7420" t="11876" r="7902" b="11562"/>
+          <a:stretch/>
+        </p:blipFill>
+        <p:spPr>
+          <a:xfrm>
+            <a:off x="4295775" y="189401"/>
+            <a:ext cx="500064" cy="233362"/>
+          </a:xfrm>
+          <a:prstGeom prst="rect">
+            <a:avLst/>
+          </a:prstGeom>
+        </p:spPr>
+      </p:pic>
+      <p:pic>
+        <p:nvPicPr>
+          <p:cNvPr id="18" name="Picture 17">
+            <a:extLst>
+              <a:ext uri="{FF2B5EF4-FFF2-40B4-BE49-F238E27FC236}">
+                <a16:creationId xmlns:a16="http://schemas.microsoft.com/office/drawing/2014/main" id="{93FD7B44-61EA-6A02-1D7B-8DCE3AA45BB0}"/>
+              </a:ext>
+            </a:extLst>
+          </p:cNvPr>
+          <p:cNvPicPr>
+            <a:picLocks noChangeAspect="1"/>
+          </p:cNvPicPr>
+          <p:nvPr/>
+        </p:nvPicPr>
+        <p:blipFill rotWithShape="1">
+          <a:blip r:embed="rId8"/>
+          <a:srcRect l="8117" t="10607" r="5652" b="13636"/>
+          <a:stretch/>
+        </p:blipFill>
+        <p:spPr>
+          <a:xfrm>
+            <a:off x="4904276" y="188669"/>
+            <a:ext cx="566739" cy="238125"/>
+          </a:xfrm>
+          <a:prstGeom prst="rect">
+            <a:avLst/>
+          </a:prstGeom>
+        </p:spPr>
+      </p:pic>
+      <p:pic>
+        <p:nvPicPr>
+          <p:cNvPr id="20" name="Picture 19">
+            <a:extLst>
+              <a:ext uri="{FF2B5EF4-FFF2-40B4-BE49-F238E27FC236}">
+                <a16:creationId xmlns:a16="http://schemas.microsoft.com/office/drawing/2014/main" id="{904FEA24-2E94-C0BF-4463-F7FF00CBAA1D}"/>
+              </a:ext>
+            </a:extLst>
+          </p:cNvPr>
+          <p:cNvPicPr>
+            <a:picLocks noChangeAspect="1"/>
+          </p:cNvPicPr>
+          <p:nvPr/>
+        </p:nvPicPr>
+        <p:blipFill rotWithShape="1">
+          <a:blip r:embed="rId9"/>
+          <a:srcRect l="9870" t="18285" r="2467" b="11713"/>
+          <a:stretch/>
+        </p:blipFill>
+        <p:spPr>
+          <a:xfrm>
+            <a:off x="5594838" y="210283"/>
+            <a:ext cx="642939" cy="233362"/>
+          </a:xfrm>
+          <a:prstGeom prst="rect">
+            <a:avLst/>
+          </a:prstGeom>
+        </p:spPr>
+      </p:pic>
+      <p:pic>
+        <p:nvPicPr>
+          <p:cNvPr id="22" name="Picture 21">
+            <a:extLst>
+              <a:ext uri="{FF2B5EF4-FFF2-40B4-BE49-F238E27FC236}">
+                <a16:creationId xmlns:a16="http://schemas.microsoft.com/office/drawing/2014/main" id="{F056F56A-C05D-527F-7C04-A7681F89925D}"/>
+              </a:ext>
+            </a:extLst>
+          </p:cNvPr>
+          <p:cNvPicPr>
+            <a:picLocks noChangeAspect="1"/>
+          </p:cNvPicPr>
+          <p:nvPr/>
+        </p:nvPicPr>
+        <p:blipFill rotWithShape="1">
+          <a:blip r:embed="rId10"/>
+          <a:srcRect l="7214" t="11470" r="5902" b="15000"/>
+          <a:stretch/>
+        </p:blipFill>
+        <p:spPr>
+          <a:xfrm>
+            <a:off x="4233863" y="1304925"/>
+            <a:ext cx="504825" cy="238126"/>
+          </a:xfrm>
+          <a:prstGeom prst="rect">
+            <a:avLst/>
+          </a:prstGeom>
+        </p:spPr>
+      </p:pic>
+      <p:pic>
+        <p:nvPicPr>
+          <p:cNvPr id="24" name="Picture 23">
+            <a:extLst>
+              <a:ext uri="{FF2B5EF4-FFF2-40B4-BE49-F238E27FC236}">
+                <a16:creationId xmlns:a16="http://schemas.microsoft.com/office/drawing/2014/main" id="{DF99739C-0132-EA6D-0B0D-7C1E39CC5E95}"/>
+              </a:ext>
+            </a:extLst>
+          </p:cNvPr>
+          <p:cNvPicPr>
+            <a:picLocks noChangeAspect="1"/>
+          </p:cNvPicPr>
+          <p:nvPr/>
+        </p:nvPicPr>
+        <p:blipFill rotWithShape="1">
+          <a:blip r:embed="rId11"/>
+          <a:srcRect l="4143" t="11453" r="7285" b="10322"/>
+          <a:stretch/>
+        </p:blipFill>
+        <p:spPr>
+          <a:xfrm>
+            <a:off x="4199096" y="1788319"/>
+            <a:ext cx="590551" cy="230981"/>
+          </a:xfrm>
+          <a:prstGeom prst="rect">
+            <a:avLst/>
+          </a:prstGeom>
+        </p:spPr>
+      </p:pic>
+      <p:pic>
+        <p:nvPicPr>
+          <p:cNvPr id="26" name="Picture 25">
+            <a:extLst>
+              <a:ext uri="{FF2B5EF4-FFF2-40B4-BE49-F238E27FC236}">
+                <a16:creationId xmlns:a16="http://schemas.microsoft.com/office/drawing/2014/main" id="{FD238B05-03BC-95F9-5523-445778A15C8B}"/>
+              </a:ext>
+            </a:extLst>
+          </p:cNvPr>
+          <p:cNvPicPr>
+            <a:picLocks noChangeAspect="1"/>
+          </p:cNvPicPr>
+          <p:nvPr/>
+        </p:nvPicPr>
+        <p:blipFill rotWithShape="1">
+          <a:blip r:embed="rId12"/>
+          <a:srcRect l="5736" t="9195" r="3455" b="13385"/>
+          <a:stretch/>
+        </p:blipFill>
+        <p:spPr>
+          <a:xfrm>
+            <a:off x="4565625" y="1950718"/>
+            <a:ext cx="588170" cy="228601"/>
+          </a:xfrm>
+          <a:prstGeom prst="rect">
+            <a:avLst/>
+          </a:prstGeom>
+        </p:spPr>
+      </p:pic>
+      <p:pic>
+        <p:nvPicPr>
+          <p:cNvPr id="28" name="Picture 27">
+            <a:extLst>
+              <a:ext uri="{FF2B5EF4-FFF2-40B4-BE49-F238E27FC236}">
+                <a16:creationId xmlns:a16="http://schemas.microsoft.com/office/drawing/2014/main" id="{95944FF7-163E-578E-BDDE-E8DC041E37C4}"/>
+              </a:ext>
+            </a:extLst>
+          </p:cNvPr>
+          <p:cNvPicPr>
+            <a:picLocks noChangeAspect="1"/>
+          </p:cNvPicPr>
+          <p:nvPr/>
+        </p:nvPicPr>
+        <p:blipFill rotWithShape="1">
+          <a:blip r:embed="rId13"/>
+          <a:srcRect l="6014" t="9033" r="4493" b="13548"/>
+          <a:stretch/>
+        </p:blipFill>
+        <p:spPr>
+          <a:xfrm>
+            <a:off x="4966811" y="1798320"/>
+            <a:ext cx="588170" cy="228600"/>
+          </a:xfrm>
+          <a:prstGeom prst="rect">
+            <a:avLst/>
+          </a:prstGeom>
+        </p:spPr>
+      </p:pic>
+      <p:pic>
+        <p:nvPicPr>
+          <p:cNvPr id="30" name="Picture 29">
+            <a:extLst>
+              <a:ext uri="{FF2B5EF4-FFF2-40B4-BE49-F238E27FC236}">
+                <a16:creationId xmlns:a16="http://schemas.microsoft.com/office/drawing/2014/main" id="{61C8125D-E814-DD6A-A7CB-3CE542E0EECC}"/>
+              </a:ext>
+            </a:extLst>
+          </p:cNvPr>
+          <p:cNvPicPr>
+            <a:picLocks noChangeAspect="1"/>
+          </p:cNvPicPr>
+          <p:nvPr/>
+        </p:nvPicPr>
+        <p:blipFill rotWithShape="1">
+          <a:blip r:embed="rId14"/>
+          <a:srcRect l="6972" t="13529" r="5703" b="15148"/>
+          <a:stretch/>
+        </p:blipFill>
+        <p:spPr>
+          <a:xfrm>
+            <a:off x="5410163" y="1924307"/>
+            <a:ext cx="590550" cy="230980"/>
+          </a:xfrm>
+          <a:prstGeom prst="rect">
+            <a:avLst/>
+          </a:prstGeom>
+        </p:spPr>
+      </p:pic>
+      <p:pic>
+        <p:nvPicPr>
+          <p:cNvPr id="32" name="Picture 31">
+            <a:extLst>
+              <a:ext uri="{FF2B5EF4-FFF2-40B4-BE49-F238E27FC236}">
+                <a16:creationId xmlns:a16="http://schemas.microsoft.com/office/drawing/2014/main" id="{E2DC77E5-1BDD-C148-9B24-D87DD2E7E11A}"/>
+              </a:ext>
+            </a:extLst>
+          </p:cNvPr>
+          <p:cNvPicPr>
+            <a:picLocks noChangeAspect="1"/>
+          </p:cNvPicPr>
+          <p:nvPr/>
+        </p:nvPicPr>
+        <p:blipFill rotWithShape="1">
+          <a:blip r:embed="rId15"/>
+          <a:srcRect l="5286" t="13531" r="5785" b="15146"/>
+          <a:stretch/>
+        </p:blipFill>
+        <p:spPr>
+          <a:xfrm>
+            <a:off x="5853588" y="1773078"/>
+            <a:ext cx="592932" cy="230981"/>
+          </a:xfrm>
+          <a:prstGeom prst="rect">
+            <a:avLst/>
+          </a:prstGeom>
+        </p:spPr>
+      </p:pic>
+      <p:pic>
+        <p:nvPicPr>
+          <p:cNvPr id="34" name="Picture 33">
+            <a:extLst>
+              <a:ext uri="{FF2B5EF4-FFF2-40B4-BE49-F238E27FC236}">
+                <a16:creationId xmlns:a16="http://schemas.microsoft.com/office/drawing/2014/main" id="{8D768C06-29C6-508E-DF1F-7B8649F4D5A5}"/>
+              </a:ext>
+            </a:extLst>
+          </p:cNvPr>
+          <p:cNvPicPr>
+            <a:picLocks noChangeAspect="1"/>
+          </p:cNvPicPr>
+          <p:nvPr/>
+        </p:nvPicPr>
+        <p:blipFill rotWithShape="1">
+          <a:blip r:embed="rId16"/>
+          <a:srcRect l="4494" t="7811" r="5651" b="16406"/>
+          <a:stretch/>
+        </p:blipFill>
+        <p:spPr>
+          <a:xfrm>
+            <a:off x="6369149" y="1940718"/>
+            <a:ext cx="590550" cy="230982"/>
+          </a:xfrm>
+          <a:prstGeom prst="rect">
+            <a:avLst/>
+          </a:prstGeom>
+        </p:spPr>
+      </p:pic>
+      <p:pic>
+        <p:nvPicPr>
+          <p:cNvPr id="38" name="Picture 37">
+            <a:extLst>
+              <a:ext uri="{FF2B5EF4-FFF2-40B4-BE49-F238E27FC236}">
+                <a16:creationId xmlns:a16="http://schemas.microsoft.com/office/drawing/2014/main" id="{A9DE7405-4E2D-A9D6-E336-B5A32CDB8ECE}"/>
+              </a:ext>
+            </a:extLst>
+          </p:cNvPr>
+          <p:cNvPicPr>
+            <a:picLocks noChangeAspect="1"/>
+          </p:cNvPicPr>
+          <p:nvPr/>
+        </p:nvPicPr>
+        <p:blipFill rotWithShape="1">
+          <a:blip r:embed="rId17"/>
+          <a:srcRect l="5302" t="7143" r="2273" b="10714"/>
+          <a:stretch/>
+        </p:blipFill>
+        <p:spPr>
+          <a:xfrm>
+            <a:off x="5133610" y="1136773"/>
+            <a:ext cx="581026" cy="219075"/>
+          </a:xfrm>
+          <a:prstGeom prst="rect">
+            <a:avLst/>
+          </a:prstGeom>
+        </p:spPr>
+      </p:pic>
+      <p:pic>
+        <p:nvPicPr>
+          <p:cNvPr id="40" name="Picture 39">
+            <a:extLst>
+              <a:ext uri="{FF2B5EF4-FFF2-40B4-BE49-F238E27FC236}">
+                <a16:creationId xmlns:a16="http://schemas.microsoft.com/office/drawing/2014/main" id="{A0B649C4-E267-0F2A-68BA-881A67B4A477}"/>
+              </a:ext>
+            </a:extLst>
+          </p:cNvPr>
+          <p:cNvPicPr>
+            <a:picLocks noChangeAspect="1"/>
+          </p:cNvPicPr>
+          <p:nvPr/>
+        </p:nvPicPr>
+        <p:blipFill rotWithShape="1">
+          <a:blip r:embed="rId18"/>
+          <a:srcRect l="6618" t="8929" r="3675" b="8929"/>
+          <a:stretch/>
+        </p:blipFill>
+        <p:spPr>
+          <a:xfrm>
+            <a:off x="5882420" y="1130544"/>
+            <a:ext cx="581025" cy="219075"/>
+          </a:xfrm>
+          <a:prstGeom prst="rect">
+            <a:avLst/>
+          </a:prstGeom>
+        </p:spPr>
+      </p:pic>
+      <p:pic>
+        <p:nvPicPr>
+          <p:cNvPr id="48" name="Picture 47">
+            <a:extLst>
+              <a:ext uri="{FF2B5EF4-FFF2-40B4-BE49-F238E27FC236}">
+                <a16:creationId xmlns:a16="http://schemas.microsoft.com/office/drawing/2014/main" id="{78B60525-24B6-27F5-660C-F7CB52490B27}"/>
+              </a:ext>
+            </a:extLst>
+          </p:cNvPr>
+          <p:cNvPicPr>
+            <a:picLocks noChangeAspect="1"/>
+          </p:cNvPicPr>
+          <p:nvPr/>
+        </p:nvPicPr>
+        <p:blipFill rotWithShape="1">
+          <a:blip r:embed="rId19"/>
+          <a:srcRect l="1282" t="6666" r="3333" b="11111"/>
+          <a:stretch/>
+        </p:blipFill>
+        <p:spPr>
+          <a:xfrm>
+            <a:off x="4276725" y="2482850"/>
+            <a:ext cx="590550" cy="234950"/>
+          </a:xfrm>
+          <a:prstGeom prst="rect">
+            <a:avLst/>
+          </a:prstGeom>
+        </p:spPr>
+      </p:pic>
+      <p:pic>
+        <p:nvPicPr>
+          <p:cNvPr id="50" name="Picture 49">
+            <a:extLst>
+              <a:ext uri="{FF2B5EF4-FFF2-40B4-BE49-F238E27FC236}">
+                <a16:creationId xmlns:a16="http://schemas.microsoft.com/office/drawing/2014/main" id="{9AC0005C-B851-8F86-9245-72E94BD08B74}"/>
+              </a:ext>
+            </a:extLst>
+          </p:cNvPr>
+          <p:cNvPicPr>
+            <a:picLocks noChangeAspect="1"/>
+          </p:cNvPicPr>
+          <p:nvPr/>
+        </p:nvPicPr>
+        <p:blipFill rotWithShape="1">
+          <a:blip r:embed="rId20"/>
+          <a:srcRect l="1283" t="3571" r="3332" b="7143"/>
+          <a:stretch/>
+        </p:blipFill>
+        <p:spPr>
+          <a:xfrm>
+            <a:off x="4749068" y="2610826"/>
+            <a:ext cx="590551" cy="238125"/>
+          </a:xfrm>
+          <a:prstGeom prst="rect">
+            <a:avLst/>
+          </a:prstGeom>
+        </p:spPr>
+      </p:pic>
+      <p:pic>
+        <p:nvPicPr>
+          <p:cNvPr id="52" name="Picture 51">
+            <a:extLst>
+              <a:ext uri="{FF2B5EF4-FFF2-40B4-BE49-F238E27FC236}">
+                <a16:creationId xmlns:a16="http://schemas.microsoft.com/office/drawing/2014/main" id="{EAAB7163-DBDE-CD9C-4755-FE3F90CB72AC}"/>
+              </a:ext>
+            </a:extLst>
+          </p:cNvPr>
+          <p:cNvPicPr>
+            <a:picLocks noChangeAspect="1"/>
+          </p:cNvPicPr>
+          <p:nvPr/>
+        </p:nvPicPr>
+        <p:blipFill rotWithShape="1">
+          <a:blip r:embed="rId21"/>
+          <a:srcRect l="2941" t="10215" r="5882" b="10215"/>
+          <a:stretch/>
+        </p:blipFill>
+        <p:spPr>
+          <a:xfrm>
+            <a:off x="5232888" y="2448658"/>
+            <a:ext cx="590550" cy="234950"/>
+          </a:xfrm>
+          <a:prstGeom prst="rect">
+            <a:avLst/>
+          </a:prstGeom>
+        </p:spPr>
+      </p:pic>
+      <p:pic>
+        <p:nvPicPr>
+          <p:cNvPr id="54" name="Picture 53">
+            <a:extLst>
+              <a:ext uri="{FF2B5EF4-FFF2-40B4-BE49-F238E27FC236}">
+                <a16:creationId xmlns:a16="http://schemas.microsoft.com/office/drawing/2014/main" id="{283DF721-D99C-FD3E-AA45-60A2DFFBAF1D}"/>
+              </a:ext>
+            </a:extLst>
+          </p:cNvPr>
+          <p:cNvPicPr>
+            <a:picLocks noChangeAspect="1"/>
+          </p:cNvPicPr>
+          <p:nvPr/>
+        </p:nvPicPr>
+        <p:blipFill rotWithShape="1">
+          <a:blip r:embed="rId22"/>
+          <a:srcRect l="1794" t="4023" r="3333" b="10920"/>
+          <a:stretch/>
+        </p:blipFill>
+        <p:spPr>
+          <a:xfrm>
+            <a:off x="5736979" y="2607653"/>
+            <a:ext cx="587375" cy="234950"/>
+          </a:xfrm>
+          <a:prstGeom prst="rect">
+            <a:avLst/>
+          </a:prstGeom>
+        </p:spPr>
+      </p:pic>
+      <p:pic>
+        <p:nvPicPr>
+          <p:cNvPr id="56" name="Picture 55">
+            <a:extLst>
+              <a:ext uri="{FF2B5EF4-FFF2-40B4-BE49-F238E27FC236}">
+                <a16:creationId xmlns:a16="http://schemas.microsoft.com/office/drawing/2014/main" id="{A3B6AE1B-3186-E1C7-C115-10C3A64A5A6A}"/>
+              </a:ext>
+            </a:extLst>
+          </p:cNvPr>
+          <p:cNvPicPr>
+            <a:picLocks noChangeAspect="1"/>
+          </p:cNvPicPr>
+          <p:nvPr/>
+        </p:nvPicPr>
+        <p:blipFill rotWithShape="1">
+          <a:blip r:embed="rId23"/>
+          <a:srcRect l="2021" t="4024" r="5050" b="12068"/>
+          <a:stretch/>
+        </p:blipFill>
+        <p:spPr>
+          <a:xfrm>
+            <a:off x="6218359" y="2460869"/>
+            <a:ext cx="584200" cy="231775"/>
+          </a:xfrm>
+          <a:prstGeom prst="rect">
+            <a:avLst/>
+          </a:prstGeom>
+        </p:spPr>
+      </p:pic>
+      <p:pic>
+        <p:nvPicPr>
+          <p:cNvPr id="58" name="Picture 57">
+            <a:extLst>
+              <a:ext uri="{FF2B5EF4-FFF2-40B4-BE49-F238E27FC236}">
+                <a16:creationId xmlns:a16="http://schemas.microsoft.com/office/drawing/2014/main" id="{58382842-37BA-3C83-5680-D4A7F4F7BAF0}"/>
+              </a:ext>
+            </a:extLst>
+          </p:cNvPr>
+          <p:cNvPicPr>
+            <a:picLocks noChangeAspect="1"/>
+          </p:cNvPicPr>
+          <p:nvPr/>
+        </p:nvPicPr>
+        <p:blipFill rotWithShape="1">
+          <a:blip r:embed="rId24"/>
+          <a:srcRect l="3731" t="6990" r="5224" b="13439"/>
+          <a:stretch/>
+        </p:blipFill>
+        <p:spPr>
+          <a:xfrm>
+            <a:off x="6627446" y="2634762"/>
+            <a:ext cx="581025" cy="234950"/>
+          </a:xfrm>
+          <a:prstGeom prst="rect">
+            <a:avLst/>
+          </a:prstGeom>
+        </p:spPr>
+      </p:pic>
+      <p:pic>
+        <p:nvPicPr>
+          <p:cNvPr id="60" name="Picture 59">
+            <a:extLst>
+              <a:ext uri="{FF2B5EF4-FFF2-40B4-BE49-F238E27FC236}">
+                <a16:creationId xmlns:a16="http://schemas.microsoft.com/office/drawing/2014/main" id="{FA67AE89-B6D6-158C-7F31-C5EEB680B91A}"/>
+              </a:ext>
+            </a:extLst>
+          </p:cNvPr>
+          <p:cNvPicPr>
+            <a:picLocks noChangeAspect="1"/>
+          </p:cNvPicPr>
+          <p:nvPr/>
+        </p:nvPicPr>
+        <p:blipFill rotWithShape="1">
+          <a:blip r:embed="rId25"/>
+          <a:srcRect l="3571" t="3704" r="4465" b="8333"/>
+          <a:stretch/>
+        </p:blipFill>
+        <p:spPr>
+          <a:xfrm>
+            <a:off x="4198143" y="3163035"/>
+            <a:ext cx="490538" cy="226218"/>
+          </a:xfrm>
+          <a:prstGeom prst="rect">
+            <a:avLst/>
+          </a:prstGeom>
+        </p:spPr>
+      </p:pic>
+      <p:pic>
+        <p:nvPicPr>
+          <p:cNvPr id="62" name="Picture 61">
+            <a:extLst>
+              <a:ext uri="{FF2B5EF4-FFF2-40B4-BE49-F238E27FC236}">
+                <a16:creationId xmlns:a16="http://schemas.microsoft.com/office/drawing/2014/main" id="{6E16B586-23C3-5D2A-CECF-9F4DF8FAB7C4}"/>
+              </a:ext>
+            </a:extLst>
+          </p:cNvPr>
+          <p:cNvPicPr>
+            <a:picLocks noChangeAspect="1"/>
+          </p:cNvPicPr>
+          <p:nvPr/>
+        </p:nvPicPr>
+        <p:blipFill rotWithShape="1">
+          <a:blip r:embed="rId26"/>
+          <a:srcRect l="3468" t="7098" r="3674" b="11003"/>
+          <a:stretch/>
+        </p:blipFill>
+        <p:spPr>
+          <a:xfrm>
+            <a:off x="4688681" y="3163033"/>
+            <a:ext cx="495300" cy="226220"/>
+          </a:xfrm>
+          <a:prstGeom prst="rect">
+            <a:avLst/>
+          </a:prstGeom>
+        </p:spPr>
+      </p:pic>
+      <p:pic>
+        <p:nvPicPr>
+          <p:cNvPr id="64" name="Picture 63">
+            <a:extLst>
+              <a:ext uri="{FF2B5EF4-FFF2-40B4-BE49-F238E27FC236}">
+                <a16:creationId xmlns:a16="http://schemas.microsoft.com/office/drawing/2014/main" id="{CC0C8F08-0DD5-1CEE-EE28-1217DB0A279C}"/>
+              </a:ext>
+            </a:extLst>
+          </p:cNvPr>
+          <p:cNvPicPr>
+            <a:picLocks noChangeAspect="1"/>
+          </p:cNvPicPr>
+          <p:nvPr/>
+        </p:nvPicPr>
+        <p:blipFill rotWithShape="1">
+          <a:blip r:embed="rId27"/>
+          <a:srcRect l="1208" t="9678" r="1935" b="13709"/>
+          <a:stretch/>
+        </p:blipFill>
+        <p:spPr>
+          <a:xfrm>
+            <a:off x="5467349" y="3196371"/>
+            <a:ext cx="1466851" cy="226220"/>
+          </a:xfrm>
+          <a:prstGeom prst="rect">
+            <a:avLst/>
+          </a:prstGeom>
+        </p:spPr>
+      </p:pic>
+      <p:pic>
+        <p:nvPicPr>
+          <p:cNvPr id="66" name="Picture 65">
+            <a:extLst>
+              <a:ext uri="{FF2B5EF4-FFF2-40B4-BE49-F238E27FC236}">
+                <a16:creationId xmlns:a16="http://schemas.microsoft.com/office/drawing/2014/main" id="{21DAA450-8A76-3A4F-F1A8-9C6FF9CE0344}"/>
+              </a:ext>
+            </a:extLst>
+          </p:cNvPr>
+          <p:cNvPicPr>
+            <a:picLocks noChangeAspect="1"/>
+          </p:cNvPicPr>
+          <p:nvPr/>
+        </p:nvPicPr>
+        <p:blipFill rotWithShape="1">
+          <a:blip r:embed="rId28"/>
+          <a:srcRect l="5264" t="6249" r="3947" b="8036"/>
+          <a:stretch/>
+        </p:blipFill>
+        <p:spPr>
+          <a:xfrm>
+            <a:off x="4205287" y="3655952"/>
+            <a:ext cx="492919" cy="228600"/>
+          </a:xfrm>
+          <a:prstGeom prst="rect">
+            <a:avLst/>
+          </a:prstGeom>
+        </p:spPr>
+      </p:pic>
+      <p:pic>
+        <p:nvPicPr>
+          <p:cNvPr id="68" name="Picture 67">
+            <a:extLst>
+              <a:ext uri="{FF2B5EF4-FFF2-40B4-BE49-F238E27FC236}">
+                <a16:creationId xmlns:a16="http://schemas.microsoft.com/office/drawing/2014/main" id="{0AA628F0-5264-0F0D-C2C5-EFB1F88ED6D3}"/>
+              </a:ext>
+            </a:extLst>
+          </p:cNvPr>
+          <p:cNvPicPr>
+            <a:picLocks noChangeAspect="1"/>
+          </p:cNvPicPr>
+          <p:nvPr/>
+        </p:nvPicPr>
+        <p:blipFill rotWithShape="1">
+          <a:blip r:embed="rId29"/>
+          <a:srcRect l="1818" t="6034" r="3635" b="11207"/>
+          <a:stretch/>
+        </p:blipFill>
+        <p:spPr>
+          <a:xfrm>
+            <a:off x="4698208" y="3655951"/>
+            <a:ext cx="495300" cy="228601"/>
+          </a:xfrm>
+          <a:prstGeom prst="rect">
+            <a:avLst/>
+          </a:prstGeom>
+        </p:spPr>
+      </p:pic>
+      <p:pic>
+        <p:nvPicPr>
+          <p:cNvPr id="70" name="Picture 69">
+            <a:extLst>
+              <a:ext uri="{FF2B5EF4-FFF2-40B4-BE49-F238E27FC236}">
+                <a16:creationId xmlns:a16="http://schemas.microsoft.com/office/drawing/2014/main" id="{18A67CAA-C663-0C86-8A8F-BDECFFC8BF9C}"/>
+              </a:ext>
+            </a:extLst>
+          </p:cNvPr>
+          <p:cNvPicPr>
+            <a:picLocks noChangeAspect="1"/>
+          </p:cNvPicPr>
+          <p:nvPr/>
+        </p:nvPicPr>
+        <p:blipFill rotWithShape="1">
+          <a:blip r:embed="rId30"/>
+          <a:srcRect l="1258" t="6666" r="1888" b="14167"/>
+          <a:stretch/>
+        </p:blipFill>
+        <p:spPr>
+          <a:xfrm>
+            <a:off x="5245894" y="3651189"/>
+            <a:ext cx="1466849" cy="226219"/>
+          </a:xfrm>
+          <a:prstGeom prst="rect">
+            <a:avLst/>
+          </a:prstGeom>
+        </p:spPr>
+      </p:pic>
+      <p:pic>
+        <p:nvPicPr>
+          <p:cNvPr id="72" name="Picture 71">
+            <a:extLst>
+              <a:ext uri="{FF2B5EF4-FFF2-40B4-BE49-F238E27FC236}">
+                <a16:creationId xmlns:a16="http://schemas.microsoft.com/office/drawing/2014/main" id="{933FF916-C571-3AF8-52F3-ECC91A93A423}"/>
+              </a:ext>
+            </a:extLst>
+          </p:cNvPr>
+          <p:cNvPicPr>
+            <a:picLocks noChangeAspect="1"/>
+          </p:cNvPicPr>
+          <p:nvPr/>
+        </p:nvPicPr>
+        <p:blipFill rotWithShape="1">
+          <a:blip r:embed="rId31"/>
+          <a:srcRect l="1514" t="5555" r="3334" b="7778"/>
+          <a:stretch/>
+        </p:blipFill>
+        <p:spPr>
+          <a:xfrm>
+            <a:off x="4191001" y="4167064"/>
+            <a:ext cx="498474" cy="247651"/>
+          </a:xfrm>
+          <a:prstGeom prst="rect">
+            <a:avLst/>
+          </a:prstGeom>
+        </p:spPr>
+      </p:pic>
+      <p:pic>
+        <p:nvPicPr>
+          <p:cNvPr id="74" name="Picture 73">
+            <a:extLst>
+              <a:ext uri="{FF2B5EF4-FFF2-40B4-BE49-F238E27FC236}">
+                <a16:creationId xmlns:a16="http://schemas.microsoft.com/office/drawing/2014/main" id="{08F4EF48-2E20-17E0-F81A-532EA7674A7A}"/>
+              </a:ext>
+            </a:extLst>
+          </p:cNvPr>
+          <p:cNvPicPr>
+            <a:picLocks noChangeAspect="1"/>
+          </p:cNvPicPr>
+          <p:nvPr/>
+        </p:nvPicPr>
+        <p:blipFill rotWithShape="1">
+          <a:blip r:embed="rId32"/>
+          <a:srcRect l="2612" t="5915" r="4105" b="11290"/>
+          <a:stretch/>
+        </p:blipFill>
+        <p:spPr>
+          <a:xfrm>
+            <a:off x="4726781" y="4171034"/>
+            <a:ext cx="595313" cy="244476"/>
+          </a:xfrm>
+          <a:prstGeom prst="rect">
+            <a:avLst/>
+          </a:prstGeom>
+        </p:spPr>
+      </p:pic>
+      <p:pic>
+        <p:nvPicPr>
+          <p:cNvPr id="76" name="Picture 75">
+            <a:extLst>
+              <a:ext uri="{FF2B5EF4-FFF2-40B4-BE49-F238E27FC236}">
+                <a16:creationId xmlns:a16="http://schemas.microsoft.com/office/drawing/2014/main" id="{0B3EB7E7-1FD9-9812-DBDD-B860DEB0E710}"/>
+              </a:ext>
+            </a:extLst>
+          </p:cNvPr>
+          <p:cNvPicPr>
+            <a:picLocks noChangeAspect="1"/>
+          </p:cNvPicPr>
+          <p:nvPr/>
+        </p:nvPicPr>
+        <p:blipFill rotWithShape="1">
+          <a:blip r:embed="rId33"/>
+          <a:srcRect l="4348" t="3333" r="5797" b="12499"/>
+          <a:stretch/>
+        </p:blipFill>
+        <p:spPr>
+          <a:xfrm>
+            <a:off x="5343527" y="4173414"/>
+            <a:ext cx="590550" cy="240507"/>
+          </a:xfrm>
+          <a:prstGeom prst="rect">
+            <a:avLst/>
+          </a:prstGeom>
+        </p:spPr>
+      </p:pic>
+      <p:pic>
+        <p:nvPicPr>
+          <p:cNvPr id="78" name="Picture 77">
+            <a:extLst>
+              <a:ext uri="{FF2B5EF4-FFF2-40B4-BE49-F238E27FC236}">
+                <a16:creationId xmlns:a16="http://schemas.microsoft.com/office/drawing/2014/main" id="{8EBAA751-0946-F200-361D-D33FC39A9BE3}"/>
+              </a:ext>
+            </a:extLst>
+          </p:cNvPr>
+          <p:cNvPicPr>
+            <a:picLocks noChangeAspect="1"/>
+          </p:cNvPicPr>
+          <p:nvPr/>
+        </p:nvPicPr>
+        <p:blipFill rotWithShape="1">
+          <a:blip r:embed="rId34"/>
+          <a:srcRect l="3159" t="2499" r="3538" b="13333"/>
+          <a:stretch/>
+        </p:blipFill>
+        <p:spPr>
+          <a:xfrm>
+            <a:off x="4181475" y="4532984"/>
+            <a:ext cx="497681" cy="240506"/>
+          </a:xfrm>
+          <a:prstGeom prst="rect">
+            <a:avLst/>
+          </a:prstGeom>
+        </p:spPr>
+      </p:pic>
+      <p:pic>
+        <p:nvPicPr>
+          <p:cNvPr id="80" name="Picture 79">
+            <a:extLst>
+              <a:ext uri="{FF2B5EF4-FFF2-40B4-BE49-F238E27FC236}">
+                <a16:creationId xmlns:a16="http://schemas.microsoft.com/office/drawing/2014/main" id="{D2FD8A85-9F5A-320D-4045-69F69ADC18B3}"/>
+              </a:ext>
+            </a:extLst>
+          </p:cNvPr>
+          <p:cNvPicPr>
+            <a:picLocks noChangeAspect="1"/>
+          </p:cNvPicPr>
+          <p:nvPr/>
+        </p:nvPicPr>
+        <p:blipFill rotWithShape="1">
+          <a:blip r:embed="rId35"/>
+          <a:srcRect l="1487" t="2757" r="4574" b="13077"/>
+          <a:stretch/>
+        </p:blipFill>
+        <p:spPr>
+          <a:xfrm>
+            <a:off x="4736307" y="4532984"/>
+            <a:ext cx="590550" cy="240506"/>
+          </a:xfrm>
+          <a:prstGeom prst="rect">
+            <a:avLst/>
+          </a:prstGeom>
+        </p:spPr>
+      </p:pic>
+      <p:pic>
+        <p:nvPicPr>
+          <p:cNvPr id="82" name="Picture 81">
+            <a:extLst>
+              <a:ext uri="{FF2B5EF4-FFF2-40B4-BE49-F238E27FC236}">
+                <a16:creationId xmlns:a16="http://schemas.microsoft.com/office/drawing/2014/main" id="{448E3C5F-3A07-79D4-7AA0-F9D5EF011AD9}"/>
+              </a:ext>
+            </a:extLst>
+          </p:cNvPr>
+          <p:cNvPicPr>
+            <a:picLocks noChangeAspect="1"/>
+          </p:cNvPicPr>
+          <p:nvPr/>
+        </p:nvPicPr>
+        <p:blipFill rotWithShape="1">
+          <a:blip r:embed="rId36"/>
+          <a:srcRect l="1598" t="2629" r="3018" b="14039"/>
+          <a:stretch/>
+        </p:blipFill>
+        <p:spPr>
+          <a:xfrm>
+            <a:off x="5407818" y="4528221"/>
+            <a:ext cx="590551" cy="238125"/>
+          </a:xfrm>
+          <a:prstGeom prst="rect">
+            <a:avLst/>
+          </a:prstGeom>
+        </p:spPr>
+      </p:pic>
+      <p:pic>
+        <p:nvPicPr>
+          <p:cNvPr id="84" name="Picture 83">
+            <a:extLst>
+              <a:ext uri="{FF2B5EF4-FFF2-40B4-BE49-F238E27FC236}">
+                <a16:creationId xmlns:a16="http://schemas.microsoft.com/office/drawing/2014/main" id="{DA66ACE7-6775-4D5E-1305-11DDCD046B4E}"/>
+              </a:ext>
+            </a:extLst>
+          </p:cNvPr>
+          <p:cNvPicPr>
+            <a:picLocks noChangeAspect="1"/>
+          </p:cNvPicPr>
+          <p:nvPr/>
+        </p:nvPicPr>
+        <p:blipFill rotWithShape="1">
+          <a:blip r:embed="rId37"/>
+          <a:srcRect l="1923" t="4629" r="3076" b="7407"/>
+          <a:stretch/>
+        </p:blipFill>
+        <p:spPr>
+          <a:xfrm>
+            <a:off x="4212430" y="5033046"/>
+            <a:ext cx="588169" cy="226219"/>
+          </a:xfrm>
+          <a:prstGeom prst="rect">
+            <a:avLst/>
+          </a:prstGeom>
+        </p:spPr>
+      </p:pic>
+      <p:pic>
+        <p:nvPicPr>
+          <p:cNvPr id="86" name="Picture 85">
+            <a:extLst>
+              <a:ext uri="{FF2B5EF4-FFF2-40B4-BE49-F238E27FC236}">
+                <a16:creationId xmlns:a16="http://schemas.microsoft.com/office/drawing/2014/main" id="{E3379F5C-E51D-0FA3-F322-D87EFC416698}"/>
+              </a:ext>
+            </a:extLst>
+          </p:cNvPr>
+          <p:cNvPicPr>
+            <a:picLocks noChangeAspect="1"/>
+          </p:cNvPicPr>
+          <p:nvPr/>
+        </p:nvPicPr>
+        <p:blipFill rotWithShape="1">
+          <a:blip r:embed="rId38"/>
+          <a:srcRect l="1137" t="2679" r="4545" b="9821"/>
+          <a:stretch/>
+        </p:blipFill>
+        <p:spPr>
+          <a:xfrm>
+            <a:off x="4912519" y="5023521"/>
+            <a:ext cx="592931" cy="233363"/>
+          </a:xfrm>
+          <a:prstGeom prst="rect">
+            <a:avLst/>
+          </a:prstGeom>
+        </p:spPr>
+      </p:pic>
+      <p:pic>
+        <p:nvPicPr>
+          <p:cNvPr id="88" name="Picture 87">
+            <a:extLst>
+              <a:ext uri="{FF2B5EF4-FFF2-40B4-BE49-F238E27FC236}">
+                <a16:creationId xmlns:a16="http://schemas.microsoft.com/office/drawing/2014/main" id="{D87F6B96-9315-8961-C57B-71DEA04F99E7}"/>
+              </a:ext>
+            </a:extLst>
+          </p:cNvPr>
+          <p:cNvPicPr>
+            <a:picLocks noChangeAspect="1"/>
+          </p:cNvPicPr>
+          <p:nvPr/>
+        </p:nvPicPr>
+        <p:blipFill rotWithShape="1">
+          <a:blip r:embed="rId39"/>
+          <a:srcRect l="3359" t="2678" r="4478" b="9822"/>
+          <a:stretch/>
+        </p:blipFill>
+        <p:spPr>
+          <a:xfrm>
+            <a:off x="4188619" y="5375946"/>
+            <a:ext cx="588169" cy="233364"/>
+          </a:xfrm>
+          <a:prstGeom prst="rect">
+            <a:avLst/>
+          </a:prstGeom>
+        </p:spPr>
+      </p:pic>
+      <p:pic>
+        <p:nvPicPr>
+          <p:cNvPr id="90" name="Picture 89">
+            <a:extLst>
+              <a:ext uri="{FF2B5EF4-FFF2-40B4-BE49-F238E27FC236}">
+                <a16:creationId xmlns:a16="http://schemas.microsoft.com/office/drawing/2014/main" id="{C4193894-8B22-D5AA-05C3-E48EC54B5DCD}"/>
+              </a:ext>
+            </a:extLst>
+          </p:cNvPr>
+          <p:cNvPicPr>
+            <a:picLocks noChangeAspect="1"/>
+          </p:cNvPicPr>
+          <p:nvPr/>
+        </p:nvPicPr>
+        <p:blipFill rotWithShape="1">
+          <a:blip r:embed="rId40"/>
+          <a:srcRect l="3030" t="6897" r="3030" b="10345"/>
+          <a:stretch/>
+        </p:blipFill>
+        <p:spPr>
+          <a:xfrm>
+            <a:off x="4831556" y="5378328"/>
+            <a:ext cx="590550" cy="228600"/>
+          </a:xfrm>
+          <a:prstGeom prst="rect">
+            <a:avLst/>
+          </a:prstGeom>
+        </p:spPr>
+      </p:pic>
+      <p:pic>
+        <p:nvPicPr>
+          <p:cNvPr id="92" name="Picture 91">
+            <a:extLst>
+              <a:ext uri="{FF2B5EF4-FFF2-40B4-BE49-F238E27FC236}">
+                <a16:creationId xmlns:a16="http://schemas.microsoft.com/office/drawing/2014/main" id="{2A5F364B-0C11-116E-F67A-F795C04FDD70}"/>
+              </a:ext>
+            </a:extLst>
+          </p:cNvPr>
+          <p:cNvPicPr>
+            <a:picLocks noChangeAspect="1"/>
+          </p:cNvPicPr>
+          <p:nvPr/>
+        </p:nvPicPr>
+        <p:blipFill rotWithShape="1">
+          <a:blip r:embed="rId41"/>
+          <a:srcRect l="3409" t="6033" r="3409" b="9482"/>
+          <a:stretch/>
+        </p:blipFill>
+        <p:spPr>
+          <a:xfrm>
+            <a:off x="5431631" y="5373565"/>
+            <a:ext cx="585788" cy="233363"/>
+          </a:xfrm>
+          <a:prstGeom prst="rect">
+            <a:avLst/>
+          </a:prstGeom>
+        </p:spPr>
+      </p:pic>
+      <p:pic>
+        <p:nvPicPr>
+          <p:cNvPr id="94" name="Picture 93">
+            <a:extLst>
+              <a:ext uri="{FF2B5EF4-FFF2-40B4-BE49-F238E27FC236}">
+                <a16:creationId xmlns:a16="http://schemas.microsoft.com/office/drawing/2014/main" id="{499EE6C0-7688-55B8-2F34-D619DCB5BAAE}"/>
+              </a:ext>
+            </a:extLst>
+          </p:cNvPr>
+          <p:cNvPicPr>
+            <a:picLocks noChangeAspect="1"/>
+          </p:cNvPicPr>
+          <p:nvPr/>
+        </p:nvPicPr>
+        <p:blipFill rotWithShape="1">
+          <a:blip r:embed="rId42"/>
+          <a:srcRect l="1539" t="3570" r="3076" b="10716"/>
+          <a:stretch/>
+        </p:blipFill>
+        <p:spPr>
+          <a:xfrm>
+            <a:off x="6048374" y="5378328"/>
+            <a:ext cx="590551" cy="228600"/>
+          </a:xfrm>
+          <a:prstGeom prst="rect">
+            <a:avLst/>
+          </a:prstGeom>
+        </p:spPr>
+      </p:pic>
+      <p:pic>
+        <p:nvPicPr>
+          <p:cNvPr id="96" name="Picture 95">
+            <a:extLst>
+              <a:ext uri="{FF2B5EF4-FFF2-40B4-BE49-F238E27FC236}">
+                <a16:creationId xmlns:a16="http://schemas.microsoft.com/office/drawing/2014/main" id="{98CC2994-4C83-E314-AF54-EBE0B552E749}"/>
+              </a:ext>
+            </a:extLst>
+          </p:cNvPr>
+          <p:cNvPicPr>
+            <a:picLocks noChangeAspect="1"/>
+          </p:cNvPicPr>
+          <p:nvPr/>
+        </p:nvPicPr>
+        <p:blipFill rotWithShape="1">
+          <a:blip r:embed="rId43"/>
+          <a:srcRect l="1514" t="3572" r="4167" b="10714"/>
+          <a:stretch/>
+        </p:blipFill>
+        <p:spPr>
+          <a:xfrm>
+            <a:off x="6674643" y="5368802"/>
+            <a:ext cx="592931" cy="228601"/>
+          </a:xfrm>
+          <a:prstGeom prst="rect">
+            <a:avLst/>
+          </a:prstGeom>
+        </p:spPr>
+      </p:pic>
+      <p:pic>
+        <p:nvPicPr>
+          <p:cNvPr id="98" name="Picture 97">
+            <a:extLst>
+              <a:ext uri="{FF2B5EF4-FFF2-40B4-BE49-F238E27FC236}">
+                <a16:creationId xmlns:a16="http://schemas.microsoft.com/office/drawing/2014/main" id="{8F92A626-C61A-8CE8-E83E-2B8DB798F5C0}"/>
+              </a:ext>
+            </a:extLst>
+          </p:cNvPr>
+          <p:cNvPicPr>
+            <a:picLocks noChangeAspect="1"/>
+          </p:cNvPicPr>
+          <p:nvPr/>
+        </p:nvPicPr>
+        <p:blipFill rotWithShape="1">
+          <a:blip r:embed="rId44"/>
+          <a:srcRect l="3986" t="15441" r="5434" b="14706"/>
+          <a:stretch/>
+        </p:blipFill>
+        <p:spPr>
+          <a:xfrm>
+            <a:off x="4877593" y="5826797"/>
+            <a:ext cx="595313" cy="226219"/>
+          </a:xfrm>
+          <a:prstGeom prst="rect">
+            <a:avLst/>
+          </a:prstGeom>
+        </p:spPr>
+      </p:pic>
+      <p:pic>
+        <p:nvPicPr>
+          <p:cNvPr id="100" name="Picture 99">
+            <a:extLst>
+              <a:ext uri="{FF2B5EF4-FFF2-40B4-BE49-F238E27FC236}">
+                <a16:creationId xmlns:a16="http://schemas.microsoft.com/office/drawing/2014/main" id="{1CC72A66-EA40-F950-1B6E-BB3760C7C200}"/>
+              </a:ext>
+            </a:extLst>
+          </p:cNvPr>
+          <p:cNvPicPr>
+            <a:picLocks noChangeAspect="1"/>
+          </p:cNvPicPr>
+          <p:nvPr/>
+        </p:nvPicPr>
+        <p:blipFill rotWithShape="1">
+          <a:blip r:embed="rId45"/>
+          <a:srcRect l="8218" t="13281" r="6849" b="13281"/>
+          <a:stretch/>
+        </p:blipFill>
+        <p:spPr>
+          <a:xfrm>
+            <a:off x="5503862" y="5824416"/>
+            <a:ext cx="590549" cy="223838"/>
+          </a:xfrm>
+          <a:prstGeom prst="rect">
+            <a:avLst/>
+          </a:prstGeom>
+        </p:spPr>
+      </p:pic>
+      <p:pic>
+        <p:nvPicPr>
+          <p:cNvPr id="102" name="Picture 101">
+            <a:extLst>
+              <a:ext uri="{FF2B5EF4-FFF2-40B4-BE49-F238E27FC236}">
+                <a16:creationId xmlns:a16="http://schemas.microsoft.com/office/drawing/2014/main" id="{0B47D290-D687-42AA-221E-F4FF209F04E1}"/>
+              </a:ext>
+            </a:extLst>
+          </p:cNvPr>
+          <p:cNvPicPr>
+            <a:picLocks noChangeAspect="1"/>
+          </p:cNvPicPr>
+          <p:nvPr/>
+        </p:nvPicPr>
+        <p:blipFill rotWithShape="1">
+          <a:blip r:embed="rId46"/>
+          <a:srcRect l="11077" t="16668" r="11075" b="15972"/>
+          <a:stretch/>
+        </p:blipFill>
+        <p:spPr>
+          <a:xfrm>
+            <a:off x="4220369" y="5819652"/>
+            <a:ext cx="585787" cy="230981"/>
+          </a:xfrm>
+          <a:prstGeom prst="rect">
+            <a:avLst/>
+          </a:prstGeom>
+        </p:spPr>
+      </p:pic>
+      <p:pic>
+        <p:nvPicPr>
+          <p:cNvPr id="104" name="Picture 103">
+            <a:extLst>
+              <a:ext uri="{FF2B5EF4-FFF2-40B4-BE49-F238E27FC236}">
+                <a16:creationId xmlns:a16="http://schemas.microsoft.com/office/drawing/2014/main" id="{C4142908-9401-8B20-84D9-D05D41A9D81F}"/>
+              </a:ext>
+            </a:extLst>
+          </p:cNvPr>
+          <p:cNvPicPr>
+            <a:picLocks noChangeAspect="1"/>
+          </p:cNvPicPr>
+          <p:nvPr/>
+        </p:nvPicPr>
+        <p:blipFill rotWithShape="1">
+          <a:blip r:embed="rId47"/>
+          <a:srcRect l="6507" t="15540" r="8561" b="18243"/>
+          <a:stretch/>
+        </p:blipFill>
+        <p:spPr>
+          <a:xfrm>
+            <a:off x="6225382" y="5817271"/>
+            <a:ext cx="590550" cy="233363"/>
+          </a:xfrm>
+          <a:prstGeom prst="rect">
+            <a:avLst/>
+          </a:prstGeom>
+        </p:spPr>
+      </p:pic>
+      <p:pic>
+        <p:nvPicPr>
+          <p:cNvPr id="106" name="Picture 105">
+            <a:extLst>
+              <a:ext uri="{FF2B5EF4-FFF2-40B4-BE49-F238E27FC236}">
+                <a16:creationId xmlns:a16="http://schemas.microsoft.com/office/drawing/2014/main" id="{D9EFE084-A97B-6E7D-0164-273DB1E91B3F}"/>
+              </a:ext>
+            </a:extLst>
+          </p:cNvPr>
+          <p:cNvPicPr>
+            <a:picLocks noChangeAspect="1"/>
+          </p:cNvPicPr>
+          <p:nvPr/>
+        </p:nvPicPr>
+        <p:blipFill rotWithShape="1">
+          <a:blip r:embed="rId48"/>
+          <a:srcRect l="5571" t="11719" r="5500" b="12500"/>
+          <a:stretch/>
+        </p:blipFill>
+        <p:spPr>
+          <a:xfrm>
+            <a:off x="5580063" y="5015584"/>
+            <a:ext cx="592931" cy="230982"/>
+          </a:xfrm>
+          <a:prstGeom prst="rect">
+            <a:avLst/>
+          </a:prstGeom>
+        </p:spPr>
+      </p:pic>
     </p:spTree>
     <p:extLst>
       <p:ext uri="{BB962C8B-B14F-4D97-AF65-F5344CB8AC3E}">
@@ -8542,6 +9848,636 @@
 </file>
 
 <file path=ppt/slides/slide15.xml><?xml version="1.0" encoding="utf-8"?>
+<p:sld xmlns:a="http://schemas.openxmlformats.org/drawingml/2006/main" xmlns:r="http://schemas.openxmlformats.org/officeDocument/2006/relationships" xmlns:p="http://schemas.openxmlformats.org/presentationml/2006/main">
+  <p:cSld>
+    <p:spTree>
+      <p:nvGrpSpPr>
+        <p:cNvPr id="1" name=""/>
+        <p:cNvGrpSpPr/>
+        <p:nvPr/>
+      </p:nvGrpSpPr>
+      <p:grpSpPr>
+        <a:xfrm>
+          <a:off x="0" y="0"/>
+          <a:ext cx="0" cy="0"/>
+          <a:chOff x="0" y="0"/>
+          <a:chExt cx="0" cy="0"/>
+        </a:xfrm>
+      </p:grpSpPr>
+      <p:pic>
+        <p:nvPicPr>
+          <p:cNvPr id="5" name="Picture 4">
+            <a:extLst>
+              <a:ext uri="{FF2B5EF4-FFF2-40B4-BE49-F238E27FC236}">
+                <a16:creationId xmlns:a16="http://schemas.microsoft.com/office/drawing/2014/main" id="{9A15022C-C399-A980-A661-E3F76B212F50}"/>
+              </a:ext>
+            </a:extLst>
+          </p:cNvPr>
+          <p:cNvPicPr>
+            <a:picLocks noChangeAspect="1"/>
+          </p:cNvPicPr>
+          <p:nvPr/>
+        </p:nvPicPr>
+        <p:blipFill>
+          <a:blip r:embed="rId2"/>
+          <a:stretch>
+            <a:fillRect/>
+          </a:stretch>
+        </p:blipFill>
+        <p:spPr>
+          <a:xfrm>
+            <a:off x="402614" y="301503"/>
+            <a:ext cx="619125" cy="1190625"/>
+          </a:xfrm>
+          <a:prstGeom prst="rect">
+            <a:avLst/>
+          </a:prstGeom>
+        </p:spPr>
+      </p:pic>
+      <p:pic>
+        <p:nvPicPr>
+          <p:cNvPr id="7" name="Picture 6">
+            <a:extLst>
+              <a:ext uri="{FF2B5EF4-FFF2-40B4-BE49-F238E27FC236}">
+                <a16:creationId xmlns:a16="http://schemas.microsoft.com/office/drawing/2014/main" id="{4E4EFE07-3D7C-077C-051D-F77FF8FC0CA9}"/>
+              </a:ext>
+            </a:extLst>
+          </p:cNvPr>
+          <p:cNvPicPr>
+            <a:picLocks noChangeAspect="1"/>
+          </p:cNvPicPr>
+          <p:nvPr/>
+        </p:nvPicPr>
+        <p:blipFill>
+          <a:blip r:embed="rId3"/>
+          <a:stretch>
+            <a:fillRect/>
+          </a:stretch>
+        </p:blipFill>
+        <p:spPr>
+          <a:xfrm>
+            <a:off x="1126881" y="278423"/>
+            <a:ext cx="647700" cy="304800"/>
+          </a:xfrm>
+          <a:prstGeom prst="rect">
+            <a:avLst/>
+          </a:prstGeom>
+        </p:spPr>
+      </p:pic>
+      <p:pic>
+        <p:nvPicPr>
+          <p:cNvPr id="9" name="Picture 8">
+            <a:extLst>
+              <a:ext uri="{FF2B5EF4-FFF2-40B4-BE49-F238E27FC236}">
+                <a16:creationId xmlns:a16="http://schemas.microsoft.com/office/drawing/2014/main" id="{9D22DA5A-3FAD-E41F-7215-A64C3C3D1BF6}"/>
+              </a:ext>
+            </a:extLst>
+          </p:cNvPr>
+          <p:cNvPicPr>
+            <a:picLocks noChangeAspect="1"/>
+          </p:cNvPicPr>
+          <p:nvPr/>
+        </p:nvPicPr>
+        <p:blipFill>
+          <a:blip r:embed="rId4"/>
+          <a:stretch>
+            <a:fillRect/>
+          </a:stretch>
+        </p:blipFill>
+        <p:spPr>
+          <a:xfrm>
+            <a:off x="1185129" y="753940"/>
+            <a:ext cx="619125" cy="285750"/>
+          </a:xfrm>
+          <a:prstGeom prst="rect">
+            <a:avLst/>
+          </a:prstGeom>
+        </p:spPr>
+      </p:pic>
+      <p:pic>
+        <p:nvPicPr>
+          <p:cNvPr id="11" name="Picture 10">
+            <a:extLst>
+              <a:ext uri="{FF2B5EF4-FFF2-40B4-BE49-F238E27FC236}">
+                <a16:creationId xmlns:a16="http://schemas.microsoft.com/office/drawing/2014/main" id="{85082554-69C9-A135-3A05-FAF09DC10FEB}"/>
+              </a:ext>
+            </a:extLst>
+          </p:cNvPr>
+          <p:cNvPicPr>
+            <a:picLocks noChangeAspect="1"/>
+          </p:cNvPicPr>
+          <p:nvPr/>
+        </p:nvPicPr>
+        <p:blipFill>
+          <a:blip r:embed="rId5"/>
+          <a:stretch>
+            <a:fillRect/>
+          </a:stretch>
+        </p:blipFill>
+        <p:spPr>
+          <a:xfrm>
+            <a:off x="1149960" y="1044087"/>
+            <a:ext cx="619125" cy="285750"/>
+          </a:xfrm>
+          <a:prstGeom prst="rect">
+            <a:avLst/>
+          </a:prstGeom>
+        </p:spPr>
+      </p:pic>
+      <p:pic>
+        <p:nvPicPr>
+          <p:cNvPr id="13" name="Picture 12">
+            <a:extLst>
+              <a:ext uri="{FF2B5EF4-FFF2-40B4-BE49-F238E27FC236}">
+                <a16:creationId xmlns:a16="http://schemas.microsoft.com/office/drawing/2014/main" id="{90606ED0-EF99-60A3-ED07-32271741A403}"/>
+              </a:ext>
+            </a:extLst>
+          </p:cNvPr>
+          <p:cNvPicPr>
+            <a:picLocks noChangeAspect="1"/>
+          </p:cNvPicPr>
+          <p:nvPr/>
+        </p:nvPicPr>
+        <p:blipFill>
+          <a:blip r:embed="rId6"/>
+          <a:stretch>
+            <a:fillRect/>
+          </a:stretch>
+        </p:blipFill>
+        <p:spPr>
+          <a:xfrm>
+            <a:off x="1154723" y="1382224"/>
+            <a:ext cx="609600" cy="295275"/>
+          </a:xfrm>
+          <a:prstGeom prst="rect">
+            <a:avLst/>
+          </a:prstGeom>
+        </p:spPr>
+      </p:pic>
+      <p:pic>
+        <p:nvPicPr>
+          <p:cNvPr id="15" name="Picture 14">
+            <a:extLst>
+              <a:ext uri="{FF2B5EF4-FFF2-40B4-BE49-F238E27FC236}">
+                <a16:creationId xmlns:a16="http://schemas.microsoft.com/office/drawing/2014/main" id="{87F96B45-F607-DCD9-0DCD-761B62097F41}"/>
+              </a:ext>
+            </a:extLst>
+          </p:cNvPr>
+          <p:cNvPicPr>
+            <a:picLocks noChangeAspect="1"/>
+          </p:cNvPicPr>
+          <p:nvPr/>
+        </p:nvPicPr>
+        <p:blipFill>
+          <a:blip r:embed="rId7"/>
+          <a:stretch>
+            <a:fillRect/>
+          </a:stretch>
+        </p:blipFill>
+        <p:spPr>
+          <a:xfrm>
+            <a:off x="566372" y="2044944"/>
+            <a:ext cx="590550" cy="323850"/>
+          </a:xfrm>
+          <a:prstGeom prst="rect">
+            <a:avLst/>
+          </a:prstGeom>
+        </p:spPr>
+      </p:pic>
+      <p:pic>
+        <p:nvPicPr>
+          <p:cNvPr id="17" name="Picture 16">
+            <a:extLst>
+              <a:ext uri="{FF2B5EF4-FFF2-40B4-BE49-F238E27FC236}">
+                <a16:creationId xmlns:a16="http://schemas.microsoft.com/office/drawing/2014/main" id="{448C248C-8C88-90DA-81B9-CF43C0845A11}"/>
+              </a:ext>
+            </a:extLst>
+          </p:cNvPr>
+          <p:cNvPicPr>
+            <a:picLocks noChangeAspect="1"/>
+          </p:cNvPicPr>
+          <p:nvPr/>
+        </p:nvPicPr>
+        <p:blipFill>
+          <a:blip r:embed="rId8"/>
+          <a:stretch>
+            <a:fillRect/>
+          </a:stretch>
+        </p:blipFill>
+        <p:spPr>
+          <a:xfrm>
+            <a:off x="1222497" y="2058498"/>
+            <a:ext cx="561975" cy="314325"/>
+          </a:xfrm>
+          <a:prstGeom prst="rect">
+            <a:avLst/>
+          </a:prstGeom>
+        </p:spPr>
+      </p:pic>
+      <p:pic>
+        <p:nvPicPr>
+          <p:cNvPr id="19" name="Picture 18">
+            <a:extLst>
+              <a:ext uri="{FF2B5EF4-FFF2-40B4-BE49-F238E27FC236}">
+                <a16:creationId xmlns:a16="http://schemas.microsoft.com/office/drawing/2014/main" id="{D52A956C-D1E0-A14A-F1F5-65F05CEAA2D9}"/>
+              </a:ext>
+            </a:extLst>
+          </p:cNvPr>
+          <p:cNvPicPr>
+            <a:picLocks noChangeAspect="1"/>
+          </p:cNvPicPr>
+          <p:nvPr/>
+        </p:nvPicPr>
+        <p:blipFill>
+          <a:blip r:embed="rId9"/>
+          <a:stretch>
+            <a:fillRect/>
+          </a:stretch>
+        </p:blipFill>
+        <p:spPr>
+          <a:xfrm>
+            <a:off x="564173" y="2582740"/>
+            <a:ext cx="647700" cy="285750"/>
+          </a:xfrm>
+          <a:prstGeom prst="rect">
+            <a:avLst/>
+          </a:prstGeom>
+        </p:spPr>
+      </p:pic>
+      <p:pic>
+        <p:nvPicPr>
+          <p:cNvPr id="21" name="Picture 20">
+            <a:extLst>
+              <a:ext uri="{FF2B5EF4-FFF2-40B4-BE49-F238E27FC236}">
+                <a16:creationId xmlns:a16="http://schemas.microsoft.com/office/drawing/2014/main" id="{6D1D554F-5C25-73F5-405C-82BD4EE625DC}"/>
+              </a:ext>
+            </a:extLst>
+          </p:cNvPr>
+          <p:cNvPicPr>
+            <a:picLocks noChangeAspect="1"/>
+          </p:cNvPicPr>
+          <p:nvPr/>
+        </p:nvPicPr>
+        <p:blipFill>
+          <a:blip r:embed="rId10"/>
+          <a:stretch>
+            <a:fillRect/>
+          </a:stretch>
+        </p:blipFill>
+        <p:spPr>
+          <a:xfrm>
+            <a:off x="1292470" y="2546105"/>
+            <a:ext cx="685800" cy="323850"/>
+          </a:xfrm>
+          <a:prstGeom prst="rect">
+            <a:avLst/>
+          </a:prstGeom>
+        </p:spPr>
+      </p:pic>
+      <p:pic>
+        <p:nvPicPr>
+          <p:cNvPr id="23" name="Picture 22">
+            <a:extLst>
+              <a:ext uri="{FF2B5EF4-FFF2-40B4-BE49-F238E27FC236}">
+                <a16:creationId xmlns:a16="http://schemas.microsoft.com/office/drawing/2014/main" id="{EAD9DA17-1C66-862D-8C92-717B10DCD664}"/>
+              </a:ext>
+            </a:extLst>
+          </p:cNvPr>
+          <p:cNvPicPr>
+            <a:picLocks noChangeAspect="1"/>
+          </p:cNvPicPr>
+          <p:nvPr/>
+        </p:nvPicPr>
+        <p:blipFill>
+          <a:blip r:embed="rId11"/>
+          <a:stretch>
+            <a:fillRect/>
+          </a:stretch>
+        </p:blipFill>
+        <p:spPr>
+          <a:xfrm>
+            <a:off x="515448" y="3083170"/>
+            <a:ext cx="657225" cy="304800"/>
+          </a:xfrm>
+          <a:prstGeom prst="rect">
+            <a:avLst/>
+          </a:prstGeom>
+        </p:spPr>
+      </p:pic>
+      <p:pic>
+        <p:nvPicPr>
+          <p:cNvPr id="25" name="Picture 24">
+            <a:extLst>
+              <a:ext uri="{FF2B5EF4-FFF2-40B4-BE49-F238E27FC236}">
+                <a16:creationId xmlns:a16="http://schemas.microsoft.com/office/drawing/2014/main" id="{343514E6-F737-A940-ECEF-B448B7B130BC}"/>
+              </a:ext>
+            </a:extLst>
+          </p:cNvPr>
+          <p:cNvPicPr>
+            <a:picLocks noChangeAspect="1"/>
+          </p:cNvPicPr>
+          <p:nvPr/>
+        </p:nvPicPr>
+        <p:blipFill>
+          <a:blip r:embed="rId12"/>
+          <a:stretch>
+            <a:fillRect/>
+          </a:stretch>
+        </p:blipFill>
+        <p:spPr>
+          <a:xfrm>
+            <a:off x="1372333" y="3087931"/>
+            <a:ext cx="666750" cy="295275"/>
+          </a:xfrm>
+          <a:prstGeom prst="rect">
+            <a:avLst/>
+          </a:prstGeom>
+        </p:spPr>
+      </p:pic>
+      <p:pic>
+        <p:nvPicPr>
+          <p:cNvPr id="27" name="Picture 26">
+            <a:extLst>
+              <a:ext uri="{FF2B5EF4-FFF2-40B4-BE49-F238E27FC236}">
+                <a16:creationId xmlns:a16="http://schemas.microsoft.com/office/drawing/2014/main" id="{B8C06664-B419-373B-E3B6-0F4A20A02120}"/>
+              </a:ext>
+            </a:extLst>
+          </p:cNvPr>
+          <p:cNvPicPr>
+            <a:picLocks noChangeAspect="1"/>
+          </p:cNvPicPr>
+          <p:nvPr/>
+        </p:nvPicPr>
+        <p:blipFill>
+          <a:blip r:embed="rId13"/>
+          <a:stretch>
+            <a:fillRect/>
+          </a:stretch>
+        </p:blipFill>
+        <p:spPr>
+          <a:xfrm>
+            <a:off x="2247167" y="3091962"/>
+            <a:ext cx="552450" cy="304800"/>
+          </a:xfrm>
+          <a:prstGeom prst="rect">
+            <a:avLst/>
+          </a:prstGeom>
+        </p:spPr>
+      </p:pic>
+      <p:pic>
+        <p:nvPicPr>
+          <p:cNvPr id="29" name="Picture 28">
+            <a:extLst>
+              <a:ext uri="{FF2B5EF4-FFF2-40B4-BE49-F238E27FC236}">
+                <a16:creationId xmlns:a16="http://schemas.microsoft.com/office/drawing/2014/main" id="{47077684-9579-F076-71F6-3B978BE90A98}"/>
+              </a:ext>
+            </a:extLst>
+          </p:cNvPr>
+          <p:cNvPicPr>
+            <a:picLocks noChangeAspect="1"/>
+          </p:cNvPicPr>
+          <p:nvPr/>
+        </p:nvPicPr>
+        <p:blipFill>
+          <a:blip r:embed="rId14"/>
+          <a:stretch>
+            <a:fillRect/>
+          </a:stretch>
+        </p:blipFill>
+        <p:spPr>
+          <a:xfrm>
+            <a:off x="3161933" y="3092694"/>
+            <a:ext cx="657225" cy="285750"/>
+          </a:xfrm>
+          <a:prstGeom prst="rect">
+            <a:avLst/>
+          </a:prstGeom>
+        </p:spPr>
+      </p:pic>
+      <p:pic>
+        <p:nvPicPr>
+          <p:cNvPr id="31" name="Picture 30">
+            <a:extLst>
+              <a:ext uri="{FF2B5EF4-FFF2-40B4-BE49-F238E27FC236}">
+                <a16:creationId xmlns:a16="http://schemas.microsoft.com/office/drawing/2014/main" id="{E4B4FC92-BE1E-3961-7DDD-E3C1923DC6C0}"/>
+              </a:ext>
+            </a:extLst>
+          </p:cNvPr>
+          <p:cNvPicPr>
+            <a:picLocks noChangeAspect="1"/>
+          </p:cNvPicPr>
+          <p:nvPr/>
+        </p:nvPicPr>
+        <p:blipFill>
+          <a:blip r:embed="rId15"/>
+          <a:stretch>
+            <a:fillRect/>
+          </a:stretch>
+        </p:blipFill>
+        <p:spPr>
+          <a:xfrm>
+            <a:off x="559410" y="3980717"/>
+            <a:ext cx="657225" cy="285750"/>
+          </a:xfrm>
+          <a:prstGeom prst="rect">
+            <a:avLst/>
+          </a:prstGeom>
+        </p:spPr>
+      </p:pic>
+      <p:pic>
+        <p:nvPicPr>
+          <p:cNvPr id="33" name="Picture 32">
+            <a:extLst>
+              <a:ext uri="{FF2B5EF4-FFF2-40B4-BE49-F238E27FC236}">
+                <a16:creationId xmlns:a16="http://schemas.microsoft.com/office/drawing/2014/main" id="{93BA3D34-BFE3-B183-C1E2-5FC77203ECBF}"/>
+              </a:ext>
+            </a:extLst>
+          </p:cNvPr>
+          <p:cNvPicPr>
+            <a:picLocks noChangeAspect="1"/>
+          </p:cNvPicPr>
+          <p:nvPr/>
+        </p:nvPicPr>
+        <p:blipFill>
+          <a:blip r:embed="rId16"/>
+          <a:stretch>
+            <a:fillRect/>
+          </a:stretch>
+        </p:blipFill>
+        <p:spPr>
+          <a:xfrm>
+            <a:off x="1465018" y="3992807"/>
+            <a:ext cx="657225" cy="314325"/>
+          </a:xfrm>
+          <a:prstGeom prst="rect">
+            <a:avLst/>
+          </a:prstGeom>
+        </p:spPr>
+      </p:pic>
+      <p:pic>
+        <p:nvPicPr>
+          <p:cNvPr id="35" name="Picture 34">
+            <a:extLst>
+              <a:ext uri="{FF2B5EF4-FFF2-40B4-BE49-F238E27FC236}">
+                <a16:creationId xmlns:a16="http://schemas.microsoft.com/office/drawing/2014/main" id="{4F61A63D-B565-8754-EE32-2BA4BA61F214}"/>
+              </a:ext>
+            </a:extLst>
+          </p:cNvPr>
+          <p:cNvPicPr>
+            <a:picLocks noChangeAspect="1"/>
+          </p:cNvPicPr>
+          <p:nvPr/>
+        </p:nvPicPr>
+        <p:blipFill>
+          <a:blip r:embed="rId17"/>
+          <a:stretch>
+            <a:fillRect/>
+          </a:stretch>
+        </p:blipFill>
+        <p:spPr>
+          <a:xfrm>
+            <a:off x="5348654" y="287948"/>
+            <a:ext cx="3581400" cy="514350"/>
+          </a:xfrm>
+          <a:prstGeom prst="rect">
+            <a:avLst/>
+          </a:prstGeom>
+        </p:spPr>
+      </p:pic>
+      <p:pic>
+        <p:nvPicPr>
+          <p:cNvPr id="37" name="Picture 36">
+            <a:extLst>
+              <a:ext uri="{FF2B5EF4-FFF2-40B4-BE49-F238E27FC236}">
+                <a16:creationId xmlns:a16="http://schemas.microsoft.com/office/drawing/2014/main" id="{52ED8207-E35A-A849-E189-F9DF1394A03F}"/>
+              </a:ext>
+            </a:extLst>
+          </p:cNvPr>
+          <p:cNvPicPr>
+            <a:picLocks noChangeAspect="1"/>
+          </p:cNvPicPr>
+          <p:nvPr/>
+        </p:nvPicPr>
+        <p:blipFill>
+          <a:blip r:embed="rId18"/>
+          <a:stretch>
+            <a:fillRect/>
+          </a:stretch>
+        </p:blipFill>
+        <p:spPr>
+          <a:xfrm>
+            <a:off x="5231789" y="1255102"/>
+            <a:ext cx="1247775" cy="285750"/>
+          </a:xfrm>
+          <a:prstGeom prst="rect">
+            <a:avLst/>
+          </a:prstGeom>
+        </p:spPr>
+      </p:pic>
+      <p:pic>
+        <p:nvPicPr>
+          <p:cNvPr id="39" name="Picture 38">
+            <a:extLst>
+              <a:ext uri="{FF2B5EF4-FFF2-40B4-BE49-F238E27FC236}">
+                <a16:creationId xmlns:a16="http://schemas.microsoft.com/office/drawing/2014/main" id="{A5C44FB4-314E-2E9D-76F5-9DF9BBFA15CD}"/>
+              </a:ext>
+            </a:extLst>
+          </p:cNvPr>
+          <p:cNvPicPr>
+            <a:picLocks noChangeAspect="1"/>
+          </p:cNvPicPr>
+          <p:nvPr/>
+        </p:nvPicPr>
+        <p:blipFill>
+          <a:blip r:embed="rId19"/>
+          <a:stretch>
+            <a:fillRect/>
+          </a:stretch>
+        </p:blipFill>
+        <p:spPr>
+          <a:xfrm>
+            <a:off x="5245344" y="1650755"/>
+            <a:ext cx="1238250" cy="285750"/>
+          </a:xfrm>
+          <a:prstGeom prst="rect">
+            <a:avLst/>
+          </a:prstGeom>
+        </p:spPr>
+      </p:pic>
+      <p:pic>
+        <p:nvPicPr>
+          <p:cNvPr id="41" name="Picture 40">
+            <a:extLst>
+              <a:ext uri="{FF2B5EF4-FFF2-40B4-BE49-F238E27FC236}">
+                <a16:creationId xmlns:a16="http://schemas.microsoft.com/office/drawing/2014/main" id="{6B9581AE-25D7-7F1E-0C76-8EBEED71A0F1}"/>
+              </a:ext>
+            </a:extLst>
+          </p:cNvPr>
+          <p:cNvPicPr>
+            <a:picLocks noChangeAspect="1"/>
+          </p:cNvPicPr>
+          <p:nvPr/>
+        </p:nvPicPr>
+        <p:blipFill>
+          <a:blip r:embed="rId20"/>
+          <a:stretch>
+            <a:fillRect/>
+          </a:stretch>
+        </p:blipFill>
+        <p:spPr>
+          <a:xfrm>
+            <a:off x="6512169" y="1268656"/>
+            <a:ext cx="2362200" cy="276225"/>
+          </a:xfrm>
+          <a:prstGeom prst="rect">
+            <a:avLst/>
+          </a:prstGeom>
+        </p:spPr>
+      </p:pic>
+      <p:pic>
+        <p:nvPicPr>
+          <p:cNvPr id="43" name="Picture 42">
+            <a:extLst>
+              <a:ext uri="{FF2B5EF4-FFF2-40B4-BE49-F238E27FC236}">
+                <a16:creationId xmlns:a16="http://schemas.microsoft.com/office/drawing/2014/main" id="{EE6E3F97-C8C4-F457-35AB-4373BE4BBE5F}"/>
+              </a:ext>
+            </a:extLst>
+          </p:cNvPr>
+          <p:cNvPicPr>
+            <a:picLocks noChangeAspect="1"/>
+          </p:cNvPicPr>
+          <p:nvPr/>
+        </p:nvPicPr>
+        <p:blipFill>
+          <a:blip r:embed="rId21"/>
+          <a:stretch>
+            <a:fillRect/>
+          </a:stretch>
+        </p:blipFill>
+        <p:spPr>
+          <a:xfrm>
+            <a:off x="6458683" y="2328496"/>
+            <a:ext cx="2381250" cy="495300"/>
+          </a:xfrm>
+          <a:prstGeom prst="rect">
+            <a:avLst/>
+          </a:prstGeom>
+        </p:spPr>
+      </p:pic>
+    </p:spTree>
+    <p:extLst>
+      <p:ext uri="{BB962C8B-B14F-4D97-AF65-F5344CB8AC3E}">
+        <p14:creationId xmlns:p14="http://schemas.microsoft.com/office/powerpoint/2010/main" val="514599199"/>
+      </p:ext>
+    </p:extLst>
+  </p:cSld>
+  <p:clrMapOvr>
+    <a:masterClrMapping/>
+  </p:clrMapOvr>
+</p:sld>
+</file>
+
+<file path=ppt/slides/slide16.xml><?xml version="1.0" encoding="utf-8"?>
 <p:sld xmlns:a="http://schemas.openxmlformats.org/drawingml/2006/main" xmlns:r="http://schemas.openxmlformats.org/officeDocument/2006/relationships" xmlns:p="http://schemas.openxmlformats.org/presentationml/2006/main">
   <p:cSld>
     <p:spTree>
@@ -9510,7 +11446,7 @@
 </p:sld>
 </file>
 
-<file path=ppt/slides/slide16.xml><?xml version="1.0" encoding="utf-8"?>
+<file path=ppt/slides/slide17.xml><?xml version="1.0" encoding="utf-8"?>
 <p:sld xmlns:a="http://schemas.openxmlformats.org/drawingml/2006/main" xmlns:r="http://schemas.openxmlformats.org/officeDocument/2006/relationships" xmlns:p="http://schemas.openxmlformats.org/presentationml/2006/main">
   <p:cSld>
     <p:spTree>
@@ -10084,7 +12020,7 @@
 </p:sld>
 </file>
 
-<file path=ppt/slides/slide17.xml><?xml version="1.0" encoding="utf-8"?>
+<file path=ppt/slides/slide18.xml><?xml version="1.0" encoding="utf-8"?>
 <p:sld xmlns:a="http://schemas.openxmlformats.org/drawingml/2006/main" xmlns:r="http://schemas.openxmlformats.org/officeDocument/2006/relationships" xmlns:p="http://schemas.openxmlformats.org/presentationml/2006/main">
   <p:cSld>
     <p:spTree>
@@ -11869,7 +13805,7 @@
 </p:sld>
 </file>
 
-<file path=ppt/slides/slide18.xml><?xml version="1.0" encoding="utf-8"?>
+<file path=ppt/slides/slide19.xml><?xml version="1.0" encoding="utf-8"?>
 <p:sld xmlns:a="http://schemas.openxmlformats.org/drawingml/2006/main" xmlns:r="http://schemas.openxmlformats.org/officeDocument/2006/relationships" xmlns:p="http://schemas.openxmlformats.org/presentationml/2006/main">
   <p:cSld>
     <p:spTree>
@@ -11984,7 +13920,640 @@
 </p:sld>
 </file>
 
-<file path=ppt/slides/slide19.xml><?xml version="1.0" encoding="utf-8"?>
+<file path=ppt/slides/slide2.xml><?xml version="1.0" encoding="utf-8"?>
+<p:sld xmlns:a="http://schemas.openxmlformats.org/drawingml/2006/main" xmlns:r="http://schemas.openxmlformats.org/officeDocument/2006/relationships" xmlns:p="http://schemas.openxmlformats.org/presentationml/2006/main">
+  <p:cSld>
+    <p:spTree>
+      <p:nvGrpSpPr>
+        <p:cNvPr id="1" name=""/>
+        <p:cNvGrpSpPr/>
+        <p:nvPr/>
+      </p:nvGrpSpPr>
+      <p:grpSpPr>
+        <a:xfrm>
+          <a:off x="0" y="0"/>
+          <a:ext cx="0" cy="0"/>
+          <a:chOff x="0" y="0"/>
+          <a:chExt cx="0" cy="0"/>
+        </a:xfrm>
+      </p:grpSpPr>
+      <p:grpSp>
+        <p:nvGrpSpPr>
+          <p:cNvPr id="23" name="Group 22">
+            <a:extLst>
+              <a:ext uri="{FF2B5EF4-FFF2-40B4-BE49-F238E27FC236}">
+                <a16:creationId xmlns:a16="http://schemas.microsoft.com/office/drawing/2014/main" id="{1CDB5274-F06F-AF7D-493D-C843DE39B82B}"/>
+              </a:ext>
+            </a:extLst>
+          </p:cNvPr>
+          <p:cNvGrpSpPr/>
+          <p:nvPr/>
+        </p:nvGrpSpPr>
+        <p:grpSpPr>
+          <a:xfrm>
+            <a:off x="681037" y="111919"/>
+            <a:ext cx="2333625" cy="2009775"/>
+            <a:chOff x="261938" y="309563"/>
+            <a:chExt cx="2333625" cy="2009775"/>
+          </a:xfrm>
+        </p:grpSpPr>
+        <p:graphicFrame>
+          <p:nvGraphicFramePr>
+            <p:cNvPr id="11" name="Object 10">
+              <a:extLst>
+                <a:ext uri="{FF2B5EF4-FFF2-40B4-BE49-F238E27FC236}">
+                  <a16:creationId xmlns:a16="http://schemas.microsoft.com/office/drawing/2014/main" id="{61734494-B75B-40C1-0CCE-A89B8EA29435}"/>
+                </a:ext>
+              </a:extLst>
+            </p:cNvPr>
+            <p:cNvGraphicFramePr>
+              <a:graphicFrameLocks noChangeAspect="1"/>
+            </p:cNvGraphicFramePr>
+            <p:nvPr>
+              <p:extLst>
+                <p:ext uri="{D42A27DB-BD31-4B8C-83A1-F6EECF244321}">
+                  <p14:modId xmlns:p14="http://schemas.microsoft.com/office/powerpoint/2010/main" val="795417189"/>
+                </p:ext>
+              </p:extLst>
+            </p:nvPr>
+          </p:nvGraphicFramePr>
+          <p:xfrm>
+            <a:off x="280988" y="328613"/>
+            <a:ext cx="2314575" cy="1990725"/>
+          </p:xfrm>
+          <a:graphic>
+            <a:graphicData uri="http://schemas.openxmlformats.org/presentationml/2006/ole">
+              <mc:AlternateContent xmlns:mc="http://schemas.openxmlformats.org/markup-compatibility/2006">
+                <mc:Choice xmlns:v="urn:schemas-microsoft-com:vml" Requires="v">
+                  <p:oleObj name="Bitmap Image" r:id="rId2" imgW="2314440" imgH="1990800" progId="PBrush">
+                    <p:embed/>
+                  </p:oleObj>
+                </mc:Choice>
+                <mc:Fallback>
+                  <p:oleObj name="Bitmap Image" r:id="rId2" imgW="2314440" imgH="1990800" progId="PBrush">
+                    <p:embed/>
+                    <p:pic>
+                      <p:nvPicPr>
+                        <p:cNvPr id="0" name=""/>
+                        <p:cNvPicPr/>
+                        <p:nvPr/>
+                      </p:nvPicPr>
+                      <p:blipFill>
+                        <a:blip r:embed="rId3"/>
+                        <a:stretch>
+                          <a:fillRect/>
+                        </a:stretch>
+                      </p:blipFill>
+                      <p:spPr>
+                        <a:xfrm>
+                          <a:off x="280988" y="328613"/>
+                          <a:ext cx="2314575" cy="1990725"/>
+                        </a:xfrm>
+                        <a:prstGeom prst="rect">
+                          <a:avLst/>
+                        </a:prstGeom>
+                      </p:spPr>
+                    </p:pic>
+                  </p:oleObj>
+                </mc:Fallback>
+              </mc:AlternateContent>
+            </a:graphicData>
+          </a:graphic>
+        </p:graphicFrame>
+        <p:sp>
+          <p:nvSpPr>
+            <p:cNvPr id="12" name="Овал 5">
+              <a:extLst>
+                <a:ext uri="{FF2B5EF4-FFF2-40B4-BE49-F238E27FC236}">
+                  <a16:creationId xmlns:a16="http://schemas.microsoft.com/office/drawing/2014/main" id="{2862245D-BD5C-B83A-83E5-38D4080DF592}"/>
+                </a:ext>
+              </a:extLst>
+            </p:cNvPr>
+            <p:cNvSpPr/>
+            <p:nvPr/>
+          </p:nvSpPr>
+          <p:spPr>
+            <a:xfrm>
+              <a:off x="261938" y="309563"/>
+              <a:ext cx="361950" cy="247650"/>
+            </a:xfrm>
+            <a:prstGeom prst="ellipse">
+              <a:avLst/>
+            </a:prstGeom>
+            <a:noFill/>
+            <a:ln w="19050">
+              <a:solidFill>
+                <a:srgbClr val="FF0000"/>
+              </a:solidFill>
+            </a:ln>
+          </p:spPr>
+          <p:style>
+            <a:lnRef idx="2">
+              <a:schemeClr val="accent1">
+                <a:shade val="50000"/>
+              </a:schemeClr>
+            </a:lnRef>
+            <a:fillRef idx="1">
+              <a:schemeClr val="accent1"/>
+            </a:fillRef>
+            <a:effectRef idx="0">
+              <a:schemeClr val="accent1"/>
+            </a:effectRef>
+            <a:fontRef idx="minor">
+              <a:schemeClr val="lt1"/>
+            </a:fontRef>
+          </p:style>
+          <p:txBody>
+            <a:bodyPr rtlCol="0" anchor="ctr"/>
+            <a:lstStyle/>
+            <a:p>
+              <a:pPr algn="ctr"/>
+              <a:endParaRPr lang="ru-RU"/>
+            </a:p>
+          </p:txBody>
+        </p:sp>
+      </p:grpSp>
+      <p:grpSp>
+        <p:nvGrpSpPr>
+          <p:cNvPr id="24" name="Group 23">
+            <a:extLst>
+              <a:ext uri="{FF2B5EF4-FFF2-40B4-BE49-F238E27FC236}">
+                <a16:creationId xmlns:a16="http://schemas.microsoft.com/office/drawing/2014/main" id="{1C67D4B8-CCAC-2FAE-8DA4-565E6102D899}"/>
+              </a:ext>
+            </a:extLst>
+          </p:cNvPr>
+          <p:cNvGrpSpPr/>
+          <p:nvPr/>
+        </p:nvGrpSpPr>
+        <p:grpSpPr>
+          <a:xfrm>
+            <a:off x="3440906" y="235744"/>
+            <a:ext cx="3276600" cy="1181100"/>
+            <a:chOff x="2828925" y="309563"/>
+            <a:chExt cx="3276600" cy="1181100"/>
+          </a:xfrm>
+        </p:grpSpPr>
+        <p:graphicFrame>
+          <p:nvGraphicFramePr>
+            <p:cNvPr id="14" name="Object 13">
+              <a:extLst>
+                <a:ext uri="{FF2B5EF4-FFF2-40B4-BE49-F238E27FC236}">
+                  <a16:creationId xmlns:a16="http://schemas.microsoft.com/office/drawing/2014/main" id="{6F39115B-FD5B-4C5D-FEFC-7AFF06DE6573}"/>
+                </a:ext>
+              </a:extLst>
+            </p:cNvPr>
+            <p:cNvGraphicFramePr>
+              <a:graphicFrameLocks noChangeAspect="1"/>
+            </p:cNvGraphicFramePr>
+            <p:nvPr>
+              <p:extLst>
+                <p:ext uri="{D42A27DB-BD31-4B8C-83A1-F6EECF244321}">
+                  <p14:modId xmlns:p14="http://schemas.microsoft.com/office/powerpoint/2010/main" val="916739203"/>
+                </p:ext>
+              </p:extLst>
+            </p:nvPr>
+          </p:nvGraphicFramePr>
+          <p:xfrm>
+            <a:off x="2828925" y="328613"/>
+            <a:ext cx="3276600" cy="1162050"/>
+          </p:xfrm>
+          <a:graphic>
+            <a:graphicData uri="http://schemas.openxmlformats.org/presentationml/2006/ole">
+              <mc:AlternateContent xmlns:mc="http://schemas.openxmlformats.org/markup-compatibility/2006">
+                <mc:Choice xmlns:v="urn:schemas-microsoft-com:vml" Requires="v">
+                  <p:oleObj name="Bitmap Image" r:id="rId4" imgW="3276720" imgH="1162080" progId="PBrush">
+                    <p:embed/>
+                  </p:oleObj>
+                </mc:Choice>
+                <mc:Fallback>
+                  <p:oleObj name="Bitmap Image" r:id="rId4" imgW="3276720" imgH="1162080" progId="PBrush">
+                    <p:embed/>
+                    <p:pic>
+                      <p:nvPicPr>
+                        <p:cNvPr id="0" name=""/>
+                        <p:cNvPicPr/>
+                        <p:nvPr/>
+                      </p:nvPicPr>
+                      <p:blipFill>
+                        <a:blip r:embed="rId5"/>
+                        <a:stretch>
+                          <a:fillRect/>
+                        </a:stretch>
+                      </p:blipFill>
+                      <p:spPr>
+                        <a:xfrm>
+                          <a:off x="2828925" y="328613"/>
+                          <a:ext cx="3276600" cy="1162050"/>
+                        </a:xfrm>
+                        <a:prstGeom prst="rect">
+                          <a:avLst/>
+                        </a:prstGeom>
+                      </p:spPr>
+                    </p:pic>
+                  </p:oleObj>
+                </mc:Fallback>
+              </mc:AlternateContent>
+            </a:graphicData>
+          </a:graphic>
+        </p:graphicFrame>
+        <p:sp>
+          <p:nvSpPr>
+            <p:cNvPr id="15" name="Овал 5">
+              <a:extLst>
+                <a:ext uri="{FF2B5EF4-FFF2-40B4-BE49-F238E27FC236}">
+                  <a16:creationId xmlns:a16="http://schemas.microsoft.com/office/drawing/2014/main" id="{3AAE8653-9A08-DD31-C4D4-605A9FD79282}"/>
+                </a:ext>
+              </a:extLst>
+            </p:cNvPr>
+            <p:cNvSpPr/>
+            <p:nvPr/>
+          </p:nvSpPr>
+          <p:spPr>
+            <a:xfrm>
+              <a:off x="3167063" y="309563"/>
+              <a:ext cx="614362" cy="247650"/>
+            </a:xfrm>
+            <a:prstGeom prst="ellipse">
+              <a:avLst/>
+            </a:prstGeom>
+            <a:noFill/>
+            <a:ln w="19050">
+              <a:solidFill>
+                <a:srgbClr val="FF0000"/>
+              </a:solidFill>
+            </a:ln>
+          </p:spPr>
+          <p:style>
+            <a:lnRef idx="2">
+              <a:schemeClr val="accent1">
+                <a:shade val="50000"/>
+              </a:schemeClr>
+            </a:lnRef>
+            <a:fillRef idx="1">
+              <a:schemeClr val="accent1"/>
+            </a:fillRef>
+            <a:effectRef idx="0">
+              <a:schemeClr val="accent1"/>
+            </a:effectRef>
+            <a:fontRef idx="minor">
+              <a:schemeClr val="lt1"/>
+            </a:fontRef>
+          </p:style>
+          <p:txBody>
+            <a:bodyPr rtlCol="0" anchor="ctr"/>
+            <a:lstStyle/>
+            <a:p>
+              <a:pPr algn="ctr"/>
+              <a:endParaRPr lang="ru-RU"/>
+            </a:p>
+          </p:txBody>
+        </p:sp>
+      </p:grpSp>
+      <p:grpSp>
+        <p:nvGrpSpPr>
+          <p:cNvPr id="25" name="Group 24">
+            <a:extLst>
+              <a:ext uri="{FF2B5EF4-FFF2-40B4-BE49-F238E27FC236}">
+                <a16:creationId xmlns:a16="http://schemas.microsoft.com/office/drawing/2014/main" id="{4BA16896-B106-D0E9-6546-A3C62E8034AA}"/>
+              </a:ext>
+            </a:extLst>
+          </p:cNvPr>
+          <p:cNvGrpSpPr/>
+          <p:nvPr/>
+        </p:nvGrpSpPr>
+        <p:grpSpPr>
+          <a:xfrm>
+            <a:off x="452436" y="2371725"/>
+            <a:ext cx="2809875" cy="619125"/>
+            <a:chOff x="357188" y="2752725"/>
+            <a:chExt cx="2809875" cy="619125"/>
+          </a:xfrm>
+        </p:grpSpPr>
+        <p:graphicFrame>
+          <p:nvGraphicFramePr>
+            <p:cNvPr id="17" name="Object 16">
+              <a:extLst>
+                <a:ext uri="{FF2B5EF4-FFF2-40B4-BE49-F238E27FC236}">
+                  <a16:creationId xmlns:a16="http://schemas.microsoft.com/office/drawing/2014/main" id="{2892E8B8-8A53-557F-57CC-FE6FC71705A3}"/>
+                </a:ext>
+              </a:extLst>
+            </p:cNvPr>
+            <p:cNvGraphicFramePr>
+              <a:graphicFrameLocks noChangeAspect="1"/>
+            </p:cNvGraphicFramePr>
+            <p:nvPr>
+              <p:extLst>
+                <p:ext uri="{D42A27DB-BD31-4B8C-83A1-F6EECF244321}">
+                  <p14:modId xmlns:p14="http://schemas.microsoft.com/office/powerpoint/2010/main" val="1558659177"/>
+                </p:ext>
+              </p:extLst>
+            </p:nvPr>
+          </p:nvGraphicFramePr>
+          <p:xfrm>
+            <a:off x="357188" y="2752725"/>
+            <a:ext cx="2809875" cy="619125"/>
+          </p:xfrm>
+          <a:graphic>
+            <a:graphicData uri="http://schemas.openxmlformats.org/presentationml/2006/ole">
+              <mc:AlternateContent xmlns:mc="http://schemas.openxmlformats.org/markup-compatibility/2006">
+                <mc:Choice xmlns:v="urn:schemas-microsoft-com:vml" Requires="v">
+                  <p:oleObj name="Bitmap Image" r:id="rId6" imgW="2809800" imgH="619200" progId="PBrush">
+                    <p:embed/>
+                  </p:oleObj>
+                </mc:Choice>
+                <mc:Fallback>
+                  <p:oleObj name="Bitmap Image" r:id="rId6" imgW="2809800" imgH="619200" progId="PBrush">
+                    <p:embed/>
+                    <p:pic>
+                      <p:nvPicPr>
+                        <p:cNvPr id="0" name=""/>
+                        <p:cNvPicPr/>
+                        <p:nvPr/>
+                      </p:nvPicPr>
+                      <p:blipFill>
+                        <a:blip r:embed="rId7"/>
+                        <a:stretch>
+                          <a:fillRect/>
+                        </a:stretch>
+                      </p:blipFill>
+                      <p:spPr>
+                        <a:xfrm>
+                          <a:off x="357188" y="2752725"/>
+                          <a:ext cx="2809875" cy="619125"/>
+                        </a:xfrm>
+                        <a:prstGeom prst="rect">
+                          <a:avLst/>
+                        </a:prstGeom>
+                      </p:spPr>
+                    </p:pic>
+                  </p:oleObj>
+                </mc:Fallback>
+              </mc:AlternateContent>
+            </a:graphicData>
+          </a:graphic>
+        </p:graphicFrame>
+        <p:sp>
+          <p:nvSpPr>
+            <p:cNvPr id="18" name="Овал 5">
+              <a:extLst>
+                <a:ext uri="{FF2B5EF4-FFF2-40B4-BE49-F238E27FC236}">
+                  <a16:creationId xmlns:a16="http://schemas.microsoft.com/office/drawing/2014/main" id="{36650704-0D18-8454-193E-7E58D2F1C8BD}"/>
+                </a:ext>
+              </a:extLst>
+            </p:cNvPr>
+            <p:cNvSpPr/>
+            <p:nvPr/>
+          </p:nvSpPr>
+          <p:spPr>
+            <a:xfrm>
+              <a:off x="1309687" y="2767013"/>
+              <a:ext cx="1023937" cy="247650"/>
+            </a:xfrm>
+            <a:prstGeom prst="ellipse">
+              <a:avLst/>
+            </a:prstGeom>
+            <a:noFill/>
+            <a:ln w="19050">
+              <a:solidFill>
+                <a:srgbClr val="FF0000"/>
+              </a:solidFill>
+            </a:ln>
+          </p:spPr>
+          <p:style>
+            <a:lnRef idx="2">
+              <a:schemeClr val="accent1">
+                <a:shade val="50000"/>
+              </a:schemeClr>
+            </a:lnRef>
+            <a:fillRef idx="1">
+              <a:schemeClr val="accent1"/>
+            </a:fillRef>
+            <a:effectRef idx="0">
+              <a:schemeClr val="accent1"/>
+            </a:effectRef>
+            <a:fontRef idx="minor">
+              <a:schemeClr val="lt1"/>
+            </a:fontRef>
+          </p:style>
+          <p:txBody>
+            <a:bodyPr rtlCol="0" anchor="ctr"/>
+            <a:lstStyle/>
+            <a:p>
+              <a:pPr algn="ctr"/>
+              <a:endParaRPr lang="ru-RU"/>
+            </a:p>
+          </p:txBody>
+        </p:sp>
+      </p:grpSp>
+      <p:grpSp>
+        <p:nvGrpSpPr>
+          <p:cNvPr id="27" name="Group 26">
+            <a:extLst>
+              <a:ext uri="{FF2B5EF4-FFF2-40B4-BE49-F238E27FC236}">
+                <a16:creationId xmlns:a16="http://schemas.microsoft.com/office/drawing/2014/main" id="{EB593B6F-9D90-E394-1628-FC51C3A5318A}"/>
+              </a:ext>
+            </a:extLst>
+          </p:cNvPr>
+          <p:cNvGrpSpPr/>
+          <p:nvPr/>
+        </p:nvGrpSpPr>
+        <p:grpSpPr>
+          <a:xfrm>
+            <a:off x="4572000" y="1719263"/>
+            <a:ext cx="3848100" cy="962025"/>
+            <a:chOff x="4572000" y="2890838"/>
+            <a:chExt cx="3848100" cy="962025"/>
+          </a:xfrm>
+        </p:grpSpPr>
+        <p:graphicFrame>
+          <p:nvGraphicFramePr>
+            <p:cNvPr id="21" name="Object 20">
+              <a:extLst>
+                <a:ext uri="{FF2B5EF4-FFF2-40B4-BE49-F238E27FC236}">
+                  <a16:creationId xmlns:a16="http://schemas.microsoft.com/office/drawing/2014/main" id="{2E2C0B60-319F-B687-5A1F-B11EE131FA01}"/>
+                </a:ext>
+              </a:extLst>
+            </p:cNvPr>
+            <p:cNvGraphicFramePr>
+              <a:graphicFrameLocks noChangeAspect="1"/>
+            </p:cNvGraphicFramePr>
+            <p:nvPr>
+              <p:extLst>
+                <p:ext uri="{D42A27DB-BD31-4B8C-83A1-F6EECF244321}">
+                  <p14:modId xmlns:p14="http://schemas.microsoft.com/office/powerpoint/2010/main" val="3649484987"/>
+                </p:ext>
+              </p:extLst>
+            </p:nvPr>
+          </p:nvGraphicFramePr>
+          <p:xfrm>
+            <a:off x="4572000" y="2890838"/>
+            <a:ext cx="3848100" cy="962025"/>
+          </p:xfrm>
+          <a:graphic>
+            <a:graphicData uri="http://schemas.openxmlformats.org/presentationml/2006/ole">
+              <mc:AlternateContent xmlns:mc="http://schemas.openxmlformats.org/markup-compatibility/2006">
+                <mc:Choice xmlns:v="urn:schemas-microsoft-com:vml" Requires="v">
+                  <p:oleObj name="Bitmap Image" r:id="rId8" imgW="3848040" imgH="961920" progId="PBrush">
+                    <p:embed/>
+                  </p:oleObj>
+                </mc:Choice>
+                <mc:Fallback>
+                  <p:oleObj name="Bitmap Image" r:id="rId8" imgW="3848040" imgH="961920" progId="PBrush">
+                    <p:embed/>
+                    <p:pic>
+                      <p:nvPicPr>
+                        <p:cNvPr id="0" name=""/>
+                        <p:cNvPicPr/>
+                        <p:nvPr/>
+                      </p:nvPicPr>
+                      <p:blipFill>
+                        <a:blip r:embed="rId9"/>
+                        <a:stretch>
+                          <a:fillRect/>
+                        </a:stretch>
+                      </p:blipFill>
+                      <p:spPr>
+                        <a:xfrm>
+                          <a:off x="4572000" y="2890838"/>
+                          <a:ext cx="3848100" cy="962025"/>
+                        </a:xfrm>
+                        <a:prstGeom prst="rect">
+                          <a:avLst/>
+                        </a:prstGeom>
+                      </p:spPr>
+                    </p:pic>
+                  </p:oleObj>
+                </mc:Fallback>
+              </mc:AlternateContent>
+            </a:graphicData>
+          </a:graphic>
+        </p:graphicFrame>
+        <p:sp>
+          <p:nvSpPr>
+            <p:cNvPr id="22" name="Овал 5">
+              <a:extLst>
+                <a:ext uri="{FF2B5EF4-FFF2-40B4-BE49-F238E27FC236}">
+                  <a16:creationId xmlns:a16="http://schemas.microsoft.com/office/drawing/2014/main" id="{7A902283-8550-0984-EC15-876D6A5950C4}"/>
+                </a:ext>
+              </a:extLst>
+            </p:cNvPr>
+            <p:cNvSpPr/>
+            <p:nvPr/>
+          </p:nvSpPr>
+          <p:spPr>
+            <a:xfrm>
+              <a:off x="6505575" y="2900363"/>
+              <a:ext cx="442913" cy="247650"/>
+            </a:xfrm>
+            <a:prstGeom prst="ellipse">
+              <a:avLst/>
+            </a:prstGeom>
+            <a:noFill/>
+            <a:ln w="19050">
+              <a:solidFill>
+                <a:srgbClr val="FF0000"/>
+              </a:solidFill>
+            </a:ln>
+          </p:spPr>
+          <p:style>
+            <a:lnRef idx="2">
+              <a:schemeClr val="accent1">
+                <a:shade val="50000"/>
+              </a:schemeClr>
+            </a:lnRef>
+            <a:fillRef idx="1">
+              <a:schemeClr val="accent1"/>
+            </a:fillRef>
+            <a:effectRef idx="0">
+              <a:schemeClr val="accent1"/>
+            </a:effectRef>
+            <a:fontRef idx="minor">
+              <a:schemeClr val="lt1"/>
+            </a:fontRef>
+          </p:style>
+          <p:txBody>
+            <a:bodyPr rtlCol="0" anchor="ctr"/>
+            <a:lstStyle/>
+            <a:p>
+              <a:pPr algn="ctr"/>
+              <a:endParaRPr lang="ru-RU"/>
+            </a:p>
+          </p:txBody>
+        </p:sp>
+      </p:grpSp>
+      <p:pic>
+        <p:nvPicPr>
+          <p:cNvPr id="43" name="Рисунок 39">
+            <a:extLst>
+              <a:ext uri="{FF2B5EF4-FFF2-40B4-BE49-F238E27FC236}">
+                <a16:creationId xmlns:a16="http://schemas.microsoft.com/office/drawing/2014/main" id="{A1D91CEA-C494-A21E-0DD0-A964C42F181E}"/>
+              </a:ext>
+            </a:extLst>
+          </p:cNvPr>
+          <p:cNvPicPr>
+            <a:picLocks noChangeAspect="1"/>
+          </p:cNvPicPr>
+          <p:nvPr/>
+        </p:nvPicPr>
+        <p:blipFill rotWithShape="1">
+          <a:blip r:embed="rId10"/>
+          <a:srcRect t="12723" b="65326"/>
+          <a:stretch/>
+        </p:blipFill>
+        <p:spPr>
+          <a:xfrm>
+            <a:off x="2321719" y="4050506"/>
+            <a:ext cx="3105150" cy="1285875"/>
+          </a:xfrm>
+          <a:prstGeom prst="rect">
+            <a:avLst/>
+          </a:prstGeom>
+        </p:spPr>
+      </p:pic>
+      <p:pic>
+        <p:nvPicPr>
+          <p:cNvPr id="45" name="Picture 44">
+            <a:extLst>
+              <a:ext uri="{FF2B5EF4-FFF2-40B4-BE49-F238E27FC236}">
+                <a16:creationId xmlns:a16="http://schemas.microsoft.com/office/drawing/2014/main" id="{A19CFD31-FC2F-AAC8-2830-11A201549708}"/>
+              </a:ext>
+            </a:extLst>
+          </p:cNvPr>
+          <p:cNvPicPr>
+            <a:picLocks noChangeAspect="1"/>
+          </p:cNvPicPr>
+          <p:nvPr/>
+        </p:nvPicPr>
+        <p:blipFill>
+          <a:blip r:embed="rId11"/>
+          <a:stretch>
+            <a:fillRect/>
+          </a:stretch>
+        </p:blipFill>
+        <p:spPr>
+          <a:xfrm>
+            <a:off x="6255543" y="3276600"/>
+            <a:ext cx="942975" cy="1800225"/>
+          </a:xfrm>
+          <a:prstGeom prst="rect">
+            <a:avLst/>
+          </a:prstGeom>
+        </p:spPr>
+      </p:pic>
+    </p:spTree>
+    <p:extLst>
+      <p:ext uri="{BB962C8B-B14F-4D97-AF65-F5344CB8AC3E}">
+        <p14:creationId xmlns:p14="http://schemas.microsoft.com/office/powerpoint/2010/main" val="2204062636"/>
+      </p:ext>
+    </p:extLst>
+  </p:cSld>
+  <p:clrMapOvr>
+    <a:masterClrMapping/>
+  </p:clrMapOvr>
+</p:sld>
+</file>
+
+<file path=ppt/slides/slide20.xml><?xml version="1.0" encoding="utf-8"?>
 <p:sld xmlns:a="http://schemas.openxmlformats.org/drawingml/2006/main" xmlns:r="http://schemas.openxmlformats.org/officeDocument/2006/relationships" xmlns:p="http://schemas.openxmlformats.org/presentationml/2006/main">
   <p:cSld>
     <p:spTree>
@@ -17201,639 +19770,6 @@
 </p:sld>
 </file>
 
-<file path=ppt/slides/slide2.xml><?xml version="1.0" encoding="utf-8"?>
-<p:sld xmlns:a="http://schemas.openxmlformats.org/drawingml/2006/main" xmlns:r="http://schemas.openxmlformats.org/officeDocument/2006/relationships" xmlns:p="http://schemas.openxmlformats.org/presentationml/2006/main">
-  <p:cSld>
-    <p:spTree>
-      <p:nvGrpSpPr>
-        <p:cNvPr id="1" name=""/>
-        <p:cNvGrpSpPr/>
-        <p:nvPr/>
-      </p:nvGrpSpPr>
-      <p:grpSpPr>
-        <a:xfrm>
-          <a:off x="0" y="0"/>
-          <a:ext cx="0" cy="0"/>
-          <a:chOff x="0" y="0"/>
-          <a:chExt cx="0" cy="0"/>
-        </a:xfrm>
-      </p:grpSpPr>
-      <p:grpSp>
-        <p:nvGrpSpPr>
-          <p:cNvPr id="23" name="Group 22">
-            <a:extLst>
-              <a:ext uri="{FF2B5EF4-FFF2-40B4-BE49-F238E27FC236}">
-                <a16:creationId xmlns:a16="http://schemas.microsoft.com/office/drawing/2014/main" id="{1CDB5274-F06F-AF7D-493D-C843DE39B82B}"/>
-              </a:ext>
-            </a:extLst>
-          </p:cNvPr>
-          <p:cNvGrpSpPr/>
-          <p:nvPr/>
-        </p:nvGrpSpPr>
-        <p:grpSpPr>
-          <a:xfrm>
-            <a:off x="681037" y="111919"/>
-            <a:ext cx="2333625" cy="2009775"/>
-            <a:chOff x="261938" y="309563"/>
-            <a:chExt cx="2333625" cy="2009775"/>
-          </a:xfrm>
-        </p:grpSpPr>
-        <p:graphicFrame>
-          <p:nvGraphicFramePr>
-            <p:cNvPr id="11" name="Object 10">
-              <a:extLst>
-                <a:ext uri="{FF2B5EF4-FFF2-40B4-BE49-F238E27FC236}">
-                  <a16:creationId xmlns:a16="http://schemas.microsoft.com/office/drawing/2014/main" id="{61734494-B75B-40C1-0CCE-A89B8EA29435}"/>
-                </a:ext>
-              </a:extLst>
-            </p:cNvPr>
-            <p:cNvGraphicFramePr>
-              <a:graphicFrameLocks noChangeAspect="1"/>
-            </p:cNvGraphicFramePr>
-            <p:nvPr>
-              <p:extLst>
-                <p:ext uri="{D42A27DB-BD31-4B8C-83A1-F6EECF244321}">
-                  <p14:modId xmlns:p14="http://schemas.microsoft.com/office/powerpoint/2010/main" val="795417189"/>
-                </p:ext>
-              </p:extLst>
-            </p:nvPr>
-          </p:nvGraphicFramePr>
-          <p:xfrm>
-            <a:off x="280988" y="328613"/>
-            <a:ext cx="2314575" cy="1990725"/>
-          </p:xfrm>
-          <a:graphic>
-            <a:graphicData uri="http://schemas.openxmlformats.org/presentationml/2006/ole">
-              <mc:AlternateContent xmlns:mc="http://schemas.openxmlformats.org/markup-compatibility/2006">
-                <mc:Choice xmlns:v="urn:schemas-microsoft-com:vml" Requires="v">
-                  <p:oleObj name="Bitmap Image" r:id="rId2" imgW="2314440" imgH="1990800" progId="PBrush">
-                    <p:embed/>
-                  </p:oleObj>
-                </mc:Choice>
-                <mc:Fallback>
-                  <p:oleObj name="Bitmap Image" r:id="rId2" imgW="2314440" imgH="1990800" progId="PBrush">
-                    <p:embed/>
-                    <p:pic>
-                      <p:nvPicPr>
-                        <p:cNvPr id="0" name=""/>
-                        <p:cNvPicPr/>
-                        <p:nvPr/>
-                      </p:nvPicPr>
-                      <p:blipFill>
-                        <a:blip r:embed="rId3"/>
-                        <a:stretch>
-                          <a:fillRect/>
-                        </a:stretch>
-                      </p:blipFill>
-                      <p:spPr>
-                        <a:xfrm>
-                          <a:off x="280988" y="328613"/>
-                          <a:ext cx="2314575" cy="1990725"/>
-                        </a:xfrm>
-                        <a:prstGeom prst="rect">
-                          <a:avLst/>
-                        </a:prstGeom>
-                      </p:spPr>
-                    </p:pic>
-                  </p:oleObj>
-                </mc:Fallback>
-              </mc:AlternateContent>
-            </a:graphicData>
-          </a:graphic>
-        </p:graphicFrame>
-        <p:sp>
-          <p:nvSpPr>
-            <p:cNvPr id="12" name="Овал 5">
-              <a:extLst>
-                <a:ext uri="{FF2B5EF4-FFF2-40B4-BE49-F238E27FC236}">
-                  <a16:creationId xmlns:a16="http://schemas.microsoft.com/office/drawing/2014/main" id="{2862245D-BD5C-B83A-83E5-38D4080DF592}"/>
-                </a:ext>
-              </a:extLst>
-            </p:cNvPr>
-            <p:cNvSpPr/>
-            <p:nvPr/>
-          </p:nvSpPr>
-          <p:spPr>
-            <a:xfrm>
-              <a:off x="261938" y="309563"/>
-              <a:ext cx="361950" cy="247650"/>
-            </a:xfrm>
-            <a:prstGeom prst="ellipse">
-              <a:avLst/>
-            </a:prstGeom>
-            <a:noFill/>
-            <a:ln w="19050">
-              <a:solidFill>
-                <a:srgbClr val="FF0000"/>
-              </a:solidFill>
-            </a:ln>
-          </p:spPr>
-          <p:style>
-            <a:lnRef idx="2">
-              <a:schemeClr val="accent1">
-                <a:shade val="50000"/>
-              </a:schemeClr>
-            </a:lnRef>
-            <a:fillRef idx="1">
-              <a:schemeClr val="accent1"/>
-            </a:fillRef>
-            <a:effectRef idx="0">
-              <a:schemeClr val="accent1"/>
-            </a:effectRef>
-            <a:fontRef idx="minor">
-              <a:schemeClr val="lt1"/>
-            </a:fontRef>
-          </p:style>
-          <p:txBody>
-            <a:bodyPr rtlCol="0" anchor="ctr"/>
-            <a:lstStyle/>
-            <a:p>
-              <a:pPr algn="ctr"/>
-              <a:endParaRPr lang="ru-RU"/>
-            </a:p>
-          </p:txBody>
-        </p:sp>
-      </p:grpSp>
-      <p:grpSp>
-        <p:nvGrpSpPr>
-          <p:cNvPr id="24" name="Group 23">
-            <a:extLst>
-              <a:ext uri="{FF2B5EF4-FFF2-40B4-BE49-F238E27FC236}">
-                <a16:creationId xmlns:a16="http://schemas.microsoft.com/office/drawing/2014/main" id="{1C67D4B8-CCAC-2FAE-8DA4-565E6102D899}"/>
-              </a:ext>
-            </a:extLst>
-          </p:cNvPr>
-          <p:cNvGrpSpPr/>
-          <p:nvPr/>
-        </p:nvGrpSpPr>
-        <p:grpSpPr>
-          <a:xfrm>
-            <a:off x="3440906" y="235744"/>
-            <a:ext cx="3276600" cy="1181100"/>
-            <a:chOff x="2828925" y="309563"/>
-            <a:chExt cx="3276600" cy="1181100"/>
-          </a:xfrm>
-        </p:grpSpPr>
-        <p:graphicFrame>
-          <p:nvGraphicFramePr>
-            <p:cNvPr id="14" name="Object 13">
-              <a:extLst>
-                <a:ext uri="{FF2B5EF4-FFF2-40B4-BE49-F238E27FC236}">
-                  <a16:creationId xmlns:a16="http://schemas.microsoft.com/office/drawing/2014/main" id="{6F39115B-FD5B-4C5D-FEFC-7AFF06DE6573}"/>
-                </a:ext>
-              </a:extLst>
-            </p:cNvPr>
-            <p:cNvGraphicFramePr>
-              <a:graphicFrameLocks noChangeAspect="1"/>
-            </p:cNvGraphicFramePr>
-            <p:nvPr>
-              <p:extLst>
-                <p:ext uri="{D42A27DB-BD31-4B8C-83A1-F6EECF244321}">
-                  <p14:modId xmlns:p14="http://schemas.microsoft.com/office/powerpoint/2010/main" val="916739203"/>
-                </p:ext>
-              </p:extLst>
-            </p:nvPr>
-          </p:nvGraphicFramePr>
-          <p:xfrm>
-            <a:off x="2828925" y="328613"/>
-            <a:ext cx="3276600" cy="1162050"/>
-          </p:xfrm>
-          <a:graphic>
-            <a:graphicData uri="http://schemas.openxmlformats.org/presentationml/2006/ole">
-              <mc:AlternateContent xmlns:mc="http://schemas.openxmlformats.org/markup-compatibility/2006">
-                <mc:Choice xmlns:v="urn:schemas-microsoft-com:vml" Requires="v">
-                  <p:oleObj name="Bitmap Image" r:id="rId4" imgW="3276720" imgH="1162080" progId="PBrush">
-                    <p:embed/>
-                  </p:oleObj>
-                </mc:Choice>
-                <mc:Fallback>
-                  <p:oleObj name="Bitmap Image" r:id="rId4" imgW="3276720" imgH="1162080" progId="PBrush">
-                    <p:embed/>
-                    <p:pic>
-                      <p:nvPicPr>
-                        <p:cNvPr id="0" name=""/>
-                        <p:cNvPicPr/>
-                        <p:nvPr/>
-                      </p:nvPicPr>
-                      <p:blipFill>
-                        <a:blip r:embed="rId5"/>
-                        <a:stretch>
-                          <a:fillRect/>
-                        </a:stretch>
-                      </p:blipFill>
-                      <p:spPr>
-                        <a:xfrm>
-                          <a:off x="2828925" y="328613"/>
-                          <a:ext cx="3276600" cy="1162050"/>
-                        </a:xfrm>
-                        <a:prstGeom prst="rect">
-                          <a:avLst/>
-                        </a:prstGeom>
-                      </p:spPr>
-                    </p:pic>
-                  </p:oleObj>
-                </mc:Fallback>
-              </mc:AlternateContent>
-            </a:graphicData>
-          </a:graphic>
-        </p:graphicFrame>
-        <p:sp>
-          <p:nvSpPr>
-            <p:cNvPr id="15" name="Овал 5">
-              <a:extLst>
-                <a:ext uri="{FF2B5EF4-FFF2-40B4-BE49-F238E27FC236}">
-                  <a16:creationId xmlns:a16="http://schemas.microsoft.com/office/drawing/2014/main" id="{3AAE8653-9A08-DD31-C4D4-605A9FD79282}"/>
-                </a:ext>
-              </a:extLst>
-            </p:cNvPr>
-            <p:cNvSpPr/>
-            <p:nvPr/>
-          </p:nvSpPr>
-          <p:spPr>
-            <a:xfrm>
-              <a:off x="3167063" y="309563"/>
-              <a:ext cx="614362" cy="247650"/>
-            </a:xfrm>
-            <a:prstGeom prst="ellipse">
-              <a:avLst/>
-            </a:prstGeom>
-            <a:noFill/>
-            <a:ln w="19050">
-              <a:solidFill>
-                <a:srgbClr val="FF0000"/>
-              </a:solidFill>
-            </a:ln>
-          </p:spPr>
-          <p:style>
-            <a:lnRef idx="2">
-              <a:schemeClr val="accent1">
-                <a:shade val="50000"/>
-              </a:schemeClr>
-            </a:lnRef>
-            <a:fillRef idx="1">
-              <a:schemeClr val="accent1"/>
-            </a:fillRef>
-            <a:effectRef idx="0">
-              <a:schemeClr val="accent1"/>
-            </a:effectRef>
-            <a:fontRef idx="minor">
-              <a:schemeClr val="lt1"/>
-            </a:fontRef>
-          </p:style>
-          <p:txBody>
-            <a:bodyPr rtlCol="0" anchor="ctr"/>
-            <a:lstStyle/>
-            <a:p>
-              <a:pPr algn="ctr"/>
-              <a:endParaRPr lang="ru-RU"/>
-            </a:p>
-          </p:txBody>
-        </p:sp>
-      </p:grpSp>
-      <p:grpSp>
-        <p:nvGrpSpPr>
-          <p:cNvPr id="25" name="Group 24">
-            <a:extLst>
-              <a:ext uri="{FF2B5EF4-FFF2-40B4-BE49-F238E27FC236}">
-                <a16:creationId xmlns:a16="http://schemas.microsoft.com/office/drawing/2014/main" id="{4BA16896-B106-D0E9-6546-A3C62E8034AA}"/>
-              </a:ext>
-            </a:extLst>
-          </p:cNvPr>
-          <p:cNvGrpSpPr/>
-          <p:nvPr/>
-        </p:nvGrpSpPr>
-        <p:grpSpPr>
-          <a:xfrm>
-            <a:off x="452436" y="2371725"/>
-            <a:ext cx="2809875" cy="619125"/>
-            <a:chOff x="357188" y="2752725"/>
-            <a:chExt cx="2809875" cy="619125"/>
-          </a:xfrm>
-        </p:grpSpPr>
-        <p:graphicFrame>
-          <p:nvGraphicFramePr>
-            <p:cNvPr id="17" name="Object 16">
-              <a:extLst>
-                <a:ext uri="{FF2B5EF4-FFF2-40B4-BE49-F238E27FC236}">
-                  <a16:creationId xmlns:a16="http://schemas.microsoft.com/office/drawing/2014/main" id="{2892E8B8-8A53-557F-57CC-FE6FC71705A3}"/>
-                </a:ext>
-              </a:extLst>
-            </p:cNvPr>
-            <p:cNvGraphicFramePr>
-              <a:graphicFrameLocks noChangeAspect="1"/>
-            </p:cNvGraphicFramePr>
-            <p:nvPr>
-              <p:extLst>
-                <p:ext uri="{D42A27DB-BD31-4B8C-83A1-F6EECF244321}">
-                  <p14:modId xmlns:p14="http://schemas.microsoft.com/office/powerpoint/2010/main" val="1558659177"/>
-                </p:ext>
-              </p:extLst>
-            </p:nvPr>
-          </p:nvGraphicFramePr>
-          <p:xfrm>
-            <a:off x="357188" y="2752725"/>
-            <a:ext cx="2809875" cy="619125"/>
-          </p:xfrm>
-          <a:graphic>
-            <a:graphicData uri="http://schemas.openxmlformats.org/presentationml/2006/ole">
-              <mc:AlternateContent xmlns:mc="http://schemas.openxmlformats.org/markup-compatibility/2006">
-                <mc:Choice xmlns:v="urn:schemas-microsoft-com:vml" Requires="v">
-                  <p:oleObj name="Bitmap Image" r:id="rId6" imgW="2809800" imgH="619200" progId="PBrush">
-                    <p:embed/>
-                  </p:oleObj>
-                </mc:Choice>
-                <mc:Fallback>
-                  <p:oleObj name="Bitmap Image" r:id="rId6" imgW="2809800" imgH="619200" progId="PBrush">
-                    <p:embed/>
-                    <p:pic>
-                      <p:nvPicPr>
-                        <p:cNvPr id="0" name=""/>
-                        <p:cNvPicPr/>
-                        <p:nvPr/>
-                      </p:nvPicPr>
-                      <p:blipFill>
-                        <a:blip r:embed="rId7"/>
-                        <a:stretch>
-                          <a:fillRect/>
-                        </a:stretch>
-                      </p:blipFill>
-                      <p:spPr>
-                        <a:xfrm>
-                          <a:off x="357188" y="2752725"/>
-                          <a:ext cx="2809875" cy="619125"/>
-                        </a:xfrm>
-                        <a:prstGeom prst="rect">
-                          <a:avLst/>
-                        </a:prstGeom>
-                      </p:spPr>
-                    </p:pic>
-                  </p:oleObj>
-                </mc:Fallback>
-              </mc:AlternateContent>
-            </a:graphicData>
-          </a:graphic>
-        </p:graphicFrame>
-        <p:sp>
-          <p:nvSpPr>
-            <p:cNvPr id="18" name="Овал 5">
-              <a:extLst>
-                <a:ext uri="{FF2B5EF4-FFF2-40B4-BE49-F238E27FC236}">
-                  <a16:creationId xmlns:a16="http://schemas.microsoft.com/office/drawing/2014/main" id="{36650704-0D18-8454-193E-7E58D2F1C8BD}"/>
-                </a:ext>
-              </a:extLst>
-            </p:cNvPr>
-            <p:cNvSpPr/>
-            <p:nvPr/>
-          </p:nvSpPr>
-          <p:spPr>
-            <a:xfrm>
-              <a:off x="1309687" y="2767013"/>
-              <a:ext cx="1023937" cy="247650"/>
-            </a:xfrm>
-            <a:prstGeom prst="ellipse">
-              <a:avLst/>
-            </a:prstGeom>
-            <a:noFill/>
-            <a:ln w="19050">
-              <a:solidFill>
-                <a:srgbClr val="FF0000"/>
-              </a:solidFill>
-            </a:ln>
-          </p:spPr>
-          <p:style>
-            <a:lnRef idx="2">
-              <a:schemeClr val="accent1">
-                <a:shade val="50000"/>
-              </a:schemeClr>
-            </a:lnRef>
-            <a:fillRef idx="1">
-              <a:schemeClr val="accent1"/>
-            </a:fillRef>
-            <a:effectRef idx="0">
-              <a:schemeClr val="accent1"/>
-            </a:effectRef>
-            <a:fontRef idx="minor">
-              <a:schemeClr val="lt1"/>
-            </a:fontRef>
-          </p:style>
-          <p:txBody>
-            <a:bodyPr rtlCol="0" anchor="ctr"/>
-            <a:lstStyle/>
-            <a:p>
-              <a:pPr algn="ctr"/>
-              <a:endParaRPr lang="ru-RU"/>
-            </a:p>
-          </p:txBody>
-        </p:sp>
-      </p:grpSp>
-      <p:grpSp>
-        <p:nvGrpSpPr>
-          <p:cNvPr id="27" name="Group 26">
-            <a:extLst>
-              <a:ext uri="{FF2B5EF4-FFF2-40B4-BE49-F238E27FC236}">
-                <a16:creationId xmlns:a16="http://schemas.microsoft.com/office/drawing/2014/main" id="{EB593B6F-9D90-E394-1628-FC51C3A5318A}"/>
-              </a:ext>
-            </a:extLst>
-          </p:cNvPr>
-          <p:cNvGrpSpPr/>
-          <p:nvPr/>
-        </p:nvGrpSpPr>
-        <p:grpSpPr>
-          <a:xfrm>
-            <a:off x="4572000" y="1719263"/>
-            <a:ext cx="3848100" cy="962025"/>
-            <a:chOff x="4572000" y="2890838"/>
-            <a:chExt cx="3848100" cy="962025"/>
-          </a:xfrm>
-        </p:grpSpPr>
-        <p:graphicFrame>
-          <p:nvGraphicFramePr>
-            <p:cNvPr id="21" name="Object 20">
-              <a:extLst>
-                <a:ext uri="{FF2B5EF4-FFF2-40B4-BE49-F238E27FC236}">
-                  <a16:creationId xmlns:a16="http://schemas.microsoft.com/office/drawing/2014/main" id="{2E2C0B60-319F-B687-5A1F-B11EE131FA01}"/>
-                </a:ext>
-              </a:extLst>
-            </p:cNvPr>
-            <p:cNvGraphicFramePr>
-              <a:graphicFrameLocks noChangeAspect="1"/>
-            </p:cNvGraphicFramePr>
-            <p:nvPr>
-              <p:extLst>
-                <p:ext uri="{D42A27DB-BD31-4B8C-83A1-F6EECF244321}">
-                  <p14:modId xmlns:p14="http://schemas.microsoft.com/office/powerpoint/2010/main" val="3649484987"/>
-                </p:ext>
-              </p:extLst>
-            </p:nvPr>
-          </p:nvGraphicFramePr>
-          <p:xfrm>
-            <a:off x="4572000" y="2890838"/>
-            <a:ext cx="3848100" cy="962025"/>
-          </p:xfrm>
-          <a:graphic>
-            <a:graphicData uri="http://schemas.openxmlformats.org/presentationml/2006/ole">
-              <mc:AlternateContent xmlns:mc="http://schemas.openxmlformats.org/markup-compatibility/2006">
-                <mc:Choice xmlns:v="urn:schemas-microsoft-com:vml" Requires="v">
-                  <p:oleObj name="Bitmap Image" r:id="rId8" imgW="3848040" imgH="961920" progId="PBrush">
-                    <p:embed/>
-                  </p:oleObj>
-                </mc:Choice>
-                <mc:Fallback>
-                  <p:oleObj name="Bitmap Image" r:id="rId8" imgW="3848040" imgH="961920" progId="PBrush">
-                    <p:embed/>
-                    <p:pic>
-                      <p:nvPicPr>
-                        <p:cNvPr id="0" name=""/>
-                        <p:cNvPicPr/>
-                        <p:nvPr/>
-                      </p:nvPicPr>
-                      <p:blipFill>
-                        <a:blip r:embed="rId9"/>
-                        <a:stretch>
-                          <a:fillRect/>
-                        </a:stretch>
-                      </p:blipFill>
-                      <p:spPr>
-                        <a:xfrm>
-                          <a:off x="4572000" y="2890838"/>
-                          <a:ext cx="3848100" cy="962025"/>
-                        </a:xfrm>
-                        <a:prstGeom prst="rect">
-                          <a:avLst/>
-                        </a:prstGeom>
-                      </p:spPr>
-                    </p:pic>
-                  </p:oleObj>
-                </mc:Fallback>
-              </mc:AlternateContent>
-            </a:graphicData>
-          </a:graphic>
-        </p:graphicFrame>
-        <p:sp>
-          <p:nvSpPr>
-            <p:cNvPr id="22" name="Овал 5">
-              <a:extLst>
-                <a:ext uri="{FF2B5EF4-FFF2-40B4-BE49-F238E27FC236}">
-                  <a16:creationId xmlns:a16="http://schemas.microsoft.com/office/drawing/2014/main" id="{7A902283-8550-0984-EC15-876D6A5950C4}"/>
-                </a:ext>
-              </a:extLst>
-            </p:cNvPr>
-            <p:cNvSpPr/>
-            <p:nvPr/>
-          </p:nvSpPr>
-          <p:spPr>
-            <a:xfrm>
-              <a:off x="6505575" y="2900363"/>
-              <a:ext cx="442913" cy="247650"/>
-            </a:xfrm>
-            <a:prstGeom prst="ellipse">
-              <a:avLst/>
-            </a:prstGeom>
-            <a:noFill/>
-            <a:ln w="19050">
-              <a:solidFill>
-                <a:srgbClr val="FF0000"/>
-              </a:solidFill>
-            </a:ln>
-          </p:spPr>
-          <p:style>
-            <a:lnRef idx="2">
-              <a:schemeClr val="accent1">
-                <a:shade val="50000"/>
-              </a:schemeClr>
-            </a:lnRef>
-            <a:fillRef idx="1">
-              <a:schemeClr val="accent1"/>
-            </a:fillRef>
-            <a:effectRef idx="0">
-              <a:schemeClr val="accent1"/>
-            </a:effectRef>
-            <a:fontRef idx="minor">
-              <a:schemeClr val="lt1"/>
-            </a:fontRef>
-          </p:style>
-          <p:txBody>
-            <a:bodyPr rtlCol="0" anchor="ctr"/>
-            <a:lstStyle/>
-            <a:p>
-              <a:pPr algn="ctr"/>
-              <a:endParaRPr lang="ru-RU"/>
-            </a:p>
-          </p:txBody>
-        </p:sp>
-      </p:grpSp>
-      <p:pic>
-        <p:nvPicPr>
-          <p:cNvPr id="43" name="Рисунок 39">
-            <a:extLst>
-              <a:ext uri="{FF2B5EF4-FFF2-40B4-BE49-F238E27FC236}">
-                <a16:creationId xmlns:a16="http://schemas.microsoft.com/office/drawing/2014/main" id="{A1D91CEA-C494-A21E-0DD0-A964C42F181E}"/>
-              </a:ext>
-            </a:extLst>
-          </p:cNvPr>
-          <p:cNvPicPr>
-            <a:picLocks noChangeAspect="1"/>
-          </p:cNvPicPr>
-          <p:nvPr/>
-        </p:nvPicPr>
-        <p:blipFill rotWithShape="1">
-          <a:blip r:embed="rId10"/>
-          <a:srcRect t="12723" b="65326"/>
-          <a:stretch/>
-        </p:blipFill>
-        <p:spPr>
-          <a:xfrm>
-            <a:off x="2321719" y="4050506"/>
-            <a:ext cx="3105150" cy="1285875"/>
-          </a:xfrm>
-          <a:prstGeom prst="rect">
-            <a:avLst/>
-          </a:prstGeom>
-        </p:spPr>
-      </p:pic>
-      <p:pic>
-        <p:nvPicPr>
-          <p:cNvPr id="45" name="Picture 44">
-            <a:extLst>
-              <a:ext uri="{FF2B5EF4-FFF2-40B4-BE49-F238E27FC236}">
-                <a16:creationId xmlns:a16="http://schemas.microsoft.com/office/drawing/2014/main" id="{A19CFD31-FC2F-AAC8-2830-11A201549708}"/>
-              </a:ext>
-            </a:extLst>
-          </p:cNvPr>
-          <p:cNvPicPr>
-            <a:picLocks noChangeAspect="1"/>
-          </p:cNvPicPr>
-          <p:nvPr/>
-        </p:nvPicPr>
-        <p:blipFill>
-          <a:blip r:embed="rId11"/>
-          <a:stretch>
-            <a:fillRect/>
-          </a:stretch>
-        </p:blipFill>
-        <p:spPr>
-          <a:xfrm>
-            <a:off x="6255543" y="3276600"/>
-            <a:ext cx="942975" cy="1800225"/>
-          </a:xfrm>
-          <a:prstGeom prst="rect">
-            <a:avLst/>
-          </a:prstGeom>
-        </p:spPr>
-      </p:pic>
-    </p:spTree>
-    <p:extLst>
-      <p:ext uri="{BB962C8B-B14F-4D97-AF65-F5344CB8AC3E}">
-        <p14:creationId xmlns:p14="http://schemas.microsoft.com/office/powerpoint/2010/main" val="2204062636"/>
-      </p:ext>
-    </p:extLst>
-  </p:cSld>
-  <p:clrMapOvr>
-    <a:masterClrMapping/>
-  </p:clrMapOvr>
-</p:sld>
-</file>
-
 <file path=ppt/slides/slide3.xml><?xml version="1.0" encoding="utf-8"?>
 <p:sld xmlns:a="http://schemas.openxmlformats.org/drawingml/2006/main" xmlns:r="http://schemas.openxmlformats.org/officeDocument/2006/relationships" xmlns:p="http://schemas.openxmlformats.org/presentationml/2006/main">
   <p:cSld>

--- a/manual/Pictures 2.0/Pictures 2.0.pptx
+++ b/manual/Pictures 2.0/Pictures 2.0.pptx
@@ -273,7 +273,7 @@
           <a:p>
             <a:fld id="{55465C39-D47E-4138-800A-7D6CA5F3257E}" type="datetimeFigureOut">
               <a:rPr lang="ru-RU" smtClean="0"/>
-              <a:t>16.10.2022</a:t>
+              <a:t>17.10.2022</a:t>
             </a:fld>
             <a:endParaRPr lang="ru-RU"/>
           </a:p>
@@ -443,7 +443,7 @@
           <a:p>
             <a:fld id="{55465C39-D47E-4138-800A-7D6CA5F3257E}" type="datetimeFigureOut">
               <a:rPr lang="ru-RU" smtClean="0"/>
-              <a:t>16.10.2022</a:t>
+              <a:t>17.10.2022</a:t>
             </a:fld>
             <a:endParaRPr lang="ru-RU"/>
           </a:p>
@@ -623,7 +623,7 @@
           <a:p>
             <a:fld id="{55465C39-D47E-4138-800A-7D6CA5F3257E}" type="datetimeFigureOut">
               <a:rPr lang="ru-RU" smtClean="0"/>
-              <a:t>16.10.2022</a:t>
+              <a:t>17.10.2022</a:t>
             </a:fld>
             <a:endParaRPr lang="ru-RU"/>
           </a:p>
@@ -793,7 +793,7 @@
           <a:p>
             <a:fld id="{55465C39-D47E-4138-800A-7D6CA5F3257E}" type="datetimeFigureOut">
               <a:rPr lang="ru-RU" smtClean="0"/>
-              <a:t>16.10.2022</a:t>
+              <a:t>17.10.2022</a:t>
             </a:fld>
             <a:endParaRPr lang="ru-RU"/>
           </a:p>
@@ -1037,7 +1037,7 @@
           <a:p>
             <a:fld id="{55465C39-D47E-4138-800A-7D6CA5F3257E}" type="datetimeFigureOut">
               <a:rPr lang="ru-RU" smtClean="0"/>
-              <a:t>16.10.2022</a:t>
+              <a:t>17.10.2022</a:t>
             </a:fld>
             <a:endParaRPr lang="ru-RU"/>
           </a:p>
@@ -1269,7 +1269,7 @@
           <a:p>
             <a:fld id="{55465C39-D47E-4138-800A-7D6CA5F3257E}" type="datetimeFigureOut">
               <a:rPr lang="ru-RU" smtClean="0"/>
-              <a:t>16.10.2022</a:t>
+              <a:t>17.10.2022</a:t>
             </a:fld>
             <a:endParaRPr lang="ru-RU"/>
           </a:p>
@@ -1636,7 +1636,7 @@
           <a:p>
             <a:fld id="{55465C39-D47E-4138-800A-7D6CA5F3257E}" type="datetimeFigureOut">
               <a:rPr lang="ru-RU" smtClean="0"/>
-              <a:t>16.10.2022</a:t>
+              <a:t>17.10.2022</a:t>
             </a:fld>
             <a:endParaRPr lang="ru-RU"/>
           </a:p>
@@ -1754,7 +1754,7 @@
           <a:p>
             <a:fld id="{55465C39-D47E-4138-800A-7D6CA5F3257E}" type="datetimeFigureOut">
               <a:rPr lang="ru-RU" smtClean="0"/>
-              <a:t>16.10.2022</a:t>
+              <a:t>17.10.2022</a:t>
             </a:fld>
             <a:endParaRPr lang="ru-RU"/>
           </a:p>
@@ -1849,7 +1849,7 @@
           <a:p>
             <a:fld id="{55465C39-D47E-4138-800A-7D6CA5F3257E}" type="datetimeFigureOut">
               <a:rPr lang="ru-RU" smtClean="0"/>
-              <a:t>16.10.2022</a:t>
+              <a:t>17.10.2022</a:t>
             </a:fld>
             <a:endParaRPr lang="ru-RU"/>
           </a:p>
@@ -2126,7 +2126,7 @@
           <a:p>
             <a:fld id="{55465C39-D47E-4138-800A-7D6CA5F3257E}" type="datetimeFigureOut">
               <a:rPr lang="ru-RU" smtClean="0"/>
-              <a:t>16.10.2022</a:t>
+              <a:t>17.10.2022</a:t>
             </a:fld>
             <a:endParaRPr lang="ru-RU"/>
           </a:p>
@@ -2383,7 +2383,7 @@
           <a:p>
             <a:fld id="{55465C39-D47E-4138-800A-7D6CA5F3257E}" type="datetimeFigureOut">
               <a:rPr lang="ru-RU" smtClean="0"/>
-              <a:t>16.10.2022</a:t>
+              <a:t>17.10.2022</a:t>
             </a:fld>
             <a:endParaRPr lang="ru-RU"/>
           </a:p>
@@ -2596,7 +2596,7 @@
           <a:p>
             <a:fld id="{55465C39-D47E-4138-800A-7D6CA5F3257E}" type="datetimeFigureOut">
               <a:rPr lang="ru-RU" smtClean="0"/>
-              <a:t>16.10.2022</a:t>
+              <a:t>17.10.2022</a:t>
             </a:fld>
             <a:endParaRPr lang="ru-RU"/>
           </a:p>
@@ -10028,16 +10028,15 @@
           </p:cNvPicPr>
           <p:nvPr/>
         </p:nvPicPr>
-        <p:blipFill>
+        <p:blipFill rotWithShape="1">
           <a:blip r:embed="rId7"/>
-          <a:stretch>
-            <a:fillRect/>
-          </a:stretch>
+          <a:srcRect l="7858" t="11689" r="7733" b="15761"/>
+          <a:stretch/>
         </p:blipFill>
         <p:spPr>
           <a:xfrm>
-            <a:off x="566372" y="2044944"/>
-            <a:ext cx="590550" cy="323850"/>
+            <a:off x="612775" y="2082800"/>
+            <a:ext cx="498476" cy="234950"/>
           </a:xfrm>
           <a:prstGeom prst="rect">
             <a:avLst/>
@@ -10058,16 +10057,15 @@
           </p:cNvPicPr>
           <p:nvPr/>
         </p:nvPicPr>
-        <p:blipFill>
+        <p:blipFill rotWithShape="1">
           <a:blip r:embed="rId8"/>
-          <a:stretch>
-            <a:fillRect/>
-          </a:stretch>
+          <a:srcRect l="4499" t="7732" r="6801" b="16511"/>
+          <a:stretch/>
         </p:blipFill>
         <p:spPr>
           <a:xfrm>
-            <a:off x="1222497" y="2058498"/>
-            <a:ext cx="561975" cy="314325"/>
+            <a:off x="1247775" y="2082800"/>
+            <a:ext cx="498475" cy="238125"/>
           </a:xfrm>
           <a:prstGeom prst="rect">
             <a:avLst/>
@@ -10088,16 +10086,15 @@
           </p:cNvPicPr>
           <p:nvPr/>
         </p:nvPicPr>
-        <p:blipFill>
+        <p:blipFill rotWithShape="1">
           <a:blip r:embed="rId9"/>
-          <a:stretch>
-            <a:fillRect/>
-          </a:stretch>
+          <a:srcRect l="2602" t="6155" r="5731" b="12734"/>
+          <a:stretch/>
         </p:blipFill>
         <p:spPr>
           <a:xfrm>
-            <a:off x="564173" y="2582740"/>
-            <a:ext cx="647700" cy="285750"/>
+            <a:off x="581025" y="2600325"/>
+            <a:ext cx="593725" cy="231776"/>
           </a:xfrm>
           <a:prstGeom prst="rect">
             <a:avLst/>
@@ -10118,16 +10115,15 @@
           </p:cNvPicPr>
           <p:nvPr/>
         </p:nvPicPr>
-        <p:blipFill>
+        <p:blipFill rotWithShape="1">
           <a:blip r:embed="rId10"/>
-          <a:stretch>
-            <a:fillRect/>
-          </a:stretch>
+          <a:srcRect l="5056" t="14782" r="7906" b="13650"/>
+          <a:stretch/>
         </p:blipFill>
         <p:spPr>
           <a:xfrm>
-            <a:off x="1292470" y="2546105"/>
-            <a:ext cx="685800" cy="323850"/>
+            <a:off x="1327150" y="2593975"/>
+            <a:ext cx="596900" cy="231775"/>
           </a:xfrm>
           <a:prstGeom prst="rect">
             <a:avLst/>
@@ -10148,16 +10144,15 @@
           </p:cNvPicPr>
           <p:nvPr/>
         </p:nvPicPr>
-        <p:blipFill>
+        <p:blipFill rotWithShape="1">
           <a:blip r:embed="rId11"/>
-          <a:stretch>
-            <a:fillRect/>
-          </a:stretch>
+          <a:srcRect l="4181" t="8253" r="6447" b="13621"/>
+          <a:stretch/>
         </p:blipFill>
         <p:spPr>
           <a:xfrm>
-            <a:off x="515448" y="3083170"/>
-            <a:ext cx="657225" cy="304800"/>
+            <a:off x="542925" y="3108325"/>
+            <a:ext cx="587375" cy="238126"/>
           </a:xfrm>
           <a:prstGeom prst="rect">
             <a:avLst/>
@@ -10178,16 +10173,15 @@
           </p:cNvPicPr>
           <p:nvPr/>
         </p:nvPicPr>
-        <p:blipFill>
+        <p:blipFill rotWithShape="1">
           <a:blip r:embed="rId12"/>
-          <a:stretch>
-            <a:fillRect/>
-          </a:stretch>
+          <a:srcRect l="5129" t="9058" r="5823" b="12448"/>
+          <a:stretch/>
         </p:blipFill>
         <p:spPr>
           <a:xfrm>
-            <a:off x="1372333" y="3087931"/>
-            <a:ext cx="666750" cy="295275"/>
+            <a:off x="1406525" y="3114676"/>
+            <a:ext cx="593725" cy="231774"/>
           </a:xfrm>
           <a:prstGeom prst="rect">
             <a:avLst/>
@@ -10208,16 +10202,15 @@
           </p:cNvPicPr>
           <p:nvPr/>
         </p:nvPicPr>
-        <p:blipFill>
+        <p:blipFill rotWithShape="1">
           <a:blip r:embed="rId13"/>
-          <a:stretch>
-            <a:fillRect/>
-          </a:stretch>
+          <a:srcRect l="4443" t="11357" r="5614" b="11298"/>
+          <a:stretch/>
         </p:blipFill>
         <p:spPr>
           <a:xfrm>
-            <a:off x="2247167" y="3091962"/>
-            <a:ext cx="552450" cy="304800"/>
+            <a:off x="2271713" y="3126580"/>
+            <a:ext cx="496887" cy="235745"/>
           </a:xfrm>
           <a:prstGeom prst="rect">
             <a:avLst/>
@@ -10238,16 +10231,15 @@
           </p:cNvPicPr>
           <p:nvPr/>
         </p:nvPicPr>
-        <p:blipFill>
+        <p:blipFill rotWithShape="1">
           <a:blip r:embed="rId14"/>
-          <a:stretch>
-            <a:fillRect/>
-          </a:stretch>
+          <a:srcRect l="4042" t="10193" r="5379" b="9807"/>
+          <a:stretch/>
         </p:blipFill>
         <p:spPr>
           <a:xfrm>
-            <a:off x="3161933" y="3092694"/>
-            <a:ext cx="657225" cy="285750"/>
+            <a:off x="3188494" y="3121818"/>
+            <a:ext cx="595312" cy="228601"/>
           </a:xfrm>
           <a:prstGeom prst="rect">
             <a:avLst/>
@@ -10268,16 +10260,15 @@
           </p:cNvPicPr>
           <p:nvPr/>
         </p:nvPicPr>
-        <p:blipFill>
+        <p:blipFill rotWithShape="1">
           <a:blip r:embed="rId15"/>
-          <a:stretch>
-            <a:fillRect/>
-          </a:stretch>
+          <a:srcRect l="4015" t="10257" r="5768" b="8910"/>
+          <a:stretch/>
         </p:blipFill>
         <p:spPr>
           <a:xfrm>
-            <a:off x="559410" y="3980717"/>
-            <a:ext cx="657225" cy="285750"/>
+            <a:off x="1711203" y="3623163"/>
+            <a:ext cx="592931" cy="230981"/>
           </a:xfrm>
           <a:prstGeom prst="rect">
             <a:avLst/>
@@ -10298,16 +10289,15 @@
           </p:cNvPicPr>
           <p:nvPr/>
         </p:nvPicPr>
-        <p:blipFill>
+        <p:blipFill rotWithShape="1">
           <a:blip r:embed="rId16"/>
-          <a:stretch>
-            <a:fillRect/>
-          </a:stretch>
+          <a:srcRect l="4265" t="8508" r="5880" b="17248"/>
+          <a:stretch/>
         </p:blipFill>
         <p:spPr>
           <a:xfrm>
-            <a:off x="1465018" y="3992807"/>
-            <a:ext cx="657225" cy="314325"/>
+            <a:off x="2618458" y="3632688"/>
+            <a:ext cx="590551" cy="233363"/>
           </a:xfrm>
           <a:prstGeom prst="rect">
             <a:avLst/>

--- a/manual/Pictures 2.0/Pictures 2.0.pptx
+++ b/manual/Pictures 2.0/Pictures 2.0.pptx
@@ -10454,6 +10454,273 @@
           </a:prstGeom>
         </p:spPr>
       </p:pic>
+      <p:grpSp>
+        <p:nvGrpSpPr>
+          <p:cNvPr id="22" name="Group 21">
+            <a:extLst>
+              <a:ext uri="{FF2B5EF4-FFF2-40B4-BE49-F238E27FC236}">
+                <a16:creationId xmlns:a16="http://schemas.microsoft.com/office/drawing/2014/main" id="{497E36E2-4D71-44E4-110D-F2A0927752A2}"/>
+              </a:ext>
+            </a:extLst>
+          </p:cNvPr>
+          <p:cNvGrpSpPr/>
+          <p:nvPr/>
+        </p:nvGrpSpPr>
+        <p:grpSpPr>
+          <a:xfrm>
+            <a:off x="5660781" y="3860555"/>
+            <a:ext cx="2552700" cy="1352550"/>
+            <a:chOff x="5660781" y="3860555"/>
+            <a:chExt cx="2552700" cy="1352550"/>
+          </a:xfrm>
+        </p:grpSpPr>
+        <p:pic>
+          <p:nvPicPr>
+            <p:cNvPr id="3" name="Picture 2">
+              <a:extLst>
+                <a:ext uri="{FF2B5EF4-FFF2-40B4-BE49-F238E27FC236}">
+                  <a16:creationId xmlns:a16="http://schemas.microsoft.com/office/drawing/2014/main" id="{71575A33-8360-85CD-9301-EA0457096C76}"/>
+                </a:ext>
+              </a:extLst>
+            </p:cNvPr>
+            <p:cNvPicPr>
+              <a:picLocks noChangeAspect="1"/>
+            </p:cNvPicPr>
+            <p:nvPr/>
+          </p:nvPicPr>
+          <p:blipFill>
+            <a:blip r:embed="rId22"/>
+            <a:stretch>
+              <a:fillRect/>
+            </a:stretch>
+          </p:blipFill>
+          <p:spPr>
+            <a:xfrm>
+              <a:off x="5660781" y="3860555"/>
+              <a:ext cx="2552700" cy="1352550"/>
+            </a:xfrm>
+            <a:prstGeom prst="rect">
+              <a:avLst/>
+            </a:prstGeom>
+          </p:spPr>
+        </p:pic>
+        <p:sp>
+          <p:nvSpPr>
+            <p:cNvPr id="4" name="Овал 2">
+              <a:extLst>
+                <a:ext uri="{FF2B5EF4-FFF2-40B4-BE49-F238E27FC236}">
+                  <a16:creationId xmlns:a16="http://schemas.microsoft.com/office/drawing/2014/main" id="{B76345BC-4B2F-F17B-9859-5684EA9B7D11}"/>
+                </a:ext>
+              </a:extLst>
+            </p:cNvPr>
+            <p:cNvSpPr/>
+            <p:nvPr/>
+          </p:nvSpPr>
+          <p:spPr>
+            <a:xfrm>
+              <a:off x="5800725" y="4000500"/>
+              <a:ext cx="180975" cy="195263"/>
+            </a:xfrm>
+            <a:prstGeom prst="ellipse">
+              <a:avLst/>
+            </a:prstGeom>
+            <a:noFill/>
+            <a:ln w="19050">
+              <a:solidFill>
+                <a:srgbClr val="FF0000"/>
+              </a:solidFill>
+            </a:ln>
+          </p:spPr>
+          <p:style>
+            <a:lnRef idx="2">
+              <a:schemeClr val="accent1">
+                <a:shade val="50000"/>
+              </a:schemeClr>
+            </a:lnRef>
+            <a:fillRef idx="1">
+              <a:schemeClr val="accent1"/>
+            </a:fillRef>
+            <a:effectRef idx="0">
+              <a:schemeClr val="accent1"/>
+            </a:effectRef>
+            <a:fontRef idx="minor">
+              <a:schemeClr val="lt1"/>
+            </a:fontRef>
+          </p:style>
+          <p:txBody>
+            <a:bodyPr rtlCol="0" anchor="ctr"/>
+            <a:lstStyle/>
+            <a:p>
+              <a:pPr algn="ctr"/>
+              <a:endParaRPr lang="ru-RU" dirty="0"/>
+            </a:p>
+          </p:txBody>
+        </p:sp>
+        <p:cxnSp>
+          <p:nvCxnSpPr>
+            <p:cNvPr id="8" name="Straight Arrow Connector 7">
+              <a:extLst>
+                <a:ext uri="{FF2B5EF4-FFF2-40B4-BE49-F238E27FC236}">
+                  <a16:creationId xmlns:a16="http://schemas.microsoft.com/office/drawing/2014/main" id="{958155A2-7CD8-2672-E23F-0D143AA3B4FE}"/>
+                </a:ext>
+              </a:extLst>
+            </p:cNvPr>
+            <p:cNvCxnSpPr>
+              <a:cxnSpLocks/>
+            </p:cNvCxnSpPr>
+            <p:nvPr/>
+          </p:nvCxnSpPr>
+          <p:spPr>
+            <a:xfrm>
+              <a:off x="6193768" y="4373593"/>
+              <a:ext cx="1181819" cy="595223"/>
+            </a:xfrm>
+            <a:prstGeom prst="straightConnector1">
+              <a:avLst/>
+            </a:prstGeom>
+            <a:ln w="22225">
+              <a:solidFill>
+                <a:srgbClr val="FF0000"/>
+              </a:solidFill>
+              <a:headEnd type="stealth" w="lg" len="lg"/>
+              <a:tailEnd type="stealth" w="lg" len="lg"/>
+            </a:ln>
+          </p:spPr>
+          <p:style>
+            <a:lnRef idx="1">
+              <a:schemeClr val="accent1"/>
+            </a:lnRef>
+            <a:fillRef idx="0">
+              <a:schemeClr val="accent1"/>
+            </a:fillRef>
+            <a:effectRef idx="0">
+              <a:schemeClr val="accent1"/>
+            </a:effectRef>
+            <a:fontRef idx="minor">
+              <a:schemeClr val="tx1"/>
+            </a:fontRef>
+          </p:style>
+        </p:cxnSp>
+      </p:grpSp>
+      <p:pic>
+        <p:nvPicPr>
+          <p:cNvPr id="26" name="Picture 25">
+            <a:extLst>
+              <a:ext uri="{FF2B5EF4-FFF2-40B4-BE49-F238E27FC236}">
+                <a16:creationId xmlns:a16="http://schemas.microsoft.com/office/drawing/2014/main" id="{3ACDBD18-1F70-E295-DC4D-BC9DEFE7B73A}"/>
+              </a:ext>
+            </a:extLst>
+          </p:cNvPr>
+          <p:cNvPicPr>
+            <a:picLocks noChangeAspect="1"/>
+          </p:cNvPicPr>
+          <p:nvPr/>
+        </p:nvPicPr>
+        <p:blipFill>
+          <a:blip r:embed="rId23"/>
+          <a:stretch>
+            <a:fillRect/>
+          </a:stretch>
+        </p:blipFill>
+        <p:spPr>
+          <a:xfrm>
+            <a:off x="2988963" y="4425080"/>
+            <a:ext cx="1647825" cy="1285875"/>
+          </a:xfrm>
+          <a:prstGeom prst="rect">
+            <a:avLst/>
+          </a:prstGeom>
+        </p:spPr>
+      </p:pic>
+      <p:pic>
+        <p:nvPicPr>
+          <p:cNvPr id="30" name="Picture 29">
+            <a:extLst>
+              <a:ext uri="{FF2B5EF4-FFF2-40B4-BE49-F238E27FC236}">
+                <a16:creationId xmlns:a16="http://schemas.microsoft.com/office/drawing/2014/main" id="{1568DC34-22F1-A65A-53D3-9EC84C490B3B}"/>
+              </a:ext>
+            </a:extLst>
+          </p:cNvPr>
+          <p:cNvPicPr>
+            <a:picLocks noChangeAspect="1"/>
+          </p:cNvPicPr>
+          <p:nvPr/>
+        </p:nvPicPr>
+        <p:blipFill>
+          <a:blip r:embed="rId24"/>
+          <a:stretch>
+            <a:fillRect/>
+          </a:stretch>
+        </p:blipFill>
+        <p:spPr>
+          <a:xfrm>
+            <a:off x="4210050" y="2781300"/>
+            <a:ext cx="723900" cy="1295400"/>
+          </a:xfrm>
+          <a:prstGeom prst="rect">
+            <a:avLst/>
+          </a:prstGeom>
+        </p:spPr>
+      </p:pic>
+      <p:pic>
+        <p:nvPicPr>
+          <p:cNvPr id="34" name="Picture 33">
+            <a:extLst>
+              <a:ext uri="{FF2B5EF4-FFF2-40B4-BE49-F238E27FC236}">
+                <a16:creationId xmlns:a16="http://schemas.microsoft.com/office/drawing/2014/main" id="{869DA84E-D5DE-45A6-8FB9-9788BB298FC7}"/>
+              </a:ext>
+            </a:extLst>
+          </p:cNvPr>
+          <p:cNvPicPr>
+            <a:picLocks noChangeAspect="1"/>
+          </p:cNvPicPr>
+          <p:nvPr/>
+        </p:nvPicPr>
+        <p:blipFill>
+          <a:blip r:embed="rId25"/>
+          <a:stretch>
+            <a:fillRect/>
+          </a:stretch>
+        </p:blipFill>
+        <p:spPr>
+          <a:xfrm>
+            <a:off x="1152525" y="4785360"/>
+            <a:ext cx="1504950" cy="1219200"/>
+          </a:xfrm>
+          <a:prstGeom prst="rect">
+            <a:avLst/>
+          </a:prstGeom>
+        </p:spPr>
+      </p:pic>
+      <p:pic>
+        <p:nvPicPr>
+          <p:cNvPr id="36" name="Picture 35">
+            <a:extLst>
+              <a:ext uri="{FF2B5EF4-FFF2-40B4-BE49-F238E27FC236}">
+                <a16:creationId xmlns:a16="http://schemas.microsoft.com/office/drawing/2014/main" id="{0130838B-0CF6-E04C-DFC2-C7873C01601D}"/>
+              </a:ext>
+            </a:extLst>
+          </p:cNvPr>
+          <p:cNvPicPr>
+            <a:picLocks noChangeAspect="1"/>
+          </p:cNvPicPr>
+          <p:nvPr/>
+        </p:nvPicPr>
+        <p:blipFill rotWithShape="1">
+          <a:blip r:embed="rId25"/>
+          <a:srcRect l="3639" t="23007" r="56646" b="57851"/>
+          <a:stretch/>
+        </p:blipFill>
+        <p:spPr>
+          <a:xfrm>
+            <a:off x="5055394" y="5393530"/>
+            <a:ext cx="597694" cy="233364"/>
+          </a:xfrm>
+          <a:prstGeom prst="rect">
+            <a:avLst/>
+          </a:prstGeom>
+        </p:spPr>
+      </p:pic>
     </p:spTree>
     <p:extLst>
       <p:ext uri="{BB962C8B-B14F-4D97-AF65-F5344CB8AC3E}">

--- a/manual/Pictures 2.0/Pictures 2.0.pptx
+++ b/manual/Pictures 2.0/Pictures 2.0.pptx
@@ -273,7 +273,7 @@
           <a:p>
             <a:fld id="{55465C39-D47E-4138-800A-7D6CA5F3257E}" type="datetimeFigureOut">
               <a:rPr lang="ru-RU" smtClean="0"/>
-              <a:t>17.10.2022</a:t>
+              <a:t>21.10.2022</a:t>
             </a:fld>
             <a:endParaRPr lang="ru-RU"/>
           </a:p>
@@ -443,7 +443,7 @@
           <a:p>
             <a:fld id="{55465C39-D47E-4138-800A-7D6CA5F3257E}" type="datetimeFigureOut">
               <a:rPr lang="ru-RU" smtClean="0"/>
-              <a:t>17.10.2022</a:t>
+              <a:t>21.10.2022</a:t>
             </a:fld>
             <a:endParaRPr lang="ru-RU"/>
           </a:p>
@@ -623,7 +623,7 @@
           <a:p>
             <a:fld id="{55465C39-D47E-4138-800A-7D6CA5F3257E}" type="datetimeFigureOut">
               <a:rPr lang="ru-RU" smtClean="0"/>
-              <a:t>17.10.2022</a:t>
+              <a:t>21.10.2022</a:t>
             </a:fld>
             <a:endParaRPr lang="ru-RU"/>
           </a:p>
@@ -793,7 +793,7 @@
           <a:p>
             <a:fld id="{55465C39-D47E-4138-800A-7D6CA5F3257E}" type="datetimeFigureOut">
               <a:rPr lang="ru-RU" smtClean="0"/>
-              <a:t>17.10.2022</a:t>
+              <a:t>21.10.2022</a:t>
             </a:fld>
             <a:endParaRPr lang="ru-RU"/>
           </a:p>
@@ -1037,7 +1037,7 @@
           <a:p>
             <a:fld id="{55465C39-D47E-4138-800A-7D6CA5F3257E}" type="datetimeFigureOut">
               <a:rPr lang="ru-RU" smtClean="0"/>
-              <a:t>17.10.2022</a:t>
+              <a:t>21.10.2022</a:t>
             </a:fld>
             <a:endParaRPr lang="ru-RU"/>
           </a:p>
@@ -1269,7 +1269,7 @@
           <a:p>
             <a:fld id="{55465C39-D47E-4138-800A-7D6CA5F3257E}" type="datetimeFigureOut">
               <a:rPr lang="ru-RU" smtClean="0"/>
-              <a:t>17.10.2022</a:t>
+              <a:t>21.10.2022</a:t>
             </a:fld>
             <a:endParaRPr lang="ru-RU"/>
           </a:p>
@@ -1636,7 +1636,7 @@
           <a:p>
             <a:fld id="{55465C39-D47E-4138-800A-7D6CA5F3257E}" type="datetimeFigureOut">
               <a:rPr lang="ru-RU" smtClean="0"/>
-              <a:t>17.10.2022</a:t>
+              <a:t>21.10.2022</a:t>
             </a:fld>
             <a:endParaRPr lang="ru-RU"/>
           </a:p>
@@ -1754,7 +1754,7 @@
           <a:p>
             <a:fld id="{55465C39-D47E-4138-800A-7D6CA5F3257E}" type="datetimeFigureOut">
               <a:rPr lang="ru-RU" smtClean="0"/>
-              <a:t>17.10.2022</a:t>
+              <a:t>21.10.2022</a:t>
             </a:fld>
             <a:endParaRPr lang="ru-RU"/>
           </a:p>
@@ -1849,7 +1849,7 @@
           <a:p>
             <a:fld id="{55465C39-D47E-4138-800A-7D6CA5F3257E}" type="datetimeFigureOut">
               <a:rPr lang="ru-RU" smtClean="0"/>
-              <a:t>17.10.2022</a:t>
+              <a:t>21.10.2022</a:t>
             </a:fld>
             <a:endParaRPr lang="ru-RU"/>
           </a:p>
@@ -2126,7 +2126,7 @@
           <a:p>
             <a:fld id="{55465C39-D47E-4138-800A-7D6CA5F3257E}" type="datetimeFigureOut">
               <a:rPr lang="ru-RU" smtClean="0"/>
-              <a:t>17.10.2022</a:t>
+              <a:t>21.10.2022</a:t>
             </a:fld>
             <a:endParaRPr lang="ru-RU"/>
           </a:p>
@@ -2383,7 +2383,7 @@
           <a:p>
             <a:fld id="{55465C39-D47E-4138-800A-7D6CA5F3257E}" type="datetimeFigureOut">
               <a:rPr lang="ru-RU" smtClean="0"/>
-              <a:t>17.10.2022</a:t>
+              <a:t>21.10.2022</a:t>
             </a:fld>
             <a:endParaRPr lang="ru-RU"/>
           </a:p>
@@ -2596,7 +2596,7 @@
           <a:p>
             <a:fld id="{55465C39-D47E-4138-800A-7D6CA5F3257E}" type="datetimeFigureOut">
               <a:rPr lang="ru-RU" smtClean="0"/>
-              <a:t>17.10.2022</a:t>
+              <a:t>21.10.2022</a:t>
             </a:fld>
             <a:endParaRPr lang="ru-RU"/>
           </a:p>
@@ -3003,21 +3003,559 @@
       </p:grpSpPr>
       <p:grpSp>
         <p:nvGrpSpPr>
-          <p:cNvPr id="3" name="Группа 2"/>
+          <p:cNvPr id="7" name="Group 6">
+            <a:extLst>
+              <a:ext uri="{FF2B5EF4-FFF2-40B4-BE49-F238E27FC236}">
+                <a16:creationId xmlns:a16="http://schemas.microsoft.com/office/drawing/2014/main" id="{727D2617-D46E-625C-837C-B9286B2DB8E3}"/>
+              </a:ext>
+            </a:extLst>
+          </p:cNvPr>
           <p:cNvGrpSpPr/>
           <p:nvPr/>
         </p:nvGrpSpPr>
         <p:grpSpPr>
           <a:xfrm>
-            <a:off x="5533577" y="571498"/>
-            <a:ext cx="4894959" cy="5857875"/>
-            <a:chOff x="1436339" y="597648"/>
-            <a:chExt cx="4894959" cy="5857875"/>
+            <a:off x="24813" y="575164"/>
+            <a:ext cx="4886423" cy="5848350"/>
+            <a:chOff x="24813" y="575164"/>
+            <a:chExt cx="4886423" cy="5848350"/>
           </a:xfrm>
         </p:grpSpPr>
+        <p:sp>
+          <p:nvSpPr>
+            <p:cNvPr id="26" name="Левая фигурная скобка 25"/>
+            <p:cNvSpPr/>
+            <p:nvPr/>
+          </p:nvSpPr>
+          <p:spPr>
+            <a:xfrm>
+              <a:off x="1619880" y="1422691"/>
+              <a:ext cx="276225" cy="1122910"/>
+            </a:xfrm>
+            <a:prstGeom prst="leftBrace">
+              <a:avLst>
+                <a:gd name="adj1" fmla="val 35919"/>
+                <a:gd name="adj2" fmla="val 50629"/>
+              </a:avLst>
+            </a:prstGeom>
+            <a:ln w="28575">
+              <a:solidFill>
+                <a:srgbClr val="0070C0"/>
+              </a:solidFill>
+            </a:ln>
+          </p:spPr>
+          <p:style>
+            <a:lnRef idx="1">
+              <a:schemeClr val="accent1"/>
+            </a:lnRef>
+            <a:fillRef idx="0">
+              <a:schemeClr val="accent1"/>
+            </a:fillRef>
+            <a:effectRef idx="0">
+              <a:schemeClr val="accent1"/>
+            </a:effectRef>
+            <a:fontRef idx="minor">
+              <a:schemeClr val="tx1"/>
+            </a:fontRef>
+          </p:style>
+          <p:txBody>
+            <a:bodyPr rtlCol="0" anchor="ctr"/>
+            <a:lstStyle/>
+            <a:p>
+              <a:pPr algn="ctr"/>
+              <a:endParaRPr lang="ru-RU" sz="1100">
+                <a:latin typeface="Times New Roman" panose="02020603050405020304" pitchFamily="18" charset="0"/>
+                <a:cs typeface="Times New Roman" panose="02020603050405020304" pitchFamily="18" charset="0"/>
+              </a:endParaRPr>
+            </a:p>
+          </p:txBody>
+        </p:sp>
+        <p:sp>
+          <p:nvSpPr>
+            <p:cNvPr id="27" name="Левая фигурная скобка 26"/>
+            <p:cNvSpPr/>
+            <p:nvPr/>
+          </p:nvSpPr>
+          <p:spPr>
+            <a:xfrm>
+              <a:off x="1619880" y="2907551"/>
+              <a:ext cx="276225" cy="1305163"/>
+            </a:xfrm>
+            <a:prstGeom prst="leftBrace">
+              <a:avLst>
+                <a:gd name="adj1" fmla="val 35919"/>
+                <a:gd name="adj2" fmla="val 50629"/>
+              </a:avLst>
+            </a:prstGeom>
+            <a:ln w="28575">
+              <a:solidFill>
+                <a:srgbClr val="0070C0"/>
+              </a:solidFill>
+            </a:ln>
+          </p:spPr>
+          <p:style>
+            <a:lnRef idx="1">
+              <a:schemeClr val="accent1"/>
+            </a:lnRef>
+            <a:fillRef idx="0">
+              <a:schemeClr val="accent1"/>
+            </a:fillRef>
+            <a:effectRef idx="0">
+              <a:schemeClr val="accent1"/>
+            </a:effectRef>
+            <a:fontRef idx="minor">
+              <a:schemeClr val="tx1"/>
+            </a:fontRef>
+          </p:style>
+          <p:txBody>
+            <a:bodyPr rtlCol="0" anchor="ctr"/>
+            <a:lstStyle/>
+            <a:p>
+              <a:pPr algn="ctr"/>
+              <a:endParaRPr lang="ru-RU" sz="1100">
+                <a:latin typeface="Times New Roman" panose="02020603050405020304" pitchFamily="18" charset="0"/>
+                <a:cs typeface="Times New Roman" panose="02020603050405020304" pitchFamily="18" charset="0"/>
+              </a:endParaRPr>
+            </a:p>
+          </p:txBody>
+        </p:sp>
+        <p:cxnSp>
+          <p:nvCxnSpPr>
+            <p:cNvPr id="28" name="Прямая со стрелкой 27"/>
+            <p:cNvCxnSpPr/>
+            <p:nvPr/>
+          </p:nvCxnSpPr>
+          <p:spPr>
+            <a:xfrm>
+              <a:off x="1646074" y="993026"/>
+              <a:ext cx="269081" cy="0"/>
+            </a:xfrm>
+            <a:prstGeom prst="straightConnector1">
+              <a:avLst/>
+            </a:prstGeom>
+            <a:ln w="47625">
+              <a:tailEnd type="stealth" w="lg" len="lg"/>
+            </a:ln>
+          </p:spPr>
+          <p:style>
+            <a:lnRef idx="1">
+              <a:schemeClr val="accent1"/>
+            </a:lnRef>
+            <a:fillRef idx="0">
+              <a:schemeClr val="accent1"/>
+            </a:fillRef>
+            <a:effectRef idx="0">
+              <a:schemeClr val="accent1"/>
+            </a:effectRef>
+            <a:fontRef idx="minor">
+              <a:schemeClr val="tx1"/>
+            </a:fontRef>
+          </p:style>
+        </p:cxnSp>
+        <p:cxnSp>
+          <p:nvCxnSpPr>
+            <p:cNvPr id="29" name="Прямая со стрелкой 28"/>
+            <p:cNvCxnSpPr/>
+            <p:nvPr/>
+          </p:nvCxnSpPr>
+          <p:spPr>
+            <a:xfrm>
+              <a:off x="1669886" y="2717051"/>
+              <a:ext cx="269081" cy="0"/>
+            </a:xfrm>
+            <a:prstGeom prst="straightConnector1">
+              <a:avLst/>
+            </a:prstGeom>
+            <a:ln w="47625">
+              <a:tailEnd type="stealth" w="lg" len="lg"/>
+            </a:ln>
+          </p:spPr>
+          <p:style>
+            <a:lnRef idx="1">
+              <a:schemeClr val="accent1"/>
+            </a:lnRef>
+            <a:fillRef idx="0">
+              <a:schemeClr val="accent1"/>
+            </a:fillRef>
+            <a:effectRef idx="0">
+              <a:schemeClr val="accent1"/>
+            </a:effectRef>
+            <a:fontRef idx="minor">
+              <a:schemeClr val="tx1"/>
+            </a:fontRef>
+          </p:style>
+        </p:cxnSp>
+        <p:sp>
+          <p:nvSpPr>
+            <p:cNvPr id="30" name="TextBox 29"/>
+            <p:cNvSpPr txBox="1"/>
+            <p:nvPr/>
+          </p:nvSpPr>
+          <p:spPr>
+            <a:xfrm>
+              <a:off x="991230" y="814194"/>
+              <a:ext cx="590550" cy="261610"/>
+            </a:xfrm>
+            <a:prstGeom prst="rect">
+              <a:avLst/>
+            </a:prstGeom>
+            <a:noFill/>
+          </p:spPr>
+          <p:txBody>
+            <a:bodyPr wrap="square" rtlCol="0">
+              <a:spAutoFit/>
+            </a:bodyPr>
+            <a:lstStyle/>
+            <a:p>
+              <a:pPr algn="ctr"/>
+              <a:r>
+                <a:rPr lang="ru-RU" sz="1100" dirty="0">
+                  <a:latin typeface="Times New Roman" panose="02020603050405020304" pitchFamily="18" charset="0"/>
+                  <a:cs typeface="Times New Roman" panose="02020603050405020304" pitchFamily="18" charset="0"/>
+                </a:rPr>
+                <a:t>Меню</a:t>
+              </a:r>
+            </a:p>
+          </p:txBody>
+        </p:sp>
+        <p:sp>
+          <p:nvSpPr>
+            <p:cNvPr id="31" name="TextBox 30"/>
+            <p:cNvSpPr txBox="1"/>
+            <p:nvPr/>
+          </p:nvSpPr>
+          <p:spPr>
+            <a:xfrm>
+              <a:off x="76831" y="1829316"/>
+              <a:ext cx="1485900" cy="261610"/>
+            </a:xfrm>
+            <a:prstGeom prst="rect">
+              <a:avLst/>
+            </a:prstGeom>
+            <a:noFill/>
+          </p:spPr>
+          <p:txBody>
+            <a:bodyPr wrap="square" rtlCol="0">
+              <a:spAutoFit/>
+            </a:bodyPr>
+            <a:lstStyle/>
+            <a:p>
+              <a:pPr algn="ctr"/>
+              <a:r>
+                <a:rPr lang="ru-RU" sz="1100" dirty="0">
+                  <a:latin typeface="Times New Roman" panose="02020603050405020304" pitchFamily="18" charset="0"/>
+                  <a:cs typeface="Times New Roman" panose="02020603050405020304" pitchFamily="18" charset="0"/>
+                </a:rPr>
+                <a:t>Слоистая структура</a:t>
+              </a:r>
+            </a:p>
+          </p:txBody>
+        </p:sp>
+        <p:sp>
+          <p:nvSpPr>
+            <p:cNvPr id="32" name="TextBox 31"/>
+            <p:cNvSpPr txBox="1"/>
+            <p:nvPr/>
+          </p:nvSpPr>
+          <p:spPr>
+            <a:xfrm>
+              <a:off x="372105" y="2522858"/>
+              <a:ext cx="1199555" cy="430887"/>
+            </a:xfrm>
+            <a:prstGeom prst="rect">
+              <a:avLst/>
+            </a:prstGeom>
+            <a:noFill/>
+          </p:spPr>
+          <p:txBody>
+            <a:bodyPr wrap="square" rtlCol="0">
+              <a:spAutoFit/>
+            </a:bodyPr>
+            <a:lstStyle/>
+            <a:p>
+              <a:pPr algn="ctr"/>
+              <a:r>
+                <a:rPr lang="ru-RU" sz="1100" dirty="0">
+                  <a:latin typeface="Times New Roman" panose="02020603050405020304" pitchFamily="18" charset="0"/>
+                  <a:cs typeface="Times New Roman" panose="02020603050405020304" pitchFamily="18" charset="0"/>
+                </a:rPr>
+                <a:t>Панель инструментов</a:t>
+              </a:r>
+            </a:p>
+          </p:txBody>
+        </p:sp>
+        <p:sp>
+          <p:nvSpPr>
+            <p:cNvPr id="33" name="TextBox 32"/>
+            <p:cNvSpPr txBox="1"/>
+            <p:nvPr/>
+          </p:nvSpPr>
+          <p:spPr>
+            <a:xfrm>
+              <a:off x="219705" y="3429327"/>
+              <a:ext cx="1269652" cy="430887"/>
+            </a:xfrm>
+            <a:prstGeom prst="rect">
+              <a:avLst/>
+            </a:prstGeom>
+            <a:noFill/>
+          </p:spPr>
+          <p:txBody>
+            <a:bodyPr wrap="square" rtlCol="0">
+              <a:spAutoFit/>
+            </a:bodyPr>
+            <a:lstStyle/>
+            <a:p>
+              <a:pPr algn="ctr"/>
+              <a:r>
+                <a:rPr lang="ru-RU" sz="1100" dirty="0">
+                  <a:latin typeface="Times New Roman" panose="02020603050405020304" pitchFamily="18" charset="0"/>
+                  <a:cs typeface="Times New Roman" panose="02020603050405020304" pitchFamily="18" charset="0"/>
+                </a:rPr>
+                <a:t>Доступ к остальным окнам</a:t>
+              </a:r>
+            </a:p>
+          </p:txBody>
+        </p:sp>
+        <p:sp>
+          <p:nvSpPr>
+            <p:cNvPr id="34" name="TextBox 33"/>
+            <p:cNvSpPr txBox="1"/>
+            <p:nvPr/>
+          </p:nvSpPr>
+          <p:spPr>
+            <a:xfrm>
+              <a:off x="24813" y="5479687"/>
+              <a:ext cx="1595067" cy="430887"/>
+            </a:xfrm>
+            <a:prstGeom prst="rect">
+              <a:avLst/>
+            </a:prstGeom>
+            <a:noFill/>
+          </p:spPr>
+          <p:txBody>
+            <a:bodyPr wrap="square" rtlCol="0">
+              <a:spAutoFit/>
+            </a:bodyPr>
+            <a:lstStyle/>
+            <a:p>
+              <a:pPr algn="ctr"/>
+              <a:r>
+                <a:rPr lang="ru-RU" sz="1100" dirty="0">
+                  <a:latin typeface="Times New Roman" panose="02020603050405020304" pitchFamily="18" charset="0"/>
+                  <a:cs typeface="Times New Roman" panose="02020603050405020304" pitchFamily="18" charset="0"/>
+                </a:rPr>
+                <a:t>Экспериментальные данные</a:t>
+              </a:r>
+            </a:p>
+          </p:txBody>
+        </p:sp>
+        <p:sp>
+          <p:nvSpPr>
+            <p:cNvPr id="35" name="Левая фигурная скобка 34"/>
+            <p:cNvSpPr/>
+            <p:nvPr/>
+          </p:nvSpPr>
+          <p:spPr>
+            <a:xfrm>
+              <a:off x="1620477" y="5031626"/>
+              <a:ext cx="276225" cy="1362074"/>
+            </a:xfrm>
+            <a:prstGeom prst="leftBrace">
+              <a:avLst>
+                <a:gd name="adj1" fmla="val 35919"/>
+                <a:gd name="adj2" fmla="val 50629"/>
+              </a:avLst>
+            </a:prstGeom>
+            <a:ln w="28575">
+              <a:solidFill>
+                <a:srgbClr val="0070C0"/>
+              </a:solidFill>
+            </a:ln>
+          </p:spPr>
+          <p:style>
+            <a:lnRef idx="1">
+              <a:schemeClr val="accent1"/>
+            </a:lnRef>
+            <a:fillRef idx="0">
+              <a:schemeClr val="accent1"/>
+            </a:fillRef>
+            <a:effectRef idx="0">
+              <a:schemeClr val="accent1"/>
+            </a:effectRef>
+            <a:fontRef idx="minor">
+              <a:schemeClr val="tx1"/>
+            </a:fontRef>
+          </p:style>
+          <p:txBody>
+            <a:bodyPr rtlCol="0" anchor="ctr"/>
+            <a:lstStyle/>
+            <a:p>
+              <a:pPr algn="ctr"/>
+              <a:endParaRPr lang="ru-RU" sz="1100">
+                <a:latin typeface="Times New Roman" panose="02020603050405020304" pitchFamily="18" charset="0"/>
+                <a:cs typeface="Times New Roman" panose="02020603050405020304" pitchFamily="18" charset="0"/>
+              </a:endParaRPr>
+            </a:p>
+          </p:txBody>
+        </p:sp>
+        <p:sp>
+          <p:nvSpPr>
+            <p:cNvPr id="36" name="Левая фигурная скобка 35"/>
+            <p:cNvSpPr/>
+            <p:nvPr/>
+          </p:nvSpPr>
+          <p:spPr>
+            <a:xfrm>
+              <a:off x="1618911" y="4279150"/>
+              <a:ext cx="276225" cy="673864"/>
+            </a:xfrm>
+            <a:prstGeom prst="leftBrace">
+              <a:avLst>
+                <a:gd name="adj1" fmla="val 35919"/>
+                <a:gd name="adj2" fmla="val 50629"/>
+              </a:avLst>
+            </a:prstGeom>
+            <a:ln w="28575">
+              <a:solidFill>
+                <a:srgbClr val="0070C0"/>
+              </a:solidFill>
+            </a:ln>
+          </p:spPr>
+          <p:style>
+            <a:lnRef idx="1">
+              <a:schemeClr val="accent1"/>
+            </a:lnRef>
+            <a:fillRef idx="0">
+              <a:schemeClr val="accent1"/>
+            </a:fillRef>
+            <a:effectRef idx="0">
+              <a:schemeClr val="accent1"/>
+            </a:effectRef>
+            <a:fontRef idx="minor">
+              <a:schemeClr val="tx1"/>
+            </a:fontRef>
+          </p:style>
+          <p:txBody>
+            <a:bodyPr rtlCol="0" anchor="ctr"/>
+            <a:lstStyle/>
+            <a:p>
+              <a:pPr algn="ctr"/>
+              <a:endParaRPr lang="ru-RU" sz="1100">
+                <a:latin typeface="Times New Roman" panose="02020603050405020304" pitchFamily="18" charset="0"/>
+                <a:cs typeface="Times New Roman" panose="02020603050405020304" pitchFamily="18" charset="0"/>
+              </a:endParaRPr>
+            </a:p>
+          </p:txBody>
+        </p:sp>
+        <p:sp>
+          <p:nvSpPr>
+            <p:cNvPr id="37" name="TextBox 36"/>
+            <p:cNvSpPr txBox="1"/>
+            <p:nvPr/>
+          </p:nvSpPr>
+          <p:spPr>
+            <a:xfrm>
+              <a:off x="76830" y="4331236"/>
+              <a:ext cx="1385586" cy="600164"/>
+            </a:xfrm>
+            <a:prstGeom prst="rect">
+              <a:avLst/>
+            </a:prstGeom>
+            <a:noFill/>
+          </p:spPr>
+          <p:txBody>
+            <a:bodyPr wrap="square" rtlCol="0">
+              <a:spAutoFit/>
+            </a:bodyPr>
+            <a:lstStyle/>
+            <a:p>
+              <a:pPr algn="ctr"/>
+              <a:r>
+                <a:rPr lang="ru-RU" sz="1100" dirty="0">
+                  <a:latin typeface="Times New Roman" panose="02020603050405020304" pitchFamily="18" charset="0"/>
+                  <a:cs typeface="Times New Roman" panose="02020603050405020304" pitchFamily="18" charset="0"/>
+                </a:rPr>
+                <a:t>Кривые без экспериментальных данных</a:t>
+              </a:r>
+            </a:p>
+          </p:txBody>
+        </p:sp>
+        <p:cxnSp>
+          <p:nvCxnSpPr>
+            <p:cNvPr id="38" name="Прямая со стрелкой 37"/>
+            <p:cNvCxnSpPr/>
+            <p:nvPr/>
+          </p:nvCxnSpPr>
+          <p:spPr>
+            <a:xfrm>
+              <a:off x="1655972" y="1253807"/>
+              <a:ext cx="269081" cy="0"/>
+            </a:xfrm>
+            <a:prstGeom prst="straightConnector1">
+              <a:avLst/>
+            </a:prstGeom>
+            <a:ln w="47625">
+              <a:tailEnd type="stealth" w="lg" len="lg"/>
+            </a:ln>
+          </p:spPr>
+          <p:style>
+            <a:lnRef idx="1">
+              <a:schemeClr val="accent1"/>
+            </a:lnRef>
+            <a:fillRef idx="0">
+              <a:schemeClr val="accent1"/>
+            </a:fillRef>
+            <a:effectRef idx="0">
+              <a:schemeClr val="accent1"/>
+            </a:effectRef>
+            <a:fontRef idx="minor">
+              <a:schemeClr val="tx1"/>
+            </a:fontRef>
+          </p:style>
+        </p:cxnSp>
+        <p:sp>
+          <p:nvSpPr>
+            <p:cNvPr id="39" name="TextBox 38"/>
+            <p:cNvSpPr txBox="1"/>
+            <p:nvPr/>
+          </p:nvSpPr>
+          <p:spPr>
+            <a:xfrm>
+              <a:off x="219705" y="1087827"/>
+              <a:ext cx="1426368" cy="430887"/>
+            </a:xfrm>
+            <a:prstGeom prst="rect">
+              <a:avLst/>
+            </a:prstGeom>
+            <a:noFill/>
+          </p:spPr>
+          <p:txBody>
+            <a:bodyPr wrap="square" rtlCol="0">
+              <a:spAutoFit/>
+            </a:bodyPr>
+            <a:lstStyle/>
+            <a:p>
+              <a:pPr algn="ctr"/>
+              <a:r>
+                <a:rPr lang="ru-RU" sz="1100" dirty="0">
+                  <a:latin typeface="Times New Roman" panose="02020603050405020304" pitchFamily="18" charset="0"/>
+                  <a:cs typeface="Times New Roman" panose="02020603050405020304" pitchFamily="18" charset="0"/>
+                </a:rPr>
+                <a:t>Вкладки со структурами</a:t>
+              </a:r>
+            </a:p>
+          </p:txBody>
+        </p:sp>
         <p:pic>
           <p:nvPicPr>
-            <p:cNvPr id="24" name="Рисунок 23"/>
+            <p:cNvPr id="4" name="Picture 3">
+              <a:extLst>
+                <a:ext uri="{FF2B5EF4-FFF2-40B4-BE49-F238E27FC236}">
+                  <a16:creationId xmlns:a16="http://schemas.microsoft.com/office/drawing/2014/main" id="{8E344795-A679-D9AB-49CC-BEB98FE7C03A}"/>
+                </a:ext>
+              </a:extLst>
+            </p:cNvPr>
             <p:cNvPicPr>
               <a:picLocks noChangeAspect="1"/>
             </p:cNvPicPr>
@@ -3031,14 +3569,35 @@
           </p:blipFill>
           <p:spPr>
             <a:xfrm>
-              <a:off x="3226148" y="597648"/>
-              <a:ext cx="3105150" cy="5857875"/>
+              <a:off x="2034686" y="575164"/>
+              <a:ext cx="2876550" cy="5848350"/>
             </a:xfrm>
             <a:prstGeom prst="rect">
               <a:avLst/>
             </a:prstGeom>
           </p:spPr>
         </p:pic>
+      </p:grpSp>
+      <p:grpSp>
+        <p:nvGrpSpPr>
+          <p:cNvPr id="6" name="Group 5">
+            <a:extLst>
+              <a:ext uri="{FF2B5EF4-FFF2-40B4-BE49-F238E27FC236}">
+                <a16:creationId xmlns:a16="http://schemas.microsoft.com/office/drawing/2014/main" id="{B40771BB-91BD-A6EC-7C06-DD223AC8F08C}"/>
+              </a:ext>
+            </a:extLst>
+          </p:cNvPr>
+          <p:cNvGrpSpPr/>
+          <p:nvPr/>
+        </p:nvGrpSpPr>
+        <p:grpSpPr>
+          <a:xfrm>
+            <a:off x="5533577" y="578095"/>
+            <a:ext cx="4664767" cy="5848350"/>
+            <a:chOff x="5533577" y="578095"/>
+            <a:chExt cx="4664767" cy="5848350"/>
+          </a:xfrm>
+        </p:grpSpPr>
         <p:sp>
           <p:nvSpPr>
             <p:cNvPr id="9" name="Левая фигурная скобка 8"/>
@@ -3047,7 +3606,7 @@
           </p:nvSpPr>
           <p:spPr>
             <a:xfrm>
-              <a:off x="2819400" y="1448840"/>
+              <a:off x="6916638" y="1422690"/>
               <a:ext cx="276225" cy="1122910"/>
             </a:xfrm>
             <a:prstGeom prst="leftBrace">
@@ -3096,7 +3655,7 @@
           </p:nvSpPr>
           <p:spPr>
             <a:xfrm>
-              <a:off x="2819400" y="2933700"/>
+              <a:off x="6916638" y="2907550"/>
               <a:ext cx="276225" cy="1305163"/>
             </a:xfrm>
             <a:prstGeom prst="leftBrace">
@@ -3145,7 +3704,7 @@
           </p:nvCxnSpPr>
           <p:spPr>
             <a:xfrm>
-              <a:off x="2845594" y="1019175"/>
+              <a:off x="6942832" y="993025"/>
               <a:ext cx="269081" cy="0"/>
             </a:xfrm>
             <a:prstGeom prst="straightConnector1">
@@ -3178,7 +3737,7 @@
           </p:nvCxnSpPr>
           <p:spPr>
             <a:xfrm>
-              <a:off x="2869406" y="2743200"/>
+              <a:off x="6966644" y="2717050"/>
               <a:ext cx="269081" cy="0"/>
             </a:xfrm>
             <a:prstGeom prst="straightConnector1">
@@ -3211,7 +3770,7 @@
           </p:nvSpPr>
           <p:spPr>
             <a:xfrm>
-              <a:off x="1965722" y="830818"/>
+              <a:off x="6062960" y="804668"/>
               <a:ext cx="796528" cy="261610"/>
             </a:xfrm>
             <a:prstGeom prst="rect">
@@ -3248,7 +3807,7 @@
           </p:nvSpPr>
           <p:spPr>
             <a:xfrm>
-              <a:off x="1552575" y="1855465"/>
+              <a:off x="5649813" y="1829315"/>
               <a:ext cx="1209675" cy="261610"/>
             </a:xfrm>
             <a:prstGeom prst="rect">
@@ -3285,7 +3844,7 @@
           </p:nvSpPr>
           <p:spPr>
             <a:xfrm>
-              <a:off x="1660327" y="2606157"/>
+              <a:off x="5757565" y="2580007"/>
               <a:ext cx="1110853" cy="261610"/>
             </a:xfrm>
             <a:prstGeom prst="rect">
@@ -3322,7 +3881,7 @@
           </p:nvSpPr>
           <p:spPr>
             <a:xfrm>
-              <a:off x="1552575" y="3422210"/>
+              <a:off x="5649813" y="3396060"/>
               <a:ext cx="1136302" cy="430887"/>
             </a:xfrm>
             <a:prstGeom prst="rect">
@@ -3359,7 +3918,7 @@
           </p:nvSpPr>
           <p:spPr>
             <a:xfrm>
-              <a:off x="1488466" y="5497161"/>
+              <a:off x="5585704" y="5471011"/>
               <a:ext cx="1318841" cy="430887"/>
             </a:xfrm>
             <a:prstGeom prst="rect">
@@ -3396,7 +3955,7 @@
           </p:nvSpPr>
           <p:spPr>
             <a:xfrm>
-              <a:off x="2819997" y="5057775"/>
+              <a:off x="6917235" y="5031625"/>
               <a:ext cx="276225" cy="1362074"/>
             </a:xfrm>
             <a:prstGeom prst="leftBrace">
@@ -3445,7 +4004,7 @@
           </p:nvSpPr>
           <p:spPr>
             <a:xfrm>
-              <a:off x="2818431" y="4305299"/>
+              <a:off x="6915669" y="4279149"/>
               <a:ext cx="276225" cy="673864"/>
             </a:xfrm>
             <a:prstGeom prst="leftBrace">
@@ -3494,7 +4053,7 @@
           </p:nvSpPr>
           <p:spPr>
             <a:xfrm>
-              <a:off x="1436339" y="4426787"/>
+              <a:off x="5533577" y="4400637"/>
               <a:ext cx="1368773" cy="430887"/>
             </a:xfrm>
             <a:prstGeom prst="rect">
@@ -3531,7 +4090,7 @@
           </p:nvCxnSpPr>
           <p:spPr>
             <a:xfrm>
-              <a:off x="2855492" y="1279956"/>
+              <a:off x="6952730" y="1253806"/>
               <a:ext cx="269081" cy="0"/>
             </a:xfrm>
             <a:prstGeom prst="straightConnector1">
@@ -3564,7 +4123,7 @@
           </p:nvSpPr>
           <p:spPr>
             <a:xfrm>
-              <a:off x="1463407" y="1161602"/>
+              <a:off x="5560645" y="1135452"/>
               <a:ext cx="1388009" cy="261610"/>
             </a:xfrm>
             <a:prstGeom prst="rect">
@@ -3593,550 +4152,15 @@
             </a:p>
           </p:txBody>
         </p:sp>
-      </p:grpSp>
-      <p:grpSp>
-        <p:nvGrpSpPr>
-          <p:cNvPr id="25" name="Группа 24"/>
-          <p:cNvGrpSpPr/>
-          <p:nvPr/>
-        </p:nvGrpSpPr>
-        <p:grpSpPr>
-          <a:xfrm>
-            <a:off x="24813" y="571499"/>
-            <a:ext cx="5106965" cy="5857875"/>
-            <a:chOff x="1224333" y="597648"/>
-            <a:chExt cx="5106965" cy="5857875"/>
-          </a:xfrm>
-        </p:grpSpPr>
-        <p:sp>
-          <p:nvSpPr>
-            <p:cNvPr id="26" name="Левая фигурная скобка 25"/>
-            <p:cNvSpPr/>
-            <p:nvPr/>
-          </p:nvSpPr>
-          <p:spPr>
-            <a:xfrm>
-              <a:off x="2819400" y="1448840"/>
-              <a:ext cx="276225" cy="1122910"/>
-            </a:xfrm>
-            <a:prstGeom prst="leftBrace">
-              <a:avLst>
-                <a:gd name="adj1" fmla="val 35919"/>
-                <a:gd name="adj2" fmla="val 50629"/>
-              </a:avLst>
-            </a:prstGeom>
-            <a:ln w="28575">
-              <a:solidFill>
-                <a:srgbClr val="0070C0"/>
-              </a:solidFill>
-            </a:ln>
-          </p:spPr>
-          <p:style>
-            <a:lnRef idx="1">
-              <a:schemeClr val="accent1"/>
-            </a:lnRef>
-            <a:fillRef idx="0">
-              <a:schemeClr val="accent1"/>
-            </a:fillRef>
-            <a:effectRef idx="0">
-              <a:schemeClr val="accent1"/>
-            </a:effectRef>
-            <a:fontRef idx="minor">
-              <a:schemeClr val="tx1"/>
-            </a:fontRef>
-          </p:style>
-          <p:txBody>
-            <a:bodyPr rtlCol="0" anchor="ctr"/>
-            <a:lstStyle/>
-            <a:p>
-              <a:pPr algn="ctr"/>
-              <a:endParaRPr lang="ru-RU" sz="1100">
-                <a:latin typeface="Times New Roman" panose="02020603050405020304" pitchFamily="18" charset="0"/>
-                <a:cs typeface="Times New Roman" panose="02020603050405020304" pitchFamily="18" charset="0"/>
-              </a:endParaRPr>
-            </a:p>
-          </p:txBody>
-        </p:sp>
-        <p:sp>
-          <p:nvSpPr>
-            <p:cNvPr id="27" name="Левая фигурная скобка 26"/>
-            <p:cNvSpPr/>
-            <p:nvPr/>
-          </p:nvSpPr>
-          <p:spPr>
-            <a:xfrm>
-              <a:off x="2819400" y="2933700"/>
-              <a:ext cx="276225" cy="1305163"/>
-            </a:xfrm>
-            <a:prstGeom prst="leftBrace">
-              <a:avLst>
-                <a:gd name="adj1" fmla="val 35919"/>
-                <a:gd name="adj2" fmla="val 50629"/>
-              </a:avLst>
-            </a:prstGeom>
-            <a:ln w="28575">
-              <a:solidFill>
-                <a:srgbClr val="0070C0"/>
-              </a:solidFill>
-            </a:ln>
-          </p:spPr>
-          <p:style>
-            <a:lnRef idx="1">
-              <a:schemeClr val="accent1"/>
-            </a:lnRef>
-            <a:fillRef idx="0">
-              <a:schemeClr val="accent1"/>
-            </a:fillRef>
-            <a:effectRef idx="0">
-              <a:schemeClr val="accent1"/>
-            </a:effectRef>
-            <a:fontRef idx="minor">
-              <a:schemeClr val="tx1"/>
-            </a:fontRef>
-          </p:style>
-          <p:txBody>
-            <a:bodyPr rtlCol="0" anchor="ctr"/>
-            <a:lstStyle/>
-            <a:p>
-              <a:pPr algn="ctr"/>
-              <a:endParaRPr lang="ru-RU" sz="1100">
-                <a:latin typeface="Times New Roman" panose="02020603050405020304" pitchFamily="18" charset="0"/>
-                <a:cs typeface="Times New Roman" panose="02020603050405020304" pitchFamily="18" charset="0"/>
-              </a:endParaRPr>
-            </a:p>
-          </p:txBody>
-        </p:sp>
-        <p:cxnSp>
-          <p:nvCxnSpPr>
-            <p:cNvPr id="28" name="Прямая со стрелкой 27"/>
-            <p:cNvCxnSpPr/>
-            <p:nvPr/>
-          </p:nvCxnSpPr>
-          <p:spPr>
-            <a:xfrm>
-              <a:off x="2845594" y="1019175"/>
-              <a:ext cx="269081" cy="0"/>
-            </a:xfrm>
-            <a:prstGeom prst="straightConnector1">
-              <a:avLst/>
-            </a:prstGeom>
-            <a:ln w="47625">
-              <a:tailEnd type="stealth" w="lg" len="lg"/>
-            </a:ln>
-          </p:spPr>
-          <p:style>
-            <a:lnRef idx="1">
-              <a:schemeClr val="accent1"/>
-            </a:lnRef>
-            <a:fillRef idx="0">
-              <a:schemeClr val="accent1"/>
-            </a:fillRef>
-            <a:effectRef idx="0">
-              <a:schemeClr val="accent1"/>
-            </a:effectRef>
-            <a:fontRef idx="minor">
-              <a:schemeClr val="tx1"/>
-            </a:fontRef>
-          </p:style>
-        </p:cxnSp>
-        <p:cxnSp>
-          <p:nvCxnSpPr>
-            <p:cNvPr id="29" name="Прямая со стрелкой 28"/>
-            <p:cNvCxnSpPr/>
-            <p:nvPr/>
-          </p:nvCxnSpPr>
-          <p:spPr>
-            <a:xfrm>
-              <a:off x="2869406" y="2743200"/>
-              <a:ext cx="269081" cy="0"/>
-            </a:xfrm>
-            <a:prstGeom prst="straightConnector1">
-              <a:avLst/>
-            </a:prstGeom>
-            <a:ln w="47625">
-              <a:tailEnd type="stealth" w="lg" len="lg"/>
-            </a:ln>
-          </p:spPr>
-          <p:style>
-            <a:lnRef idx="1">
-              <a:schemeClr val="accent1"/>
-            </a:lnRef>
-            <a:fillRef idx="0">
-              <a:schemeClr val="accent1"/>
-            </a:fillRef>
-            <a:effectRef idx="0">
-              <a:schemeClr val="accent1"/>
-            </a:effectRef>
-            <a:fontRef idx="minor">
-              <a:schemeClr val="tx1"/>
-            </a:fontRef>
-          </p:style>
-        </p:cxnSp>
-        <p:sp>
-          <p:nvSpPr>
-            <p:cNvPr id="30" name="TextBox 29"/>
-            <p:cNvSpPr txBox="1"/>
-            <p:nvPr/>
-          </p:nvSpPr>
-          <p:spPr>
-            <a:xfrm>
-              <a:off x="2190750" y="840343"/>
-              <a:ext cx="590550" cy="261610"/>
-            </a:xfrm>
-            <a:prstGeom prst="rect">
-              <a:avLst/>
-            </a:prstGeom>
-            <a:noFill/>
-          </p:spPr>
-          <p:txBody>
-            <a:bodyPr wrap="square" rtlCol="0">
-              <a:spAutoFit/>
-            </a:bodyPr>
-            <a:lstStyle/>
-            <a:p>
-              <a:pPr algn="ctr"/>
-              <a:r>
-                <a:rPr lang="ru-RU" sz="1100" dirty="0">
-                  <a:latin typeface="Times New Roman" panose="02020603050405020304" pitchFamily="18" charset="0"/>
-                  <a:cs typeface="Times New Roman" panose="02020603050405020304" pitchFamily="18" charset="0"/>
-                </a:rPr>
-                <a:t>Меню</a:t>
-              </a:r>
-            </a:p>
-          </p:txBody>
-        </p:sp>
-        <p:sp>
-          <p:nvSpPr>
-            <p:cNvPr id="31" name="TextBox 30"/>
-            <p:cNvSpPr txBox="1"/>
-            <p:nvPr/>
-          </p:nvSpPr>
-          <p:spPr>
-            <a:xfrm>
-              <a:off x="1276351" y="1855465"/>
-              <a:ext cx="1485900" cy="261610"/>
-            </a:xfrm>
-            <a:prstGeom prst="rect">
-              <a:avLst/>
-            </a:prstGeom>
-            <a:noFill/>
-          </p:spPr>
-          <p:txBody>
-            <a:bodyPr wrap="square" rtlCol="0">
-              <a:spAutoFit/>
-            </a:bodyPr>
-            <a:lstStyle/>
-            <a:p>
-              <a:pPr algn="ctr"/>
-              <a:r>
-                <a:rPr lang="ru-RU" sz="1100" dirty="0">
-                  <a:latin typeface="Times New Roman" panose="02020603050405020304" pitchFamily="18" charset="0"/>
-                  <a:cs typeface="Times New Roman" panose="02020603050405020304" pitchFamily="18" charset="0"/>
-                </a:rPr>
-                <a:t>Слоистая структура</a:t>
-              </a:r>
-            </a:p>
-          </p:txBody>
-        </p:sp>
-        <p:sp>
-          <p:nvSpPr>
-            <p:cNvPr id="32" name="TextBox 31"/>
-            <p:cNvSpPr txBox="1"/>
-            <p:nvPr/>
-          </p:nvSpPr>
-          <p:spPr>
-            <a:xfrm>
-              <a:off x="1571625" y="2549007"/>
-              <a:ext cx="1199555" cy="430887"/>
-            </a:xfrm>
-            <a:prstGeom prst="rect">
-              <a:avLst/>
-            </a:prstGeom>
-            <a:noFill/>
-          </p:spPr>
-          <p:txBody>
-            <a:bodyPr wrap="square" rtlCol="0">
-              <a:spAutoFit/>
-            </a:bodyPr>
-            <a:lstStyle/>
-            <a:p>
-              <a:pPr algn="ctr"/>
-              <a:r>
-                <a:rPr lang="ru-RU" sz="1100" dirty="0">
-                  <a:latin typeface="Times New Roman" panose="02020603050405020304" pitchFamily="18" charset="0"/>
-                  <a:cs typeface="Times New Roman" panose="02020603050405020304" pitchFamily="18" charset="0"/>
-                </a:rPr>
-                <a:t>Панель инструментов</a:t>
-              </a:r>
-            </a:p>
-          </p:txBody>
-        </p:sp>
-        <p:sp>
-          <p:nvSpPr>
-            <p:cNvPr id="33" name="TextBox 32"/>
-            <p:cNvSpPr txBox="1"/>
-            <p:nvPr/>
-          </p:nvSpPr>
-          <p:spPr>
-            <a:xfrm>
-              <a:off x="1419225" y="3455476"/>
-              <a:ext cx="1269652" cy="430887"/>
-            </a:xfrm>
-            <a:prstGeom prst="rect">
-              <a:avLst/>
-            </a:prstGeom>
-            <a:noFill/>
-          </p:spPr>
-          <p:txBody>
-            <a:bodyPr wrap="square" rtlCol="0">
-              <a:spAutoFit/>
-            </a:bodyPr>
-            <a:lstStyle/>
-            <a:p>
-              <a:pPr algn="ctr"/>
-              <a:r>
-                <a:rPr lang="ru-RU" sz="1100" dirty="0">
-                  <a:latin typeface="Times New Roman" panose="02020603050405020304" pitchFamily="18" charset="0"/>
-                  <a:cs typeface="Times New Roman" panose="02020603050405020304" pitchFamily="18" charset="0"/>
-                </a:rPr>
-                <a:t>Доступ к остальным окнам</a:t>
-              </a:r>
-            </a:p>
-          </p:txBody>
-        </p:sp>
-        <p:sp>
-          <p:nvSpPr>
-            <p:cNvPr id="34" name="TextBox 33"/>
-            <p:cNvSpPr txBox="1"/>
-            <p:nvPr/>
-          </p:nvSpPr>
-          <p:spPr>
-            <a:xfrm>
-              <a:off x="1224333" y="5505836"/>
-              <a:ext cx="1595067" cy="430887"/>
-            </a:xfrm>
-            <a:prstGeom prst="rect">
-              <a:avLst/>
-            </a:prstGeom>
-            <a:noFill/>
-          </p:spPr>
-          <p:txBody>
-            <a:bodyPr wrap="square" rtlCol="0">
-              <a:spAutoFit/>
-            </a:bodyPr>
-            <a:lstStyle/>
-            <a:p>
-              <a:pPr algn="ctr"/>
-              <a:r>
-                <a:rPr lang="ru-RU" sz="1100" dirty="0">
-                  <a:latin typeface="Times New Roman" panose="02020603050405020304" pitchFamily="18" charset="0"/>
-                  <a:cs typeface="Times New Roman" panose="02020603050405020304" pitchFamily="18" charset="0"/>
-                </a:rPr>
-                <a:t>Экспериментальные данные</a:t>
-              </a:r>
-            </a:p>
-          </p:txBody>
-        </p:sp>
-        <p:sp>
-          <p:nvSpPr>
-            <p:cNvPr id="35" name="Левая фигурная скобка 34"/>
-            <p:cNvSpPr/>
-            <p:nvPr/>
-          </p:nvSpPr>
-          <p:spPr>
-            <a:xfrm>
-              <a:off x="2819997" y="5057775"/>
-              <a:ext cx="276225" cy="1362074"/>
-            </a:xfrm>
-            <a:prstGeom prst="leftBrace">
-              <a:avLst>
-                <a:gd name="adj1" fmla="val 35919"/>
-                <a:gd name="adj2" fmla="val 50629"/>
-              </a:avLst>
-            </a:prstGeom>
-            <a:ln w="28575">
-              <a:solidFill>
-                <a:srgbClr val="0070C0"/>
-              </a:solidFill>
-            </a:ln>
-          </p:spPr>
-          <p:style>
-            <a:lnRef idx="1">
-              <a:schemeClr val="accent1"/>
-            </a:lnRef>
-            <a:fillRef idx="0">
-              <a:schemeClr val="accent1"/>
-            </a:fillRef>
-            <a:effectRef idx="0">
-              <a:schemeClr val="accent1"/>
-            </a:effectRef>
-            <a:fontRef idx="minor">
-              <a:schemeClr val="tx1"/>
-            </a:fontRef>
-          </p:style>
-          <p:txBody>
-            <a:bodyPr rtlCol="0" anchor="ctr"/>
-            <a:lstStyle/>
-            <a:p>
-              <a:pPr algn="ctr"/>
-              <a:endParaRPr lang="ru-RU" sz="1100">
-                <a:latin typeface="Times New Roman" panose="02020603050405020304" pitchFamily="18" charset="0"/>
-                <a:cs typeface="Times New Roman" panose="02020603050405020304" pitchFamily="18" charset="0"/>
-              </a:endParaRPr>
-            </a:p>
-          </p:txBody>
-        </p:sp>
-        <p:sp>
-          <p:nvSpPr>
-            <p:cNvPr id="36" name="Левая фигурная скобка 35"/>
-            <p:cNvSpPr/>
-            <p:nvPr/>
-          </p:nvSpPr>
-          <p:spPr>
-            <a:xfrm>
-              <a:off x="2818431" y="4305299"/>
-              <a:ext cx="276225" cy="673864"/>
-            </a:xfrm>
-            <a:prstGeom prst="leftBrace">
-              <a:avLst>
-                <a:gd name="adj1" fmla="val 35919"/>
-                <a:gd name="adj2" fmla="val 50629"/>
-              </a:avLst>
-            </a:prstGeom>
-            <a:ln w="28575">
-              <a:solidFill>
-                <a:srgbClr val="0070C0"/>
-              </a:solidFill>
-            </a:ln>
-          </p:spPr>
-          <p:style>
-            <a:lnRef idx="1">
-              <a:schemeClr val="accent1"/>
-            </a:lnRef>
-            <a:fillRef idx="0">
-              <a:schemeClr val="accent1"/>
-            </a:fillRef>
-            <a:effectRef idx="0">
-              <a:schemeClr val="accent1"/>
-            </a:effectRef>
-            <a:fontRef idx="minor">
-              <a:schemeClr val="tx1"/>
-            </a:fontRef>
-          </p:style>
-          <p:txBody>
-            <a:bodyPr rtlCol="0" anchor="ctr"/>
-            <a:lstStyle/>
-            <a:p>
-              <a:pPr algn="ctr"/>
-              <a:endParaRPr lang="ru-RU" sz="1100">
-                <a:latin typeface="Times New Roman" panose="02020603050405020304" pitchFamily="18" charset="0"/>
-                <a:cs typeface="Times New Roman" panose="02020603050405020304" pitchFamily="18" charset="0"/>
-              </a:endParaRPr>
-            </a:p>
-          </p:txBody>
-        </p:sp>
-        <p:sp>
-          <p:nvSpPr>
-            <p:cNvPr id="37" name="TextBox 36"/>
-            <p:cNvSpPr txBox="1"/>
-            <p:nvPr/>
-          </p:nvSpPr>
-          <p:spPr>
-            <a:xfrm>
-              <a:off x="1276350" y="4357385"/>
-              <a:ext cx="1385586" cy="600164"/>
-            </a:xfrm>
-            <a:prstGeom prst="rect">
-              <a:avLst/>
-            </a:prstGeom>
-            <a:noFill/>
-          </p:spPr>
-          <p:txBody>
-            <a:bodyPr wrap="square" rtlCol="0">
-              <a:spAutoFit/>
-            </a:bodyPr>
-            <a:lstStyle/>
-            <a:p>
-              <a:pPr algn="ctr"/>
-              <a:r>
-                <a:rPr lang="ru-RU" sz="1100" dirty="0">
-                  <a:latin typeface="Times New Roman" panose="02020603050405020304" pitchFamily="18" charset="0"/>
-                  <a:cs typeface="Times New Roman" panose="02020603050405020304" pitchFamily="18" charset="0"/>
-                </a:rPr>
-                <a:t>Кривые без экспериментальных данных</a:t>
-              </a:r>
-            </a:p>
-          </p:txBody>
-        </p:sp>
-        <p:cxnSp>
-          <p:nvCxnSpPr>
-            <p:cNvPr id="38" name="Прямая со стрелкой 37"/>
-            <p:cNvCxnSpPr/>
-            <p:nvPr/>
-          </p:nvCxnSpPr>
-          <p:spPr>
-            <a:xfrm>
-              <a:off x="2855492" y="1279956"/>
-              <a:ext cx="269081" cy="0"/>
-            </a:xfrm>
-            <a:prstGeom prst="straightConnector1">
-              <a:avLst/>
-            </a:prstGeom>
-            <a:ln w="47625">
-              <a:tailEnd type="stealth" w="lg" len="lg"/>
-            </a:ln>
-          </p:spPr>
-          <p:style>
-            <a:lnRef idx="1">
-              <a:schemeClr val="accent1"/>
-            </a:lnRef>
-            <a:fillRef idx="0">
-              <a:schemeClr val="accent1"/>
-            </a:fillRef>
-            <a:effectRef idx="0">
-              <a:schemeClr val="accent1"/>
-            </a:effectRef>
-            <a:fontRef idx="minor">
-              <a:schemeClr val="tx1"/>
-            </a:fontRef>
-          </p:style>
-        </p:cxnSp>
-        <p:sp>
-          <p:nvSpPr>
-            <p:cNvPr id="39" name="TextBox 38"/>
-            <p:cNvSpPr txBox="1"/>
-            <p:nvPr/>
-          </p:nvSpPr>
-          <p:spPr>
-            <a:xfrm>
-              <a:off x="1419225" y="1113976"/>
-              <a:ext cx="1426368" cy="430887"/>
-            </a:xfrm>
-            <a:prstGeom prst="rect">
-              <a:avLst/>
-            </a:prstGeom>
-            <a:noFill/>
-          </p:spPr>
-          <p:txBody>
-            <a:bodyPr wrap="square" rtlCol="0">
-              <a:spAutoFit/>
-            </a:bodyPr>
-            <a:lstStyle/>
-            <a:p>
-              <a:pPr algn="ctr"/>
-              <a:r>
-                <a:rPr lang="ru-RU" sz="1100" dirty="0">
-                  <a:latin typeface="Times New Roman" panose="02020603050405020304" pitchFamily="18" charset="0"/>
-                  <a:cs typeface="Times New Roman" panose="02020603050405020304" pitchFamily="18" charset="0"/>
-                </a:rPr>
-                <a:t>Вкладки со структурами</a:t>
-              </a:r>
-            </a:p>
-          </p:txBody>
-        </p:sp>
         <p:pic>
           <p:nvPicPr>
-            <p:cNvPr id="40" name="Рисунок 39"/>
+            <p:cNvPr id="5" name="Picture 4">
+              <a:extLst>
+                <a:ext uri="{FF2B5EF4-FFF2-40B4-BE49-F238E27FC236}">
+                  <a16:creationId xmlns:a16="http://schemas.microsoft.com/office/drawing/2014/main" id="{145E3F67-D1C4-C4FE-1E9F-62BC7A80C490}"/>
+                </a:ext>
+              </a:extLst>
+            </p:cNvPr>
             <p:cNvPicPr>
               <a:picLocks noChangeAspect="1"/>
             </p:cNvPicPr>
@@ -4150,8 +4174,8 @@
           </p:blipFill>
           <p:spPr>
             <a:xfrm>
-              <a:off x="3226148" y="597648"/>
-              <a:ext cx="3105150" cy="5857875"/>
+              <a:off x="7321794" y="578095"/>
+              <a:ext cx="2876550" cy="5848350"/>
             </a:xfrm>
             <a:prstGeom prst="rect">
               <a:avLst/>
@@ -20131,36 +20155,47 @@
       </p:grpSp>
       <p:grpSp>
         <p:nvGrpSpPr>
-          <p:cNvPr id="146" name="Группа 145"/>
+          <p:cNvPr id="19" name="Group 18">
+            <a:extLst>
+              <a:ext uri="{FF2B5EF4-FFF2-40B4-BE49-F238E27FC236}">
+                <a16:creationId xmlns:a16="http://schemas.microsoft.com/office/drawing/2014/main" id="{2DA80AAC-0E88-EBC3-6EED-17FFCB432350}"/>
+              </a:ext>
+            </a:extLst>
+          </p:cNvPr>
           <p:cNvGrpSpPr/>
           <p:nvPr/>
         </p:nvGrpSpPr>
         <p:grpSpPr>
           <a:xfrm>
-            <a:off x="2142083" y="1626236"/>
-            <a:ext cx="5149523" cy="1349615"/>
-            <a:chOff x="2046290" y="1991996"/>
-            <a:chExt cx="5149523" cy="1349615"/>
+            <a:off x="2142083" y="1638300"/>
+            <a:ext cx="4767657" cy="1337551"/>
+            <a:chOff x="2142083" y="1638300"/>
+            <a:chExt cx="4767657" cy="1337551"/>
           </a:xfrm>
         </p:grpSpPr>
         <p:pic>
           <p:nvPicPr>
-            <p:cNvPr id="8" name="Рисунок 7"/>
+            <p:cNvPr id="11" name="Picture 10">
+              <a:extLst>
+                <a:ext uri="{FF2B5EF4-FFF2-40B4-BE49-F238E27FC236}">
+                  <a16:creationId xmlns:a16="http://schemas.microsoft.com/office/drawing/2014/main" id="{C90448A0-F337-DAA0-F9D2-ECE341FF7FDD}"/>
+                </a:ext>
+              </a:extLst>
+            </p:cNvPr>
             <p:cNvPicPr>
               <a:picLocks noChangeAspect="1"/>
             </p:cNvPicPr>
             <p:nvPr/>
           </p:nvPicPr>
-          <p:blipFill>
+          <p:blipFill rotWithShape="1">
             <a:blip r:embed="rId3"/>
-            <a:stretch>
-              <a:fillRect/>
-            </a:stretch>
+            <a:srcRect l="3721" t="10000" r="5352" b="4073"/>
+            <a:stretch/>
           </p:blipFill>
           <p:spPr>
             <a:xfrm>
-              <a:off x="2751455" y="1991996"/>
-              <a:ext cx="3067050" cy="390525"/>
+              <a:off x="2844799" y="1638300"/>
+              <a:ext cx="2832101" cy="368300"/>
             </a:xfrm>
             <a:prstGeom prst="rect">
               <a:avLst/>
@@ -20175,7 +20210,7 @@
           </p:nvSpPr>
           <p:spPr>
             <a:xfrm>
-              <a:off x="2046290" y="2483502"/>
+              <a:off x="2142083" y="2117742"/>
               <a:ext cx="705166" cy="246221"/>
             </a:xfrm>
             <a:prstGeom prst="rect">
@@ -20212,7 +20247,7 @@
           </p:nvCxnSpPr>
           <p:spPr>
             <a:xfrm flipV="1">
-              <a:off x="2648109" y="2356482"/>
+              <a:off x="2743902" y="1990722"/>
               <a:ext cx="231460" cy="200278"/>
             </a:xfrm>
             <a:prstGeom prst="straightConnector1">
@@ -20248,7 +20283,7 @@
           </p:nvSpPr>
           <p:spPr>
             <a:xfrm>
-              <a:off x="2116456" y="2725496"/>
+              <a:off x="2212249" y="2359736"/>
               <a:ext cx="1035050" cy="246221"/>
             </a:xfrm>
             <a:prstGeom prst="rect">
@@ -20285,7 +20320,7 @@
           </p:nvSpPr>
           <p:spPr>
             <a:xfrm>
-              <a:off x="2434987" y="2941501"/>
+              <a:off x="2530780" y="2575741"/>
               <a:ext cx="1035050" cy="400110"/>
             </a:xfrm>
             <a:prstGeom prst="rect">
@@ -20322,7 +20357,7 @@
           </p:nvSpPr>
           <p:spPr>
             <a:xfrm>
-              <a:off x="3186112" y="2825657"/>
+              <a:off x="3281905" y="2459897"/>
               <a:ext cx="793750" cy="246221"/>
             </a:xfrm>
             <a:prstGeom prst="rect">
@@ -20359,7 +20394,7 @@
           </p:nvSpPr>
           <p:spPr>
             <a:xfrm>
-              <a:off x="3414712" y="3058208"/>
+              <a:off x="3510505" y="2692448"/>
               <a:ext cx="793750" cy="246221"/>
             </a:xfrm>
             <a:prstGeom prst="rect">
@@ -20396,7 +20431,7 @@
           </p:nvSpPr>
           <p:spPr>
             <a:xfrm>
-              <a:off x="3621009" y="2829856"/>
+              <a:off x="3716802" y="2464096"/>
               <a:ext cx="793750" cy="246221"/>
             </a:xfrm>
             <a:prstGeom prst="rect">
@@ -20433,7 +20468,7 @@
           </p:nvSpPr>
           <p:spPr>
             <a:xfrm>
-              <a:off x="3888264" y="3033638"/>
+              <a:off x="3984057" y="2667878"/>
               <a:ext cx="793750" cy="246221"/>
             </a:xfrm>
             <a:prstGeom prst="rect">
@@ -20470,7 +20505,7 @@
           </p:nvSpPr>
           <p:spPr>
             <a:xfrm>
-              <a:off x="4117974" y="2823915"/>
+              <a:off x="4213767" y="2458155"/>
               <a:ext cx="793750" cy="246221"/>
             </a:xfrm>
             <a:prstGeom prst="rect">
@@ -20507,7 +20542,7 @@
           </p:nvSpPr>
           <p:spPr>
             <a:xfrm>
-              <a:off x="4397611" y="3032264"/>
+              <a:off x="4493404" y="2666504"/>
               <a:ext cx="793750" cy="246221"/>
             </a:xfrm>
             <a:prstGeom prst="rect">
@@ -20544,7 +20579,7 @@
           </p:nvSpPr>
           <p:spPr>
             <a:xfrm>
-              <a:off x="4648037" y="2834758"/>
+              <a:off x="4743830" y="2468998"/>
               <a:ext cx="940435" cy="246221"/>
             </a:xfrm>
             <a:prstGeom prst="rect">
@@ -20581,7 +20616,7 @@
           </p:nvSpPr>
           <p:spPr>
             <a:xfrm>
-              <a:off x="5305424" y="3023134"/>
+              <a:off x="5452017" y="2574824"/>
               <a:ext cx="793750" cy="246221"/>
             </a:xfrm>
             <a:prstGeom prst="rect">
@@ -20618,7 +20653,7 @@
           </p:nvSpPr>
           <p:spPr>
             <a:xfrm>
-              <a:off x="5563632" y="2732575"/>
+              <a:off x="5646725" y="2233465"/>
               <a:ext cx="1263015" cy="246221"/>
             </a:xfrm>
             <a:prstGeom prst="rect">
@@ -20647,43 +20682,6 @@
             </a:p>
           </p:txBody>
         </p:sp>
-        <p:sp>
-          <p:nvSpPr>
-            <p:cNvPr id="34" name="TextBox 33"/>
-            <p:cNvSpPr txBox="1"/>
-            <p:nvPr/>
-          </p:nvSpPr>
-          <p:spPr>
-            <a:xfrm>
-              <a:off x="5681338" y="2526540"/>
-              <a:ext cx="1514475" cy="246221"/>
-            </a:xfrm>
-            <a:prstGeom prst="rect">
-              <a:avLst/>
-            </a:prstGeom>
-            <a:noFill/>
-          </p:spPr>
-          <p:txBody>
-            <a:bodyPr wrap="square" rtlCol="0">
-              <a:spAutoFit/>
-            </a:bodyPr>
-            <a:lstStyle/>
-            <a:p>
-              <a:pPr algn="ctr"/>
-              <a:r>
-                <a:rPr lang="en-US" sz="1000" dirty="0">
-                  <a:latin typeface="Times New Roman" panose="02020603050405020304" pitchFamily="18" charset="0"/>
-                  <a:cs typeface="Times New Roman" panose="02020603050405020304" pitchFamily="18" charset="0"/>
-                </a:rPr>
-                <a:t>Save structure as text</a:t>
-              </a:r>
-              <a:endParaRPr lang="ru-RU" sz="1000" dirty="0">
-                <a:latin typeface="Times New Roman" panose="02020603050405020304" pitchFamily="18" charset="0"/>
-                <a:cs typeface="Times New Roman" panose="02020603050405020304" pitchFamily="18" charset="0"/>
-              </a:endParaRPr>
-            </a:p>
-          </p:txBody>
-        </p:sp>
         <p:cxnSp>
           <p:nvCxnSpPr>
             <p:cNvPr id="65" name="Прямая со стрелкой 64"/>
@@ -20692,7 +20690,7 @@
           </p:nvCxnSpPr>
           <p:spPr>
             <a:xfrm flipV="1">
-              <a:off x="2943702" y="2355474"/>
+              <a:off x="3039495" y="1989714"/>
               <a:ext cx="167797" cy="418851"/>
             </a:xfrm>
             <a:prstGeom prst="straightConnector1">
@@ -20728,7 +20726,7 @@
           </p:nvCxnSpPr>
           <p:spPr>
             <a:xfrm flipV="1">
-              <a:off x="3186112" y="2351249"/>
+              <a:off x="3281905" y="1985489"/>
               <a:ext cx="198357" cy="580298"/>
             </a:xfrm>
             <a:prstGeom prst="straightConnector1">
@@ -20764,7 +20762,7 @@
           </p:nvCxnSpPr>
           <p:spPr>
             <a:xfrm flipV="1">
-              <a:off x="3589255" y="2351930"/>
+              <a:off x="3685048" y="1986170"/>
               <a:ext cx="0" cy="504000"/>
             </a:xfrm>
             <a:prstGeom prst="straightConnector1">
@@ -20800,7 +20798,7 @@
           </p:nvCxnSpPr>
           <p:spPr>
             <a:xfrm flipV="1">
-              <a:off x="4028996" y="2349142"/>
+              <a:off x="4124789" y="1983382"/>
               <a:ext cx="0" cy="504000"/>
             </a:xfrm>
             <a:prstGeom prst="straightConnector1">
@@ -20836,7 +20834,7 @@
           </p:nvCxnSpPr>
           <p:spPr>
             <a:xfrm flipV="1">
-              <a:off x="4508419" y="2330758"/>
+              <a:off x="4604212" y="1964998"/>
               <a:ext cx="0" cy="504000"/>
             </a:xfrm>
             <a:prstGeom prst="straightConnector1">
@@ -20867,13 +20865,15 @@
         <p:cxnSp>
           <p:nvCxnSpPr>
             <p:cNvPr id="85" name="Прямая со стрелкой 84"/>
-            <p:cNvCxnSpPr/>
+            <p:cNvCxnSpPr>
+              <a:cxnSpLocks/>
+            </p:cNvCxnSpPr>
             <p:nvPr/>
           </p:nvCxnSpPr>
           <p:spPr>
-            <a:xfrm flipV="1">
-              <a:off x="4932362" y="2353256"/>
-              <a:ext cx="0" cy="504000"/>
+            <a:xfrm flipH="1" flipV="1">
+              <a:off x="5021805" y="1987496"/>
+              <a:ext cx="185893" cy="481502"/>
             </a:xfrm>
             <a:prstGeom prst="straightConnector1">
               <a:avLst/>
@@ -20903,49 +20903,15 @@
         <p:cxnSp>
           <p:nvCxnSpPr>
             <p:cNvPr id="86" name="Прямая со стрелкой 85"/>
-            <p:cNvCxnSpPr/>
+            <p:cNvCxnSpPr>
+              <a:cxnSpLocks/>
+            </p:cNvCxnSpPr>
             <p:nvPr/>
           </p:nvCxnSpPr>
           <p:spPr>
             <a:xfrm flipH="1" flipV="1">
-              <a:off x="5157944" y="2347168"/>
-              <a:ext cx="425055" cy="704558"/>
-            </a:xfrm>
-            <a:prstGeom prst="straightConnector1">
-              <a:avLst/>
-            </a:prstGeom>
-            <a:ln w="6350">
-              <a:solidFill>
-                <a:schemeClr val="tx1"/>
-              </a:solidFill>
-              <a:tailEnd type="stealth" w="med" len="med"/>
-            </a:ln>
-          </p:spPr>
-          <p:style>
-            <a:lnRef idx="1">
-              <a:schemeClr val="accent1"/>
-            </a:lnRef>
-            <a:fillRef idx="0">
-              <a:schemeClr val="accent1"/>
-            </a:fillRef>
-            <a:effectRef idx="0">
-              <a:schemeClr val="accent1"/>
-            </a:effectRef>
-            <a:fontRef idx="minor">
-              <a:schemeClr val="tx1"/>
-            </a:fontRef>
-          </p:style>
-        </p:cxnSp>
-        <p:cxnSp>
-          <p:nvCxnSpPr>
-            <p:cNvPr id="87" name="Прямая со стрелкой 86"/>
-            <p:cNvCxnSpPr/>
-            <p:nvPr/>
-          </p:nvCxnSpPr>
-          <p:spPr>
-            <a:xfrm flipH="1" flipV="1">
-              <a:off x="5612287" y="2351249"/>
-              <a:ext cx="312263" cy="213650"/>
+              <a:off x="5295900" y="1993900"/>
+              <a:ext cx="546642" cy="580924"/>
             </a:xfrm>
             <a:prstGeom prst="straightConnector1">
               <a:avLst/>
@@ -20975,13 +20941,15 @@
         <p:cxnSp>
           <p:nvCxnSpPr>
             <p:cNvPr id="89" name="Прямая со стрелкой 88"/>
-            <p:cNvCxnSpPr/>
+            <p:cNvCxnSpPr>
+              <a:cxnSpLocks/>
+            </p:cNvCxnSpPr>
             <p:nvPr/>
           </p:nvCxnSpPr>
           <p:spPr>
             <a:xfrm flipH="1" flipV="1">
-              <a:off x="5370664" y="2349142"/>
-              <a:ext cx="377674" cy="429946"/>
+              <a:off x="5472807" y="1964332"/>
+              <a:ext cx="369193" cy="296268"/>
             </a:xfrm>
             <a:prstGeom prst="straightConnector1">
               <a:avLst/>
@@ -21016,7 +20984,7 @@
           </p:nvCxnSpPr>
           <p:spPr>
             <a:xfrm flipV="1">
-              <a:off x="4727574" y="2360733"/>
+              <a:off x="4823367" y="1994973"/>
               <a:ext cx="0" cy="720000"/>
             </a:xfrm>
             <a:prstGeom prst="straightConnector1">
@@ -21052,7 +21020,7 @@
           </p:nvCxnSpPr>
           <p:spPr>
             <a:xfrm flipV="1">
-              <a:off x="4275136" y="2337506"/>
+              <a:off x="4370929" y="1971746"/>
               <a:ext cx="0" cy="720000"/>
             </a:xfrm>
             <a:prstGeom prst="straightConnector1">
@@ -21088,7 +21056,7 @@
           </p:nvCxnSpPr>
           <p:spPr>
             <a:xfrm flipV="1">
-              <a:off x="3808411" y="2353726"/>
+              <a:off x="3904204" y="1987966"/>
               <a:ext cx="0" cy="720000"/>
             </a:xfrm>
             <a:prstGeom prst="straightConnector1">
@@ -21119,18 +21087,53 @@
       </p:grpSp>
       <p:grpSp>
         <p:nvGrpSpPr>
-          <p:cNvPr id="147" name="Группа 146"/>
+          <p:cNvPr id="18" name="Group 17">
+            <a:extLst>
+              <a:ext uri="{FF2B5EF4-FFF2-40B4-BE49-F238E27FC236}">
+                <a16:creationId xmlns:a16="http://schemas.microsoft.com/office/drawing/2014/main" id="{D702F73C-650A-3420-6D2E-0CEDBA713019}"/>
+              </a:ext>
+            </a:extLst>
+          </p:cNvPr>
           <p:cNvGrpSpPr/>
           <p:nvPr/>
         </p:nvGrpSpPr>
         <p:grpSpPr>
           <a:xfrm>
-            <a:off x="1565120" y="3176430"/>
-            <a:ext cx="6235038" cy="1615691"/>
-            <a:chOff x="1556412" y="3837703"/>
-            <a:chExt cx="6235038" cy="1615691"/>
+            <a:off x="1565120" y="3187700"/>
+            <a:ext cx="5244601" cy="1604421"/>
+            <a:chOff x="1565120" y="3187700"/>
+            <a:chExt cx="5244601" cy="1604421"/>
           </a:xfrm>
         </p:grpSpPr>
+        <p:pic>
+          <p:nvPicPr>
+            <p:cNvPr id="10" name="Picture 9">
+              <a:extLst>
+                <a:ext uri="{FF2B5EF4-FFF2-40B4-BE49-F238E27FC236}">
+                  <a16:creationId xmlns:a16="http://schemas.microsoft.com/office/drawing/2014/main" id="{DC15D505-6551-1C06-9C12-BD6860327E45}"/>
+                </a:ext>
+              </a:extLst>
+            </p:cNvPr>
+            <p:cNvPicPr>
+              <a:picLocks noChangeAspect="1"/>
+            </p:cNvPicPr>
+            <p:nvPr/>
+          </p:nvPicPr>
+          <p:blipFill rotWithShape="1">
+            <a:blip r:embed="rId3"/>
+            <a:srcRect l="3721" t="10000" r="5352" b="4073"/>
+            <a:stretch/>
+          </p:blipFill>
+          <p:spPr>
+            <a:xfrm>
+              <a:off x="2787649" y="3187700"/>
+              <a:ext cx="2832101" cy="368300"/>
+            </a:xfrm>
+            <a:prstGeom prst="rect">
+              <a:avLst/>
+            </a:prstGeom>
+          </p:spPr>
+        </p:pic>
         <p:sp>
           <p:nvSpPr>
             <p:cNvPr id="37" name="TextBox 36"/>
@@ -21139,7 +21142,7 @@
           </p:nvSpPr>
           <p:spPr>
             <a:xfrm>
-              <a:off x="1594454" y="4368931"/>
+              <a:off x="1603162" y="3707658"/>
               <a:ext cx="1441450" cy="246221"/>
             </a:xfrm>
             <a:prstGeom prst="rect">
@@ -21186,7 +21189,7 @@
           </p:nvSpPr>
           <p:spPr>
             <a:xfrm>
-              <a:off x="1602741" y="4560136"/>
+              <a:off x="1611449" y="3898863"/>
               <a:ext cx="1568450" cy="246221"/>
             </a:xfrm>
             <a:prstGeom prst="rect">
@@ -21219,7 +21222,7 @@
           </p:nvSpPr>
           <p:spPr>
             <a:xfrm>
-              <a:off x="1556412" y="4858695"/>
+              <a:off x="1565120" y="4197422"/>
               <a:ext cx="1504243" cy="246221"/>
             </a:xfrm>
             <a:prstGeom prst="rect">
@@ -21252,7 +21255,7 @@
           </p:nvSpPr>
           <p:spPr>
             <a:xfrm>
-              <a:off x="2892491" y="4732461"/>
+              <a:off x="2901199" y="4071188"/>
               <a:ext cx="1000070" cy="246221"/>
             </a:xfrm>
             <a:prstGeom prst="rect">
@@ -21285,7 +21288,7 @@
           </p:nvSpPr>
           <p:spPr>
             <a:xfrm>
-              <a:off x="3411706" y="4969844"/>
+              <a:off x="3420414" y="4308571"/>
               <a:ext cx="793750" cy="246221"/>
             </a:xfrm>
             <a:prstGeom prst="rect">
@@ -21318,7 +21321,7 @@
           </p:nvSpPr>
           <p:spPr>
             <a:xfrm>
-              <a:off x="3705145" y="4701294"/>
+              <a:off x="3713853" y="4040021"/>
               <a:ext cx="793750" cy="246221"/>
             </a:xfrm>
             <a:prstGeom prst="rect">
@@ -21351,7 +21354,7 @@
           </p:nvSpPr>
           <p:spPr>
             <a:xfrm>
-              <a:off x="3960380" y="4976154"/>
+              <a:off x="3969088" y="4314881"/>
               <a:ext cx="971550" cy="246221"/>
             </a:xfrm>
             <a:prstGeom prst="rect">
@@ -21384,7 +21387,7 @@
           </p:nvSpPr>
           <p:spPr>
             <a:xfrm>
-              <a:off x="4236244" y="4597848"/>
+              <a:off x="4244952" y="3936575"/>
               <a:ext cx="793750" cy="246221"/>
             </a:xfrm>
             <a:prstGeom prst="rect">
@@ -21417,7 +21420,7 @@
           </p:nvSpPr>
           <p:spPr>
             <a:xfrm>
-              <a:off x="4498895" y="5207173"/>
+              <a:off x="4507603" y="4545900"/>
               <a:ext cx="1290158" cy="246221"/>
             </a:xfrm>
             <a:prstGeom prst="rect">
@@ -21464,7 +21467,7 @@
           </p:nvSpPr>
           <p:spPr>
             <a:xfrm>
-              <a:off x="4844494" y="4699195"/>
+              <a:off x="4853202" y="4037922"/>
               <a:ext cx="922894" cy="400110"/>
             </a:xfrm>
             <a:prstGeom prst="rect">
@@ -21511,7 +21514,7 @@
           </p:nvSpPr>
           <p:spPr>
             <a:xfrm>
-              <a:off x="5546436" y="4899250"/>
+              <a:off x="5567844" y="4180827"/>
               <a:ext cx="1216313" cy="246221"/>
             </a:xfrm>
             <a:prstGeom prst="rect">
@@ -21544,7 +21547,7 @@
           </p:nvSpPr>
           <p:spPr>
             <a:xfrm>
-              <a:off x="5649671" y="4592979"/>
+              <a:off x="5677429" y="3861856"/>
               <a:ext cx="1132292" cy="246221"/>
             </a:xfrm>
             <a:prstGeom prst="rect">
@@ -21569,63 +21572,6 @@
             </a:p>
           </p:txBody>
         </p:sp>
-        <p:sp>
-          <p:nvSpPr>
-            <p:cNvPr id="50" name="TextBox 49"/>
-            <p:cNvSpPr txBox="1"/>
-            <p:nvPr/>
-          </p:nvSpPr>
-          <p:spPr>
-            <a:xfrm>
-              <a:off x="5863472" y="4347381"/>
-              <a:ext cx="1927978" cy="246221"/>
-            </a:xfrm>
-            <a:prstGeom prst="rect">
-              <a:avLst/>
-            </a:prstGeom>
-            <a:noFill/>
-          </p:spPr>
-          <p:txBody>
-            <a:bodyPr wrap="square" rtlCol="0">
-              <a:spAutoFit/>
-            </a:bodyPr>
-            <a:lstStyle/>
-            <a:p>
-              <a:pPr algn="ctr"/>
-              <a:r>
-                <a:rPr lang="ru-RU" sz="1000" dirty="0">
-                  <a:latin typeface="Times New Roman" panose="02020603050405020304" pitchFamily="18" charset="0"/>
-                  <a:cs typeface="Times New Roman" panose="02020603050405020304" pitchFamily="18" charset="0"/>
-                </a:rPr>
-                <a:t>Сохранить структуру как текст</a:t>
-              </a:r>
-            </a:p>
-          </p:txBody>
-        </p:sp>
-        <p:pic>
-          <p:nvPicPr>
-            <p:cNvPr id="101" name="Рисунок 100"/>
-            <p:cNvPicPr>
-              <a:picLocks noChangeAspect="1"/>
-            </p:cNvPicPr>
-            <p:nvPr/>
-          </p:nvPicPr>
-          <p:blipFill>
-            <a:blip r:embed="rId3"/>
-            <a:stretch>
-              <a:fillRect/>
-            </a:stretch>
-          </p:blipFill>
-          <p:spPr>
-            <a:xfrm>
-              <a:off x="2780031" y="3837703"/>
-              <a:ext cx="3067050" cy="390525"/>
-            </a:xfrm>
-            <a:prstGeom prst="rect">
-              <a:avLst/>
-            </a:prstGeom>
-          </p:spPr>
-        </p:pic>
         <p:cxnSp>
           <p:nvCxnSpPr>
             <p:cNvPr id="103" name="Прямая со стрелкой 102"/>
@@ -21634,7 +21580,7 @@
           </p:nvCxnSpPr>
           <p:spPr>
             <a:xfrm flipV="1">
-              <a:off x="2676685" y="4202189"/>
+              <a:off x="2685393" y="3540916"/>
               <a:ext cx="231460" cy="200278"/>
             </a:xfrm>
             <a:prstGeom prst="straightConnector1">
@@ -21670,7 +21616,7 @@
           </p:nvCxnSpPr>
           <p:spPr>
             <a:xfrm flipV="1">
-              <a:off x="2918819" y="4201182"/>
+              <a:off x="2927527" y="3539909"/>
               <a:ext cx="221256" cy="391797"/>
             </a:xfrm>
             <a:prstGeom prst="straightConnector1">
@@ -21706,7 +21652,7 @@
           </p:nvCxnSpPr>
           <p:spPr>
             <a:xfrm flipV="1">
-              <a:off x="2908145" y="4206440"/>
+              <a:off x="2916853" y="3545167"/>
               <a:ext cx="497993" cy="707606"/>
             </a:xfrm>
             <a:prstGeom prst="straightConnector1">
@@ -21742,7 +21688,7 @@
           </p:nvCxnSpPr>
           <p:spPr>
             <a:xfrm flipV="1">
-              <a:off x="3386176" y="4210823"/>
+              <a:off x="3394884" y="3549550"/>
               <a:ext cx="226104" cy="521638"/>
             </a:xfrm>
             <a:prstGeom prst="straightConnector1">
@@ -21778,7 +21724,7 @@
           </p:nvCxnSpPr>
           <p:spPr>
             <a:xfrm flipH="1" flipV="1">
-              <a:off x="4073524" y="4196048"/>
+              <a:off x="4082232" y="3534775"/>
               <a:ext cx="22146" cy="511596"/>
             </a:xfrm>
             <a:prstGeom prst="straightConnector1">
@@ -21814,7 +21760,7 @@
           </p:nvCxnSpPr>
           <p:spPr>
             <a:xfrm flipH="1" flipV="1">
-              <a:off x="4524295" y="4189165"/>
+              <a:off x="4533003" y="3527892"/>
               <a:ext cx="83424" cy="434083"/>
             </a:xfrm>
             <a:prstGeom prst="straightConnector1">
@@ -21850,7 +21796,7 @@
           </p:nvCxnSpPr>
           <p:spPr>
             <a:xfrm flipH="1" flipV="1">
-              <a:off x="4999038" y="4186264"/>
+              <a:off x="5007746" y="3524991"/>
               <a:ext cx="160597" cy="556134"/>
             </a:xfrm>
             <a:prstGeom prst="straightConnector1">
@@ -21881,49 +21827,15 @@
         <p:cxnSp>
           <p:nvCxnSpPr>
             <p:cNvPr id="122" name="Прямая со стрелкой 121"/>
-            <p:cNvCxnSpPr/>
+            <p:cNvCxnSpPr>
+              <a:cxnSpLocks/>
+            </p:cNvCxnSpPr>
             <p:nvPr/>
           </p:nvCxnSpPr>
           <p:spPr>
             <a:xfrm flipH="1" flipV="1">
-              <a:off x="5204138" y="4204421"/>
-              <a:ext cx="614367" cy="743094"/>
-            </a:xfrm>
-            <a:prstGeom prst="straightConnector1">
-              <a:avLst/>
-            </a:prstGeom>
-            <a:ln w="6350">
-              <a:solidFill>
-                <a:schemeClr val="tx1"/>
-              </a:solidFill>
-              <a:tailEnd type="stealth" w="med" len="med"/>
-            </a:ln>
-          </p:spPr>
-          <p:style>
-            <a:lnRef idx="1">
-              <a:schemeClr val="accent1"/>
-            </a:lnRef>
-            <a:fillRef idx="0">
-              <a:schemeClr val="accent1"/>
-            </a:fillRef>
-            <a:effectRef idx="0">
-              <a:schemeClr val="accent1"/>
-            </a:effectRef>
-            <a:fontRef idx="minor">
-              <a:schemeClr val="tx1"/>
-            </a:fontRef>
-          </p:style>
-        </p:cxnSp>
-        <p:cxnSp>
-          <p:nvCxnSpPr>
-            <p:cNvPr id="123" name="Прямая со стрелкой 122"/>
-            <p:cNvCxnSpPr/>
-            <p:nvPr/>
-          </p:nvCxnSpPr>
-          <p:spPr>
-            <a:xfrm flipH="1" flipV="1">
-              <a:off x="5640863" y="4196956"/>
-              <a:ext cx="312263" cy="213650"/>
+              <a:off x="5212846" y="3543148"/>
+              <a:ext cx="610104" cy="647852"/>
             </a:xfrm>
             <a:prstGeom prst="straightConnector1">
               <a:avLst/>
@@ -21953,13 +21865,15 @@
         <p:cxnSp>
           <p:nvCxnSpPr>
             <p:cNvPr id="124" name="Прямая со стрелкой 123"/>
-            <p:cNvCxnSpPr/>
+            <p:cNvCxnSpPr>
+              <a:cxnSpLocks/>
+            </p:cNvCxnSpPr>
             <p:nvPr/>
           </p:nvCxnSpPr>
           <p:spPr>
             <a:xfrm flipH="1" flipV="1">
-              <a:off x="5399240" y="4194849"/>
-              <a:ext cx="377674" cy="429946"/>
+              <a:off x="5426998" y="3527226"/>
+              <a:ext cx="465802" cy="333574"/>
             </a:xfrm>
             <a:prstGeom prst="straightConnector1">
               <a:avLst/>
@@ -21994,7 +21908,7 @@
           </p:nvCxnSpPr>
           <p:spPr>
             <a:xfrm flipH="1" flipV="1">
-              <a:off x="4794562" y="4186264"/>
+              <a:off x="4803270" y="3524991"/>
               <a:ext cx="208852" cy="1042421"/>
             </a:xfrm>
             <a:prstGeom prst="straightConnector1">
@@ -22030,7 +21944,7 @@
           </p:nvCxnSpPr>
           <p:spPr>
             <a:xfrm flipH="1" flipV="1">
-              <a:off x="4280375" y="4188029"/>
+              <a:off x="4289083" y="3526756"/>
               <a:ext cx="140380" cy="788125"/>
             </a:xfrm>
             <a:prstGeom prst="straightConnector1">
@@ -22066,7 +21980,7 @@
           </p:nvCxnSpPr>
           <p:spPr>
             <a:xfrm flipV="1">
-              <a:off x="3814931" y="4212836"/>
+              <a:off x="3823639" y="3551563"/>
               <a:ext cx="41583" cy="769708"/>
             </a:xfrm>
             <a:prstGeom prst="straightConnector1">

--- a/manual/Pictures 2.0/Pictures 2.0.pptx
+++ b/manual/Pictures 2.0/Pictures 2.0.pptx
@@ -10745,6 +10745,36 @@
           </a:prstGeom>
         </p:spPr>
       </p:pic>
+      <p:pic>
+        <p:nvPicPr>
+          <p:cNvPr id="2" name="Picture 1">
+            <a:extLst>
+              <a:ext uri="{FF2B5EF4-FFF2-40B4-BE49-F238E27FC236}">
+                <a16:creationId xmlns:a16="http://schemas.microsoft.com/office/drawing/2014/main" id="{6F20837D-D3CD-FF4F-00CB-DFCE61579557}"/>
+              </a:ext>
+            </a:extLst>
+          </p:cNvPr>
+          <p:cNvPicPr>
+            <a:picLocks noChangeAspect="1"/>
+          </p:cNvPicPr>
+          <p:nvPr/>
+        </p:nvPicPr>
+        <p:blipFill>
+          <a:blip r:embed="rId26"/>
+          <a:stretch>
+            <a:fillRect/>
+          </a:stretch>
+        </p:blipFill>
+        <p:spPr>
+          <a:xfrm>
+            <a:off x="2742100" y="646968"/>
+            <a:ext cx="1514475" cy="1238250"/>
+          </a:xfrm>
+          <a:prstGeom prst="rect">
+            <a:avLst/>
+          </a:prstGeom>
+        </p:spPr>
+      </p:pic>
     </p:spTree>
     <p:extLst>
       <p:ext uri="{BB962C8B-B14F-4D97-AF65-F5344CB8AC3E}">

--- a/manual/Pictures 2.0/Pictures 2.0.pptx
+++ b/manual/Pictures 2.0/Pictures 2.0.pptx
@@ -10805,945 +10805,35 @@
           <a:chExt cx="0" cy="0"/>
         </a:xfrm>
       </p:grpSpPr>
-      <p:grpSp>
-        <p:nvGrpSpPr>
-          <p:cNvPr id="3" name="Группа 2"/>
-          <p:cNvGrpSpPr/>
+      <p:pic>
+        <p:nvPicPr>
+          <p:cNvPr id="5" name="Picture 4">
+            <a:extLst>
+              <a:ext uri="{FF2B5EF4-FFF2-40B4-BE49-F238E27FC236}">
+                <a16:creationId xmlns:a16="http://schemas.microsoft.com/office/drawing/2014/main" id="{81E423BA-E652-635F-D8A2-2993B041BF0A}"/>
+              </a:ext>
+            </a:extLst>
+          </p:cNvPr>
+          <p:cNvPicPr>
+            <a:picLocks noChangeAspect="1"/>
+          </p:cNvPicPr>
           <p:nvPr/>
-        </p:nvGrpSpPr>
-        <p:grpSpPr>
+        </p:nvPicPr>
+        <p:blipFill rotWithShape="1">
+          <a:blip r:embed="rId2"/>
+          <a:srcRect l="7096" t="4270"/>
+          <a:stretch/>
+        </p:blipFill>
+        <p:spPr>
           <a:xfrm>
-            <a:off x="1381128" y="1690517"/>
-            <a:ext cx="6381750" cy="3455364"/>
-            <a:chOff x="1381128" y="1690517"/>
-            <a:chExt cx="6381750" cy="3455364"/>
+            <a:off x="580292" y="413238"/>
+            <a:ext cx="1884851" cy="993897"/>
           </a:xfrm>
-        </p:grpSpPr>
-        <p:pic>
-          <p:nvPicPr>
-            <p:cNvPr id="29" name="Рисунок 28"/>
-            <p:cNvPicPr>
-              <a:picLocks noChangeAspect="1"/>
-            </p:cNvPicPr>
-            <p:nvPr/>
-          </p:nvPicPr>
-          <p:blipFill>
-            <a:blip r:embed="rId2"/>
-            <a:stretch>
-              <a:fillRect/>
-            </a:stretch>
-          </p:blipFill>
-          <p:spPr>
-            <a:xfrm>
-              <a:off x="1381128" y="1707356"/>
-              <a:ext cx="6381750" cy="3438525"/>
-            </a:xfrm>
-            <a:prstGeom prst="rect">
-              <a:avLst/>
-            </a:prstGeom>
-          </p:spPr>
-        </p:pic>
-        <p:sp>
-          <p:nvSpPr>
-            <p:cNvPr id="56" name="Прямоугольник 55"/>
-            <p:cNvSpPr/>
-            <p:nvPr/>
-          </p:nvSpPr>
-          <p:spPr>
-            <a:xfrm>
-              <a:off x="1381128" y="1709737"/>
-              <a:ext cx="6381749" cy="316706"/>
-            </a:xfrm>
-            <a:prstGeom prst="rect">
-              <a:avLst/>
-            </a:prstGeom>
-            <a:solidFill>
-              <a:srgbClr val="002060">
-                <a:alpha val="20000"/>
-              </a:srgbClr>
-            </a:solidFill>
-          </p:spPr>
-          <p:style>
-            <a:lnRef idx="2">
-              <a:schemeClr val="accent1">
-                <a:shade val="50000"/>
-              </a:schemeClr>
-            </a:lnRef>
-            <a:fillRef idx="1">
-              <a:schemeClr val="accent1"/>
-            </a:fillRef>
-            <a:effectRef idx="0">
-              <a:schemeClr val="accent1"/>
-            </a:effectRef>
-            <a:fontRef idx="minor">
-              <a:schemeClr val="lt1"/>
-            </a:fontRef>
-          </p:style>
-          <p:txBody>
-            <a:bodyPr rtlCol="0" anchor="ctr"/>
-            <a:lstStyle/>
-            <a:p>
-              <a:pPr algn="ctr"/>
-              <a:endParaRPr lang="ru-RU"/>
-            </a:p>
-          </p:txBody>
-        </p:sp>
-        <p:sp>
-          <p:nvSpPr>
-            <p:cNvPr id="4" name="Прямоугольник 3"/>
-            <p:cNvSpPr/>
-            <p:nvPr/>
-          </p:nvSpPr>
-          <p:spPr>
-            <a:xfrm>
-              <a:off x="2895601" y="2333625"/>
-              <a:ext cx="4705350" cy="2514599"/>
-            </a:xfrm>
-            <a:prstGeom prst="rect">
-              <a:avLst/>
-            </a:prstGeom>
-            <a:solidFill>
-              <a:srgbClr val="002060">
-                <a:alpha val="20000"/>
-              </a:srgbClr>
-            </a:solidFill>
-          </p:spPr>
-          <p:style>
-            <a:lnRef idx="2">
-              <a:schemeClr val="accent1">
-                <a:shade val="50000"/>
-              </a:schemeClr>
-            </a:lnRef>
-            <a:fillRef idx="1">
-              <a:schemeClr val="accent1"/>
-            </a:fillRef>
-            <a:effectRef idx="0">
-              <a:schemeClr val="accent1"/>
-            </a:effectRef>
-            <a:fontRef idx="minor">
-              <a:schemeClr val="lt1"/>
-            </a:fontRef>
-          </p:style>
-          <p:txBody>
-            <a:bodyPr rtlCol="0" anchor="ctr"/>
-            <a:lstStyle/>
-            <a:p>
-              <a:pPr algn="ctr"/>
-              <a:endParaRPr lang="ru-RU"/>
-            </a:p>
-          </p:txBody>
-        </p:sp>
-        <p:cxnSp>
-          <p:nvCxnSpPr>
-            <p:cNvPr id="6" name="Прямая соединительная линия 5"/>
-            <p:cNvCxnSpPr/>
-            <p:nvPr/>
-          </p:nvCxnSpPr>
-          <p:spPr>
-            <a:xfrm flipH="1">
-              <a:off x="6943728" y="4162424"/>
-              <a:ext cx="657223" cy="685800"/>
-            </a:xfrm>
-            <a:prstGeom prst="line">
-              <a:avLst/>
-            </a:prstGeom>
-          </p:spPr>
-          <p:style>
-            <a:lnRef idx="1">
-              <a:schemeClr val="accent1"/>
-            </a:lnRef>
-            <a:fillRef idx="0">
-              <a:schemeClr val="accent1"/>
-            </a:fillRef>
-            <a:effectRef idx="0">
-              <a:schemeClr val="accent1"/>
-            </a:effectRef>
-            <a:fontRef idx="minor">
-              <a:schemeClr val="tx1"/>
-            </a:fontRef>
-          </p:style>
-        </p:cxnSp>
-        <p:cxnSp>
-          <p:nvCxnSpPr>
-            <p:cNvPr id="30" name="Прямая соединительная линия 29"/>
-            <p:cNvCxnSpPr/>
-            <p:nvPr/>
-          </p:nvCxnSpPr>
-          <p:spPr>
-            <a:xfrm flipH="1">
-              <a:off x="2895602" y="2333625"/>
-              <a:ext cx="1066798" cy="1121569"/>
-            </a:xfrm>
-            <a:prstGeom prst="line">
-              <a:avLst/>
-            </a:prstGeom>
-          </p:spPr>
-          <p:style>
-            <a:lnRef idx="1">
-              <a:schemeClr val="accent1"/>
-            </a:lnRef>
-            <a:fillRef idx="0">
-              <a:schemeClr val="accent1"/>
-            </a:fillRef>
-            <a:effectRef idx="0">
-              <a:schemeClr val="accent1"/>
-            </a:effectRef>
-            <a:fontRef idx="minor">
-              <a:schemeClr val="tx1"/>
-            </a:fontRef>
-          </p:style>
-        </p:cxnSp>
-        <p:cxnSp>
-          <p:nvCxnSpPr>
-            <p:cNvPr id="43" name="Прямая соединительная линия 42"/>
-            <p:cNvCxnSpPr/>
-            <p:nvPr/>
-          </p:nvCxnSpPr>
-          <p:spPr>
-            <a:xfrm flipH="1">
-              <a:off x="6534153" y="3726655"/>
-              <a:ext cx="1066798" cy="1121569"/>
-            </a:xfrm>
-            <a:prstGeom prst="line">
-              <a:avLst/>
-            </a:prstGeom>
-          </p:spPr>
-          <p:style>
-            <a:lnRef idx="1">
-              <a:schemeClr val="accent1"/>
-            </a:lnRef>
-            <a:fillRef idx="0">
-              <a:schemeClr val="accent1"/>
-            </a:fillRef>
-            <a:effectRef idx="0">
-              <a:schemeClr val="accent1"/>
-            </a:effectRef>
-            <a:fontRef idx="minor">
-              <a:schemeClr val="tx1"/>
-            </a:fontRef>
-          </p:style>
-        </p:cxnSp>
-        <p:cxnSp>
-          <p:nvCxnSpPr>
-            <p:cNvPr id="44" name="Прямая соединительная линия 43"/>
-            <p:cNvCxnSpPr/>
-            <p:nvPr/>
-          </p:nvCxnSpPr>
-          <p:spPr>
-            <a:xfrm flipH="1">
-              <a:off x="2895600" y="2333625"/>
-              <a:ext cx="657223" cy="685800"/>
-            </a:xfrm>
-            <a:prstGeom prst="line">
-              <a:avLst/>
-            </a:prstGeom>
-          </p:spPr>
-          <p:style>
-            <a:lnRef idx="1">
-              <a:schemeClr val="accent1"/>
-            </a:lnRef>
-            <a:fillRef idx="0">
-              <a:schemeClr val="accent1"/>
-            </a:fillRef>
-            <a:effectRef idx="0">
-              <a:schemeClr val="accent1"/>
-            </a:effectRef>
-            <a:fontRef idx="minor">
-              <a:schemeClr val="tx1"/>
-            </a:fontRef>
-          </p:style>
-        </p:cxnSp>
-        <p:cxnSp>
-          <p:nvCxnSpPr>
-            <p:cNvPr id="45" name="Прямая соединительная линия 44"/>
-            <p:cNvCxnSpPr/>
-            <p:nvPr/>
-          </p:nvCxnSpPr>
-          <p:spPr>
-            <a:xfrm flipH="1">
-              <a:off x="2895602" y="2333625"/>
-              <a:ext cx="1504948" cy="1600199"/>
-            </a:xfrm>
-            <a:prstGeom prst="line">
-              <a:avLst/>
-            </a:prstGeom>
-          </p:spPr>
-          <p:style>
-            <a:lnRef idx="1">
-              <a:schemeClr val="accent1"/>
-            </a:lnRef>
-            <a:fillRef idx="0">
-              <a:schemeClr val="accent1"/>
-            </a:fillRef>
-            <a:effectRef idx="0">
-              <a:schemeClr val="accent1"/>
-            </a:effectRef>
-            <a:fontRef idx="minor">
-              <a:schemeClr val="tx1"/>
-            </a:fontRef>
-          </p:style>
-        </p:cxnSp>
-        <p:cxnSp>
-          <p:nvCxnSpPr>
-            <p:cNvPr id="46" name="Прямая соединительная линия 45"/>
-            <p:cNvCxnSpPr/>
-            <p:nvPr/>
-          </p:nvCxnSpPr>
-          <p:spPr>
-            <a:xfrm flipH="1">
-              <a:off x="2895602" y="2333625"/>
-              <a:ext cx="2000248" cy="2109787"/>
-            </a:xfrm>
-            <a:prstGeom prst="line">
-              <a:avLst/>
-            </a:prstGeom>
-          </p:spPr>
-          <p:style>
-            <a:lnRef idx="1">
-              <a:schemeClr val="accent1"/>
-            </a:lnRef>
-            <a:fillRef idx="0">
-              <a:schemeClr val="accent1"/>
-            </a:fillRef>
-            <a:effectRef idx="0">
-              <a:schemeClr val="accent1"/>
-            </a:effectRef>
-            <a:fontRef idx="minor">
-              <a:schemeClr val="tx1"/>
-            </a:fontRef>
-          </p:style>
-        </p:cxnSp>
-        <p:cxnSp>
-          <p:nvCxnSpPr>
-            <p:cNvPr id="47" name="Прямая соединительная линия 46"/>
-            <p:cNvCxnSpPr/>
-            <p:nvPr/>
-          </p:nvCxnSpPr>
-          <p:spPr>
-            <a:xfrm flipH="1">
-              <a:off x="2895602" y="2333625"/>
-              <a:ext cx="2505073" cy="2524124"/>
-            </a:xfrm>
-            <a:prstGeom prst="line">
-              <a:avLst/>
-            </a:prstGeom>
-          </p:spPr>
-          <p:style>
-            <a:lnRef idx="1">
-              <a:schemeClr val="accent1"/>
-            </a:lnRef>
-            <a:fillRef idx="0">
-              <a:schemeClr val="accent1"/>
-            </a:fillRef>
-            <a:effectRef idx="0">
-              <a:schemeClr val="accent1"/>
-            </a:effectRef>
-            <a:fontRef idx="minor">
-              <a:schemeClr val="tx1"/>
-            </a:fontRef>
-          </p:style>
-        </p:cxnSp>
-        <p:cxnSp>
-          <p:nvCxnSpPr>
-            <p:cNvPr id="48" name="Прямая соединительная линия 47"/>
-            <p:cNvCxnSpPr/>
-            <p:nvPr/>
-          </p:nvCxnSpPr>
-          <p:spPr>
-            <a:xfrm flipH="1">
-              <a:off x="4895850" y="2324100"/>
-              <a:ext cx="2505073" cy="2524124"/>
-            </a:xfrm>
-            <a:prstGeom prst="line">
-              <a:avLst/>
-            </a:prstGeom>
-          </p:spPr>
-          <p:style>
-            <a:lnRef idx="1">
-              <a:schemeClr val="accent1"/>
-            </a:lnRef>
-            <a:fillRef idx="0">
-              <a:schemeClr val="accent1"/>
-            </a:fillRef>
-            <a:effectRef idx="0">
-              <a:schemeClr val="accent1"/>
-            </a:effectRef>
-            <a:fontRef idx="minor">
-              <a:schemeClr val="tx1"/>
-            </a:fontRef>
-          </p:style>
-        </p:cxnSp>
-        <p:cxnSp>
-          <p:nvCxnSpPr>
-            <p:cNvPr id="49" name="Прямая соединительная линия 48"/>
-            <p:cNvCxnSpPr/>
-            <p:nvPr/>
-          </p:nvCxnSpPr>
-          <p:spPr>
-            <a:xfrm flipH="1">
-              <a:off x="5600703" y="2747962"/>
-              <a:ext cx="2000248" cy="2109787"/>
-            </a:xfrm>
-            <a:prstGeom prst="line">
-              <a:avLst/>
-            </a:prstGeom>
-          </p:spPr>
-          <p:style>
-            <a:lnRef idx="1">
-              <a:schemeClr val="accent1"/>
-            </a:lnRef>
-            <a:fillRef idx="0">
-              <a:schemeClr val="accent1"/>
-            </a:fillRef>
-            <a:effectRef idx="0">
-              <a:schemeClr val="accent1"/>
-            </a:effectRef>
-            <a:fontRef idx="minor">
-              <a:schemeClr val="tx1"/>
-            </a:fontRef>
-          </p:style>
-        </p:cxnSp>
-        <p:cxnSp>
-          <p:nvCxnSpPr>
-            <p:cNvPr id="50" name="Прямая соединительная линия 49"/>
-            <p:cNvCxnSpPr/>
-            <p:nvPr/>
-          </p:nvCxnSpPr>
-          <p:spPr>
-            <a:xfrm flipH="1">
-              <a:off x="6096004" y="3248025"/>
-              <a:ext cx="1504948" cy="1600199"/>
-            </a:xfrm>
-            <a:prstGeom prst="line">
-              <a:avLst/>
-            </a:prstGeom>
-          </p:spPr>
-          <p:style>
-            <a:lnRef idx="1">
-              <a:schemeClr val="accent1"/>
-            </a:lnRef>
-            <a:fillRef idx="0">
-              <a:schemeClr val="accent1"/>
-            </a:fillRef>
-            <a:effectRef idx="0">
-              <a:schemeClr val="accent1"/>
-            </a:effectRef>
-            <a:fontRef idx="minor">
-              <a:schemeClr val="tx1"/>
-            </a:fontRef>
-          </p:style>
-        </p:cxnSp>
-        <p:cxnSp>
-          <p:nvCxnSpPr>
-            <p:cNvPr id="51" name="Прямая соединительная линия 50"/>
-            <p:cNvCxnSpPr/>
-            <p:nvPr/>
-          </p:nvCxnSpPr>
-          <p:spPr>
-            <a:xfrm flipH="1">
-              <a:off x="3357566" y="2333625"/>
-              <a:ext cx="2505073" cy="2524124"/>
-            </a:xfrm>
-            <a:prstGeom prst="line">
-              <a:avLst/>
-            </a:prstGeom>
-          </p:spPr>
-          <p:style>
-            <a:lnRef idx="1">
-              <a:schemeClr val="accent1"/>
-            </a:lnRef>
-            <a:fillRef idx="0">
-              <a:schemeClr val="accent1"/>
-            </a:fillRef>
-            <a:effectRef idx="0">
-              <a:schemeClr val="accent1"/>
-            </a:effectRef>
-            <a:fontRef idx="minor">
-              <a:schemeClr val="tx1"/>
-            </a:fontRef>
-          </p:style>
-        </p:cxnSp>
-        <p:cxnSp>
-          <p:nvCxnSpPr>
-            <p:cNvPr id="52" name="Прямая соединительная линия 51"/>
-            <p:cNvCxnSpPr/>
-            <p:nvPr/>
-          </p:nvCxnSpPr>
-          <p:spPr>
-            <a:xfrm flipH="1">
-              <a:off x="3876678" y="2333625"/>
-              <a:ext cx="2505073" cy="2524124"/>
-            </a:xfrm>
-            <a:prstGeom prst="line">
-              <a:avLst/>
-            </a:prstGeom>
-          </p:spPr>
-          <p:style>
-            <a:lnRef idx="1">
-              <a:schemeClr val="accent1"/>
-            </a:lnRef>
-            <a:fillRef idx="0">
-              <a:schemeClr val="accent1"/>
-            </a:fillRef>
-            <a:effectRef idx="0">
-              <a:schemeClr val="accent1"/>
-            </a:effectRef>
-            <a:fontRef idx="minor">
-              <a:schemeClr val="tx1"/>
-            </a:fontRef>
-          </p:style>
-        </p:cxnSp>
-        <p:cxnSp>
-          <p:nvCxnSpPr>
-            <p:cNvPr id="53" name="Прямая соединительная линия 52"/>
-            <p:cNvCxnSpPr/>
-            <p:nvPr/>
-          </p:nvCxnSpPr>
-          <p:spPr>
-            <a:xfrm flipH="1">
-              <a:off x="4371978" y="2333625"/>
-              <a:ext cx="2505073" cy="2524124"/>
-            </a:xfrm>
-            <a:prstGeom prst="line">
-              <a:avLst/>
-            </a:prstGeom>
-          </p:spPr>
-          <p:style>
-            <a:lnRef idx="1">
-              <a:schemeClr val="accent1"/>
-            </a:lnRef>
-            <a:fillRef idx="0">
-              <a:schemeClr val="accent1"/>
-            </a:fillRef>
-            <a:effectRef idx="0">
-              <a:schemeClr val="accent1"/>
-            </a:effectRef>
-            <a:fontRef idx="minor">
-              <a:schemeClr val="tx1"/>
-            </a:fontRef>
-          </p:style>
-        </p:cxnSp>
-        <p:cxnSp>
-          <p:nvCxnSpPr>
-            <p:cNvPr id="54" name="Прямая соединительная линия 53"/>
-            <p:cNvCxnSpPr/>
-            <p:nvPr/>
-          </p:nvCxnSpPr>
-          <p:spPr>
-            <a:xfrm flipH="1">
-              <a:off x="1432831" y="1700041"/>
-              <a:ext cx="307521" cy="316706"/>
-            </a:xfrm>
-            <a:prstGeom prst="line">
-              <a:avLst/>
-            </a:prstGeom>
-          </p:spPr>
-          <p:style>
-            <a:lnRef idx="1">
-              <a:schemeClr val="accent1"/>
-            </a:lnRef>
-            <a:fillRef idx="0">
-              <a:schemeClr val="accent1"/>
-            </a:fillRef>
-            <a:effectRef idx="0">
-              <a:schemeClr val="accent1"/>
-            </a:effectRef>
-            <a:fontRef idx="minor">
-              <a:schemeClr val="tx1"/>
-            </a:fontRef>
-          </p:style>
-        </p:cxnSp>
-        <p:cxnSp>
-          <p:nvCxnSpPr>
-            <p:cNvPr id="55" name="Прямая соединительная линия 54"/>
-            <p:cNvCxnSpPr/>
-            <p:nvPr/>
-          </p:nvCxnSpPr>
-          <p:spPr>
-            <a:xfrm flipH="1">
-              <a:off x="7303295" y="4552949"/>
-              <a:ext cx="300042" cy="300038"/>
-            </a:xfrm>
-            <a:prstGeom prst="line">
-              <a:avLst/>
-            </a:prstGeom>
-          </p:spPr>
-          <p:style>
-            <a:lnRef idx="1">
-              <a:schemeClr val="accent1"/>
-            </a:lnRef>
-            <a:fillRef idx="0">
-              <a:schemeClr val="accent1"/>
-            </a:fillRef>
-            <a:effectRef idx="0">
-              <a:schemeClr val="accent1"/>
-            </a:effectRef>
-            <a:fontRef idx="minor">
-              <a:schemeClr val="tx1"/>
-            </a:fontRef>
-          </p:style>
-        </p:cxnSp>
-        <p:cxnSp>
-          <p:nvCxnSpPr>
-            <p:cNvPr id="34" name="Прямая соединительная линия 33"/>
-            <p:cNvCxnSpPr/>
-            <p:nvPr/>
-          </p:nvCxnSpPr>
-          <p:spPr>
-            <a:xfrm flipH="1">
-              <a:off x="1918603" y="1690517"/>
-              <a:ext cx="307521" cy="316706"/>
-            </a:xfrm>
-            <a:prstGeom prst="line">
-              <a:avLst/>
-            </a:prstGeom>
-          </p:spPr>
-          <p:style>
-            <a:lnRef idx="1">
-              <a:schemeClr val="accent1"/>
-            </a:lnRef>
-            <a:fillRef idx="0">
-              <a:schemeClr val="accent1"/>
-            </a:fillRef>
-            <a:effectRef idx="0">
-              <a:schemeClr val="accent1"/>
-            </a:effectRef>
-            <a:fontRef idx="minor">
-              <a:schemeClr val="tx1"/>
-            </a:fontRef>
-          </p:style>
-        </p:cxnSp>
-        <p:cxnSp>
-          <p:nvCxnSpPr>
-            <p:cNvPr id="35" name="Прямая соединительная линия 34"/>
-            <p:cNvCxnSpPr/>
-            <p:nvPr/>
-          </p:nvCxnSpPr>
-          <p:spPr>
-            <a:xfrm flipH="1">
-              <a:off x="2404375" y="1716880"/>
-              <a:ext cx="307521" cy="316706"/>
-            </a:xfrm>
-            <a:prstGeom prst="line">
-              <a:avLst/>
-            </a:prstGeom>
-          </p:spPr>
-          <p:style>
-            <a:lnRef idx="1">
-              <a:schemeClr val="accent1"/>
-            </a:lnRef>
-            <a:fillRef idx="0">
-              <a:schemeClr val="accent1"/>
-            </a:fillRef>
-            <a:effectRef idx="0">
-              <a:schemeClr val="accent1"/>
-            </a:effectRef>
-            <a:fontRef idx="minor">
-              <a:schemeClr val="tx1"/>
-            </a:fontRef>
-          </p:style>
-        </p:cxnSp>
-        <p:cxnSp>
-          <p:nvCxnSpPr>
-            <p:cNvPr id="36" name="Прямая соединительная линия 35"/>
-            <p:cNvCxnSpPr/>
-            <p:nvPr/>
-          </p:nvCxnSpPr>
-          <p:spPr>
-            <a:xfrm flipH="1">
-              <a:off x="2890147" y="1707356"/>
-              <a:ext cx="307521" cy="316706"/>
-            </a:xfrm>
-            <a:prstGeom prst="line">
-              <a:avLst/>
-            </a:prstGeom>
-          </p:spPr>
-          <p:style>
-            <a:lnRef idx="1">
-              <a:schemeClr val="accent1"/>
-            </a:lnRef>
-            <a:fillRef idx="0">
-              <a:schemeClr val="accent1"/>
-            </a:fillRef>
-            <a:effectRef idx="0">
-              <a:schemeClr val="accent1"/>
-            </a:effectRef>
-            <a:fontRef idx="minor">
-              <a:schemeClr val="tx1"/>
-            </a:fontRef>
-          </p:style>
-        </p:cxnSp>
-        <p:cxnSp>
-          <p:nvCxnSpPr>
-            <p:cNvPr id="37" name="Прямая соединительная линия 36"/>
-            <p:cNvCxnSpPr/>
-            <p:nvPr/>
-          </p:nvCxnSpPr>
-          <p:spPr>
-            <a:xfrm flipH="1">
-              <a:off x="3357566" y="1709143"/>
-              <a:ext cx="307521" cy="316706"/>
-            </a:xfrm>
-            <a:prstGeom prst="line">
-              <a:avLst/>
-            </a:prstGeom>
-          </p:spPr>
-          <p:style>
-            <a:lnRef idx="1">
-              <a:schemeClr val="accent1"/>
-            </a:lnRef>
-            <a:fillRef idx="0">
-              <a:schemeClr val="accent1"/>
-            </a:fillRef>
-            <a:effectRef idx="0">
-              <a:schemeClr val="accent1"/>
-            </a:effectRef>
-            <a:fontRef idx="minor">
-              <a:schemeClr val="tx1"/>
-            </a:fontRef>
-          </p:style>
-        </p:cxnSp>
-        <p:cxnSp>
-          <p:nvCxnSpPr>
-            <p:cNvPr id="38" name="Прямая соединительная линия 37"/>
-            <p:cNvCxnSpPr/>
-            <p:nvPr/>
-          </p:nvCxnSpPr>
-          <p:spPr>
-            <a:xfrm flipH="1">
-              <a:off x="3843338" y="1707783"/>
-              <a:ext cx="307521" cy="316706"/>
-            </a:xfrm>
-            <a:prstGeom prst="line">
-              <a:avLst/>
-            </a:prstGeom>
-          </p:spPr>
-          <p:style>
-            <a:lnRef idx="1">
-              <a:schemeClr val="accent1"/>
-            </a:lnRef>
-            <a:fillRef idx="0">
-              <a:schemeClr val="accent1"/>
-            </a:fillRef>
-            <a:effectRef idx="0">
-              <a:schemeClr val="accent1"/>
-            </a:effectRef>
-            <a:fontRef idx="minor">
-              <a:schemeClr val="tx1"/>
-            </a:fontRef>
-          </p:style>
-        </p:cxnSp>
-        <p:cxnSp>
-          <p:nvCxnSpPr>
-            <p:cNvPr id="39" name="Прямая соединительная линия 38"/>
-            <p:cNvCxnSpPr/>
-            <p:nvPr/>
-          </p:nvCxnSpPr>
-          <p:spPr>
-            <a:xfrm flipH="1">
-              <a:off x="4329110" y="1717818"/>
-              <a:ext cx="307521" cy="316706"/>
-            </a:xfrm>
-            <a:prstGeom prst="line">
-              <a:avLst/>
-            </a:prstGeom>
-          </p:spPr>
-          <p:style>
-            <a:lnRef idx="1">
-              <a:schemeClr val="accent1"/>
-            </a:lnRef>
-            <a:fillRef idx="0">
-              <a:schemeClr val="accent1"/>
-            </a:fillRef>
-            <a:effectRef idx="0">
-              <a:schemeClr val="accent1"/>
-            </a:effectRef>
-            <a:fontRef idx="minor">
-              <a:schemeClr val="tx1"/>
-            </a:fontRef>
-          </p:style>
-        </p:cxnSp>
-        <p:cxnSp>
-          <p:nvCxnSpPr>
-            <p:cNvPr id="40" name="Прямая соединительная линия 39"/>
-            <p:cNvCxnSpPr/>
-            <p:nvPr/>
-          </p:nvCxnSpPr>
-          <p:spPr>
-            <a:xfrm flipH="1">
-              <a:off x="4814882" y="1708294"/>
-              <a:ext cx="307521" cy="316706"/>
-            </a:xfrm>
-            <a:prstGeom prst="line">
-              <a:avLst/>
-            </a:prstGeom>
-          </p:spPr>
-          <p:style>
-            <a:lnRef idx="1">
-              <a:schemeClr val="accent1"/>
-            </a:lnRef>
-            <a:fillRef idx="0">
-              <a:schemeClr val="accent1"/>
-            </a:fillRef>
-            <a:effectRef idx="0">
-              <a:schemeClr val="accent1"/>
-            </a:effectRef>
-            <a:fontRef idx="minor">
-              <a:schemeClr val="tx1"/>
-            </a:fontRef>
-          </p:style>
-        </p:cxnSp>
-        <p:cxnSp>
-          <p:nvCxnSpPr>
-            <p:cNvPr id="41" name="Прямая соединительная линия 40"/>
-            <p:cNvCxnSpPr/>
-            <p:nvPr/>
-          </p:nvCxnSpPr>
-          <p:spPr>
-            <a:xfrm flipH="1">
-              <a:off x="5250312" y="1700041"/>
-              <a:ext cx="307521" cy="316706"/>
-            </a:xfrm>
-            <a:prstGeom prst="line">
-              <a:avLst/>
-            </a:prstGeom>
-          </p:spPr>
-          <p:style>
-            <a:lnRef idx="1">
-              <a:schemeClr val="accent1"/>
-            </a:lnRef>
-            <a:fillRef idx="0">
-              <a:schemeClr val="accent1"/>
-            </a:fillRef>
-            <a:effectRef idx="0">
-              <a:schemeClr val="accent1"/>
-            </a:effectRef>
-            <a:fontRef idx="minor">
-              <a:schemeClr val="tx1"/>
-            </a:fontRef>
-          </p:style>
-        </p:cxnSp>
-        <p:cxnSp>
-          <p:nvCxnSpPr>
-            <p:cNvPr id="42" name="Прямая соединительная линия 41"/>
-            <p:cNvCxnSpPr/>
-            <p:nvPr/>
-          </p:nvCxnSpPr>
-          <p:spPr>
-            <a:xfrm flipH="1">
-              <a:off x="5736084" y="1690517"/>
-              <a:ext cx="307521" cy="316706"/>
-            </a:xfrm>
-            <a:prstGeom prst="line">
-              <a:avLst/>
-            </a:prstGeom>
-          </p:spPr>
-          <p:style>
-            <a:lnRef idx="1">
-              <a:schemeClr val="accent1"/>
-            </a:lnRef>
-            <a:fillRef idx="0">
-              <a:schemeClr val="accent1"/>
-            </a:fillRef>
-            <a:effectRef idx="0">
-              <a:schemeClr val="accent1"/>
-            </a:effectRef>
-            <a:fontRef idx="minor">
-              <a:schemeClr val="tx1"/>
-            </a:fontRef>
-          </p:style>
-        </p:cxnSp>
-        <p:cxnSp>
-          <p:nvCxnSpPr>
-            <p:cNvPr id="57" name="Прямая соединительная линия 56"/>
-            <p:cNvCxnSpPr/>
-            <p:nvPr/>
-          </p:nvCxnSpPr>
-          <p:spPr>
-            <a:xfrm flipH="1">
-              <a:off x="6221856" y="1716880"/>
-              <a:ext cx="307521" cy="316706"/>
-            </a:xfrm>
-            <a:prstGeom prst="line">
-              <a:avLst/>
-            </a:prstGeom>
-          </p:spPr>
-          <p:style>
-            <a:lnRef idx="1">
-              <a:schemeClr val="accent1"/>
-            </a:lnRef>
-            <a:fillRef idx="0">
-              <a:schemeClr val="accent1"/>
-            </a:fillRef>
-            <a:effectRef idx="0">
-              <a:schemeClr val="accent1"/>
-            </a:effectRef>
-            <a:fontRef idx="minor">
-              <a:schemeClr val="tx1"/>
-            </a:fontRef>
-          </p:style>
-        </p:cxnSp>
-        <p:cxnSp>
-          <p:nvCxnSpPr>
-            <p:cNvPr id="58" name="Прямая соединительная линия 57"/>
-            <p:cNvCxnSpPr/>
-            <p:nvPr/>
-          </p:nvCxnSpPr>
-          <p:spPr>
-            <a:xfrm flipH="1">
-              <a:off x="6707628" y="1707356"/>
-              <a:ext cx="307521" cy="316706"/>
-            </a:xfrm>
-            <a:prstGeom prst="line">
-              <a:avLst/>
-            </a:prstGeom>
-          </p:spPr>
-          <p:style>
-            <a:lnRef idx="1">
-              <a:schemeClr val="accent1"/>
-            </a:lnRef>
-            <a:fillRef idx="0">
-              <a:schemeClr val="accent1"/>
-            </a:fillRef>
-            <a:effectRef idx="0">
-              <a:schemeClr val="accent1"/>
-            </a:effectRef>
-            <a:fontRef idx="minor">
-              <a:schemeClr val="tx1"/>
-            </a:fontRef>
-          </p:style>
-        </p:cxnSp>
-        <p:cxnSp>
-          <p:nvCxnSpPr>
-            <p:cNvPr id="59" name="Прямая соединительная линия 58"/>
-            <p:cNvCxnSpPr/>
-            <p:nvPr/>
-          </p:nvCxnSpPr>
-          <p:spPr>
-            <a:xfrm flipH="1">
-              <a:off x="7175047" y="1709143"/>
-              <a:ext cx="307521" cy="316706"/>
-            </a:xfrm>
-            <a:prstGeom prst="line">
-              <a:avLst/>
-            </a:prstGeom>
-          </p:spPr>
-          <p:style>
-            <a:lnRef idx="1">
-              <a:schemeClr val="accent1"/>
-            </a:lnRef>
-            <a:fillRef idx="0">
-              <a:schemeClr val="accent1"/>
-            </a:fillRef>
-            <a:effectRef idx="0">
-              <a:schemeClr val="accent1"/>
-            </a:effectRef>
-            <a:fontRef idx="minor">
-              <a:schemeClr val="tx1"/>
-            </a:fontRef>
-          </p:style>
-        </p:cxnSp>
-      </p:grpSp>
+          <a:prstGeom prst="rect">
+            <a:avLst/>
+          </a:prstGeom>
+        </p:spPr>
+      </p:pic>
     </p:spTree>
     <p:extLst>
       <p:ext uri="{BB962C8B-B14F-4D97-AF65-F5344CB8AC3E}">

--- a/manual/Pictures 2.0/Pictures 2.0.pptx
+++ b/manual/Pictures 2.0/Pictures 2.0.pptx
@@ -10834,6 +10834,36 @@
           </a:prstGeom>
         </p:spPr>
       </p:pic>
+      <p:pic>
+        <p:nvPicPr>
+          <p:cNvPr id="8" name="Picture 7">
+            <a:extLst>
+              <a:ext uri="{FF2B5EF4-FFF2-40B4-BE49-F238E27FC236}">
+                <a16:creationId xmlns:a16="http://schemas.microsoft.com/office/drawing/2014/main" id="{91CDD1CA-6335-07F5-1714-799F076BA19C}"/>
+              </a:ext>
+            </a:extLst>
+          </p:cNvPr>
+          <p:cNvPicPr>
+            <a:picLocks noChangeAspect="1"/>
+          </p:cNvPicPr>
+          <p:nvPr/>
+        </p:nvPicPr>
+        <p:blipFill>
+          <a:blip r:embed="rId3"/>
+          <a:stretch>
+            <a:fillRect/>
+          </a:stretch>
+        </p:blipFill>
+        <p:spPr>
+          <a:xfrm>
+            <a:off x="2819033" y="627917"/>
+            <a:ext cx="1571625" cy="819150"/>
+          </a:xfrm>
+          <a:prstGeom prst="rect">
+            <a:avLst/>
+          </a:prstGeom>
+        </p:spPr>
+      </p:pic>
     </p:spTree>
     <p:extLst>
       <p:ext uri="{BB962C8B-B14F-4D97-AF65-F5344CB8AC3E}">

--- a/manual/Pictures 2.0/Pictures 2.0.pptx
+++ b/manual/Pictures 2.0/Pictures 2.0.pptx
@@ -21,10 +21,13 @@
     <p:sldId id="280" r:id="rId15"/>
     <p:sldId id="281" r:id="rId16"/>
     <p:sldId id="265" r:id="rId17"/>
-    <p:sldId id="266" r:id="rId18"/>
-    <p:sldId id="267" r:id="rId19"/>
-    <p:sldId id="268" r:id="rId20"/>
-    <p:sldId id="269" r:id="rId21"/>
+    <p:sldId id="283" r:id="rId18"/>
+    <p:sldId id="282" r:id="rId19"/>
+    <p:sldId id="284" r:id="rId20"/>
+    <p:sldId id="266" r:id="rId21"/>
+    <p:sldId id="267" r:id="rId22"/>
+    <p:sldId id="268" r:id="rId23"/>
+    <p:sldId id="269" r:id="rId24"/>
   </p:sldIdLst>
   <p:sldSz cx="9144000" cy="6858000" type="screen4x3"/>
   <p:notesSz cx="6858000" cy="9144000"/>
@@ -273,7 +276,7 @@
           <a:p>
             <a:fld id="{55465C39-D47E-4138-800A-7D6CA5F3257E}" type="datetimeFigureOut">
               <a:rPr lang="ru-RU" smtClean="0"/>
-              <a:t>21.10.2022</a:t>
+              <a:t>30.10.2022</a:t>
             </a:fld>
             <a:endParaRPr lang="ru-RU"/>
           </a:p>
@@ -443,7 +446,7 @@
           <a:p>
             <a:fld id="{55465C39-D47E-4138-800A-7D6CA5F3257E}" type="datetimeFigureOut">
               <a:rPr lang="ru-RU" smtClean="0"/>
-              <a:t>21.10.2022</a:t>
+              <a:t>30.10.2022</a:t>
             </a:fld>
             <a:endParaRPr lang="ru-RU"/>
           </a:p>
@@ -623,7 +626,7 @@
           <a:p>
             <a:fld id="{55465C39-D47E-4138-800A-7D6CA5F3257E}" type="datetimeFigureOut">
               <a:rPr lang="ru-RU" smtClean="0"/>
-              <a:t>21.10.2022</a:t>
+              <a:t>30.10.2022</a:t>
             </a:fld>
             <a:endParaRPr lang="ru-RU"/>
           </a:p>
@@ -793,7 +796,7 @@
           <a:p>
             <a:fld id="{55465C39-D47E-4138-800A-7D6CA5F3257E}" type="datetimeFigureOut">
               <a:rPr lang="ru-RU" smtClean="0"/>
-              <a:t>21.10.2022</a:t>
+              <a:t>30.10.2022</a:t>
             </a:fld>
             <a:endParaRPr lang="ru-RU"/>
           </a:p>
@@ -1037,7 +1040,7 @@
           <a:p>
             <a:fld id="{55465C39-D47E-4138-800A-7D6CA5F3257E}" type="datetimeFigureOut">
               <a:rPr lang="ru-RU" smtClean="0"/>
-              <a:t>21.10.2022</a:t>
+              <a:t>30.10.2022</a:t>
             </a:fld>
             <a:endParaRPr lang="ru-RU"/>
           </a:p>
@@ -1269,7 +1272,7 @@
           <a:p>
             <a:fld id="{55465C39-D47E-4138-800A-7D6CA5F3257E}" type="datetimeFigureOut">
               <a:rPr lang="ru-RU" smtClean="0"/>
-              <a:t>21.10.2022</a:t>
+              <a:t>30.10.2022</a:t>
             </a:fld>
             <a:endParaRPr lang="ru-RU"/>
           </a:p>
@@ -1636,7 +1639,7 @@
           <a:p>
             <a:fld id="{55465C39-D47E-4138-800A-7D6CA5F3257E}" type="datetimeFigureOut">
               <a:rPr lang="ru-RU" smtClean="0"/>
-              <a:t>21.10.2022</a:t>
+              <a:t>30.10.2022</a:t>
             </a:fld>
             <a:endParaRPr lang="ru-RU"/>
           </a:p>
@@ -1754,7 +1757,7 @@
           <a:p>
             <a:fld id="{55465C39-D47E-4138-800A-7D6CA5F3257E}" type="datetimeFigureOut">
               <a:rPr lang="ru-RU" smtClean="0"/>
-              <a:t>21.10.2022</a:t>
+              <a:t>30.10.2022</a:t>
             </a:fld>
             <a:endParaRPr lang="ru-RU"/>
           </a:p>
@@ -1849,7 +1852,7 @@
           <a:p>
             <a:fld id="{55465C39-D47E-4138-800A-7D6CA5F3257E}" type="datetimeFigureOut">
               <a:rPr lang="ru-RU" smtClean="0"/>
-              <a:t>21.10.2022</a:t>
+              <a:t>30.10.2022</a:t>
             </a:fld>
             <a:endParaRPr lang="ru-RU"/>
           </a:p>
@@ -2126,7 +2129,7 @@
           <a:p>
             <a:fld id="{55465C39-D47E-4138-800A-7D6CA5F3257E}" type="datetimeFigureOut">
               <a:rPr lang="ru-RU" smtClean="0"/>
-              <a:t>21.10.2022</a:t>
+              <a:t>30.10.2022</a:t>
             </a:fld>
             <a:endParaRPr lang="ru-RU"/>
           </a:p>
@@ -2383,7 +2386,7 @@
           <a:p>
             <a:fld id="{55465C39-D47E-4138-800A-7D6CA5F3257E}" type="datetimeFigureOut">
               <a:rPr lang="ru-RU" smtClean="0"/>
-              <a:t>21.10.2022</a:t>
+              <a:t>30.10.2022</a:t>
             </a:fld>
             <a:endParaRPr lang="ru-RU"/>
           </a:p>
@@ -2596,7 +2599,7 @@
           <a:p>
             <a:fld id="{55465C39-D47E-4138-800A-7D6CA5F3257E}" type="datetimeFigureOut">
               <a:rPr lang="ru-RU" smtClean="0"/>
-              <a:t>21.10.2022</a:t>
+              <a:t>30.10.2022</a:t>
             </a:fld>
             <a:endParaRPr lang="ru-RU"/>
           </a:p>
@@ -10826,7 +10829,7 @@
         </p:blipFill>
         <p:spPr>
           <a:xfrm>
-            <a:off x="580292" y="413238"/>
+            <a:off x="7259149" y="184638"/>
             <a:ext cx="1884851" cy="993897"/>
           </a:xfrm>
           <a:prstGeom prst="rect">
@@ -10856,7 +10859,7 @@
         </p:blipFill>
         <p:spPr>
           <a:xfrm>
-            <a:off x="2819033" y="627917"/>
+            <a:off x="7572375" y="1283237"/>
             <a:ext cx="1571625" cy="819150"/>
           </a:xfrm>
           <a:prstGeom prst="rect">
@@ -10864,6 +10867,397 @@
           </a:prstGeom>
         </p:spPr>
       </p:pic>
+      <p:grpSp>
+        <p:nvGrpSpPr>
+          <p:cNvPr id="29" name="Group 28">
+            <a:extLst>
+              <a:ext uri="{FF2B5EF4-FFF2-40B4-BE49-F238E27FC236}">
+                <a16:creationId xmlns:a16="http://schemas.microsoft.com/office/drawing/2014/main" id="{7E8F08ED-611D-001C-7DBD-C702455FA740}"/>
+              </a:ext>
+            </a:extLst>
+          </p:cNvPr>
+          <p:cNvGrpSpPr/>
+          <p:nvPr/>
+        </p:nvGrpSpPr>
+        <p:grpSpPr>
+          <a:xfrm>
+            <a:off x="67994" y="0"/>
+            <a:ext cx="5760720" cy="6055282"/>
+            <a:chOff x="67994" y="0"/>
+            <a:chExt cx="5760720" cy="6055282"/>
+          </a:xfrm>
+        </p:grpSpPr>
+        <p:grpSp>
+          <p:nvGrpSpPr>
+            <p:cNvPr id="23" name="Group 22">
+              <a:extLst>
+                <a:ext uri="{FF2B5EF4-FFF2-40B4-BE49-F238E27FC236}">
+                  <a16:creationId xmlns:a16="http://schemas.microsoft.com/office/drawing/2014/main" id="{AFB3E54D-542D-5E07-EEF8-4D2203727654}"/>
+                </a:ext>
+              </a:extLst>
+            </p:cNvPr>
+            <p:cNvGrpSpPr/>
+            <p:nvPr/>
+          </p:nvGrpSpPr>
+          <p:grpSpPr>
+            <a:xfrm>
+              <a:off x="67994" y="0"/>
+              <a:ext cx="5760720" cy="5671038"/>
+              <a:chOff x="199878" y="118452"/>
+              <a:chExt cx="5760720" cy="5671038"/>
+            </a:xfrm>
+          </p:grpSpPr>
+          <p:grpSp>
+            <p:nvGrpSpPr>
+              <p:cNvPr id="9" name="Group 8">
+                <a:extLst>
+                  <a:ext uri="{FF2B5EF4-FFF2-40B4-BE49-F238E27FC236}">
+                    <a16:creationId xmlns:a16="http://schemas.microsoft.com/office/drawing/2014/main" id="{2037EB8F-1245-8705-582F-176097A01660}"/>
+                  </a:ext>
+                </a:extLst>
+              </p:cNvPr>
+              <p:cNvGrpSpPr/>
+              <p:nvPr/>
+            </p:nvGrpSpPr>
+            <p:grpSpPr>
+              <a:xfrm>
+                <a:off x="199878" y="118452"/>
+                <a:ext cx="5760720" cy="5279683"/>
+                <a:chOff x="495886" y="1505292"/>
+                <a:chExt cx="5760720" cy="5279683"/>
+              </a:xfrm>
+            </p:grpSpPr>
+            <p:pic>
+              <p:nvPicPr>
+                <p:cNvPr id="2" name="Picture 1" descr="Chart&#10;&#10;Description automatically generated">
+                  <a:extLst>
+                    <a:ext uri="{FF2B5EF4-FFF2-40B4-BE49-F238E27FC236}">
+                      <a16:creationId xmlns:a16="http://schemas.microsoft.com/office/drawing/2014/main" id="{42597A7A-F43B-F972-C3FF-C25FCD20F8A3}"/>
+                    </a:ext>
+                  </a:extLst>
+                </p:cNvPr>
+                <p:cNvPicPr>
+                  <a:picLocks noChangeAspect="1"/>
+                </p:cNvPicPr>
+                <p:nvPr/>
+              </p:nvPicPr>
+              <p:blipFill>
+                <a:blip r:embed="rId4">
+                  <a:extLst>
+                    <a:ext uri="{28A0092B-C50C-407E-A947-70E740481C1C}">
+                      <a14:useLocalDpi xmlns:a14="http://schemas.microsoft.com/office/drawing/2010/main" val="0"/>
+                    </a:ext>
+                  </a:extLst>
+                </a:blip>
+                <a:stretch>
+                  <a:fillRect/>
+                </a:stretch>
+              </p:blipFill>
+              <p:spPr>
+                <a:xfrm>
+                  <a:off x="495886" y="1505292"/>
+                  <a:ext cx="5760720" cy="5264785"/>
+                </a:xfrm>
+                <a:prstGeom prst="rect">
+                  <a:avLst/>
+                </a:prstGeom>
+              </p:spPr>
+            </p:pic>
+            <p:sp>
+              <p:nvSpPr>
+                <p:cNvPr id="3" name="Rectangle: Rounded Corners 2">
+                  <a:extLst>
+                    <a:ext uri="{FF2B5EF4-FFF2-40B4-BE49-F238E27FC236}">
+                      <a16:creationId xmlns:a16="http://schemas.microsoft.com/office/drawing/2014/main" id="{6DF0473F-9273-7201-FB75-BE3053E0AD33}"/>
+                    </a:ext>
+                  </a:extLst>
+                </p:cNvPr>
+                <p:cNvSpPr/>
+                <p:nvPr/>
+              </p:nvSpPr>
+              <p:spPr>
+                <a:xfrm>
+                  <a:off x="1447799" y="3550921"/>
+                  <a:ext cx="4076701" cy="266700"/>
+                </a:xfrm>
+                <a:prstGeom prst="roundRect">
+                  <a:avLst>
+                    <a:gd name="adj" fmla="val 36070"/>
+                  </a:avLst>
+                </a:prstGeom>
+                <a:noFill/>
+                <a:ln w="19050">
+                  <a:solidFill>
+                    <a:srgbClr val="FF0000"/>
+                  </a:solidFill>
+                </a:ln>
+              </p:spPr>
+              <p:style>
+                <a:lnRef idx="2">
+                  <a:schemeClr val="accent6"/>
+                </a:lnRef>
+                <a:fillRef idx="1">
+                  <a:schemeClr val="lt1"/>
+                </a:fillRef>
+                <a:effectRef idx="0">
+                  <a:schemeClr val="accent6"/>
+                </a:effectRef>
+                <a:fontRef idx="minor">
+                  <a:schemeClr val="dk1"/>
+                </a:fontRef>
+              </p:style>
+              <p:txBody>
+                <a:bodyPr rtlCol="0" anchor="ctr"/>
+                <a:lstStyle/>
+                <a:p>
+                  <a:pPr algn="ctr"/>
+                  <a:endParaRPr lang="en-US" dirty="0"/>
+                </a:p>
+              </p:txBody>
+            </p:sp>
+            <p:sp>
+              <p:nvSpPr>
+                <p:cNvPr id="6" name="Овал 2">
+                  <a:extLst>
+                    <a:ext uri="{FF2B5EF4-FFF2-40B4-BE49-F238E27FC236}">
+                      <a16:creationId xmlns:a16="http://schemas.microsoft.com/office/drawing/2014/main" id="{4145A5D9-0A4B-59CF-F1C8-B7F2C945BFAA}"/>
+                    </a:ext>
+                  </a:extLst>
+                </p:cNvPr>
+                <p:cNvSpPr/>
+                <p:nvPr/>
+              </p:nvSpPr>
+              <p:spPr>
+                <a:xfrm>
+                  <a:off x="3081997" y="6597650"/>
+                  <a:ext cx="549226" cy="187325"/>
+                </a:xfrm>
+                <a:prstGeom prst="ellipse">
+                  <a:avLst/>
+                </a:prstGeom>
+                <a:noFill/>
+                <a:ln w="19050">
+                  <a:solidFill>
+                    <a:srgbClr val="FF0000"/>
+                  </a:solidFill>
+                </a:ln>
+              </p:spPr>
+              <p:style>
+                <a:lnRef idx="2">
+                  <a:schemeClr val="accent1">
+                    <a:shade val="50000"/>
+                  </a:schemeClr>
+                </a:lnRef>
+                <a:fillRef idx="1">
+                  <a:schemeClr val="accent1"/>
+                </a:fillRef>
+                <a:effectRef idx="0">
+                  <a:schemeClr val="accent1"/>
+                </a:effectRef>
+                <a:fontRef idx="minor">
+                  <a:schemeClr val="lt1"/>
+                </a:fontRef>
+              </p:style>
+              <p:txBody>
+                <a:bodyPr rtlCol="0" anchor="ctr"/>
+                <a:lstStyle/>
+                <a:p>
+                  <a:pPr algn="ctr"/>
+                  <a:endParaRPr lang="ru-RU"/>
+                </a:p>
+              </p:txBody>
+            </p:sp>
+          </p:grpSp>
+          <p:cxnSp>
+            <p:nvCxnSpPr>
+              <p:cNvPr id="10" name="Straight Arrow Connector 9">
+                <a:extLst>
+                  <a:ext uri="{FF2B5EF4-FFF2-40B4-BE49-F238E27FC236}">
+                    <a16:creationId xmlns:a16="http://schemas.microsoft.com/office/drawing/2014/main" id="{F318D275-8265-75EA-ADBB-8429D6FA1BD5}"/>
+                  </a:ext>
+                </a:extLst>
+              </p:cNvPr>
+              <p:cNvCxnSpPr>
+                <a:cxnSpLocks/>
+              </p:cNvCxnSpPr>
+              <p:nvPr/>
+            </p:nvCxnSpPr>
+            <p:spPr>
+              <a:xfrm flipH="1" flipV="1">
+                <a:off x="4259580" y="2461260"/>
+                <a:ext cx="464820" cy="1135380"/>
+              </a:xfrm>
+              <a:prstGeom prst="straightConnector1">
+                <a:avLst/>
+              </a:prstGeom>
+              <a:ln w="15875">
+                <a:solidFill>
+                  <a:srgbClr val="FF0000"/>
+                </a:solidFill>
+                <a:headEnd type="none" w="med" len="med"/>
+                <a:tailEnd type="stealth" w="lg" len="lg"/>
+              </a:ln>
+            </p:spPr>
+            <p:style>
+              <a:lnRef idx="1">
+                <a:schemeClr val="accent1"/>
+              </a:lnRef>
+              <a:fillRef idx="0">
+                <a:schemeClr val="accent1"/>
+              </a:fillRef>
+              <a:effectRef idx="0">
+                <a:schemeClr val="accent1"/>
+              </a:effectRef>
+              <a:fontRef idx="minor">
+                <a:schemeClr val="tx1"/>
+              </a:fontRef>
+            </p:style>
+          </p:cxnSp>
+          <p:sp>
+            <p:nvSpPr>
+              <p:cNvPr id="19" name="TextBox 18">
+                <a:extLst>
+                  <a:ext uri="{FF2B5EF4-FFF2-40B4-BE49-F238E27FC236}">
+                    <a16:creationId xmlns:a16="http://schemas.microsoft.com/office/drawing/2014/main" id="{1B229C74-2E52-524A-BFC5-9A29187874D5}"/>
+                  </a:ext>
+                </a:extLst>
+              </p:cNvPr>
+              <p:cNvSpPr txBox="1"/>
+              <p:nvPr/>
+            </p:nvSpPr>
+            <p:spPr>
+              <a:xfrm>
+                <a:off x="4124178" y="3581400"/>
+                <a:ext cx="1230336" cy="276999"/>
+              </a:xfrm>
+              <a:prstGeom prst="rect">
+                <a:avLst/>
+              </a:prstGeom>
+              <a:noFill/>
+            </p:spPr>
+            <p:txBody>
+              <a:bodyPr wrap="square" rtlCol="0">
+                <a:spAutoFit/>
+              </a:bodyPr>
+              <a:lstStyle/>
+              <a:p>
+                <a:pPr algn="ctr"/>
+                <a:r>
+                  <a:rPr lang="ru-RU" sz="1200" dirty="0">
+                    <a:solidFill>
+                      <a:srgbClr val="FF0000"/>
+                    </a:solidFill>
+                    <a:latin typeface="Times New Roman" panose="02020603050405020304" pitchFamily="18" charset="0"/>
+                    <a:cs typeface="Times New Roman" panose="02020603050405020304" pitchFamily="18" charset="0"/>
+                  </a:rPr>
+                  <a:t>Путь к файлу</a:t>
+                </a:r>
+                <a:endParaRPr lang="en-US" sz="1200" dirty="0">
+                  <a:solidFill>
+                    <a:srgbClr val="FF0000"/>
+                  </a:solidFill>
+                  <a:latin typeface="Times New Roman" panose="02020603050405020304" pitchFamily="18" charset="0"/>
+                  <a:cs typeface="Times New Roman" panose="02020603050405020304" pitchFamily="18" charset="0"/>
+                </a:endParaRPr>
+              </a:p>
+            </p:txBody>
+          </p:sp>
+          <p:cxnSp>
+            <p:nvCxnSpPr>
+              <p:cNvPr id="22" name="Straight Arrow Connector 21">
+                <a:extLst>
+                  <a:ext uri="{FF2B5EF4-FFF2-40B4-BE49-F238E27FC236}">
+                    <a16:creationId xmlns:a16="http://schemas.microsoft.com/office/drawing/2014/main" id="{C267E9BA-F2AF-4175-AC0E-AEFE2BB7706F}"/>
+                  </a:ext>
+                </a:extLst>
+              </p:cNvPr>
+              <p:cNvCxnSpPr>
+                <a:cxnSpLocks/>
+              </p:cNvCxnSpPr>
+              <p:nvPr/>
+            </p:nvCxnSpPr>
+            <p:spPr>
+              <a:xfrm flipV="1">
+                <a:off x="2743199" y="5421924"/>
+                <a:ext cx="309491" cy="367566"/>
+              </a:xfrm>
+              <a:prstGeom prst="straightConnector1">
+                <a:avLst/>
+              </a:prstGeom>
+              <a:ln w="15875">
+                <a:solidFill>
+                  <a:srgbClr val="FF0000"/>
+                </a:solidFill>
+                <a:headEnd type="none" w="med" len="med"/>
+                <a:tailEnd type="stealth" w="lg" len="lg"/>
+              </a:ln>
+            </p:spPr>
+            <p:style>
+              <a:lnRef idx="1">
+                <a:schemeClr val="accent1"/>
+              </a:lnRef>
+              <a:fillRef idx="0">
+                <a:schemeClr val="accent1"/>
+              </a:fillRef>
+              <a:effectRef idx="0">
+                <a:schemeClr val="accent1"/>
+              </a:effectRef>
+              <a:fontRef idx="minor">
+                <a:schemeClr val="tx1"/>
+              </a:fontRef>
+            </p:style>
+          </p:cxnSp>
+        </p:grpSp>
+        <p:sp>
+          <p:nvSpPr>
+            <p:cNvPr id="25" name="TextBox 24">
+              <a:extLst>
+                <a:ext uri="{FF2B5EF4-FFF2-40B4-BE49-F238E27FC236}">
+                  <a16:creationId xmlns:a16="http://schemas.microsoft.com/office/drawing/2014/main" id="{A6321DAC-FAA1-CA95-412E-DB96A6D7DA4B}"/>
+                </a:ext>
+              </a:extLst>
+            </p:cNvPr>
+            <p:cNvSpPr txBox="1"/>
+            <p:nvPr/>
+          </p:nvSpPr>
+          <p:spPr>
+            <a:xfrm>
+              <a:off x="1761979" y="5593617"/>
+              <a:ext cx="1288952" cy="461665"/>
+            </a:xfrm>
+            <a:prstGeom prst="rect">
+              <a:avLst/>
+            </a:prstGeom>
+            <a:noFill/>
+          </p:spPr>
+          <p:txBody>
+            <a:bodyPr wrap="square" rtlCol="0">
+              <a:spAutoFit/>
+            </a:bodyPr>
+            <a:lstStyle/>
+            <a:p>
+              <a:pPr algn="ctr"/>
+              <a:r>
+                <a:rPr lang="ru-RU" sz="1200" dirty="0">
+                  <a:solidFill>
+                    <a:srgbClr val="FF0000"/>
+                  </a:solidFill>
+                  <a:latin typeface="Times New Roman" panose="02020603050405020304" pitchFamily="18" charset="0"/>
+                  <a:cs typeface="Times New Roman" panose="02020603050405020304" pitchFamily="18" charset="0"/>
+                </a:rPr>
+                <a:t>Перезагрузить тот же файл</a:t>
+              </a:r>
+              <a:endParaRPr lang="en-US" sz="1200" dirty="0">
+                <a:solidFill>
+                  <a:srgbClr val="FF0000"/>
+                </a:solidFill>
+                <a:latin typeface="Times New Roman" panose="02020603050405020304" pitchFamily="18" charset="0"/>
+                <a:cs typeface="Times New Roman" panose="02020603050405020304" pitchFamily="18" charset="0"/>
+              </a:endParaRPr>
+            </a:p>
+          </p:txBody>
+        </p:sp>
+      </p:grpSp>
     </p:spTree>
     <p:extLst>
       <p:ext uri="{BB962C8B-B14F-4D97-AF65-F5344CB8AC3E}">
@@ -10878,6 +11272,1902 @@
 </file>
 
 <file path=ppt/slides/slide17.xml><?xml version="1.0" encoding="utf-8"?>
+<p:sld xmlns:a="http://schemas.openxmlformats.org/drawingml/2006/main" xmlns:r="http://schemas.openxmlformats.org/officeDocument/2006/relationships" xmlns:p="http://schemas.openxmlformats.org/presentationml/2006/main">
+  <p:cSld>
+    <p:spTree>
+      <p:nvGrpSpPr>
+        <p:cNvPr id="1" name=""/>
+        <p:cNvGrpSpPr/>
+        <p:nvPr/>
+      </p:nvGrpSpPr>
+      <p:grpSpPr>
+        <a:xfrm>
+          <a:off x="0" y="0"/>
+          <a:ext cx="0" cy="0"/>
+          <a:chOff x="0" y="0"/>
+          <a:chExt cx="0" cy="0"/>
+        </a:xfrm>
+      </p:grpSpPr>
+      <p:grpSp>
+        <p:nvGrpSpPr>
+          <p:cNvPr id="29" name="Group 28">
+            <a:extLst>
+              <a:ext uri="{FF2B5EF4-FFF2-40B4-BE49-F238E27FC236}">
+                <a16:creationId xmlns:a16="http://schemas.microsoft.com/office/drawing/2014/main" id="{7E8F08ED-611D-001C-7DBD-C702455FA740}"/>
+              </a:ext>
+            </a:extLst>
+          </p:cNvPr>
+          <p:cNvGrpSpPr/>
+          <p:nvPr/>
+        </p:nvGrpSpPr>
+        <p:grpSpPr>
+          <a:xfrm>
+            <a:off x="67994" y="0"/>
+            <a:ext cx="5760720" cy="5870616"/>
+            <a:chOff x="67994" y="0"/>
+            <a:chExt cx="5760720" cy="5870616"/>
+          </a:xfrm>
+        </p:grpSpPr>
+        <p:grpSp>
+          <p:nvGrpSpPr>
+            <p:cNvPr id="23" name="Group 22">
+              <a:extLst>
+                <a:ext uri="{FF2B5EF4-FFF2-40B4-BE49-F238E27FC236}">
+                  <a16:creationId xmlns:a16="http://schemas.microsoft.com/office/drawing/2014/main" id="{AFB3E54D-542D-5E07-EEF8-4D2203727654}"/>
+                </a:ext>
+              </a:extLst>
+            </p:cNvPr>
+            <p:cNvGrpSpPr/>
+            <p:nvPr/>
+          </p:nvGrpSpPr>
+          <p:grpSpPr>
+            <a:xfrm>
+              <a:off x="67994" y="0"/>
+              <a:ext cx="5760720" cy="5671038"/>
+              <a:chOff x="199878" y="118452"/>
+              <a:chExt cx="5760720" cy="5671038"/>
+            </a:xfrm>
+          </p:grpSpPr>
+          <p:grpSp>
+            <p:nvGrpSpPr>
+              <p:cNvPr id="9" name="Group 8">
+                <a:extLst>
+                  <a:ext uri="{FF2B5EF4-FFF2-40B4-BE49-F238E27FC236}">
+                    <a16:creationId xmlns:a16="http://schemas.microsoft.com/office/drawing/2014/main" id="{2037EB8F-1245-8705-582F-176097A01660}"/>
+                  </a:ext>
+                </a:extLst>
+              </p:cNvPr>
+              <p:cNvGrpSpPr/>
+              <p:nvPr/>
+            </p:nvGrpSpPr>
+            <p:grpSpPr>
+              <a:xfrm>
+                <a:off x="199878" y="118452"/>
+                <a:ext cx="5760720" cy="5279683"/>
+                <a:chOff x="495886" y="1505292"/>
+                <a:chExt cx="5760720" cy="5279683"/>
+              </a:xfrm>
+            </p:grpSpPr>
+            <p:pic>
+              <p:nvPicPr>
+                <p:cNvPr id="2" name="Picture 1" descr="Chart&#10;&#10;Description automatically generated">
+                  <a:extLst>
+                    <a:ext uri="{FF2B5EF4-FFF2-40B4-BE49-F238E27FC236}">
+                      <a16:creationId xmlns:a16="http://schemas.microsoft.com/office/drawing/2014/main" id="{42597A7A-F43B-F972-C3FF-C25FCD20F8A3}"/>
+                    </a:ext>
+                  </a:extLst>
+                </p:cNvPr>
+                <p:cNvPicPr>
+                  <a:picLocks noChangeAspect="1"/>
+                </p:cNvPicPr>
+                <p:nvPr/>
+              </p:nvPicPr>
+              <p:blipFill>
+                <a:blip r:embed="rId2">
+                  <a:extLst>
+                    <a:ext uri="{28A0092B-C50C-407E-A947-70E740481C1C}">
+                      <a14:useLocalDpi xmlns:a14="http://schemas.microsoft.com/office/drawing/2010/main" val="0"/>
+                    </a:ext>
+                  </a:extLst>
+                </a:blip>
+                <a:stretch>
+                  <a:fillRect/>
+                </a:stretch>
+              </p:blipFill>
+              <p:spPr>
+                <a:xfrm>
+                  <a:off x="495886" y="1505292"/>
+                  <a:ext cx="5760720" cy="5264785"/>
+                </a:xfrm>
+                <a:prstGeom prst="rect">
+                  <a:avLst/>
+                </a:prstGeom>
+              </p:spPr>
+            </p:pic>
+            <p:sp>
+              <p:nvSpPr>
+                <p:cNvPr id="3" name="Rectangle: Rounded Corners 2">
+                  <a:extLst>
+                    <a:ext uri="{FF2B5EF4-FFF2-40B4-BE49-F238E27FC236}">
+                      <a16:creationId xmlns:a16="http://schemas.microsoft.com/office/drawing/2014/main" id="{6DF0473F-9273-7201-FB75-BE3053E0AD33}"/>
+                    </a:ext>
+                  </a:extLst>
+                </p:cNvPr>
+                <p:cNvSpPr/>
+                <p:nvPr/>
+              </p:nvSpPr>
+              <p:spPr>
+                <a:xfrm>
+                  <a:off x="1447799" y="3550921"/>
+                  <a:ext cx="4076701" cy="266700"/>
+                </a:xfrm>
+                <a:prstGeom prst="roundRect">
+                  <a:avLst>
+                    <a:gd name="adj" fmla="val 36070"/>
+                  </a:avLst>
+                </a:prstGeom>
+                <a:noFill/>
+                <a:ln w="19050">
+                  <a:solidFill>
+                    <a:srgbClr val="FF0000"/>
+                  </a:solidFill>
+                </a:ln>
+              </p:spPr>
+              <p:style>
+                <a:lnRef idx="2">
+                  <a:schemeClr val="accent6"/>
+                </a:lnRef>
+                <a:fillRef idx="1">
+                  <a:schemeClr val="lt1"/>
+                </a:fillRef>
+                <a:effectRef idx="0">
+                  <a:schemeClr val="accent6"/>
+                </a:effectRef>
+                <a:fontRef idx="minor">
+                  <a:schemeClr val="dk1"/>
+                </a:fontRef>
+              </p:style>
+              <p:txBody>
+                <a:bodyPr rtlCol="0" anchor="ctr"/>
+                <a:lstStyle/>
+                <a:p>
+                  <a:pPr algn="ctr"/>
+                  <a:endParaRPr lang="en-US" dirty="0"/>
+                </a:p>
+              </p:txBody>
+            </p:sp>
+            <p:sp>
+              <p:nvSpPr>
+                <p:cNvPr id="6" name="Овал 2">
+                  <a:extLst>
+                    <a:ext uri="{FF2B5EF4-FFF2-40B4-BE49-F238E27FC236}">
+                      <a16:creationId xmlns:a16="http://schemas.microsoft.com/office/drawing/2014/main" id="{4145A5D9-0A4B-59CF-F1C8-B7F2C945BFAA}"/>
+                    </a:ext>
+                  </a:extLst>
+                </p:cNvPr>
+                <p:cNvSpPr/>
+                <p:nvPr/>
+              </p:nvSpPr>
+              <p:spPr>
+                <a:xfrm>
+                  <a:off x="3081997" y="6597650"/>
+                  <a:ext cx="549226" cy="187325"/>
+                </a:xfrm>
+                <a:prstGeom prst="ellipse">
+                  <a:avLst/>
+                </a:prstGeom>
+                <a:noFill/>
+                <a:ln w="19050">
+                  <a:solidFill>
+                    <a:srgbClr val="FF0000"/>
+                  </a:solidFill>
+                </a:ln>
+              </p:spPr>
+              <p:style>
+                <a:lnRef idx="2">
+                  <a:schemeClr val="accent1">
+                    <a:shade val="50000"/>
+                  </a:schemeClr>
+                </a:lnRef>
+                <a:fillRef idx="1">
+                  <a:schemeClr val="accent1"/>
+                </a:fillRef>
+                <a:effectRef idx="0">
+                  <a:schemeClr val="accent1"/>
+                </a:effectRef>
+                <a:fontRef idx="minor">
+                  <a:schemeClr val="lt1"/>
+                </a:fontRef>
+              </p:style>
+              <p:txBody>
+                <a:bodyPr rtlCol="0" anchor="ctr"/>
+                <a:lstStyle/>
+                <a:p>
+                  <a:pPr algn="ctr"/>
+                  <a:endParaRPr lang="ru-RU"/>
+                </a:p>
+              </p:txBody>
+            </p:sp>
+          </p:grpSp>
+          <p:cxnSp>
+            <p:nvCxnSpPr>
+              <p:cNvPr id="10" name="Straight Arrow Connector 9">
+                <a:extLst>
+                  <a:ext uri="{FF2B5EF4-FFF2-40B4-BE49-F238E27FC236}">
+                    <a16:creationId xmlns:a16="http://schemas.microsoft.com/office/drawing/2014/main" id="{F318D275-8265-75EA-ADBB-8429D6FA1BD5}"/>
+                  </a:ext>
+                </a:extLst>
+              </p:cNvPr>
+              <p:cNvCxnSpPr>
+                <a:cxnSpLocks/>
+              </p:cNvCxnSpPr>
+              <p:nvPr/>
+            </p:nvCxnSpPr>
+            <p:spPr>
+              <a:xfrm flipH="1" flipV="1">
+                <a:off x="4259580" y="2461260"/>
+                <a:ext cx="464820" cy="1135380"/>
+              </a:xfrm>
+              <a:prstGeom prst="straightConnector1">
+                <a:avLst/>
+              </a:prstGeom>
+              <a:ln w="15875">
+                <a:solidFill>
+                  <a:srgbClr val="FF0000"/>
+                </a:solidFill>
+                <a:headEnd type="none" w="med" len="med"/>
+                <a:tailEnd type="stealth" w="lg" len="lg"/>
+              </a:ln>
+            </p:spPr>
+            <p:style>
+              <a:lnRef idx="1">
+                <a:schemeClr val="accent1"/>
+              </a:lnRef>
+              <a:fillRef idx="0">
+                <a:schemeClr val="accent1"/>
+              </a:fillRef>
+              <a:effectRef idx="0">
+                <a:schemeClr val="accent1"/>
+              </a:effectRef>
+              <a:fontRef idx="minor">
+                <a:schemeClr val="tx1"/>
+              </a:fontRef>
+            </p:style>
+          </p:cxnSp>
+          <p:sp>
+            <p:nvSpPr>
+              <p:cNvPr id="19" name="TextBox 18">
+                <a:extLst>
+                  <a:ext uri="{FF2B5EF4-FFF2-40B4-BE49-F238E27FC236}">
+                    <a16:creationId xmlns:a16="http://schemas.microsoft.com/office/drawing/2014/main" id="{1B229C74-2E52-524A-BFC5-9A29187874D5}"/>
+                  </a:ext>
+                </a:extLst>
+              </p:cNvPr>
+              <p:cNvSpPr txBox="1"/>
+              <p:nvPr/>
+            </p:nvSpPr>
+            <p:spPr>
+              <a:xfrm>
+                <a:off x="4124178" y="3581400"/>
+                <a:ext cx="1230336" cy="276999"/>
+              </a:xfrm>
+              <a:prstGeom prst="rect">
+                <a:avLst/>
+              </a:prstGeom>
+              <a:noFill/>
+            </p:spPr>
+            <p:txBody>
+              <a:bodyPr wrap="square" rtlCol="0">
+                <a:spAutoFit/>
+              </a:bodyPr>
+              <a:lstStyle/>
+              <a:p>
+                <a:pPr algn="ctr"/>
+                <a:r>
+                  <a:rPr lang="en-US" sz="1200" dirty="0">
+                    <a:solidFill>
+                      <a:srgbClr val="FF0000"/>
+                    </a:solidFill>
+                    <a:latin typeface="Times New Roman" panose="02020603050405020304" pitchFamily="18" charset="0"/>
+                    <a:cs typeface="Times New Roman" panose="02020603050405020304" pitchFamily="18" charset="0"/>
+                  </a:rPr>
+                  <a:t>Path to the file</a:t>
+                </a:r>
+              </a:p>
+            </p:txBody>
+          </p:sp>
+          <p:cxnSp>
+            <p:nvCxnSpPr>
+              <p:cNvPr id="22" name="Straight Arrow Connector 21">
+                <a:extLst>
+                  <a:ext uri="{FF2B5EF4-FFF2-40B4-BE49-F238E27FC236}">
+                    <a16:creationId xmlns:a16="http://schemas.microsoft.com/office/drawing/2014/main" id="{C267E9BA-F2AF-4175-AC0E-AEFE2BB7706F}"/>
+                  </a:ext>
+                </a:extLst>
+              </p:cNvPr>
+              <p:cNvCxnSpPr>
+                <a:cxnSpLocks/>
+              </p:cNvCxnSpPr>
+              <p:nvPr/>
+            </p:nvCxnSpPr>
+            <p:spPr>
+              <a:xfrm flipV="1">
+                <a:off x="2743199" y="5421924"/>
+                <a:ext cx="309491" cy="367566"/>
+              </a:xfrm>
+              <a:prstGeom prst="straightConnector1">
+                <a:avLst/>
+              </a:prstGeom>
+              <a:ln w="15875">
+                <a:solidFill>
+                  <a:srgbClr val="FF0000"/>
+                </a:solidFill>
+                <a:headEnd type="none" w="med" len="med"/>
+                <a:tailEnd type="stealth" w="lg" len="lg"/>
+              </a:ln>
+            </p:spPr>
+            <p:style>
+              <a:lnRef idx="1">
+                <a:schemeClr val="accent1"/>
+              </a:lnRef>
+              <a:fillRef idx="0">
+                <a:schemeClr val="accent1"/>
+              </a:fillRef>
+              <a:effectRef idx="0">
+                <a:schemeClr val="accent1"/>
+              </a:effectRef>
+              <a:fontRef idx="minor">
+                <a:schemeClr val="tx1"/>
+              </a:fontRef>
+            </p:style>
+          </p:cxnSp>
+        </p:grpSp>
+        <p:sp>
+          <p:nvSpPr>
+            <p:cNvPr id="25" name="TextBox 24">
+              <a:extLst>
+                <a:ext uri="{FF2B5EF4-FFF2-40B4-BE49-F238E27FC236}">
+                  <a16:creationId xmlns:a16="http://schemas.microsoft.com/office/drawing/2014/main" id="{A6321DAC-FAA1-CA95-412E-DB96A6D7DA4B}"/>
+                </a:ext>
+              </a:extLst>
+            </p:cNvPr>
+            <p:cNvSpPr txBox="1"/>
+            <p:nvPr/>
+          </p:nvSpPr>
+          <p:spPr>
+            <a:xfrm>
+              <a:off x="1761978" y="5593617"/>
+              <a:ext cx="1447213" cy="276999"/>
+            </a:xfrm>
+            <a:prstGeom prst="rect">
+              <a:avLst/>
+            </a:prstGeom>
+            <a:noFill/>
+          </p:spPr>
+          <p:txBody>
+            <a:bodyPr wrap="square" rtlCol="0">
+              <a:spAutoFit/>
+            </a:bodyPr>
+            <a:lstStyle/>
+            <a:p>
+              <a:pPr algn="ctr"/>
+              <a:r>
+                <a:rPr lang="en-US" sz="1200" dirty="0">
+                  <a:solidFill>
+                    <a:srgbClr val="FF0000"/>
+                  </a:solidFill>
+                  <a:latin typeface="Times New Roman" panose="02020603050405020304" pitchFamily="18" charset="0"/>
+                  <a:cs typeface="Times New Roman" panose="02020603050405020304" pitchFamily="18" charset="0"/>
+                </a:rPr>
+                <a:t>Reload the same file</a:t>
+              </a:r>
+            </a:p>
+          </p:txBody>
+        </p:sp>
+      </p:grpSp>
+    </p:spTree>
+    <p:extLst>
+      <p:ext uri="{BB962C8B-B14F-4D97-AF65-F5344CB8AC3E}">
+        <p14:creationId xmlns:p14="http://schemas.microsoft.com/office/powerpoint/2010/main" val="3767886577"/>
+      </p:ext>
+    </p:extLst>
+  </p:cSld>
+  <p:clrMapOvr>
+    <a:masterClrMapping/>
+  </p:clrMapOvr>
+</p:sld>
+</file>
+
+<file path=ppt/slides/slide18.xml><?xml version="1.0" encoding="utf-8"?>
+<p:sld xmlns:a="http://schemas.openxmlformats.org/drawingml/2006/main" xmlns:r="http://schemas.openxmlformats.org/officeDocument/2006/relationships" xmlns:p="http://schemas.openxmlformats.org/presentationml/2006/main">
+  <p:cSld>
+    <p:spTree>
+      <p:nvGrpSpPr>
+        <p:cNvPr id="1" name=""/>
+        <p:cNvGrpSpPr/>
+        <p:nvPr/>
+      </p:nvGrpSpPr>
+      <p:grpSpPr>
+        <a:xfrm>
+          <a:off x="0" y="0"/>
+          <a:ext cx="0" cy="0"/>
+          <a:chOff x="0" y="0"/>
+          <a:chExt cx="0" cy="0"/>
+        </a:xfrm>
+      </p:grpSpPr>
+      <p:grpSp>
+        <p:nvGrpSpPr>
+          <p:cNvPr id="11" name="Group 10">
+            <a:extLst>
+              <a:ext uri="{FF2B5EF4-FFF2-40B4-BE49-F238E27FC236}">
+                <a16:creationId xmlns:a16="http://schemas.microsoft.com/office/drawing/2014/main" id="{BF184CB2-6021-F45A-EAB5-6F196551F04F}"/>
+              </a:ext>
+            </a:extLst>
+          </p:cNvPr>
+          <p:cNvGrpSpPr/>
+          <p:nvPr/>
+        </p:nvGrpSpPr>
+        <p:grpSpPr>
+          <a:xfrm>
+            <a:off x="384517" y="852854"/>
+            <a:ext cx="5760720" cy="2066504"/>
+            <a:chOff x="384517" y="852854"/>
+            <a:chExt cx="5760720" cy="2066504"/>
+          </a:xfrm>
+        </p:grpSpPr>
+        <p:pic>
+          <p:nvPicPr>
+            <p:cNvPr id="2" name="Picture 1" descr="Chart&#10;&#10;Description automatically generated">
+              <a:extLst>
+                <a:ext uri="{FF2B5EF4-FFF2-40B4-BE49-F238E27FC236}">
+                  <a16:creationId xmlns:a16="http://schemas.microsoft.com/office/drawing/2014/main" id="{42597A7A-F43B-F972-C3FF-C25FCD20F8A3}"/>
+                </a:ext>
+              </a:extLst>
+            </p:cNvPr>
+            <p:cNvPicPr>
+              <a:picLocks noChangeAspect="1"/>
+            </p:cNvPicPr>
+            <p:nvPr/>
+          </p:nvPicPr>
+          <p:blipFill rotWithShape="1">
+            <a:blip r:embed="rId2">
+              <a:extLst>
+                <a:ext uri="{28A0092B-C50C-407E-A947-70E740481C1C}">
+                  <a14:useLocalDpi xmlns:a14="http://schemas.microsoft.com/office/drawing/2010/main" val="0"/>
+                </a:ext>
+              </a:extLst>
+            </a:blip>
+            <a:srcRect t="74650"/>
+            <a:stretch/>
+          </p:blipFill>
+          <p:spPr>
+            <a:xfrm>
+              <a:off x="384517" y="852854"/>
+              <a:ext cx="5760720" cy="1334623"/>
+            </a:xfrm>
+            <a:prstGeom prst="rect">
+              <a:avLst/>
+            </a:prstGeom>
+          </p:spPr>
+        </p:pic>
+        <p:sp>
+          <p:nvSpPr>
+            <p:cNvPr id="7" name="Овал 2">
+              <a:extLst>
+                <a:ext uri="{FF2B5EF4-FFF2-40B4-BE49-F238E27FC236}">
+                  <a16:creationId xmlns:a16="http://schemas.microsoft.com/office/drawing/2014/main" id="{2A73B129-51DC-1ABF-A30E-8EB7A219132E}"/>
+                </a:ext>
+              </a:extLst>
+            </p:cNvPr>
+            <p:cNvSpPr/>
+            <p:nvPr/>
+          </p:nvSpPr>
+          <p:spPr>
+            <a:xfrm>
+              <a:off x="3493770" y="2018224"/>
+              <a:ext cx="496961" cy="184151"/>
+            </a:xfrm>
+            <a:prstGeom prst="ellipse">
+              <a:avLst/>
+            </a:prstGeom>
+            <a:noFill/>
+            <a:ln w="19050">
+              <a:solidFill>
+                <a:srgbClr val="FF0000"/>
+              </a:solidFill>
+            </a:ln>
+          </p:spPr>
+          <p:style>
+            <a:lnRef idx="2">
+              <a:schemeClr val="accent1">
+                <a:shade val="50000"/>
+              </a:schemeClr>
+            </a:lnRef>
+            <a:fillRef idx="1">
+              <a:schemeClr val="accent1"/>
+            </a:fillRef>
+            <a:effectRef idx="0">
+              <a:schemeClr val="accent1"/>
+            </a:effectRef>
+            <a:fontRef idx="minor">
+              <a:schemeClr val="lt1"/>
+            </a:fontRef>
+          </p:style>
+          <p:txBody>
+            <a:bodyPr rtlCol="0" anchor="ctr"/>
+            <a:lstStyle/>
+            <a:p>
+              <a:pPr algn="ctr"/>
+              <a:endParaRPr lang="ru-RU" dirty="0"/>
+            </a:p>
+          </p:txBody>
+        </p:sp>
+        <p:cxnSp>
+          <p:nvCxnSpPr>
+            <p:cNvPr id="26" name="Straight Arrow Connector 25">
+              <a:extLst>
+                <a:ext uri="{FF2B5EF4-FFF2-40B4-BE49-F238E27FC236}">
+                  <a16:creationId xmlns:a16="http://schemas.microsoft.com/office/drawing/2014/main" id="{43062C05-E3DE-A9B0-CC1F-81E29499AE65}"/>
+                </a:ext>
+              </a:extLst>
+            </p:cNvPr>
+            <p:cNvCxnSpPr>
+              <a:cxnSpLocks/>
+            </p:cNvCxnSpPr>
+            <p:nvPr/>
+          </p:nvCxnSpPr>
+          <p:spPr>
+            <a:xfrm flipH="1" flipV="1">
+              <a:off x="3747283" y="2243749"/>
+              <a:ext cx="138917" cy="270851"/>
+            </a:xfrm>
+            <a:prstGeom prst="straightConnector1">
+              <a:avLst/>
+            </a:prstGeom>
+            <a:ln w="15875">
+              <a:solidFill>
+                <a:srgbClr val="FF0000"/>
+              </a:solidFill>
+              <a:headEnd type="none" w="med" len="med"/>
+              <a:tailEnd type="stealth" w="lg" len="lg"/>
+            </a:ln>
+          </p:spPr>
+          <p:style>
+            <a:lnRef idx="1">
+              <a:schemeClr val="accent1"/>
+            </a:lnRef>
+            <a:fillRef idx="0">
+              <a:schemeClr val="accent1"/>
+            </a:fillRef>
+            <a:effectRef idx="0">
+              <a:schemeClr val="accent1"/>
+            </a:effectRef>
+            <a:fontRef idx="minor">
+              <a:schemeClr val="tx1"/>
+            </a:fontRef>
+          </p:style>
+        </p:cxnSp>
+        <p:sp>
+          <p:nvSpPr>
+            <p:cNvPr id="28" name="TextBox 27">
+              <a:extLst>
+                <a:ext uri="{FF2B5EF4-FFF2-40B4-BE49-F238E27FC236}">
+                  <a16:creationId xmlns:a16="http://schemas.microsoft.com/office/drawing/2014/main" id="{7E145258-F616-F21A-0743-1DAFD076FC63}"/>
+                </a:ext>
+              </a:extLst>
+            </p:cNvPr>
+            <p:cNvSpPr txBox="1"/>
+            <p:nvPr/>
+          </p:nvSpPr>
+          <p:spPr>
+            <a:xfrm>
+              <a:off x="2943078" y="2457693"/>
+              <a:ext cx="2086121" cy="461665"/>
+            </a:xfrm>
+            <a:prstGeom prst="rect">
+              <a:avLst/>
+            </a:prstGeom>
+            <a:noFill/>
+          </p:spPr>
+          <p:txBody>
+            <a:bodyPr wrap="square" rtlCol="0">
+              <a:spAutoFit/>
+            </a:bodyPr>
+            <a:lstStyle/>
+            <a:p>
+              <a:pPr algn="ctr"/>
+              <a:r>
+                <a:rPr lang="ru-RU" sz="1200" dirty="0">
+                  <a:solidFill>
+                    <a:srgbClr val="FF0000"/>
+                  </a:solidFill>
+                  <a:latin typeface="Times New Roman" panose="02020603050405020304" pitchFamily="18" charset="0"/>
+                  <a:cs typeface="Times New Roman" panose="02020603050405020304" pitchFamily="18" charset="0"/>
+                </a:rPr>
+                <a:t>Сохранить всё прочитанное содержимое обратно в файл</a:t>
+              </a:r>
+              <a:endParaRPr lang="en-US" sz="1200" dirty="0">
+                <a:solidFill>
+                  <a:srgbClr val="FF0000"/>
+                </a:solidFill>
+                <a:latin typeface="Times New Roman" panose="02020603050405020304" pitchFamily="18" charset="0"/>
+                <a:cs typeface="Times New Roman" panose="02020603050405020304" pitchFamily="18" charset="0"/>
+              </a:endParaRPr>
+            </a:p>
+          </p:txBody>
+        </p:sp>
+      </p:grpSp>
+      <p:grpSp>
+        <p:nvGrpSpPr>
+          <p:cNvPr id="12" name="Group 11">
+            <a:extLst>
+              <a:ext uri="{FF2B5EF4-FFF2-40B4-BE49-F238E27FC236}">
+                <a16:creationId xmlns:a16="http://schemas.microsoft.com/office/drawing/2014/main" id="{8B52B28B-CB92-48EB-60AF-C99A3C631D08}"/>
+              </a:ext>
+            </a:extLst>
+          </p:cNvPr>
+          <p:cNvGrpSpPr/>
+          <p:nvPr/>
+        </p:nvGrpSpPr>
+        <p:grpSpPr>
+          <a:xfrm>
+            <a:off x="448994" y="3449516"/>
+            <a:ext cx="5760720" cy="1881838"/>
+            <a:chOff x="384517" y="852854"/>
+            <a:chExt cx="5760720" cy="1881838"/>
+          </a:xfrm>
+        </p:grpSpPr>
+        <p:pic>
+          <p:nvPicPr>
+            <p:cNvPr id="13" name="Picture 12" descr="Chart&#10;&#10;Description automatically generated">
+              <a:extLst>
+                <a:ext uri="{FF2B5EF4-FFF2-40B4-BE49-F238E27FC236}">
+                  <a16:creationId xmlns:a16="http://schemas.microsoft.com/office/drawing/2014/main" id="{11635C3C-BF28-74A3-C401-583EAC6EF6C7}"/>
+                </a:ext>
+              </a:extLst>
+            </p:cNvPr>
+            <p:cNvPicPr>
+              <a:picLocks noChangeAspect="1"/>
+            </p:cNvPicPr>
+            <p:nvPr/>
+          </p:nvPicPr>
+          <p:blipFill rotWithShape="1">
+            <a:blip r:embed="rId2">
+              <a:extLst>
+                <a:ext uri="{28A0092B-C50C-407E-A947-70E740481C1C}">
+                  <a14:useLocalDpi xmlns:a14="http://schemas.microsoft.com/office/drawing/2010/main" val="0"/>
+                </a:ext>
+              </a:extLst>
+            </a:blip>
+            <a:srcRect t="74650"/>
+            <a:stretch/>
+          </p:blipFill>
+          <p:spPr>
+            <a:xfrm>
+              <a:off x="384517" y="852854"/>
+              <a:ext cx="5760720" cy="1334623"/>
+            </a:xfrm>
+            <a:prstGeom prst="rect">
+              <a:avLst/>
+            </a:prstGeom>
+          </p:spPr>
+        </p:pic>
+        <p:sp>
+          <p:nvSpPr>
+            <p:cNvPr id="14" name="Овал 2">
+              <a:extLst>
+                <a:ext uri="{FF2B5EF4-FFF2-40B4-BE49-F238E27FC236}">
+                  <a16:creationId xmlns:a16="http://schemas.microsoft.com/office/drawing/2014/main" id="{2FE053FB-D1E1-3BC4-CD2B-8873CD57DCFE}"/>
+                </a:ext>
+              </a:extLst>
+            </p:cNvPr>
+            <p:cNvSpPr/>
+            <p:nvPr/>
+          </p:nvSpPr>
+          <p:spPr>
+            <a:xfrm>
+              <a:off x="3493770" y="2018224"/>
+              <a:ext cx="496961" cy="184151"/>
+            </a:xfrm>
+            <a:prstGeom prst="ellipse">
+              <a:avLst/>
+            </a:prstGeom>
+            <a:noFill/>
+            <a:ln w="19050">
+              <a:solidFill>
+                <a:srgbClr val="FF0000"/>
+              </a:solidFill>
+            </a:ln>
+          </p:spPr>
+          <p:style>
+            <a:lnRef idx="2">
+              <a:schemeClr val="accent1">
+                <a:shade val="50000"/>
+              </a:schemeClr>
+            </a:lnRef>
+            <a:fillRef idx="1">
+              <a:schemeClr val="accent1"/>
+            </a:fillRef>
+            <a:effectRef idx="0">
+              <a:schemeClr val="accent1"/>
+            </a:effectRef>
+            <a:fontRef idx="minor">
+              <a:schemeClr val="lt1"/>
+            </a:fontRef>
+          </p:style>
+          <p:txBody>
+            <a:bodyPr rtlCol="0" anchor="ctr"/>
+            <a:lstStyle/>
+            <a:p>
+              <a:pPr algn="ctr"/>
+              <a:endParaRPr lang="ru-RU" dirty="0"/>
+            </a:p>
+          </p:txBody>
+        </p:sp>
+        <p:cxnSp>
+          <p:nvCxnSpPr>
+            <p:cNvPr id="15" name="Straight Arrow Connector 14">
+              <a:extLst>
+                <a:ext uri="{FF2B5EF4-FFF2-40B4-BE49-F238E27FC236}">
+                  <a16:creationId xmlns:a16="http://schemas.microsoft.com/office/drawing/2014/main" id="{81C460D2-9BAA-77F9-B6C6-8C258C368488}"/>
+                </a:ext>
+              </a:extLst>
+            </p:cNvPr>
+            <p:cNvCxnSpPr>
+              <a:cxnSpLocks/>
+            </p:cNvCxnSpPr>
+            <p:nvPr/>
+          </p:nvCxnSpPr>
+          <p:spPr>
+            <a:xfrm flipH="1" flipV="1">
+              <a:off x="3747283" y="2243749"/>
+              <a:ext cx="138917" cy="270851"/>
+            </a:xfrm>
+            <a:prstGeom prst="straightConnector1">
+              <a:avLst/>
+            </a:prstGeom>
+            <a:ln w="15875">
+              <a:solidFill>
+                <a:srgbClr val="FF0000"/>
+              </a:solidFill>
+              <a:headEnd type="none" w="med" len="med"/>
+              <a:tailEnd type="stealth" w="lg" len="lg"/>
+            </a:ln>
+          </p:spPr>
+          <p:style>
+            <a:lnRef idx="1">
+              <a:schemeClr val="accent1"/>
+            </a:lnRef>
+            <a:fillRef idx="0">
+              <a:schemeClr val="accent1"/>
+            </a:fillRef>
+            <a:effectRef idx="0">
+              <a:schemeClr val="accent1"/>
+            </a:effectRef>
+            <a:fontRef idx="minor">
+              <a:schemeClr val="tx1"/>
+            </a:fontRef>
+          </p:style>
+        </p:cxnSp>
+        <p:sp>
+          <p:nvSpPr>
+            <p:cNvPr id="16" name="TextBox 15">
+              <a:extLst>
+                <a:ext uri="{FF2B5EF4-FFF2-40B4-BE49-F238E27FC236}">
+                  <a16:creationId xmlns:a16="http://schemas.microsoft.com/office/drawing/2014/main" id="{4BE47FE4-A8D6-DB58-89C5-20CE95423431}"/>
+                </a:ext>
+              </a:extLst>
+            </p:cNvPr>
+            <p:cNvSpPr txBox="1"/>
+            <p:nvPr/>
+          </p:nvSpPr>
+          <p:spPr>
+            <a:xfrm>
+              <a:off x="2943078" y="2457693"/>
+              <a:ext cx="2329376" cy="276999"/>
+            </a:xfrm>
+            <a:prstGeom prst="rect">
+              <a:avLst/>
+            </a:prstGeom>
+            <a:noFill/>
+          </p:spPr>
+          <p:txBody>
+            <a:bodyPr wrap="square" rtlCol="0">
+              <a:spAutoFit/>
+            </a:bodyPr>
+            <a:lstStyle/>
+            <a:p>
+              <a:pPr algn="ctr"/>
+              <a:r>
+                <a:rPr lang="en-US" sz="1200" dirty="0">
+                  <a:solidFill>
+                    <a:srgbClr val="FF0000"/>
+                  </a:solidFill>
+                  <a:latin typeface="Times New Roman" panose="02020603050405020304" pitchFamily="18" charset="0"/>
+                  <a:cs typeface="Times New Roman" panose="02020603050405020304" pitchFamily="18" charset="0"/>
+                </a:rPr>
+                <a:t>Save all read content back to a file</a:t>
+              </a:r>
+            </a:p>
+          </p:txBody>
+        </p:sp>
+      </p:grpSp>
+    </p:spTree>
+    <p:extLst>
+      <p:ext uri="{BB962C8B-B14F-4D97-AF65-F5344CB8AC3E}">
+        <p14:creationId xmlns:p14="http://schemas.microsoft.com/office/powerpoint/2010/main" val="70277427"/>
+      </p:ext>
+    </p:extLst>
+  </p:cSld>
+  <p:clrMapOvr>
+    <a:masterClrMapping/>
+  </p:clrMapOvr>
+</p:sld>
+</file>
+
+<file path=ppt/slides/slide19.xml><?xml version="1.0" encoding="utf-8"?>
+<p:sld xmlns:a="http://schemas.openxmlformats.org/drawingml/2006/main" xmlns:r="http://schemas.openxmlformats.org/officeDocument/2006/relationships" xmlns:p="http://schemas.openxmlformats.org/presentationml/2006/main">
+  <p:cSld>
+    <p:spTree>
+      <p:nvGrpSpPr>
+        <p:cNvPr id="1" name=""/>
+        <p:cNvGrpSpPr/>
+        <p:nvPr/>
+      </p:nvGrpSpPr>
+      <p:grpSpPr>
+        <a:xfrm>
+          <a:off x="0" y="0"/>
+          <a:ext cx="0" cy="0"/>
+          <a:chOff x="0" y="0"/>
+          <a:chExt cx="0" cy="0"/>
+        </a:xfrm>
+      </p:grpSpPr>
+      <p:grpSp>
+        <p:nvGrpSpPr>
+          <p:cNvPr id="8" name="Group 7">
+            <a:extLst>
+              <a:ext uri="{FF2B5EF4-FFF2-40B4-BE49-F238E27FC236}">
+                <a16:creationId xmlns:a16="http://schemas.microsoft.com/office/drawing/2014/main" id="{59E47992-74FA-9A02-0006-FECEEA5A6B0E}"/>
+              </a:ext>
+            </a:extLst>
+          </p:cNvPr>
+          <p:cNvGrpSpPr/>
+          <p:nvPr/>
+        </p:nvGrpSpPr>
+        <p:grpSpPr>
+          <a:xfrm>
+            <a:off x="1210773" y="739286"/>
+            <a:ext cx="2695575" cy="1564298"/>
+            <a:chOff x="3224212" y="1152525"/>
+            <a:chExt cx="2695575" cy="1564298"/>
+          </a:xfrm>
+        </p:grpSpPr>
+        <p:pic>
+          <p:nvPicPr>
+            <p:cNvPr id="5" name="Picture 4">
+              <a:extLst>
+                <a:ext uri="{FF2B5EF4-FFF2-40B4-BE49-F238E27FC236}">
+                  <a16:creationId xmlns:a16="http://schemas.microsoft.com/office/drawing/2014/main" id="{F54AD695-26C2-5ACA-96E4-F6E1B9AE4BF5}"/>
+                </a:ext>
+              </a:extLst>
+            </p:cNvPr>
+            <p:cNvPicPr>
+              <a:picLocks noChangeAspect="1"/>
+            </p:cNvPicPr>
+            <p:nvPr/>
+          </p:nvPicPr>
+          <p:blipFill rotWithShape="1">
+            <a:blip r:embed="rId2"/>
+            <a:srcRect b="65642"/>
+            <a:stretch/>
+          </p:blipFill>
+          <p:spPr>
+            <a:xfrm>
+              <a:off x="3224212" y="1152525"/>
+              <a:ext cx="2695575" cy="1564298"/>
+            </a:xfrm>
+            <a:prstGeom prst="rect">
+              <a:avLst/>
+            </a:prstGeom>
+          </p:spPr>
+        </p:pic>
+        <p:sp>
+          <p:nvSpPr>
+            <p:cNvPr id="6" name="Rectangle: Rounded Corners 5">
+              <a:extLst>
+                <a:ext uri="{FF2B5EF4-FFF2-40B4-BE49-F238E27FC236}">
+                  <a16:creationId xmlns:a16="http://schemas.microsoft.com/office/drawing/2014/main" id="{72D83682-3FF7-913E-5D8E-79A2903B3787}"/>
+                </a:ext>
+              </a:extLst>
+            </p:cNvPr>
+            <p:cNvSpPr/>
+            <p:nvPr/>
+          </p:nvSpPr>
+          <p:spPr>
+            <a:xfrm>
+              <a:off x="3261946" y="1696915"/>
+              <a:ext cx="2584939" cy="993531"/>
+            </a:xfrm>
+            <a:prstGeom prst="roundRect">
+              <a:avLst/>
+            </a:prstGeom>
+            <a:noFill/>
+            <a:ln w="25400">
+              <a:solidFill>
+                <a:srgbClr val="FF0000"/>
+              </a:solidFill>
+            </a:ln>
+          </p:spPr>
+          <p:style>
+            <a:lnRef idx="2">
+              <a:schemeClr val="accent1">
+                <a:shade val="50000"/>
+              </a:schemeClr>
+            </a:lnRef>
+            <a:fillRef idx="1">
+              <a:schemeClr val="accent1"/>
+            </a:fillRef>
+            <a:effectRef idx="0">
+              <a:schemeClr val="accent1"/>
+            </a:effectRef>
+            <a:fontRef idx="minor">
+              <a:schemeClr val="lt1"/>
+            </a:fontRef>
+          </p:style>
+          <p:txBody>
+            <a:bodyPr rtlCol="0" anchor="ctr"/>
+            <a:lstStyle/>
+            <a:p>
+              <a:pPr algn="ctr"/>
+              <a:endParaRPr lang="en-US" dirty="0"/>
+            </a:p>
+          </p:txBody>
+        </p:sp>
+      </p:grpSp>
+      <p:grpSp>
+        <p:nvGrpSpPr>
+          <p:cNvPr id="10" name="Group 9">
+            <a:extLst>
+              <a:ext uri="{FF2B5EF4-FFF2-40B4-BE49-F238E27FC236}">
+                <a16:creationId xmlns:a16="http://schemas.microsoft.com/office/drawing/2014/main" id="{598788F8-0D29-272F-799C-E748428A925F}"/>
+              </a:ext>
+            </a:extLst>
+          </p:cNvPr>
+          <p:cNvGrpSpPr/>
+          <p:nvPr/>
+        </p:nvGrpSpPr>
+        <p:grpSpPr>
+          <a:xfrm>
+            <a:off x="5161450" y="821348"/>
+            <a:ext cx="2695575" cy="4552950"/>
+            <a:chOff x="5161450" y="821348"/>
+            <a:chExt cx="2695575" cy="4552950"/>
+          </a:xfrm>
+        </p:grpSpPr>
+        <p:pic>
+          <p:nvPicPr>
+            <p:cNvPr id="7" name="Picture 6">
+              <a:extLst>
+                <a:ext uri="{FF2B5EF4-FFF2-40B4-BE49-F238E27FC236}">
+                  <a16:creationId xmlns:a16="http://schemas.microsoft.com/office/drawing/2014/main" id="{48B50901-239D-E23D-C1D6-43F0039F6C29}"/>
+                </a:ext>
+              </a:extLst>
+            </p:cNvPr>
+            <p:cNvPicPr>
+              <a:picLocks noChangeAspect="1"/>
+            </p:cNvPicPr>
+            <p:nvPr/>
+          </p:nvPicPr>
+          <p:blipFill>
+            <a:blip r:embed="rId2"/>
+            <a:stretch>
+              <a:fillRect/>
+            </a:stretch>
+          </p:blipFill>
+          <p:spPr>
+            <a:xfrm>
+              <a:off x="5161450" y="821348"/>
+              <a:ext cx="2695575" cy="4552950"/>
+            </a:xfrm>
+            <a:prstGeom prst="rect">
+              <a:avLst/>
+            </a:prstGeom>
+          </p:spPr>
+        </p:pic>
+        <p:sp>
+          <p:nvSpPr>
+            <p:cNvPr id="9" name="Rectangle: Rounded Corners 8">
+              <a:extLst>
+                <a:ext uri="{FF2B5EF4-FFF2-40B4-BE49-F238E27FC236}">
+                  <a16:creationId xmlns:a16="http://schemas.microsoft.com/office/drawing/2014/main" id="{815533C8-D3EB-0DC7-250C-BB371173888F}"/>
+                </a:ext>
+              </a:extLst>
+            </p:cNvPr>
+            <p:cNvSpPr/>
+            <p:nvPr/>
+          </p:nvSpPr>
+          <p:spPr>
+            <a:xfrm>
+              <a:off x="5234355" y="3261946"/>
+              <a:ext cx="2494084" cy="1477108"/>
+            </a:xfrm>
+            <a:prstGeom prst="roundRect">
+              <a:avLst/>
+            </a:prstGeom>
+            <a:noFill/>
+            <a:ln w="25400">
+              <a:solidFill>
+                <a:srgbClr val="FF0000"/>
+              </a:solidFill>
+            </a:ln>
+          </p:spPr>
+          <p:style>
+            <a:lnRef idx="2">
+              <a:schemeClr val="accent1">
+                <a:shade val="50000"/>
+              </a:schemeClr>
+            </a:lnRef>
+            <a:fillRef idx="1">
+              <a:schemeClr val="accent1"/>
+            </a:fillRef>
+            <a:effectRef idx="0">
+              <a:schemeClr val="accent1"/>
+            </a:effectRef>
+            <a:fontRef idx="minor">
+              <a:schemeClr val="lt1"/>
+            </a:fontRef>
+          </p:style>
+          <p:txBody>
+            <a:bodyPr rtlCol="0" anchor="ctr"/>
+            <a:lstStyle/>
+            <a:p>
+              <a:pPr algn="ctr"/>
+              <a:endParaRPr lang="en-US"/>
+            </a:p>
+          </p:txBody>
+        </p:sp>
+      </p:grpSp>
+      <p:grpSp>
+        <p:nvGrpSpPr>
+          <p:cNvPr id="19" name="Group 18">
+            <a:extLst>
+              <a:ext uri="{FF2B5EF4-FFF2-40B4-BE49-F238E27FC236}">
+                <a16:creationId xmlns:a16="http://schemas.microsoft.com/office/drawing/2014/main" id="{116A48C1-682E-CF1D-FC20-8535151CAD4C}"/>
+              </a:ext>
+            </a:extLst>
+          </p:cNvPr>
+          <p:cNvGrpSpPr/>
+          <p:nvPr/>
+        </p:nvGrpSpPr>
+        <p:grpSpPr>
+          <a:xfrm>
+            <a:off x="1084897" y="2946559"/>
+            <a:ext cx="2348865" cy="2025015"/>
+            <a:chOff x="1084897" y="2946559"/>
+            <a:chExt cx="2348865" cy="2025015"/>
+          </a:xfrm>
+        </p:grpSpPr>
+        <p:graphicFrame>
+          <p:nvGraphicFramePr>
+            <p:cNvPr id="13" name="Object 12">
+              <a:extLst>
+                <a:ext uri="{FF2B5EF4-FFF2-40B4-BE49-F238E27FC236}">
+                  <a16:creationId xmlns:a16="http://schemas.microsoft.com/office/drawing/2014/main" id="{5366CF25-8B02-37D2-6936-5352BFF2EA85}"/>
+                </a:ext>
+              </a:extLst>
+            </p:cNvPr>
+            <p:cNvGraphicFramePr>
+              <a:graphicFrameLocks noChangeAspect="1"/>
+            </p:cNvGraphicFramePr>
+            <p:nvPr>
+              <p:extLst>
+                <p:ext uri="{D42A27DB-BD31-4B8C-83A1-F6EECF244321}">
+                  <p14:modId xmlns:p14="http://schemas.microsoft.com/office/powerpoint/2010/main" val="3554863595"/>
+                </p:ext>
+              </p:extLst>
+            </p:nvPr>
+          </p:nvGraphicFramePr>
+          <p:xfrm>
+            <a:off x="1119187" y="2980849"/>
+            <a:ext cx="2314575" cy="1990725"/>
+          </p:xfrm>
+          <a:graphic>
+            <a:graphicData uri="http://schemas.openxmlformats.org/presentationml/2006/ole">
+              <mc:AlternateContent xmlns:mc="http://schemas.openxmlformats.org/markup-compatibility/2006">
+                <mc:Choice xmlns:v="urn:schemas-microsoft-com:vml" Requires="v">
+                  <p:oleObj name="Bitmap Image" r:id="rId3" imgW="2314440" imgH="1990800" progId="PBrush">
+                    <p:embed/>
+                  </p:oleObj>
+                </mc:Choice>
+                <mc:Fallback>
+                  <p:oleObj name="Bitmap Image" r:id="rId3" imgW="2314440" imgH="1990800" progId="PBrush">
+                    <p:embed/>
+                    <p:pic>
+                      <p:nvPicPr>
+                        <p:cNvPr id="11" name="Object 10">
+                          <a:extLst>
+                            <a:ext uri="{FF2B5EF4-FFF2-40B4-BE49-F238E27FC236}">
+                              <a16:creationId xmlns:a16="http://schemas.microsoft.com/office/drawing/2014/main" id="{61734494-B75B-40C1-0CCE-A89B8EA29435}"/>
+                            </a:ext>
+                          </a:extLst>
+                        </p:cNvPr>
+                        <p:cNvPicPr/>
+                        <p:nvPr/>
+                      </p:nvPicPr>
+                      <p:blipFill>
+                        <a:blip r:embed="rId4"/>
+                        <a:stretch>
+                          <a:fillRect/>
+                        </a:stretch>
+                      </p:blipFill>
+                      <p:spPr>
+                        <a:xfrm>
+                          <a:off x="1119187" y="2980849"/>
+                          <a:ext cx="2314575" cy="1990725"/>
+                        </a:xfrm>
+                        <a:prstGeom prst="rect">
+                          <a:avLst/>
+                        </a:prstGeom>
+                      </p:spPr>
+                    </p:pic>
+                  </p:oleObj>
+                </mc:Fallback>
+              </mc:AlternateContent>
+            </a:graphicData>
+          </a:graphic>
+        </p:graphicFrame>
+        <p:sp>
+          <p:nvSpPr>
+            <p:cNvPr id="14" name="Овал 5">
+              <a:extLst>
+                <a:ext uri="{FF2B5EF4-FFF2-40B4-BE49-F238E27FC236}">
+                  <a16:creationId xmlns:a16="http://schemas.microsoft.com/office/drawing/2014/main" id="{76499E9F-8CCC-6692-8E35-DF3F871D18EB}"/>
+                </a:ext>
+              </a:extLst>
+            </p:cNvPr>
+            <p:cNvSpPr/>
+            <p:nvPr/>
+          </p:nvSpPr>
+          <p:spPr>
+            <a:xfrm>
+              <a:off x="1084897" y="2946559"/>
+              <a:ext cx="361950" cy="247650"/>
+            </a:xfrm>
+            <a:prstGeom prst="ellipse">
+              <a:avLst/>
+            </a:prstGeom>
+            <a:noFill/>
+            <a:ln w="19050">
+              <a:solidFill>
+                <a:srgbClr val="FF0000"/>
+              </a:solidFill>
+            </a:ln>
+          </p:spPr>
+          <p:style>
+            <a:lnRef idx="2">
+              <a:schemeClr val="accent1">
+                <a:shade val="50000"/>
+              </a:schemeClr>
+            </a:lnRef>
+            <a:fillRef idx="1">
+              <a:schemeClr val="accent1"/>
+            </a:fillRef>
+            <a:effectRef idx="0">
+              <a:schemeClr val="accent1"/>
+            </a:effectRef>
+            <a:fontRef idx="minor">
+              <a:schemeClr val="lt1"/>
+            </a:fontRef>
+          </p:style>
+          <p:txBody>
+            <a:bodyPr rtlCol="0" anchor="ctr"/>
+            <a:lstStyle/>
+            <a:p>
+              <a:pPr algn="ctr"/>
+              <a:endParaRPr lang="ru-RU"/>
+            </a:p>
+          </p:txBody>
+        </p:sp>
+        <p:sp>
+          <p:nvSpPr>
+            <p:cNvPr id="18" name="Rectangle: Rounded Corners 17">
+              <a:extLst>
+                <a:ext uri="{FF2B5EF4-FFF2-40B4-BE49-F238E27FC236}">
+                  <a16:creationId xmlns:a16="http://schemas.microsoft.com/office/drawing/2014/main" id="{EC12575B-D92E-7017-B5B6-9F313FF8A319}"/>
+                </a:ext>
+              </a:extLst>
+            </p:cNvPr>
+            <p:cNvSpPr/>
+            <p:nvPr/>
+          </p:nvSpPr>
+          <p:spPr>
+            <a:xfrm>
+              <a:off x="1248507" y="4251960"/>
+              <a:ext cx="2058573" cy="196947"/>
+            </a:xfrm>
+            <a:prstGeom prst="roundRect">
+              <a:avLst/>
+            </a:prstGeom>
+            <a:noFill/>
+            <a:ln w="25400">
+              <a:solidFill>
+                <a:srgbClr val="FF0000"/>
+              </a:solidFill>
+            </a:ln>
+          </p:spPr>
+          <p:style>
+            <a:lnRef idx="2">
+              <a:schemeClr val="accent1">
+                <a:shade val="50000"/>
+              </a:schemeClr>
+            </a:lnRef>
+            <a:fillRef idx="1">
+              <a:schemeClr val="accent1"/>
+            </a:fillRef>
+            <a:effectRef idx="0">
+              <a:schemeClr val="accent1"/>
+            </a:effectRef>
+            <a:fontRef idx="minor">
+              <a:schemeClr val="lt1"/>
+            </a:fontRef>
+          </p:style>
+          <p:txBody>
+            <a:bodyPr rtlCol="0" anchor="ctr"/>
+            <a:lstStyle/>
+            <a:p>
+              <a:pPr algn="ctr"/>
+              <a:endParaRPr lang="en-US" dirty="0"/>
+            </a:p>
+          </p:txBody>
+        </p:sp>
+      </p:grpSp>
+    </p:spTree>
+    <p:extLst>
+      <p:ext uri="{BB962C8B-B14F-4D97-AF65-F5344CB8AC3E}">
+        <p14:creationId xmlns:p14="http://schemas.microsoft.com/office/powerpoint/2010/main" val="1830560726"/>
+      </p:ext>
+    </p:extLst>
+  </p:cSld>
+  <p:clrMapOvr>
+    <a:masterClrMapping/>
+  </p:clrMapOvr>
+</p:sld>
+</file>
+
+<file path=ppt/slides/slide2.xml><?xml version="1.0" encoding="utf-8"?>
+<p:sld xmlns:a="http://schemas.openxmlformats.org/drawingml/2006/main" xmlns:r="http://schemas.openxmlformats.org/officeDocument/2006/relationships" xmlns:p="http://schemas.openxmlformats.org/presentationml/2006/main">
+  <p:cSld>
+    <p:spTree>
+      <p:nvGrpSpPr>
+        <p:cNvPr id="1" name=""/>
+        <p:cNvGrpSpPr/>
+        <p:nvPr/>
+      </p:nvGrpSpPr>
+      <p:grpSpPr>
+        <a:xfrm>
+          <a:off x="0" y="0"/>
+          <a:ext cx="0" cy="0"/>
+          <a:chOff x="0" y="0"/>
+          <a:chExt cx="0" cy="0"/>
+        </a:xfrm>
+      </p:grpSpPr>
+      <p:grpSp>
+        <p:nvGrpSpPr>
+          <p:cNvPr id="23" name="Group 22">
+            <a:extLst>
+              <a:ext uri="{FF2B5EF4-FFF2-40B4-BE49-F238E27FC236}">
+                <a16:creationId xmlns:a16="http://schemas.microsoft.com/office/drawing/2014/main" id="{1CDB5274-F06F-AF7D-493D-C843DE39B82B}"/>
+              </a:ext>
+            </a:extLst>
+          </p:cNvPr>
+          <p:cNvGrpSpPr/>
+          <p:nvPr/>
+        </p:nvGrpSpPr>
+        <p:grpSpPr>
+          <a:xfrm>
+            <a:off x="681037" y="111919"/>
+            <a:ext cx="2333625" cy="2009775"/>
+            <a:chOff x="261938" y="309563"/>
+            <a:chExt cx="2333625" cy="2009775"/>
+          </a:xfrm>
+        </p:grpSpPr>
+        <p:graphicFrame>
+          <p:nvGraphicFramePr>
+            <p:cNvPr id="11" name="Object 10">
+              <a:extLst>
+                <a:ext uri="{FF2B5EF4-FFF2-40B4-BE49-F238E27FC236}">
+                  <a16:creationId xmlns:a16="http://schemas.microsoft.com/office/drawing/2014/main" id="{61734494-B75B-40C1-0CCE-A89B8EA29435}"/>
+                </a:ext>
+              </a:extLst>
+            </p:cNvPr>
+            <p:cNvGraphicFramePr>
+              <a:graphicFrameLocks noChangeAspect="1"/>
+            </p:cNvGraphicFramePr>
+            <p:nvPr>
+              <p:extLst>
+                <p:ext uri="{D42A27DB-BD31-4B8C-83A1-F6EECF244321}">
+                  <p14:modId xmlns:p14="http://schemas.microsoft.com/office/powerpoint/2010/main" val="795417189"/>
+                </p:ext>
+              </p:extLst>
+            </p:nvPr>
+          </p:nvGraphicFramePr>
+          <p:xfrm>
+            <a:off x="280988" y="328613"/>
+            <a:ext cx="2314575" cy="1990725"/>
+          </p:xfrm>
+          <a:graphic>
+            <a:graphicData uri="http://schemas.openxmlformats.org/presentationml/2006/ole">
+              <mc:AlternateContent xmlns:mc="http://schemas.openxmlformats.org/markup-compatibility/2006">
+                <mc:Choice xmlns:v="urn:schemas-microsoft-com:vml" Requires="v">
+                  <p:oleObj name="Bitmap Image" r:id="rId2" imgW="2314440" imgH="1990800" progId="PBrush">
+                    <p:embed/>
+                  </p:oleObj>
+                </mc:Choice>
+                <mc:Fallback>
+                  <p:oleObj name="Bitmap Image" r:id="rId2" imgW="2314440" imgH="1990800" progId="PBrush">
+                    <p:embed/>
+                    <p:pic>
+                      <p:nvPicPr>
+                        <p:cNvPr id="0" name=""/>
+                        <p:cNvPicPr/>
+                        <p:nvPr/>
+                      </p:nvPicPr>
+                      <p:blipFill>
+                        <a:blip r:embed="rId3"/>
+                        <a:stretch>
+                          <a:fillRect/>
+                        </a:stretch>
+                      </p:blipFill>
+                      <p:spPr>
+                        <a:xfrm>
+                          <a:off x="280988" y="328613"/>
+                          <a:ext cx="2314575" cy="1990725"/>
+                        </a:xfrm>
+                        <a:prstGeom prst="rect">
+                          <a:avLst/>
+                        </a:prstGeom>
+                      </p:spPr>
+                    </p:pic>
+                  </p:oleObj>
+                </mc:Fallback>
+              </mc:AlternateContent>
+            </a:graphicData>
+          </a:graphic>
+        </p:graphicFrame>
+        <p:sp>
+          <p:nvSpPr>
+            <p:cNvPr id="12" name="Овал 5">
+              <a:extLst>
+                <a:ext uri="{FF2B5EF4-FFF2-40B4-BE49-F238E27FC236}">
+                  <a16:creationId xmlns:a16="http://schemas.microsoft.com/office/drawing/2014/main" id="{2862245D-BD5C-B83A-83E5-38D4080DF592}"/>
+                </a:ext>
+              </a:extLst>
+            </p:cNvPr>
+            <p:cNvSpPr/>
+            <p:nvPr/>
+          </p:nvSpPr>
+          <p:spPr>
+            <a:xfrm>
+              <a:off x="261938" y="309563"/>
+              <a:ext cx="361950" cy="247650"/>
+            </a:xfrm>
+            <a:prstGeom prst="ellipse">
+              <a:avLst/>
+            </a:prstGeom>
+            <a:noFill/>
+            <a:ln w="19050">
+              <a:solidFill>
+                <a:srgbClr val="FF0000"/>
+              </a:solidFill>
+            </a:ln>
+          </p:spPr>
+          <p:style>
+            <a:lnRef idx="2">
+              <a:schemeClr val="accent1">
+                <a:shade val="50000"/>
+              </a:schemeClr>
+            </a:lnRef>
+            <a:fillRef idx="1">
+              <a:schemeClr val="accent1"/>
+            </a:fillRef>
+            <a:effectRef idx="0">
+              <a:schemeClr val="accent1"/>
+            </a:effectRef>
+            <a:fontRef idx="minor">
+              <a:schemeClr val="lt1"/>
+            </a:fontRef>
+          </p:style>
+          <p:txBody>
+            <a:bodyPr rtlCol="0" anchor="ctr"/>
+            <a:lstStyle/>
+            <a:p>
+              <a:pPr algn="ctr"/>
+              <a:endParaRPr lang="ru-RU"/>
+            </a:p>
+          </p:txBody>
+        </p:sp>
+      </p:grpSp>
+      <p:grpSp>
+        <p:nvGrpSpPr>
+          <p:cNvPr id="24" name="Group 23">
+            <a:extLst>
+              <a:ext uri="{FF2B5EF4-FFF2-40B4-BE49-F238E27FC236}">
+                <a16:creationId xmlns:a16="http://schemas.microsoft.com/office/drawing/2014/main" id="{1C67D4B8-CCAC-2FAE-8DA4-565E6102D899}"/>
+              </a:ext>
+            </a:extLst>
+          </p:cNvPr>
+          <p:cNvGrpSpPr/>
+          <p:nvPr/>
+        </p:nvGrpSpPr>
+        <p:grpSpPr>
+          <a:xfrm>
+            <a:off x="3440906" y="235744"/>
+            <a:ext cx="3276600" cy="1181100"/>
+            <a:chOff x="2828925" y="309563"/>
+            <a:chExt cx="3276600" cy="1181100"/>
+          </a:xfrm>
+        </p:grpSpPr>
+        <p:graphicFrame>
+          <p:nvGraphicFramePr>
+            <p:cNvPr id="14" name="Object 13">
+              <a:extLst>
+                <a:ext uri="{FF2B5EF4-FFF2-40B4-BE49-F238E27FC236}">
+                  <a16:creationId xmlns:a16="http://schemas.microsoft.com/office/drawing/2014/main" id="{6F39115B-FD5B-4C5D-FEFC-7AFF06DE6573}"/>
+                </a:ext>
+              </a:extLst>
+            </p:cNvPr>
+            <p:cNvGraphicFramePr>
+              <a:graphicFrameLocks noChangeAspect="1"/>
+            </p:cNvGraphicFramePr>
+            <p:nvPr>
+              <p:extLst>
+                <p:ext uri="{D42A27DB-BD31-4B8C-83A1-F6EECF244321}">
+                  <p14:modId xmlns:p14="http://schemas.microsoft.com/office/powerpoint/2010/main" val="916739203"/>
+                </p:ext>
+              </p:extLst>
+            </p:nvPr>
+          </p:nvGraphicFramePr>
+          <p:xfrm>
+            <a:off x="2828925" y="328613"/>
+            <a:ext cx="3276600" cy="1162050"/>
+          </p:xfrm>
+          <a:graphic>
+            <a:graphicData uri="http://schemas.openxmlformats.org/presentationml/2006/ole">
+              <mc:AlternateContent xmlns:mc="http://schemas.openxmlformats.org/markup-compatibility/2006">
+                <mc:Choice xmlns:v="urn:schemas-microsoft-com:vml" Requires="v">
+                  <p:oleObj name="Bitmap Image" r:id="rId4" imgW="3276720" imgH="1162080" progId="PBrush">
+                    <p:embed/>
+                  </p:oleObj>
+                </mc:Choice>
+                <mc:Fallback>
+                  <p:oleObj name="Bitmap Image" r:id="rId4" imgW="3276720" imgH="1162080" progId="PBrush">
+                    <p:embed/>
+                    <p:pic>
+                      <p:nvPicPr>
+                        <p:cNvPr id="0" name=""/>
+                        <p:cNvPicPr/>
+                        <p:nvPr/>
+                      </p:nvPicPr>
+                      <p:blipFill>
+                        <a:blip r:embed="rId5"/>
+                        <a:stretch>
+                          <a:fillRect/>
+                        </a:stretch>
+                      </p:blipFill>
+                      <p:spPr>
+                        <a:xfrm>
+                          <a:off x="2828925" y="328613"/>
+                          <a:ext cx="3276600" cy="1162050"/>
+                        </a:xfrm>
+                        <a:prstGeom prst="rect">
+                          <a:avLst/>
+                        </a:prstGeom>
+                      </p:spPr>
+                    </p:pic>
+                  </p:oleObj>
+                </mc:Fallback>
+              </mc:AlternateContent>
+            </a:graphicData>
+          </a:graphic>
+        </p:graphicFrame>
+        <p:sp>
+          <p:nvSpPr>
+            <p:cNvPr id="15" name="Овал 5">
+              <a:extLst>
+                <a:ext uri="{FF2B5EF4-FFF2-40B4-BE49-F238E27FC236}">
+                  <a16:creationId xmlns:a16="http://schemas.microsoft.com/office/drawing/2014/main" id="{3AAE8653-9A08-DD31-C4D4-605A9FD79282}"/>
+                </a:ext>
+              </a:extLst>
+            </p:cNvPr>
+            <p:cNvSpPr/>
+            <p:nvPr/>
+          </p:nvSpPr>
+          <p:spPr>
+            <a:xfrm>
+              <a:off x="3167063" y="309563"/>
+              <a:ext cx="614362" cy="247650"/>
+            </a:xfrm>
+            <a:prstGeom prst="ellipse">
+              <a:avLst/>
+            </a:prstGeom>
+            <a:noFill/>
+            <a:ln w="19050">
+              <a:solidFill>
+                <a:srgbClr val="FF0000"/>
+              </a:solidFill>
+            </a:ln>
+          </p:spPr>
+          <p:style>
+            <a:lnRef idx="2">
+              <a:schemeClr val="accent1">
+                <a:shade val="50000"/>
+              </a:schemeClr>
+            </a:lnRef>
+            <a:fillRef idx="1">
+              <a:schemeClr val="accent1"/>
+            </a:fillRef>
+            <a:effectRef idx="0">
+              <a:schemeClr val="accent1"/>
+            </a:effectRef>
+            <a:fontRef idx="minor">
+              <a:schemeClr val="lt1"/>
+            </a:fontRef>
+          </p:style>
+          <p:txBody>
+            <a:bodyPr rtlCol="0" anchor="ctr"/>
+            <a:lstStyle/>
+            <a:p>
+              <a:pPr algn="ctr"/>
+              <a:endParaRPr lang="ru-RU"/>
+            </a:p>
+          </p:txBody>
+        </p:sp>
+      </p:grpSp>
+      <p:grpSp>
+        <p:nvGrpSpPr>
+          <p:cNvPr id="25" name="Group 24">
+            <a:extLst>
+              <a:ext uri="{FF2B5EF4-FFF2-40B4-BE49-F238E27FC236}">
+                <a16:creationId xmlns:a16="http://schemas.microsoft.com/office/drawing/2014/main" id="{4BA16896-B106-D0E9-6546-A3C62E8034AA}"/>
+              </a:ext>
+            </a:extLst>
+          </p:cNvPr>
+          <p:cNvGrpSpPr/>
+          <p:nvPr/>
+        </p:nvGrpSpPr>
+        <p:grpSpPr>
+          <a:xfrm>
+            <a:off x="452436" y="2371725"/>
+            <a:ext cx="2809875" cy="619125"/>
+            <a:chOff x="357188" y="2752725"/>
+            <a:chExt cx="2809875" cy="619125"/>
+          </a:xfrm>
+        </p:grpSpPr>
+        <p:graphicFrame>
+          <p:nvGraphicFramePr>
+            <p:cNvPr id="17" name="Object 16">
+              <a:extLst>
+                <a:ext uri="{FF2B5EF4-FFF2-40B4-BE49-F238E27FC236}">
+                  <a16:creationId xmlns:a16="http://schemas.microsoft.com/office/drawing/2014/main" id="{2892E8B8-8A53-557F-57CC-FE6FC71705A3}"/>
+                </a:ext>
+              </a:extLst>
+            </p:cNvPr>
+            <p:cNvGraphicFramePr>
+              <a:graphicFrameLocks noChangeAspect="1"/>
+            </p:cNvGraphicFramePr>
+            <p:nvPr>
+              <p:extLst>
+                <p:ext uri="{D42A27DB-BD31-4B8C-83A1-F6EECF244321}">
+                  <p14:modId xmlns:p14="http://schemas.microsoft.com/office/powerpoint/2010/main" val="1558659177"/>
+                </p:ext>
+              </p:extLst>
+            </p:nvPr>
+          </p:nvGraphicFramePr>
+          <p:xfrm>
+            <a:off x="357188" y="2752725"/>
+            <a:ext cx="2809875" cy="619125"/>
+          </p:xfrm>
+          <a:graphic>
+            <a:graphicData uri="http://schemas.openxmlformats.org/presentationml/2006/ole">
+              <mc:AlternateContent xmlns:mc="http://schemas.openxmlformats.org/markup-compatibility/2006">
+                <mc:Choice xmlns:v="urn:schemas-microsoft-com:vml" Requires="v">
+                  <p:oleObj name="Bitmap Image" r:id="rId6" imgW="2809800" imgH="619200" progId="PBrush">
+                    <p:embed/>
+                  </p:oleObj>
+                </mc:Choice>
+                <mc:Fallback>
+                  <p:oleObj name="Bitmap Image" r:id="rId6" imgW="2809800" imgH="619200" progId="PBrush">
+                    <p:embed/>
+                    <p:pic>
+                      <p:nvPicPr>
+                        <p:cNvPr id="0" name=""/>
+                        <p:cNvPicPr/>
+                        <p:nvPr/>
+                      </p:nvPicPr>
+                      <p:blipFill>
+                        <a:blip r:embed="rId7"/>
+                        <a:stretch>
+                          <a:fillRect/>
+                        </a:stretch>
+                      </p:blipFill>
+                      <p:spPr>
+                        <a:xfrm>
+                          <a:off x="357188" y="2752725"/>
+                          <a:ext cx="2809875" cy="619125"/>
+                        </a:xfrm>
+                        <a:prstGeom prst="rect">
+                          <a:avLst/>
+                        </a:prstGeom>
+                      </p:spPr>
+                    </p:pic>
+                  </p:oleObj>
+                </mc:Fallback>
+              </mc:AlternateContent>
+            </a:graphicData>
+          </a:graphic>
+        </p:graphicFrame>
+        <p:sp>
+          <p:nvSpPr>
+            <p:cNvPr id="18" name="Овал 5">
+              <a:extLst>
+                <a:ext uri="{FF2B5EF4-FFF2-40B4-BE49-F238E27FC236}">
+                  <a16:creationId xmlns:a16="http://schemas.microsoft.com/office/drawing/2014/main" id="{36650704-0D18-8454-193E-7E58D2F1C8BD}"/>
+                </a:ext>
+              </a:extLst>
+            </p:cNvPr>
+            <p:cNvSpPr/>
+            <p:nvPr/>
+          </p:nvSpPr>
+          <p:spPr>
+            <a:xfrm>
+              <a:off x="1309687" y="2767013"/>
+              <a:ext cx="1023937" cy="247650"/>
+            </a:xfrm>
+            <a:prstGeom prst="ellipse">
+              <a:avLst/>
+            </a:prstGeom>
+            <a:noFill/>
+            <a:ln w="19050">
+              <a:solidFill>
+                <a:srgbClr val="FF0000"/>
+              </a:solidFill>
+            </a:ln>
+          </p:spPr>
+          <p:style>
+            <a:lnRef idx="2">
+              <a:schemeClr val="accent1">
+                <a:shade val="50000"/>
+              </a:schemeClr>
+            </a:lnRef>
+            <a:fillRef idx="1">
+              <a:schemeClr val="accent1"/>
+            </a:fillRef>
+            <a:effectRef idx="0">
+              <a:schemeClr val="accent1"/>
+            </a:effectRef>
+            <a:fontRef idx="minor">
+              <a:schemeClr val="lt1"/>
+            </a:fontRef>
+          </p:style>
+          <p:txBody>
+            <a:bodyPr rtlCol="0" anchor="ctr"/>
+            <a:lstStyle/>
+            <a:p>
+              <a:pPr algn="ctr"/>
+              <a:endParaRPr lang="ru-RU"/>
+            </a:p>
+          </p:txBody>
+        </p:sp>
+      </p:grpSp>
+      <p:grpSp>
+        <p:nvGrpSpPr>
+          <p:cNvPr id="27" name="Group 26">
+            <a:extLst>
+              <a:ext uri="{FF2B5EF4-FFF2-40B4-BE49-F238E27FC236}">
+                <a16:creationId xmlns:a16="http://schemas.microsoft.com/office/drawing/2014/main" id="{EB593B6F-9D90-E394-1628-FC51C3A5318A}"/>
+              </a:ext>
+            </a:extLst>
+          </p:cNvPr>
+          <p:cNvGrpSpPr/>
+          <p:nvPr/>
+        </p:nvGrpSpPr>
+        <p:grpSpPr>
+          <a:xfrm>
+            <a:off x="4572000" y="1719263"/>
+            <a:ext cx="3848100" cy="962025"/>
+            <a:chOff x="4572000" y="2890838"/>
+            <a:chExt cx="3848100" cy="962025"/>
+          </a:xfrm>
+        </p:grpSpPr>
+        <p:graphicFrame>
+          <p:nvGraphicFramePr>
+            <p:cNvPr id="21" name="Object 20">
+              <a:extLst>
+                <a:ext uri="{FF2B5EF4-FFF2-40B4-BE49-F238E27FC236}">
+                  <a16:creationId xmlns:a16="http://schemas.microsoft.com/office/drawing/2014/main" id="{2E2C0B60-319F-B687-5A1F-B11EE131FA01}"/>
+                </a:ext>
+              </a:extLst>
+            </p:cNvPr>
+            <p:cNvGraphicFramePr>
+              <a:graphicFrameLocks noChangeAspect="1"/>
+            </p:cNvGraphicFramePr>
+            <p:nvPr>
+              <p:extLst>
+                <p:ext uri="{D42A27DB-BD31-4B8C-83A1-F6EECF244321}">
+                  <p14:modId xmlns:p14="http://schemas.microsoft.com/office/powerpoint/2010/main" val="3649484987"/>
+                </p:ext>
+              </p:extLst>
+            </p:nvPr>
+          </p:nvGraphicFramePr>
+          <p:xfrm>
+            <a:off x="4572000" y="2890838"/>
+            <a:ext cx="3848100" cy="962025"/>
+          </p:xfrm>
+          <a:graphic>
+            <a:graphicData uri="http://schemas.openxmlformats.org/presentationml/2006/ole">
+              <mc:AlternateContent xmlns:mc="http://schemas.openxmlformats.org/markup-compatibility/2006">
+                <mc:Choice xmlns:v="urn:schemas-microsoft-com:vml" Requires="v">
+                  <p:oleObj name="Bitmap Image" r:id="rId8" imgW="3848040" imgH="961920" progId="PBrush">
+                    <p:embed/>
+                  </p:oleObj>
+                </mc:Choice>
+                <mc:Fallback>
+                  <p:oleObj name="Bitmap Image" r:id="rId8" imgW="3848040" imgH="961920" progId="PBrush">
+                    <p:embed/>
+                    <p:pic>
+                      <p:nvPicPr>
+                        <p:cNvPr id="0" name=""/>
+                        <p:cNvPicPr/>
+                        <p:nvPr/>
+                      </p:nvPicPr>
+                      <p:blipFill>
+                        <a:blip r:embed="rId9"/>
+                        <a:stretch>
+                          <a:fillRect/>
+                        </a:stretch>
+                      </p:blipFill>
+                      <p:spPr>
+                        <a:xfrm>
+                          <a:off x="4572000" y="2890838"/>
+                          <a:ext cx="3848100" cy="962025"/>
+                        </a:xfrm>
+                        <a:prstGeom prst="rect">
+                          <a:avLst/>
+                        </a:prstGeom>
+                      </p:spPr>
+                    </p:pic>
+                  </p:oleObj>
+                </mc:Fallback>
+              </mc:AlternateContent>
+            </a:graphicData>
+          </a:graphic>
+        </p:graphicFrame>
+        <p:sp>
+          <p:nvSpPr>
+            <p:cNvPr id="22" name="Овал 5">
+              <a:extLst>
+                <a:ext uri="{FF2B5EF4-FFF2-40B4-BE49-F238E27FC236}">
+                  <a16:creationId xmlns:a16="http://schemas.microsoft.com/office/drawing/2014/main" id="{7A902283-8550-0984-EC15-876D6A5950C4}"/>
+                </a:ext>
+              </a:extLst>
+            </p:cNvPr>
+            <p:cNvSpPr/>
+            <p:nvPr/>
+          </p:nvSpPr>
+          <p:spPr>
+            <a:xfrm>
+              <a:off x="6505575" y="2900363"/>
+              <a:ext cx="442913" cy="247650"/>
+            </a:xfrm>
+            <a:prstGeom prst="ellipse">
+              <a:avLst/>
+            </a:prstGeom>
+            <a:noFill/>
+            <a:ln w="19050">
+              <a:solidFill>
+                <a:srgbClr val="FF0000"/>
+              </a:solidFill>
+            </a:ln>
+          </p:spPr>
+          <p:style>
+            <a:lnRef idx="2">
+              <a:schemeClr val="accent1">
+                <a:shade val="50000"/>
+              </a:schemeClr>
+            </a:lnRef>
+            <a:fillRef idx="1">
+              <a:schemeClr val="accent1"/>
+            </a:fillRef>
+            <a:effectRef idx="0">
+              <a:schemeClr val="accent1"/>
+            </a:effectRef>
+            <a:fontRef idx="minor">
+              <a:schemeClr val="lt1"/>
+            </a:fontRef>
+          </p:style>
+          <p:txBody>
+            <a:bodyPr rtlCol="0" anchor="ctr"/>
+            <a:lstStyle/>
+            <a:p>
+              <a:pPr algn="ctr"/>
+              <a:endParaRPr lang="ru-RU"/>
+            </a:p>
+          </p:txBody>
+        </p:sp>
+      </p:grpSp>
+      <p:pic>
+        <p:nvPicPr>
+          <p:cNvPr id="43" name="Рисунок 39">
+            <a:extLst>
+              <a:ext uri="{FF2B5EF4-FFF2-40B4-BE49-F238E27FC236}">
+                <a16:creationId xmlns:a16="http://schemas.microsoft.com/office/drawing/2014/main" id="{A1D91CEA-C494-A21E-0DD0-A964C42F181E}"/>
+              </a:ext>
+            </a:extLst>
+          </p:cNvPr>
+          <p:cNvPicPr>
+            <a:picLocks noChangeAspect="1"/>
+          </p:cNvPicPr>
+          <p:nvPr/>
+        </p:nvPicPr>
+        <p:blipFill rotWithShape="1">
+          <a:blip r:embed="rId10"/>
+          <a:srcRect t="12723" b="65326"/>
+          <a:stretch/>
+        </p:blipFill>
+        <p:spPr>
+          <a:xfrm>
+            <a:off x="2321719" y="4050506"/>
+            <a:ext cx="3105150" cy="1285875"/>
+          </a:xfrm>
+          <a:prstGeom prst="rect">
+            <a:avLst/>
+          </a:prstGeom>
+        </p:spPr>
+      </p:pic>
+      <p:pic>
+        <p:nvPicPr>
+          <p:cNvPr id="45" name="Picture 44">
+            <a:extLst>
+              <a:ext uri="{FF2B5EF4-FFF2-40B4-BE49-F238E27FC236}">
+                <a16:creationId xmlns:a16="http://schemas.microsoft.com/office/drawing/2014/main" id="{A19CFD31-FC2F-AAC8-2830-11A201549708}"/>
+              </a:ext>
+            </a:extLst>
+          </p:cNvPr>
+          <p:cNvPicPr>
+            <a:picLocks noChangeAspect="1"/>
+          </p:cNvPicPr>
+          <p:nvPr/>
+        </p:nvPicPr>
+        <p:blipFill>
+          <a:blip r:embed="rId11"/>
+          <a:stretch>
+            <a:fillRect/>
+          </a:stretch>
+        </p:blipFill>
+        <p:spPr>
+          <a:xfrm>
+            <a:off x="6255543" y="3276600"/>
+            <a:ext cx="942975" cy="1800225"/>
+          </a:xfrm>
+          <a:prstGeom prst="rect">
+            <a:avLst/>
+          </a:prstGeom>
+        </p:spPr>
+      </p:pic>
+    </p:spTree>
+    <p:extLst>
+      <p:ext uri="{BB962C8B-B14F-4D97-AF65-F5344CB8AC3E}">
+        <p14:creationId xmlns:p14="http://schemas.microsoft.com/office/powerpoint/2010/main" val="2204062636"/>
+      </p:ext>
+    </p:extLst>
+  </p:cSld>
+  <p:clrMapOvr>
+    <a:masterClrMapping/>
+  </p:clrMapOvr>
+</p:sld>
+</file>
+
+<file path=ppt/slides/slide20.xml><?xml version="1.0" encoding="utf-8"?>
 <p:sld xmlns:a="http://schemas.openxmlformats.org/drawingml/2006/main" xmlns:r="http://schemas.openxmlformats.org/officeDocument/2006/relationships" xmlns:p="http://schemas.openxmlformats.org/presentationml/2006/main">
   <p:cSld>
     <p:spTree>
@@ -11451,7 +13741,7 @@
 </p:sld>
 </file>
 
-<file path=ppt/slides/slide18.xml><?xml version="1.0" encoding="utf-8"?>
+<file path=ppt/slides/slide21.xml><?xml version="1.0" encoding="utf-8"?>
 <p:sld xmlns:a="http://schemas.openxmlformats.org/drawingml/2006/main" xmlns:r="http://schemas.openxmlformats.org/officeDocument/2006/relationships" xmlns:p="http://schemas.openxmlformats.org/presentationml/2006/main">
   <p:cSld>
     <p:spTree>
@@ -13236,7 +15526,7 @@
 </p:sld>
 </file>
 
-<file path=ppt/slides/slide19.xml><?xml version="1.0" encoding="utf-8"?>
+<file path=ppt/slides/slide22.xml><?xml version="1.0" encoding="utf-8"?>
 <p:sld xmlns:a="http://schemas.openxmlformats.org/drawingml/2006/main" xmlns:r="http://schemas.openxmlformats.org/officeDocument/2006/relationships" xmlns:p="http://schemas.openxmlformats.org/presentationml/2006/main">
   <p:cSld>
     <p:spTree>
@@ -13351,640 +15641,7 @@
 </p:sld>
 </file>
 
-<file path=ppt/slides/slide2.xml><?xml version="1.0" encoding="utf-8"?>
-<p:sld xmlns:a="http://schemas.openxmlformats.org/drawingml/2006/main" xmlns:r="http://schemas.openxmlformats.org/officeDocument/2006/relationships" xmlns:p="http://schemas.openxmlformats.org/presentationml/2006/main">
-  <p:cSld>
-    <p:spTree>
-      <p:nvGrpSpPr>
-        <p:cNvPr id="1" name=""/>
-        <p:cNvGrpSpPr/>
-        <p:nvPr/>
-      </p:nvGrpSpPr>
-      <p:grpSpPr>
-        <a:xfrm>
-          <a:off x="0" y="0"/>
-          <a:ext cx="0" cy="0"/>
-          <a:chOff x="0" y="0"/>
-          <a:chExt cx="0" cy="0"/>
-        </a:xfrm>
-      </p:grpSpPr>
-      <p:grpSp>
-        <p:nvGrpSpPr>
-          <p:cNvPr id="23" name="Group 22">
-            <a:extLst>
-              <a:ext uri="{FF2B5EF4-FFF2-40B4-BE49-F238E27FC236}">
-                <a16:creationId xmlns:a16="http://schemas.microsoft.com/office/drawing/2014/main" id="{1CDB5274-F06F-AF7D-493D-C843DE39B82B}"/>
-              </a:ext>
-            </a:extLst>
-          </p:cNvPr>
-          <p:cNvGrpSpPr/>
-          <p:nvPr/>
-        </p:nvGrpSpPr>
-        <p:grpSpPr>
-          <a:xfrm>
-            <a:off x="681037" y="111919"/>
-            <a:ext cx="2333625" cy="2009775"/>
-            <a:chOff x="261938" y="309563"/>
-            <a:chExt cx="2333625" cy="2009775"/>
-          </a:xfrm>
-        </p:grpSpPr>
-        <p:graphicFrame>
-          <p:nvGraphicFramePr>
-            <p:cNvPr id="11" name="Object 10">
-              <a:extLst>
-                <a:ext uri="{FF2B5EF4-FFF2-40B4-BE49-F238E27FC236}">
-                  <a16:creationId xmlns:a16="http://schemas.microsoft.com/office/drawing/2014/main" id="{61734494-B75B-40C1-0CCE-A89B8EA29435}"/>
-                </a:ext>
-              </a:extLst>
-            </p:cNvPr>
-            <p:cNvGraphicFramePr>
-              <a:graphicFrameLocks noChangeAspect="1"/>
-            </p:cNvGraphicFramePr>
-            <p:nvPr>
-              <p:extLst>
-                <p:ext uri="{D42A27DB-BD31-4B8C-83A1-F6EECF244321}">
-                  <p14:modId xmlns:p14="http://schemas.microsoft.com/office/powerpoint/2010/main" val="795417189"/>
-                </p:ext>
-              </p:extLst>
-            </p:nvPr>
-          </p:nvGraphicFramePr>
-          <p:xfrm>
-            <a:off x="280988" y="328613"/>
-            <a:ext cx="2314575" cy="1990725"/>
-          </p:xfrm>
-          <a:graphic>
-            <a:graphicData uri="http://schemas.openxmlformats.org/presentationml/2006/ole">
-              <mc:AlternateContent xmlns:mc="http://schemas.openxmlformats.org/markup-compatibility/2006">
-                <mc:Choice xmlns:v="urn:schemas-microsoft-com:vml" Requires="v">
-                  <p:oleObj name="Bitmap Image" r:id="rId2" imgW="2314440" imgH="1990800" progId="PBrush">
-                    <p:embed/>
-                  </p:oleObj>
-                </mc:Choice>
-                <mc:Fallback>
-                  <p:oleObj name="Bitmap Image" r:id="rId2" imgW="2314440" imgH="1990800" progId="PBrush">
-                    <p:embed/>
-                    <p:pic>
-                      <p:nvPicPr>
-                        <p:cNvPr id="0" name=""/>
-                        <p:cNvPicPr/>
-                        <p:nvPr/>
-                      </p:nvPicPr>
-                      <p:blipFill>
-                        <a:blip r:embed="rId3"/>
-                        <a:stretch>
-                          <a:fillRect/>
-                        </a:stretch>
-                      </p:blipFill>
-                      <p:spPr>
-                        <a:xfrm>
-                          <a:off x="280988" y="328613"/>
-                          <a:ext cx="2314575" cy="1990725"/>
-                        </a:xfrm>
-                        <a:prstGeom prst="rect">
-                          <a:avLst/>
-                        </a:prstGeom>
-                      </p:spPr>
-                    </p:pic>
-                  </p:oleObj>
-                </mc:Fallback>
-              </mc:AlternateContent>
-            </a:graphicData>
-          </a:graphic>
-        </p:graphicFrame>
-        <p:sp>
-          <p:nvSpPr>
-            <p:cNvPr id="12" name="Овал 5">
-              <a:extLst>
-                <a:ext uri="{FF2B5EF4-FFF2-40B4-BE49-F238E27FC236}">
-                  <a16:creationId xmlns:a16="http://schemas.microsoft.com/office/drawing/2014/main" id="{2862245D-BD5C-B83A-83E5-38D4080DF592}"/>
-                </a:ext>
-              </a:extLst>
-            </p:cNvPr>
-            <p:cNvSpPr/>
-            <p:nvPr/>
-          </p:nvSpPr>
-          <p:spPr>
-            <a:xfrm>
-              <a:off x="261938" y="309563"/>
-              <a:ext cx="361950" cy="247650"/>
-            </a:xfrm>
-            <a:prstGeom prst="ellipse">
-              <a:avLst/>
-            </a:prstGeom>
-            <a:noFill/>
-            <a:ln w="19050">
-              <a:solidFill>
-                <a:srgbClr val="FF0000"/>
-              </a:solidFill>
-            </a:ln>
-          </p:spPr>
-          <p:style>
-            <a:lnRef idx="2">
-              <a:schemeClr val="accent1">
-                <a:shade val="50000"/>
-              </a:schemeClr>
-            </a:lnRef>
-            <a:fillRef idx="1">
-              <a:schemeClr val="accent1"/>
-            </a:fillRef>
-            <a:effectRef idx="0">
-              <a:schemeClr val="accent1"/>
-            </a:effectRef>
-            <a:fontRef idx="minor">
-              <a:schemeClr val="lt1"/>
-            </a:fontRef>
-          </p:style>
-          <p:txBody>
-            <a:bodyPr rtlCol="0" anchor="ctr"/>
-            <a:lstStyle/>
-            <a:p>
-              <a:pPr algn="ctr"/>
-              <a:endParaRPr lang="ru-RU"/>
-            </a:p>
-          </p:txBody>
-        </p:sp>
-      </p:grpSp>
-      <p:grpSp>
-        <p:nvGrpSpPr>
-          <p:cNvPr id="24" name="Group 23">
-            <a:extLst>
-              <a:ext uri="{FF2B5EF4-FFF2-40B4-BE49-F238E27FC236}">
-                <a16:creationId xmlns:a16="http://schemas.microsoft.com/office/drawing/2014/main" id="{1C67D4B8-CCAC-2FAE-8DA4-565E6102D899}"/>
-              </a:ext>
-            </a:extLst>
-          </p:cNvPr>
-          <p:cNvGrpSpPr/>
-          <p:nvPr/>
-        </p:nvGrpSpPr>
-        <p:grpSpPr>
-          <a:xfrm>
-            <a:off x="3440906" y="235744"/>
-            <a:ext cx="3276600" cy="1181100"/>
-            <a:chOff x="2828925" y="309563"/>
-            <a:chExt cx="3276600" cy="1181100"/>
-          </a:xfrm>
-        </p:grpSpPr>
-        <p:graphicFrame>
-          <p:nvGraphicFramePr>
-            <p:cNvPr id="14" name="Object 13">
-              <a:extLst>
-                <a:ext uri="{FF2B5EF4-FFF2-40B4-BE49-F238E27FC236}">
-                  <a16:creationId xmlns:a16="http://schemas.microsoft.com/office/drawing/2014/main" id="{6F39115B-FD5B-4C5D-FEFC-7AFF06DE6573}"/>
-                </a:ext>
-              </a:extLst>
-            </p:cNvPr>
-            <p:cNvGraphicFramePr>
-              <a:graphicFrameLocks noChangeAspect="1"/>
-            </p:cNvGraphicFramePr>
-            <p:nvPr>
-              <p:extLst>
-                <p:ext uri="{D42A27DB-BD31-4B8C-83A1-F6EECF244321}">
-                  <p14:modId xmlns:p14="http://schemas.microsoft.com/office/powerpoint/2010/main" val="916739203"/>
-                </p:ext>
-              </p:extLst>
-            </p:nvPr>
-          </p:nvGraphicFramePr>
-          <p:xfrm>
-            <a:off x="2828925" y="328613"/>
-            <a:ext cx="3276600" cy="1162050"/>
-          </p:xfrm>
-          <a:graphic>
-            <a:graphicData uri="http://schemas.openxmlformats.org/presentationml/2006/ole">
-              <mc:AlternateContent xmlns:mc="http://schemas.openxmlformats.org/markup-compatibility/2006">
-                <mc:Choice xmlns:v="urn:schemas-microsoft-com:vml" Requires="v">
-                  <p:oleObj name="Bitmap Image" r:id="rId4" imgW="3276720" imgH="1162080" progId="PBrush">
-                    <p:embed/>
-                  </p:oleObj>
-                </mc:Choice>
-                <mc:Fallback>
-                  <p:oleObj name="Bitmap Image" r:id="rId4" imgW="3276720" imgH="1162080" progId="PBrush">
-                    <p:embed/>
-                    <p:pic>
-                      <p:nvPicPr>
-                        <p:cNvPr id="0" name=""/>
-                        <p:cNvPicPr/>
-                        <p:nvPr/>
-                      </p:nvPicPr>
-                      <p:blipFill>
-                        <a:blip r:embed="rId5"/>
-                        <a:stretch>
-                          <a:fillRect/>
-                        </a:stretch>
-                      </p:blipFill>
-                      <p:spPr>
-                        <a:xfrm>
-                          <a:off x="2828925" y="328613"/>
-                          <a:ext cx="3276600" cy="1162050"/>
-                        </a:xfrm>
-                        <a:prstGeom prst="rect">
-                          <a:avLst/>
-                        </a:prstGeom>
-                      </p:spPr>
-                    </p:pic>
-                  </p:oleObj>
-                </mc:Fallback>
-              </mc:AlternateContent>
-            </a:graphicData>
-          </a:graphic>
-        </p:graphicFrame>
-        <p:sp>
-          <p:nvSpPr>
-            <p:cNvPr id="15" name="Овал 5">
-              <a:extLst>
-                <a:ext uri="{FF2B5EF4-FFF2-40B4-BE49-F238E27FC236}">
-                  <a16:creationId xmlns:a16="http://schemas.microsoft.com/office/drawing/2014/main" id="{3AAE8653-9A08-DD31-C4D4-605A9FD79282}"/>
-                </a:ext>
-              </a:extLst>
-            </p:cNvPr>
-            <p:cNvSpPr/>
-            <p:nvPr/>
-          </p:nvSpPr>
-          <p:spPr>
-            <a:xfrm>
-              <a:off x="3167063" y="309563"/>
-              <a:ext cx="614362" cy="247650"/>
-            </a:xfrm>
-            <a:prstGeom prst="ellipse">
-              <a:avLst/>
-            </a:prstGeom>
-            <a:noFill/>
-            <a:ln w="19050">
-              <a:solidFill>
-                <a:srgbClr val="FF0000"/>
-              </a:solidFill>
-            </a:ln>
-          </p:spPr>
-          <p:style>
-            <a:lnRef idx="2">
-              <a:schemeClr val="accent1">
-                <a:shade val="50000"/>
-              </a:schemeClr>
-            </a:lnRef>
-            <a:fillRef idx="1">
-              <a:schemeClr val="accent1"/>
-            </a:fillRef>
-            <a:effectRef idx="0">
-              <a:schemeClr val="accent1"/>
-            </a:effectRef>
-            <a:fontRef idx="minor">
-              <a:schemeClr val="lt1"/>
-            </a:fontRef>
-          </p:style>
-          <p:txBody>
-            <a:bodyPr rtlCol="0" anchor="ctr"/>
-            <a:lstStyle/>
-            <a:p>
-              <a:pPr algn="ctr"/>
-              <a:endParaRPr lang="ru-RU"/>
-            </a:p>
-          </p:txBody>
-        </p:sp>
-      </p:grpSp>
-      <p:grpSp>
-        <p:nvGrpSpPr>
-          <p:cNvPr id="25" name="Group 24">
-            <a:extLst>
-              <a:ext uri="{FF2B5EF4-FFF2-40B4-BE49-F238E27FC236}">
-                <a16:creationId xmlns:a16="http://schemas.microsoft.com/office/drawing/2014/main" id="{4BA16896-B106-D0E9-6546-A3C62E8034AA}"/>
-              </a:ext>
-            </a:extLst>
-          </p:cNvPr>
-          <p:cNvGrpSpPr/>
-          <p:nvPr/>
-        </p:nvGrpSpPr>
-        <p:grpSpPr>
-          <a:xfrm>
-            <a:off x="452436" y="2371725"/>
-            <a:ext cx="2809875" cy="619125"/>
-            <a:chOff x="357188" y="2752725"/>
-            <a:chExt cx="2809875" cy="619125"/>
-          </a:xfrm>
-        </p:grpSpPr>
-        <p:graphicFrame>
-          <p:nvGraphicFramePr>
-            <p:cNvPr id="17" name="Object 16">
-              <a:extLst>
-                <a:ext uri="{FF2B5EF4-FFF2-40B4-BE49-F238E27FC236}">
-                  <a16:creationId xmlns:a16="http://schemas.microsoft.com/office/drawing/2014/main" id="{2892E8B8-8A53-557F-57CC-FE6FC71705A3}"/>
-                </a:ext>
-              </a:extLst>
-            </p:cNvPr>
-            <p:cNvGraphicFramePr>
-              <a:graphicFrameLocks noChangeAspect="1"/>
-            </p:cNvGraphicFramePr>
-            <p:nvPr>
-              <p:extLst>
-                <p:ext uri="{D42A27DB-BD31-4B8C-83A1-F6EECF244321}">
-                  <p14:modId xmlns:p14="http://schemas.microsoft.com/office/powerpoint/2010/main" val="1558659177"/>
-                </p:ext>
-              </p:extLst>
-            </p:nvPr>
-          </p:nvGraphicFramePr>
-          <p:xfrm>
-            <a:off x="357188" y="2752725"/>
-            <a:ext cx="2809875" cy="619125"/>
-          </p:xfrm>
-          <a:graphic>
-            <a:graphicData uri="http://schemas.openxmlformats.org/presentationml/2006/ole">
-              <mc:AlternateContent xmlns:mc="http://schemas.openxmlformats.org/markup-compatibility/2006">
-                <mc:Choice xmlns:v="urn:schemas-microsoft-com:vml" Requires="v">
-                  <p:oleObj name="Bitmap Image" r:id="rId6" imgW="2809800" imgH="619200" progId="PBrush">
-                    <p:embed/>
-                  </p:oleObj>
-                </mc:Choice>
-                <mc:Fallback>
-                  <p:oleObj name="Bitmap Image" r:id="rId6" imgW="2809800" imgH="619200" progId="PBrush">
-                    <p:embed/>
-                    <p:pic>
-                      <p:nvPicPr>
-                        <p:cNvPr id="0" name=""/>
-                        <p:cNvPicPr/>
-                        <p:nvPr/>
-                      </p:nvPicPr>
-                      <p:blipFill>
-                        <a:blip r:embed="rId7"/>
-                        <a:stretch>
-                          <a:fillRect/>
-                        </a:stretch>
-                      </p:blipFill>
-                      <p:spPr>
-                        <a:xfrm>
-                          <a:off x="357188" y="2752725"/>
-                          <a:ext cx="2809875" cy="619125"/>
-                        </a:xfrm>
-                        <a:prstGeom prst="rect">
-                          <a:avLst/>
-                        </a:prstGeom>
-                      </p:spPr>
-                    </p:pic>
-                  </p:oleObj>
-                </mc:Fallback>
-              </mc:AlternateContent>
-            </a:graphicData>
-          </a:graphic>
-        </p:graphicFrame>
-        <p:sp>
-          <p:nvSpPr>
-            <p:cNvPr id="18" name="Овал 5">
-              <a:extLst>
-                <a:ext uri="{FF2B5EF4-FFF2-40B4-BE49-F238E27FC236}">
-                  <a16:creationId xmlns:a16="http://schemas.microsoft.com/office/drawing/2014/main" id="{36650704-0D18-8454-193E-7E58D2F1C8BD}"/>
-                </a:ext>
-              </a:extLst>
-            </p:cNvPr>
-            <p:cNvSpPr/>
-            <p:nvPr/>
-          </p:nvSpPr>
-          <p:spPr>
-            <a:xfrm>
-              <a:off x="1309687" y="2767013"/>
-              <a:ext cx="1023937" cy="247650"/>
-            </a:xfrm>
-            <a:prstGeom prst="ellipse">
-              <a:avLst/>
-            </a:prstGeom>
-            <a:noFill/>
-            <a:ln w="19050">
-              <a:solidFill>
-                <a:srgbClr val="FF0000"/>
-              </a:solidFill>
-            </a:ln>
-          </p:spPr>
-          <p:style>
-            <a:lnRef idx="2">
-              <a:schemeClr val="accent1">
-                <a:shade val="50000"/>
-              </a:schemeClr>
-            </a:lnRef>
-            <a:fillRef idx="1">
-              <a:schemeClr val="accent1"/>
-            </a:fillRef>
-            <a:effectRef idx="0">
-              <a:schemeClr val="accent1"/>
-            </a:effectRef>
-            <a:fontRef idx="minor">
-              <a:schemeClr val="lt1"/>
-            </a:fontRef>
-          </p:style>
-          <p:txBody>
-            <a:bodyPr rtlCol="0" anchor="ctr"/>
-            <a:lstStyle/>
-            <a:p>
-              <a:pPr algn="ctr"/>
-              <a:endParaRPr lang="ru-RU"/>
-            </a:p>
-          </p:txBody>
-        </p:sp>
-      </p:grpSp>
-      <p:grpSp>
-        <p:nvGrpSpPr>
-          <p:cNvPr id="27" name="Group 26">
-            <a:extLst>
-              <a:ext uri="{FF2B5EF4-FFF2-40B4-BE49-F238E27FC236}">
-                <a16:creationId xmlns:a16="http://schemas.microsoft.com/office/drawing/2014/main" id="{EB593B6F-9D90-E394-1628-FC51C3A5318A}"/>
-              </a:ext>
-            </a:extLst>
-          </p:cNvPr>
-          <p:cNvGrpSpPr/>
-          <p:nvPr/>
-        </p:nvGrpSpPr>
-        <p:grpSpPr>
-          <a:xfrm>
-            <a:off x="4572000" y="1719263"/>
-            <a:ext cx="3848100" cy="962025"/>
-            <a:chOff x="4572000" y="2890838"/>
-            <a:chExt cx="3848100" cy="962025"/>
-          </a:xfrm>
-        </p:grpSpPr>
-        <p:graphicFrame>
-          <p:nvGraphicFramePr>
-            <p:cNvPr id="21" name="Object 20">
-              <a:extLst>
-                <a:ext uri="{FF2B5EF4-FFF2-40B4-BE49-F238E27FC236}">
-                  <a16:creationId xmlns:a16="http://schemas.microsoft.com/office/drawing/2014/main" id="{2E2C0B60-319F-B687-5A1F-B11EE131FA01}"/>
-                </a:ext>
-              </a:extLst>
-            </p:cNvPr>
-            <p:cNvGraphicFramePr>
-              <a:graphicFrameLocks noChangeAspect="1"/>
-            </p:cNvGraphicFramePr>
-            <p:nvPr>
-              <p:extLst>
-                <p:ext uri="{D42A27DB-BD31-4B8C-83A1-F6EECF244321}">
-                  <p14:modId xmlns:p14="http://schemas.microsoft.com/office/powerpoint/2010/main" val="3649484987"/>
-                </p:ext>
-              </p:extLst>
-            </p:nvPr>
-          </p:nvGraphicFramePr>
-          <p:xfrm>
-            <a:off x="4572000" y="2890838"/>
-            <a:ext cx="3848100" cy="962025"/>
-          </p:xfrm>
-          <a:graphic>
-            <a:graphicData uri="http://schemas.openxmlformats.org/presentationml/2006/ole">
-              <mc:AlternateContent xmlns:mc="http://schemas.openxmlformats.org/markup-compatibility/2006">
-                <mc:Choice xmlns:v="urn:schemas-microsoft-com:vml" Requires="v">
-                  <p:oleObj name="Bitmap Image" r:id="rId8" imgW="3848040" imgH="961920" progId="PBrush">
-                    <p:embed/>
-                  </p:oleObj>
-                </mc:Choice>
-                <mc:Fallback>
-                  <p:oleObj name="Bitmap Image" r:id="rId8" imgW="3848040" imgH="961920" progId="PBrush">
-                    <p:embed/>
-                    <p:pic>
-                      <p:nvPicPr>
-                        <p:cNvPr id="0" name=""/>
-                        <p:cNvPicPr/>
-                        <p:nvPr/>
-                      </p:nvPicPr>
-                      <p:blipFill>
-                        <a:blip r:embed="rId9"/>
-                        <a:stretch>
-                          <a:fillRect/>
-                        </a:stretch>
-                      </p:blipFill>
-                      <p:spPr>
-                        <a:xfrm>
-                          <a:off x="4572000" y="2890838"/>
-                          <a:ext cx="3848100" cy="962025"/>
-                        </a:xfrm>
-                        <a:prstGeom prst="rect">
-                          <a:avLst/>
-                        </a:prstGeom>
-                      </p:spPr>
-                    </p:pic>
-                  </p:oleObj>
-                </mc:Fallback>
-              </mc:AlternateContent>
-            </a:graphicData>
-          </a:graphic>
-        </p:graphicFrame>
-        <p:sp>
-          <p:nvSpPr>
-            <p:cNvPr id="22" name="Овал 5">
-              <a:extLst>
-                <a:ext uri="{FF2B5EF4-FFF2-40B4-BE49-F238E27FC236}">
-                  <a16:creationId xmlns:a16="http://schemas.microsoft.com/office/drawing/2014/main" id="{7A902283-8550-0984-EC15-876D6A5950C4}"/>
-                </a:ext>
-              </a:extLst>
-            </p:cNvPr>
-            <p:cNvSpPr/>
-            <p:nvPr/>
-          </p:nvSpPr>
-          <p:spPr>
-            <a:xfrm>
-              <a:off x="6505575" y="2900363"/>
-              <a:ext cx="442913" cy="247650"/>
-            </a:xfrm>
-            <a:prstGeom prst="ellipse">
-              <a:avLst/>
-            </a:prstGeom>
-            <a:noFill/>
-            <a:ln w="19050">
-              <a:solidFill>
-                <a:srgbClr val="FF0000"/>
-              </a:solidFill>
-            </a:ln>
-          </p:spPr>
-          <p:style>
-            <a:lnRef idx="2">
-              <a:schemeClr val="accent1">
-                <a:shade val="50000"/>
-              </a:schemeClr>
-            </a:lnRef>
-            <a:fillRef idx="1">
-              <a:schemeClr val="accent1"/>
-            </a:fillRef>
-            <a:effectRef idx="0">
-              <a:schemeClr val="accent1"/>
-            </a:effectRef>
-            <a:fontRef idx="minor">
-              <a:schemeClr val="lt1"/>
-            </a:fontRef>
-          </p:style>
-          <p:txBody>
-            <a:bodyPr rtlCol="0" anchor="ctr"/>
-            <a:lstStyle/>
-            <a:p>
-              <a:pPr algn="ctr"/>
-              <a:endParaRPr lang="ru-RU"/>
-            </a:p>
-          </p:txBody>
-        </p:sp>
-      </p:grpSp>
-      <p:pic>
-        <p:nvPicPr>
-          <p:cNvPr id="43" name="Рисунок 39">
-            <a:extLst>
-              <a:ext uri="{FF2B5EF4-FFF2-40B4-BE49-F238E27FC236}">
-                <a16:creationId xmlns:a16="http://schemas.microsoft.com/office/drawing/2014/main" id="{A1D91CEA-C494-A21E-0DD0-A964C42F181E}"/>
-              </a:ext>
-            </a:extLst>
-          </p:cNvPr>
-          <p:cNvPicPr>
-            <a:picLocks noChangeAspect="1"/>
-          </p:cNvPicPr>
-          <p:nvPr/>
-        </p:nvPicPr>
-        <p:blipFill rotWithShape="1">
-          <a:blip r:embed="rId10"/>
-          <a:srcRect t="12723" b="65326"/>
-          <a:stretch/>
-        </p:blipFill>
-        <p:spPr>
-          <a:xfrm>
-            <a:off x="2321719" y="4050506"/>
-            <a:ext cx="3105150" cy="1285875"/>
-          </a:xfrm>
-          <a:prstGeom prst="rect">
-            <a:avLst/>
-          </a:prstGeom>
-        </p:spPr>
-      </p:pic>
-      <p:pic>
-        <p:nvPicPr>
-          <p:cNvPr id="45" name="Picture 44">
-            <a:extLst>
-              <a:ext uri="{FF2B5EF4-FFF2-40B4-BE49-F238E27FC236}">
-                <a16:creationId xmlns:a16="http://schemas.microsoft.com/office/drawing/2014/main" id="{A19CFD31-FC2F-AAC8-2830-11A201549708}"/>
-              </a:ext>
-            </a:extLst>
-          </p:cNvPr>
-          <p:cNvPicPr>
-            <a:picLocks noChangeAspect="1"/>
-          </p:cNvPicPr>
-          <p:nvPr/>
-        </p:nvPicPr>
-        <p:blipFill>
-          <a:blip r:embed="rId11"/>
-          <a:stretch>
-            <a:fillRect/>
-          </a:stretch>
-        </p:blipFill>
-        <p:spPr>
-          <a:xfrm>
-            <a:off x="6255543" y="3276600"/>
-            <a:ext cx="942975" cy="1800225"/>
-          </a:xfrm>
-          <a:prstGeom prst="rect">
-            <a:avLst/>
-          </a:prstGeom>
-        </p:spPr>
-      </p:pic>
-    </p:spTree>
-    <p:extLst>
-      <p:ext uri="{BB962C8B-B14F-4D97-AF65-F5344CB8AC3E}">
-        <p14:creationId xmlns:p14="http://schemas.microsoft.com/office/powerpoint/2010/main" val="2204062636"/>
-      </p:ext>
-    </p:extLst>
-  </p:cSld>
-  <p:clrMapOvr>
-    <a:masterClrMapping/>
-  </p:clrMapOvr>
-</p:sld>
-</file>
-
-<file path=ppt/slides/slide20.xml><?xml version="1.0" encoding="utf-8"?>
+<file path=ppt/slides/slide23.xml><?xml version="1.0" encoding="utf-8"?>
 <p:sld xmlns:a="http://schemas.openxmlformats.org/drawingml/2006/main" xmlns:r="http://schemas.openxmlformats.org/officeDocument/2006/relationships" xmlns:p="http://schemas.openxmlformats.org/presentationml/2006/main">
   <p:cSld>
     <p:spTree>

--- a/manual/Pictures 2.0/Pictures 2.0.pptx
+++ b/manual/Pictures 2.0/Pictures 2.0.pptx
@@ -24,10 +24,11 @@
     <p:sldId id="283" r:id="rId18"/>
     <p:sldId id="282" r:id="rId19"/>
     <p:sldId id="284" r:id="rId20"/>
-    <p:sldId id="266" r:id="rId21"/>
-    <p:sldId id="267" r:id="rId22"/>
-    <p:sldId id="268" r:id="rId23"/>
-    <p:sldId id="269" r:id="rId24"/>
+    <p:sldId id="285" r:id="rId21"/>
+    <p:sldId id="266" r:id="rId22"/>
+    <p:sldId id="267" r:id="rId23"/>
+    <p:sldId id="268" r:id="rId24"/>
+    <p:sldId id="269" r:id="rId25"/>
   </p:sldIdLst>
   <p:sldSz cx="9144000" cy="6858000" type="screen4x3"/>
   <p:notesSz cx="6858000" cy="9144000"/>
@@ -12327,200 +12328,6 @@
           </p:txBody>
         </p:sp>
       </p:grpSp>
-      <p:grpSp>
-        <p:nvGrpSpPr>
-          <p:cNvPr id="19" name="Group 18">
-            <a:extLst>
-              <a:ext uri="{FF2B5EF4-FFF2-40B4-BE49-F238E27FC236}">
-                <a16:creationId xmlns:a16="http://schemas.microsoft.com/office/drawing/2014/main" id="{116A48C1-682E-CF1D-FC20-8535151CAD4C}"/>
-              </a:ext>
-            </a:extLst>
-          </p:cNvPr>
-          <p:cNvGrpSpPr/>
-          <p:nvPr/>
-        </p:nvGrpSpPr>
-        <p:grpSpPr>
-          <a:xfrm>
-            <a:off x="1084897" y="2946559"/>
-            <a:ext cx="2348865" cy="2025015"/>
-            <a:chOff x="1084897" y="2946559"/>
-            <a:chExt cx="2348865" cy="2025015"/>
-          </a:xfrm>
-        </p:grpSpPr>
-        <p:graphicFrame>
-          <p:nvGraphicFramePr>
-            <p:cNvPr id="13" name="Object 12">
-              <a:extLst>
-                <a:ext uri="{FF2B5EF4-FFF2-40B4-BE49-F238E27FC236}">
-                  <a16:creationId xmlns:a16="http://schemas.microsoft.com/office/drawing/2014/main" id="{5366CF25-8B02-37D2-6936-5352BFF2EA85}"/>
-                </a:ext>
-              </a:extLst>
-            </p:cNvPr>
-            <p:cNvGraphicFramePr>
-              <a:graphicFrameLocks noChangeAspect="1"/>
-            </p:cNvGraphicFramePr>
-            <p:nvPr>
-              <p:extLst>
-                <p:ext uri="{D42A27DB-BD31-4B8C-83A1-F6EECF244321}">
-                  <p14:modId xmlns:p14="http://schemas.microsoft.com/office/powerpoint/2010/main" val="3554863595"/>
-                </p:ext>
-              </p:extLst>
-            </p:nvPr>
-          </p:nvGraphicFramePr>
-          <p:xfrm>
-            <a:off x="1119187" y="2980849"/>
-            <a:ext cx="2314575" cy="1990725"/>
-          </p:xfrm>
-          <a:graphic>
-            <a:graphicData uri="http://schemas.openxmlformats.org/presentationml/2006/ole">
-              <mc:AlternateContent xmlns:mc="http://schemas.openxmlformats.org/markup-compatibility/2006">
-                <mc:Choice xmlns:v="urn:schemas-microsoft-com:vml" Requires="v">
-                  <p:oleObj name="Bitmap Image" r:id="rId3" imgW="2314440" imgH="1990800" progId="PBrush">
-                    <p:embed/>
-                  </p:oleObj>
-                </mc:Choice>
-                <mc:Fallback>
-                  <p:oleObj name="Bitmap Image" r:id="rId3" imgW="2314440" imgH="1990800" progId="PBrush">
-                    <p:embed/>
-                    <p:pic>
-                      <p:nvPicPr>
-                        <p:cNvPr id="11" name="Object 10">
-                          <a:extLst>
-                            <a:ext uri="{FF2B5EF4-FFF2-40B4-BE49-F238E27FC236}">
-                              <a16:creationId xmlns:a16="http://schemas.microsoft.com/office/drawing/2014/main" id="{61734494-B75B-40C1-0CCE-A89B8EA29435}"/>
-                            </a:ext>
-                          </a:extLst>
-                        </p:cNvPr>
-                        <p:cNvPicPr/>
-                        <p:nvPr/>
-                      </p:nvPicPr>
-                      <p:blipFill>
-                        <a:blip r:embed="rId4"/>
-                        <a:stretch>
-                          <a:fillRect/>
-                        </a:stretch>
-                      </p:blipFill>
-                      <p:spPr>
-                        <a:xfrm>
-                          <a:off x="1119187" y="2980849"/>
-                          <a:ext cx="2314575" cy="1990725"/>
-                        </a:xfrm>
-                        <a:prstGeom prst="rect">
-                          <a:avLst/>
-                        </a:prstGeom>
-                      </p:spPr>
-                    </p:pic>
-                  </p:oleObj>
-                </mc:Fallback>
-              </mc:AlternateContent>
-            </a:graphicData>
-          </a:graphic>
-        </p:graphicFrame>
-        <p:sp>
-          <p:nvSpPr>
-            <p:cNvPr id="14" name="Овал 5">
-              <a:extLst>
-                <a:ext uri="{FF2B5EF4-FFF2-40B4-BE49-F238E27FC236}">
-                  <a16:creationId xmlns:a16="http://schemas.microsoft.com/office/drawing/2014/main" id="{76499E9F-8CCC-6692-8E35-DF3F871D18EB}"/>
-                </a:ext>
-              </a:extLst>
-            </p:cNvPr>
-            <p:cNvSpPr/>
-            <p:nvPr/>
-          </p:nvSpPr>
-          <p:spPr>
-            <a:xfrm>
-              <a:off x="1084897" y="2946559"/>
-              <a:ext cx="361950" cy="247650"/>
-            </a:xfrm>
-            <a:prstGeom prst="ellipse">
-              <a:avLst/>
-            </a:prstGeom>
-            <a:noFill/>
-            <a:ln w="19050">
-              <a:solidFill>
-                <a:srgbClr val="FF0000"/>
-              </a:solidFill>
-            </a:ln>
-          </p:spPr>
-          <p:style>
-            <a:lnRef idx="2">
-              <a:schemeClr val="accent1">
-                <a:shade val="50000"/>
-              </a:schemeClr>
-            </a:lnRef>
-            <a:fillRef idx="1">
-              <a:schemeClr val="accent1"/>
-            </a:fillRef>
-            <a:effectRef idx="0">
-              <a:schemeClr val="accent1"/>
-            </a:effectRef>
-            <a:fontRef idx="minor">
-              <a:schemeClr val="lt1"/>
-            </a:fontRef>
-          </p:style>
-          <p:txBody>
-            <a:bodyPr rtlCol="0" anchor="ctr"/>
-            <a:lstStyle/>
-            <a:p>
-              <a:pPr algn="ctr"/>
-              <a:endParaRPr lang="ru-RU"/>
-            </a:p>
-          </p:txBody>
-        </p:sp>
-        <p:sp>
-          <p:nvSpPr>
-            <p:cNvPr id="18" name="Rectangle: Rounded Corners 17">
-              <a:extLst>
-                <a:ext uri="{FF2B5EF4-FFF2-40B4-BE49-F238E27FC236}">
-                  <a16:creationId xmlns:a16="http://schemas.microsoft.com/office/drawing/2014/main" id="{EC12575B-D92E-7017-B5B6-9F313FF8A319}"/>
-                </a:ext>
-              </a:extLst>
-            </p:cNvPr>
-            <p:cNvSpPr/>
-            <p:nvPr/>
-          </p:nvSpPr>
-          <p:spPr>
-            <a:xfrm>
-              <a:off x="1248507" y="4251960"/>
-              <a:ext cx="2058573" cy="196947"/>
-            </a:xfrm>
-            <a:prstGeom prst="roundRect">
-              <a:avLst/>
-            </a:prstGeom>
-            <a:noFill/>
-            <a:ln w="25400">
-              <a:solidFill>
-                <a:srgbClr val="FF0000"/>
-              </a:solidFill>
-            </a:ln>
-          </p:spPr>
-          <p:style>
-            <a:lnRef idx="2">
-              <a:schemeClr val="accent1">
-                <a:shade val="50000"/>
-              </a:schemeClr>
-            </a:lnRef>
-            <a:fillRef idx="1">
-              <a:schemeClr val="accent1"/>
-            </a:fillRef>
-            <a:effectRef idx="0">
-              <a:schemeClr val="accent1"/>
-            </a:effectRef>
-            <a:fontRef idx="minor">
-              <a:schemeClr val="lt1"/>
-            </a:fontRef>
-          </p:style>
-          <p:txBody>
-            <a:bodyPr rtlCol="0" anchor="ctr"/>
-            <a:lstStyle/>
-            <a:p>
-              <a:pPr algn="ctr"/>
-              <a:endParaRPr lang="en-US" dirty="0"/>
-            </a:p>
-          </p:txBody>
-        </p:sp>
-      </p:grpSp>
     </p:spTree>
     <p:extLst>
       <p:ext uri="{BB962C8B-B14F-4D97-AF65-F5344CB8AC3E}">
@@ -13186,6 +12993,653 @@
       </p:grpSpPr>
       <p:grpSp>
         <p:nvGrpSpPr>
+          <p:cNvPr id="19" name="Group 18">
+            <a:extLst>
+              <a:ext uri="{FF2B5EF4-FFF2-40B4-BE49-F238E27FC236}">
+                <a16:creationId xmlns:a16="http://schemas.microsoft.com/office/drawing/2014/main" id="{116A48C1-682E-CF1D-FC20-8535151CAD4C}"/>
+              </a:ext>
+            </a:extLst>
+          </p:cNvPr>
+          <p:cNvGrpSpPr/>
+          <p:nvPr/>
+        </p:nvGrpSpPr>
+        <p:grpSpPr>
+          <a:xfrm>
+            <a:off x="3386137" y="668179"/>
+            <a:ext cx="2348865" cy="2025015"/>
+            <a:chOff x="1084897" y="2946559"/>
+            <a:chExt cx="2348865" cy="2025015"/>
+          </a:xfrm>
+        </p:grpSpPr>
+        <p:graphicFrame>
+          <p:nvGraphicFramePr>
+            <p:cNvPr id="13" name="Object 12">
+              <a:extLst>
+                <a:ext uri="{FF2B5EF4-FFF2-40B4-BE49-F238E27FC236}">
+                  <a16:creationId xmlns:a16="http://schemas.microsoft.com/office/drawing/2014/main" id="{5366CF25-8B02-37D2-6936-5352BFF2EA85}"/>
+                </a:ext>
+              </a:extLst>
+            </p:cNvPr>
+            <p:cNvGraphicFramePr>
+              <a:graphicFrameLocks noChangeAspect="1"/>
+            </p:cNvGraphicFramePr>
+            <p:nvPr/>
+          </p:nvGraphicFramePr>
+          <p:xfrm>
+            <a:off x="1119187" y="2980849"/>
+            <a:ext cx="2314575" cy="1990725"/>
+          </p:xfrm>
+          <a:graphic>
+            <a:graphicData uri="http://schemas.openxmlformats.org/presentationml/2006/ole">
+              <mc:AlternateContent xmlns:mc="http://schemas.openxmlformats.org/markup-compatibility/2006">
+                <mc:Choice xmlns:v="urn:schemas-microsoft-com:vml" Requires="v">
+                  <p:oleObj name="Bitmap Image" r:id="rId2" imgW="2314440" imgH="1990800" progId="PBrush">
+                    <p:embed/>
+                  </p:oleObj>
+                </mc:Choice>
+                <mc:Fallback>
+                  <p:oleObj name="Bitmap Image" r:id="rId2" imgW="2314440" imgH="1990800" progId="PBrush">
+                    <p:embed/>
+                    <p:pic>
+                      <p:nvPicPr>
+                        <p:cNvPr id="13" name="Object 12">
+                          <a:extLst>
+                            <a:ext uri="{FF2B5EF4-FFF2-40B4-BE49-F238E27FC236}">
+                              <a16:creationId xmlns:a16="http://schemas.microsoft.com/office/drawing/2014/main" id="{5366CF25-8B02-37D2-6936-5352BFF2EA85}"/>
+                            </a:ext>
+                          </a:extLst>
+                        </p:cNvPr>
+                        <p:cNvPicPr/>
+                        <p:nvPr/>
+                      </p:nvPicPr>
+                      <p:blipFill>
+                        <a:blip r:embed="rId3"/>
+                        <a:stretch>
+                          <a:fillRect/>
+                        </a:stretch>
+                      </p:blipFill>
+                      <p:spPr>
+                        <a:xfrm>
+                          <a:off x="1119187" y="2980849"/>
+                          <a:ext cx="2314575" cy="1990725"/>
+                        </a:xfrm>
+                        <a:prstGeom prst="rect">
+                          <a:avLst/>
+                        </a:prstGeom>
+                      </p:spPr>
+                    </p:pic>
+                  </p:oleObj>
+                </mc:Fallback>
+              </mc:AlternateContent>
+            </a:graphicData>
+          </a:graphic>
+        </p:graphicFrame>
+        <p:sp>
+          <p:nvSpPr>
+            <p:cNvPr id="14" name="Овал 5">
+              <a:extLst>
+                <a:ext uri="{FF2B5EF4-FFF2-40B4-BE49-F238E27FC236}">
+                  <a16:creationId xmlns:a16="http://schemas.microsoft.com/office/drawing/2014/main" id="{76499E9F-8CCC-6692-8E35-DF3F871D18EB}"/>
+                </a:ext>
+              </a:extLst>
+            </p:cNvPr>
+            <p:cNvSpPr/>
+            <p:nvPr/>
+          </p:nvSpPr>
+          <p:spPr>
+            <a:xfrm>
+              <a:off x="1084897" y="2946559"/>
+              <a:ext cx="361950" cy="247650"/>
+            </a:xfrm>
+            <a:prstGeom prst="ellipse">
+              <a:avLst/>
+            </a:prstGeom>
+            <a:noFill/>
+            <a:ln w="19050">
+              <a:solidFill>
+                <a:srgbClr val="FF0000"/>
+              </a:solidFill>
+            </a:ln>
+          </p:spPr>
+          <p:style>
+            <a:lnRef idx="2">
+              <a:schemeClr val="accent1">
+                <a:shade val="50000"/>
+              </a:schemeClr>
+            </a:lnRef>
+            <a:fillRef idx="1">
+              <a:schemeClr val="accent1"/>
+            </a:fillRef>
+            <a:effectRef idx="0">
+              <a:schemeClr val="accent1"/>
+            </a:effectRef>
+            <a:fontRef idx="minor">
+              <a:schemeClr val="lt1"/>
+            </a:fontRef>
+          </p:style>
+          <p:txBody>
+            <a:bodyPr rtlCol="0" anchor="ctr"/>
+            <a:lstStyle/>
+            <a:p>
+              <a:pPr algn="ctr"/>
+              <a:endParaRPr lang="ru-RU"/>
+            </a:p>
+          </p:txBody>
+        </p:sp>
+        <p:sp>
+          <p:nvSpPr>
+            <p:cNvPr id="18" name="Rectangle: Rounded Corners 17">
+              <a:extLst>
+                <a:ext uri="{FF2B5EF4-FFF2-40B4-BE49-F238E27FC236}">
+                  <a16:creationId xmlns:a16="http://schemas.microsoft.com/office/drawing/2014/main" id="{EC12575B-D92E-7017-B5B6-9F313FF8A319}"/>
+                </a:ext>
+              </a:extLst>
+            </p:cNvPr>
+            <p:cNvSpPr/>
+            <p:nvPr/>
+          </p:nvSpPr>
+          <p:spPr>
+            <a:xfrm>
+              <a:off x="1294227" y="4038600"/>
+              <a:ext cx="2058573" cy="196947"/>
+            </a:xfrm>
+            <a:prstGeom prst="roundRect">
+              <a:avLst/>
+            </a:prstGeom>
+            <a:noFill/>
+            <a:ln w="25400">
+              <a:solidFill>
+                <a:srgbClr val="FF0000"/>
+              </a:solidFill>
+            </a:ln>
+          </p:spPr>
+          <p:style>
+            <a:lnRef idx="2">
+              <a:schemeClr val="accent1">
+                <a:shade val="50000"/>
+              </a:schemeClr>
+            </a:lnRef>
+            <a:fillRef idx="1">
+              <a:schemeClr val="accent1"/>
+            </a:fillRef>
+            <a:effectRef idx="0">
+              <a:schemeClr val="accent1"/>
+            </a:effectRef>
+            <a:fontRef idx="minor">
+              <a:schemeClr val="lt1"/>
+            </a:fontRef>
+          </p:style>
+          <p:txBody>
+            <a:bodyPr rtlCol="0" anchor="ctr"/>
+            <a:lstStyle/>
+            <a:p>
+              <a:pPr algn="ctr"/>
+              <a:endParaRPr lang="en-US" dirty="0"/>
+            </a:p>
+          </p:txBody>
+        </p:sp>
+      </p:grpSp>
+      <p:grpSp>
+        <p:nvGrpSpPr>
+          <p:cNvPr id="2" name="Group 1">
+            <a:extLst>
+              <a:ext uri="{FF2B5EF4-FFF2-40B4-BE49-F238E27FC236}">
+                <a16:creationId xmlns:a16="http://schemas.microsoft.com/office/drawing/2014/main" id="{07D31ECD-C3B4-99B9-CB49-972A92BBA9BF}"/>
+              </a:ext>
+            </a:extLst>
+          </p:cNvPr>
+          <p:cNvGrpSpPr/>
+          <p:nvPr/>
+        </p:nvGrpSpPr>
+        <p:grpSpPr>
+          <a:xfrm>
+            <a:off x="513397" y="713899"/>
+            <a:ext cx="2348865" cy="2025015"/>
+            <a:chOff x="1084897" y="2946559"/>
+            <a:chExt cx="2348865" cy="2025015"/>
+          </a:xfrm>
+        </p:grpSpPr>
+        <p:graphicFrame>
+          <p:nvGraphicFramePr>
+            <p:cNvPr id="3" name="Object 2">
+              <a:extLst>
+                <a:ext uri="{FF2B5EF4-FFF2-40B4-BE49-F238E27FC236}">
+                  <a16:creationId xmlns:a16="http://schemas.microsoft.com/office/drawing/2014/main" id="{6BD11B9D-2658-872D-0DDA-9D92555B604B}"/>
+                </a:ext>
+              </a:extLst>
+            </p:cNvPr>
+            <p:cNvGraphicFramePr>
+              <a:graphicFrameLocks noChangeAspect="1"/>
+            </p:cNvGraphicFramePr>
+            <p:nvPr>
+              <p:extLst>
+                <p:ext uri="{D42A27DB-BD31-4B8C-83A1-F6EECF244321}">
+                  <p14:modId xmlns:p14="http://schemas.microsoft.com/office/powerpoint/2010/main" val="1342912121"/>
+                </p:ext>
+              </p:extLst>
+            </p:nvPr>
+          </p:nvGraphicFramePr>
+          <p:xfrm>
+            <a:off x="1119187" y="2980849"/>
+            <a:ext cx="2314575" cy="1990725"/>
+          </p:xfrm>
+          <a:graphic>
+            <a:graphicData uri="http://schemas.openxmlformats.org/presentationml/2006/ole">
+              <mc:AlternateContent xmlns:mc="http://schemas.openxmlformats.org/markup-compatibility/2006">
+                <mc:Choice xmlns:v="urn:schemas-microsoft-com:vml" Requires="v">
+                  <p:oleObj name="Bitmap Image" r:id="rId4" imgW="2314440" imgH="1990800" progId="PBrush">
+                    <p:embed/>
+                  </p:oleObj>
+                </mc:Choice>
+                <mc:Fallback>
+                  <p:oleObj name="Bitmap Image" r:id="rId4" imgW="2314440" imgH="1990800" progId="PBrush">
+                    <p:embed/>
+                    <p:pic>
+                      <p:nvPicPr>
+                        <p:cNvPr id="13" name="Object 12">
+                          <a:extLst>
+                            <a:ext uri="{FF2B5EF4-FFF2-40B4-BE49-F238E27FC236}">
+                              <a16:creationId xmlns:a16="http://schemas.microsoft.com/office/drawing/2014/main" id="{5366CF25-8B02-37D2-6936-5352BFF2EA85}"/>
+                            </a:ext>
+                          </a:extLst>
+                        </p:cNvPr>
+                        <p:cNvPicPr/>
+                        <p:nvPr/>
+                      </p:nvPicPr>
+                      <p:blipFill>
+                        <a:blip r:embed="rId3"/>
+                        <a:stretch>
+                          <a:fillRect/>
+                        </a:stretch>
+                      </p:blipFill>
+                      <p:spPr>
+                        <a:xfrm>
+                          <a:off x="1119187" y="2980849"/>
+                          <a:ext cx="2314575" cy="1990725"/>
+                        </a:xfrm>
+                        <a:prstGeom prst="rect">
+                          <a:avLst/>
+                        </a:prstGeom>
+                      </p:spPr>
+                    </p:pic>
+                  </p:oleObj>
+                </mc:Fallback>
+              </mc:AlternateContent>
+            </a:graphicData>
+          </a:graphic>
+        </p:graphicFrame>
+        <p:sp>
+          <p:nvSpPr>
+            <p:cNvPr id="4" name="Овал 5">
+              <a:extLst>
+                <a:ext uri="{FF2B5EF4-FFF2-40B4-BE49-F238E27FC236}">
+                  <a16:creationId xmlns:a16="http://schemas.microsoft.com/office/drawing/2014/main" id="{FD3E51D2-BB01-EC3D-DFD0-E7BC9443B892}"/>
+                </a:ext>
+              </a:extLst>
+            </p:cNvPr>
+            <p:cNvSpPr/>
+            <p:nvPr/>
+          </p:nvSpPr>
+          <p:spPr>
+            <a:xfrm>
+              <a:off x="1084897" y="2946559"/>
+              <a:ext cx="361950" cy="247650"/>
+            </a:xfrm>
+            <a:prstGeom prst="ellipse">
+              <a:avLst/>
+            </a:prstGeom>
+            <a:noFill/>
+            <a:ln w="19050">
+              <a:solidFill>
+                <a:srgbClr val="FF0000"/>
+              </a:solidFill>
+            </a:ln>
+          </p:spPr>
+          <p:style>
+            <a:lnRef idx="2">
+              <a:schemeClr val="accent1">
+                <a:shade val="50000"/>
+              </a:schemeClr>
+            </a:lnRef>
+            <a:fillRef idx="1">
+              <a:schemeClr val="accent1"/>
+            </a:fillRef>
+            <a:effectRef idx="0">
+              <a:schemeClr val="accent1"/>
+            </a:effectRef>
+            <a:fontRef idx="minor">
+              <a:schemeClr val="lt1"/>
+            </a:fontRef>
+          </p:style>
+          <p:txBody>
+            <a:bodyPr rtlCol="0" anchor="ctr"/>
+            <a:lstStyle/>
+            <a:p>
+              <a:pPr algn="ctr"/>
+              <a:endParaRPr lang="ru-RU"/>
+            </a:p>
+          </p:txBody>
+        </p:sp>
+        <p:sp>
+          <p:nvSpPr>
+            <p:cNvPr id="11" name="Rectangle: Rounded Corners 10">
+              <a:extLst>
+                <a:ext uri="{FF2B5EF4-FFF2-40B4-BE49-F238E27FC236}">
+                  <a16:creationId xmlns:a16="http://schemas.microsoft.com/office/drawing/2014/main" id="{90395F6F-EA39-161B-A106-E02F03CED0D5}"/>
+                </a:ext>
+              </a:extLst>
+            </p:cNvPr>
+            <p:cNvSpPr/>
+            <p:nvPr/>
+          </p:nvSpPr>
+          <p:spPr>
+            <a:xfrm>
+              <a:off x="1248507" y="4251960"/>
+              <a:ext cx="2058573" cy="196947"/>
+            </a:xfrm>
+            <a:prstGeom prst="roundRect">
+              <a:avLst/>
+            </a:prstGeom>
+            <a:noFill/>
+            <a:ln w="25400">
+              <a:solidFill>
+                <a:srgbClr val="FF0000"/>
+              </a:solidFill>
+            </a:ln>
+          </p:spPr>
+          <p:style>
+            <a:lnRef idx="2">
+              <a:schemeClr val="accent1">
+                <a:shade val="50000"/>
+              </a:schemeClr>
+            </a:lnRef>
+            <a:fillRef idx="1">
+              <a:schemeClr val="accent1"/>
+            </a:fillRef>
+            <a:effectRef idx="0">
+              <a:schemeClr val="accent1"/>
+            </a:effectRef>
+            <a:fontRef idx="minor">
+              <a:schemeClr val="lt1"/>
+            </a:fontRef>
+          </p:style>
+          <p:txBody>
+            <a:bodyPr rtlCol="0" anchor="ctr"/>
+            <a:lstStyle/>
+            <a:p>
+              <a:pPr algn="ctr"/>
+              <a:endParaRPr lang="en-US" dirty="0"/>
+            </a:p>
+          </p:txBody>
+        </p:sp>
+      </p:grpSp>
+      <p:pic>
+        <p:nvPicPr>
+          <p:cNvPr id="17" name="Picture 16">
+            <a:extLst>
+              <a:ext uri="{FF2B5EF4-FFF2-40B4-BE49-F238E27FC236}">
+                <a16:creationId xmlns:a16="http://schemas.microsoft.com/office/drawing/2014/main" id="{74BD8BBA-0852-D2A1-EF9E-31E06B0388F2}"/>
+              </a:ext>
+            </a:extLst>
+          </p:cNvPr>
+          <p:cNvPicPr>
+            <a:picLocks noChangeAspect="1"/>
+          </p:cNvPicPr>
+          <p:nvPr/>
+        </p:nvPicPr>
+        <p:blipFill>
+          <a:blip r:embed="rId5"/>
+          <a:stretch>
+            <a:fillRect/>
+          </a:stretch>
+        </p:blipFill>
+        <p:spPr>
+          <a:xfrm>
+            <a:off x="428992" y="2960443"/>
+            <a:ext cx="3819525" cy="3609975"/>
+          </a:xfrm>
+          <a:prstGeom prst="rect">
+            <a:avLst/>
+          </a:prstGeom>
+        </p:spPr>
+      </p:pic>
+      <p:grpSp>
+        <p:nvGrpSpPr>
+          <p:cNvPr id="23" name="Group 22">
+            <a:extLst>
+              <a:ext uri="{FF2B5EF4-FFF2-40B4-BE49-F238E27FC236}">
+                <a16:creationId xmlns:a16="http://schemas.microsoft.com/office/drawing/2014/main" id="{0F4E4E2F-F92E-D07E-DDAF-C911950E4E36}"/>
+              </a:ext>
+            </a:extLst>
+          </p:cNvPr>
+          <p:cNvGrpSpPr/>
+          <p:nvPr/>
+        </p:nvGrpSpPr>
+        <p:grpSpPr>
+          <a:xfrm>
+            <a:off x="4697656" y="3967162"/>
+            <a:ext cx="3705225" cy="1666875"/>
+            <a:chOff x="4697656" y="3967162"/>
+            <a:chExt cx="3705225" cy="1666875"/>
+          </a:xfrm>
+        </p:grpSpPr>
+        <p:pic>
+          <p:nvPicPr>
+            <p:cNvPr id="21" name="Picture 20">
+              <a:extLst>
+                <a:ext uri="{FF2B5EF4-FFF2-40B4-BE49-F238E27FC236}">
+                  <a16:creationId xmlns:a16="http://schemas.microsoft.com/office/drawing/2014/main" id="{B74D8DA8-7E95-F314-7C2A-B80D0CE510C8}"/>
+                </a:ext>
+              </a:extLst>
+            </p:cNvPr>
+            <p:cNvPicPr>
+              <a:picLocks noChangeAspect="1"/>
+            </p:cNvPicPr>
+            <p:nvPr/>
+          </p:nvPicPr>
+          <p:blipFill>
+            <a:blip r:embed="rId6"/>
+            <a:stretch>
+              <a:fillRect/>
+            </a:stretch>
+          </p:blipFill>
+          <p:spPr>
+            <a:xfrm>
+              <a:off x="4697656" y="3967162"/>
+              <a:ext cx="3705225" cy="1666875"/>
+            </a:xfrm>
+            <a:prstGeom prst="rect">
+              <a:avLst/>
+            </a:prstGeom>
+          </p:spPr>
+        </p:pic>
+        <p:sp>
+          <p:nvSpPr>
+            <p:cNvPr id="22" name="Овал 5">
+              <a:extLst>
+                <a:ext uri="{FF2B5EF4-FFF2-40B4-BE49-F238E27FC236}">
+                  <a16:creationId xmlns:a16="http://schemas.microsoft.com/office/drawing/2014/main" id="{5A6ECFAB-9B67-C5F5-7675-738F2D8124B6}"/>
+                </a:ext>
+              </a:extLst>
+            </p:cNvPr>
+            <p:cNvSpPr/>
+            <p:nvPr/>
+          </p:nvSpPr>
+          <p:spPr>
+            <a:xfrm>
+              <a:off x="5659828" y="4242545"/>
+              <a:ext cx="257395" cy="247650"/>
+            </a:xfrm>
+            <a:prstGeom prst="ellipse">
+              <a:avLst/>
+            </a:prstGeom>
+            <a:noFill/>
+            <a:ln w="19050">
+              <a:solidFill>
+                <a:srgbClr val="FF0000"/>
+              </a:solidFill>
+            </a:ln>
+          </p:spPr>
+          <p:style>
+            <a:lnRef idx="2">
+              <a:schemeClr val="accent1">
+                <a:shade val="50000"/>
+              </a:schemeClr>
+            </a:lnRef>
+            <a:fillRef idx="1">
+              <a:schemeClr val="accent1"/>
+            </a:fillRef>
+            <a:effectRef idx="0">
+              <a:schemeClr val="accent1"/>
+            </a:effectRef>
+            <a:fontRef idx="minor">
+              <a:schemeClr val="lt1"/>
+            </a:fontRef>
+          </p:style>
+          <p:txBody>
+            <a:bodyPr rtlCol="0" anchor="ctr"/>
+            <a:lstStyle/>
+            <a:p>
+              <a:pPr algn="ctr"/>
+              <a:endParaRPr lang="ru-RU"/>
+            </a:p>
+          </p:txBody>
+        </p:sp>
+      </p:grpSp>
+      <p:grpSp>
+        <p:nvGrpSpPr>
+          <p:cNvPr id="27" name="Group 26">
+            <a:extLst>
+              <a:ext uri="{FF2B5EF4-FFF2-40B4-BE49-F238E27FC236}">
+                <a16:creationId xmlns:a16="http://schemas.microsoft.com/office/drawing/2014/main" id="{956AA357-4610-FA86-3F07-424470FBD3DF}"/>
+              </a:ext>
+            </a:extLst>
+          </p:cNvPr>
+          <p:cNvGrpSpPr/>
+          <p:nvPr/>
+        </p:nvGrpSpPr>
+        <p:grpSpPr>
+          <a:xfrm>
+            <a:off x="6875585" y="1756629"/>
+            <a:ext cx="1508247" cy="847725"/>
+            <a:chOff x="6875585" y="1756629"/>
+            <a:chExt cx="1508247" cy="847725"/>
+          </a:xfrm>
+        </p:grpSpPr>
+        <p:pic>
+          <p:nvPicPr>
+            <p:cNvPr id="25" name="Picture 24">
+              <a:extLst>
+                <a:ext uri="{FF2B5EF4-FFF2-40B4-BE49-F238E27FC236}">
+                  <a16:creationId xmlns:a16="http://schemas.microsoft.com/office/drawing/2014/main" id="{FE4C632D-E685-C257-3C99-7F0AB234F3B4}"/>
+                </a:ext>
+              </a:extLst>
+            </p:cNvPr>
+            <p:cNvPicPr>
+              <a:picLocks noChangeAspect="1"/>
+            </p:cNvPicPr>
+            <p:nvPr/>
+          </p:nvPicPr>
+          <p:blipFill rotWithShape="1">
+            <a:blip r:embed="rId7"/>
+            <a:srcRect l="6304"/>
+            <a:stretch/>
+          </p:blipFill>
+          <p:spPr>
+            <a:xfrm>
+              <a:off x="6875585" y="1756629"/>
+              <a:ext cx="1508247" cy="847725"/>
+            </a:xfrm>
+            <a:prstGeom prst="rect">
+              <a:avLst/>
+            </a:prstGeom>
+          </p:spPr>
+        </p:pic>
+        <p:sp>
+          <p:nvSpPr>
+            <p:cNvPr id="26" name="Rectangle: Rounded Corners 25">
+              <a:extLst>
+                <a:ext uri="{FF2B5EF4-FFF2-40B4-BE49-F238E27FC236}">
+                  <a16:creationId xmlns:a16="http://schemas.microsoft.com/office/drawing/2014/main" id="{5F52610E-8C92-055F-9C2E-B6B94F48BC5A}"/>
+                </a:ext>
+              </a:extLst>
+            </p:cNvPr>
+            <p:cNvSpPr/>
+            <p:nvPr/>
+          </p:nvSpPr>
+          <p:spPr>
+            <a:xfrm>
+              <a:off x="6957647" y="1899139"/>
+              <a:ext cx="1280746" cy="378069"/>
+            </a:xfrm>
+            <a:prstGeom prst="roundRect">
+              <a:avLst/>
+            </a:prstGeom>
+            <a:noFill/>
+            <a:ln w="25400">
+              <a:solidFill>
+                <a:srgbClr val="FF0000"/>
+              </a:solidFill>
+            </a:ln>
+          </p:spPr>
+          <p:style>
+            <a:lnRef idx="2">
+              <a:schemeClr val="accent1">
+                <a:shade val="50000"/>
+              </a:schemeClr>
+            </a:lnRef>
+            <a:fillRef idx="1">
+              <a:schemeClr val="accent1"/>
+            </a:fillRef>
+            <a:effectRef idx="0">
+              <a:schemeClr val="accent1"/>
+            </a:effectRef>
+            <a:fontRef idx="minor">
+              <a:schemeClr val="lt1"/>
+            </a:fontRef>
+          </p:style>
+          <p:txBody>
+            <a:bodyPr rtlCol="0" anchor="ctr"/>
+            <a:lstStyle/>
+            <a:p>
+              <a:pPr algn="ctr"/>
+              <a:endParaRPr lang="en-US" dirty="0"/>
+            </a:p>
+          </p:txBody>
+        </p:sp>
+      </p:grpSp>
+    </p:spTree>
+    <p:extLst>
+      <p:ext uri="{BB962C8B-B14F-4D97-AF65-F5344CB8AC3E}">
+        <p14:creationId xmlns:p14="http://schemas.microsoft.com/office/powerpoint/2010/main" val="2616031516"/>
+      </p:ext>
+    </p:extLst>
+  </p:cSld>
+  <p:clrMapOvr>
+    <a:masterClrMapping/>
+  </p:clrMapOvr>
+</p:sld>
+</file>
+
+<file path=ppt/slides/slide21.xml><?xml version="1.0" encoding="utf-8"?>
+<p:sld xmlns:a="http://schemas.openxmlformats.org/drawingml/2006/main" xmlns:r="http://schemas.openxmlformats.org/officeDocument/2006/relationships" xmlns:p="http://schemas.openxmlformats.org/presentationml/2006/main">
+  <p:cSld>
+    <p:spTree>
+      <p:nvGrpSpPr>
+        <p:cNvPr id="1" name=""/>
+        <p:cNvGrpSpPr/>
+        <p:nvPr/>
+      </p:nvGrpSpPr>
+      <p:grpSpPr>
+        <a:xfrm>
+          <a:off x="0" y="0"/>
+          <a:ext cx="0" cy="0"/>
+          <a:chOff x="0" y="0"/>
+          <a:chExt cx="0" cy="0"/>
+        </a:xfrm>
+      </p:grpSpPr>
+      <p:grpSp>
+        <p:nvGrpSpPr>
           <p:cNvPr id="26" name="Группа 25"/>
           <p:cNvGrpSpPr/>
           <p:nvPr/>
@@ -13741,7 +14195,7 @@
 </p:sld>
 </file>
 
-<file path=ppt/slides/slide21.xml><?xml version="1.0" encoding="utf-8"?>
+<file path=ppt/slides/slide22.xml><?xml version="1.0" encoding="utf-8"?>
 <p:sld xmlns:a="http://schemas.openxmlformats.org/drawingml/2006/main" xmlns:r="http://schemas.openxmlformats.org/officeDocument/2006/relationships" xmlns:p="http://schemas.openxmlformats.org/presentationml/2006/main">
   <p:cSld>
     <p:spTree>
@@ -15526,7 +15980,7 @@
 </p:sld>
 </file>
 
-<file path=ppt/slides/slide22.xml><?xml version="1.0" encoding="utf-8"?>
+<file path=ppt/slides/slide23.xml><?xml version="1.0" encoding="utf-8"?>
 <p:sld xmlns:a="http://schemas.openxmlformats.org/drawingml/2006/main" xmlns:r="http://schemas.openxmlformats.org/officeDocument/2006/relationships" xmlns:p="http://schemas.openxmlformats.org/presentationml/2006/main">
   <p:cSld>
     <p:spTree>
@@ -15641,7 +16095,7 @@
 </p:sld>
 </file>
 
-<file path=ppt/slides/slide23.xml><?xml version="1.0" encoding="utf-8"?>
+<file path=ppt/slides/slide24.xml><?xml version="1.0" encoding="utf-8"?>
 <p:sld xmlns:a="http://schemas.openxmlformats.org/drawingml/2006/main" xmlns:r="http://schemas.openxmlformats.org/officeDocument/2006/relationships" xmlns:p="http://schemas.openxmlformats.org/presentationml/2006/main">
   <p:cSld>
     <p:spTree>

--- a/manual/Pictures 2.0/Pictures 2.0.pptx
+++ b/manual/Pictures 2.0/Pictures 2.0.pptx
@@ -27,8 +27,9 @@
     <p:sldId id="285" r:id="rId21"/>
     <p:sldId id="266" r:id="rId22"/>
     <p:sldId id="267" r:id="rId23"/>
-    <p:sldId id="268" r:id="rId24"/>
-    <p:sldId id="269" r:id="rId25"/>
+    <p:sldId id="286" r:id="rId24"/>
+    <p:sldId id="268" r:id="rId25"/>
+    <p:sldId id="269" r:id="rId26"/>
   </p:sldIdLst>
   <p:sldSz cx="9144000" cy="6858000" type="screen4x3"/>
   <p:notesSz cx="6858000" cy="9144000"/>
@@ -277,7 +278,7 @@
           <a:p>
             <a:fld id="{55465C39-D47E-4138-800A-7D6CA5F3257E}" type="datetimeFigureOut">
               <a:rPr lang="ru-RU" smtClean="0"/>
-              <a:t>30.10.2022</a:t>
+              <a:t>01.11.2022</a:t>
             </a:fld>
             <a:endParaRPr lang="ru-RU"/>
           </a:p>
@@ -447,7 +448,7 @@
           <a:p>
             <a:fld id="{55465C39-D47E-4138-800A-7D6CA5F3257E}" type="datetimeFigureOut">
               <a:rPr lang="ru-RU" smtClean="0"/>
-              <a:t>30.10.2022</a:t>
+              <a:t>01.11.2022</a:t>
             </a:fld>
             <a:endParaRPr lang="ru-RU"/>
           </a:p>
@@ -627,7 +628,7 @@
           <a:p>
             <a:fld id="{55465C39-D47E-4138-800A-7D6CA5F3257E}" type="datetimeFigureOut">
               <a:rPr lang="ru-RU" smtClean="0"/>
-              <a:t>30.10.2022</a:t>
+              <a:t>01.11.2022</a:t>
             </a:fld>
             <a:endParaRPr lang="ru-RU"/>
           </a:p>
@@ -797,7 +798,7 @@
           <a:p>
             <a:fld id="{55465C39-D47E-4138-800A-7D6CA5F3257E}" type="datetimeFigureOut">
               <a:rPr lang="ru-RU" smtClean="0"/>
-              <a:t>30.10.2022</a:t>
+              <a:t>01.11.2022</a:t>
             </a:fld>
             <a:endParaRPr lang="ru-RU"/>
           </a:p>
@@ -1041,7 +1042,7 @@
           <a:p>
             <a:fld id="{55465C39-D47E-4138-800A-7D6CA5F3257E}" type="datetimeFigureOut">
               <a:rPr lang="ru-RU" smtClean="0"/>
-              <a:t>30.10.2022</a:t>
+              <a:t>01.11.2022</a:t>
             </a:fld>
             <a:endParaRPr lang="ru-RU"/>
           </a:p>
@@ -1273,7 +1274,7 @@
           <a:p>
             <a:fld id="{55465C39-D47E-4138-800A-7D6CA5F3257E}" type="datetimeFigureOut">
               <a:rPr lang="ru-RU" smtClean="0"/>
-              <a:t>30.10.2022</a:t>
+              <a:t>01.11.2022</a:t>
             </a:fld>
             <a:endParaRPr lang="ru-RU"/>
           </a:p>
@@ -1640,7 +1641,7 @@
           <a:p>
             <a:fld id="{55465C39-D47E-4138-800A-7D6CA5F3257E}" type="datetimeFigureOut">
               <a:rPr lang="ru-RU" smtClean="0"/>
-              <a:t>30.10.2022</a:t>
+              <a:t>01.11.2022</a:t>
             </a:fld>
             <a:endParaRPr lang="ru-RU"/>
           </a:p>
@@ -1758,7 +1759,7 @@
           <a:p>
             <a:fld id="{55465C39-D47E-4138-800A-7D6CA5F3257E}" type="datetimeFigureOut">
               <a:rPr lang="ru-RU" smtClean="0"/>
-              <a:t>30.10.2022</a:t>
+              <a:t>01.11.2022</a:t>
             </a:fld>
             <a:endParaRPr lang="ru-RU"/>
           </a:p>
@@ -1853,7 +1854,7 @@
           <a:p>
             <a:fld id="{55465C39-D47E-4138-800A-7D6CA5F3257E}" type="datetimeFigureOut">
               <a:rPr lang="ru-RU" smtClean="0"/>
-              <a:t>30.10.2022</a:t>
+              <a:t>01.11.2022</a:t>
             </a:fld>
             <a:endParaRPr lang="ru-RU"/>
           </a:p>
@@ -2130,7 +2131,7 @@
           <a:p>
             <a:fld id="{55465C39-D47E-4138-800A-7D6CA5F3257E}" type="datetimeFigureOut">
               <a:rPr lang="ru-RU" smtClean="0"/>
-              <a:t>30.10.2022</a:t>
+              <a:t>01.11.2022</a:t>
             </a:fld>
             <a:endParaRPr lang="ru-RU"/>
           </a:p>
@@ -2387,7 +2388,7 @@
           <a:p>
             <a:fld id="{55465C39-D47E-4138-800A-7D6CA5F3257E}" type="datetimeFigureOut">
               <a:rPr lang="ru-RU" smtClean="0"/>
-              <a:t>30.10.2022</a:t>
+              <a:t>01.11.2022</a:t>
             </a:fld>
             <a:endParaRPr lang="ru-RU"/>
           </a:p>
@@ -2600,7 +2601,7 @@
           <a:p>
             <a:fld id="{55465C39-D47E-4138-800A-7D6CA5F3257E}" type="datetimeFigureOut">
               <a:rPr lang="ru-RU" smtClean="0"/>
-              <a:t>30.10.2022</a:t>
+              <a:t>01.11.2022</a:t>
             </a:fld>
             <a:endParaRPr lang="ru-RU"/>
           </a:p>
@@ -15999,6 +16000,556 @@
       </p:grpSpPr>
       <p:grpSp>
         <p:nvGrpSpPr>
+          <p:cNvPr id="7" name="Group 6">
+            <a:extLst>
+              <a:ext uri="{FF2B5EF4-FFF2-40B4-BE49-F238E27FC236}">
+                <a16:creationId xmlns:a16="http://schemas.microsoft.com/office/drawing/2014/main" id="{85C93DFD-999A-4D8F-3242-EE78595E040E}"/>
+              </a:ext>
+            </a:extLst>
+          </p:cNvPr>
+          <p:cNvGrpSpPr/>
+          <p:nvPr/>
+        </p:nvGrpSpPr>
+        <p:grpSpPr>
+          <a:xfrm>
+            <a:off x="620957" y="578827"/>
+            <a:ext cx="2714625" cy="723900"/>
+            <a:chOff x="1377095" y="2847243"/>
+            <a:chExt cx="2714625" cy="723900"/>
+          </a:xfrm>
+        </p:grpSpPr>
+        <p:pic>
+          <p:nvPicPr>
+            <p:cNvPr id="5" name="Picture 4">
+              <a:extLst>
+                <a:ext uri="{FF2B5EF4-FFF2-40B4-BE49-F238E27FC236}">
+                  <a16:creationId xmlns:a16="http://schemas.microsoft.com/office/drawing/2014/main" id="{9B9B5FC3-E76A-55F4-1C39-B5F17F0811BB}"/>
+                </a:ext>
+              </a:extLst>
+            </p:cNvPr>
+            <p:cNvPicPr>
+              <a:picLocks noChangeAspect="1"/>
+            </p:cNvPicPr>
+            <p:nvPr/>
+          </p:nvPicPr>
+          <p:blipFill>
+            <a:blip r:embed="rId2"/>
+            <a:stretch>
+              <a:fillRect/>
+            </a:stretch>
+          </p:blipFill>
+          <p:spPr>
+            <a:xfrm>
+              <a:off x="1377095" y="2847243"/>
+              <a:ext cx="2714625" cy="723900"/>
+            </a:xfrm>
+            <a:prstGeom prst="rect">
+              <a:avLst/>
+            </a:prstGeom>
+          </p:spPr>
+        </p:pic>
+        <p:sp>
+          <p:nvSpPr>
+            <p:cNvPr id="6" name="Rectangle: Rounded Corners 5">
+              <a:extLst>
+                <a:ext uri="{FF2B5EF4-FFF2-40B4-BE49-F238E27FC236}">
+                  <a16:creationId xmlns:a16="http://schemas.microsoft.com/office/drawing/2014/main" id="{6D1D5980-2F77-033D-6207-071B5EFEE38D}"/>
+                </a:ext>
+              </a:extLst>
+            </p:cNvPr>
+            <p:cNvSpPr/>
+            <p:nvPr/>
+          </p:nvSpPr>
+          <p:spPr>
+            <a:xfrm>
+              <a:off x="1511693" y="3024554"/>
+              <a:ext cx="2058573" cy="181120"/>
+            </a:xfrm>
+            <a:prstGeom prst="roundRect">
+              <a:avLst/>
+            </a:prstGeom>
+            <a:noFill/>
+            <a:ln w="25400">
+              <a:solidFill>
+                <a:srgbClr val="FF0000"/>
+              </a:solidFill>
+            </a:ln>
+          </p:spPr>
+          <p:style>
+            <a:lnRef idx="2">
+              <a:schemeClr val="accent1">
+                <a:shade val="50000"/>
+              </a:schemeClr>
+            </a:lnRef>
+            <a:fillRef idx="1">
+              <a:schemeClr val="accent1"/>
+            </a:fillRef>
+            <a:effectRef idx="0">
+              <a:schemeClr val="accent1"/>
+            </a:effectRef>
+            <a:fontRef idx="minor">
+              <a:schemeClr val="lt1"/>
+            </a:fontRef>
+          </p:style>
+          <p:txBody>
+            <a:bodyPr rtlCol="0" anchor="ctr"/>
+            <a:lstStyle/>
+            <a:p>
+              <a:pPr algn="ctr"/>
+              <a:endParaRPr lang="en-US" dirty="0"/>
+            </a:p>
+          </p:txBody>
+        </p:sp>
+      </p:grpSp>
+      <p:grpSp>
+        <p:nvGrpSpPr>
+          <p:cNvPr id="11" name="Group 10">
+            <a:extLst>
+              <a:ext uri="{FF2B5EF4-FFF2-40B4-BE49-F238E27FC236}">
+                <a16:creationId xmlns:a16="http://schemas.microsoft.com/office/drawing/2014/main" id="{CA15E68C-079B-E9FF-7BEC-3E922E3F0957}"/>
+              </a:ext>
+            </a:extLst>
+          </p:cNvPr>
+          <p:cNvGrpSpPr/>
+          <p:nvPr/>
+        </p:nvGrpSpPr>
+        <p:grpSpPr>
+          <a:xfrm>
+            <a:off x="607402" y="1388452"/>
+            <a:ext cx="2724150" cy="933450"/>
+            <a:chOff x="607402" y="1388452"/>
+            <a:chExt cx="2724150" cy="933450"/>
+          </a:xfrm>
+        </p:grpSpPr>
+        <p:pic>
+          <p:nvPicPr>
+            <p:cNvPr id="9" name="Picture 8">
+              <a:extLst>
+                <a:ext uri="{FF2B5EF4-FFF2-40B4-BE49-F238E27FC236}">
+                  <a16:creationId xmlns:a16="http://schemas.microsoft.com/office/drawing/2014/main" id="{29DC5F01-6504-528D-17B5-526587405C24}"/>
+                </a:ext>
+              </a:extLst>
+            </p:cNvPr>
+            <p:cNvPicPr>
+              <a:picLocks noChangeAspect="1"/>
+            </p:cNvPicPr>
+            <p:nvPr/>
+          </p:nvPicPr>
+          <p:blipFill>
+            <a:blip r:embed="rId3"/>
+            <a:stretch>
+              <a:fillRect/>
+            </a:stretch>
+          </p:blipFill>
+          <p:spPr>
+            <a:xfrm>
+              <a:off x="607402" y="1388452"/>
+              <a:ext cx="2724150" cy="933450"/>
+            </a:xfrm>
+            <a:prstGeom prst="rect">
+              <a:avLst/>
+            </a:prstGeom>
+          </p:spPr>
+        </p:pic>
+        <p:sp>
+          <p:nvSpPr>
+            <p:cNvPr id="10" name="Rectangle: Rounded Corners 9">
+              <a:extLst>
+                <a:ext uri="{FF2B5EF4-FFF2-40B4-BE49-F238E27FC236}">
+                  <a16:creationId xmlns:a16="http://schemas.microsoft.com/office/drawing/2014/main" id="{932DB543-8051-3973-1167-84580382D67A}"/>
+                </a:ext>
+              </a:extLst>
+            </p:cNvPr>
+            <p:cNvSpPr/>
+            <p:nvPr/>
+          </p:nvSpPr>
+          <p:spPr>
+            <a:xfrm>
+              <a:off x="670562" y="1573823"/>
+              <a:ext cx="2521045" cy="509953"/>
+            </a:xfrm>
+            <a:prstGeom prst="roundRect">
+              <a:avLst/>
+            </a:prstGeom>
+            <a:noFill/>
+            <a:ln w="25400">
+              <a:solidFill>
+                <a:srgbClr val="FF0000"/>
+              </a:solidFill>
+            </a:ln>
+          </p:spPr>
+          <p:style>
+            <a:lnRef idx="2">
+              <a:schemeClr val="accent1">
+                <a:shade val="50000"/>
+              </a:schemeClr>
+            </a:lnRef>
+            <a:fillRef idx="1">
+              <a:schemeClr val="accent1"/>
+            </a:fillRef>
+            <a:effectRef idx="0">
+              <a:schemeClr val="accent1"/>
+            </a:effectRef>
+            <a:fontRef idx="minor">
+              <a:schemeClr val="lt1"/>
+            </a:fontRef>
+          </p:style>
+          <p:txBody>
+            <a:bodyPr rtlCol="0" anchor="ctr"/>
+            <a:lstStyle/>
+            <a:p>
+              <a:pPr algn="ctr"/>
+              <a:endParaRPr lang="en-US" dirty="0"/>
+            </a:p>
+          </p:txBody>
+        </p:sp>
+      </p:grpSp>
+      <p:grpSp>
+        <p:nvGrpSpPr>
+          <p:cNvPr id="15" name="Group 14">
+            <a:extLst>
+              <a:ext uri="{FF2B5EF4-FFF2-40B4-BE49-F238E27FC236}">
+                <a16:creationId xmlns:a16="http://schemas.microsoft.com/office/drawing/2014/main" id="{354425A2-7729-BB75-D391-483AE80EFBC9}"/>
+              </a:ext>
+            </a:extLst>
+          </p:cNvPr>
+          <p:cNvGrpSpPr/>
+          <p:nvPr/>
+        </p:nvGrpSpPr>
+        <p:grpSpPr>
+          <a:xfrm>
+            <a:off x="611431" y="2500312"/>
+            <a:ext cx="2733675" cy="1628775"/>
+            <a:chOff x="611431" y="2500312"/>
+            <a:chExt cx="2733675" cy="1628775"/>
+          </a:xfrm>
+        </p:grpSpPr>
+        <p:pic>
+          <p:nvPicPr>
+            <p:cNvPr id="13" name="Picture 12">
+              <a:extLst>
+                <a:ext uri="{FF2B5EF4-FFF2-40B4-BE49-F238E27FC236}">
+                  <a16:creationId xmlns:a16="http://schemas.microsoft.com/office/drawing/2014/main" id="{A8B8E717-83C7-68AB-595C-5F7CC7C64813}"/>
+                </a:ext>
+              </a:extLst>
+            </p:cNvPr>
+            <p:cNvPicPr>
+              <a:picLocks noChangeAspect="1"/>
+            </p:cNvPicPr>
+            <p:nvPr/>
+          </p:nvPicPr>
+          <p:blipFill>
+            <a:blip r:embed="rId4"/>
+            <a:stretch>
+              <a:fillRect/>
+            </a:stretch>
+          </p:blipFill>
+          <p:spPr>
+            <a:xfrm>
+              <a:off x="611431" y="2500312"/>
+              <a:ext cx="2733675" cy="1628775"/>
+            </a:xfrm>
+            <a:prstGeom prst="rect">
+              <a:avLst/>
+            </a:prstGeom>
+          </p:spPr>
+        </p:pic>
+        <p:sp>
+          <p:nvSpPr>
+            <p:cNvPr id="14" name="Rectangle: Rounded Corners 13">
+              <a:extLst>
+                <a:ext uri="{FF2B5EF4-FFF2-40B4-BE49-F238E27FC236}">
+                  <a16:creationId xmlns:a16="http://schemas.microsoft.com/office/drawing/2014/main" id="{D805C08A-B21C-5446-3864-1BE260C78AD3}"/>
+                </a:ext>
+              </a:extLst>
+            </p:cNvPr>
+            <p:cNvSpPr/>
+            <p:nvPr/>
+          </p:nvSpPr>
+          <p:spPr>
+            <a:xfrm>
+              <a:off x="673492" y="2710961"/>
+              <a:ext cx="2521045" cy="1131277"/>
+            </a:xfrm>
+            <a:prstGeom prst="roundRect">
+              <a:avLst/>
+            </a:prstGeom>
+            <a:noFill/>
+            <a:ln w="25400">
+              <a:solidFill>
+                <a:srgbClr val="FF0000"/>
+              </a:solidFill>
+            </a:ln>
+          </p:spPr>
+          <p:style>
+            <a:lnRef idx="2">
+              <a:schemeClr val="accent1">
+                <a:shade val="50000"/>
+              </a:schemeClr>
+            </a:lnRef>
+            <a:fillRef idx="1">
+              <a:schemeClr val="accent1"/>
+            </a:fillRef>
+            <a:effectRef idx="0">
+              <a:schemeClr val="accent1"/>
+            </a:effectRef>
+            <a:fontRef idx="minor">
+              <a:schemeClr val="lt1"/>
+            </a:fontRef>
+          </p:style>
+          <p:txBody>
+            <a:bodyPr rtlCol="0" anchor="ctr"/>
+            <a:lstStyle/>
+            <a:p>
+              <a:pPr algn="ctr"/>
+              <a:endParaRPr lang="en-US" dirty="0"/>
+            </a:p>
+          </p:txBody>
+        </p:sp>
+      </p:grpSp>
+      <p:grpSp>
+        <p:nvGrpSpPr>
+          <p:cNvPr id="19" name="Group 18">
+            <a:extLst>
+              <a:ext uri="{FF2B5EF4-FFF2-40B4-BE49-F238E27FC236}">
+                <a16:creationId xmlns:a16="http://schemas.microsoft.com/office/drawing/2014/main" id="{CC4EDC6E-1BE5-B033-A221-009C84E480A4}"/>
+              </a:ext>
+            </a:extLst>
+          </p:cNvPr>
+          <p:cNvGrpSpPr/>
+          <p:nvPr/>
+        </p:nvGrpSpPr>
+        <p:grpSpPr>
+          <a:xfrm>
+            <a:off x="552450" y="4278923"/>
+            <a:ext cx="2781300" cy="990600"/>
+            <a:chOff x="552450" y="4278923"/>
+            <a:chExt cx="2781300" cy="990600"/>
+          </a:xfrm>
+        </p:grpSpPr>
+        <p:pic>
+          <p:nvPicPr>
+            <p:cNvPr id="17" name="Picture 16">
+              <a:extLst>
+                <a:ext uri="{FF2B5EF4-FFF2-40B4-BE49-F238E27FC236}">
+                  <a16:creationId xmlns:a16="http://schemas.microsoft.com/office/drawing/2014/main" id="{E6429C3E-E9AD-35F8-0B39-0650B7717EFD}"/>
+                </a:ext>
+              </a:extLst>
+            </p:cNvPr>
+            <p:cNvPicPr>
+              <a:picLocks noChangeAspect="1"/>
+            </p:cNvPicPr>
+            <p:nvPr/>
+          </p:nvPicPr>
+          <p:blipFill>
+            <a:blip r:embed="rId5"/>
+            <a:stretch>
+              <a:fillRect/>
+            </a:stretch>
+          </p:blipFill>
+          <p:spPr>
+            <a:xfrm>
+              <a:off x="552450" y="4278923"/>
+              <a:ext cx="2781300" cy="990600"/>
+            </a:xfrm>
+            <a:prstGeom prst="rect">
+              <a:avLst/>
+            </a:prstGeom>
+          </p:spPr>
+        </p:pic>
+        <p:sp>
+          <p:nvSpPr>
+            <p:cNvPr id="18" name="Rectangle: Rounded Corners 17">
+              <a:extLst>
+                <a:ext uri="{FF2B5EF4-FFF2-40B4-BE49-F238E27FC236}">
+                  <a16:creationId xmlns:a16="http://schemas.microsoft.com/office/drawing/2014/main" id="{708238C6-2513-4999-F323-652A2BCFAAF6}"/>
+                </a:ext>
+              </a:extLst>
+            </p:cNvPr>
+            <p:cNvSpPr/>
+            <p:nvPr/>
+          </p:nvSpPr>
+          <p:spPr>
+            <a:xfrm>
+              <a:off x="603155" y="4478215"/>
+              <a:ext cx="2623622" cy="509953"/>
+            </a:xfrm>
+            <a:prstGeom prst="roundRect">
+              <a:avLst/>
+            </a:prstGeom>
+            <a:noFill/>
+            <a:ln w="25400">
+              <a:solidFill>
+                <a:srgbClr val="FF0000"/>
+              </a:solidFill>
+            </a:ln>
+          </p:spPr>
+          <p:style>
+            <a:lnRef idx="2">
+              <a:schemeClr val="accent1">
+                <a:shade val="50000"/>
+              </a:schemeClr>
+            </a:lnRef>
+            <a:fillRef idx="1">
+              <a:schemeClr val="accent1"/>
+            </a:fillRef>
+            <a:effectRef idx="0">
+              <a:schemeClr val="accent1"/>
+            </a:effectRef>
+            <a:fontRef idx="minor">
+              <a:schemeClr val="lt1"/>
+            </a:fontRef>
+          </p:style>
+          <p:txBody>
+            <a:bodyPr rtlCol="0" anchor="ctr"/>
+            <a:lstStyle/>
+            <a:p>
+              <a:pPr algn="ctr"/>
+              <a:endParaRPr lang="en-US" dirty="0"/>
+            </a:p>
+          </p:txBody>
+        </p:sp>
+      </p:grpSp>
+      <p:grpSp>
+        <p:nvGrpSpPr>
+          <p:cNvPr id="22" name="Group 21">
+            <a:extLst>
+              <a:ext uri="{FF2B5EF4-FFF2-40B4-BE49-F238E27FC236}">
+                <a16:creationId xmlns:a16="http://schemas.microsoft.com/office/drawing/2014/main" id="{43B2735B-452F-FE97-6369-AA9E71F3D2BD}"/>
+              </a:ext>
+            </a:extLst>
+          </p:cNvPr>
+          <p:cNvGrpSpPr/>
+          <p:nvPr/>
+        </p:nvGrpSpPr>
+        <p:grpSpPr>
+          <a:xfrm>
+            <a:off x="4136902" y="2185743"/>
+            <a:ext cx="4035425" cy="358775"/>
+            <a:chOff x="4136902" y="2185743"/>
+            <a:chExt cx="4035425" cy="358775"/>
+          </a:xfrm>
+        </p:grpSpPr>
+        <p:pic>
+          <p:nvPicPr>
+            <p:cNvPr id="20" name="Picture 19" descr="Graphical user interface, text, application, email&#10;&#10;Description automatically generated">
+              <a:extLst>
+                <a:ext uri="{FF2B5EF4-FFF2-40B4-BE49-F238E27FC236}">
+                  <a16:creationId xmlns:a16="http://schemas.microsoft.com/office/drawing/2014/main" id="{1883A2B3-B646-9720-6CAA-43183ED03E39}"/>
+                </a:ext>
+              </a:extLst>
+            </p:cNvPr>
+            <p:cNvPicPr>
+              <a:picLocks noChangeAspect="1"/>
+            </p:cNvPicPr>
+            <p:nvPr/>
+          </p:nvPicPr>
+          <p:blipFill rotWithShape="1">
+            <a:blip r:embed="rId6">
+              <a:extLst>
+                <a:ext uri="{28A0092B-C50C-407E-A947-70E740481C1C}">
+                  <a14:useLocalDpi xmlns:a14="http://schemas.microsoft.com/office/drawing/2010/main" val="0"/>
+                </a:ext>
+              </a:extLst>
+            </a:blip>
+            <a:srcRect l="845" t="69840" r="857" b="11605"/>
+            <a:stretch/>
+          </p:blipFill>
+          <p:spPr>
+            <a:xfrm>
+              <a:off x="4136902" y="2185743"/>
+              <a:ext cx="4035425" cy="358775"/>
+            </a:xfrm>
+            <a:prstGeom prst="rect">
+              <a:avLst/>
+            </a:prstGeom>
+          </p:spPr>
+        </p:pic>
+        <p:sp>
+          <p:nvSpPr>
+            <p:cNvPr id="21" name="Овал 2">
+              <a:extLst>
+                <a:ext uri="{FF2B5EF4-FFF2-40B4-BE49-F238E27FC236}">
+                  <a16:creationId xmlns:a16="http://schemas.microsoft.com/office/drawing/2014/main" id="{8CA3436D-CC04-58B2-19C7-04A6C98793A3}"/>
+                </a:ext>
+              </a:extLst>
+            </p:cNvPr>
+            <p:cNvSpPr/>
+            <p:nvPr/>
+          </p:nvSpPr>
+          <p:spPr>
+            <a:xfrm>
+              <a:off x="4141177" y="2224454"/>
+              <a:ext cx="1389184" cy="272561"/>
+            </a:xfrm>
+            <a:prstGeom prst="ellipse">
+              <a:avLst/>
+            </a:prstGeom>
+            <a:noFill/>
+            <a:ln w="19050">
+              <a:solidFill>
+                <a:srgbClr val="FF0000"/>
+              </a:solidFill>
+            </a:ln>
+          </p:spPr>
+          <p:style>
+            <a:lnRef idx="2">
+              <a:schemeClr val="accent1">
+                <a:shade val="50000"/>
+              </a:schemeClr>
+            </a:lnRef>
+            <a:fillRef idx="1">
+              <a:schemeClr val="accent1"/>
+            </a:fillRef>
+            <a:effectRef idx="0">
+              <a:schemeClr val="accent1"/>
+            </a:effectRef>
+            <a:fontRef idx="minor">
+              <a:schemeClr val="lt1"/>
+            </a:fontRef>
+          </p:style>
+          <p:txBody>
+            <a:bodyPr rtlCol="0" anchor="ctr"/>
+            <a:lstStyle/>
+            <a:p>
+              <a:pPr algn="ctr"/>
+              <a:endParaRPr lang="ru-RU"/>
+            </a:p>
+          </p:txBody>
+        </p:sp>
+      </p:grpSp>
+    </p:spTree>
+    <p:extLst>
+      <p:ext uri="{BB962C8B-B14F-4D97-AF65-F5344CB8AC3E}">
+        <p14:creationId xmlns:p14="http://schemas.microsoft.com/office/powerpoint/2010/main" val="1281424898"/>
+      </p:ext>
+    </p:extLst>
+  </p:cSld>
+  <p:clrMapOvr>
+    <a:masterClrMapping/>
+  </p:clrMapOvr>
+</p:sld>
+</file>
+
+<file path=ppt/slides/slide24.xml><?xml version="1.0" encoding="utf-8"?>
+<p:sld xmlns:a="http://schemas.openxmlformats.org/drawingml/2006/main" xmlns:r="http://schemas.openxmlformats.org/officeDocument/2006/relationships" xmlns:p="http://schemas.openxmlformats.org/presentationml/2006/main">
+  <p:cSld>
+    <p:spTree>
+      <p:nvGrpSpPr>
+        <p:cNvPr id="1" name=""/>
+        <p:cNvGrpSpPr/>
+        <p:nvPr/>
+      </p:nvGrpSpPr>
+      <p:grpSpPr>
+        <a:xfrm>
+          <a:off x="0" y="0"/>
+          <a:ext cx="0" cy="0"/>
+          <a:chOff x="0" y="0"/>
+          <a:chExt cx="0" cy="0"/>
+        </a:xfrm>
+      </p:grpSpPr>
+      <p:grpSp>
+        <p:nvGrpSpPr>
           <p:cNvPr id="4" name="Группа 3"/>
           <p:cNvGrpSpPr/>
           <p:nvPr/>
@@ -16095,7 +16646,7 @@
 </p:sld>
 </file>
 
-<file path=ppt/slides/slide24.xml><?xml version="1.0" encoding="utf-8"?>
+<file path=ppt/slides/slide25.xml><?xml version="1.0" encoding="utf-8"?>
 <p:sld xmlns:a="http://schemas.openxmlformats.org/drawingml/2006/main" xmlns:r="http://schemas.openxmlformats.org/officeDocument/2006/relationships" xmlns:p="http://schemas.openxmlformats.org/presentationml/2006/main">
   <p:cSld>
     <p:spTree>
